--- a/文件资料/Android培训-1.pptx
+++ b/文件资料/Android培训-1.pptx
@@ -5,7 +5,7 @@
     <p:sldMasterId id="2147483648" r:id="rId1"/>
   </p:sldMasterIdLst>
   <p:notesMasterIdLst>
-    <p:notesMasterId r:id="rId16"/>
+    <p:notesMasterId r:id="rId19"/>
   </p:notesMasterIdLst>
   <p:sldIdLst>
     <p:sldId id="256" r:id="rId2"/>
@@ -22,6 +22,9 @@
     <p:sldId id="267" r:id="rId13"/>
     <p:sldId id="268" r:id="rId14"/>
     <p:sldId id="269" r:id="rId15"/>
+    <p:sldId id="270" r:id="rId16"/>
+    <p:sldId id="271" r:id="rId17"/>
+    <p:sldId id="272" r:id="rId18"/>
   </p:sldIdLst>
   <p:sldSz cx="9144000" cy="6858000" type="screen4x3"/>
   <p:notesSz cx="6858000" cy="9144000"/>
@@ -205,7 +208,7 @@
           <a:p>
             <a:fld id="{E99E619B-9BE8-8645-A00C-D838F9C65162}" type="datetimeFigureOut">
               <a:rPr kumimoji="1" lang="zh-CN" altLang="en-US" smtClean="0"/>
-              <a:t>15/3/13</a:t>
+              <a:t>15/3/16</a:t>
             </a:fld>
             <a:endParaRPr kumimoji="1" lang="zh-CN" altLang="en-US"/>
           </a:p>
@@ -1053,6 +1056,277 @@
 </p:notes>
 </file>
 
+<file path=ppt/notesSlides/notesSlide2.xml><?xml version="1.0" encoding="utf-8"?>
+<p:notes xmlns:a="http://schemas.openxmlformats.org/drawingml/2006/main" xmlns:r="http://schemas.openxmlformats.org/officeDocument/2006/relationships" xmlns:p="http://schemas.openxmlformats.org/presentationml/2006/main">
+  <p:cSld>
+    <p:spTree>
+      <p:nvGrpSpPr>
+        <p:cNvPr id="1" name=""/>
+        <p:cNvGrpSpPr/>
+        <p:nvPr/>
+      </p:nvGrpSpPr>
+      <p:grpSpPr>
+        <a:xfrm>
+          <a:off x="0" y="0"/>
+          <a:ext cx="0" cy="0"/>
+          <a:chOff x="0" y="0"/>
+          <a:chExt cx="0" cy="0"/>
+        </a:xfrm>
+      </p:grpSpPr>
+      <p:sp>
+        <p:nvSpPr>
+          <p:cNvPr id="2" name="幻灯片图像占位符 1"/>
+          <p:cNvSpPr>
+            <a:spLocks noGrp="1" noRot="1" noChangeAspect="1"/>
+          </p:cNvSpPr>
+          <p:nvPr>
+            <p:ph type="sldImg"/>
+          </p:nvPr>
+        </p:nvSpPr>
+        <p:spPr/>
+      </p:sp>
+      <p:sp>
+        <p:nvSpPr>
+          <p:cNvPr id="3" name="备注占位符 2"/>
+          <p:cNvSpPr>
+            <a:spLocks noGrp="1"/>
+          </p:cNvSpPr>
+          <p:nvPr>
+            <p:ph type="body" idx="1"/>
+          </p:nvPr>
+        </p:nvSpPr>
+        <p:spPr/>
+        <p:txBody>
+          <a:bodyPr/>
+          <a:lstStyle/>
+          <a:p>
+            <a:r>
+              <a:rPr kumimoji="1" lang="en-US" altLang="zh-CN" dirty="0" smtClean="0"/>
+              <a:t>activity</a:t>
+            </a:r>
+            <a:r>
+              <a:rPr kumimoji="1" lang="zh-CN" altLang="en-US" dirty="0" smtClean="0"/>
+              <a:t>就像我们</a:t>
+            </a:r>
+            <a:r>
+              <a:rPr kumimoji="1" lang="en-US" altLang="zh-CN" dirty="0" smtClean="0"/>
+              <a:t>pc</a:t>
+            </a:r>
+            <a:r>
+              <a:rPr kumimoji="1" lang="zh-CN" altLang="en-US" dirty="0" smtClean="0"/>
+              <a:t>上的窗口，可以放置其他的控件（按钮，图片等）</a:t>
+            </a:r>
+            <a:endParaRPr kumimoji="1" lang="zh-CN" altLang="en-US" dirty="0"/>
+          </a:p>
+        </p:txBody>
+      </p:sp>
+      <p:sp>
+        <p:nvSpPr>
+          <p:cNvPr id="4" name="幻灯片编号占位符 3"/>
+          <p:cNvSpPr>
+            <a:spLocks noGrp="1"/>
+          </p:cNvSpPr>
+          <p:nvPr>
+            <p:ph type="sldNum" sz="quarter" idx="10"/>
+          </p:nvPr>
+        </p:nvSpPr>
+        <p:spPr/>
+        <p:txBody>
+          <a:bodyPr/>
+          <a:lstStyle/>
+          <a:p>
+            <a:fld id="{9163888C-5123-6548-B379-D9685D88A76E}" type="slidenum">
+              <a:rPr kumimoji="1" lang="zh-CN" altLang="en-US" smtClean="0"/>
+              <a:t>15</a:t>
+            </a:fld>
+            <a:endParaRPr kumimoji="1" lang="zh-CN" altLang="en-US"/>
+          </a:p>
+        </p:txBody>
+      </p:sp>
+    </p:spTree>
+    <p:extLst>
+      <p:ext uri="{BB962C8B-B14F-4D97-AF65-F5344CB8AC3E}">
+        <p14:creationId xmlns:p14="http://schemas.microsoft.com/office/powerpoint/2010/main" val="2661079503"/>
+      </p:ext>
+    </p:extLst>
+  </p:cSld>
+  <p:clrMapOvr>
+    <a:masterClrMapping/>
+  </p:clrMapOvr>
+</p:notes>
+</file>
+
+<file path=ppt/notesSlides/notesSlide3.xml><?xml version="1.0" encoding="utf-8"?>
+<p:notes xmlns:a="http://schemas.openxmlformats.org/drawingml/2006/main" xmlns:r="http://schemas.openxmlformats.org/officeDocument/2006/relationships" xmlns:p="http://schemas.openxmlformats.org/presentationml/2006/main">
+  <p:cSld>
+    <p:spTree>
+      <p:nvGrpSpPr>
+        <p:cNvPr id="1" name=""/>
+        <p:cNvGrpSpPr/>
+        <p:nvPr/>
+      </p:nvGrpSpPr>
+      <p:grpSpPr>
+        <a:xfrm>
+          <a:off x="0" y="0"/>
+          <a:ext cx="0" cy="0"/>
+          <a:chOff x="0" y="0"/>
+          <a:chExt cx="0" cy="0"/>
+        </a:xfrm>
+      </p:grpSpPr>
+      <p:sp>
+        <p:nvSpPr>
+          <p:cNvPr id="2" name="幻灯片图像占位符 1"/>
+          <p:cNvSpPr>
+            <a:spLocks noGrp="1" noRot="1" noChangeAspect="1"/>
+          </p:cNvSpPr>
+          <p:nvPr>
+            <p:ph type="sldImg"/>
+          </p:nvPr>
+        </p:nvSpPr>
+        <p:spPr/>
+      </p:sp>
+      <p:sp>
+        <p:nvSpPr>
+          <p:cNvPr id="3" name="备注占位符 2"/>
+          <p:cNvSpPr>
+            <a:spLocks noGrp="1"/>
+          </p:cNvSpPr>
+          <p:nvPr>
+            <p:ph type="body" idx="1"/>
+          </p:nvPr>
+        </p:nvSpPr>
+        <p:spPr/>
+        <p:txBody>
+          <a:bodyPr/>
+          <a:lstStyle/>
+          <a:p>
+            <a:r>
+              <a:rPr kumimoji="1" lang="en-US" altLang="zh-CN" dirty="0" err="1" smtClean="0"/>
+              <a:t>oncreate</a:t>
+            </a:r>
+            <a:r>
+              <a:rPr kumimoji="1" lang="en-US" altLang="zh-CN" dirty="0" err="1" smtClean="0">
+                <a:sym typeface="Wingdings"/>
+              </a:rPr>
+              <a:t>onstart</a:t>
+            </a:r>
+            <a:r>
+              <a:rPr kumimoji="1" lang="en-US" altLang="zh-CN" dirty="0" smtClean="0">
+                <a:sym typeface="Wingdings"/>
+              </a:rPr>
+              <a:t>()</a:t>
+            </a:r>
+            <a:r>
+              <a:rPr kumimoji="1" lang="en-US" altLang="zh-CN" dirty="0" err="1" smtClean="0">
+                <a:sym typeface="Wingdings"/>
+              </a:rPr>
+              <a:t>onResume</a:t>
+            </a:r>
+            <a:r>
+              <a:rPr kumimoji="1" lang="en-US" altLang="zh-CN" dirty="0" smtClean="0">
+                <a:sym typeface="Wingdings"/>
+              </a:rPr>
+              <a:t>()</a:t>
+            </a:r>
+            <a:r>
+              <a:rPr kumimoji="1" lang="en-US" altLang="zh-CN" dirty="0" err="1" smtClean="0">
+                <a:sym typeface="Wingdings"/>
+              </a:rPr>
+              <a:t>onPause</a:t>
+            </a:r>
+            <a:r>
+              <a:rPr kumimoji="1" lang="en-US" altLang="zh-CN" dirty="0" smtClean="0">
+                <a:sym typeface="Wingdings"/>
+              </a:rPr>
+              <a:t>()</a:t>
+            </a:r>
+            <a:r>
+              <a:rPr kumimoji="1" lang="en-US" altLang="zh-CN" dirty="0" err="1" smtClean="0">
+                <a:sym typeface="Wingdings"/>
+              </a:rPr>
+              <a:t>onStop</a:t>
+            </a:r>
+            <a:r>
+              <a:rPr kumimoji="1" lang="en-US" altLang="zh-CN" dirty="0" smtClean="0">
+                <a:sym typeface="Wingdings"/>
+              </a:rPr>
+              <a:t>()</a:t>
+            </a:r>
+            <a:r>
+              <a:rPr kumimoji="1" lang="en-US" altLang="zh-CN" dirty="0" err="1" smtClean="0">
+                <a:sym typeface="Wingdings"/>
+              </a:rPr>
+              <a:t>onDestroy</a:t>
+            </a:r>
+            <a:r>
+              <a:rPr kumimoji="1" lang="en-US" altLang="zh-CN" dirty="0" smtClean="0">
+                <a:sym typeface="Wingdings"/>
+              </a:rPr>
+              <a:t>()</a:t>
+            </a:r>
+            <a:r>
+              <a:rPr kumimoji="1" lang="zh-CN" altLang="en-US" dirty="0" smtClean="0">
+                <a:sym typeface="Wingdings"/>
+              </a:rPr>
+              <a:t>   </a:t>
+            </a:r>
+            <a:endParaRPr kumimoji="1" lang="en-US" altLang="zh-CN" dirty="0" smtClean="0">
+              <a:sym typeface="Wingdings"/>
+            </a:endParaRPr>
+          </a:p>
+          <a:p>
+            <a:r>
+              <a:rPr kumimoji="1" lang="en-US" altLang="zh-CN" dirty="0" err="1" smtClean="0">
+                <a:sym typeface="Wingdings"/>
+              </a:rPr>
+              <a:t>onRestart</a:t>
+            </a:r>
+            <a:r>
+              <a:rPr kumimoji="1" lang="en-US" altLang="zh-CN" dirty="0" smtClean="0">
+                <a:sym typeface="Wingdings"/>
+              </a:rPr>
+              <a:t>();</a:t>
+            </a:r>
+            <a:endParaRPr kumimoji="1" lang="zh-CN" altLang="en-US" dirty="0"/>
+          </a:p>
+        </p:txBody>
+      </p:sp>
+      <p:sp>
+        <p:nvSpPr>
+          <p:cNvPr id="4" name="幻灯片编号占位符 3"/>
+          <p:cNvSpPr>
+            <a:spLocks noGrp="1"/>
+          </p:cNvSpPr>
+          <p:nvPr>
+            <p:ph type="sldNum" sz="quarter" idx="10"/>
+          </p:nvPr>
+        </p:nvSpPr>
+        <p:spPr/>
+        <p:txBody>
+          <a:bodyPr/>
+          <a:lstStyle/>
+          <a:p>
+            <a:fld id="{9163888C-5123-6548-B379-D9685D88A76E}" type="slidenum">
+              <a:rPr kumimoji="1" lang="zh-CN" altLang="en-US" smtClean="0"/>
+              <a:t>17</a:t>
+            </a:fld>
+            <a:endParaRPr kumimoji="1" lang="zh-CN" altLang="en-US"/>
+          </a:p>
+        </p:txBody>
+      </p:sp>
+    </p:spTree>
+    <p:extLst>
+      <p:ext uri="{BB962C8B-B14F-4D97-AF65-F5344CB8AC3E}">
+        <p14:creationId xmlns:p14="http://schemas.microsoft.com/office/powerpoint/2010/main" val="2202852531"/>
+      </p:ext>
+    </p:extLst>
+  </p:cSld>
+  <p:clrMapOvr>
+    <a:masterClrMapping/>
+  </p:clrMapOvr>
+</p:notes>
+</file>
+
 <file path=ppt/slideLayouts/slideLayout1.xml><?xml version="1.0" encoding="utf-8"?>
 <p:sldLayout xmlns:a="http://schemas.openxmlformats.org/drawingml/2006/main" xmlns:r="http://schemas.openxmlformats.org/officeDocument/2006/relationships" xmlns:p="http://schemas.openxmlformats.org/presentationml/2006/main" type="title" preserve="1">
   <p:cSld name="标题幻灯片">
@@ -1234,7 +1508,7 @@
           <a:p>
             <a:fld id="{78D5617F-8706-C243-AA34-EA73F1578B19}" type="datetimeFigureOut">
               <a:rPr kumimoji="1" lang="zh-CN" altLang="en-US" smtClean="0"/>
-              <a:t>15/3/13</a:t>
+              <a:t>15/3/16</a:t>
             </a:fld>
             <a:endParaRPr kumimoji="1" lang="zh-CN" altLang="en-US"/>
           </a:p>
@@ -1404,7 +1678,7 @@
           <a:p>
             <a:fld id="{78D5617F-8706-C243-AA34-EA73F1578B19}" type="datetimeFigureOut">
               <a:rPr kumimoji="1" lang="zh-CN" altLang="en-US" smtClean="0"/>
-              <a:t>15/3/13</a:t>
+              <a:t>15/3/16</a:t>
             </a:fld>
             <a:endParaRPr kumimoji="1" lang="zh-CN" altLang="en-US"/>
           </a:p>
@@ -1584,7 +1858,7 @@
           <a:p>
             <a:fld id="{78D5617F-8706-C243-AA34-EA73F1578B19}" type="datetimeFigureOut">
               <a:rPr kumimoji="1" lang="zh-CN" altLang="en-US" smtClean="0"/>
-              <a:t>15/3/13</a:t>
+              <a:t>15/3/16</a:t>
             </a:fld>
             <a:endParaRPr kumimoji="1" lang="zh-CN" altLang="en-US"/>
           </a:p>
@@ -1754,7 +2028,7 @@
           <a:p>
             <a:fld id="{78D5617F-8706-C243-AA34-EA73F1578B19}" type="datetimeFigureOut">
               <a:rPr kumimoji="1" lang="zh-CN" altLang="en-US" smtClean="0"/>
-              <a:t>15/3/13</a:t>
+              <a:t>15/3/16</a:t>
             </a:fld>
             <a:endParaRPr kumimoji="1" lang="zh-CN" altLang="en-US"/>
           </a:p>
@@ -2000,7 +2274,7 @@
           <a:p>
             <a:fld id="{78D5617F-8706-C243-AA34-EA73F1578B19}" type="datetimeFigureOut">
               <a:rPr kumimoji="1" lang="zh-CN" altLang="en-US" smtClean="0"/>
-              <a:t>15/3/13</a:t>
+              <a:t>15/3/16</a:t>
             </a:fld>
             <a:endParaRPr kumimoji="1" lang="zh-CN" altLang="en-US"/>
           </a:p>
@@ -2288,7 +2562,7 @@
           <a:p>
             <a:fld id="{78D5617F-8706-C243-AA34-EA73F1578B19}" type="datetimeFigureOut">
               <a:rPr kumimoji="1" lang="zh-CN" altLang="en-US" smtClean="0"/>
-              <a:t>15/3/13</a:t>
+              <a:t>15/3/16</a:t>
             </a:fld>
             <a:endParaRPr kumimoji="1" lang="zh-CN" altLang="en-US"/>
           </a:p>
@@ -2710,7 +2984,7 @@
           <a:p>
             <a:fld id="{78D5617F-8706-C243-AA34-EA73F1578B19}" type="datetimeFigureOut">
               <a:rPr kumimoji="1" lang="zh-CN" altLang="en-US" smtClean="0"/>
-              <a:t>15/3/13</a:t>
+              <a:t>15/3/16</a:t>
             </a:fld>
             <a:endParaRPr kumimoji="1" lang="zh-CN" altLang="en-US"/>
           </a:p>
@@ -2828,7 +3102,7 @@
           <a:p>
             <a:fld id="{78D5617F-8706-C243-AA34-EA73F1578B19}" type="datetimeFigureOut">
               <a:rPr kumimoji="1" lang="zh-CN" altLang="en-US" smtClean="0"/>
-              <a:t>15/3/13</a:t>
+              <a:t>15/3/16</a:t>
             </a:fld>
             <a:endParaRPr kumimoji="1" lang="zh-CN" altLang="en-US"/>
           </a:p>
@@ -2923,7 +3197,7 @@
           <a:p>
             <a:fld id="{78D5617F-8706-C243-AA34-EA73F1578B19}" type="datetimeFigureOut">
               <a:rPr kumimoji="1" lang="zh-CN" altLang="en-US" smtClean="0"/>
-              <a:t>15/3/13</a:t>
+              <a:t>15/3/16</a:t>
             </a:fld>
             <a:endParaRPr kumimoji="1" lang="zh-CN" altLang="en-US"/>
           </a:p>
@@ -3200,7 +3474,7 @@
           <a:p>
             <a:fld id="{78D5617F-8706-C243-AA34-EA73F1578B19}" type="datetimeFigureOut">
               <a:rPr kumimoji="1" lang="zh-CN" altLang="en-US" smtClean="0"/>
-              <a:t>15/3/13</a:t>
+              <a:t>15/3/16</a:t>
             </a:fld>
             <a:endParaRPr kumimoji="1" lang="zh-CN" altLang="en-US"/>
           </a:p>
@@ -3453,7 +3727,7 @@
           <a:p>
             <a:fld id="{78D5617F-8706-C243-AA34-EA73F1578B19}" type="datetimeFigureOut">
               <a:rPr kumimoji="1" lang="zh-CN" altLang="en-US" smtClean="0"/>
-              <a:t>15/3/13</a:t>
+              <a:t>15/3/16</a:t>
             </a:fld>
             <a:endParaRPr kumimoji="1" lang="zh-CN" altLang="en-US"/>
           </a:p>
@@ -3666,7 +3940,7 @@
           <a:p>
             <a:fld id="{78D5617F-8706-C243-AA34-EA73F1578B19}" type="datetimeFigureOut">
               <a:rPr kumimoji="1" lang="zh-CN" altLang="en-US" smtClean="0"/>
-              <a:t>15/3/13</a:t>
+              <a:t>15/3/16</a:t>
             </a:fld>
             <a:endParaRPr kumimoji="1" lang="zh-CN" altLang="en-US"/>
           </a:p>
@@ -4711,19 +4985,7 @@
           <a:p>
             <a:r>
               <a:rPr kumimoji="1" lang="zh-CN" altLang="en-US" dirty="0" smtClean="0"/>
-              <a:t>创</a:t>
-            </a:r>
-            <a:r>
-              <a:rPr kumimoji="1" lang="zh-CN" altLang="en-US" dirty="0" smtClean="0"/>
-              <a:t>建</a:t>
-            </a:r>
-            <a:r>
-              <a:rPr kumimoji="1" lang="zh-CN" altLang="en-US" dirty="0" smtClean="0"/>
-              <a:t>第</a:t>
-            </a:r>
-            <a:r>
-              <a:rPr kumimoji="1" lang="zh-CN" altLang="en-US" dirty="0" smtClean="0"/>
-              <a:t>一个</a:t>
+              <a:t>创建第一个</a:t>
             </a:r>
             <a:r>
               <a:rPr kumimoji="1" lang="en-US" altLang="zh-CN" dirty="0" smtClean="0"/>
@@ -4762,11 +5024,7 @@
             </a:r>
             <a:r>
               <a:rPr kumimoji="1" lang="zh-CN" altLang="en-US" dirty="0" smtClean="0"/>
-              <a:t>项目，包含一个页面</a:t>
-            </a:r>
-            <a:r>
-              <a:rPr kumimoji="1" lang="zh-CN" altLang="en-US" dirty="0" smtClean="0"/>
-              <a:t>。</a:t>
+              <a:t>项目，包含一个页面。</a:t>
             </a:r>
             <a:endParaRPr kumimoji="1" lang="en-US" altLang="zh-CN" dirty="0" smtClean="0"/>
           </a:p>
@@ -5529,11 +5787,7 @@
             </a:r>
             <a:r>
               <a:rPr kumimoji="1" lang="zh-CN" altLang="en-US" sz="2000" dirty="0" smtClean="0"/>
-              <a:t>  </a:t>
-            </a:r>
-            <a:r>
-              <a:rPr kumimoji="1" lang="zh-CN" altLang="en-US" sz="2000" dirty="0" smtClean="0"/>
-              <a:t>查看日志信息</a:t>
+              <a:t>  查看日志信息</a:t>
             </a:r>
             <a:endParaRPr kumimoji="1" lang="en-US" altLang="zh-CN" sz="2000" dirty="0" smtClean="0"/>
           </a:p>
@@ -5634,6 +5888,361 @@
       </p:par>
     </p:tnLst>
   </p:timing>
+</p:sld>
+</file>
+
+<file path=ppt/slides/slide15.xml><?xml version="1.0" encoding="utf-8"?>
+<p:sld xmlns:a="http://schemas.openxmlformats.org/drawingml/2006/main" xmlns:r="http://schemas.openxmlformats.org/officeDocument/2006/relationships" xmlns:p="http://schemas.openxmlformats.org/presentationml/2006/main">
+  <p:cSld>
+    <p:spTree>
+      <p:nvGrpSpPr>
+        <p:cNvPr id="1" name=""/>
+        <p:cNvGrpSpPr/>
+        <p:nvPr/>
+      </p:nvGrpSpPr>
+      <p:grpSpPr>
+        <a:xfrm>
+          <a:off x="0" y="0"/>
+          <a:ext cx="0" cy="0"/>
+          <a:chOff x="0" y="0"/>
+          <a:chExt cx="0" cy="0"/>
+        </a:xfrm>
+      </p:grpSpPr>
+      <p:sp>
+        <p:nvSpPr>
+          <p:cNvPr id="2" name="标题 1"/>
+          <p:cNvSpPr>
+            <a:spLocks noGrp="1"/>
+          </p:cNvSpPr>
+          <p:nvPr>
+            <p:ph type="title"/>
+          </p:nvPr>
+        </p:nvSpPr>
+        <p:spPr/>
+        <p:txBody>
+          <a:bodyPr/>
+          <a:lstStyle/>
+          <a:p>
+            <a:r>
+              <a:rPr kumimoji="1" lang="en-US" altLang="zh-CN" dirty="0" smtClean="0"/>
+              <a:t>Activity</a:t>
+            </a:r>
+            <a:endParaRPr kumimoji="1" lang="zh-CN" altLang="en-US" dirty="0"/>
+          </a:p>
+        </p:txBody>
+      </p:sp>
+      <p:sp>
+        <p:nvSpPr>
+          <p:cNvPr id="6" name="内容占位符 5"/>
+          <p:cNvSpPr>
+            <a:spLocks noGrp="1"/>
+          </p:cNvSpPr>
+          <p:nvPr>
+            <p:ph idx="1"/>
+          </p:nvPr>
+        </p:nvSpPr>
+        <p:spPr/>
+        <p:txBody>
+          <a:bodyPr>
+            <a:normAutofit/>
+          </a:bodyPr>
+          <a:lstStyle/>
+          <a:p>
+            <a:r>
+              <a:rPr kumimoji="1" lang="zh-CN" altLang="en-US" sz="2000" dirty="0" smtClean="0"/>
+              <a:t>什么是</a:t>
+            </a:r>
+            <a:r>
+              <a:rPr kumimoji="1" lang="en-US" altLang="zh-CN" sz="2000" dirty="0" smtClean="0"/>
+              <a:t>Activity</a:t>
+            </a:r>
+          </a:p>
+          <a:p>
+            <a:pPr marL="0" indent="0">
+              <a:buNone/>
+            </a:pPr>
+            <a:r>
+              <a:rPr kumimoji="1" lang="zh-CN" altLang="en-US" sz="2000" dirty="0" smtClean="0"/>
+              <a:t> </a:t>
+            </a:r>
+            <a:r>
+              <a:rPr kumimoji="1" lang="en-US" altLang="zh-CN" sz="2000" dirty="0" smtClean="0"/>
+              <a:t>Activity</a:t>
+            </a:r>
+            <a:r>
+              <a:rPr kumimoji="1" lang="zh-CN" altLang="en-US" sz="2000" dirty="0"/>
+              <a:t>是</a:t>
+            </a:r>
+            <a:r>
+              <a:rPr kumimoji="1" lang="en-US" altLang="zh-CN" sz="2000" dirty="0"/>
+              <a:t>Android</a:t>
+            </a:r>
+            <a:r>
+              <a:rPr kumimoji="1" lang="zh-CN" altLang="en-US" sz="2000" dirty="0"/>
+              <a:t>组件中</a:t>
+            </a:r>
+            <a:r>
+              <a:rPr kumimoji="1" lang="zh-CN" altLang="en-US" sz="2000" dirty="0">
+                <a:solidFill>
+                  <a:srgbClr val="FF0000"/>
+                </a:solidFill>
+              </a:rPr>
+              <a:t>最基本也是最为常见用</a:t>
+            </a:r>
+            <a:r>
+              <a:rPr kumimoji="1" lang="zh-CN" altLang="en-US" sz="2000" dirty="0"/>
+              <a:t>的四大组件（</a:t>
+            </a:r>
+            <a:r>
+              <a:rPr kumimoji="1" lang="en-US" altLang="zh-CN" sz="2000" dirty="0"/>
+              <a:t>Activity</a:t>
+            </a:r>
+            <a:r>
+              <a:rPr kumimoji="1" lang="zh-CN" altLang="en-US" sz="2000" dirty="0"/>
+              <a:t>，</a:t>
+            </a:r>
+            <a:r>
+              <a:rPr kumimoji="1" lang="en-US" altLang="zh-CN" sz="2000" dirty="0"/>
+              <a:t>Service</a:t>
+            </a:r>
+            <a:r>
+              <a:rPr kumimoji="1" lang="zh-CN" altLang="en-US" sz="2000" dirty="0"/>
+              <a:t>服务，</a:t>
+            </a:r>
+            <a:r>
+              <a:rPr kumimoji="1" lang="en-US" altLang="zh-CN" sz="2000" dirty="0"/>
+              <a:t>Content Provider</a:t>
+            </a:r>
+            <a:r>
+              <a:rPr kumimoji="1" lang="zh-CN" altLang="en-US" sz="2000" dirty="0"/>
+              <a:t>内容提供者，</a:t>
+            </a:r>
+            <a:r>
+              <a:rPr kumimoji="1" lang="en-US" altLang="zh-CN" sz="2000" dirty="0" err="1"/>
+              <a:t>BroadcastReceiver</a:t>
+            </a:r>
+            <a:r>
+              <a:rPr kumimoji="1" lang="zh-CN" altLang="en-US" sz="2000" dirty="0"/>
+              <a:t>广播接收器）</a:t>
+            </a:r>
+            <a:r>
+              <a:rPr kumimoji="1" lang="zh-CN" altLang="en-US" sz="2000" dirty="0" smtClean="0"/>
+              <a:t>之一</a:t>
+            </a:r>
+            <a:r>
+              <a:rPr kumimoji="1" lang="en-US" altLang="zh-CN" sz="2000" dirty="0" smtClean="0"/>
+              <a:t>,</a:t>
+            </a:r>
+            <a:r>
+              <a:rPr kumimoji="1" lang="zh-CN" altLang="en-US" sz="2000" dirty="0"/>
+              <a:t> </a:t>
+            </a:r>
+            <a:r>
+              <a:rPr kumimoji="1" lang="en-US" altLang="zh-CN" sz="2000" dirty="0"/>
+              <a:t>Activity</a:t>
+            </a:r>
+            <a:r>
+              <a:rPr kumimoji="1" lang="zh-CN" altLang="en-US" sz="2000" dirty="0"/>
+              <a:t>中所有操作都与用户密切相关，是一个负责与用户交互的组</a:t>
+            </a:r>
+            <a:r>
+              <a:rPr kumimoji="1" lang="zh-CN" altLang="en-US" sz="2000" dirty="0" smtClean="0"/>
+              <a:t>件</a:t>
+            </a:r>
+            <a:r>
+              <a:rPr kumimoji="1" lang="zh-CN" altLang="zh-CN" sz="2000" dirty="0" smtClean="0"/>
+              <a:t>，</a:t>
+            </a:r>
+            <a:r>
+              <a:rPr kumimoji="1" lang="zh-CN" altLang="en-US" sz="2000" dirty="0" smtClean="0"/>
+              <a:t>是与用户交互最基本的单元。</a:t>
+            </a:r>
+            <a:endParaRPr kumimoji="1" lang="zh-CN" altLang="en-US" sz="2000" dirty="0"/>
+          </a:p>
+        </p:txBody>
+      </p:sp>
+    </p:spTree>
+    <p:extLst>
+      <p:ext uri="{BB962C8B-B14F-4D97-AF65-F5344CB8AC3E}">
+        <p14:creationId xmlns:p14="http://schemas.microsoft.com/office/powerpoint/2010/main" val="1239742302"/>
+      </p:ext>
+    </p:extLst>
+  </p:cSld>
+  <p:clrMapOvr>
+    <a:masterClrMapping/>
+  </p:clrMapOvr>
+</p:sld>
+</file>
+
+<file path=ppt/slides/slide16.xml><?xml version="1.0" encoding="utf-8"?>
+<p:sld xmlns:a="http://schemas.openxmlformats.org/drawingml/2006/main" xmlns:r="http://schemas.openxmlformats.org/officeDocument/2006/relationships" xmlns:p="http://schemas.openxmlformats.org/presentationml/2006/main">
+  <p:cSld>
+    <p:spTree>
+      <p:nvGrpSpPr>
+        <p:cNvPr id="1" name=""/>
+        <p:cNvGrpSpPr/>
+        <p:nvPr/>
+      </p:nvGrpSpPr>
+      <p:grpSpPr>
+        <a:xfrm>
+          <a:off x="0" y="0"/>
+          <a:ext cx="0" cy="0"/>
+          <a:chOff x="0" y="0"/>
+          <a:chExt cx="0" cy="0"/>
+        </a:xfrm>
+      </p:grpSpPr>
+      <p:sp>
+        <p:nvSpPr>
+          <p:cNvPr id="2" name="标题 1"/>
+          <p:cNvSpPr>
+            <a:spLocks noGrp="1"/>
+          </p:cNvSpPr>
+          <p:nvPr>
+            <p:ph type="title"/>
+          </p:nvPr>
+        </p:nvSpPr>
+        <p:spPr/>
+        <p:txBody>
+          <a:bodyPr/>
+          <a:lstStyle/>
+          <a:p>
+            <a:r>
+              <a:rPr kumimoji="1" lang="en-US" altLang="zh-CN" dirty="0" smtClean="0"/>
+              <a:t>Activity</a:t>
+            </a:r>
+            <a:r>
+              <a:rPr kumimoji="1" lang="zh-CN" altLang="en-US" dirty="0" smtClean="0"/>
+              <a:t>三种状态</a:t>
+            </a:r>
+            <a:endParaRPr kumimoji="1" lang="zh-CN" altLang="en-US" dirty="0"/>
+          </a:p>
+        </p:txBody>
+      </p:sp>
+      <p:sp>
+        <p:nvSpPr>
+          <p:cNvPr id="3" name="内容占位符 2"/>
+          <p:cNvSpPr>
+            <a:spLocks noGrp="1"/>
+          </p:cNvSpPr>
+          <p:nvPr>
+            <p:ph idx="1"/>
+          </p:nvPr>
+        </p:nvSpPr>
+        <p:spPr/>
+        <p:txBody>
+          <a:bodyPr>
+            <a:normAutofit/>
+          </a:bodyPr>
+          <a:lstStyle/>
+          <a:p>
+            <a:r>
+              <a:rPr kumimoji="1" lang="zh-CN" altLang="en-US" sz="2000" dirty="0" smtClean="0"/>
+              <a:t>运行状态、停止状态、暂停状态</a:t>
+            </a:r>
+            <a:endParaRPr kumimoji="1" lang="zh-CN" altLang="en-US" sz="2000" dirty="0"/>
+          </a:p>
+        </p:txBody>
+      </p:sp>
+    </p:spTree>
+    <p:extLst>
+      <p:ext uri="{BB962C8B-B14F-4D97-AF65-F5344CB8AC3E}">
+        <p14:creationId xmlns:p14="http://schemas.microsoft.com/office/powerpoint/2010/main" val="1238773107"/>
+      </p:ext>
+    </p:extLst>
+  </p:cSld>
+  <p:clrMapOvr>
+    <a:masterClrMapping/>
+  </p:clrMapOvr>
+</p:sld>
+</file>
+
+<file path=ppt/slides/slide17.xml><?xml version="1.0" encoding="utf-8"?>
+<p:sld xmlns:a="http://schemas.openxmlformats.org/drawingml/2006/main" xmlns:r="http://schemas.openxmlformats.org/officeDocument/2006/relationships" xmlns:p="http://schemas.openxmlformats.org/presentationml/2006/main">
+  <p:cSld>
+    <p:spTree>
+      <p:nvGrpSpPr>
+        <p:cNvPr id="1" name=""/>
+        <p:cNvGrpSpPr/>
+        <p:nvPr/>
+      </p:nvGrpSpPr>
+      <p:grpSpPr>
+        <a:xfrm>
+          <a:off x="0" y="0"/>
+          <a:ext cx="0" cy="0"/>
+          <a:chOff x="0" y="0"/>
+          <a:chExt cx="0" cy="0"/>
+        </a:xfrm>
+      </p:grpSpPr>
+      <p:sp>
+        <p:nvSpPr>
+          <p:cNvPr id="2" name="标题 1"/>
+          <p:cNvSpPr>
+            <a:spLocks noGrp="1"/>
+          </p:cNvSpPr>
+          <p:nvPr>
+            <p:ph type="title"/>
+          </p:nvPr>
+        </p:nvSpPr>
+        <p:spPr/>
+        <p:txBody>
+          <a:bodyPr/>
+          <a:lstStyle/>
+          <a:p>
+            <a:r>
+              <a:rPr kumimoji="1" lang="en-US" altLang="zh-CN" dirty="0" smtClean="0"/>
+              <a:t>Activity</a:t>
+            </a:r>
+            <a:r>
+              <a:rPr kumimoji="1" lang="zh-CN" altLang="en-US" dirty="0" smtClean="0"/>
+              <a:t>的生命周期</a:t>
+            </a:r>
+            <a:endParaRPr kumimoji="1" lang="zh-CN" altLang="en-US" dirty="0"/>
+          </a:p>
+        </p:txBody>
+      </p:sp>
+      <p:pic>
+        <p:nvPicPr>
+          <p:cNvPr id="4" name="内容占位符 3" descr="activity_lifecycle.png"/>
+          <p:cNvPicPr>
+            <a:picLocks noGrp="1" noChangeAspect="1"/>
+          </p:cNvPicPr>
+          <p:nvPr>
+            <p:ph idx="1"/>
+          </p:nvPr>
+        </p:nvPicPr>
+        <p:blipFill>
+          <a:blip r:embed="rId3">
+            <a:extLst>
+              <a:ext uri="{28A0092B-C50C-407E-A947-70E740481C1C}">
+                <a14:useLocalDpi xmlns:a14="http://schemas.microsoft.com/office/drawing/2010/main" val="0"/>
+              </a:ext>
+            </a:extLst>
+          </a:blip>
+          <a:srcRect l="-67499" r="-67499"/>
+          <a:stretch>
+            <a:fillRect/>
+          </a:stretch>
+        </p:blipFill>
+        <p:spPr>
+          <a:xfrm>
+            <a:off x="-1850051" y="1160086"/>
+            <a:ext cx="13410367" cy="5697914"/>
+          </a:xfrm>
+          <a:prstGeom prst="rect">
+            <a:avLst/>
+          </a:prstGeom>
+        </p:spPr>
+      </p:pic>
+    </p:spTree>
+    <p:extLst>
+      <p:ext uri="{BB962C8B-B14F-4D97-AF65-F5344CB8AC3E}">
+        <p14:creationId xmlns:p14="http://schemas.microsoft.com/office/powerpoint/2010/main" val="3958370674"/>
+      </p:ext>
+    </p:extLst>
+  </p:cSld>
+  <p:clrMapOvr>
+    <a:masterClrMapping/>
+  </p:clrMapOvr>
 </p:sld>
 </file>
 
@@ -6255,15 +6864,7 @@
           <a:p>
             <a:r>
               <a:rPr kumimoji="1" lang="zh-CN" altLang="en-US" sz="2000" dirty="0" smtClean="0"/>
-              <a:t>开</a:t>
-            </a:r>
-            <a:r>
-              <a:rPr kumimoji="1" lang="zh-CN" altLang="en-US" sz="2000" dirty="0" smtClean="0"/>
-              <a:t>放性</a:t>
-            </a:r>
-            <a:r>
-              <a:rPr kumimoji="1" lang="zh-CN" altLang="en-US" sz="2000" dirty="0" smtClean="0"/>
-              <a:t> ，</a:t>
+              <a:t>开放性 ，</a:t>
             </a:r>
             <a:r>
               <a:rPr kumimoji="1" lang="en-US" altLang="zh-CN" sz="2000" dirty="0"/>
@@ -6286,23 +6887,7 @@
           <a:p>
             <a:r>
               <a:rPr kumimoji="1" lang="zh-CN" altLang="en-US" sz="2000" dirty="0" smtClean="0"/>
-              <a:t>丰</a:t>
-            </a:r>
-            <a:r>
-              <a:rPr kumimoji="1" lang="zh-CN" altLang="en-US" sz="2000" dirty="0" smtClean="0"/>
-              <a:t>富的</a:t>
-            </a:r>
-            <a:r>
-              <a:rPr kumimoji="1" lang="zh-CN" altLang="en-US" sz="2000" dirty="0" smtClean="0"/>
-              <a:t>软</a:t>
-            </a:r>
-            <a:r>
-              <a:rPr kumimoji="1" lang="zh-CN" altLang="en-US" sz="2000" dirty="0" smtClean="0"/>
-              <a:t>硬件选择</a:t>
-            </a:r>
-            <a:r>
-              <a:rPr kumimoji="1" lang="zh-CN" altLang="en-US" sz="2000" dirty="0" smtClean="0"/>
-              <a:t>，由于</a:t>
+              <a:t>丰富的软硬件选择，由于</a:t>
             </a:r>
             <a:r>
               <a:rPr kumimoji="1" lang="en-US" altLang="zh-CN" sz="2000" dirty="0" smtClean="0"/>
@@ -6423,11 +7008,7 @@
           <a:p>
             <a:r>
               <a:rPr kumimoji="1" lang="zh-CN" altLang="en-US" sz="2000" dirty="0" smtClean="0"/>
-              <a:t>同类型手机用户减</a:t>
-            </a:r>
-            <a:r>
-              <a:rPr kumimoji="1" lang="zh-CN" altLang="en-US" sz="2000" dirty="0" smtClean="0"/>
-              <a:t>少</a:t>
+              <a:t>同类型手机用户减少</a:t>
             </a:r>
             <a:endParaRPr kumimoji="1" lang="en-US" altLang="zh-CN" sz="2000" dirty="0" smtClean="0"/>
           </a:p>
@@ -7093,7 +7674,7 @@
         <p:spPr/>
         <p:txBody>
           <a:bodyPr>
-            <a:normAutofit lnSpcReduction="10000"/>
+            <a:normAutofit fontScale="85000" lnSpcReduction="20000"/>
           </a:bodyPr>
           <a:lstStyle/>
           <a:p>
@@ -7140,11 +7721,7 @@
             </a:r>
             <a:r>
               <a:rPr kumimoji="1" lang="zh-CN" altLang="en-US" sz="1800" dirty="0" smtClean="0"/>
-              <a:t>系统</a:t>
-            </a:r>
-            <a:r>
-              <a:rPr kumimoji="1" lang="zh-CN" altLang="en-US" sz="1800" dirty="0" smtClean="0"/>
-              <a:t>安装</a:t>
+              <a:t>系统安装</a:t>
             </a:r>
             <a:r>
               <a:rPr kumimoji="1" lang="en-US" altLang="zh-CN" sz="1800" dirty="0" err="1" smtClean="0"/>
@@ -7237,21 +7814,111 @@
             <a:pPr>
               <a:buAutoNum type="arabicPeriod" startAt="2"/>
             </a:pPr>
+            <a:endParaRPr kumimoji="1" lang="en-US" altLang="zh-CN" sz="1800" dirty="0" smtClean="0"/>
+          </a:p>
+          <a:p>
+            <a:pPr>
+              <a:buAutoNum type="arabicPeriod" startAt="2"/>
+            </a:pPr>
+            <a:r>
+              <a:rPr kumimoji="1" lang="en-US" altLang="zh-CN" sz="1800" dirty="0" smtClean="0"/>
+              <a:t>Android</a:t>
+            </a:r>
+            <a:r>
+              <a:rPr kumimoji="1" lang="zh-CN" altLang="en-US" sz="1800" dirty="0" smtClean="0"/>
+              <a:t> </a:t>
+            </a:r>
+            <a:r>
+              <a:rPr kumimoji="1" lang="en-US" altLang="zh-CN" sz="1800" dirty="0" smtClean="0"/>
+              <a:t>SDK</a:t>
+            </a:r>
+            <a:r>
+              <a:rPr kumimoji="1" lang="zh-CN" altLang="en-US" sz="1800" dirty="0" smtClean="0"/>
+              <a:t>，</a:t>
+            </a:r>
+            <a:r>
+              <a:rPr kumimoji="1" lang="en-US" altLang="zh-CN" sz="1800" dirty="0" smtClean="0"/>
+              <a:t>Android</a:t>
+            </a:r>
+            <a:r>
+              <a:rPr kumimoji="1" lang="zh-CN" altLang="en-US" sz="1800" dirty="0" smtClean="0"/>
+              <a:t>开发工具，包含开发</a:t>
+            </a:r>
+            <a:r>
+              <a:rPr kumimoji="1" lang="en-US" altLang="zh-CN" sz="1800" dirty="0" smtClean="0"/>
+              <a:t>Android</a:t>
+            </a:r>
+            <a:r>
+              <a:rPr kumimoji="1" lang="zh-CN" altLang="en-US" sz="1800" dirty="0" smtClean="0"/>
+              <a:t>程序所需要的类库、源码、文档、案例等资源。</a:t>
+            </a:r>
+            <a:r>
+              <a:rPr kumimoji="1" lang="en-US" altLang="zh-CN" sz="1800" dirty="0" smtClean="0"/>
+              <a:t>http://</a:t>
+            </a:r>
+            <a:r>
+              <a:rPr kumimoji="1" lang="en-US" altLang="zh-CN" sz="1800" dirty="0" err="1" smtClean="0"/>
+              <a:t>www.android.com</a:t>
+            </a:r>
+            <a:r>
+              <a:rPr kumimoji="1" lang="en-US" altLang="zh-CN" sz="1800" dirty="0" smtClean="0"/>
+              <a:t>.</a:t>
+            </a:r>
+            <a:endParaRPr kumimoji="1" lang="en-US" altLang="zh-CN" sz="1800" dirty="0"/>
+          </a:p>
+          <a:p>
+            <a:pPr>
+              <a:buAutoNum type="arabicPeriod" startAt="2"/>
+            </a:pPr>
             <a:r>
               <a:rPr kumimoji="1" lang="en-US" altLang="zh-CN" sz="1800" dirty="0" smtClean="0"/>
               <a:t>ADT</a:t>
             </a:r>
             <a:r>
               <a:rPr kumimoji="1" lang="zh-CN" altLang="en-US" sz="1800" dirty="0" smtClean="0"/>
-              <a:t> </a:t>
-            </a:r>
-            <a:r>
-              <a:rPr kumimoji="1" lang="zh-CN" altLang="zh-CN" sz="1800" dirty="0"/>
-              <a:t> </a:t>
-            </a:r>
-            <a:r>
-              <a:rPr kumimoji="1" lang="zh-CN" altLang="en-US" sz="1800" dirty="0" smtClean="0"/>
-              <a:t>下载地址</a:t>
+              <a:t>插件，</a:t>
+            </a:r>
+            <a:r>
+              <a:rPr kumimoji="1" lang="en-US" altLang="zh-CN" sz="1800" dirty="0" smtClean="0"/>
+              <a:t>ADT</a:t>
+            </a:r>
+            <a:r>
+              <a:rPr kumimoji="1" lang="zh-CN" altLang="en-US" sz="1800" dirty="0" smtClean="0"/>
+              <a:t>是</a:t>
+            </a:r>
+            <a:r>
+              <a:rPr kumimoji="1" lang="en-US" altLang="zh-CN" sz="1800" dirty="0" smtClean="0"/>
+              <a:t>eclipse</a:t>
+            </a:r>
+            <a:r>
+              <a:rPr kumimoji="1" lang="zh-CN" altLang="en-US" sz="1800" dirty="0" smtClean="0"/>
+              <a:t>平台下用来开发</a:t>
+            </a:r>
+            <a:r>
+              <a:rPr kumimoji="1" lang="en-US" altLang="zh-CN" sz="1800" dirty="0" smtClean="0"/>
+              <a:t>Android</a:t>
+            </a:r>
+            <a:r>
+              <a:rPr kumimoji="1" lang="zh-CN" altLang="en-US" sz="1800" dirty="0" smtClean="0"/>
+              <a:t>应用程序的插件</a:t>
+            </a:r>
+            <a:endParaRPr kumimoji="1" lang="en-US" altLang="zh-CN" sz="1800" dirty="0" smtClean="0"/>
+          </a:p>
+          <a:p>
+            <a:pPr marL="0" indent="0">
+              <a:buNone/>
+            </a:pPr>
+            <a:r>
+              <a:rPr kumimoji="1" lang="en-US" altLang="zh-CN" sz="1800" dirty="0" smtClean="0"/>
+              <a:t>	</a:t>
+            </a:r>
+            <a:r>
+              <a:rPr kumimoji="1" lang="zh-CN" altLang="en-US" sz="1800" dirty="0" smtClean="0"/>
+              <a:t>下载地</a:t>
+            </a:r>
+            <a:r>
+              <a:rPr kumimoji="1" lang="zh-CN" altLang="en-US" sz="1800" dirty="0" smtClean="0"/>
+              <a:t>址</a:t>
             </a:r>
             <a:r>
               <a:rPr kumimoji="1" lang="en-US" altLang="zh-CN" sz="1800" dirty="0" smtClean="0">
@@ -7270,6 +7937,10 @@
               <a:t>    </a:t>
             </a:r>
             <a:r>
+              <a:rPr kumimoji="1" lang="zh-CN" altLang="en-US" sz="1800" dirty="0" smtClean="0"/>
+              <a:t>  </a:t>
+            </a:r>
+            <a:r>
               <a:rPr kumimoji="1" lang="en-US" altLang="zh-CN" sz="1800" dirty="0" smtClean="0"/>
               <a:t>ADT</a:t>
             </a:r>
@@ -7295,11 +7966,15 @@
             </a:r>
             <a:r>
               <a:rPr kumimoji="1" lang="en-US" altLang="zh-CN" sz="1800" dirty="0" err="1" smtClean="0"/>
-              <a:t>adt</a:t>
-            </a:r>
-            <a:r>
-              <a:rPr kumimoji="1" lang="zh-CN" altLang="en-US" sz="1800" dirty="0" smtClean="0"/>
-              <a:t>插件），是以插件的形式使用。</a:t>
+              <a:t>sdk</a:t>
+            </a:r>
+            <a:r>
+              <a:rPr kumimoji="1" lang="zh-CN" altLang="en-US" sz="1800" dirty="0" smtClean="0"/>
+              <a:t>插</a:t>
+            </a:r>
+            <a:r>
+              <a:rPr kumimoji="1" lang="zh-CN" altLang="en-US" sz="1800" dirty="0" smtClean="0"/>
+              <a:t>件），是以插件的形式使用。</a:t>
             </a:r>
             <a:endParaRPr kumimoji="1" lang="en-US" altLang="zh-CN" sz="1800" dirty="0" smtClean="0"/>
           </a:p>
@@ -7313,7 +7988,19 @@
             </a:r>
             <a:r>
               <a:rPr kumimoji="1" lang="zh-CN" altLang="en-US" sz="1800" dirty="0" smtClean="0"/>
-              <a:t>   现在</a:t>
+              <a:t>  </a:t>
+            </a:r>
+            <a:r>
+              <a:rPr kumimoji="1" lang="zh-CN" altLang="en-US" sz="1800" dirty="0" smtClean="0"/>
+              <a:t> </a:t>
+            </a:r>
+            <a:r>
+              <a:rPr kumimoji="1" lang="zh-CN" altLang="en-US" sz="1800" dirty="0" smtClean="0"/>
+              <a:t> </a:t>
+            </a:r>
+            <a:r>
+              <a:rPr kumimoji="1" lang="zh-CN" altLang="en-US" sz="1800" dirty="0" smtClean="0"/>
+              <a:t>现在</a:t>
             </a:r>
             <a:r>
               <a:rPr kumimoji="1" lang="en-US" altLang="zh-CN" sz="1800" dirty="0" smtClean="0"/>

--- a/文件资料/Android培训-1.pptx
+++ b/文件资料/Android培训-1.pptx
@@ -5,7 +5,7 @@
     <p:sldMasterId id="2147483648" r:id="rId1"/>
   </p:sldMasterIdLst>
   <p:notesMasterIdLst>
-    <p:notesMasterId r:id="rId19"/>
+    <p:notesMasterId r:id="rId25"/>
   </p:notesMasterIdLst>
   <p:sldIdLst>
     <p:sldId id="256" r:id="rId2"/>
@@ -25,6 +25,12 @@
     <p:sldId id="270" r:id="rId16"/>
     <p:sldId id="271" r:id="rId17"/>
     <p:sldId id="272" r:id="rId18"/>
+    <p:sldId id="273" r:id="rId19"/>
+    <p:sldId id="274" r:id="rId20"/>
+    <p:sldId id="278" r:id="rId21"/>
+    <p:sldId id="276" r:id="rId22"/>
+    <p:sldId id="277" r:id="rId23"/>
+    <p:sldId id="275" r:id="rId24"/>
   </p:sldIdLst>
   <p:sldSz cx="9144000" cy="6858000" type="screen4x3"/>
   <p:notesSz cx="6858000" cy="9144000"/>
@@ -208,7 +214,7 @@
           <a:p>
             <a:fld id="{E99E619B-9BE8-8645-A00C-D838F9C65162}" type="datetimeFigureOut">
               <a:rPr kumimoji="1" lang="zh-CN" altLang="en-US" smtClean="0"/>
-              <a:t>15/3/16</a:t>
+              <a:t>15/3/17</a:t>
             </a:fld>
             <a:endParaRPr kumimoji="1" lang="zh-CN" altLang="en-US"/>
           </a:p>
@@ -1327,6 +1333,7822 @@
 </p:notes>
 </file>
 
+<file path=ppt/notesSlides/notesSlide4.xml><?xml version="1.0" encoding="utf-8"?>
+<p:notes xmlns:a="http://schemas.openxmlformats.org/drawingml/2006/main" xmlns:r="http://schemas.openxmlformats.org/officeDocument/2006/relationships" xmlns:p="http://schemas.openxmlformats.org/presentationml/2006/main">
+  <p:cSld>
+    <p:spTree>
+      <p:nvGrpSpPr>
+        <p:cNvPr id="1" name=""/>
+        <p:cNvGrpSpPr/>
+        <p:nvPr/>
+      </p:nvGrpSpPr>
+      <p:grpSpPr>
+        <a:xfrm>
+          <a:off x="0" y="0"/>
+          <a:ext cx="0" cy="0"/>
+          <a:chOff x="0" y="0"/>
+          <a:chExt cx="0" cy="0"/>
+        </a:xfrm>
+      </p:grpSpPr>
+      <p:sp>
+        <p:nvSpPr>
+          <p:cNvPr id="2" name="幻灯片图像占位符 1"/>
+          <p:cNvSpPr>
+            <a:spLocks noGrp="1" noRot="1" noChangeAspect="1"/>
+          </p:cNvSpPr>
+          <p:nvPr>
+            <p:ph type="sldImg"/>
+          </p:nvPr>
+        </p:nvSpPr>
+        <p:spPr/>
+      </p:sp>
+      <p:sp>
+        <p:nvSpPr>
+          <p:cNvPr id="3" name="备注占位符 2"/>
+          <p:cNvSpPr>
+            <a:spLocks noGrp="1"/>
+          </p:cNvSpPr>
+          <p:nvPr>
+            <p:ph type="body" idx="1"/>
+          </p:nvPr>
+        </p:nvSpPr>
+        <p:spPr/>
+        <p:txBody>
+          <a:bodyPr/>
+          <a:lstStyle/>
+          <a:p>
+            <a:r>
+              <a:rPr lang="zh-CN" altLang="en-US" sz="1200" kern="1200" dirty="0" smtClean="0">
+                <a:solidFill>
+                  <a:schemeClr val="tx1"/>
+                </a:solidFill>
+                <a:latin typeface="+mn-lt"/>
+                <a:ea typeface="+mn-ea"/>
+                <a:cs typeface="+mn-cs"/>
+              </a:rPr>
+              <a:t>启动其他</a:t>
+            </a:r>
+            <a:r>
+              <a:rPr lang="en-US" altLang="zh-CN" sz="1200" kern="1200" dirty="0" smtClean="0">
+                <a:solidFill>
+                  <a:schemeClr val="tx1"/>
+                </a:solidFill>
+                <a:latin typeface="+mn-lt"/>
+                <a:ea typeface="+mn-ea"/>
+                <a:cs typeface="+mn-cs"/>
+              </a:rPr>
+              <a:t>App</a:t>
+            </a:r>
+            <a:r>
+              <a:rPr lang="zh-CN" altLang="en-US" sz="1200" kern="1200" dirty="0" smtClean="0">
+                <a:solidFill>
+                  <a:schemeClr val="tx1"/>
+                </a:solidFill>
+                <a:latin typeface="+mn-lt"/>
+                <a:ea typeface="+mn-ea"/>
+                <a:cs typeface="+mn-cs"/>
+              </a:rPr>
+              <a:t>中的</a:t>
+            </a:r>
+            <a:r>
+              <a:rPr lang="en-US" altLang="zh-CN" sz="1200" kern="1200" dirty="0" smtClean="0">
+                <a:solidFill>
+                  <a:schemeClr val="tx1"/>
+                </a:solidFill>
+                <a:latin typeface="+mn-lt"/>
+                <a:ea typeface="+mn-ea"/>
+                <a:cs typeface="+mn-cs"/>
+              </a:rPr>
+              <a:t>Activity</a:t>
+            </a:r>
+            <a:r>
+              <a:rPr lang="zh-CN" altLang="en-US" sz="1200" kern="1200" dirty="0" smtClean="0">
+                <a:solidFill>
+                  <a:schemeClr val="tx1"/>
+                </a:solidFill>
+                <a:latin typeface="+mn-lt"/>
+                <a:ea typeface="+mn-ea"/>
+                <a:cs typeface="+mn-cs"/>
+              </a:rPr>
+              <a:t>： </a:t>
+            </a:r>
+            <a:r>
+              <a:rPr lang="en-US" altLang="zh-CN" sz="1200" kern="1200" dirty="0" err="1" smtClean="0">
+                <a:solidFill>
+                  <a:schemeClr val="tx1"/>
+                </a:solidFill>
+                <a:latin typeface="+mn-lt"/>
+                <a:ea typeface="+mn-ea"/>
+                <a:cs typeface="+mn-cs"/>
+              </a:rPr>
+              <a:t>ComponentName</a:t>
+            </a:r>
+            <a:r>
+              <a:rPr lang="en-US" altLang="zh-CN" sz="1200" kern="1200" dirty="0" smtClean="0">
+                <a:solidFill>
+                  <a:schemeClr val="tx1"/>
+                </a:solidFill>
+                <a:latin typeface="+mn-lt"/>
+                <a:ea typeface="+mn-ea"/>
+                <a:cs typeface="+mn-cs"/>
+              </a:rPr>
+              <a:t> </a:t>
+            </a:r>
+            <a:r>
+              <a:rPr lang="en-US" altLang="zh-CN" sz="1200" kern="1200" dirty="0" err="1" smtClean="0">
+                <a:solidFill>
+                  <a:schemeClr val="tx1"/>
+                </a:solidFill>
+                <a:latin typeface="+mn-lt"/>
+                <a:ea typeface="+mn-ea"/>
+                <a:cs typeface="+mn-cs"/>
+              </a:rPr>
+              <a:t>componetName</a:t>
+            </a:r>
+            <a:r>
+              <a:rPr lang="en-US" altLang="zh-CN" sz="1200" kern="1200" dirty="0" smtClean="0">
+                <a:solidFill>
+                  <a:schemeClr val="tx1"/>
+                </a:solidFill>
+                <a:latin typeface="+mn-lt"/>
+                <a:ea typeface="+mn-ea"/>
+                <a:cs typeface="+mn-cs"/>
+              </a:rPr>
+              <a:t> = </a:t>
+            </a:r>
+            <a:r>
+              <a:rPr lang="en-US" altLang="zh-CN" sz="1200" b="1" kern="1200" dirty="0" smtClean="0">
+                <a:solidFill>
+                  <a:schemeClr val="tx1"/>
+                </a:solidFill>
+                <a:latin typeface="+mn-lt"/>
+                <a:ea typeface="+mn-ea"/>
+                <a:cs typeface="+mn-cs"/>
+              </a:rPr>
+              <a:t>new </a:t>
+            </a:r>
+            <a:r>
+              <a:rPr lang="en-US" altLang="zh-CN" sz="1200" b="1" kern="1200" dirty="0" err="1" smtClean="0">
+                <a:solidFill>
+                  <a:schemeClr val="tx1"/>
+                </a:solidFill>
+                <a:latin typeface="+mn-lt"/>
+                <a:ea typeface="+mn-ea"/>
+                <a:cs typeface="+mn-cs"/>
+              </a:rPr>
+              <a:t>ComponentName</a:t>
+            </a:r>
+            <a:r>
+              <a:rPr lang="en-US" altLang="zh-CN" sz="1200" b="1" kern="1200" dirty="0" smtClean="0">
+                <a:solidFill>
+                  <a:schemeClr val="tx1"/>
+                </a:solidFill>
+                <a:latin typeface="+mn-lt"/>
+                <a:ea typeface="+mn-ea"/>
+                <a:cs typeface="+mn-cs"/>
+              </a:rPr>
+              <a:t>(</a:t>
+            </a:r>
+          </a:p>
+          <a:p>
+            <a:r>
+              <a:rPr lang="en-US" altLang="zh-CN" sz="1200" kern="1200" dirty="0" smtClean="0">
+                <a:solidFill>
+                  <a:schemeClr val="tx1"/>
+                </a:solidFill>
+                <a:latin typeface="+mn-lt"/>
+                <a:ea typeface="+mn-ea"/>
+                <a:cs typeface="+mn-cs"/>
+              </a:rPr>
+              <a:t>						"</a:t>
+            </a:r>
+            <a:r>
+              <a:rPr lang="en-US" altLang="zh-CN" sz="1200" kern="1200" dirty="0" err="1" smtClean="0">
+                <a:solidFill>
+                  <a:schemeClr val="tx1"/>
+                </a:solidFill>
+                <a:latin typeface="+mn-lt"/>
+                <a:ea typeface="+mn-ea"/>
+                <a:cs typeface="+mn-cs"/>
+              </a:rPr>
+              <a:t>com.alan.androiddeme</a:t>
+            </a:r>
+            <a:r>
+              <a:rPr lang="en-US" altLang="zh-CN" sz="1200" kern="1200" dirty="0" smtClean="0">
+                <a:solidFill>
+                  <a:schemeClr val="tx1"/>
+                </a:solidFill>
+                <a:latin typeface="+mn-lt"/>
+                <a:ea typeface="+mn-ea"/>
+                <a:cs typeface="+mn-cs"/>
+              </a:rPr>
+              <a:t>",</a:t>
+            </a:r>
+          </a:p>
+          <a:p>
+            <a:r>
+              <a:rPr lang="en-US" altLang="zh-CN" sz="1200" kern="1200" dirty="0" smtClean="0">
+                <a:solidFill>
+                  <a:schemeClr val="tx1"/>
+                </a:solidFill>
+                <a:latin typeface="+mn-lt"/>
+                <a:ea typeface="+mn-ea"/>
+                <a:cs typeface="+mn-cs"/>
+              </a:rPr>
+              <a:t>						"</a:t>
+            </a:r>
+            <a:r>
+              <a:rPr lang="en-US" altLang="zh-CN" sz="1200" kern="1200" dirty="0" err="1" smtClean="0">
+                <a:solidFill>
+                  <a:schemeClr val="tx1"/>
+                </a:solidFill>
+                <a:latin typeface="+mn-lt"/>
+                <a:ea typeface="+mn-ea"/>
+                <a:cs typeface="+mn-cs"/>
+              </a:rPr>
+              <a:t>com.alan.androiddeme.MainActivity</a:t>
+            </a:r>
+            <a:r>
+              <a:rPr lang="en-US" altLang="zh-CN" sz="1200" kern="1200" dirty="0" smtClean="0">
+                <a:solidFill>
+                  <a:schemeClr val="tx1"/>
+                </a:solidFill>
+                <a:latin typeface="+mn-lt"/>
+                <a:ea typeface="+mn-ea"/>
+                <a:cs typeface="+mn-cs"/>
+              </a:rPr>
+              <a:t>");</a:t>
+            </a:r>
+          </a:p>
+          <a:p>
+            <a:r>
+              <a:rPr lang="en-US" altLang="zh-CN" sz="1200" kern="1200" dirty="0" smtClean="0">
+                <a:solidFill>
+                  <a:schemeClr val="tx1"/>
+                </a:solidFill>
+                <a:latin typeface="+mn-lt"/>
+                <a:ea typeface="+mn-ea"/>
+                <a:cs typeface="+mn-cs"/>
+              </a:rPr>
+              <a:t>				</a:t>
+            </a:r>
+          </a:p>
+          <a:p>
+            <a:r>
+              <a:rPr lang="en-US" altLang="zh-CN" sz="1200" kern="1200" dirty="0" smtClean="0">
+                <a:solidFill>
+                  <a:schemeClr val="tx1"/>
+                </a:solidFill>
+                <a:latin typeface="+mn-lt"/>
+                <a:ea typeface="+mn-ea"/>
+                <a:cs typeface="+mn-cs"/>
+              </a:rPr>
+              <a:t>				Intent intent = </a:t>
+            </a:r>
+            <a:r>
+              <a:rPr lang="en-US" altLang="zh-CN" sz="1200" b="1" kern="1200" dirty="0" smtClean="0">
+                <a:solidFill>
+                  <a:schemeClr val="tx1"/>
+                </a:solidFill>
+                <a:latin typeface="+mn-lt"/>
+                <a:ea typeface="+mn-ea"/>
+                <a:cs typeface="+mn-cs"/>
+              </a:rPr>
+              <a:t>new Intent();</a:t>
+            </a:r>
+          </a:p>
+          <a:p>
+            <a:r>
+              <a:rPr lang="en-US" altLang="zh-CN" sz="1200" kern="1200" dirty="0" smtClean="0">
+                <a:solidFill>
+                  <a:schemeClr val="tx1"/>
+                </a:solidFill>
+                <a:latin typeface="+mn-lt"/>
+                <a:ea typeface="+mn-ea"/>
+                <a:cs typeface="+mn-cs"/>
+              </a:rPr>
+              <a:t>				</a:t>
+            </a:r>
+            <a:r>
+              <a:rPr lang="en-US" altLang="zh-CN" sz="1200" kern="1200" dirty="0" err="1" smtClean="0">
+                <a:solidFill>
+                  <a:schemeClr val="tx1"/>
+                </a:solidFill>
+                <a:latin typeface="+mn-lt"/>
+                <a:ea typeface="+mn-ea"/>
+                <a:cs typeface="+mn-cs"/>
+              </a:rPr>
+              <a:t>intent.setComponent</a:t>
+            </a:r>
+            <a:r>
+              <a:rPr lang="en-US" altLang="zh-CN" sz="1200" kern="1200" dirty="0" smtClean="0">
+                <a:solidFill>
+                  <a:schemeClr val="tx1"/>
+                </a:solidFill>
+                <a:latin typeface="+mn-lt"/>
+                <a:ea typeface="+mn-ea"/>
+                <a:cs typeface="+mn-cs"/>
+              </a:rPr>
+              <a:t>(</a:t>
+            </a:r>
+            <a:r>
+              <a:rPr lang="en-US" altLang="zh-CN" sz="1200" kern="1200" dirty="0" err="1" smtClean="0">
+                <a:solidFill>
+                  <a:schemeClr val="tx1"/>
+                </a:solidFill>
+                <a:latin typeface="+mn-lt"/>
+                <a:ea typeface="+mn-ea"/>
+                <a:cs typeface="+mn-cs"/>
+              </a:rPr>
+              <a:t>componetName</a:t>
+            </a:r>
+            <a:r>
+              <a:rPr lang="en-US" altLang="zh-CN" sz="1200" kern="1200" dirty="0" smtClean="0">
+                <a:solidFill>
+                  <a:schemeClr val="tx1"/>
+                </a:solidFill>
+                <a:latin typeface="+mn-lt"/>
+                <a:ea typeface="+mn-ea"/>
+                <a:cs typeface="+mn-cs"/>
+              </a:rPr>
+              <a:t>);</a:t>
+            </a:r>
+          </a:p>
+          <a:p>
+            <a:r>
+              <a:rPr lang="en-US" altLang="zh-CN" sz="1200" kern="1200" dirty="0" smtClean="0">
+                <a:solidFill>
+                  <a:schemeClr val="tx1"/>
+                </a:solidFill>
+                <a:latin typeface="+mn-lt"/>
+                <a:ea typeface="+mn-ea"/>
+                <a:cs typeface="+mn-cs"/>
+              </a:rPr>
+              <a:t>				</a:t>
+            </a:r>
+            <a:r>
+              <a:rPr lang="en-US" altLang="zh-CN" sz="1200" kern="1200" dirty="0" err="1" smtClean="0">
+                <a:solidFill>
+                  <a:schemeClr val="tx1"/>
+                </a:solidFill>
+                <a:latin typeface="+mn-lt"/>
+                <a:ea typeface="+mn-ea"/>
+                <a:cs typeface="+mn-cs"/>
+              </a:rPr>
+              <a:t>startActivity</a:t>
+            </a:r>
+            <a:r>
+              <a:rPr lang="en-US" altLang="zh-CN" sz="1200" kern="1200" dirty="0" smtClean="0">
+                <a:solidFill>
+                  <a:schemeClr val="tx1"/>
+                </a:solidFill>
+                <a:latin typeface="+mn-lt"/>
+                <a:ea typeface="+mn-ea"/>
+                <a:cs typeface="+mn-cs"/>
+              </a:rPr>
+              <a:t>(intent);</a:t>
+            </a:r>
+            <a:endParaRPr kumimoji="1" lang="zh-CN" altLang="en-US" dirty="0"/>
+          </a:p>
+        </p:txBody>
+      </p:sp>
+      <p:sp>
+        <p:nvSpPr>
+          <p:cNvPr id="4" name="幻灯片编号占位符 3"/>
+          <p:cNvSpPr>
+            <a:spLocks noGrp="1"/>
+          </p:cNvSpPr>
+          <p:nvPr>
+            <p:ph type="sldNum" sz="quarter" idx="10"/>
+          </p:nvPr>
+        </p:nvSpPr>
+        <p:spPr/>
+        <p:txBody>
+          <a:bodyPr/>
+          <a:lstStyle/>
+          <a:p>
+            <a:fld id="{9163888C-5123-6548-B379-D9685D88A76E}" type="slidenum">
+              <a:rPr kumimoji="1" lang="zh-CN" altLang="en-US" smtClean="0"/>
+              <a:t>18</a:t>
+            </a:fld>
+            <a:endParaRPr kumimoji="1" lang="zh-CN" altLang="en-US"/>
+          </a:p>
+        </p:txBody>
+      </p:sp>
+    </p:spTree>
+    <p:extLst>
+      <p:ext uri="{BB962C8B-B14F-4D97-AF65-F5344CB8AC3E}">
+        <p14:creationId xmlns:p14="http://schemas.microsoft.com/office/powerpoint/2010/main" val="2547215693"/>
+      </p:ext>
+    </p:extLst>
+  </p:cSld>
+  <p:clrMapOvr>
+    <a:masterClrMapping/>
+  </p:clrMapOvr>
+</p:notes>
+</file>
+
+<file path=ppt/notesSlides/notesSlide5.xml><?xml version="1.0" encoding="utf-8"?>
+<p:notes xmlns:a="http://schemas.openxmlformats.org/drawingml/2006/main" xmlns:r="http://schemas.openxmlformats.org/officeDocument/2006/relationships" xmlns:p="http://schemas.openxmlformats.org/presentationml/2006/main">
+  <p:cSld>
+    <p:spTree>
+      <p:nvGrpSpPr>
+        <p:cNvPr id="1" name=""/>
+        <p:cNvGrpSpPr/>
+        <p:nvPr/>
+      </p:nvGrpSpPr>
+      <p:grpSpPr>
+        <a:xfrm>
+          <a:off x="0" y="0"/>
+          <a:ext cx="0" cy="0"/>
+          <a:chOff x="0" y="0"/>
+          <a:chExt cx="0" cy="0"/>
+        </a:xfrm>
+      </p:grpSpPr>
+      <p:sp>
+        <p:nvSpPr>
+          <p:cNvPr id="2" name="幻灯片图像占位符 1"/>
+          <p:cNvSpPr>
+            <a:spLocks noGrp="1" noRot="1" noChangeAspect="1"/>
+          </p:cNvSpPr>
+          <p:nvPr>
+            <p:ph type="sldImg"/>
+          </p:nvPr>
+        </p:nvSpPr>
+        <p:spPr/>
+      </p:sp>
+      <p:sp>
+        <p:nvSpPr>
+          <p:cNvPr id="3" name="备注占位符 2"/>
+          <p:cNvSpPr>
+            <a:spLocks noGrp="1"/>
+          </p:cNvSpPr>
+          <p:nvPr>
+            <p:ph type="body" idx="1"/>
+          </p:nvPr>
+        </p:nvSpPr>
+        <p:spPr/>
+        <p:txBody>
+          <a:bodyPr/>
+          <a:lstStyle/>
+          <a:p>
+            <a:r>
+              <a:rPr lang="zh-CN" altLang="en-US" sz="3200" b="1" kern="1200" dirty="0" smtClean="0">
+                <a:solidFill>
+                  <a:schemeClr val="tx1"/>
+                </a:solidFill>
+                <a:latin typeface="+mn-lt"/>
+                <a:ea typeface="+mn-ea"/>
+                <a:cs typeface="+mn-cs"/>
+              </a:rPr>
+              <a:t>一些常用的</a:t>
+            </a:r>
+            <a:r>
+              <a:rPr lang="en-US" altLang="zh-CN" sz="3200" b="1" kern="1200" dirty="0" smtClean="0">
+                <a:solidFill>
+                  <a:schemeClr val="tx1"/>
+                </a:solidFill>
+                <a:latin typeface="+mn-lt"/>
+                <a:ea typeface="+mn-ea"/>
+                <a:cs typeface="+mn-cs"/>
+              </a:rPr>
+              <a:t>Intent</a:t>
+            </a:r>
+            <a:endParaRPr lang="en-US" altLang="zh-CN" sz="3200" b="1" kern="1200" dirty="0" smtClean="0">
+              <a:solidFill>
+                <a:schemeClr val="tx1"/>
+              </a:solidFill>
+              <a:latin typeface="+mn-lt"/>
+              <a:ea typeface="+mn-ea"/>
+              <a:cs typeface="+mn-cs"/>
+            </a:endParaRPr>
+          </a:p>
+          <a:p>
+            <a:r>
+              <a:rPr lang="zh-CN" altLang="en-US" sz="1200" b="1" kern="1200" dirty="0" smtClean="0">
+                <a:solidFill>
+                  <a:schemeClr val="tx1"/>
+                </a:solidFill>
+                <a:latin typeface="+mn-lt"/>
+                <a:ea typeface="+mn-ea"/>
+                <a:cs typeface="+mn-cs"/>
+              </a:rPr>
+              <a:t>打电话</a:t>
+            </a:r>
+            <a:endParaRPr lang="zh-CN" altLang="en-US" sz="1200" b="0" kern="1200" dirty="0" smtClean="0">
+              <a:solidFill>
+                <a:schemeClr val="tx1"/>
+              </a:solidFill>
+              <a:latin typeface="+mn-lt"/>
+              <a:ea typeface="+mn-ea"/>
+              <a:cs typeface="+mn-cs"/>
+            </a:endParaRPr>
+          </a:p>
+          <a:p>
+            <a:r>
+              <a:rPr lang="zh-TW" altLang="en-US" sz="1200" b="0" kern="1200" dirty="0" smtClean="0">
+                <a:solidFill>
+                  <a:schemeClr val="tx1"/>
+                </a:solidFill>
+                <a:latin typeface="+mn-lt"/>
+                <a:ea typeface="+mn-ea"/>
+                <a:cs typeface="+mn-cs"/>
+              </a:rPr>
+              <a:t>   </a:t>
+            </a:r>
+            <a:r>
+              <a:rPr lang="en-US" altLang="zh-TW" sz="1200" b="0" kern="1200" dirty="0" smtClean="0">
+                <a:solidFill>
+                  <a:schemeClr val="tx1"/>
+                </a:solidFill>
+                <a:latin typeface="+mn-lt"/>
+                <a:ea typeface="+mn-ea"/>
+                <a:cs typeface="+mn-cs"/>
+              </a:rPr>
+              <a:t>1. //</a:t>
+            </a:r>
+            <a:r>
+              <a:rPr lang="zh-TW" altLang="en-US" sz="1200" b="1" kern="1200" dirty="0" smtClean="0">
+                <a:solidFill>
+                  <a:schemeClr val="tx1"/>
+                </a:solidFill>
+                <a:latin typeface="+mn-lt"/>
+                <a:ea typeface="+mn-ea"/>
+                <a:cs typeface="+mn-cs"/>
+              </a:rPr>
+              <a:t>叫出拨号程序</a:t>
+            </a:r>
+            <a:r>
+              <a:rPr lang="zh-TW" altLang="en-US" sz="1200" b="0" kern="1200" dirty="0" smtClean="0">
+                <a:solidFill>
+                  <a:schemeClr val="tx1"/>
+                </a:solidFill>
+                <a:latin typeface="+mn-lt"/>
+                <a:ea typeface="+mn-ea"/>
+                <a:cs typeface="+mn-cs"/>
+              </a:rPr>
+              <a:t> </a:t>
+            </a:r>
+          </a:p>
+          <a:p>
+            <a:r>
+              <a:rPr lang="ro-RO" altLang="zh-CN" sz="1200" b="0" kern="1200" dirty="0" smtClean="0">
+                <a:solidFill>
+                  <a:schemeClr val="tx1"/>
+                </a:solidFill>
+                <a:latin typeface="+mn-lt"/>
+                <a:ea typeface="+mn-ea"/>
+                <a:cs typeface="+mn-cs"/>
+              </a:rPr>
+              <a:t>   2. Uri uri = Uri.parse("tel:0800000123");  </a:t>
+            </a:r>
+          </a:p>
+          <a:p>
+            <a:r>
+              <a:rPr lang="ro-RO" altLang="zh-CN" sz="1200" b="0" kern="1200" dirty="0" smtClean="0">
+                <a:solidFill>
+                  <a:schemeClr val="tx1"/>
+                </a:solidFill>
+                <a:latin typeface="+mn-lt"/>
+                <a:ea typeface="+mn-ea"/>
+                <a:cs typeface="+mn-cs"/>
+              </a:rPr>
+              <a:t>   3. Intent it = new Intent(Intent.ACTION_DIAL, uri);  </a:t>
+            </a:r>
+          </a:p>
+          <a:p>
+            <a:r>
+              <a:rPr lang="ro-RO" altLang="zh-CN" sz="1200" b="0" kern="1200" dirty="0" smtClean="0">
+                <a:solidFill>
+                  <a:schemeClr val="tx1"/>
+                </a:solidFill>
+                <a:latin typeface="+mn-lt"/>
+                <a:ea typeface="+mn-ea"/>
+                <a:cs typeface="+mn-cs"/>
+              </a:rPr>
+              <a:t>   4. startActivity(it);  </a:t>
+            </a:r>
+          </a:p>
+          <a:p>
+            <a:r>
+              <a:rPr lang="zh-TW" altLang="en-US" sz="1200" b="0" kern="1200" dirty="0" smtClean="0">
+                <a:solidFill>
+                  <a:schemeClr val="tx1"/>
+                </a:solidFill>
+                <a:latin typeface="+mn-lt"/>
+                <a:ea typeface="+mn-ea"/>
+                <a:cs typeface="+mn-cs"/>
+              </a:rPr>
+              <a:t>   </a:t>
+            </a:r>
+            <a:r>
+              <a:rPr lang="en-US" altLang="zh-TW" sz="1200" b="0" kern="1200" dirty="0" smtClean="0">
+                <a:solidFill>
+                  <a:schemeClr val="tx1"/>
+                </a:solidFill>
+                <a:latin typeface="+mn-lt"/>
+                <a:ea typeface="+mn-ea"/>
+                <a:cs typeface="+mn-cs"/>
+              </a:rPr>
+              <a:t>1. </a:t>
+            </a:r>
+            <a:r>
+              <a:rPr lang="en-US" altLang="zh-TW" sz="1200" b="1" kern="1200" dirty="0" smtClean="0">
+                <a:solidFill>
+                  <a:schemeClr val="tx1"/>
+                </a:solidFill>
+                <a:latin typeface="+mn-lt"/>
+                <a:ea typeface="+mn-ea"/>
+                <a:cs typeface="+mn-cs"/>
+              </a:rPr>
+              <a:t>//</a:t>
+            </a:r>
+            <a:r>
+              <a:rPr lang="zh-TW" altLang="en-US" sz="1200" b="1" kern="1200" dirty="0" smtClean="0">
+                <a:solidFill>
+                  <a:schemeClr val="tx1"/>
+                </a:solidFill>
+                <a:latin typeface="+mn-lt"/>
+                <a:ea typeface="+mn-ea"/>
+                <a:cs typeface="+mn-cs"/>
+              </a:rPr>
+              <a:t>直接打电话出去</a:t>
+            </a:r>
+            <a:r>
+              <a:rPr lang="zh-TW" altLang="en-US" sz="1200" b="0" kern="1200" dirty="0" smtClean="0">
+                <a:solidFill>
+                  <a:schemeClr val="tx1"/>
+                </a:solidFill>
+                <a:latin typeface="+mn-lt"/>
+                <a:ea typeface="+mn-ea"/>
+                <a:cs typeface="+mn-cs"/>
+              </a:rPr>
+              <a:t>  </a:t>
+            </a:r>
+          </a:p>
+          <a:p>
+            <a:r>
+              <a:rPr lang="ro-RO" altLang="zh-CN" sz="1200" b="0" kern="1200" dirty="0" smtClean="0">
+                <a:solidFill>
+                  <a:schemeClr val="tx1"/>
+                </a:solidFill>
+                <a:latin typeface="+mn-lt"/>
+                <a:ea typeface="+mn-ea"/>
+                <a:cs typeface="+mn-cs"/>
+              </a:rPr>
+              <a:t>   2. Uri uri = Uri.parse("tel:0800000123");  </a:t>
+            </a:r>
+          </a:p>
+          <a:p>
+            <a:r>
+              <a:rPr lang="ro-RO" altLang="zh-CN" sz="1200" b="0" kern="1200" dirty="0" smtClean="0">
+                <a:solidFill>
+                  <a:schemeClr val="tx1"/>
+                </a:solidFill>
+                <a:latin typeface="+mn-lt"/>
+                <a:ea typeface="+mn-ea"/>
+                <a:cs typeface="+mn-cs"/>
+              </a:rPr>
+              <a:t>   3. Intent it = new Intent(Intent.ACTION_CALL, uri);  </a:t>
+            </a:r>
+          </a:p>
+          <a:p>
+            <a:r>
+              <a:rPr lang="ro-RO" altLang="zh-CN" sz="1200" b="0" kern="1200" dirty="0" smtClean="0">
+                <a:solidFill>
+                  <a:schemeClr val="tx1"/>
+                </a:solidFill>
+                <a:latin typeface="+mn-lt"/>
+                <a:ea typeface="+mn-ea"/>
+                <a:cs typeface="+mn-cs"/>
+              </a:rPr>
+              <a:t>   4. startActivity(it);  </a:t>
+            </a:r>
+          </a:p>
+          <a:p>
+            <a:r>
+              <a:rPr lang="ro-RO" altLang="zh-CN" sz="1200" b="0" kern="1200" dirty="0" smtClean="0">
+                <a:solidFill>
+                  <a:schemeClr val="tx1"/>
+                </a:solidFill>
+                <a:latin typeface="+mn-lt"/>
+                <a:ea typeface="+mn-ea"/>
+                <a:cs typeface="+mn-cs"/>
+              </a:rPr>
+              <a:t>   5. //</a:t>
+            </a:r>
+            <a:r>
+              <a:rPr lang="zh-CN" altLang="ro-RO" sz="1200" b="0" kern="1200" dirty="0" smtClean="0">
+                <a:solidFill>
+                  <a:schemeClr val="tx1"/>
+                </a:solidFill>
+                <a:latin typeface="+mn-lt"/>
+                <a:ea typeface="+mn-ea"/>
+                <a:cs typeface="+mn-cs"/>
+              </a:rPr>
+              <a:t>用這個，要在 </a:t>
+            </a:r>
+            <a:r>
+              <a:rPr lang="ro-RO" altLang="zh-CN" sz="1200" b="0" kern="1200" dirty="0" smtClean="0">
+                <a:solidFill>
+                  <a:schemeClr val="tx1"/>
+                </a:solidFill>
+                <a:latin typeface="+mn-lt"/>
+                <a:ea typeface="+mn-ea"/>
+                <a:cs typeface="+mn-cs"/>
+              </a:rPr>
+              <a:t>AndroidManifest.xml </a:t>
+            </a:r>
+            <a:r>
+              <a:rPr lang="zh-CN" altLang="ro-RO" sz="1200" b="0" kern="1200" dirty="0" smtClean="0">
+                <a:solidFill>
+                  <a:schemeClr val="tx1"/>
+                </a:solidFill>
+                <a:latin typeface="+mn-lt"/>
+                <a:ea typeface="+mn-ea"/>
+                <a:cs typeface="+mn-cs"/>
+              </a:rPr>
+              <a:t>中，加上</a:t>
+            </a:r>
+            <a:r>
+              <a:rPr lang="zh-CN" altLang="en-US" sz="1200" b="0" kern="1200" dirty="0" smtClean="0">
+                <a:solidFill>
+                  <a:schemeClr val="tx1"/>
+                </a:solidFill>
+                <a:latin typeface="+mn-lt"/>
+                <a:ea typeface="+mn-ea"/>
+                <a:cs typeface="+mn-cs"/>
+              </a:rPr>
+              <a:t>权限</a:t>
+            </a:r>
+            <a:r>
+              <a:rPr lang="zh-CN" altLang="ro-RO" sz="1200" b="0" kern="1200" dirty="0" smtClean="0">
+                <a:solidFill>
+                  <a:schemeClr val="tx1"/>
+                </a:solidFill>
+                <a:latin typeface="+mn-lt"/>
+                <a:ea typeface="+mn-ea"/>
+                <a:cs typeface="+mn-cs"/>
+              </a:rPr>
+              <a:t>  </a:t>
+            </a:r>
+          </a:p>
+          <a:p>
+            <a:r>
+              <a:rPr lang="fr-FR" altLang="zh-CN" sz="1200" b="0" kern="1200" dirty="0" smtClean="0">
+                <a:solidFill>
+                  <a:schemeClr val="tx1"/>
+                </a:solidFill>
+                <a:latin typeface="+mn-lt"/>
+                <a:ea typeface="+mn-ea"/>
+                <a:cs typeface="+mn-cs"/>
+              </a:rPr>
+              <a:t>   6. //&lt;uses-permission id="</a:t>
+            </a:r>
+            <a:r>
+              <a:rPr lang="fr-FR" altLang="zh-CN" sz="1200" b="0" kern="1200" dirty="0" err="1" smtClean="0">
+                <a:solidFill>
+                  <a:schemeClr val="tx1"/>
+                </a:solidFill>
+                <a:latin typeface="+mn-lt"/>
+                <a:ea typeface="+mn-ea"/>
+                <a:cs typeface="+mn-cs"/>
+              </a:rPr>
+              <a:t>android.permission.CALL_PHONE</a:t>
+            </a:r>
+            <a:r>
+              <a:rPr lang="fr-FR" altLang="zh-CN" sz="1200" b="0" kern="1200" dirty="0" smtClean="0">
+                <a:solidFill>
+                  <a:schemeClr val="tx1"/>
+                </a:solidFill>
+                <a:latin typeface="+mn-lt"/>
+                <a:ea typeface="+mn-ea"/>
+                <a:cs typeface="+mn-cs"/>
+              </a:rPr>
+              <a:t>" /&gt; </a:t>
+            </a:r>
+          </a:p>
+          <a:p>
+            <a:r>
+              <a:rPr lang="zh-CN" altLang="fr-FR" sz="1200" b="1" kern="1200" dirty="0" smtClean="0">
+                <a:solidFill>
+                  <a:schemeClr val="tx1"/>
+                </a:solidFill>
+                <a:latin typeface="+mn-lt"/>
+                <a:ea typeface="+mn-ea"/>
+                <a:cs typeface="+mn-cs"/>
+              </a:rPr>
+              <a:t>传送</a:t>
+            </a:r>
+            <a:r>
+              <a:rPr lang="fr-FR" altLang="zh-CN" sz="1200" b="1" kern="1200" dirty="0" smtClean="0">
+                <a:solidFill>
+                  <a:schemeClr val="tx1"/>
+                </a:solidFill>
+                <a:latin typeface="+mn-lt"/>
+                <a:ea typeface="+mn-ea"/>
+                <a:cs typeface="+mn-cs"/>
+              </a:rPr>
+              <a:t>SMS/MMS</a:t>
+            </a:r>
+            <a:endParaRPr lang="fr-FR" altLang="zh-CN" sz="1200" b="0" kern="1200" dirty="0" smtClean="0">
+              <a:solidFill>
+                <a:schemeClr val="tx1"/>
+              </a:solidFill>
+              <a:latin typeface="+mn-lt"/>
+              <a:ea typeface="+mn-ea"/>
+              <a:cs typeface="+mn-cs"/>
+            </a:endParaRPr>
+          </a:p>
+          <a:p>
+            <a:r>
+              <a:rPr lang="zh-TW" altLang="en-US" sz="1200" b="0" kern="1200" dirty="0" smtClean="0">
+                <a:solidFill>
+                  <a:schemeClr val="tx1"/>
+                </a:solidFill>
+                <a:latin typeface="+mn-lt"/>
+                <a:ea typeface="+mn-ea"/>
+                <a:cs typeface="+mn-cs"/>
+              </a:rPr>
+              <a:t>   </a:t>
+            </a:r>
+            <a:r>
+              <a:rPr lang="en-US" altLang="zh-TW" sz="1200" b="0" kern="1200" dirty="0" smtClean="0">
+                <a:solidFill>
+                  <a:schemeClr val="tx1"/>
+                </a:solidFill>
+                <a:latin typeface="+mn-lt"/>
+                <a:ea typeface="+mn-ea"/>
+                <a:cs typeface="+mn-cs"/>
+              </a:rPr>
+              <a:t>1. </a:t>
+            </a:r>
+            <a:r>
+              <a:rPr lang="en-US" altLang="zh-TW" sz="1200" b="1" kern="1200" dirty="0" smtClean="0">
+                <a:solidFill>
+                  <a:schemeClr val="tx1"/>
+                </a:solidFill>
+                <a:latin typeface="+mn-lt"/>
+                <a:ea typeface="+mn-ea"/>
+                <a:cs typeface="+mn-cs"/>
+              </a:rPr>
+              <a:t>//</a:t>
+            </a:r>
+            <a:r>
+              <a:rPr lang="zh-TW" altLang="en-US" sz="1200" b="1" kern="1200" dirty="0" smtClean="0">
+                <a:solidFill>
+                  <a:schemeClr val="tx1"/>
+                </a:solidFill>
+                <a:latin typeface="+mn-lt"/>
+                <a:ea typeface="+mn-ea"/>
+                <a:cs typeface="+mn-cs"/>
+              </a:rPr>
+              <a:t>调用短信程序</a:t>
+            </a:r>
+            <a:r>
+              <a:rPr lang="zh-TW" altLang="en-US" sz="1200" b="0" kern="1200" dirty="0" smtClean="0">
+                <a:solidFill>
+                  <a:schemeClr val="tx1"/>
+                </a:solidFill>
+                <a:latin typeface="+mn-lt"/>
+                <a:ea typeface="+mn-ea"/>
+                <a:cs typeface="+mn-cs"/>
+              </a:rPr>
+              <a:t> </a:t>
+            </a:r>
+          </a:p>
+          <a:p>
+            <a:r>
+              <a:rPr lang="en-US" altLang="zh-CN" sz="1200" b="0" kern="1200" dirty="0" smtClean="0">
+                <a:solidFill>
+                  <a:schemeClr val="tx1"/>
+                </a:solidFill>
+                <a:latin typeface="+mn-lt"/>
+                <a:ea typeface="+mn-ea"/>
+                <a:cs typeface="+mn-cs"/>
+              </a:rPr>
+              <a:t>   2. Intent it = new Intent(</a:t>
+            </a:r>
+            <a:r>
+              <a:rPr lang="en-US" altLang="zh-CN" sz="1200" b="0" kern="1200" dirty="0" err="1" smtClean="0">
+                <a:solidFill>
+                  <a:schemeClr val="tx1"/>
+                </a:solidFill>
+                <a:latin typeface="+mn-lt"/>
+                <a:ea typeface="+mn-ea"/>
+                <a:cs typeface="+mn-cs"/>
+              </a:rPr>
+              <a:t>Intent.ACTION_VIEW</a:t>
+            </a:r>
+            <a:r>
+              <a:rPr lang="en-US" altLang="zh-CN" sz="1200" b="0" kern="1200" dirty="0" smtClean="0">
+                <a:solidFill>
+                  <a:schemeClr val="tx1"/>
+                </a:solidFill>
+                <a:latin typeface="+mn-lt"/>
+                <a:ea typeface="+mn-ea"/>
+                <a:cs typeface="+mn-cs"/>
+              </a:rPr>
+              <a:t>, </a:t>
+            </a:r>
+            <a:r>
+              <a:rPr lang="en-US" altLang="zh-CN" sz="1200" b="0" kern="1200" dirty="0" err="1" smtClean="0">
+                <a:solidFill>
+                  <a:schemeClr val="tx1"/>
+                </a:solidFill>
+                <a:latin typeface="+mn-lt"/>
+                <a:ea typeface="+mn-ea"/>
+                <a:cs typeface="+mn-cs"/>
+              </a:rPr>
+              <a:t>uri</a:t>
+            </a:r>
+            <a:r>
+              <a:rPr lang="en-US" altLang="zh-CN" sz="1200" b="0" kern="1200" dirty="0" smtClean="0">
+                <a:solidFill>
+                  <a:schemeClr val="tx1"/>
+                </a:solidFill>
+                <a:latin typeface="+mn-lt"/>
+                <a:ea typeface="+mn-ea"/>
+                <a:cs typeface="+mn-cs"/>
+              </a:rPr>
+              <a:t>);  </a:t>
+            </a:r>
+          </a:p>
+          <a:p>
+            <a:r>
+              <a:rPr lang="en-US" altLang="zh-CN" sz="1200" b="0" kern="1200" dirty="0" smtClean="0">
+                <a:solidFill>
+                  <a:schemeClr val="tx1"/>
+                </a:solidFill>
+                <a:latin typeface="+mn-lt"/>
+                <a:ea typeface="+mn-ea"/>
+                <a:cs typeface="+mn-cs"/>
+              </a:rPr>
+              <a:t>   3. </a:t>
+            </a:r>
+            <a:r>
+              <a:rPr lang="en-US" altLang="zh-CN" sz="1200" b="0" kern="1200" dirty="0" err="1" smtClean="0">
+                <a:solidFill>
+                  <a:schemeClr val="tx1"/>
+                </a:solidFill>
+                <a:latin typeface="+mn-lt"/>
+                <a:ea typeface="+mn-ea"/>
+                <a:cs typeface="+mn-cs"/>
+              </a:rPr>
+              <a:t>it.putExtra</a:t>
+            </a:r>
+            <a:r>
+              <a:rPr lang="en-US" altLang="zh-CN" sz="1200" b="0" kern="1200" dirty="0" smtClean="0">
+                <a:solidFill>
+                  <a:schemeClr val="tx1"/>
+                </a:solidFill>
+                <a:latin typeface="+mn-lt"/>
+                <a:ea typeface="+mn-ea"/>
+                <a:cs typeface="+mn-cs"/>
+              </a:rPr>
+              <a:t>("</a:t>
+            </a:r>
+            <a:r>
+              <a:rPr lang="en-US" altLang="zh-CN" sz="1200" b="0" kern="1200" dirty="0" err="1" smtClean="0">
+                <a:solidFill>
+                  <a:schemeClr val="tx1"/>
+                </a:solidFill>
+                <a:latin typeface="+mn-lt"/>
+                <a:ea typeface="+mn-ea"/>
+                <a:cs typeface="+mn-cs"/>
+              </a:rPr>
+              <a:t>sms_body</a:t>
+            </a:r>
+            <a:r>
+              <a:rPr lang="en-US" altLang="zh-CN" sz="1200" b="0" kern="1200" dirty="0" smtClean="0">
+                <a:solidFill>
+                  <a:schemeClr val="tx1"/>
+                </a:solidFill>
+                <a:latin typeface="+mn-lt"/>
+                <a:ea typeface="+mn-ea"/>
+                <a:cs typeface="+mn-cs"/>
+              </a:rPr>
+              <a:t>", "The SMS text");   </a:t>
+            </a:r>
+          </a:p>
+          <a:p>
+            <a:r>
+              <a:rPr lang="en-US" altLang="zh-CN" sz="1200" b="0" kern="1200" dirty="0" smtClean="0">
+                <a:solidFill>
+                  <a:schemeClr val="tx1"/>
+                </a:solidFill>
+                <a:latin typeface="+mn-lt"/>
+                <a:ea typeface="+mn-ea"/>
+                <a:cs typeface="+mn-cs"/>
+              </a:rPr>
+              <a:t>   4. </a:t>
+            </a:r>
+            <a:r>
+              <a:rPr lang="en-US" altLang="zh-CN" sz="1200" b="0" kern="1200" dirty="0" err="1" smtClean="0">
+                <a:solidFill>
+                  <a:schemeClr val="tx1"/>
+                </a:solidFill>
+                <a:latin typeface="+mn-lt"/>
+                <a:ea typeface="+mn-ea"/>
+                <a:cs typeface="+mn-cs"/>
+              </a:rPr>
+              <a:t>it.setType</a:t>
+            </a:r>
+            <a:r>
+              <a:rPr lang="en-US" altLang="zh-CN" sz="1200" b="0" kern="1200" dirty="0" smtClean="0">
+                <a:solidFill>
+                  <a:schemeClr val="tx1"/>
+                </a:solidFill>
+                <a:latin typeface="+mn-lt"/>
+                <a:ea typeface="+mn-ea"/>
+                <a:cs typeface="+mn-cs"/>
+              </a:rPr>
+              <a:t>("</a:t>
+            </a:r>
+            <a:r>
+              <a:rPr lang="en-US" altLang="zh-CN" sz="1200" b="0" kern="1200" dirty="0" err="1" smtClean="0">
+                <a:solidFill>
+                  <a:schemeClr val="tx1"/>
+                </a:solidFill>
+                <a:latin typeface="+mn-lt"/>
+                <a:ea typeface="+mn-ea"/>
+                <a:cs typeface="+mn-cs"/>
+              </a:rPr>
+              <a:t>vnd.android-dir</a:t>
+            </a:r>
+            <a:r>
+              <a:rPr lang="en-US" altLang="zh-CN" sz="1200" b="0" kern="1200" dirty="0" smtClean="0">
+                <a:solidFill>
+                  <a:schemeClr val="tx1"/>
+                </a:solidFill>
+                <a:latin typeface="+mn-lt"/>
+                <a:ea typeface="+mn-ea"/>
+                <a:cs typeface="+mn-cs"/>
+              </a:rPr>
+              <a:t>/mms-</a:t>
+            </a:r>
+            <a:r>
+              <a:rPr lang="en-US" altLang="zh-CN" sz="1200" b="0" kern="1200" dirty="0" err="1" smtClean="0">
+                <a:solidFill>
+                  <a:schemeClr val="tx1"/>
+                </a:solidFill>
+                <a:latin typeface="+mn-lt"/>
+                <a:ea typeface="+mn-ea"/>
+                <a:cs typeface="+mn-cs"/>
+              </a:rPr>
+              <a:t>sms</a:t>
+            </a:r>
+            <a:r>
+              <a:rPr lang="en-US" altLang="zh-CN" sz="1200" b="0" kern="1200" dirty="0" smtClean="0">
+                <a:solidFill>
+                  <a:schemeClr val="tx1"/>
+                </a:solidFill>
+                <a:latin typeface="+mn-lt"/>
+                <a:ea typeface="+mn-ea"/>
+                <a:cs typeface="+mn-cs"/>
+              </a:rPr>
+              <a:t>");  </a:t>
+            </a:r>
+          </a:p>
+          <a:p>
+            <a:r>
+              <a:rPr lang="en-US" altLang="zh-CN" sz="1200" b="0" kern="1200" dirty="0" smtClean="0">
+                <a:solidFill>
+                  <a:schemeClr val="tx1"/>
+                </a:solidFill>
+                <a:latin typeface="+mn-lt"/>
+                <a:ea typeface="+mn-ea"/>
+                <a:cs typeface="+mn-cs"/>
+              </a:rPr>
+              <a:t>   5. </a:t>
+            </a:r>
+            <a:r>
+              <a:rPr lang="en-US" altLang="zh-CN" sz="1200" b="0" kern="1200" dirty="0" err="1" smtClean="0">
+                <a:solidFill>
+                  <a:schemeClr val="tx1"/>
+                </a:solidFill>
+                <a:latin typeface="+mn-lt"/>
+                <a:ea typeface="+mn-ea"/>
+                <a:cs typeface="+mn-cs"/>
+              </a:rPr>
+              <a:t>startActivity</a:t>
+            </a:r>
+            <a:r>
+              <a:rPr lang="en-US" altLang="zh-CN" sz="1200" b="0" kern="1200" dirty="0" smtClean="0">
+                <a:solidFill>
+                  <a:schemeClr val="tx1"/>
+                </a:solidFill>
+                <a:latin typeface="+mn-lt"/>
+                <a:ea typeface="+mn-ea"/>
+                <a:cs typeface="+mn-cs"/>
+              </a:rPr>
+              <a:t>(it); </a:t>
+            </a:r>
+          </a:p>
+          <a:p>
+            <a:r>
+              <a:rPr lang="zh-TW" altLang="en-US" sz="1200" b="0" kern="1200" dirty="0" smtClean="0">
+                <a:solidFill>
+                  <a:schemeClr val="tx1"/>
+                </a:solidFill>
+                <a:latin typeface="+mn-lt"/>
+                <a:ea typeface="+mn-ea"/>
+                <a:cs typeface="+mn-cs"/>
+              </a:rPr>
+              <a:t>   </a:t>
+            </a:r>
+            <a:r>
+              <a:rPr lang="en-US" altLang="zh-TW" sz="1200" b="0" kern="1200" dirty="0" smtClean="0">
+                <a:solidFill>
+                  <a:schemeClr val="tx1"/>
+                </a:solidFill>
+                <a:latin typeface="+mn-lt"/>
+                <a:ea typeface="+mn-ea"/>
+                <a:cs typeface="+mn-cs"/>
+              </a:rPr>
+              <a:t>1.</a:t>
+            </a:r>
+            <a:r>
+              <a:rPr lang="zh-TW" altLang="en-US" sz="1200" b="1" kern="1200" dirty="0" smtClean="0">
+                <a:solidFill>
+                  <a:schemeClr val="tx1"/>
+                </a:solidFill>
+                <a:latin typeface="+mn-lt"/>
+                <a:ea typeface="+mn-ea"/>
+                <a:cs typeface="+mn-cs"/>
+              </a:rPr>
+              <a:t> </a:t>
+            </a:r>
+            <a:r>
+              <a:rPr lang="en-US" altLang="zh-TW" sz="1200" b="1" kern="1200" dirty="0" smtClean="0">
+                <a:solidFill>
+                  <a:schemeClr val="tx1"/>
+                </a:solidFill>
+                <a:latin typeface="+mn-lt"/>
+                <a:ea typeface="+mn-ea"/>
+                <a:cs typeface="+mn-cs"/>
+              </a:rPr>
+              <a:t>//</a:t>
+            </a:r>
+            <a:r>
+              <a:rPr lang="zh-TW" altLang="en-US" sz="1200" b="1" kern="1200" dirty="0" smtClean="0">
+                <a:solidFill>
+                  <a:schemeClr val="tx1"/>
+                </a:solidFill>
+                <a:latin typeface="+mn-lt"/>
+                <a:ea typeface="+mn-ea"/>
+                <a:cs typeface="+mn-cs"/>
+              </a:rPr>
+              <a:t>传送消息</a:t>
+            </a:r>
+            <a:r>
+              <a:rPr lang="zh-TW" altLang="en-US" sz="1200" b="0" kern="1200" dirty="0" smtClean="0">
+                <a:solidFill>
+                  <a:schemeClr val="tx1"/>
+                </a:solidFill>
+                <a:latin typeface="+mn-lt"/>
+                <a:ea typeface="+mn-ea"/>
+                <a:cs typeface="+mn-cs"/>
+              </a:rPr>
+              <a:t> </a:t>
+            </a:r>
+          </a:p>
+          <a:p>
+            <a:r>
+              <a:rPr lang="ro-RO" altLang="zh-CN" sz="1200" b="0" kern="1200" dirty="0" smtClean="0">
+                <a:solidFill>
+                  <a:schemeClr val="tx1"/>
+                </a:solidFill>
+                <a:latin typeface="+mn-lt"/>
+                <a:ea typeface="+mn-ea"/>
+                <a:cs typeface="+mn-cs"/>
+              </a:rPr>
+              <a:t>   2. Uri uri = Uri.parse("smsto://0800000123");  </a:t>
+            </a:r>
+          </a:p>
+          <a:p>
+            <a:r>
+              <a:rPr lang="ro-RO" altLang="zh-CN" sz="1200" b="0" kern="1200" dirty="0" smtClean="0">
+                <a:solidFill>
+                  <a:schemeClr val="tx1"/>
+                </a:solidFill>
+                <a:latin typeface="+mn-lt"/>
+                <a:ea typeface="+mn-ea"/>
+                <a:cs typeface="+mn-cs"/>
+              </a:rPr>
+              <a:t>   3. Intent it = new Intent(Intent.ACTION_SENDTO, uri);  </a:t>
+            </a:r>
+          </a:p>
+          <a:p>
+            <a:r>
+              <a:rPr lang="ro-RO" altLang="zh-CN" sz="1200" b="0" kern="1200" dirty="0" smtClean="0">
+                <a:solidFill>
+                  <a:schemeClr val="tx1"/>
+                </a:solidFill>
+                <a:latin typeface="+mn-lt"/>
+                <a:ea typeface="+mn-ea"/>
+                <a:cs typeface="+mn-cs"/>
+              </a:rPr>
+              <a:t>   4. it.putExtra("sms_body", "The SMS text");  </a:t>
+            </a:r>
+          </a:p>
+          <a:p>
+            <a:r>
+              <a:rPr lang="ro-RO" altLang="zh-CN" sz="1200" b="0" kern="1200" dirty="0" smtClean="0">
+                <a:solidFill>
+                  <a:schemeClr val="tx1"/>
+                </a:solidFill>
+                <a:latin typeface="+mn-lt"/>
+                <a:ea typeface="+mn-ea"/>
+                <a:cs typeface="+mn-cs"/>
+              </a:rPr>
+              <a:t>   5. startActivity(it); </a:t>
+            </a:r>
+          </a:p>
+          <a:p>
+            <a:r>
+              <a:rPr lang="zh-TW" altLang="en-US" sz="1200" b="0" kern="1200" dirty="0" smtClean="0">
+                <a:solidFill>
+                  <a:schemeClr val="tx1"/>
+                </a:solidFill>
+                <a:latin typeface="+mn-lt"/>
+                <a:ea typeface="+mn-ea"/>
+                <a:cs typeface="+mn-cs"/>
+              </a:rPr>
+              <a:t>   </a:t>
+            </a:r>
+            <a:r>
+              <a:rPr lang="en-US" altLang="zh-TW" sz="1200" b="0" kern="1200" dirty="0" smtClean="0">
+                <a:solidFill>
+                  <a:schemeClr val="tx1"/>
+                </a:solidFill>
+                <a:latin typeface="+mn-lt"/>
+                <a:ea typeface="+mn-ea"/>
+                <a:cs typeface="+mn-cs"/>
+              </a:rPr>
+              <a:t>1. </a:t>
+            </a:r>
+            <a:r>
+              <a:rPr lang="en-US" altLang="zh-TW" sz="1200" b="1" kern="1200" dirty="0" smtClean="0">
+                <a:solidFill>
+                  <a:schemeClr val="tx1"/>
+                </a:solidFill>
+                <a:latin typeface="+mn-lt"/>
+                <a:ea typeface="+mn-ea"/>
+                <a:cs typeface="+mn-cs"/>
+              </a:rPr>
+              <a:t>//</a:t>
+            </a:r>
+            <a:r>
+              <a:rPr lang="zh-TW" altLang="en-US" sz="1200" b="1" kern="1200" dirty="0" smtClean="0">
+                <a:solidFill>
+                  <a:schemeClr val="tx1"/>
+                </a:solidFill>
+                <a:latin typeface="+mn-lt"/>
+                <a:ea typeface="+mn-ea"/>
+                <a:cs typeface="+mn-cs"/>
+              </a:rPr>
+              <a:t>传送 </a:t>
+            </a:r>
+            <a:r>
+              <a:rPr lang="en-US" altLang="zh-TW" sz="1200" b="1" kern="1200" dirty="0" smtClean="0">
+                <a:solidFill>
+                  <a:schemeClr val="tx1"/>
+                </a:solidFill>
+                <a:latin typeface="+mn-lt"/>
+                <a:ea typeface="+mn-ea"/>
+                <a:cs typeface="+mn-cs"/>
+              </a:rPr>
+              <a:t>MMS</a:t>
+            </a:r>
+            <a:r>
+              <a:rPr lang="zh-TW" altLang="en-US" sz="1200" b="0" kern="1200" dirty="0" smtClean="0">
+                <a:solidFill>
+                  <a:schemeClr val="tx1"/>
+                </a:solidFill>
+                <a:latin typeface="+mn-lt"/>
+                <a:ea typeface="+mn-ea"/>
+                <a:cs typeface="+mn-cs"/>
+              </a:rPr>
+              <a:t>  </a:t>
+            </a:r>
+          </a:p>
+          <a:p>
+            <a:r>
+              <a:rPr lang="ro-RO" altLang="zh-CN" sz="1200" b="0" kern="1200" dirty="0" smtClean="0">
+                <a:solidFill>
+                  <a:schemeClr val="tx1"/>
+                </a:solidFill>
+                <a:latin typeface="+mn-lt"/>
+                <a:ea typeface="+mn-ea"/>
+                <a:cs typeface="+mn-cs"/>
+              </a:rPr>
+              <a:t>   2. Uri uri = Uri.parse("content://media/external/images/media/23");  </a:t>
+            </a:r>
+          </a:p>
+          <a:p>
+            <a:r>
+              <a:rPr lang="ro-RO" altLang="zh-CN" sz="1200" b="0" kern="1200" dirty="0" smtClean="0">
+                <a:solidFill>
+                  <a:schemeClr val="tx1"/>
+                </a:solidFill>
+                <a:latin typeface="+mn-lt"/>
+                <a:ea typeface="+mn-ea"/>
+                <a:cs typeface="+mn-cs"/>
+              </a:rPr>
+              <a:t>   3. Intent it = new Intent(Intent.ACTION_SEND);   </a:t>
+            </a:r>
+          </a:p>
+          <a:p>
+            <a:r>
+              <a:rPr lang="ro-RO" altLang="zh-CN" sz="1200" b="0" kern="1200" dirty="0" smtClean="0">
+                <a:solidFill>
+                  <a:schemeClr val="tx1"/>
+                </a:solidFill>
+                <a:latin typeface="+mn-lt"/>
+                <a:ea typeface="+mn-ea"/>
+                <a:cs typeface="+mn-cs"/>
+              </a:rPr>
+              <a:t>   4. it.putExtra("sms_body", "some text");   </a:t>
+            </a:r>
+          </a:p>
+          <a:p>
+            <a:r>
+              <a:rPr lang="ro-RO" altLang="zh-CN" sz="1200" b="0" kern="1200" dirty="0" smtClean="0">
+                <a:solidFill>
+                  <a:schemeClr val="tx1"/>
+                </a:solidFill>
+                <a:latin typeface="+mn-lt"/>
+                <a:ea typeface="+mn-ea"/>
+                <a:cs typeface="+mn-cs"/>
+              </a:rPr>
+              <a:t>   5. it.putExtra(Intent.EXTRA_STREAM, uri);  </a:t>
+            </a:r>
+          </a:p>
+          <a:p>
+            <a:r>
+              <a:rPr lang="en-US" altLang="zh-CN" sz="1200" b="0" kern="1200" dirty="0" smtClean="0">
+                <a:solidFill>
+                  <a:schemeClr val="tx1"/>
+                </a:solidFill>
+                <a:latin typeface="+mn-lt"/>
+                <a:ea typeface="+mn-ea"/>
+                <a:cs typeface="+mn-cs"/>
+              </a:rPr>
+              <a:t>   6. </a:t>
+            </a:r>
+            <a:r>
+              <a:rPr lang="en-US" altLang="zh-CN" sz="1200" b="0" kern="1200" dirty="0" err="1" smtClean="0">
+                <a:solidFill>
+                  <a:schemeClr val="tx1"/>
+                </a:solidFill>
+                <a:latin typeface="+mn-lt"/>
+                <a:ea typeface="+mn-ea"/>
+                <a:cs typeface="+mn-cs"/>
+              </a:rPr>
+              <a:t>it.setType</a:t>
+            </a:r>
+            <a:r>
+              <a:rPr lang="en-US" altLang="zh-CN" sz="1200" b="0" kern="1200" dirty="0" smtClean="0">
+                <a:solidFill>
+                  <a:schemeClr val="tx1"/>
+                </a:solidFill>
+                <a:latin typeface="+mn-lt"/>
+                <a:ea typeface="+mn-ea"/>
+                <a:cs typeface="+mn-cs"/>
+              </a:rPr>
+              <a:t>("image/</a:t>
+            </a:r>
+            <a:r>
+              <a:rPr lang="en-US" altLang="zh-CN" sz="1200" b="0" kern="1200" dirty="0" err="1" smtClean="0">
+                <a:solidFill>
+                  <a:schemeClr val="tx1"/>
+                </a:solidFill>
+                <a:latin typeface="+mn-lt"/>
+                <a:ea typeface="+mn-ea"/>
+                <a:cs typeface="+mn-cs"/>
+              </a:rPr>
+              <a:t>png</a:t>
+            </a:r>
+            <a:r>
+              <a:rPr lang="en-US" altLang="zh-CN" sz="1200" b="0" kern="1200" dirty="0" smtClean="0">
+                <a:solidFill>
+                  <a:schemeClr val="tx1"/>
+                </a:solidFill>
+                <a:latin typeface="+mn-lt"/>
+                <a:ea typeface="+mn-ea"/>
+                <a:cs typeface="+mn-cs"/>
+              </a:rPr>
+              <a:t>");   </a:t>
+            </a:r>
+          </a:p>
+          <a:p>
+            <a:r>
+              <a:rPr lang="en-US" altLang="zh-CN" sz="1200" b="0" kern="1200" dirty="0" smtClean="0">
+                <a:solidFill>
+                  <a:schemeClr val="tx1"/>
+                </a:solidFill>
+                <a:latin typeface="+mn-lt"/>
+                <a:ea typeface="+mn-ea"/>
+                <a:cs typeface="+mn-cs"/>
+              </a:rPr>
+              <a:t>   7. </a:t>
+            </a:r>
+            <a:r>
+              <a:rPr lang="en-US" altLang="zh-CN" sz="1200" b="0" kern="1200" dirty="0" err="1" smtClean="0">
+                <a:solidFill>
+                  <a:schemeClr val="tx1"/>
+                </a:solidFill>
+                <a:latin typeface="+mn-lt"/>
+                <a:ea typeface="+mn-ea"/>
+                <a:cs typeface="+mn-cs"/>
+              </a:rPr>
+              <a:t>startActivity</a:t>
+            </a:r>
+            <a:r>
+              <a:rPr lang="en-US" altLang="zh-CN" sz="1200" b="0" kern="1200" dirty="0" smtClean="0">
+                <a:solidFill>
+                  <a:schemeClr val="tx1"/>
+                </a:solidFill>
+                <a:latin typeface="+mn-lt"/>
+                <a:ea typeface="+mn-ea"/>
+                <a:cs typeface="+mn-cs"/>
+              </a:rPr>
+              <a:t>(it); </a:t>
+            </a:r>
+          </a:p>
+          <a:p>
+            <a:r>
+              <a:rPr lang="zh-CN" altLang="en-US" sz="1200" b="1" kern="1200" dirty="0" smtClean="0">
+                <a:solidFill>
+                  <a:schemeClr val="tx1"/>
+                </a:solidFill>
+                <a:latin typeface="+mn-lt"/>
+                <a:ea typeface="+mn-ea"/>
+                <a:cs typeface="+mn-cs"/>
+              </a:rPr>
+              <a:t>传送 </a:t>
+            </a:r>
+            <a:r>
+              <a:rPr lang="en-US" altLang="zh-CN" sz="1200" b="1" kern="1200" dirty="0" smtClean="0">
+                <a:solidFill>
+                  <a:schemeClr val="tx1"/>
+                </a:solidFill>
+                <a:latin typeface="+mn-lt"/>
+                <a:ea typeface="+mn-ea"/>
+                <a:cs typeface="+mn-cs"/>
+              </a:rPr>
+              <a:t>Email</a:t>
+            </a:r>
+            <a:endParaRPr lang="en-US" altLang="zh-CN" sz="1200" b="0" kern="1200" dirty="0" smtClean="0">
+              <a:solidFill>
+                <a:schemeClr val="tx1"/>
+              </a:solidFill>
+              <a:latin typeface="+mn-lt"/>
+              <a:ea typeface="+mn-ea"/>
+              <a:cs typeface="+mn-cs"/>
+            </a:endParaRPr>
+          </a:p>
+          <a:p>
+            <a:r>
+              <a:rPr lang="en-US" altLang="zh-CN" sz="1200" b="0" kern="1200" dirty="0" smtClean="0">
+                <a:solidFill>
+                  <a:schemeClr val="tx1"/>
+                </a:solidFill>
+                <a:latin typeface="+mn-lt"/>
+                <a:ea typeface="+mn-ea"/>
+                <a:cs typeface="+mn-cs"/>
+              </a:rPr>
+              <a:t>   1. Uri </a:t>
+            </a:r>
+            <a:r>
+              <a:rPr lang="en-US" altLang="zh-CN" sz="1200" b="0" kern="1200" dirty="0" err="1" smtClean="0">
+                <a:solidFill>
+                  <a:schemeClr val="tx1"/>
+                </a:solidFill>
+                <a:latin typeface="+mn-lt"/>
+                <a:ea typeface="+mn-ea"/>
+                <a:cs typeface="+mn-cs"/>
+              </a:rPr>
+              <a:t>uri</a:t>
+            </a:r>
+            <a:r>
+              <a:rPr lang="en-US" altLang="zh-CN" sz="1200" b="0" kern="1200" dirty="0" smtClean="0">
+                <a:solidFill>
+                  <a:schemeClr val="tx1"/>
+                </a:solidFill>
+                <a:latin typeface="+mn-lt"/>
+                <a:ea typeface="+mn-ea"/>
+                <a:cs typeface="+mn-cs"/>
+              </a:rPr>
+              <a:t> = </a:t>
+            </a:r>
+            <a:r>
+              <a:rPr lang="en-US" altLang="zh-CN" sz="1200" b="0" kern="1200" dirty="0" err="1" smtClean="0">
+                <a:solidFill>
+                  <a:schemeClr val="tx1"/>
+                </a:solidFill>
+                <a:latin typeface="+mn-lt"/>
+                <a:ea typeface="+mn-ea"/>
+                <a:cs typeface="+mn-cs"/>
+              </a:rPr>
+              <a:t>Uri.parse</a:t>
+            </a:r>
+            <a:r>
+              <a:rPr lang="en-US" altLang="zh-CN" sz="1200" b="0" kern="1200" dirty="0" smtClean="0">
+                <a:solidFill>
+                  <a:schemeClr val="tx1"/>
+                </a:solidFill>
+                <a:latin typeface="+mn-lt"/>
+                <a:ea typeface="+mn-ea"/>
+                <a:cs typeface="+mn-cs"/>
+              </a:rPr>
+              <a:t>("</a:t>
+            </a:r>
+            <a:r>
+              <a:rPr lang="en-US" altLang="zh-CN" sz="1200" b="0" kern="1200" dirty="0" err="1" smtClean="0">
+                <a:solidFill>
+                  <a:schemeClr val="tx1"/>
+                </a:solidFill>
+                <a:latin typeface="+mn-lt"/>
+                <a:ea typeface="+mn-ea"/>
+                <a:cs typeface="+mn-cs"/>
+              </a:rPr>
+              <a:t>mailto:xxx@abc.com</a:t>
+            </a:r>
+            <a:r>
+              <a:rPr lang="en-US" altLang="zh-CN" sz="1200" b="0" kern="1200" dirty="0" smtClean="0">
+                <a:solidFill>
+                  <a:schemeClr val="tx1"/>
+                </a:solidFill>
+                <a:latin typeface="+mn-lt"/>
+                <a:ea typeface="+mn-ea"/>
+                <a:cs typeface="+mn-cs"/>
+              </a:rPr>
+              <a:t>");  </a:t>
+            </a:r>
+          </a:p>
+          <a:p>
+            <a:r>
+              <a:rPr lang="en-US" altLang="zh-CN" sz="1200" b="0" kern="1200" dirty="0" smtClean="0">
+                <a:solidFill>
+                  <a:schemeClr val="tx1"/>
+                </a:solidFill>
+                <a:latin typeface="+mn-lt"/>
+                <a:ea typeface="+mn-ea"/>
+                <a:cs typeface="+mn-cs"/>
+              </a:rPr>
+              <a:t>   2. Intent it = new Intent(</a:t>
+            </a:r>
+            <a:r>
+              <a:rPr lang="en-US" altLang="zh-CN" sz="1200" b="0" kern="1200" dirty="0" err="1" smtClean="0">
+                <a:solidFill>
+                  <a:schemeClr val="tx1"/>
+                </a:solidFill>
+                <a:latin typeface="+mn-lt"/>
+                <a:ea typeface="+mn-ea"/>
+                <a:cs typeface="+mn-cs"/>
+              </a:rPr>
+              <a:t>Intent.ACTION_SENDTO</a:t>
+            </a:r>
+            <a:r>
+              <a:rPr lang="en-US" altLang="zh-CN" sz="1200" b="0" kern="1200" dirty="0" smtClean="0">
+                <a:solidFill>
+                  <a:schemeClr val="tx1"/>
+                </a:solidFill>
+                <a:latin typeface="+mn-lt"/>
+                <a:ea typeface="+mn-ea"/>
+                <a:cs typeface="+mn-cs"/>
+              </a:rPr>
+              <a:t>, </a:t>
+            </a:r>
+            <a:r>
+              <a:rPr lang="en-US" altLang="zh-CN" sz="1200" b="0" kern="1200" dirty="0" err="1" smtClean="0">
+                <a:solidFill>
+                  <a:schemeClr val="tx1"/>
+                </a:solidFill>
+                <a:latin typeface="+mn-lt"/>
+                <a:ea typeface="+mn-ea"/>
+                <a:cs typeface="+mn-cs"/>
+              </a:rPr>
+              <a:t>uri</a:t>
+            </a:r>
+            <a:r>
+              <a:rPr lang="en-US" altLang="zh-CN" sz="1200" b="0" kern="1200" dirty="0" smtClean="0">
+                <a:solidFill>
+                  <a:schemeClr val="tx1"/>
+                </a:solidFill>
+                <a:latin typeface="+mn-lt"/>
+                <a:ea typeface="+mn-ea"/>
+                <a:cs typeface="+mn-cs"/>
+              </a:rPr>
+              <a:t>);  </a:t>
+            </a:r>
+          </a:p>
+          <a:p>
+            <a:r>
+              <a:rPr lang="en-US" altLang="zh-CN" sz="1200" b="0" kern="1200" dirty="0" smtClean="0">
+                <a:solidFill>
+                  <a:schemeClr val="tx1"/>
+                </a:solidFill>
+                <a:latin typeface="+mn-lt"/>
+                <a:ea typeface="+mn-ea"/>
+                <a:cs typeface="+mn-cs"/>
+              </a:rPr>
+              <a:t>   3. </a:t>
+            </a:r>
+            <a:r>
+              <a:rPr lang="en-US" altLang="zh-CN" sz="1200" b="0" kern="1200" dirty="0" err="1" smtClean="0">
+                <a:solidFill>
+                  <a:schemeClr val="tx1"/>
+                </a:solidFill>
+                <a:latin typeface="+mn-lt"/>
+                <a:ea typeface="+mn-ea"/>
+                <a:cs typeface="+mn-cs"/>
+              </a:rPr>
+              <a:t>startActivity</a:t>
+            </a:r>
+            <a:r>
+              <a:rPr lang="en-US" altLang="zh-CN" sz="1200" b="0" kern="1200" dirty="0" smtClean="0">
+                <a:solidFill>
+                  <a:schemeClr val="tx1"/>
+                </a:solidFill>
+                <a:latin typeface="+mn-lt"/>
+                <a:ea typeface="+mn-ea"/>
+                <a:cs typeface="+mn-cs"/>
+              </a:rPr>
+              <a:t>(it); </a:t>
+            </a:r>
+          </a:p>
+          <a:p>
+            <a:endParaRPr lang="en-US" altLang="zh-CN" sz="1200" b="0" kern="1200" dirty="0" smtClean="0">
+              <a:solidFill>
+                <a:schemeClr val="tx1"/>
+              </a:solidFill>
+              <a:latin typeface="+mn-lt"/>
+              <a:ea typeface="+mn-ea"/>
+              <a:cs typeface="+mn-cs"/>
+            </a:endParaRPr>
+          </a:p>
+          <a:p>
+            <a:r>
+              <a:rPr lang="en-US" altLang="zh-CN" sz="1200" b="0" kern="1200" dirty="0" smtClean="0">
+                <a:solidFill>
+                  <a:schemeClr val="tx1"/>
+                </a:solidFill>
+                <a:latin typeface="+mn-lt"/>
+                <a:ea typeface="+mn-ea"/>
+                <a:cs typeface="+mn-cs"/>
+              </a:rPr>
+              <a:t>   1. Intent it = new Intent(</a:t>
+            </a:r>
+            <a:r>
+              <a:rPr lang="en-US" altLang="zh-CN" sz="1200" b="0" kern="1200" dirty="0" err="1" smtClean="0">
+                <a:solidFill>
+                  <a:schemeClr val="tx1"/>
+                </a:solidFill>
+                <a:latin typeface="+mn-lt"/>
+                <a:ea typeface="+mn-ea"/>
+                <a:cs typeface="+mn-cs"/>
+              </a:rPr>
+              <a:t>Intent.ACTION_SEND</a:t>
+            </a:r>
+            <a:r>
+              <a:rPr lang="en-US" altLang="zh-CN" sz="1200" b="0" kern="1200" dirty="0" smtClean="0">
+                <a:solidFill>
+                  <a:schemeClr val="tx1"/>
+                </a:solidFill>
+                <a:latin typeface="+mn-lt"/>
+                <a:ea typeface="+mn-ea"/>
+                <a:cs typeface="+mn-cs"/>
+              </a:rPr>
+              <a:t>);  </a:t>
+            </a:r>
+          </a:p>
+          <a:p>
+            <a:r>
+              <a:rPr lang="en-US" altLang="zh-CN" sz="1200" b="0" kern="1200" dirty="0" smtClean="0">
+                <a:solidFill>
+                  <a:schemeClr val="tx1"/>
+                </a:solidFill>
+                <a:latin typeface="+mn-lt"/>
+                <a:ea typeface="+mn-ea"/>
+                <a:cs typeface="+mn-cs"/>
+              </a:rPr>
+              <a:t>   2. </a:t>
+            </a:r>
+            <a:r>
+              <a:rPr lang="en-US" altLang="zh-CN" sz="1200" b="0" kern="1200" dirty="0" err="1" smtClean="0">
+                <a:solidFill>
+                  <a:schemeClr val="tx1"/>
+                </a:solidFill>
+                <a:latin typeface="+mn-lt"/>
+                <a:ea typeface="+mn-ea"/>
+                <a:cs typeface="+mn-cs"/>
+              </a:rPr>
+              <a:t>it.putExtra</a:t>
+            </a:r>
+            <a:r>
+              <a:rPr lang="en-US" altLang="zh-CN" sz="1200" b="0" kern="1200" dirty="0" smtClean="0">
+                <a:solidFill>
+                  <a:schemeClr val="tx1"/>
+                </a:solidFill>
+                <a:latin typeface="+mn-lt"/>
+                <a:ea typeface="+mn-ea"/>
+                <a:cs typeface="+mn-cs"/>
+              </a:rPr>
+              <a:t>(</a:t>
+            </a:r>
+            <a:r>
+              <a:rPr lang="en-US" altLang="zh-CN" sz="1200" b="0" kern="1200" dirty="0" err="1" smtClean="0">
+                <a:solidFill>
+                  <a:schemeClr val="tx1"/>
+                </a:solidFill>
+                <a:latin typeface="+mn-lt"/>
+                <a:ea typeface="+mn-ea"/>
+                <a:cs typeface="+mn-cs"/>
+              </a:rPr>
+              <a:t>Intent.EXTRA_EMAIL</a:t>
+            </a:r>
+            <a:r>
+              <a:rPr lang="en-US" altLang="zh-CN" sz="1200" b="0" kern="1200" dirty="0" smtClean="0">
+                <a:solidFill>
+                  <a:schemeClr val="tx1"/>
+                </a:solidFill>
+                <a:latin typeface="+mn-lt"/>
+                <a:ea typeface="+mn-ea"/>
+                <a:cs typeface="+mn-cs"/>
+              </a:rPr>
+              <a:t>, "</a:t>
+            </a:r>
+            <a:r>
+              <a:rPr lang="en-US" altLang="zh-CN" sz="1200" b="0" kern="1200" dirty="0" err="1" smtClean="0">
+                <a:solidFill>
+                  <a:schemeClr val="tx1"/>
+                </a:solidFill>
+                <a:latin typeface="+mn-lt"/>
+                <a:ea typeface="+mn-ea"/>
+                <a:cs typeface="+mn-cs"/>
+              </a:rPr>
+              <a:t>me@abc.com</a:t>
+            </a:r>
+            <a:r>
+              <a:rPr lang="en-US" altLang="zh-CN" sz="1200" b="0" kern="1200" dirty="0" smtClean="0">
+                <a:solidFill>
+                  <a:schemeClr val="tx1"/>
+                </a:solidFill>
+                <a:latin typeface="+mn-lt"/>
+                <a:ea typeface="+mn-ea"/>
+                <a:cs typeface="+mn-cs"/>
+              </a:rPr>
+              <a:t>");  </a:t>
+            </a:r>
+          </a:p>
+          <a:p>
+            <a:r>
+              <a:rPr lang="en-US" altLang="zh-CN" sz="1200" b="0" kern="1200" dirty="0" smtClean="0">
+                <a:solidFill>
+                  <a:schemeClr val="tx1"/>
+                </a:solidFill>
+                <a:latin typeface="+mn-lt"/>
+                <a:ea typeface="+mn-ea"/>
+                <a:cs typeface="+mn-cs"/>
+              </a:rPr>
+              <a:t>   3. </a:t>
+            </a:r>
+            <a:r>
+              <a:rPr lang="en-US" altLang="zh-CN" sz="1200" b="0" kern="1200" dirty="0" err="1" smtClean="0">
+                <a:solidFill>
+                  <a:schemeClr val="tx1"/>
+                </a:solidFill>
+                <a:latin typeface="+mn-lt"/>
+                <a:ea typeface="+mn-ea"/>
+                <a:cs typeface="+mn-cs"/>
+              </a:rPr>
+              <a:t>it.putExtra</a:t>
+            </a:r>
+            <a:r>
+              <a:rPr lang="en-US" altLang="zh-CN" sz="1200" b="0" kern="1200" dirty="0" smtClean="0">
+                <a:solidFill>
+                  <a:schemeClr val="tx1"/>
+                </a:solidFill>
+                <a:latin typeface="+mn-lt"/>
+                <a:ea typeface="+mn-ea"/>
+                <a:cs typeface="+mn-cs"/>
+              </a:rPr>
+              <a:t>(</a:t>
+            </a:r>
+            <a:r>
+              <a:rPr lang="en-US" altLang="zh-CN" sz="1200" b="0" kern="1200" dirty="0" err="1" smtClean="0">
+                <a:solidFill>
+                  <a:schemeClr val="tx1"/>
+                </a:solidFill>
+                <a:latin typeface="+mn-lt"/>
+                <a:ea typeface="+mn-ea"/>
+                <a:cs typeface="+mn-cs"/>
+              </a:rPr>
+              <a:t>Intent.EXTRA_TEXT</a:t>
+            </a:r>
+            <a:r>
+              <a:rPr lang="en-US" altLang="zh-CN" sz="1200" b="0" kern="1200" dirty="0" smtClean="0">
+                <a:solidFill>
+                  <a:schemeClr val="tx1"/>
+                </a:solidFill>
+                <a:latin typeface="+mn-lt"/>
+                <a:ea typeface="+mn-ea"/>
+                <a:cs typeface="+mn-cs"/>
+              </a:rPr>
+              <a:t>, "The email body text");  </a:t>
+            </a:r>
+          </a:p>
+          <a:p>
+            <a:r>
+              <a:rPr lang="en-US" altLang="zh-CN" sz="1200" b="0" kern="1200" dirty="0" smtClean="0">
+                <a:solidFill>
+                  <a:schemeClr val="tx1"/>
+                </a:solidFill>
+                <a:latin typeface="+mn-lt"/>
+                <a:ea typeface="+mn-ea"/>
+                <a:cs typeface="+mn-cs"/>
+              </a:rPr>
+              <a:t>   4. </a:t>
+            </a:r>
+            <a:r>
+              <a:rPr lang="en-US" altLang="zh-CN" sz="1200" b="0" kern="1200" dirty="0" err="1" smtClean="0">
+                <a:solidFill>
+                  <a:schemeClr val="tx1"/>
+                </a:solidFill>
+                <a:latin typeface="+mn-lt"/>
+                <a:ea typeface="+mn-ea"/>
+                <a:cs typeface="+mn-cs"/>
+              </a:rPr>
+              <a:t>it.setType</a:t>
+            </a:r>
+            <a:r>
+              <a:rPr lang="en-US" altLang="zh-CN" sz="1200" b="0" kern="1200" dirty="0" smtClean="0">
+                <a:solidFill>
+                  <a:schemeClr val="tx1"/>
+                </a:solidFill>
+                <a:latin typeface="+mn-lt"/>
+                <a:ea typeface="+mn-ea"/>
+                <a:cs typeface="+mn-cs"/>
+              </a:rPr>
+              <a:t>("text/plain");  </a:t>
+            </a:r>
+          </a:p>
+          <a:p>
+            <a:r>
+              <a:rPr lang="en-US" altLang="zh-CN" sz="1200" b="0" kern="1200" dirty="0" smtClean="0">
+                <a:solidFill>
+                  <a:schemeClr val="tx1"/>
+                </a:solidFill>
+                <a:latin typeface="+mn-lt"/>
+                <a:ea typeface="+mn-ea"/>
+                <a:cs typeface="+mn-cs"/>
+              </a:rPr>
+              <a:t>   5. </a:t>
+            </a:r>
+            <a:r>
+              <a:rPr lang="en-US" altLang="zh-CN" sz="1200" b="0" kern="1200" dirty="0" err="1" smtClean="0">
+                <a:solidFill>
+                  <a:schemeClr val="tx1"/>
+                </a:solidFill>
+                <a:latin typeface="+mn-lt"/>
+                <a:ea typeface="+mn-ea"/>
+                <a:cs typeface="+mn-cs"/>
+              </a:rPr>
+              <a:t>startActivity</a:t>
+            </a:r>
+            <a:r>
+              <a:rPr lang="en-US" altLang="zh-CN" sz="1200" b="0" kern="1200" dirty="0" smtClean="0">
+                <a:solidFill>
+                  <a:schemeClr val="tx1"/>
+                </a:solidFill>
+                <a:latin typeface="+mn-lt"/>
+                <a:ea typeface="+mn-ea"/>
+                <a:cs typeface="+mn-cs"/>
+              </a:rPr>
+              <a:t>(</a:t>
+            </a:r>
+            <a:r>
+              <a:rPr lang="en-US" altLang="zh-CN" sz="1200" b="0" kern="1200" dirty="0" err="1" smtClean="0">
+                <a:solidFill>
+                  <a:schemeClr val="tx1"/>
+                </a:solidFill>
+                <a:latin typeface="+mn-lt"/>
+                <a:ea typeface="+mn-ea"/>
+                <a:cs typeface="+mn-cs"/>
+              </a:rPr>
+              <a:t>Intent.createChooser</a:t>
+            </a:r>
+            <a:r>
+              <a:rPr lang="en-US" altLang="zh-CN" sz="1200" b="0" kern="1200" dirty="0" smtClean="0">
+                <a:solidFill>
+                  <a:schemeClr val="tx1"/>
+                </a:solidFill>
+                <a:latin typeface="+mn-lt"/>
+                <a:ea typeface="+mn-ea"/>
+                <a:cs typeface="+mn-cs"/>
+              </a:rPr>
+              <a:t>(it, "Choose Email Client")); </a:t>
+            </a:r>
+          </a:p>
+          <a:p>
+            <a:endParaRPr lang="en-US" altLang="zh-CN" sz="1200" b="0" kern="1200" dirty="0" smtClean="0">
+              <a:solidFill>
+                <a:schemeClr val="tx1"/>
+              </a:solidFill>
+              <a:latin typeface="+mn-lt"/>
+              <a:ea typeface="+mn-ea"/>
+              <a:cs typeface="+mn-cs"/>
+            </a:endParaRPr>
+          </a:p>
+          <a:p>
+            <a:r>
+              <a:rPr lang="en-US" altLang="zh-CN" sz="1200" b="0" kern="1200" dirty="0" smtClean="0">
+                <a:solidFill>
+                  <a:schemeClr val="tx1"/>
+                </a:solidFill>
+                <a:latin typeface="+mn-lt"/>
+                <a:ea typeface="+mn-ea"/>
+                <a:cs typeface="+mn-cs"/>
+              </a:rPr>
+              <a:t>   1. Intent it=new Intent(</a:t>
+            </a:r>
+            <a:r>
+              <a:rPr lang="en-US" altLang="zh-CN" sz="1200" b="0" kern="1200" dirty="0" err="1" smtClean="0">
+                <a:solidFill>
+                  <a:schemeClr val="tx1"/>
+                </a:solidFill>
+                <a:latin typeface="+mn-lt"/>
+                <a:ea typeface="+mn-ea"/>
+                <a:cs typeface="+mn-cs"/>
+              </a:rPr>
+              <a:t>Intent.ACTION_SEND</a:t>
+            </a:r>
+            <a:r>
+              <a:rPr lang="en-US" altLang="zh-CN" sz="1200" b="0" kern="1200" dirty="0" smtClean="0">
+                <a:solidFill>
+                  <a:schemeClr val="tx1"/>
+                </a:solidFill>
+                <a:latin typeface="+mn-lt"/>
+                <a:ea typeface="+mn-ea"/>
+                <a:cs typeface="+mn-cs"/>
+              </a:rPr>
+              <a:t>);    </a:t>
+            </a:r>
+          </a:p>
+          <a:p>
+            <a:r>
+              <a:rPr lang="cs-CZ" altLang="zh-CN" sz="1200" b="0" kern="1200" dirty="0" smtClean="0">
+                <a:solidFill>
+                  <a:schemeClr val="tx1"/>
+                </a:solidFill>
+                <a:latin typeface="+mn-lt"/>
+                <a:ea typeface="+mn-ea"/>
+                <a:cs typeface="+mn-cs"/>
+              </a:rPr>
+              <a:t>   2. </a:t>
+            </a:r>
+            <a:r>
+              <a:rPr lang="cs-CZ" altLang="zh-CN" sz="1200" b="0" kern="1200" dirty="0" err="1" smtClean="0">
+                <a:solidFill>
+                  <a:schemeClr val="tx1"/>
+                </a:solidFill>
+                <a:latin typeface="+mn-lt"/>
+                <a:ea typeface="+mn-ea"/>
+                <a:cs typeface="+mn-cs"/>
+              </a:rPr>
+              <a:t>String</a:t>
+            </a:r>
+            <a:r>
+              <a:rPr lang="cs-CZ" altLang="zh-CN" sz="1200" b="0" kern="1200" dirty="0" smtClean="0">
+                <a:solidFill>
+                  <a:schemeClr val="tx1"/>
+                </a:solidFill>
+                <a:latin typeface="+mn-lt"/>
+                <a:ea typeface="+mn-ea"/>
+                <a:cs typeface="+mn-cs"/>
+              </a:rPr>
+              <a:t>[] </a:t>
+            </a:r>
+            <a:r>
+              <a:rPr lang="cs-CZ" altLang="zh-CN" sz="1200" b="0" kern="1200" dirty="0" err="1" smtClean="0">
+                <a:solidFill>
+                  <a:schemeClr val="tx1"/>
+                </a:solidFill>
+                <a:latin typeface="+mn-lt"/>
+                <a:ea typeface="+mn-ea"/>
+                <a:cs typeface="+mn-cs"/>
+              </a:rPr>
+              <a:t>tos</a:t>
+            </a:r>
+            <a:r>
+              <a:rPr lang="cs-CZ" altLang="zh-CN" sz="1200" b="0" kern="1200" dirty="0" smtClean="0">
+                <a:solidFill>
+                  <a:schemeClr val="tx1"/>
+                </a:solidFill>
+                <a:latin typeface="+mn-lt"/>
+                <a:ea typeface="+mn-ea"/>
+                <a:cs typeface="+mn-cs"/>
+              </a:rPr>
+              <a:t>={"</a:t>
+            </a:r>
+            <a:r>
+              <a:rPr lang="cs-CZ" altLang="zh-CN" sz="1200" b="0" kern="1200" dirty="0" err="1" smtClean="0">
+                <a:solidFill>
+                  <a:schemeClr val="tx1"/>
+                </a:solidFill>
+                <a:latin typeface="+mn-lt"/>
+                <a:ea typeface="+mn-ea"/>
+                <a:cs typeface="+mn-cs"/>
+              </a:rPr>
+              <a:t>me@abc.com</a:t>
+            </a:r>
+            <a:r>
+              <a:rPr lang="cs-CZ" altLang="zh-CN" sz="1200" b="0" kern="1200" dirty="0" smtClean="0">
+                <a:solidFill>
+                  <a:schemeClr val="tx1"/>
+                </a:solidFill>
+                <a:latin typeface="+mn-lt"/>
+                <a:ea typeface="+mn-ea"/>
+                <a:cs typeface="+mn-cs"/>
+              </a:rPr>
+              <a:t>"};    </a:t>
+            </a:r>
+          </a:p>
+          <a:p>
+            <a:r>
+              <a:rPr lang="en-US" altLang="zh-CN" sz="1200" b="0" kern="1200" dirty="0" smtClean="0">
+                <a:solidFill>
+                  <a:schemeClr val="tx1"/>
+                </a:solidFill>
+                <a:latin typeface="+mn-lt"/>
+                <a:ea typeface="+mn-ea"/>
+                <a:cs typeface="+mn-cs"/>
+              </a:rPr>
+              <a:t>   3. String[] ccs={"</a:t>
+            </a:r>
+            <a:r>
+              <a:rPr lang="en-US" altLang="zh-CN" sz="1200" b="0" kern="1200" dirty="0" err="1" smtClean="0">
+                <a:solidFill>
+                  <a:schemeClr val="tx1"/>
+                </a:solidFill>
+                <a:latin typeface="+mn-lt"/>
+                <a:ea typeface="+mn-ea"/>
+                <a:cs typeface="+mn-cs"/>
+              </a:rPr>
+              <a:t>you@abc.com</a:t>
+            </a:r>
+            <a:r>
+              <a:rPr lang="en-US" altLang="zh-CN" sz="1200" b="0" kern="1200" dirty="0" smtClean="0">
+                <a:solidFill>
+                  <a:schemeClr val="tx1"/>
+                </a:solidFill>
+                <a:latin typeface="+mn-lt"/>
+                <a:ea typeface="+mn-ea"/>
+                <a:cs typeface="+mn-cs"/>
+              </a:rPr>
+              <a:t>"};    </a:t>
+            </a:r>
+          </a:p>
+          <a:p>
+            <a:r>
+              <a:rPr lang="en-US" altLang="zh-CN" sz="1200" b="0" kern="1200" dirty="0" smtClean="0">
+                <a:solidFill>
+                  <a:schemeClr val="tx1"/>
+                </a:solidFill>
+                <a:latin typeface="+mn-lt"/>
+                <a:ea typeface="+mn-ea"/>
+                <a:cs typeface="+mn-cs"/>
+              </a:rPr>
+              <a:t>   4. </a:t>
+            </a:r>
+            <a:r>
+              <a:rPr lang="en-US" altLang="zh-CN" sz="1200" b="0" kern="1200" dirty="0" err="1" smtClean="0">
+                <a:solidFill>
+                  <a:schemeClr val="tx1"/>
+                </a:solidFill>
+                <a:latin typeface="+mn-lt"/>
+                <a:ea typeface="+mn-ea"/>
+                <a:cs typeface="+mn-cs"/>
+              </a:rPr>
+              <a:t>it.putExtra</a:t>
+            </a:r>
+            <a:r>
+              <a:rPr lang="en-US" altLang="zh-CN" sz="1200" b="0" kern="1200" dirty="0" smtClean="0">
+                <a:solidFill>
+                  <a:schemeClr val="tx1"/>
+                </a:solidFill>
+                <a:latin typeface="+mn-lt"/>
+                <a:ea typeface="+mn-ea"/>
+                <a:cs typeface="+mn-cs"/>
+              </a:rPr>
+              <a:t>(</a:t>
+            </a:r>
+            <a:r>
+              <a:rPr lang="en-US" altLang="zh-CN" sz="1200" b="0" kern="1200" dirty="0" err="1" smtClean="0">
+                <a:solidFill>
+                  <a:schemeClr val="tx1"/>
+                </a:solidFill>
+                <a:latin typeface="+mn-lt"/>
+                <a:ea typeface="+mn-ea"/>
+                <a:cs typeface="+mn-cs"/>
+              </a:rPr>
+              <a:t>Intent.EXTRA_EMAIL</a:t>
+            </a:r>
+            <a:r>
+              <a:rPr lang="en-US" altLang="zh-CN" sz="1200" b="0" kern="1200" dirty="0" smtClean="0">
+                <a:solidFill>
+                  <a:schemeClr val="tx1"/>
+                </a:solidFill>
+                <a:latin typeface="+mn-lt"/>
+                <a:ea typeface="+mn-ea"/>
+                <a:cs typeface="+mn-cs"/>
+              </a:rPr>
+              <a:t>, </a:t>
+            </a:r>
+            <a:r>
+              <a:rPr lang="en-US" altLang="zh-CN" sz="1200" b="0" kern="1200" dirty="0" err="1" smtClean="0">
+                <a:solidFill>
+                  <a:schemeClr val="tx1"/>
+                </a:solidFill>
+                <a:latin typeface="+mn-lt"/>
+                <a:ea typeface="+mn-ea"/>
+                <a:cs typeface="+mn-cs"/>
+              </a:rPr>
+              <a:t>tos</a:t>
+            </a:r>
+            <a:r>
+              <a:rPr lang="en-US" altLang="zh-CN" sz="1200" b="0" kern="1200" dirty="0" smtClean="0">
+                <a:solidFill>
+                  <a:schemeClr val="tx1"/>
+                </a:solidFill>
+                <a:latin typeface="+mn-lt"/>
+                <a:ea typeface="+mn-ea"/>
+                <a:cs typeface="+mn-cs"/>
+              </a:rPr>
+              <a:t>);    </a:t>
+            </a:r>
+          </a:p>
+          <a:p>
+            <a:r>
+              <a:rPr lang="en-US" altLang="zh-CN" sz="1200" b="0" kern="1200" dirty="0" smtClean="0">
+                <a:solidFill>
+                  <a:schemeClr val="tx1"/>
+                </a:solidFill>
+                <a:latin typeface="+mn-lt"/>
+                <a:ea typeface="+mn-ea"/>
+                <a:cs typeface="+mn-cs"/>
+              </a:rPr>
+              <a:t>   5. </a:t>
+            </a:r>
+            <a:r>
+              <a:rPr lang="en-US" altLang="zh-CN" sz="1200" b="0" kern="1200" dirty="0" err="1" smtClean="0">
+                <a:solidFill>
+                  <a:schemeClr val="tx1"/>
+                </a:solidFill>
+                <a:latin typeface="+mn-lt"/>
+                <a:ea typeface="+mn-ea"/>
+                <a:cs typeface="+mn-cs"/>
+              </a:rPr>
+              <a:t>it.putExtra</a:t>
+            </a:r>
+            <a:r>
+              <a:rPr lang="en-US" altLang="zh-CN" sz="1200" b="0" kern="1200" dirty="0" smtClean="0">
+                <a:solidFill>
+                  <a:schemeClr val="tx1"/>
+                </a:solidFill>
+                <a:latin typeface="+mn-lt"/>
+                <a:ea typeface="+mn-ea"/>
+                <a:cs typeface="+mn-cs"/>
+              </a:rPr>
+              <a:t>(</a:t>
+            </a:r>
+            <a:r>
+              <a:rPr lang="en-US" altLang="zh-CN" sz="1200" b="0" kern="1200" dirty="0" err="1" smtClean="0">
+                <a:solidFill>
+                  <a:schemeClr val="tx1"/>
+                </a:solidFill>
+                <a:latin typeface="+mn-lt"/>
+                <a:ea typeface="+mn-ea"/>
+                <a:cs typeface="+mn-cs"/>
+              </a:rPr>
+              <a:t>Intent.EXTRA_CC</a:t>
+            </a:r>
+            <a:r>
+              <a:rPr lang="en-US" altLang="zh-CN" sz="1200" b="0" kern="1200" dirty="0" smtClean="0">
+                <a:solidFill>
+                  <a:schemeClr val="tx1"/>
+                </a:solidFill>
+                <a:latin typeface="+mn-lt"/>
+                <a:ea typeface="+mn-ea"/>
+                <a:cs typeface="+mn-cs"/>
+              </a:rPr>
+              <a:t>, ccs);    </a:t>
+            </a:r>
+          </a:p>
+          <a:p>
+            <a:r>
+              <a:rPr lang="en-US" altLang="zh-CN" sz="1200" b="0" kern="1200" dirty="0" smtClean="0">
+                <a:solidFill>
+                  <a:schemeClr val="tx1"/>
+                </a:solidFill>
+                <a:latin typeface="+mn-lt"/>
+                <a:ea typeface="+mn-ea"/>
+                <a:cs typeface="+mn-cs"/>
+              </a:rPr>
+              <a:t>   6. </a:t>
+            </a:r>
+            <a:r>
+              <a:rPr lang="en-US" altLang="zh-CN" sz="1200" b="0" kern="1200" dirty="0" err="1" smtClean="0">
+                <a:solidFill>
+                  <a:schemeClr val="tx1"/>
+                </a:solidFill>
+                <a:latin typeface="+mn-lt"/>
+                <a:ea typeface="+mn-ea"/>
+                <a:cs typeface="+mn-cs"/>
+              </a:rPr>
+              <a:t>it.putExtra</a:t>
+            </a:r>
+            <a:r>
+              <a:rPr lang="en-US" altLang="zh-CN" sz="1200" b="0" kern="1200" dirty="0" smtClean="0">
+                <a:solidFill>
+                  <a:schemeClr val="tx1"/>
+                </a:solidFill>
+                <a:latin typeface="+mn-lt"/>
+                <a:ea typeface="+mn-ea"/>
+                <a:cs typeface="+mn-cs"/>
+              </a:rPr>
+              <a:t>(</a:t>
+            </a:r>
+            <a:r>
+              <a:rPr lang="en-US" altLang="zh-CN" sz="1200" b="0" kern="1200" dirty="0" err="1" smtClean="0">
+                <a:solidFill>
+                  <a:schemeClr val="tx1"/>
+                </a:solidFill>
+                <a:latin typeface="+mn-lt"/>
+                <a:ea typeface="+mn-ea"/>
+                <a:cs typeface="+mn-cs"/>
+              </a:rPr>
+              <a:t>Intent.EXTRA_TEXT</a:t>
+            </a:r>
+            <a:r>
+              <a:rPr lang="en-US" altLang="zh-CN" sz="1200" b="0" kern="1200" dirty="0" smtClean="0">
+                <a:solidFill>
+                  <a:schemeClr val="tx1"/>
+                </a:solidFill>
+                <a:latin typeface="+mn-lt"/>
+                <a:ea typeface="+mn-ea"/>
+                <a:cs typeface="+mn-cs"/>
+              </a:rPr>
+              <a:t>, "The email body text");    </a:t>
+            </a:r>
+          </a:p>
+          <a:p>
+            <a:r>
+              <a:rPr lang="en-US" altLang="zh-CN" sz="1200" b="0" kern="1200" dirty="0" smtClean="0">
+                <a:solidFill>
+                  <a:schemeClr val="tx1"/>
+                </a:solidFill>
+                <a:latin typeface="+mn-lt"/>
+                <a:ea typeface="+mn-ea"/>
+                <a:cs typeface="+mn-cs"/>
+              </a:rPr>
+              <a:t>   7. </a:t>
+            </a:r>
+            <a:r>
+              <a:rPr lang="en-US" altLang="zh-CN" sz="1200" b="0" kern="1200" dirty="0" err="1" smtClean="0">
+                <a:solidFill>
+                  <a:schemeClr val="tx1"/>
+                </a:solidFill>
+                <a:latin typeface="+mn-lt"/>
+                <a:ea typeface="+mn-ea"/>
+                <a:cs typeface="+mn-cs"/>
+              </a:rPr>
+              <a:t>it.putExtra</a:t>
+            </a:r>
+            <a:r>
+              <a:rPr lang="en-US" altLang="zh-CN" sz="1200" b="0" kern="1200" dirty="0" smtClean="0">
+                <a:solidFill>
+                  <a:schemeClr val="tx1"/>
+                </a:solidFill>
+                <a:latin typeface="+mn-lt"/>
+                <a:ea typeface="+mn-ea"/>
+                <a:cs typeface="+mn-cs"/>
+              </a:rPr>
+              <a:t>(</a:t>
+            </a:r>
+            <a:r>
+              <a:rPr lang="en-US" altLang="zh-CN" sz="1200" b="0" kern="1200" dirty="0" err="1" smtClean="0">
+                <a:solidFill>
+                  <a:schemeClr val="tx1"/>
+                </a:solidFill>
+                <a:latin typeface="+mn-lt"/>
+                <a:ea typeface="+mn-ea"/>
+                <a:cs typeface="+mn-cs"/>
+              </a:rPr>
+              <a:t>Intent.EXTRA_SUBJECT</a:t>
+            </a:r>
+            <a:r>
+              <a:rPr lang="en-US" altLang="zh-CN" sz="1200" b="0" kern="1200" dirty="0" smtClean="0">
+                <a:solidFill>
+                  <a:schemeClr val="tx1"/>
+                </a:solidFill>
+                <a:latin typeface="+mn-lt"/>
+                <a:ea typeface="+mn-ea"/>
+                <a:cs typeface="+mn-cs"/>
+              </a:rPr>
+              <a:t>, "The email subject text");    </a:t>
+            </a:r>
+          </a:p>
+          <a:p>
+            <a:r>
+              <a:rPr lang="fi-FI" altLang="zh-CN" sz="1200" b="0" kern="1200" dirty="0" smtClean="0">
+                <a:solidFill>
+                  <a:schemeClr val="tx1"/>
+                </a:solidFill>
+                <a:latin typeface="+mn-lt"/>
+                <a:ea typeface="+mn-ea"/>
+                <a:cs typeface="+mn-cs"/>
+              </a:rPr>
+              <a:t>   8. it.setType("message/rfc822");    </a:t>
+            </a:r>
+          </a:p>
+          <a:p>
+            <a:r>
+              <a:rPr lang="fi-FI" altLang="zh-CN" sz="1200" b="0" kern="1200" dirty="0" smtClean="0">
+                <a:solidFill>
+                  <a:schemeClr val="tx1"/>
+                </a:solidFill>
+                <a:latin typeface="+mn-lt"/>
+                <a:ea typeface="+mn-ea"/>
+                <a:cs typeface="+mn-cs"/>
+              </a:rPr>
+              <a:t>   9. </a:t>
+            </a:r>
+            <a:r>
+              <a:rPr lang="fi-FI" altLang="zh-CN" sz="1200" b="0" kern="1200" dirty="0" err="1" smtClean="0">
+                <a:solidFill>
+                  <a:schemeClr val="tx1"/>
+                </a:solidFill>
+                <a:latin typeface="+mn-lt"/>
+                <a:ea typeface="+mn-ea"/>
+                <a:cs typeface="+mn-cs"/>
+              </a:rPr>
+              <a:t>startActivity(Intent.createChooser(it</a:t>
+            </a:r>
+            <a:r>
+              <a:rPr lang="fi-FI" altLang="zh-CN" sz="1200" b="0" kern="1200" dirty="0" smtClean="0">
+                <a:solidFill>
+                  <a:schemeClr val="tx1"/>
+                </a:solidFill>
+                <a:latin typeface="+mn-lt"/>
+                <a:ea typeface="+mn-ea"/>
+                <a:cs typeface="+mn-cs"/>
+              </a:rPr>
+              <a:t>, "</a:t>
+            </a:r>
+            <a:r>
+              <a:rPr lang="fi-FI" altLang="zh-CN" sz="1200" b="0" kern="1200" dirty="0" err="1" smtClean="0">
+                <a:solidFill>
+                  <a:schemeClr val="tx1"/>
+                </a:solidFill>
+                <a:latin typeface="+mn-lt"/>
+                <a:ea typeface="+mn-ea"/>
+                <a:cs typeface="+mn-cs"/>
+              </a:rPr>
+              <a:t>Choose</a:t>
+            </a:r>
+            <a:r>
+              <a:rPr lang="fi-FI" altLang="zh-CN" sz="1200" b="0" kern="1200" dirty="0" smtClean="0">
+                <a:solidFill>
+                  <a:schemeClr val="tx1"/>
+                </a:solidFill>
+                <a:latin typeface="+mn-lt"/>
+                <a:ea typeface="+mn-ea"/>
+                <a:cs typeface="+mn-cs"/>
+              </a:rPr>
+              <a:t> </a:t>
+            </a:r>
+            <a:r>
+              <a:rPr lang="fi-FI" altLang="zh-CN" sz="1200" b="0" kern="1200" dirty="0" err="1" smtClean="0">
+                <a:solidFill>
+                  <a:schemeClr val="tx1"/>
+                </a:solidFill>
+                <a:latin typeface="+mn-lt"/>
+                <a:ea typeface="+mn-ea"/>
+                <a:cs typeface="+mn-cs"/>
+              </a:rPr>
+              <a:t>Email</a:t>
+            </a:r>
+            <a:r>
+              <a:rPr lang="fi-FI" altLang="zh-CN" sz="1200" b="0" kern="1200" dirty="0" smtClean="0">
+                <a:solidFill>
+                  <a:schemeClr val="tx1"/>
+                </a:solidFill>
+                <a:latin typeface="+mn-lt"/>
+                <a:ea typeface="+mn-ea"/>
+                <a:cs typeface="+mn-cs"/>
+              </a:rPr>
+              <a:t> Client"));</a:t>
+            </a:r>
+          </a:p>
+          <a:p>
+            <a:endParaRPr lang="fi-FI" altLang="zh-CN" sz="1200" b="0" kern="1200" dirty="0" smtClean="0">
+              <a:solidFill>
+                <a:schemeClr val="tx1"/>
+              </a:solidFill>
+              <a:latin typeface="+mn-lt"/>
+              <a:ea typeface="+mn-ea"/>
+              <a:cs typeface="+mn-cs"/>
+            </a:endParaRPr>
+          </a:p>
+          <a:p>
+            <a:r>
+              <a:rPr lang="zh-TW" altLang="en-US" sz="1200" b="0" kern="1200" dirty="0" smtClean="0">
+                <a:solidFill>
+                  <a:schemeClr val="tx1"/>
+                </a:solidFill>
+                <a:latin typeface="+mn-lt"/>
+                <a:ea typeface="+mn-ea"/>
+                <a:cs typeface="+mn-cs"/>
+              </a:rPr>
+              <a:t>   </a:t>
+            </a:r>
+            <a:r>
+              <a:rPr lang="en-US" altLang="zh-TW" sz="1200" b="0" kern="1200" dirty="0" smtClean="0">
+                <a:solidFill>
+                  <a:schemeClr val="tx1"/>
+                </a:solidFill>
+                <a:latin typeface="+mn-lt"/>
+                <a:ea typeface="+mn-ea"/>
+                <a:cs typeface="+mn-cs"/>
+              </a:rPr>
+              <a:t>1. //</a:t>
+            </a:r>
+            <a:r>
+              <a:rPr lang="zh-TW" altLang="en-US" sz="1200" b="0" kern="1200" dirty="0" smtClean="0">
+                <a:solidFill>
+                  <a:schemeClr val="tx1"/>
+                </a:solidFill>
+                <a:latin typeface="+mn-lt"/>
+                <a:ea typeface="+mn-ea"/>
+                <a:cs typeface="+mn-cs"/>
+              </a:rPr>
+              <a:t>传送附件</a:t>
+            </a:r>
+          </a:p>
+          <a:p>
+            <a:r>
+              <a:rPr lang="en-US" altLang="zh-CN" sz="1200" b="0" kern="1200" dirty="0" smtClean="0">
+                <a:solidFill>
+                  <a:schemeClr val="tx1"/>
+                </a:solidFill>
+                <a:latin typeface="+mn-lt"/>
+                <a:ea typeface="+mn-ea"/>
+                <a:cs typeface="+mn-cs"/>
+              </a:rPr>
+              <a:t>   2. Intent it = new Intent(</a:t>
+            </a:r>
+            <a:r>
+              <a:rPr lang="en-US" altLang="zh-CN" sz="1200" b="0" kern="1200" dirty="0" err="1" smtClean="0">
+                <a:solidFill>
+                  <a:schemeClr val="tx1"/>
+                </a:solidFill>
+                <a:latin typeface="+mn-lt"/>
+                <a:ea typeface="+mn-ea"/>
+                <a:cs typeface="+mn-cs"/>
+              </a:rPr>
+              <a:t>Intent.ACTION_SEND</a:t>
+            </a:r>
+            <a:r>
+              <a:rPr lang="en-US" altLang="zh-CN" sz="1200" b="0" kern="1200" dirty="0" smtClean="0">
+                <a:solidFill>
+                  <a:schemeClr val="tx1"/>
+                </a:solidFill>
+                <a:latin typeface="+mn-lt"/>
+                <a:ea typeface="+mn-ea"/>
+                <a:cs typeface="+mn-cs"/>
+              </a:rPr>
+              <a:t>);  </a:t>
+            </a:r>
+          </a:p>
+          <a:p>
+            <a:r>
+              <a:rPr lang="en-US" altLang="zh-CN" sz="1200" b="0" kern="1200" dirty="0" smtClean="0">
+                <a:solidFill>
+                  <a:schemeClr val="tx1"/>
+                </a:solidFill>
+                <a:latin typeface="+mn-lt"/>
+                <a:ea typeface="+mn-ea"/>
+                <a:cs typeface="+mn-cs"/>
+              </a:rPr>
+              <a:t>   3. </a:t>
+            </a:r>
+            <a:r>
+              <a:rPr lang="en-US" altLang="zh-CN" sz="1200" b="0" kern="1200" dirty="0" err="1" smtClean="0">
+                <a:solidFill>
+                  <a:schemeClr val="tx1"/>
+                </a:solidFill>
+                <a:latin typeface="+mn-lt"/>
+                <a:ea typeface="+mn-ea"/>
+                <a:cs typeface="+mn-cs"/>
+              </a:rPr>
+              <a:t>it.putExtra</a:t>
+            </a:r>
+            <a:r>
+              <a:rPr lang="en-US" altLang="zh-CN" sz="1200" b="0" kern="1200" dirty="0" smtClean="0">
+                <a:solidFill>
+                  <a:schemeClr val="tx1"/>
+                </a:solidFill>
+                <a:latin typeface="+mn-lt"/>
+                <a:ea typeface="+mn-ea"/>
+                <a:cs typeface="+mn-cs"/>
+              </a:rPr>
+              <a:t>(</a:t>
+            </a:r>
+            <a:r>
+              <a:rPr lang="en-US" altLang="zh-CN" sz="1200" b="0" kern="1200" dirty="0" err="1" smtClean="0">
+                <a:solidFill>
+                  <a:schemeClr val="tx1"/>
+                </a:solidFill>
+                <a:latin typeface="+mn-lt"/>
+                <a:ea typeface="+mn-ea"/>
+                <a:cs typeface="+mn-cs"/>
+              </a:rPr>
+              <a:t>Intent.EXTRA_SUBJECT</a:t>
+            </a:r>
+            <a:r>
+              <a:rPr lang="en-US" altLang="zh-CN" sz="1200" b="0" kern="1200" dirty="0" smtClean="0">
+                <a:solidFill>
+                  <a:schemeClr val="tx1"/>
+                </a:solidFill>
+                <a:latin typeface="+mn-lt"/>
+                <a:ea typeface="+mn-ea"/>
+                <a:cs typeface="+mn-cs"/>
+              </a:rPr>
+              <a:t>, "The email subject text");  </a:t>
+            </a:r>
+          </a:p>
+          <a:p>
+            <a:r>
+              <a:rPr lang="en-US" altLang="zh-CN" sz="1200" b="0" kern="1200" dirty="0" smtClean="0">
+                <a:solidFill>
+                  <a:schemeClr val="tx1"/>
+                </a:solidFill>
+                <a:latin typeface="+mn-lt"/>
+                <a:ea typeface="+mn-ea"/>
+                <a:cs typeface="+mn-cs"/>
+              </a:rPr>
+              <a:t>   4. </a:t>
+            </a:r>
+            <a:r>
+              <a:rPr lang="en-US" altLang="zh-CN" sz="1200" b="0" kern="1200" dirty="0" err="1" smtClean="0">
+                <a:solidFill>
+                  <a:schemeClr val="tx1"/>
+                </a:solidFill>
+                <a:latin typeface="+mn-lt"/>
+                <a:ea typeface="+mn-ea"/>
+                <a:cs typeface="+mn-cs"/>
+              </a:rPr>
+              <a:t>it.putExtra</a:t>
+            </a:r>
+            <a:r>
+              <a:rPr lang="en-US" altLang="zh-CN" sz="1200" b="0" kern="1200" dirty="0" smtClean="0">
+                <a:solidFill>
+                  <a:schemeClr val="tx1"/>
+                </a:solidFill>
+                <a:latin typeface="+mn-lt"/>
+                <a:ea typeface="+mn-ea"/>
+                <a:cs typeface="+mn-cs"/>
+              </a:rPr>
+              <a:t>(</a:t>
+            </a:r>
+            <a:r>
+              <a:rPr lang="en-US" altLang="zh-CN" sz="1200" b="0" kern="1200" dirty="0" err="1" smtClean="0">
+                <a:solidFill>
+                  <a:schemeClr val="tx1"/>
+                </a:solidFill>
+                <a:latin typeface="+mn-lt"/>
+                <a:ea typeface="+mn-ea"/>
+                <a:cs typeface="+mn-cs"/>
+              </a:rPr>
+              <a:t>Intent.EXTRA_STREAM</a:t>
+            </a:r>
+            <a:r>
+              <a:rPr lang="en-US" altLang="zh-CN" sz="1200" b="0" kern="1200" dirty="0" smtClean="0">
+                <a:solidFill>
+                  <a:schemeClr val="tx1"/>
+                </a:solidFill>
+                <a:latin typeface="+mn-lt"/>
+                <a:ea typeface="+mn-ea"/>
+                <a:cs typeface="+mn-cs"/>
+              </a:rPr>
+              <a:t>, "file:///</a:t>
+            </a:r>
+            <a:r>
+              <a:rPr lang="en-US" altLang="zh-CN" sz="1200" b="0" kern="1200" dirty="0" err="1" smtClean="0">
+                <a:solidFill>
+                  <a:schemeClr val="tx1"/>
+                </a:solidFill>
+                <a:latin typeface="+mn-lt"/>
+                <a:ea typeface="+mn-ea"/>
+                <a:cs typeface="+mn-cs"/>
+              </a:rPr>
+              <a:t>sdcard</a:t>
+            </a:r>
+            <a:r>
+              <a:rPr lang="en-US" altLang="zh-CN" sz="1200" b="0" kern="1200" dirty="0" smtClean="0">
+                <a:solidFill>
+                  <a:schemeClr val="tx1"/>
+                </a:solidFill>
+                <a:latin typeface="+mn-lt"/>
+                <a:ea typeface="+mn-ea"/>
+                <a:cs typeface="+mn-cs"/>
+              </a:rPr>
+              <a:t>/mysong.mp3");  </a:t>
+            </a:r>
+          </a:p>
+          <a:p>
+            <a:r>
+              <a:rPr lang="en-US" altLang="zh-CN" sz="1200" b="0" kern="1200" dirty="0" smtClean="0">
+                <a:solidFill>
+                  <a:schemeClr val="tx1"/>
+                </a:solidFill>
+                <a:latin typeface="+mn-lt"/>
+                <a:ea typeface="+mn-ea"/>
+                <a:cs typeface="+mn-cs"/>
+              </a:rPr>
+              <a:t>   5. </a:t>
+            </a:r>
+            <a:r>
+              <a:rPr lang="en-US" altLang="zh-CN" sz="1200" b="0" kern="1200" dirty="0" err="1" smtClean="0">
+                <a:solidFill>
+                  <a:schemeClr val="tx1"/>
+                </a:solidFill>
+                <a:latin typeface="+mn-lt"/>
+                <a:ea typeface="+mn-ea"/>
+                <a:cs typeface="+mn-cs"/>
+              </a:rPr>
+              <a:t>sendIntent.setType</a:t>
+            </a:r>
+            <a:r>
+              <a:rPr lang="en-US" altLang="zh-CN" sz="1200" b="0" kern="1200" dirty="0" smtClean="0">
+                <a:solidFill>
+                  <a:schemeClr val="tx1"/>
+                </a:solidFill>
+                <a:latin typeface="+mn-lt"/>
+                <a:ea typeface="+mn-ea"/>
+                <a:cs typeface="+mn-cs"/>
+              </a:rPr>
+              <a:t>("audio/mp3");  </a:t>
+            </a:r>
+          </a:p>
+          <a:p>
+            <a:r>
+              <a:rPr lang="en-US" altLang="zh-CN" sz="1200" b="0" kern="1200" dirty="0" smtClean="0">
+                <a:solidFill>
+                  <a:schemeClr val="tx1"/>
+                </a:solidFill>
+                <a:latin typeface="+mn-lt"/>
+                <a:ea typeface="+mn-ea"/>
+                <a:cs typeface="+mn-cs"/>
+              </a:rPr>
+              <a:t>   6. </a:t>
+            </a:r>
+            <a:r>
+              <a:rPr lang="en-US" altLang="zh-CN" sz="1200" b="0" kern="1200" dirty="0" err="1" smtClean="0">
+                <a:solidFill>
+                  <a:schemeClr val="tx1"/>
+                </a:solidFill>
+                <a:latin typeface="+mn-lt"/>
+                <a:ea typeface="+mn-ea"/>
+                <a:cs typeface="+mn-cs"/>
+              </a:rPr>
+              <a:t>startActivity</a:t>
+            </a:r>
+            <a:r>
+              <a:rPr lang="en-US" altLang="zh-CN" sz="1200" b="0" kern="1200" dirty="0" smtClean="0">
+                <a:solidFill>
+                  <a:schemeClr val="tx1"/>
+                </a:solidFill>
+                <a:latin typeface="+mn-lt"/>
+                <a:ea typeface="+mn-ea"/>
+                <a:cs typeface="+mn-cs"/>
+              </a:rPr>
+              <a:t>(</a:t>
+            </a:r>
+            <a:r>
+              <a:rPr lang="en-US" altLang="zh-CN" sz="1200" b="0" kern="1200" dirty="0" err="1" smtClean="0">
+                <a:solidFill>
+                  <a:schemeClr val="tx1"/>
+                </a:solidFill>
+                <a:latin typeface="+mn-lt"/>
+                <a:ea typeface="+mn-ea"/>
+                <a:cs typeface="+mn-cs"/>
+              </a:rPr>
+              <a:t>Intent.createChooser</a:t>
+            </a:r>
+            <a:r>
+              <a:rPr lang="en-US" altLang="zh-CN" sz="1200" b="0" kern="1200" dirty="0" smtClean="0">
+                <a:solidFill>
+                  <a:schemeClr val="tx1"/>
+                </a:solidFill>
+                <a:latin typeface="+mn-lt"/>
+                <a:ea typeface="+mn-ea"/>
+                <a:cs typeface="+mn-cs"/>
+              </a:rPr>
+              <a:t>(it, "Choose Email Client"));</a:t>
+            </a:r>
+          </a:p>
+          <a:p>
+            <a:r>
+              <a:rPr lang="zh-CN" altLang="en-US" sz="1200" b="1" kern="1200" dirty="0" smtClean="0">
+                <a:solidFill>
+                  <a:schemeClr val="tx1"/>
+                </a:solidFill>
+                <a:latin typeface="+mn-lt"/>
+                <a:ea typeface="+mn-ea"/>
+                <a:cs typeface="+mn-cs"/>
+              </a:rPr>
+              <a:t>播放多媒体</a:t>
+            </a:r>
+            <a:endParaRPr lang="zh-CN" altLang="en-US" sz="1200" b="0" kern="1200" dirty="0" smtClean="0">
+              <a:solidFill>
+                <a:schemeClr val="tx1"/>
+              </a:solidFill>
+              <a:latin typeface="+mn-lt"/>
+              <a:ea typeface="+mn-ea"/>
+              <a:cs typeface="+mn-cs"/>
+            </a:endParaRPr>
+          </a:p>
+          <a:p>
+            <a:r>
+              <a:rPr lang="ro-RO" altLang="zh-CN" sz="1200" b="0" kern="1200" dirty="0" smtClean="0">
+                <a:solidFill>
+                  <a:schemeClr val="tx1"/>
+                </a:solidFill>
+                <a:latin typeface="+mn-lt"/>
+                <a:ea typeface="+mn-ea"/>
+                <a:cs typeface="+mn-cs"/>
+              </a:rPr>
+              <a:t>       Uri uri = Uri.parse("file:///sdcard/song.mp3");  </a:t>
+            </a:r>
+          </a:p>
+          <a:p>
+            <a:r>
+              <a:rPr lang="ro-RO" altLang="zh-CN" sz="1200" b="0" kern="1200" dirty="0" smtClean="0">
+                <a:solidFill>
+                  <a:schemeClr val="tx1"/>
+                </a:solidFill>
+                <a:latin typeface="+mn-lt"/>
+                <a:ea typeface="+mn-ea"/>
+                <a:cs typeface="+mn-cs"/>
+              </a:rPr>
+              <a:t>       Intent it = new Intent(Intent.ACTION_VIEW, uri);  </a:t>
+            </a:r>
+          </a:p>
+          <a:p>
+            <a:r>
+              <a:rPr lang="en-US" altLang="zh-CN" sz="1200" b="0" kern="1200" dirty="0" smtClean="0">
+                <a:solidFill>
+                  <a:schemeClr val="tx1"/>
+                </a:solidFill>
+                <a:latin typeface="+mn-lt"/>
+                <a:ea typeface="+mn-ea"/>
+                <a:cs typeface="+mn-cs"/>
+              </a:rPr>
+              <a:t>       </a:t>
+            </a:r>
+            <a:r>
+              <a:rPr lang="en-US" altLang="zh-CN" sz="1200" b="0" kern="1200" dirty="0" err="1" smtClean="0">
+                <a:solidFill>
+                  <a:schemeClr val="tx1"/>
+                </a:solidFill>
+                <a:latin typeface="+mn-lt"/>
+                <a:ea typeface="+mn-ea"/>
+                <a:cs typeface="+mn-cs"/>
+              </a:rPr>
+              <a:t>it.setType</a:t>
+            </a:r>
+            <a:r>
+              <a:rPr lang="en-US" altLang="zh-CN" sz="1200" b="0" kern="1200" dirty="0" smtClean="0">
+                <a:solidFill>
+                  <a:schemeClr val="tx1"/>
+                </a:solidFill>
+                <a:latin typeface="+mn-lt"/>
+                <a:ea typeface="+mn-ea"/>
+                <a:cs typeface="+mn-cs"/>
+              </a:rPr>
+              <a:t>("audio/mp3");  </a:t>
+            </a:r>
+          </a:p>
+          <a:p>
+            <a:r>
+              <a:rPr lang="en-US" altLang="zh-CN" sz="1200" b="0" kern="1200" dirty="0" smtClean="0">
+                <a:solidFill>
+                  <a:schemeClr val="tx1"/>
+                </a:solidFill>
+                <a:latin typeface="+mn-lt"/>
+                <a:ea typeface="+mn-ea"/>
+                <a:cs typeface="+mn-cs"/>
+              </a:rPr>
+              <a:t>       </a:t>
+            </a:r>
+            <a:r>
+              <a:rPr lang="en-US" altLang="zh-CN" sz="1200" b="0" kern="1200" dirty="0" err="1" smtClean="0">
+                <a:solidFill>
+                  <a:schemeClr val="tx1"/>
+                </a:solidFill>
+                <a:latin typeface="+mn-lt"/>
+                <a:ea typeface="+mn-ea"/>
+                <a:cs typeface="+mn-cs"/>
+              </a:rPr>
+              <a:t>startActivity</a:t>
+            </a:r>
+            <a:r>
+              <a:rPr lang="en-US" altLang="zh-CN" sz="1200" b="0" kern="1200" dirty="0" smtClean="0">
+                <a:solidFill>
+                  <a:schemeClr val="tx1"/>
+                </a:solidFill>
+                <a:latin typeface="+mn-lt"/>
+                <a:ea typeface="+mn-ea"/>
+                <a:cs typeface="+mn-cs"/>
+              </a:rPr>
+              <a:t>(it); </a:t>
+            </a:r>
+          </a:p>
+          <a:p>
+            <a:r>
+              <a:rPr lang="en-US" altLang="zh-CN" sz="1200" b="0" kern="1200" dirty="0" smtClean="0">
+                <a:solidFill>
+                  <a:schemeClr val="tx1"/>
+                </a:solidFill>
+                <a:latin typeface="+mn-lt"/>
+                <a:ea typeface="+mn-ea"/>
+                <a:cs typeface="+mn-cs"/>
+              </a:rPr>
+              <a:t>       Uri </a:t>
+            </a:r>
+            <a:r>
+              <a:rPr lang="en-US" altLang="zh-CN" sz="1200" b="0" kern="1200" dirty="0" err="1" smtClean="0">
+                <a:solidFill>
+                  <a:schemeClr val="tx1"/>
+                </a:solidFill>
+                <a:latin typeface="+mn-lt"/>
+                <a:ea typeface="+mn-ea"/>
+                <a:cs typeface="+mn-cs"/>
+              </a:rPr>
+              <a:t>uri</a:t>
+            </a:r>
+            <a:r>
+              <a:rPr lang="en-US" altLang="zh-CN" sz="1200" b="0" kern="1200" dirty="0" smtClean="0">
+                <a:solidFill>
+                  <a:schemeClr val="tx1"/>
+                </a:solidFill>
+                <a:latin typeface="+mn-lt"/>
+                <a:ea typeface="+mn-ea"/>
+                <a:cs typeface="+mn-cs"/>
+              </a:rPr>
+              <a:t> = </a:t>
+            </a:r>
+            <a:r>
+              <a:rPr lang="en-US" altLang="zh-CN" sz="1200" b="0" kern="1200" dirty="0" err="1" smtClean="0">
+                <a:solidFill>
+                  <a:schemeClr val="tx1"/>
+                </a:solidFill>
+                <a:latin typeface="+mn-lt"/>
+                <a:ea typeface="+mn-ea"/>
+                <a:cs typeface="+mn-cs"/>
+              </a:rPr>
+              <a:t>Uri.withAppendedPath</a:t>
+            </a:r>
+            <a:r>
+              <a:rPr lang="en-US" altLang="zh-CN" sz="1200" b="0" kern="1200" dirty="0" smtClean="0">
+                <a:solidFill>
+                  <a:schemeClr val="tx1"/>
+                </a:solidFill>
+                <a:latin typeface="+mn-lt"/>
+                <a:ea typeface="+mn-ea"/>
+                <a:cs typeface="+mn-cs"/>
+              </a:rPr>
+              <a:t>(</a:t>
+            </a:r>
+            <a:r>
+              <a:rPr lang="en-US" altLang="zh-CN" sz="1200" b="0" kern="1200" dirty="0" err="1" smtClean="0">
+                <a:solidFill>
+                  <a:schemeClr val="tx1"/>
+                </a:solidFill>
+                <a:latin typeface="+mn-lt"/>
+                <a:ea typeface="+mn-ea"/>
+                <a:cs typeface="+mn-cs"/>
+              </a:rPr>
+              <a:t>MediaStore.Audio.Media.INTERNAL_CONTENT_URI</a:t>
+            </a:r>
+            <a:r>
+              <a:rPr lang="en-US" altLang="zh-CN" sz="1200" b="0" kern="1200" dirty="0" smtClean="0">
+                <a:solidFill>
+                  <a:schemeClr val="tx1"/>
+                </a:solidFill>
+                <a:latin typeface="+mn-lt"/>
+                <a:ea typeface="+mn-ea"/>
+                <a:cs typeface="+mn-cs"/>
+              </a:rPr>
+              <a:t>, "1");  </a:t>
+            </a:r>
+          </a:p>
+          <a:p>
+            <a:r>
+              <a:rPr lang="en-US" altLang="zh-CN" sz="1200" b="0" kern="1200" dirty="0" smtClean="0">
+                <a:solidFill>
+                  <a:schemeClr val="tx1"/>
+                </a:solidFill>
+                <a:latin typeface="+mn-lt"/>
+                <a:ea typeface="+mn-ea"/>
+                <a:cs typeface="+mn-cs"/>
+              </a:rPr>
+              <a:t>       Intent it = new Intent(</a:t>
+            </a:r>
+            <a:r>
+              <a:rPr lang="en-US" altLang="zh-CN" sz="1200" b="0" kern="1200" dirty="0" err="1" smtClean="0">
+                <a:solidFill>
+                  <a:schemeClr val="tx1"/>
+                </a:solidFill>
+                <a:latin typeface="+mn-lt"/>
+                <a:ea typeface="+mn-ea"/>
+                <a:cs typeface="+mn-cs"/>
+              </a:rPr>
+              <a:t>Intent.ACTION_VIEW</a:t>
+            </a:r>
+            <a:r>
+              <a:rPr lang="en-US" altLang="zh-CN" sz="1200" b="0" kern="1200" dirty="0" smtClean="0">
+                <a:solidFill>
+                  <a:schemeClr val="tx1"/>
+                </a:solidFill>
+                <a:latin typeface="+mn-lt"/>
+                <a:ea typeface="+mn-ea"/>
+                <a:cs typeface="+mn-cs"/>
+              </a:rPr>
+              <a:t>, </a:t>
+            </a:r>
+            <a:r>
+              <a:rPr lang="en-US" altLang="zh-CN" sz="1200" b="0" kern="1200" dirty="0" err="1" smtClean="0">
+                <a:solidFill>
+                  <a:schemeClr val="tx1"/>
+                </a:solidFill>
+                <a:latin typeface="+mn-lt"/>
+                <a:ea typeface="+mn-ea"/>
+                <a:cs typeface="+mn-cs"/>
+              </a:rPr>
+              <a:t>uri</a:t>
+            </a:r>
+            <a:r>
+              <a:rPr lang="en-US" altLang="zh-CN" sz="1200" b="0" kern="1200" dirty="0" smtClean="0">
+                <a:solidFill>
+                  <a:schemeClr val="tx1"/>
+                </a:solidFill>
+                <a:latin typeface="+mn-lt"/>
+                <a:ea typeface="+mn-ea"/>
+                <a:cs typeface="+mn-cs"/>
+              </a:rPr>
+              <a:t>);  </a:t>
+            </a:r>
+          </a:p>
+          <a:p>
+            <a:r>
+              <a:rPr lang="en-US" altLang="zh-CN" sz="1200" b="0" kern="1200" dirty="0" smtClean="0">
+                <a:solidFill>
+                  <a:schemeClr val="tx1"/>
+                </a:solidFill>
+                <a:latin typeface="+mn-lt"/>
+                <a:ea typeface="+mn-ea"/>
+                <a:cs typeface="+mn-cs"/>
+              </a:rPr>
+              <a:t>       </a:t>
+            </a:r>
+            <a:r>
+              <a:rPr lang="en-US" altLang="zh-CN" sz="1200" b="0" kern="1200" dirty="0" err="1" smtClean="0">
+                <a:solidFill>
+                  <a:schemeClr val="tx1"/>
+                </a:solidFill>
+                <a:latin typeface="+mn-lt"/>
+                <a:ea typeface="+mn-ea"/>
+                <a:cs typeface="+mn-cs"/>
+              </a:rPr>
+              <a:t>startActivity</a:t>
+            </a:r>
+            <a:r>
+              <a:rPr lang="en-US" altLang="zh-CN" sz="1200" b="0" kern="1200" dirty="0" smtClean="0">
+                <a:solidFill>
+                  <a:schemeClr val="tx1"/>
+                </a:solidFill>
+                <a:latin typeface="+mn-lt"/>
+                <a:ea typeface="+mn-ea"/>
+                <a:cs typeface="+mn-cs"/>
+              </a:rPr>
+              <a:t>(it);</a:t>
+            </a:r>
+          </a:p>
+          <a:p>
+            <a:r>
+              <a:rPr lang="en-US" altLang="zh-TW" sz="1200" b="1" kern="1200" dirty="0" smtClean="0">
+                <a:solidFill>
+                  <a:schemeClr val="tx1"/>
+                </a:solidFill>
+                <a:latin typeface="+mn-lt"/>
+                <a:ea typeface="+mn-ea"/>
+                <a:cs typeface="+mn-cs"/>
+              </a:rPr>
+              <a:t>Market </a:t>
+            </a:r>
+            <a:r>
+              <a:rPr lang="zh-TW" altLang="en-US" sz="1200" b="1" kern="1200" dirty="0" smtClean="0">
+                <a:solidFill>
+                  <a:schemeClr val="tx1"/>
+                </a:solidFill>
+                <a:latin typeface="+mn-lt"/>
+                <a:ea typeface="+mn-ea"/>
+                <a:cs typeface="+mn-cs"/>
+              </a:rPr>
+              <a:t>相关</a:t>
+            </a:r>
+            <a:r>
+              <a:rPr lang="en-US" altLang="zh-TW" sz="1200" b="1" kern="1200" dirty="0" smtClean="0">
+                <a:solidFill>
+                  <a:schemeClr val="tx1"/>
+                </a:solidFill>
+                <a:latin typeface="+mn-lt"/>
+                <a:ea typeface="+mn-ea"/>
+                <a:cs typeface="+mn-cs"/>
+              </a:rPr>
+              <a:t> +</a:t>
+            </a:r>
+            <a:r>
+              <a:rPr lang="en-US" altLang="zh-TW" sz="1200" b="0" kern="1200" dirty="0" smtClean="0">
+                <a:solidFill>
+                  <a:schemeClr val="tx1"/>
+                </a:solidFill>
+                <a:latin typeface="+mn-lt"/>
+                <a:ea typeface="+mn-ea"/>
+                <a:cs typeface="+mn-cs"/>
+              </a:rPr>
+              <a:t>        //</a:t>
+            </a:r>
+            <a:r>
+              <a:rPr lang="zh-TW" altLang="en-US" sz="1200" b="0" kern="1200" dirty="0" smtClean="0">
+                <a:solidFill>
+                  <a:schemeClr val="tx1"/>
+                </a:solidFill>
+                <a:latin typeface="+mn-lt"/>
+                <a:ea typeface="+mn-ea"/>
+                <a:cs typeface="+mn-cs"/>
+              </a:rPr>
+              <a:t>寻找某个应用 </a:t>
+            </a:r>
+          </a:p>
+          <a:p>
+            <a:r>
+              <a:rPr lang="en-US" altLang="zh-CN" sz="1200" b="0" kern="1200" dirty="0" smtClean="0">
+                <a:solidFill>
+                  <a:schemeClr val="tx1"/>
+                </a:solidFill>
+                <a:latin typeface="+mn-lt"/>
+                <a:ea typeface="+mn-ea"/>
+                <a:cs typeface="+mn-cs"/>
+              </a:rPr>
+              <a:t>        Uri </a:t>
+            </a:r>
+            <a:r>
+              <a:rPr lang="en-US" altLang="zh-CN" sz="1200" b="0" kern="1200" dirty="0" err="1" smtClean="0">
+                <a:solidFill>
+                  <a:schemeClr val="tx1"/>
+                </a:solidFill>
+                <a:latin typeface="+mn-lt"/>
+                <a:ea typeface="+mn-ea"/>
+                <a:cs typeface="+mn-cs"/>
+              </a:rPr>
+              <a:t>uri</a:t>
+            </a:r>
+            <a:r>
+              <a:rPr lang="en-US" altLang="zh-CN" sz="1200" b="0" kern="1200" dirty="0" smtClean="0">
+                <a:solidFill>
+                  <a:schemeClr val="tx1"/>
+                </a:solidFill>
+                <a:latin typeface="+mn-lt"/>
+                <a:ea typeface="+mn-ea"/>
+                <a:cs typeface="+mn-cs"/>
+              </a:rPr>
+              <a:t> = </a:t>
+            </a:r>
+            <a:r>
+              <a:rPr lang="en-US" altLang="zh-CN" sz="1200" b="0" kern="1200" dirty="0" err="1" smtClean="0">
+                <a:solidFill>
+                  <a:schemeClr val="tx1"/>
+                </a:solidFill>
+                <a:latin typeface="+mn-lt"/>
+                <a:ea typeface="+mn-ea"/>
+                <a:cs typeface="+mn-cs"/>
+              </a:rPr>
+              <a:t>Uri.parse</a:t>
+            </a:r>
+            <a:r>
+              <a:rPr lang="en-US" altLang="zh-CN" sz="1200" b="0" kern="1200" dirty="0" smtClean="0">
+                <a:solidFill>
+                  <a:schemeClr val="tx1"/>
+                </a:solidFill>
+                <a:latin typeface="+mn-lt"/>
+                <a:ea typeface="+mn-ea"/>
+                <a:cs typeface="+mn-cs"/>
+              </a:rPr>
+              <a:t>("market://</a:t>
+            </a:r>
+            <a:r>
+              <a:rPr lang="en-US" altLang="zh-CN" sz="1200" b="0" kern="1200" dirty="0" err="1" smtClean="0">
+                <a:solidFill>
+                  <a:schemeClr val="tx1"/>
+                </a:solidFill>
+                <a:latin typeface="+mn-lt"/>
+                <a:ea typeface="+mn-ea"/>
+                <a:cs typeface="+mn-cs"/>
+              </a:rPr>
+              <a:t>search?q</a:t>
+            </a:r>
+            <a:r>
+              <a:rPr lang="en-US" altLang="zh-CN" sz="1200" b="0" kern="1200" dirty="0" smtClean="0">
+                <a:solidFill>
+                  <a:schemeClr val="tx1"/>
+                </a:solidFill>
+                <a:latin typeface="+mn-lt"/>
+                <a:ea typeface="+mn-ea"/>
+                <a:cs typeface="+mn-cs"/>
+              </a:rPr>
+              <a:t>=</a:t>
+            </a:r>
+            <a:r>
+              <a:rPr lang="en-US" altLang="zh-CN" sz="1200" b="0" kern="1200" dirty="0" err="1" smtClean="0">
+                <a:solidFill>
+                  <a:schemeClr val="tx1"/>
+                </a:solidFill>
+                <a:latin typeface="+mn-lt"/>
+                <a:ea typeface="+mn-ea"/>
+                <a:cs typeface="+mn-cs"/>
+              </a:rPr>
+              <a:t>pname:pkg_name</a:t>
+            </a:r>
+            <a:r>
+              <a:rPr lang="en-US" altLang="zh-CN" sz="1200" b="0" kern="1200" dirty="0" smtClean="0">
+                <a:solidFill>
+                  <a:schemeClr val="tx1"/>
+                </a:solidFill>
+                <a:latin typeface="+mn-lt"/>
+                <a:ea typeface="+mn-ea"/>
+                <a:cs typeface="+mn-cs"/>
+              </a:rPr>
+              <a:t>"); </a:t>
+            </a:r>
+          </a:p>
+          <a:p>
+            <a:r>
+              <a:rPr lang="en-US" altLang="zh-CN" sz="1200" b="0" kern="1200" dirty="0" smtClean="0">
+                <a:solidFill>
+                  <a:schemeClr val="tx1"/>
+                </a:solidFill>
+                <a:latin typeface="+mn-lt"/>
+                <a:ea typeface="+mn-ea"/>
+                <a:cs typeface="+mn-cs"/>
+              </a:rPr>
+              <a:t>        Intent it = new Intent(</a:t>
+            </a:r>
+            <a:r>
+              <a:rPr lang="en-US" altLang="zh-CN" sz="1200" b="0" kern="1200" dirty="0" err="1" smtClean="0">
+                <a:solidFill>
+                  <a:schemeClr val="tx1"/>
+                </a:solidFill>
+                <a:latin typeface="+mn-lt"/>
+                <a:ea typeface="+mn-ea"/>
+                <a:cs typeface="+mn-cs"/>
+              </a:rPr>
+              <a:t>Intent.ACTION_VIEW</a:t>
+            </a:r>
+            <a:r>
+              <a:rPr lang="en-US" altLang="zh-CN" sz="1200" b="0" kern="1200" dirty="0" smtClean="0">
+                <a:solidFill>
+                  <a:schemeClr val="tx1"/>
+                </a:solidFill>
+                <a:latin typeface="+mn-lt"/>
+                <a:ea typeface="+mn-ea"/>
+                <a:cs typeface="+mn-cs"/>
+              </a:rPr>
+              <a:t>, </a:t>
+            </a:r>
+            <a:r>
+              <a:rPr lang="en-US" altLang="zh-CN" sz="1200" b="0" kern="1200" dirty="0" err="1" smtClean="0">
+                <a:solidFill>
+                  <a:schemeClr val="tx1"/>
+                </a:solidFill>
+                <a:latin typeface="+mn-lt"/>
+                <a:ea typeface="+mn-ea"/>
+                <a:cs typeface="+mn-cs"/>
+              </a:rPr>
+              <a:t>uri</a:t>
+            </a:r>
+            <a:r>
+              <a:rPr lang="en-US" altLang="zh-CN" sz="1200" b="0" kern="1200" dirty="0" smtClean="0">
+                <a:solidFill>
+                  <a:schemeClr val="tx1"/>
+                </a:solidFill>
+                <a:latin typeface="+mn-lt"/>
+                <a:ea typeface="+mn-ea"/>
+                <a:cs typeface="+mn-cs"/>
+              </a:rPr>
+              <a:t>);  </a:t>
+            </a:r>
+          </a:p>
+          <a:p>
+            <a:r>
+              <a:rPr lang="hu-HU" altLang="zh-CN" sz="1200" b="0" kern="1200" dirty="0" smtClean="0">
+                <a:solidFill>
+                  <a:schemeClr val="tx1"/>
+                </a:solidFill>
+                <a:latin typeface="+mn-lt"/>
+                <a:ea typeface="+mn-ea"/>
+                <a:cs typeface="+mn-cs"/>
+              </a:rPr>
+              <a:t>        startActivity(it);  </a:t>
+            </a:r>
+          </a:p>
+          <a:p>
+            <a:r>
+              <a:rPr lang="en-US" altLang="zh-CN" sz="1200" b="0" kern="1200" dirty="0" smtClean="0">
+                <a:solidFill>
+                  <a:schemeClr val="tx1"/>
+                </a:solidFill>
+                <a:latin typeface="+mn-lt"/>
+                <a:ea typeface="+mn-ea"/>
+                <a:cs typeface="+mn-cs"/>
+              </a:rPr>
+              <a:t>        //where </a:t>
+            </a:r>
+            <a:r>
+              <a:rPr lang="en-US" altLang="zh-CN" sz="1200" b="0" kern="1200" dirty="0" err="1" smtClean="0">
+                <a:solidFill>
+                  <a:schemeClr val="tx1"/>
+                </a:solidFill>
+                <a:latin typeface="+mn-lt"/>
+                <a:ea typeface="+mn-ea"/>
+                <a:cs typeface="+mn-cs"/>
+              </a:rPr>
+              <a:t>pkg_name</a:t>
+            </a:r>
+            <a:r>
+              <a:rPr lang="en-US" altLang="zh-CN" sz="1200" b="0" kern="1200" dirty="0" smtClean="0">
+                <a:solidFill>
+                  <a:schemeClr val="tx1"/>
+                </a:solidFill>
+                <a:latin typeface="+mn-lt"/>
+                <a:ea typeface="+mn-ea"/>
+                <a:cs typeface="+mn-cs"/>
+              </a:rPr>
+              <a:t> is the full package path for an application </a:t>
+            </a:r>
+          </a:p>
+          <a:p>
+            <a:r>
+              <a:rPr lang="en-US" altLang="zh-TW" sz="1200" b="0" kern="1200" dirty="0" smtClean="0">
+                <a:solidFill>
+                  <a:schemeClr val="tx1"/>
+                </a:solidFill>
+                <a:latin typeface="+mn-lt"/>
+                <a:ea typeface="+mn-ea"/>
+                <a:cs typeface="+mn-cs"/>
+              </a:rPr>
+              <a:t>        //</a:t>
+            </a:r>
+            <a:r>
+              <a:rPr lang="zh-TW" altLang="en-US" sz="1200" b="0" kern="1200" dirty="0" smtClean="0">
+                <a:solidFill>
+                  <a:schemeClr val="tx1"/>
+                </a:solidFill>
+                <a:latin typeface="+mn-lt"/>
+                <a:ea typeface="+mn-ea"/>
+                <a:cs typeface="+mn-cs"/>
+              </a:rPr>
+              <a:t>显示某个应用的相关信息 </a:t>
+            </a:r>
+          </a:p>
+          <a:p>
+            <a:r>
+              <a:rPr lang="en-US" altLang="zh-CN" sz="1200" b="0" kern="1200" dirty="0" smtClean="0">
+                <a:solidFill>
+                  <a:schemeClr val="tx1"/>
+                </a:solidFill>
+                <a:latin typeface="+mn-lt"/>
+                <a:ea typeface="+mn-ea"/>
+                <a:cs typeface="+mn-cs"/>
+              </a:rPr>
+              <a:t>        Uri </a:t>
+            </a:r>
+            <a:r>
+              <a:rPr lang="en-US" altLang="zh-CN" sz="1200" b="0" kern="1200" dirty="0" err="1" smtClean="0">
+                <a:solidFill>
+                  <a:schemeClr val="tx1"/>
+                </a:solidFill>
+                <a:latin typeface="+mn-lt"/>
+                <a:ea typeface="+mn-ea"/>
+                <a:cs typeface="+mn-cs"/>
+              </a:rPr>
+              <a:t>uri</a:t>
+            </a:r>
+            <a:r>
+              <a:rPr lang="en-US" altLang="zh-CN" sz="1200" b="0" kern="1200" dirty="0" smtClean="0">
+                <a:solidFill>
+                  <a:schemeClr val="tx1"/>
+                </a:solidFill>
+                <a:latin typeface="+mn-lt"/>
+                <a:ea typeface="+mn-ea"/>
+                <a:cs typeface="+mn-cs"/>
+              </a:rPr>
+              <a:t> = </a:t>
+            </a:r>
+            <a:r>
+              <a:rPr lang="en-US" altLang="zh-CN" sz="1200" b="0" kern="1200" dirty="0" err="1" smtClean="0">
+                <a:solidFill>
+                  <a:schemeClr val="tx1"/>
+                </a:solidFill>
+                <a:latin typeface="+mn-lt"/>
+                <a:ea typeface="+mn-ea"/>
+                <a:cs typeface="+mn-cs"/>
+              </a:rPr>
+              <a:t>Uri.parse</a:t>
+            </a:r>
+            <a:r>
+              <a:rPr lang="en-US" altLang="zh-CN" sz="1200" b="0" kern="1200" dirty="0" smtClean="0">
+                <a:solidFill>
+                  <a:schemeClr val="tx1"/>
+                </a:solidFill>
+                <a:latin typeface="+mn-lt"/>
+                <a:ea typeface="+mn-ea"/>
+                <a:cs typeface="+mn-cs"/>
+              </a:rPr>
+              <a:t>("market://</a:t>
+            </a:r>
+            <a:r>
+              <a:rPr lang="en-US" altLang="zh-CN" sz="1200" b="0" kern="1200" dirty="0" err="1" smtClean="0">
+                <a:solidFill>
+                  <a:schemeClr val="tx1"/>
+                </a:solidFill>
+                <a:latin typeface="+mn-lt"/>
+                <a:ea typeface="+mn-ea"/>
+                <a:cs typeface="+mn-cs"/>
+              </a:rPr>
+              <a:t>details?id</a:t>
+            </a:r>
+            <a:r>
+              <a:rPr lang="en-US" altLang="zh-CN" sz="1200" b="0" kern="1200" dirty="0" smtClean="0">
+                <a:solidFill>
+                  <a:schemeClr val="tx1"/>
+                </a:solidFill>
+                <a:latin typeface="+mn-lt"/>
+                <a:ea typeface="+mn-ea"/>
+                <a:cs typeface="+mn-cs"/>
+              </a:rPr>
+              <a:t>=</a:t>
+            </a:r>
+            <a:r>
+              <a:rPr lang="en-US" altLang="zh-CN" sz="1200" b="0" kern="1200" dirty="0" err="1" smtClean="0">
+                <a:solidFill>
+                  <a:schemeClr val="tx1"/>
+                </a:solidFill>
+                <a:latin typeface="+mn-lt"/>
+                <a:ea typeface="+mn-ea"/>
+                <a:cs typeface="+mn-cs"/>
+              </a:rPr>
+              <a:t>app_id</a:t>
+            </a:r>
+            <a:r>
+              <a:rPr lang="en-US" altLang="zh-CN" sz="1200" b="0" kern="1200" dirty="0" smtClean="0">
+                <a:solidFill>
+                  <a:schemeClr val="tx1"/>
+                </a:solidFill>
+                <a:latin typeface="+mn-lt"/>
+                <a:ea typeface="+mn-ea"/>
+                <a:cs typeface="+mn-cs"/>
+              </a:rPr>
+              <a:t>");  </a:t>
+            </a:r>
+          </a:p>
+          <a:p>
+            <a:r>
+              <a:rPr lang="en-US" altLang="zh-CN" sz="1200" b="0" kern="1200" dirty="0" smtClean="0">
+                <a:solidFill>
+                  <a:schemeClr val="tx1"/>
+                </a:solidFill>
+                <a:latin typeface="+mn-lt"/>
+                <a:ea typeface="+mn-ea"/>
+                <a:cs typeface="+mn-cs"/>
+              </a:rPr>
+              <a:t>        Intent it = new Intent(</a:t>
+            </a:r>
+            <a:r>
+              <a:rPr lang="en-US" altLang="zh-CN" sz="1200" b="0" kern="1200" dirty="0" err="1" smtClean="0">
+                <a:solidFill>
+                  <a:schemeClr val="tx1"/>
+                </a:solidFill>
+                <a:latin typeface="+mn-lt"/>
+                <a:ea typeface="+mn-ea"/>
+                <a:cs typeface="+mn-cs"/>
+              </a:rPr>
+              <a:t>Intent.ACTION_VIEW</a:t>
+            </a:r>
+            <a:r>
+              <a:rPr lang="en-US" altLang="zh-CN" sz="1200" b="0" kern="1200" dirty="0" smtClean="0">
+                <a:solidFill>
+                  <a:schemeClr val="tx1"/>
+                </a:solidFill>
+                <a:latin typeface="+mn-lt"/>
+                <a:ea typeface="+mn-ea"/>
+                <a:cs typeface="+mn-cs"/>
+              </a:rPr>
+              <a:t>, </a:t>
+            </a:r>
+            <a:r>
+              <a:rPr lang="en-US" altLang="zh-CN" sz="1200" b="0" kern="1200" dirty="0" err="1" smtClean="0">
+                <a:solidFill>
+                  <a:schemeClr val="tx1"/>
+                </a:solidFill>
+                <a:latin typeface="+mn-lt"/>
+                <a:ea typeface="+mn-ea"/>
+                <a:cs typeface="+mn-cs"/>
+              </a:rPr>
+              <a:t>uri</a:t>
+            </a:r>
+            <a:r>
+              <a:rPr lang="en-US" altLang="zh-CN" sz="1200" b="0" kern="1200" dirty="0" smtClean="0">
+                <a:solidFill>
+                  <a:schemeClr val="tx1"/>
+                </a:solidFill>
+                <a:latin typeface="+mn-lt"/>
+                <a:ea typeface="+mn-ea"/>
+                <a:cs typeface="+mn-cs"/>
+              </a:rPr>
+              <a:t>); </a:t>
+            </a:r>
+          </a:p>
+          <a:p>
+            <a:r>
+              <a:rPr lang="hu-HU" altLang="zh-CN" sz="1200" b="0" kern="1200" dirty="0" smtClean="0">
+                <a:solidFill>
+                  <a:schemeClr val="tx1"/>
+                </a:solidFill>
+                <a:latin typeface="+mn-lt"/>
+                <a:ea typeface="+mn-ea"/>
+                <a:cs typeface="+mn-cs"/>
+              </a:rPr>
+              <a:t>        startActivity(it);  </a:t>
+            </a:r>
+          </a:p>
+          <a:p>
+            <a:r>
+              <a:rPr lang="en-US" altLang="zh-CN" sz="1200" b="0" kern="1200" dirty="0" smtClean="0">
+                <a:solidFill>
+                  <a:schemeClr val="tx1"/>
+                </a:solidFill>
+                <a:latin typeface="+mn-lt"/>
+                <a:ea typeface="+mn-ea"/>
+                <a:cs typeface="+mn-cs"/>
+              </a:rPr>
+              <a:t>        //where </a:t>
+            </a:r>
+            <a:r>
+              <a:rPr lang="en-US" altLang="zh-CN" sz="1200" b="0" kern="1200" dirty="0" err="1" smtClean="0">
+                <a:solidFill>
+                  <a:schemeClr val="tx1"/>
+                </a:solidFill>
+                <a:latin typeface="+mn-lt"/>
+                <a:ea typeface="+mn-ea"/>
+                <a:cs typeface="+mn-cs"/>
+              </a:rPr>
+              <a:t>app_id</a:t>
+            </a:r>
+            <a:r>
+              <a:rPr lang="en-US" altLang="zh-CN" sz="1200" b="0" kern="1200" dirty="0" smtClean="0">
+                <a:solidFill>
+                  <a:schemeClr val="tx1"/>
+                </a:solidFill>
+                <a:latin typeface="+mn-lt"/>
+                <a:ea typeface="+mn-ea"/>
+                <a:cs typeface="+mn-cs"/>
+              </a:rPr>
+              <a:t> is the application ID, find the ID   </a:t>
+            </a:r>
+          </a:p>
+          <a:p>
+            <a:r>
+              <a:rPr lang="en-US" altLang="zh-CN" sz="1200" b="0" kern="1200" dirty="0" smtClean="0">
+                <a:solidFill>
+                  <a:schemeClr val="tx1"/>
+                </a:solidFill>
+                <a:latin typeface="+mn-lt"/>
+                <a:ea typeface="+mn-ea"/>
+                <a:cs typeface="+mn-cs"/>
+              </a:rPr>
+              <a:t>        //by clicking on your application on Market home   </a:t>
+            </a:r>
+          </a:p>
+          <a:p>
+            <a:r>
+              <a:rPr lang="en-US" altLang="zh-CN" sz="1200" b="0" kern="1200" dirty="0" smtClean="0">
+                <a:solidFill>
+                  <a:schemeClr val="tx1"/>
+                </a:solidFill>
+                <a:latin typeface="+mn-lt"/>
+                <a:ea typeface="+mn-ea"/>
+                <a:cs typeface="+mn-cs"/>
+              </a:rPr>
+              <a:t>        //page, and notice the ID from the address bar</a:t>
+            </a:r>
+          </a:p>
+          <a:p>
+            <a:r>
+              <a:rPr lang="en-US" altLang="zh-CN" sz="1200" b="1" kern="1200" dirty="0" smtClean="0">
+                <a:solidFill>
+                  <a:schemeClr val="tx1"/>
+                </a:solidFill>
+                <a:latin typeface="+mn-lt"/>
+                <a:ea typeface="+mn-ea"/>
+                <a:cs typeface="+mn-cs"/>
+              </a:rPr>
+              <a:t>Uninstall </a:t>
+            </a:r>
+            <a:r>
+              <a:rPr lang="zh-CN" altLang="en-US" sz="1200" b="1" kern="1200" dirty="0" smtClean="0">
+                <a:solidFill>
+                  <a:schemeClr val="tx1"/>
+                </a:solidFill>
+                <a:latin typeface="+mn-lt"/>
+                <a:ea typeface="+mn-ea"/>
+                <a:cs typeface="+mn-cs"/>
+              </a:rPr>
+              <a:t>应用程序</a:t>
+            </a:r>
+            <a:endParaRPr lang="en-US" altLang="zh-CN" sz="1200" b="0" kern="1200" dirty="0" smtClean="0">
+              <a:solidFill>
+                <a:schemeClr val="tx1"/>
+              </a:solidFill>
+              <a:latin typeface="+mn-lt"/>
+              <a:ea typeface="+mn-ea"/>
+              <a:cs typeface="+mn-cs"/>
+            </a:endParaRPr>
+          </a:p>
+          <a:p>
+            <a:r>
+              <a:rPr lang="en-US" altLang="zh-CN" sz="1200" b="0" kern="1200" dirty="0" smtClean="0">
+                <a:solidFill>
+                  <a:schemeClr val="tx1"/>
+                </a:solidFill>
+                <a:latin typeface="+mn-lt"/>
+                <a:ea typeface="+mn-ea"/>
+                <a:cs typeface="+mn-cs"/>
+              </a:rPr>
+              <a:t>        Uri </a:t>
+            </a:r>
+            <a:r>
+              <a:rPr lang="en-US" altLang="zh-CN" sz="1200" b="0" kern="1200" dirty="0" err="1" smtClean="0">
+                <a:solidFill>
+                  <a:schemeClr val="tx1"/>
+                </a:solidFill>
+                <a:latin typeface="+mn-lt"/>
+                <a:ea typeface="+mn-ea"/>
+                <a:cs typeface="+mn-cs"/>
+              </a:rPr>
+              <a:t>uri</a:t>
+            </a:r>
+            <a:r>
+              <a:rPr lang="en-US" altLang="zh-CN" sz="1200" b="0" kern="1200" dirty="0" smtClean="0">
+                <a:solidFill>
+                  <a:schemeClr val="tx1"/>
+                </a:solidFill>
+                <a:latin typeface="+mn-lt"/>
+                <a:ea typeface="+mn-ea"/>
+                <a:cs typeface="+mn-cs"/>
+              </a:rPr>
+              <a:t> = </a:t>
+            </a:r>
+            <a:r>
+              <a:rPr lang="en-US" altLang="zh-CN" sz="1200" b="0" kern="1200" dirty="0" err="1" smtClean="0">
+                <a:solidFill>
+                  <a:schemeClr val="tx1"/>
+                </a:solidFill>
+                <a:latin typeface="+mn-lt"/>
+                <a:ea typeface="+mn-ea"/>
+                <a:cs typeface="+mn-cs"/>
+              </a:rPr>
+              <a:t>Uri.fromParts</a:t>
+            </a:r>
+            <a:r>
+              <a:rPr lang="en-US" altLang="zh-CN" sz="1200" b="0" kern="1200" dirty="0" smtClean="0">
+                <a:solidFill>
+                  <a:schemeClr val="tx1"/>
+                </a:solidFill>
+                <a:latin typeface="+mn-lt"/>
+                <a:ea typeface="+mn-ea"/>
+                <a:cs typeface="+mn-cs"/>
+              </a:rPr>
+              <a:t>("package", </a:t>
+            </a:r>
+            <a:r>
+              <a:rPr lang="en-US" altLang="zh-CN" sz="1200" b="0" kern="1200" dirty="0" err="1" smtClean="0">
+                <a:solidFill>
+                  <a:schemeClr val="tx1"/>
+                </a:solidFill>
+                <a:latin typeface="+mn-lt"/>
+                <a:ea typeface="+mn-ea"/>
+                <a:cs typeface="+mn-cs"/>
+              </a:rPr>
+              <a:t>strPackageName</a:t>
+            </a:r>
+            <a:r>
+              <a:rPr lang="en-US" altLang="zh-CN" sz="1200" b="0" kern="1200" dirty="0" smtClean="0">
+                <a:solidFill>
+                  <a:schemeClr val="tx1"/>
+                </a:solidFill>
+                <a:latin typeface="+mn-lt"/>
+                <a:ea typeface="+mn-ea"/>
+                <a:cs typeface="+mn-cs"/>
+              </a:rPr>
+              <a:t>, null); </a:t>
+            </a:r>
+          </a:p>
+          <a:p>
+            <a:r>
+              <a:rPr lang="en-US" altLang="zh-CN" sz="1200" b="0" kern="1200" dirty="0" smtClean="0">
+                <a:solidFill>
+                  <a:schemeClr val="tx1"/>
+                </a:solidFill>
+                <a:latin typeface="+mn-lt"/>
+                <a:ea typeface="+mn-ea"/>
+                <a:cs typeface="+mn-cs"/>
+              </a:rPr>
+              <a:t>        Intent it = new Intent(</a:t>
+            </a:r>
+            <a:r>
+              <a:rPr lang="en-US" altLang="zh-CN" sz="1200" b="0" kern="1200" dirty="0" err="1" smtClean="0">
+                <a:solidFill>
+                  <a:schemeClr val="tx1"/>
+                </a:solidFill>
+                <a:latin typeface="+mn-lt"/>
+                <a:ea typeface="+mn-ea"/>
+                <a:cs typeface="+mn-cs"/>
+              </a:rPr>
+              <a:t>Intent.ACTION_DELETE</a:t>
+            </a:r>
+            <a:r>
+              <a:rPr lang="en-US" altLang="zh-CN" sz="1200" b="0" kern="1200" dirty="0" smtClean="0">
+                <a:solidFill>
+                  <a:schemeClr val="tx1"/>
+                </a:solidFill>
+                <a:latin typeface="+mn-lt"/>
+                <a:ea typeface="+mn-ea"/>
+                <a:cs typeface="+mn-cs"/>
+              </a:rPr>
+              <a:t>, </a:t>
+            </a:r>
+            <a:r>
+              <a:rPr lang="en-US" altLang="zh-CN" sz="1200" b="0" kern="1200" dirty="0" err="1" smtClean="0">
+                <a:solidFill>
+                  <a:schemeClr val="tx1"/>
+                </a:solidFill>
+                <a:latin typeface="+mn-lt"/>
+                <a:ea typeface="+mn-ea"/>
+                <a:cs typeface="+mn-cs"/>
+              </a:rPr>
+              <a:t>uri</a:t>
+            </a:r>
+            <a:r>
+              <a:rPr lang="en-US" altLang="zh-CN" sz="1200" b="0" kern="1200" dirty="0" smtClean="0">
+                <a:solidFill>
+                  <a:schemeClr val="tx1"/>
+                </a:solidFill>
+                <a:latin typeface="+mn-lt"/>
+                <a:ea typeface="+mn-ea"/>
+                <a:cs typeface="+mn-cs"/>
+              </a:rPr>
+              <a:t>);   </a:t>
+            </a:r>
+          </a:p>
+          <a:p>
+            <a:r>
+              <a:rPr lang="hu-HU" altLang="zh-CN" sz="1200" b="0" kern="1200" dirty="0" smtClean="0">
+                <a:solidFill>
+                  <a:schemeClr val="tx1"/>
+                </a:solidFill>
+                <a:latin typeface="+mn-lt"/>
+                <a:ea typeface="+mn-ea"/>
+                <a:cs typeface="+mn-cs"/>
+              </a:rPr>
+              <a:t>        startActivity(it); </a:t>
+            </a:r>
+          </a:p>
+          <a:p>
+            <a:endParaRPr kumimoji="1" lang="hu-HU" altLang="zh-CN" sz="1200" b="0" kern="1200" dirty="0" smtClean="0">
+              <a:solidFill>
+                <a:schemeClr val="tx1"/>
+              </a:solidFill>
+              <a:latin typeface="+mn-lt"/>
+              <a:ea typeface="+mn-ea"/>
+              <a:cs typeface="+mn-cs"/>
+            </a:endParaRPr>
+          </a:p>
+          <a:p>
+            <a:r>
+              <a:rPr kumimoji="1" lang="zh-CN" altLang="zh-CN" sz="1200" b="0" kern="1200" dirty="0" smtClean="0">
+                <a:solidFill>
+                  <a:schemeClr val="tx1"/>
+                </a:solidFill>
+                <a:latin typeface="+mn-lt"/>
+                <a:ea typeface="+mn-ea"/>
+                <a:cs typeface="+mn-cs"/>
+              </a:rPr>
+              <a:t>/</a:t>
+            </a:r>
+            <a:r>
+              <a:rPr kumimoji="1" lang="en-US" altLang="zh-CN" sz="1200" b="0" kern="1200" dirty="0" smtClean="0">
+                <a:solidFill>
+                  <a:schemeClr val="tx1"/>
+                </a:solidFill>
+                <a:latin typeface="+mn-lt"/>
+                <a:ea typeface="+mn-ea"/>
+                <a:cs typeface="+mn-cs"/>
+              </a:rPr>
+              <a:t>/</a:t>
+            </a:r>
+            <a:r>
+              <a:rPr kumimoji="1" lang="zh-CN" altLang="en-US" sz="1200" b="0" kern="1200" dirty="0" smtClean="0">
+                <a:solidFill>
+                  <a:schemeClr val="tx1"/>
+                </a:solidFill>
+                <a:latin typeface="+mn-lt"/>
+                <a:ea typeface="+mn-ea"/>
+                <a:cs typeface="+mn-cs"/>
+              </a:rPr>
+              <a:t>打开一张图片</a:t>
+            </a:r>
+            <a:endParaRPr kumimoji="1" lang="hu-HU" altLang="zh-CN" sz="1200" b="0" kern="1200" dirty="0" smtClean="0">
+              <a:solidFill>
+                <a:schemeClr val="tx1"/>
+              </a:solidFill>
+              <a:latin typeface="+mn-lt"/>
+              <a:ea typeface="+mn-ea"/>
+              <a:cs typeface="+mn-cs"/>
+            </a:endParaRPr>
+          </a:p>
+          <a:p>
+            <a:r>
+              <a:rPr kumimoji="1" lang="hu-HU" altLang="zh-CN" sz="1200" b="0" kern="1200" dirty="0" smtClean="0">
+                <a:solidFill>
+                  <a:schemeClr val="tx1"/>
+                </a:solidFill>
+                <a:latin typeface="+mn-lt"/>
+                <a:ea typeface="+mn-ea"/>
+                <a:cs typeface="+mn-cs"/>
+              </a:rPr>
+              <a:t>File</a:t>
+            </a:r>
+            <a:r>
+              <a:rPr kumimoji="1" lang="zh-CN" altLang="en-US" sz="1200" b="0" kern="1200" dirty="0" smtClean="0">
+                <a:solidFill>
+                  <a:schemeClr val="tx1"/>
+                </a:solidFill>
+                <a:latin typeface="+mn-lt"/>
+                <a:ea typeface="+mn-ea"/>
+                <a:cs typeface="+mn-cs"/>
+              </a:rPr>
+              <a:t> </a:t>
+            </a:r>
+            <a:r>
+              <a:rPr kumimoji="1" lang="en-US" altLang="zh-CN" sz="1200" b="0" kern="1200" dirty="0" smtClean="0">
+                <a:solidFill>
+                  <a:schemeClr val="tx1"/>
+                </a:solidFill>
+                <a:latin typeface="+mn-lt"/>
+                <a:ea typeface="+mn-ea"/>
+                <a:cs typeface="+mn-cs"/>
+              </a:rPr>
+              <a:t>file</a:t>
+            </a:r>
+            <a:r>
+              <a:rPr kumimoji="1" lang="zh-CN" altLang="en-US" sz="1200" b="0" kern="1200" dirty="0" smtClean="0">
+                <a:solidFill>
+                  <a:schemeClr val="tx1"/>
+                </a:solidFill>
+                <a:latin typeface="+mn-lt"/>
+                <a:ea typeface="+mn-ea"/>
+                <a:cs typeface="+mn-cs"/>
+              </a:rPr>
+              <a:t> </a:t>
+            </a:r>
+            <a:r>
+              <a:rPr kumimoji="1" lang="en-US" altLang="zh-CN" sz="1200" b="0" kern="1200" dirty="0" smtClean="0">
+                <a:solidFill>
+                  <a:schemeClr val="tx1"/>
+                </a:solidFill>
+                <a:latin typeface="+mn-lt"/>
+                <a:ea typeface="+mn-ea"/>
+                <a:cs typeface="+mn-cs"/>
+              </a:rPr>
+              <a:t>=</a:t>
+            </a:r>
+            <a:r>
+              <a:rPr kumimoji="1" lang="zh-CN" altLang="en-US" sz="1200" b="0" kern="1200" dirty="0" smtClean="0">
+                <a:solidFill>
+                  <a:schemeClr val="tx1"/>
+                </a:solidFill>
+                <a:latin typeface="+mn-lt"/>
+                <a:ea typeface="+mn-ea"/>
+                <a:cs typeface="+mn-cs"/>
+              </a:rPr>
+              <a:t> </a:t>
+            </a:r>
+            <a:r>
+              <a:rPr kumimoji="1" lang="en-US" altLang="zh-CN" sz="1200" b="0" kern="1200" dirty="0" smtClean="0">
+                <a:solidFill>
+                  <a:schemeClr val="tx1"/>
+                </a:solidFill>
+                <a:latin typeface="+mn-lt"/>
+                <a:ea typeface="+mn-ea"/>
+                <a:cs typeface="+mn-cs"/>
+              </a:rPr>
+              <a:t>new</a:t>
+            </a:r>
+            <a:r>
+              <a:rPr kumimoji="1" lang="zh-CN" altLang="en-US" sz="1200" b="0" kern="1200" dirty="0" smtClean="0">
+                <a:solidFill>
+                  <a:schemeClr val="tx1"/>
+                </a:solidFill>
+                <a:latin typeface="+mn-lt"/>
+                <a:ea typeface="+mn-ea"/>
+                <a:cs typeface="+mn-cs"/>
+              </a:rPr>
+              <a:t> </a:t>
+            </a:r>
+            <a:r>
+              <a:rPr kumimoji="1" lang="en-US" altLang="zh-CN" sz="1200" b="0" kern="1200" dirty="0" smtClean="0">
+                <a:solidFill>
+                  <a:schemeClr val="tx1"/>
+                </a:solidFill>
+                <a:latin typeface="+mn-lt"/>
+                <a:ea typeface="+mn-ea"/>
+                <a:cs typeface="+mn-cs"/>
+              </a:rPr>
+              <a:t>File(“/</a:t>
+            </a:r>
+            <a:r>
+              <a:rPr kumimoji="1" lang="en-US" altLang="zh-CN" sz="1200" b="0" kern="1200" dirty="0" err="1" smtClean="0">
+                <a:solidFill>
+                  <a:schemeClr val="tx1"/>
+                </a:solidFill>
+                <a:latin typeface="+mn-lt"/>
+                <a:ea typeface="+mn-ea"/>
+                <a:cs typeface="+mn-cs"/>
+              </a:rPr>
+              <a:t>mnt</a:t>
+            </a:r>
+            <a:r>
+              <a:rPr kumimoji="1" lang="en-US" altLang="zh-CN" sz="1200" b="0" kern="1200" dirty="0" smtClean="0">
+                <a:solidFill>
+                  <a:schemeClr val="tx1"/>
+                </a:solidFill>
+                <a:latin typeface="+mn-lt"/>
+                <a:ea typeface="+mn-ea"/>
+                <a:cs typeface="+mn-cs"/>
+              </a:rPr>
+              <a:t>/</a:t>
+            </a:r>
+            <a:r>
+              <a:rPr kumimoji="1" lang="en-US" altLang="zh-CN" sz="1200" b="0" kern="1200" dirty="0" err="1" smtClean="0">
+                <a:solidFill>
+                  <a:schemeClr val="tx1"/>
+                </a:solidFill>
+                <a:latin typeface="+mn-lt"/>
+                <a:ea typeface="+mn-ea"/>
+                <a:cs typeface="+mn-cs"/>
+              </a:rPr>
+              <a:t>sdcard</a:t>
+            </a:r>
+            <a:r>
+              <a:rPr kumimoji="1" lang="en-US" altLang="zh-CN" sz="1200" b="0" kern="1200" dirty="0" smtClean="0">
+                <a:solidFill>
+                  <a:schemeClr val="tx1"/>
+                </a:solidFill>
+                <a:latin typeface="+mn-lt"/>
+                <a:ea typeface="+mn-ea"/>
+                <a:cs typeface="+mn-cs"/>
+              </a:rPr>
+              <a:t>/1.jpg”);</a:t>
+            </a:r>
+          </a:p>
+          <a:p>
+            <a:r>
+              <a:rPr kumimoji="1" lang="en-US" altLang="zh-CN" sz="1200" b="0" kern="1200" dirty="0" smtClean="0">
+                <a:solidFill>
+                  <a:schemeClr val="tx1"/>
+                </a:solidFill>
+                <a:latin typeface="+mn-lt"/>
+                <a:ea typeface="+mn-ea"/>
+                <a:cs typeface="+mn-cs"/>
+              </a:rPr>
+              <a:t>Intent</a:t>
+            </a:r>
+            <a:r>
+              <a:rPr kumimoji="1" lang="zh-CN" altLang="en-US" sz="1200" b="0" kern="1200" dirty="0" smtClean="0">
+                <a:solidFill>
+                  <a:schemeClr val="tx1"/>
+                </a:solidFill>
+                <a:latin typeface="+mn-lt"/>
+                <a:ea typeface="+mn-ea"/>
+                <a:cs typeface="+mn-cs"/>
+              </a:rPr>
+              <a:t> </a:t>
+            </a:r>
+            <a:r>
+              <a:rPr kumimoji="1" lang="en-US" altLang="zh-CN" sz="1200" b="0" kern="1200" dirty="0" smtClean="0">
+                <a:solidFill>
+                  <a:schemeClr val="tx1"/>
+                </a:solidFill>
+                <a:latin typeface="+mn-lt"/>
+                <a:ea typeface="+mn-ea"/>
+                <a:cs typeface="+mn-cs"/>
+              </a:rPr>
+              <a:t>intent</a:t>
+            </a:r>
+            <a:r>
+              <a:rPr kumimoji="1" lang="zh-CN" altLang="en-US" sz="1200" b="0" kern="1200" dirty="0" smtClean="0">
+                <a:solidFill>
+                  <a:schemeClr val="tx1"/>
+                </a:solidFill>
+                <a:latin typeface="+mn-lt"/>
+                <a:ea typeface="+mn-ea"/>
+                <a:cs typeface="+mn-cs"/>
+              </a:rPr>
+              <a:t> </a:t>
+            </a:r>
+            <a:r>
+              <a:rPr kumimoji="1" lang="en-US" altLang="zh-CN" sz="1200" b="0" kern="1200" dirty="0" smtClean="0">
+                <a:solidFill>
+                  <a:schemeClr val="tx1"/>
+                </a:solidFill>
+                <a:latin typeface="+mn-lt"/>
+                <a:ea typeface="+mn-ea"/>
+                <a:cs typeface="+mn-cs"/>
+              </a:rPr>
+              <a:t>=</a:t>
+            </a:r>
+            <a:r>
+              <a:rPr kumimoji="1" lang="zh-CN" altLang="en-US" sz="1200" b="0" kern="1200" dirty="0" smtClean="0">
+                <a:solidFill>
+                  <a:schemeClr val="tx1"/>
+                </a:solidFill>
+                <a:latin typeface="+mn-lt"/>
+                <a:ea typeface="+mn-ea"/>
+                <a:cs typeface="+mn-cs"/>
+              </a:rPr>
+              <a:t> </a:t>
+            </a:r>
+            <a:r>
+              <a:rPr kumimoji="1" lang="en-US" altLang="zh-CN" sz="1200" b="0" kern="1200" dirty="0" smtClean="0">
+                <a:solidFill>
+                  <a:schemeClr val="tx1"/>
+                </a:solidFill>
+                <a:latin typeface="+mn-lt"/>
+                <a:ea typeface="+mn-ea"/>
+                <a:cs typeface="+mn-cs"/>
+              </a:rPr>
+              <a:t>new</a:t>
+            </a:r>
+            <a:r>
+              <a:rPr kumimoji="1" lang="zh-CN" altLang="en-US" sz="1200" b="0" kern="1200" dirty="0" smtClean="0">
+                <a:solidFill>
+                  <a:schemeClr val="tx1"/>
+                </a:solidFill>
+                <a:latin typeface="+mn-lt"/>
+                <a:ea typeface="+mn-ea"/>
+                <a:cs typeface="+mn-cs"/>
+              </a:rPr>
+              <a:t> </a:t>
+            </a:r>
+            <a:r>
+              <a:rPr kumimoji="1" lang="en-US" altLang="zh-CN" sz="1200" b="0" kern="1200" dirty="0" smtClean="0">
+                <a:solidFill>
+                  <a:schemeClr val="tx1"/>
+                </a:solidFill>
+                <a:latin typeface="+mn-lt"/>
+                <a:ea typeface="+mn-ea"/>
+                <a:cs typeface="+mn-cs"/>
+              </a:rPr>
+              <a:t>Intent(</a:t>
+            </a:r>
+            <a:r>
+              <a:rPr kumimoji="1" lang="en-US" altLang="zh-CN" sz="1200" b="0" kern="1200" dirty="0" err="1" smtClean="0">
+                <a:solidFill>
+                  <a:schemeClr val="tx1"/>
+                </a:solidFill>
+                <a:latin typeface="+mn-lt"/>
+                <a:ea typeface="+mn-ea"/>
+                <a:cs typeface="+mn-cs"/>
+              </a:rPr>
+              <a:t>Intent.ACTION_VIEW</a:t>
+            </a:r>
+            <a:r>
+              <a:rPr kumimoji="1" lang="en-US" altLang="zh-CN" sz="1200" b="0" kern="1200" dirty="0" smtClean="0">
+                <a:solidFill>
+                  <a:schemeClr val="tx1"/>
+                </a:solidFill>
+                <a:latin typeface="+mn-lt"/>
+                <a:ea typeface="+mn-ea"/>
+                <a:cs typeface="+mn-cs"/>
+              </a:rPr>
+              <a:t>)</a:t>
+            </a:r>
+            <a:r>
+              <a:rPr kumimoji="1" lang="zh-CN" altLang="en-US" sz="1200" b="0" kern="1200" dirty="0" smtClean="0">
+                <a:solidFill>
+                  <a:schemeClr val="tx1"/>
+                </a:solidFill>
+                <a:latin typeface="+mn-lt"/>
+                <a:ea typeface="+mn-ea"/>
+                <a:cs typeface="+mn-cs"/>
+              </a:rPr>
+              <a:t>;</a:t>
+            </a:r>
+            <a:endParaRPr kumimoji="1" lang="en-US" altLang="zh-CN" sz="1200" b="0" kern="1200" dirty="0" smtClean="0">
+              <a:solidFill>
+                <a:schemeClr val="tx1"/>
+              </a:solidFill>
+              <a:latin typeface="+mn-lt"/>
+              <a:ea typeface="+mn-ea"/>
+              <a:cs typeface="+mn-cs"/>
+            </a:endParaRPr>
+          </a:p>
+          <a:p>
+            <a:r>
+              <a:rPr kumimoji="1" lang="en-US" altLang="zh-CN" sz="1200" b="0" kern="1200" dirty="0" err="1" smtClean="0">
+                <a:solidFill>
+                  <a:schemeClr val="tx1"/>
+                </a:solidFill>
+                <a:latin typeface="+mn-lt"/>
+                <a:ea typeface="+mn-ea"/>
+                <a:cs typeface="+mn-cs"/>
+              </a:rPr>
+              <a:t>intent.setDataAndType</a:t>
+            </a:r>
+            <a:r>
+              <a:rPr kumimoji="1" lang="en-US" altLang="zh-CN" sz="1200" b="0" kern="1200" dirty="0" smtClean="0">
+                <a:solidFill>
+                  <a:schemeClr val="tx1"/>
+                </a:solidFill>
+                <a:latin typeface="+mn-lt"/>
+                <a:ea typeface="+mn-ea"/>
+                <a:cs typeface="+mn-cs"/>
+              </a:rPr>
+              <a:t>(</a:t>
+            </a:r>
+            <a:r>
+              <a:rPr kumimoji="1" lang="en-US" altLang="zh-CN" sz="1200" b="0" kern="1200" dirty="0" err="1" smtClean="0">
+                <a:solidFill>
+                  <a:schemeClr val="tx1"/>
+                </a:solidFill>
+                <a:latin typeface="+mn-lt"/>
+                <a:ea typeface="+mn-ea"/>
+                <a:cs typeface="+mn-cs"/>
+              </a:rPr>
+              <a:t>Uri.fromFile</a:t>
+            </a:r>
+            <a:r>
+              <a:rPr kumimoji="1" lang="en-US" altLang="zh-CN" sz="1200" b="0" kern="1200" dirty="0" smtClean="0">
+                <a:solidFill>
+                  <a:schemeClr val="tx1"/>
+                </a:solidFill>
+                <a:latin typeface="+mn-lt"/>
+                <a:ea typeface="+mn-ea"/>
+                <a:cs typeface="+mn-cs"/>
+              </a:rPr>
+              <a:t>(f),”image/</a:t>
+            </a:r>
+            <a:r>
+              <a:rPr kumimoji="1" lang="zh-CN" altLang="en-US" sz="1200" b="0" kern="1200" dirty="0" smtClean="0">
+                <a:solidFill>
+                  <a:schemeClr val="tx1"/>
+                </a:solidFill>
+                <a:latin typeface="+mn-lt"/>
+                <a:ea typeface="+mn-ea"/>
+                <a:cs typeface="+mn-cs"/>
+              </a:rPr>
+              <a:t>*</a:t>
+            </a:r>
+            <a:r>
+              <a:rPr kumimoji="1" lang="en-US" altLang="zh-CN" sz="1200" b="0" kern="1200" dirty="0" smtClean="0">
+                <a:solidFill>
+                  <a:schemeClr val="tx1"/>
+                </a:solidFill>
+                <a:latin typeface="+mn-lt"/>
+                <a:ea typeface="+mn-ea"/>
+                <a:cs typeface="+mn-cs"/>
+              </a:rPr>
+              <a:t>”);</a:t>
+            </a:r>
+          </a:p>
+          <a:p>
+            <a:r>
+              <a:rPr kumimoji="1" lang="en-US" altLang="zh-CN" sz="1200" b="0" kern="1200" dirty="0" err="1" smtClean="0">
+                <a:solidFill>
+                  <a:schemeClr val="tx1"/>
+                </a:solidFill>
+                <a:latin typeface="+mn-lt"/>
+                <a:ea typeface="+mn-ea"/>
+                <a:cs typeface="+mn-cs"/>
+              </a:rPr>
+              <a:t>startActivity</a:t>
+            </a:r>
+            <a:r>
+              <a:rPr kumimoji="1" lang="en-US" altLang="zh-CN" sz="1200" b="0" kern="1200" dirty="0" smtClean="0">
+                <a:solidFill>
+                  <a:schemeClr val="tx1"/>
+                </a:solidFill>
+                <a:latin typeface="+mn-lt"/>
+                <a:ea typeface="+mn-ea"/>
+                <a:cs typeface="+mn-cs"/>
+              </a:rPr>
+              <a:t>(</a:t>
+            </a:r>
+            <a:r>
+              <a:rPr kumimoji="1" lang="en-US" altLang="zh-CN" sz="1200" b="0" kern="1200" dirty="0" err="1" smtClean="0">
+                <a:solidFill>
+                  <a:schemeClr val="tx1"/>
+                </a:solidFill>
+                <a:latin typeface="+mn-lt"/>
+                <a:ea typeface="+mn-ea"/>
+                <a:cs typeface="+mn-cs"/>
+              </a:rPr>
+              <a:t>i</a:t>
+            </a:r>
+            <a:r>
+              <a:rPr kumimoji="1" lang="en-US" altLang="zh-CN" sz="1200" b="0" kern="1200" dirty="0" smtClean="0">
+                <a:solidFill>
+                  <a:schemeClr val="tx1"/>
+                </a:solidFill>
+                <a:latin typeface="+mn-lt"/>
+                <a:ea typeface="+mn-ea"/>
+                <a:cs typeface="+mn-cs"/>
+              </a:rPr>
+              <a:t>);</a:t>
+            </a:r>
+          </a:p>
+          <a:p>
+            <a:endParaRPr kumimoji="1" lang="en-US" altLang="zh-CN" sz="1200" b="0" kern="1200" dirty="0" smtClean="0">
+              <a:solidFill>
+                <a:schemeClr val="tx1"/>
+              </a:solidFill>
+              <a:latin typeface="+mn-lt"/>
+              <a:ea typeface="+mn-ea"/>
+              <a:cs typeface="+mn-cs"/>
+            </a:endParaRPr>
+          </a:p>
+          <a:p>
+            <a:r>
+              <a:rPr kumimoji="1" lang="zh-CN" altLang="en-US" sz="1200" b="0" kern="1200" dirty="0" smtClean="0">
+                <a:solidFill>
+                  <a:schemeClr val="tx1"/>
+                </a:solidFill>
+                <a:latin typeface="+mn-lt"/>
+                <a:ea typeface="+mn-ea"/>
+                <a:cs typeface="+mn-cs"/>
+              </a:rPr>
+              <a:t>/</a:t>
+            </a:r>
+            <a:r>
+              <a:rPr kumimoji="1" lang="en-US" altLang="zh-CN" sz="1200" b="0" kern="1200" dirty="0" smtClean="0">
+                <a:solidFill>
+                  <a:schemeClr val="tx1"/>
+                </a:solidFill>
+                <a:latin typeface="+mn-lt"/>
+                <a:ea typeface="+mn-ea"/>
+                <a:cs typeface="+mn-cs"/>
+              </a:rPr>
+              <a:t>/</a:t>
+            </a:r>
+            <a:r>
+              <a:rPr kumimoji="1" lang="zh-CN" altLang="en-US" sz="1200" b="0" kern="1200" dirty="0" smtClean="0">
+                <a:solidFill>
+                  <a:schemeClr val="tx1"/>
+                </a:solidFill>
+                <a:latin typeface="+mn-lt"/>
+                <a:ea typeface="+mn-ea"/>
+                <a:cs typeface="+mn-cs"/>
+              </a:rPr>
+              <a:t>打开浏览器</a:t>
+            </a:r>
+            <a:endParaRPr kumimoji="1" lang="en-US" altLang="zh-CN" sz="1200" b="0" kern="1200" dirty="0" smtClean="0">
+              <a:solidFill>
+                <a:schemeClr val="tx1"/>
+              </a:solidFill>
+              <a:latin typeface="+mn-lt"/>
+              <a:ea typeface="+mn-ea"/>
+              <a:cs typeface="+mn-cs"/>
+            </a:endParaRPr>
+          </a:p>
+          <a:p>
+            <a:r>
+              <a:rPr kumimoji="1" lang="en-US" altLang="zh-CN" dirty="0" smtClean="0"/>
+              <a:t>Intent</a:t>
+            </a:r>
+            <a:r>
+              <a:rPr kumimoji="1" lang="zh-CN" altLang="en-US" dirty="0" smtClean="0"/>
+              <a:t> </a:t>
+            </a:r>
+            <a:r>
+              <a:rPr kumimoji="1" lang="en-US" altLang="zh-CN" dirty="0" smtClean="0"/>
+              <a:t>intent</a:t>
+            </a:r>
+            <a:r>
+              <a:rPr kumimoji="1" lang="zh-CN" altLang="en-US" dirty="0" smtClean="0"/>
+              <a:t> </a:t>
+            </a:r>
+            <a:r>
+              <a:rPr kumimoji="1" lang="en-US" altLang="zh-CN" dirty="0" smtClean="0"/>
+              <a:t>=</a:t>
+            </a:r>
+            <a:r>
+              <a:rPr kumimoji="1" lang="zh-CN" altLang="en-US" dirty="0" smtClean="0"/>
+              <a:t> </a:t>
+            </a:r>
+            <a:r>
+              <a:rPr kumimoji="1" lang="en-US" altLang="zh-CN" dirty="0" smtClean="0"/>
+              <a:t>new</a:t>
+            </a:r>
+            <a:r>
+              <a:rPr kumimoji="1" lang="zh-CN" altLang="en-US" dirty="0" smtClean="0"/>
+              <a:t> </a:t>
+            </a:r>
+            <a:r>
+              <a:rPr kumimoji="1" lang="en-US" altLang="zh-CN" dirty="0" smtClean="0"/>
+              <a:t>Intent(</a:t>
+            </a:r>
+            <a:r>
+              <a:rPr kumimoji="1" lang="en-US" altLang="zh-CN" dirty="0" err="1" smtClean="0"/>
+              <a:t>Intent.ACTION_VIEW,Uri.parse</a:t>
+            </a:r>
+            <a:r>
+              <a:rPr kumimoji="1" lang="en-US" altLang="zh-CN" dirty="0" smtClean="0"/>
+              <a:t>(“http://</a:t>
+            </a:r>
+            <a:r>
+              <a:rPr kumimoji="1" lang="en-US" altLang="zh-CN" dirty="0" err="1" smtClean="0"/>
+              <a:t>www.baidu.com</a:t>
+            </a:r>
+            <a:r>
+              <a:rPr kumimoji="1" lang="en-US" altLang="zh-CN" dirty="0" smtClean="0"/>
+              <a:t>”));</a:t>
+            </a:r>
+          </a:p>
+          <a:p>
+            <a:r>
+              <a:rPr kumimoji="1" lang="en-US" altLang="zh-CN" dirty="0" err="1" smtClean="0"/>
+              <a:t>startActivity</a:t>
+            </a:r>
+            <a:r>
+              <a:rPr kumimoji="1" lang="en-US" altLang="zh-CN" dirty="0" smtClean="0"/>
+              <a:t>(intent);</a:t>
+            </a:r>
+            <a:endParaRPr kumimoji="1" lang="zh-CN" altLang="en-US" dirty="0"/>
+          </a:p>
+        </p:txBody>
+      </p:sp>
+      <p:sp>
+        <p:nvSpPr>
+          <p:cNvPr id="4" name="幻灯片编号占位符 3"/>
+          <p:cNvSpPr>
+            <a:spLocks noGrp="1"/>
+          </p:cNvSpPr>
+          <p:nvPr>
+            <p:ph type="sldNum" sz="quarter" idx="10"/>
+          </p:nvPr>
+        </p:nvSpPr>
+        <p:spPr/>
+        <p:txBody>
+          <a:bodyPr/>
+          <a:lstStyle/>
+          <a:p>
+            <a:fld id="{9163888C-5123-6548-B379-D9685D88A76E}" type="slidenum">
+              <a:rPr kumimoji="1" lang="zh-CN" altLang="en-US" smtClean="0"/>
+              <a:t>19</a:t>
+            </a:fld>
+            <a:endParaRPr kumimoji="1" lang="zh-CN" altLang="en-US"/>
+          </a:p>
+        </p:txBody>
+      </p:sp>
+    </p:spTree>
+    <p:extLst>
+      <p:ext uri="{BB962C8B-B14F-4D97-AF65-F5344CB8AC3E}">
+        <p14:creationId xmlns:p14="http://schemas.microsoft.com/office/powerpoint/2010/main" val="3772461491"/>
+      </p:ext>
+    </p:extLst>
+  </p:cSld>
+  <p:clrMapOvr>
+    <a:masterClrMapping/>
+  </p:clrMapOvr>
+</p:notes>
+</file>
+
+<file path=ppt/notesSlides/notesSlide6.xml><?xml version="1.0" encoding="utf-8"?>
+<p:notes xmlns:a="http://schemas.openxmlformats.org/drawingml/2006/main" xmlns:r="http://schemas.openxmlformats.org/officeDocument/2006/relationships" xmlns:p="http://schemas.openxmlformats.org/presentationml/2006/main">
+  <p:cSld>
+    <p:spTree>
+      <p:nvGrpSpPr>
+        <p:cNvPr id="1" name=""/>
+        <p:cNvGrpSpPr/>
+        <p:nvPr/>
+      </p:nvGrpSpPr>
+      <p:grpSpPr>
+        <a:xfrm>
+          <a:off x="0" y="0"/>
+          <a:ext cx="0" cy="0"/>
+          <a:chOff x="0" y="0"/>
+          <a:chExt cx="0" cy="0"/>
+        </a:xfrm>
+      </p:grpSpPr>
+      <p:sp>
+        <p:nvSpPr>
+          <p:cNvPr id="2" name="幻灯片图像占位符 1"/>
+          <p:cNvSpPr>
+            <a:spLocks noGrp="1" noRot="1" noChangeAspect="1"/>
+          </p:cNvSpPr>
+          <p:nvPr>
+            <p:ph type="sldImg"/>
+          </p:nvPr>
+        </p:nvSpPr>
+        <p:spPr/>
+      </p:sp>
+      <p:sp>
+        <p:nvSpPr>
+          <p:cNvPr id="3" name="备注占位符 2"/>
+          <p:cNvSpPr>
+            <a:spLocks noGrp="1"/>
+          </p:cNvSpPr>
+          <p:nvPr>
+            <p:ph type="body" idx="1"/>
+          </p:nvPr>
+        </p:nvSpPr>
+        <p:spPr/>
+        <p:txBody>
+          <a:bodyPr/>
+          <a:lstStyle/>
+          <a:p>
+            <a:r>
+              <a:rPr lang="en-US" altLang="zh-TW" sz="1200" kern="1200" dirty="0" smtClean="0">
+                <a:solidFill>
+                  <a:schemeClr val="tx1"/>
+                </a:solidFill>
+                <a:latin typeface="+mn-lt"/>
+                <a:ea typeface="+mn-ea"/>
+                <a:cs typeface="+mn-cs"/>
+              </a:rPr>
+              <a:t>//</a:t>
+            </a:r>
+            <a:r>
+              <a:rPr lang="en-US" altLang="zh-TW" sz="1200" kern="1200" dirty="0" err="1" smtClean="0">
+                <a:solidFill>
+                  <a:schemeClr val="tx1"/>
+                </a:solidFill>
+                <a:latin typeface="+mn-lt"/>
+                <a:ea typeface="+mn-ea"/>
+                <a:cs typeface="+mn-cs"/>
+              </a:rPr>
+              <a:t>builder.setAutoCancel</a:t>
+            </a:r>
+            <a:r>
+              <a:rPr lang="en-US" altLang="zh-TW" sz="1200" kern="1200" dirty="0" smtClean="0">
+                <a:solidFill>
+                  <a:schemeClr val="tx1"/>
+                </a:solidFill>
+                <a:latin typeface="+mn-lt"/>
+                <a:ea typeface="+mn-ea"/>
+                <a:cs typeface="+mn-cs"/>
+              </a:rPr>
+              <a:t>(true);   //</a:t>
+            </a:r>
+            <a:r>
+              <a:rPr lang="zh-TW" altLang="en-US" sz="1200" kern="1200" dirty="0" smtClean="0">
+                <a:solidFill>
+                  <a:schemeClr val="tx1"/>
+                </a:solidFill>
+                <a:latin typeface="+mn-lt"/>
+                <a:ea typeface="+mn-ea"/>
+                <a:cs typeface="+mn-cs"/>
+              </a:rPr>
+              <a:t>是否自动消失，默认为</a:t>
+            </a:r>
+            <a:r>
+              <a:rPr lang="en-US" altLang="zh-TW" sz="1200" kern="1200" dirty="0" smtClean="0">
+                <a:solidFill>
+                  <a:schemeClr val="tx1"/>
+                </a:solidFill>
+                <a:latin typeface="+mn-lt"/>
+                <a:ea typeface="+mn-ea"/>
+                <a:cs typeface="+mn-cs"/>
+              </a:rPr>
+              <a:t>true</a:t>
+            </a:r>
+          </a:p>
+          <a:p>
+            <a:r>
+              <a:rPr lang="zh-CN" altLang="zh-TW" sz="1200" kern="1200" dirty="0" smtClean="0">
+                <a:solidFill>
+                  <a:schemeClr val="tx1"/>
+                </a:solidFill>
+                <a:latin typeface="+mn-lt"/>
+                <a:ea typeface="+mn-ea"/>
+                <a:cs typeface="+mn-cs"/>
+              </a:rPr>
+              <a:t> </a:t>
+            </a:r>
+            <a:r>
+              <a:rPr lang="zh-CN" altLang="en-US" sz="1200" kern="1200" dirty="0" smtClean="0">
+                <a:solidFill>
+                  <a:schemeClr val="tx1"/>
+                </a:solidFill>
+                <a:latin typeface="+mn-lt"/>
+                <a:ea typeface="+mn-ea"/>
+                <a:cs typeface="+mn-cs"/>
+              </a:rPr>
+              <a:t>  </a:t>
+            </a:r>
+            <a:r>
+              <a:rPr lang="en-US" altLang="zh-TW" sz="1200" kern="1200" dirty="0" err="1" smtClean="0">
+                <a:solidFill>
+                  <a:schemeClr val="tx1"/>
+                </a:solidFill>
+                <a:latin typeface="+mn-lt"/>
+                <a:ea typeface="+mn-ea"/>
+                <a:cs typeface="+mn-cs"/>
+              </a:rPr>
+              <a:t>builder.setLights</a:t>
+            </a:r>
+            <a:r>
+              <a:rPr lang="en-US" altLang="zh-TW" sz="1200" kern="1200" dirty="0" smtClean="0">
+                <a:solidFill>
+                  <a:schemeClr val="tx1"/>
+                </a:solidFill>
+                <a:latin typeface="+mn-lt"/>
+                <a:ea typeface="+mn-ea"/>
+                <a:cs typeface="+mn-cs"/>
+              </a:rPr>
+              <a:t>(0xff00ff00, 1000, 500);//</a:t>
+            </a:r>
+            <a:r>
+              <a:rPr lang="zh-TW" altLang="en-US" sz="1200" kern="1200" dirty="0" smtClean="0">
+                <a:solidFill>
+                  <a:schemeClr val="tx1"/>
+                </a:solidFill>
+                <a:latin typeface="+mn-lt"/>
+                <a:ea typeface="+mn-ea"/>
+                <a:cs typeface="+mn-cs"/>
+              </a:rPr>
+              <a:t>灯的颜色，灯的呼吸频率</a:t>
+            </a:r>
+          </a:p>
+          <a:p>
+            <a:r>
+              <a:rPr lang="zh-CN" altLang="zh-CN" sz="1200" kern="1200" dirty="0" smtClean="0">
+                <a:solidFill>
+                  <a:schemeClr val="tx1"/>
+                </a:solidFill>
+                <a:latin typeface="+mn-lt"/>
+                <a:ea typeface="+mn-ea"/>
+                <a:cs typeface="+mn-cs"/>
+              </a:rPr>
+              <a:t> </a:t>
+            </a:r>
+            <a:r>
+              <a:rPr lang="zh-CN" altLang="en-US" sz="1200" kern="1200" dirty="0" smtClean="0">
+                <a:solidFill>
+                  <a:schemeClr val="tx1"/>
+                </a:solidFill>
+                <a:latin typeface="+mn-lt"/>
+                <a:ea typeface="+mn-ea"/>
+                <a:cs typeface="+mn-cs"/>
+              </a:rPr>
+              <a:t>  </a:t>
+            </a:r>
+            <a:r>
+              <a:rPr lang="en-US" altLang="zh-CN" sz="1200" kern="1200" dirty="0" err="1" smtClean="0">
+                <a:solidFill>
+                  <a:schemeClr val="tx1"/>
+                </a:solidFill>
+                <a:latin typeface="+mn-lt"/>
+                <a:ea typeface="+mn-ea"/>
+                <a:cs typeface="+mn-cs"/>
+              </a:rPr>
+              <a:t>builder.setOnlyAlertOnce</a:t>
+            </a:r>
+            <a:r>
+              <a:rPr lang="en-US" altLang="zh-CN" sz="1200" kern="1200" dirty="0" smtClean="0">
+                <a:solidFill>
+                  <a:schemeClr val="tx1"/>
+                </a:solidFill>
+                <a:latin typeface="+mn-lt"/>
+                <a:ea typeface="+mn-ea"/>
+                <a:cs typeface="+mn-cs"/>
+              </a:rPr>
+              <a:t>(</a:t>
+            </a:r>
+            <a:r>
+              <a:rPr lang="en-US" altLang="zh-CN" sz="1200" b="1" kern="1200" dirty="0" smtClean="0">
+                <a:solidFill>
+                  <a:schemeClr val="tx1"/>
+                </a:solidFill>
+                <a:latin typeface="+mn-lt"/>
+                <a:ea typeface="+mn-ea"/>
+                <a:cs typeface="+mn-cs"/>
+              </a:rPr>
+              <a:t>true);</a:t>
+            </a:r>
+          </a:p>
+          <a:p>
+            <a:r>
+              <a:rPr lang="zh-CN" altLang="zh-CN" sz="1200" kern="1200" dirty="0" smtClean="0">
+                <a:solidFill>
+                  <a:schemeClr val="tx1"/>
+                </a:solidFill>
+                <a:latin typeface="+mn-lt"/>
+                <a:ea typeface="+mn-ea"/>
+                <a:cs typeface="+mn-cs"/>
+              </a:rPr>
+              <a:t> </a:t>
+            </a:r>
+            <a:r>
+              <a:rPr lang="zh-CN" altLang="en-US" sz="1200" kern="1200" dirty="0" smtClean="0">
+                <a:solidFill>
+                  <a:schemeClr val="tx1"/>
+                </a:solidFill>
+                <a:latin typeface="+mn-lt"/>
+                <a:ea typeface="+mn-ea"/>
+                <a:cs typeface="+mn-cs"/>
+              </a:rPr>
+              <a:t>  </a:t>
+            </a:r>
+            <a:r>
+              <a:rPr lang="en-US" altLang="zh-CN" sz="1200" kern="1200" dirty="0" err="1" smtClean="0">
+                <a:solidFill>
+                  <a:schemeClr val="tx1"/>
+                </a:solidFill>
+                <a:latin typeface="+mn-lt"/>
+                <a:ea typeface="+mn-ea"/>
+                <a:cs typeface="+mn-cs"/>
+              </a:rPr>
+              <a:t>builder.setWhen</a:t>
+            </a:r>
+            <a:r>
+              <a:rPr lang="en-US" altLang="zh-CN" sz="1200" kern="1200" dirty="0" smtClean="0">
+                <a:solidFill>
+                  <a:schemeClr val="tx1"/>
+                </a:solidFill>
+                <a:latin typeface="+mn-lt"/>
+                <a:ea typeface="+mn-ea"/>
+                <a:cs typeface="+mn-cs"/>
+              </a:rPr>
+              <a:t>(</a:t>
+            </a:r>
+            <a:r>
+              <a:rPr lang="en-US" altLang="zh-CN" sz="1200" kern="1200" dirty="0" err="1" smtClean="0">
+                <a:solidFill>
+                  <a:schemeClr val="tx1"/>
+                </a:solidFill>
+                <a:latin typeface="+mn-lt"/>
+                <a:ea typeface="+mn-ea"/>
+                <a:cs typeface="+mn-cs"/>
+              </a:rPr>
+              <a:t>Calendar.</a:t>
+            </a:r>
+            <a:r>
+              <a:rPr lang="en-US" altLang="zh-CN" sz="1200" i="1" kern="1200" dirty="0" err="1" smtClean="0">
+                <a:solidFill>
+                  <a:schemeClr val="tx1"/>
+                </a:solidFill>
+                <a:latin typeface="+mn-lt"/>
+                <a:ea typeface="+mn-ea"/>
+                <a:cs typeface="+mn-cs"/>
+              </a:rPr>
+              <a:t>getInstance</a:t>
+            </a:r>
+            <a:r>
+              <a:rPr lang="en-US" altLang="zh-CN" sz="1200" i="1" kern="1200" dirty="0" smtClean="0">
+                <a:solidFill>
+                  <a:schemeClr val="tx1"/>
+                </a:solidFill>
+                <a:latin typeface="+mn-lt"/>
+                <a:ea typeface="+mn-ea"/>
+                <a:cs typeface="+mn-cs"/>
+              </a:rPr>
+              <a:t>().</a:t>
+            </a:r>
+            <a:r>
+              <a:rPr lang="en-US" altLang="zh-CN" sz="1200" i="1" kern="1200" dirty="0" err="1" smtClean="0">
+                <a:solidFill>
+                  <a:schemeClr val="tx1"/>
+                </a:solidFill>
+                <a:latin typeface="+mn-lt"/>
+                <a:ea typeface="+mn-ea"/>
+                <a:cs typeface="+mn-cs"/>
+              </a:rPr>
+              <a:t>getTimeInMillis</a:t>
+            </a:r>
+            <a:r>
+              <a:rPr lang="en-US" altLang="zh-CN" sz="1200" i="1" kern="1200" dirty="0" smtClean="0">
+                <a:solidFill>
+                  <a:schemeClr val="tx1"/>
+                </a:solidFill>
+                <a:latin typeface="+mn-lt"/>
+                <a:ea typeface="+mn-ea"/>
+                <a:cs typeface="+mn-cs"/>
+              </a:rPr>
+              <a:t>());</a:t>
+            </a:r>
+          </a:p>
+          <a:p>
+            <a:r>
+              <a:rPr lang="en-US" altLang="zh-TW" sz="1200" kern="1200" dirty="0" err="1" smtClean="0">
+                <a:solidFill>
+                  <a:schemeClr val="tx1"/>
+                </a:solidFill>
+                <a:latin typeface="+mn-lt"/>
+                <a:ea typeface="+mn-ea"/>
+                <a:cs typeface="+mn-cs"/>
+              </a:rPr>
+              <a:t>builder.setTicker</a:t>
+            </a:r>
+            <a:r>
+              <a:rPr lang="en-US" altLang="zh-TW" sz="1200" kern="1200" dirty="0" smtClean="0">
+                <a:solidFill>
+                  <a:schemeClr val="tx1"/>
+                </a:solidFill>
+                <a:latin typeface="+mn-lt"/>
+                <a:ea typeface="+mn-ea"/>
+                <a:cs typeface="+mn-cs"/>
+              </a:rPr>
+              <a:t>("</a:t>
+            </a:r>
+            <a:r>
+              <a:rPr lang="zh-TW" altLang="en-US" sz="1200" kern="1200" dirty="0" smtClean="0">
+                <a:solidFill>
+                  <a:schemeClr val="tx1"/>
+                </a:solidFill>
+                <a:latin typeface="+mn-lt"/>
+                <a:ea typeface="+mn-ea"/>
+                <a:cs typeface="+mn-cs"/>
+              </a:rPr>
+              <a:t>雾霾预警</a:t>
+            </a:r>
+            <a:r>
+              <a:rPr lang="en-US" altLang="zh-TW" sz="1200" kern="1200" dirty="0" smtClean="0">
+                <a:solidFill>
+                  <a:schemeClr val="tx1"/>
+                </a:solidFill>
+                <a:latin typeface="+mn-lt"/>
+                <a:ea typeface="+mn-ea"/>
+                <a:cs typeface="+mn-cs"/>
+              </a:rPr>
+              <a:t>");  //</a:t>
+            </a:r>
+            <a:r>
+              <a:rPr lang="zh-TW" altLang="en-US" sz="1200" kern="1200" dirty="0" smtClean="0">
+                <a:solidFill>
+                  <a:schemeClr val="tx1"/>
+                </a:solidFill>
+                <a:latin typeface="+mn-lt"/>
+                <a:ea typeface="+mn-ea"/>
+                <a:cs typeface="+mn-cs"/>
+              </a:rPr>
+              <a:t>提示时但未下来时的显示</a:t>
+            </a:r>
+          </a:p>
+          <a:p>
+            <a:r>
+              <a:rPr lang="en-US" altLang="zh-CN" sz="1200" kern="1200" dirty="0" smtClean="0">
+                <a:solidFill>
+                  <a:schemeClr val="tx1"/>
+                </a:solidFill>
+                <a:latin typeface="+mn-lt"/>
+                <a:ea typeface="+mn-ea"/>
+                <a:cs typeface="+mn-cs"/>
+              </a:rPr>
+              <a:t>		</a:t>
+            </a:r>
+            <a:r>
+              <a:rPr lang="en-US" altLang="zh-CN" sz="1200" kern="1200" dirty="0" err="1" smtClean="0">
+                <a:solidFill>
+                  <a:schemeClr val="tx1"/>
+                </a:solidFill>
+                <a:latin typeface="+mn-lt"/>
+                <a:ea typeface="+mn-ea"/>
+                <a:cs typeface="+mn-cs"/>
+              </a:rPr>
+              <a:t>builder.setContentTitle</a:t>
+            </a:r>
+            <a:r>
+              <a:rPr lang="en-US" altLang="zh-CN" sz="1200" kern="1200" dirty="0" smtClean="0">
+                <a:solidFill>
+                  <a:schemeClr val="tx1"/>
+                </a:solidFill>
+                <a:latin typeface="+mn-lt"/>
+                <a:ea typeface="+mn-ea"/>
+                <a:cs typeface="+mn-cs"/>
+              </a:rPr>
+              <a:t>("</a:t>
+            </a:r>
+            <a:r>
+              <a:rPr lang="zh-CN" altLang="en-US" sz="1200" kern="1200" dirty="0" smtClean="0">
+                <a:solidFill>
+                  <a:schemeClr val="tx1"/>
+                </a:solidFill>
+                <a:latin typeface="+mn-lt"/>
+                <a:ea typeface="+mn-ea"/>
+                <a:cs typeface="+mn-cs"/>
+              </a:rPr>
+              <a:t>注意</a:t>
+            </a:r>
+            <a:r>
+              <a:rPr lang="en-US" altLang="zh-CN" sz="1200" kern="1200" dirty="0" smtClean="0">
+                <a:solidFill>
+                  <a:schemeClr val="tx1"/>
+                </a:solidFill>
+                <a:latin typeface="+mn-lt"/>
+                <a:ea typeface="+mn-ea"/>
+                <a:cs typeface="+mn-cs"/>
+              </a:rPr>
+              <a:t>");</a:t>
+            </a:r>
+          </a:p>
+          <a:p>
+            <a:r>
+              <a:rPr lang="en-US" altLang="zh-CN" sz="1200" kern="1200" dirty="0" smtClean="0">
+                <a:solidFill>
+                  <a:schemeClr val="tx1"/>
+                </a:solidFill>
+                <a:latin typeface="+mn-lt"/>
+                <a:ea typeface="+mn-ea"/>
+                <a:cs typeface="+mn-cs"/>
+              </a:rPr>
+              <a:t>		</a:t>
+            </a:r>
+            <a:r>
+              <a:rPr lang="en-US" altLang="zh-CN" sz="1200" kern="1200" dirty="0" err="1" smtClean="0">
+                <a:solidFill>
+                  <a:schemeClr val="tx1"/>
+                </a:solidFill>
+                <a:latin typeface="+mn-lt"/>
+                <a:ea typeface="+mn-ea"/>
+                <a:cs typeface="+mn-cs"/>
+              </a:rPr>
+              <a:t>builder.setContentText</a:t>
+            </a:r>
+            <a:r>
+              <a:rPr lang="en-US" altLang="zh-CN" sz="1200" kern="1200" dirty="0" smtClean="0">
+                <a:solidFill>
+                  <a:schemeClr val="tx1"/>
+                </a:solidFill>
+                <a:latin typeface="+mn-lt"/>
+                <a:ea typeface="+mn-ea"/>
+                <a:cs typeface="+mn-cs"/>
+              </a:rPr>
+              <a:t>("</a:t>
+            </a:r>
+            <a:r>
+              <a:rPr lang="zh-CN" altLang="en-US" sz="1200" kern="1200" dirty="0" smtClean="0">
+                <a:solidFill>
+                  <a:schemeClr val="tx1"/>
+                </a:solidFill>
+                <a:latin typeface="+mn-lt"/>
+                <a:ea typeface="+mn-ea"/>
+                <a:cs typeface="+mn-cs"/>
+              </a:rPr>
+              <a:t>今天是严重雾霾</a:t>
+            </a:r>
+            <a:r>
+              <a:rPr lang="en-US" altLang="zh-CN" sz="1200" kern="1200" dirty="0" smtClean="0">
+                <a:solidFill>
+                  <a:schemeClr val="tx1"/>
+                </a:solidFill>
+                <a:latin typeface="+mn-lt"/>
+                <a:ea typeface="+mn-ea"/>
+                <a:cs typeface="+mn-cs"/>
+              </a:rPr>
+              <a:t>");</a:t>
+            </a:r>
+          </a:p>
+          <a:p>
+            <a:endParaRPr kumimoji="1" lang="en-US" altLang="zh-CN" sz="1200" kern="1200" dirty="0" smtClean="0">
+              <a:solidFill>
+                <a:schemeClr val="tx1"/>
+              </a:solidFill>
+              <a:latin typeface="+mn-lt"/>
+              <a:ea typeface="+mn-ea"/>
+              <a:cs typeface="+mn-cs"/>
+            </a:endParaRPr>
+          </a:p>
+          <a:p>
+            <a:r>
+              <a:rPr lang="en-US" altLang="zh-CN" sz="1200" kern="1200" dirty="0" smtClean="0">
+                <a:solidFill>
+                  <a:schemeClr val="tx1"/>
+                </a:solidFill>
+                <a:latin typeface="+mn-lt"/>
+                <a:ea typeface="+mn-ea"/>
+                <a:cs typeface="+mn-cs"/>
+              </a:rPr>
+              <a:t>Intent </a:t>
+            </a:r>
+            <a:r>
+              <a:rPr lang="en-US" altLang="zh-CN" sz="1200" kern="1200" dirty="0" err="1" smtClean="0">
+                <a:solidFill>
+                  <a:schemeClr val="tx1"/>
+                </a:solidFill>
+                <a:latin typeface="+mn-lt"/>
+                <a:ea typeface="+mn-ea"/>
+                <a:cs typeface="+mn-cs"/>
+              </a:rPr>
+              <a:t>intentss</a:t>
+            </a:r>
+            <a:r>
+              <a:rPr lang="en-US" altLang="zh-CN" sz="1200" kern="1200" dirty="0" smtClean="0">
+                <a:solidFill>
+                  <a:schemeClr val="tx1"/>
+                </a:solidFill>
+                <a:latin typeface="+mn-lt"/>
+                <a:ea typeface="+mn-ea"/>
+                <a:cs typeface="+mn-cs"/>
+              </a:rPr>
+              <a:t> = </a:t>
+            </a:r>
+            <a:r>
+              <a:rPr lang="en-US" altLang="zh-CN" sz="1200" b="1" kern="1200" dirty="0" smtClean="0">
+                <a:solidFill>
+                  <a:schemeClr val="tx1"/>
+                </a:solidFill>
+                <a:latin typeface="+mn-lt"/>
+                <a:ea typeface="+mn-ea"/>
+                <a:cs typeface="+mn-cs"/>
+              </a:rPr>
+              <a:t>new Intent(</a:t>
+            </a:r>
+            <a:r>
+              <a:rPr lang="en-US" altLang="zh-CN" sz="1200" b="1" kern="1200" dirty="0" err="1" smtClean="0">
+                <a:solidFill>
+                  <a:schemeClr val="tx1"/>
+                </a:solidFill>
+                <a:latin typeface="+mn-lt"/>
+                <a:ea typeface="+mn-ea"/>
+                <a:cs typeface="+mn-cs"/>
+              </a:rPr>
+              <a:t>MainActivity.this</a:t>
+            </a:r>
+            <a:r>
+              <a:rPr lang="en-US" altLang="zh-CN" sz="1200" b="1" kern="1200" dirty="0" smtClean="0">
+                <a:solidFill>
+                  <a:schemeClr val="tx1"/>
+                </a:solidFill>
+                <a:latin typeface="+mn-lt"/>
+                <a:ea typeface="+mn-ea"/>
+                <a:cs typeface="+mn-cs"/>
+              </a:rPr>
+              <a:t>, </a:t>
+            </a:r>
+            <a:r>
+              <a:rPr lang="en-US" altLang="zh-CN" sz="1200" b="1" kern="1200" dirty="0" err="1" smtClean="0">
+                <a:solidFill>
+                  <a:schemeClr val="tx1"/>
+                </a:solidFill>
+                <a:latin typeface="+mn-lt"/>
+                <a:ea typeface="+mn-ea"/>
+                <a:cs typeface="+mn-cs"/>
+              </a:rPr>
+              <a:t>ServiceActiviy.class</a:t>
+            </a:r>
+            <a:r>
+              <a:rPr lang="en-US" altLang="zh-CN" sz="1200" b="1" kern="1200" dirty="0" smtClean="0">
+                <a:solidFill>
+                  <a:schemeClr val="tx1"/>
+                </a:solidFill>
+                <a:latin typeface="+mn-lt"/>
+                <a:ea typeface="+mn-ea"/>
+                <a:cs typeface="+mn-cs"/>
+              </a:rPr>
+              <a:t>);</a:t>
+            </a:r>
+            <a:endParaRPr lang="en-US" altLang="zh-CN" sz="1200" kern="1200" dirty="0" smtClean="0">
+              <a:solidFill>
+                <a:schemeClr val="tx1"/>
+              </a:solidFill>
+              <a:latin typeface="+mn-lt"/>
+              <a:ea typeface="+mn-ea"/>
+              <a:cs typeface="+mn-cs"/>
+            </a:endParaRPr>
+          </a:p>
+          <a:p>
+            <a:r>
+              <a:rPr lang="en-US" altLang="zh-CN" sz="1200" kern="1200" dirty="0" err="1" smtClean="0">
+                <a:solidFill>
+                  <a:schemeClr val="tx1"/>
+                </a:solidFill>
+                <a:latin typeface="+mn-lt"/>
+                <a:ea typeface="+mn-ea"/>
+                <a:cs typeface="+mn-cs"/>
+              </a:rPr>
+              <a:t>PendingIntent</a:t>
+            </a:r>
+            <a:r>
+              <a:rPr lang="en-US" altLang="zh-CN" sz="1200" kern="1200" dirty="0" smtClean="0">
+                <a:solidFill>
+                  <a:schemeClr val="tx1"/>
+                </a:solidFill>
+                <a:latin typeface="+mn-lt"/>
+                <a:ea typeface="+mn-ea"/>
+                <a:cs typeface="+mn-cs"/>
+              </a:rPr>
+              <a:t> </a:t>
+            </a:r>
+            <a:r>
+              <a:rPr lang="en-US" altLang="zh-CN" sz="1200" kern="1200" dirty="0" err="1" smtClean="0">
+                <a:solidFill>
+                  <a:schemeClr val="tx1"/>
+                </a:solidFill>
+                <a:latin typeface="+mn-lt"/>
+                <a:ea typeface="+mn-ea"/>
+                <a:cs typeface="+mn-cs"/>
+              </a:rPr>
+              <a:t>pendingIntent</a:t>
+            </a:r>
+            <a:r>
+              <a:rPr lang="en-US" altLang="zh-CN" sz="1200" kern="1200" dirty="0" smtClean="0">
+                <a:solidFill>
+                  <a:schemeClr val="tx1"/>
+                </a:solidFill>
+                <a:latin typeface="+mn-lt"/>
+                <a:ea typeface="+mn-ea"/>
+                <a:cs typeface="+mn-cs"/>
+              </a:rPr>
+              <a:t> = </a:t>
+            </a:r>
+            <a:r>
+              <a:rPr lang="en-US" altLang="zh-CN" sz="1200" kern="1200" dirty="0" err="1" smtClean="0">
+                <a:solidFill>
+                  <a:schemeClr val="tx1"/>
+                </a:solidFill>
+                <a:latin typeface="+mn-lt"/>
+                <a:ea typeface="+mn-ea"/>
+                <a:cs typeface="+mn-cs"/>
+              </a:rPr>
+              <a:t>PendingIntent.</a:t>
+            </a:r>
+            <a:r>
+              <a:rPr lang="en-US" altLang="zh-CN" sz="1200" i="1" kern="1200" dirty="0" err="1" smtClean="0">
+                <a:solidFill>
+                  <a:schemeClr val="tx1"/>
+                </a:solidFill>
+                <a:latin typeface="+mn-lt"/>
+                <a:ea typeface="+mn-ea"/>
+                <a:cs typeface="+mn-cs"/>
+              </a:rPr>
+              <a:t>getActivity</a:t>
+            </a:r>
+            <a:r>
+              <a:rPr lang="en-US" altLang="zh-CN" sz="1200" i="1" kern="1200" dirty="0" smtClean="0">
+                <a:solidFill>
+                  <a:schemeClr val="tx1"/>
+                </a:solidFill>
+                <a:latin typeface="+mn-lt"/>
+                <a:ea typeface="+mn-ea"/>
+                <a:cs typeface="+mn-cs"/>
+              </a:rPr>
+              <a:t>(</a:t>
+            </a:r>
+            <a:r>
+              <a:rPr lang="en-US" altLang="zh-CN" sz="1200" i="1" kern="1200" dirty="0" err="1" smtClean="0">
+                <a:solidFill>
+                  <a:schemeClr val="tx1"/>
+                </a:solidFill>
+                <a:latin typeface="+mn-lt"/>
+                <a:ea typeface="+mn-ea"/>
+                <a:cs typeface="+mn-cs"/>
+              </a:rPr>
+              <a:t>MainActivity.</a:t>
+            </a:r>
+            <a:r>
+              <a:rPr lang="en-US" altLang="zh-CN" sz="1200" b="1" i="1" kern="1200" dirty="0" err="1" smtClean="0">
+                <a:solidFill>
+                  <a:schemeClr val="tx1"/>
+                </a:solidFill>
+                <a:latin typeface="+mn-lt"/>
+                <a:ea typeface="+mn-ea"/>
+                <a:cs typeface="+mn-cs"/>
+              </a:rPr>
+              <a:t>this</a:t>
+            </a:r>
+            <a:r>
+              <a:rPr lang="en-US" altLang="zh-CN" sz="1200" b="1" i="1" kern="1200" dirty="0" smtClean="0">
+                <a:solidFill>
+                  <a:schemeClr val="tx1"/>
+                </a:solidFill>
+                <a:latin typeface="+mn-lt"/>
+                <a:ea typeface="+mn-ea"/>
+                <a:cs typeface="+mn-cs"/>
+              </a:rPr>
+              <a:t>, </a:t>
+            </a:r>
+            <a:r>
+              <a:rPr lang="en-US" altLang="zh-CN" sz="1200" kern="1200" dirty="0" smtClean="0">
+                <a:solidFill>
+                  <a:schemeClr val="tx1"/>
+                </a:solidFill>
+                <a:latin typeface="+mn-lt"/>
+                <a:ea typeface="+mn-ea"/>
+                <a:cs typeface="+mn-cs"/>
+              </a:rPr>
+              <a:t>100, </a:t>
+            </a:r>
+            <a:r>
+              <a:rPr lang="en-US" altLang="zh-CN" sz="1200" kern="1200" dirty="0" err="1" smtClean="0">
+                <a:solidFill>
+                  <a:schemeClr val="tx1"/>
+                </a:solidFill>
+                <a:latin typeface="+mn-lt"/>
+                <a:ea typeface="+mn-ea"/>
+                <a:cs typeface="+mn-cs"/>
+              </a:rPr>
+              <a:t>intentss</a:t>
+            </a:r>
+            <a:r>
+              <a:rPr lang="en-US" altLang="zh-CN" sz="1200" kern="1200" dirty="0" smtClean="0">
+                <a:solidFill>
+                  <a:schemeClr val="tx1"/>
+                </a:solidFill>
+                <a:latin typeface="+mn-lt"/>
+                <a:ea typeface="+mn-ea"/>
+                <a:cs typeface="+mn-cs"/>
+              </a:rPr>
+              <a:t>, 0);</a:t>
+            </a:r>
+          </a:p>
+          <a:p>
+            <a:r>
+              <a:rPr lang="en-US" altLang="zh-CN" sz="1200" kern="1200" dirty="0" err="1" smtClean="0">
+                <a:solidFill>
+                  <a:schemeClr val="tx1"/>
+                </a:solidFill>
+                <a:latin typeface="+mn-lt"/>
+                <a:ea typeface="+mn-ea"/>
+                <a:cs typeface="+mn-cs"/>
+              </a:rPr>
+              <a:t>builder.setContentIntent</a:t>
+            </a:r>
+            <a:r>
+              <a:rPr lang="en-US" altLang="zh-CN" sz="1200" kern="1200" dirty="0" smtClean="0">
+                <a:solidFill>
+                  <a:schemeClr val="tx1"/>
+                </a:solidFill>
+                <a:latin typeface="+mn-lt"/>
+                <a:ea typeface="+mn-ea"/>
+                <a:cs typeface="+mn-cs"/>
+              </a:rPr>
+              <a:t>(</a:t>
+            </a:r>
+            <a:r>
+              <a:rPr lang="en-US" altLang="zh-CN" sz="1200" kern="1200" dirty="0" err="1" smtClean="0">
+                <a:solidFill>
+                  <a:schemeClr val="tx1"/>
+                </a:solidFill>
+                <a:latin typeface="+mn-lt"/>
+                <a:ea typeface="+mn-ea"/>
+                <a:cs typeface="+mn-cs"/>
+              </a:rPr>
+              <a:t>pendingIntent</a:t>
+            </a:r>
+            <a:r>
+              <a:rPr lang="en-US" altLang="zh-CN" sz="1200" kern="1200" dirty="0" smtClean="0">
+                <a:solidFill>
+                  <a:schemeClr val="tx1"/>
+                </a:solidFill>
+                <a:latin typeface="+mn-lt"/>
+                <a:ea typeface="+mn-ea"/>
+                <a:cs typeface="+mn-cs"/>
+              </a:rPr>
+              <a:t>);  //</a:t>
+            </a:r>
+            <a:r>
+              <a:rPr lang="zh-CN" altLang="en-US" sz="1200" kern="1200" dirty="0" smtClean="0">
+                <a:solidFill>
+                  <a:schemeClr val="tx1"/>
+                </a:solidFill>
+                <a:latin typeface="+mn-lt"/>
+                <a:ea typeface="+mn-ea"/>
+                <a:cs typeface="+mn-cs"/>
+              </a:rPr>
+              <a:t>设置</a:t>
+            </a:r>
+            <a:r>
+              <a:rPr lang="en-US" altLang="zh-CN" sz="1200" kern="1200" dirty="0" smtClean="0">
+                <a:solidFill>
+                  <a:schemeClr val="tx1"/>
+                </a:solidFill>
+                <a:latin typeface="+mn-lt"/>
+                <a:ea typeface="+mn-ea"/>
+                <a:cs typeface="+mn-cs"/>
+              </a:rPr>
+              <a:t>Notification</a:t>
+            </a:r>
+            <a:r>
+              <a:rPr lang="zh-CN" altLang="en-US" sz="1200" kern="1200" dirty="0" smtClean="0">
+                <a:solidFill>
+                  <a:schemeClr val="tx1"/>
+                </a:solidFill>
+                <a:latin typeface="+mn-lt"/>
+                <a:ea typeface="+mn-ea"/>
+                <a:cs typeface="+mn-cs"/>
+              </a:rPr>
+              <a:t>的点击事件</a:t>
+            </a:r>
+            <a:endParaRPr kumimoji="1" lang="zh-CN" altLang="en-US" dirty="0"/>
+          </a:p>
+        </p:txBody>
+      </p:sp>
+      <p:sp>
+        <p:nvSpPr>
+          <p:cNvPr id="4" name="幻灯片编号占位符 3"/>
+          <p:cNvSpPr>
+            <a:spLocks noGrp="1"/>
+          </p:cNvSpPr>
+          <p:nvPr>
+            <p:ph type="sldNum" sz="quarter" idx="10"/>
+          </p:nvPr>
+        </p:nvSpPr>
+        <p:spPr/>
+        <p:txBody>
+          <a:bodyPr/>
+          <a:lstStyle/>
+          <a:p>
+            <a:fld id="{9163888C-5123-6548-B379-D9685D88A76E}" type="slidenum">
+              <a:rPr kumimoji="1" lang="zh-CN" altLang="en-US" smtClean="0"/>
+              <a:t>21</a:t>
+            </a:fld>
+            <a:endParaRPr kumimoji="1" lang="zh-CN" altLang="en-US"/>
+          </a:p>
+        </p:txBody>
+      </p:sp>
+    </p:spTree>
+    <p:extLst>
+      <p:ext uri="{BB962C8B-B14F-4D97-AF65-F5344CB8AC3E}">
+        <p14:creationId xmlns:p14="http://schemas.microsoft.com/office/powerpoint/2010/main" val="584770652"/>
+      </p:ext>
+    </p:extLst>
+  </p:cSld>
+  <p:clrMapOvr>
+    <a:masterClrMapping/>
+  </p:clrMapOvr>
+</p:notes>
+</file>
+
+<file path=ppt/notesSlides/notesSlide7.xml><?xml version="1.0" encoding="utf-8"?>
+<p:notes xmlns:a="http://schemas.openxmlformats.org/drawingml/2006/main" xmlns:r="http://schemas.openxmlformats.org/officeDocument/2006/relationships" xmlns:p="http://schemas.openxmlformats.org/presentationml/2006/main">
+  <p:cSld>
+    <p:spTree>
+      <p:nvGrpSpPr>
+        <p:cNvPr id="1" name=""/>
+        <p:cNvGrpSpPr/>
+        <p:nvPr/>
+      </p:nvGrpSpPr>
+      <p:grpSpPr>
+        <a:xfrm>
+          <a:off x="0" y="0"/>
+          <a:ext cx="0" cy="0"/>
+          <a:chOff x="0" y="0"/>
+          <a:chExt cx="0" cy="0"/>
+        </a:xfrm>
+      </p:grpSpPr>
+      <p:sp>
+        <p:nvSpPr>
+          <p:cNvPr id="2" name="幻灯片图像占位符 1"/>
+          <p:cNvSpPr>
+            <a:spLocks noGrp="1" noRot="1" noChangeAspect="1"/>
+          </p:cNvSpPr>
+          <p:nvPr>
+            <p:ph type="sldImg"/>
+          </p:nvPr>
+        </p:nvSpPr>
+        <p:spPr/>
+      </p:sp>
+      <p:sp>
+        <p:nvSpPr>
+          <p:cNvPr id="3" name="备注占位符 2"/>
+          <p:cNvSpPr>
+            <a:spLocks noGrp="1"/>
+          </p:cNvSpPr>
+          <p:nvPr>
+            <p:ph type="body" idx="1"/>
+          </p:nvPr>
+        </p:nvSpPr>
+        <p:spPr/>
+        <p:txBody>
+          <a:bodyPr/>
+          <a:lstStyle/>
+          <a:p>
+            <a:endParaRPr kumimoji="1" lang="zh-CN" altLang="en-US" dirty="0"/>
+          </a:p>
+        </p:txBody>
+      </p:sp>
+      <p:sp>
+        <p:nvSpPr>
+          <p:cNvPr id="4" name="幻灯片编号占位符 3"/>
+          <p:cNvSpPr>
+            <a:spLocks noGrp="1"/>
+          </p:cNvSpPr>
+          <p:nvPr>
+            <p:ph type="sldNum" sz="quarter" idx="10"/>
+          </p:nvPr>
+        </p:nvSpPr>
+        <p:spPr/>
+        <p:txBody>
+          <a:bodyPr/>
+          <a:lstStyle/>
+          <a:p>
+            <a:fld id="{9163888C-5123-6548-B379-D9685D88A76E}" type="slidenum">
+              <a:rPr kumimoji="1" lang="zh-CN" altLang="en-US" smtClean="0"/>
+              <a:t>22</a:t>
+            </a:fld>
+            <a:endParaRPr kumimoji="1" lang="zh-CN" altLang="en-US"/>
+          </a:p>
+        </p:txBody>
+      </p:sp>
+    </p:spTree>
+    <p:extLst>
+      <p:ext uri="{BB962C8B-B14F-4D97-AF65-F5344CB8AC3E}">
+        <p14:creationId xmlns:p14="http://schemas.microsoft.com/office/powerpoint/2010/main" val="1763063257"/>
+      </p:ext>
+    </p:extLst>
+  </p:cSld>
+  <p:clrMapOvr>
+    <a:masterClrMapping/>
+  </p:clrMapOvr>
+</p:notes>
+</file>
+
+<file path=ppt/notesSlides/notesSlide8.xml><?xml version="1.0" encoding="utf-8"?>
+<p:notes xmlns:a="http://schemas.openxmlformats.org/drawingml/2006/main" xmlns:r="http://schemas.openxmlformats.org/officeDocument/2006/relationships" xmlns:p="http://schemas.openxmlformats.org/presentationml/2006/main">
+  <p:cSld>
+    <p:spTree>
+      <p:nvGrpSpPr>
+        <p:cNvPr id="1" name=""/>
+        <p:cNvGrpSpPr/>
+        <p:nvPr/>
+      </p:nvGrpSpPr>
+      <p:grpSpPr>
+        <a:xfrm>
+          <a:off x="0" y="0"/>
+          <a:ext cx="0" cy="0"/>
+          <a:chOff x="0" y="0"/>
+          <a:chExt cx="0" cy="0"/>
+        </a:xfrm>
+      </p:grpSpPr>
+      <p:sp>
+        <p:nvSpPr>
+          <p:cNvPr id="2" name="幻灯片图像占位符 1"/>
+          <p:cNvSpPr>
+            <a:spLocks noGrp="1" noRot="1" noChangeAspect="1"/>
+          </p:cNvSpPr>
+          <p:nvPr>
+            <p:ph type="sldImg"/>
+          </p:nvPr>
+        </p:nvSpPr>
+        <p:spPr/>
+      </p:sp>
+      <p:sp>
+        <p:nvSpPr>
+          <p:cNvPr id="3" name="备注占位符 2"/>
+          <p:cNvSpPr>
+            <a:spLocks noGrp="1"/>
+          </p:cNvSpPr>
+          <p:nvPr>
+            <p:ph type="body" idx="1"/>
+          </p:nvPr>
+        </p:nvSpPr>
+        <p:spPr/>
+        <p:txBody>
+          <a:bodyPr/>
+          <a:lstStyle/>
+          <a:p>
+            <a:r>
+              <a:rPr lang="en-US" altLang="zh-CN" sz="1200" b="1" kern="1200" dirty="0" smtClean="0">
+                <a:solidFill>
+                  <a:schemeClr val="tx1"/>
+                </a:solidFill>
+                <a:latin typeface="+mn-lt"/>
+                <a:ea typeface="+mn-ea"/>
+                <a:cs typeface="+mn-cs"/>
+              </a:rPr>
+              <a:t>1.</a:t>
+            </a:r>
+            <a:r>
+              <a:rPr lang="zh-CN" altLang="en-US" sz="1200" b="1" kern="1200" dirty="0" smtClean="0">
+                <a:solidFill>
+                  <a:schemeClr val="tx1"/>
+                </a:solidFill>
+                <a:latin typeface="+mn-lt"/>
+                <a:ea typeface="+mn-ea"/>
+                <a:cs typeface="+mn-cs"/>
+              </a:rPr>
+              <a:t>自定义类继承</a:t>
+            </a:r>
+            <a:r>
+              <a:rPr lang="en-US" altLang="zh-CN" sz="1200" b="1" kern="1200" dirty="0" err="1" smtClean="0">
+                <a:solidFill>
+                  <a:schemeClr val="tx1"/>
+                </a:solidFill>
+                <a:latin typeface="+mn-lt"/>
+                <a:ea typeface="+mn-ea"/>
+                <a:cs typeface="+mn-cs"/>
+              </a:rPr>
+              <a:t>BroadcastReceiver</a:t>
+            </a:r>
+            <a:endParaRPr lang="en-US" altLang="zh-CN" sz="1200" b="1" kern="1200" dirty="0" smtClean="0">
+              <a:solidFill>
+                <a:schemeClr val="tx1"/>
+              </a:solidFill>
+              <a:latin typeface="+mn-lt"/>
+              <a:ea typeface="+mn-ea"/>
+              <a:cs typeface="+mn-cs"/>
+            </a:endParaRPr>
+          </a:p>
+          <a:p>
+            <a:r>
+              <a:rPr lang="en-US" altLang="zh-CN" sz="1200" b="1" kern="1200" dirty="0" smtClean="0">
+                <a:solidFill>
+                  <a:schemeClr val="tx1"/>
+                </a:solidFill>
+                <a:latin typeface="+mn-lt"/>
+                <a:ea typeface="+mn-ea"/>
+                <a:cs typeface="+mn-cs"/>
+              </a:rPr>
+              <a:t>public</a:t>
+            </a:r>
+            <a:r>
+              <a:rPr lang="en-US" altLang="zh-CN" sz="1200" b="0" kern="1200" dirty="0" smtClean="0">
+                <a:solidFill>
+                  <a:schemeClr val="tx1"/>
+                </a:solidFill>
+                <a:latin typeface="+mn-lt"/>
+                <a:ea typeface="+mn-ea"/>
+                <a:cs typeface="+mn-cs"/>
+              </a:rPr>
+              <a:t> </a:t>
+            </a:r>
+            <a:r>
+              <a:rPr lang="en-US" altLang="zh-CN" sz="1200" b="1" kern="1200" dirty="0" smtClean="0">
+                <a:solidFill>
+                  <a:schemeClr val="tx1"/>
+                </a:solidFill>
+                <a:latin typeface="+mn-lt"/>
+                <a:ea typeface="+mn-ea"/>
+                <a:cs typeface="+mn-cs"/>
+              </a:rPr>
+              <a:t>class</a:t>
+            </a:r>
+            <a:r>
+              <a:rPr lang="en-US" altLang="zh-CN" sz="1200" b="0" kern="1200" dirty="0" smtClean="0">
+                <a:solidFill>
+                  <a:schemeClr val="tx1"/>
+                </a:solidFill>
+                <a:latin typeface="+mn-lt"/>
+                <a:ea typeface="+mn-ea"/>
+                <a:cs typeface="+mn-cs"/>
+              </a:rPr>
+              <a:t> </a:t>
+            </a:r>
+            <a:r>
+              <a:rPr lang="en-US" altLang="zh-CN" sz="1200" b="0" kern="1200" dirty="0" err="1" smtClean="0">
+                <a:solidFill>
+                  <a:schemeClr val="tx1"/>
+                </a:solidFill>
+                <a:latin typeface="+mn-lt"/>
+                <a:ea typeface="+mn-ea"/>
+                <a:cs typeface="+mn-cs"/>
+              </a:rPr>
+              <a:t>MyReceiver</a:t>
+            </a:r>
+            <a:r>
+              <a:rPr lang="en-US" altLang="zh-CN" sz="1200" b="0" kern="1200" dirty="0" smtClean="0">
+                <a:solidFill>
+                  <a:schemeClr val="tx1"/>
+                </a:solidFill>
+                <a:latin typeface="+mn-lt"/>
+                <a:ea typeface="+mn-ea"/>
+                <a:cs typeface="+mn-cs"/>
+              </a:rPr>
+              <a:t> </a:t>
+            </a:r>
+            <a:r>
+              <a:rPr lang="en-US" altLang="zh-CN" sz="1200" b="1" kern="1200" dirty="0" smtClean="0">
+                <a:solidFill>
+                  <a:schemeClr val="tx1"/>
+                </a:solidFill>
+                <a:latin typeface="+mn-lt"/>
+                <a:ea typeface="+mn-ea"/>
+                <a:cs typeface="+mn-cs"/>
+              </a:rPr>
+              <a:t>extends</a:t>
+            </a:r>
+            <a:r>
+              <a:rPr lang="en-US" altLang="zh-CN" sz="1200" b="0" kern="1200" dirty="0" smtClean="0">
+                <a:solidFill>
+                  <a:schemeClr val="tx1"/>
+                </a:solidFill>
+                <a:latin typeface="+mn-lt"/>
+                <a:ea typeface="+mn-ea"/>
+                <a:cs typeface="+mn-cs"/>
+              </a:rPr>
+              <a:t> </a:t>
+            </a:r>
+            <a:r>
+              <a:rPr lang="en-US" altLang="zh-CN" sz="1200" b="0" kern="1200" dirty="0" err="1" smtClean="0">
+                <a:solidFill>
+                  <a:schemeClr val="tx1"/>
+                </a:solidFill>
+                <a:latin typeface="+mn-lt"/>
+                <a:ea typeface="+mn-ea"/>
+                <a:cs typeface="+mn-cs"/>
+              </a:rPr>
+              <a:t>BroadcastReceiver</a:t>
+            </a:r>
+            <a:r>
+              <a:rPr lang="en-US" altLang="zh-CN" sz="1200" b="0" kern="1200" dirty="0" smtClean="0">
+                <a:solidFill>
+                  <a:schemeClr val="tx1"/>
+                </a:solidFill>
+                <a:latin typeface="+mn-lt"/>
+                <a:ea typeface="+mn-ea"/>
+                <a:cs typeface="+mn-cs"/>
+              </a:rPr>
+              <a:t> {  </a:t>
+            </a:r>
+          </a:p>
+          <a:p>
+            <a:r>
+              <a:rPr lang="en-US" altLang="zh-CN" sz="1200" b="0" kern="1200" dirty="0" smtClean="0">
+                <a:solidFill>
+                  <a:schemeClr val="tx1"/>
+                </a:solidFill>
+                <a:latin typeface="+mn-lt"/>
+                <a:ea typeface="+mn-ea"/>
+                <a:cs typeface="+mn-cs"/>
+              </a:rPr>
+              <a:t>      </a:t>
+            </a:r>
+          </a:p>
+          <a:p>
+            <a:r>
+              <a:rPr lang="en-US" altLang="zh-CN" sz="1200" b="0" kern="1200" dirty="0" smtClean="0">
+                <a:solidFill>
+                  <a:schemeClr val="tx1"/>
+                </a:solidFill>
+                <a:latin typeface="+mn-lt"/>
+                <a:ea typeface="+mn-ea"/>
+                <a:cs typeface="+mn-cs"/>
+              </a:rPr>
+              <a:t>    </a:t>
+            </a:r>
+            <a:r>
+              <a:rPr lang="en-US" altLang="zh-CN" sz="1200" b="1" kern="1200" dirty="0" smtClean="0">
+                <a:solidFill>
+                  <a:schemeClr val="tx1"/>
+                </a:solidFill>
+                <a:latin typeface="+mn-lt"/>
+                <a:ea typeface="+mn-ea"/>
+                <a:cs typeface="+mn-cs"/>
+              </a:rPr>
+              <a:t>private</a:t>
+            </a:r>
+            <a:r>
+              <a:rPr lang="en-US" altLang="zh-CN" sz="1200" b="0" kern="1200" dirty="0" smtClean="0">
+                <a:solidFill>
+                  <a:schemeClr val="tx1"/>
+                </a:solidFill>
+                <a:latin typeface="+mn-lt"/>
+                <a:ea typeface="+mn-ea"/>
+                <a:cs typeface="+mn-cs"/>
+              </a:rPr>
+              <a:t> </a:t>
+            </a:r>
+            <a:r>
+              <a:rPr lang="en-US" altLang="zh-CN" sz="1200" b="1" kern="1200" dirty="0" smtClean="0">
+                <a:solidFill>
+                  <a:schemeClr val="tx1"/>
+                </a:solidFill>
+                <a:latin typeface="+mn-lt"/>
+                <a:ea typeface="+mn-ea"/>
+                <a:cs typeface="+mn-cs"/>
+              </a:rPr>
+              <a:t>static</a:t>
+            </a:r>
+            <a:r>
+              <a:rPr lang="en-US" altLang="zh-CN" sz="1200" b="0" kern="1200" dirty="0" smtClean="0">
+                <a:solidFill>
+                  <a:schemeClr val="tx1"/>
+                </a:solidFill>
+                <a:latin typeface="+mn-lt"/>
+                <a:ea typeface="+mn-ea"/>
+                <a:cs typeface="+mn-cs"/>
+              </a:rPr>
+              <a:t> </a:t>
+            </a:r>
+            <a:r>
+              <a:rPr lang="en-US" altLang="zh-CN" sz="1200" b="1" kern="1200" dirty="0" smtClean="0">
+                <a:solidFill>
+                  <a:schemeClr val="tx1"/>
+                </a:solidFill>
+                <a:latin typeface="+mn-lt"/>
+                <a:ea typeface="+mn-ea"/>
+                <a:cs typeface="+mn-cs"/>
+              </a:rPr>
+              <a:t>final</a:t>
+            </a:r>
+            <a:r>
+              <a:rPr lang="en-US" altLang="zh-CN" sz="1200" b="0" kern="1200" dirty="0" smtClean="0">
+                <a:solidFill>
+                  <a:schemeClr val="tx1"/>
+                </a:solidFill>
+                <a:latin typeface="+mn-lt"/>
+                <a:ea typeface="+mn-ea"/>
+                <a:cs typeface="+mn-cs"/>
+              </a:rPr>
+              <a:t> String TAG = "</a:t>
+            </a:r>
+            <a:r>
+              <a:rPr lang="en-US" altLang="zh-CN" sz="1200" b="0" kern="1200" dirty="0" err="1" smtClean="0">
+                <a:solidFill>
+                  <a:schemeClr val="tx1"/>
+                </a:solidFill>
+                <a:latin typeface="+mn-lt"/>
+                <a:ea typeface="+mn-ea"/>
+                <a:cs typeface="+mn-cs"/>
+              </a:rPr>
+              <a:t>MyReceiver</a:t>
+            </a:r>
+            <a:r>
+              <a:rPr lang="en-US" altLang="zh-CN" sz="1200" b="0" kern="1200" dirty="0" smtClean="0">
+                <a:solidFill>
+                  <a:schemeClr val="tx1"/>
+                </a:solidFill>
+                <a:latin typeface="+mn-lt"/>
+                <a:ea typeface="+mn-ea"/>
+                <a:cs typeface="+mn-cs"/>
+              </a:rPr>
+              <a:t>";  </a:t>
+            </a:r>
+          </a:p>
+          <a:p>
+            <a:r>
+              <a:rPr lang="en-US" altLang="zh-CN" sz="1200" b="0" kern="1200" dirty="0" smtClean="0">
+                <a:solidFill>
+                  <a:schemeClr val="tx1"/>
+                </a:solidFill>
+                <a:latin typeface="+mn-lt"/>
+                <a:ea typeface="+mn-ea"/>
+                <a:cs typeface="+mn-cs"/>
+              </a:rPr>
+              <a:t>      </a:t>
+            </a:r>
+          </a:p>
+          <a:p>
+            <a:r>
+              <a:rPr lang="en-US" altLang="zh-CN" sz="1200" b="0" kern="1200" dirty="0" smtClean="0">
+                <a:solidFill>
+                  <a:schemeClr val="tx1"/>
+                </a:solidFill>
+                <a:latin typeface="+mn-lt"/>
+                <a:ea typeface="+mn-ea"/>
+                <a:cs typeface="+mn-cs"/>
+              </a:rPr>
+              <a:t>    @Override  </a:t>
+            </a:r>
+          </a:p>
+          <a:p>
+            <a:r>
+              <a:rPr lang="en-US" altLang="zh-CN" sz="1200" b="0" kern="1200" dirty="0" smtClean="0">
+                <a:solidFill>
+                  <a:schemeClr val="tx1"/>
+                </a:solidFill>
+                <a:latin typeface="+mn-lt"/>
+                <a:ea typeface="+mn-ea"/>
+                <a:cs typeface="+mn-cs"/>
+              </a:rPr>
+              <a:t>    </a:t>
+            </a:r>
+            <a:r>
+              <a:rPr lang="en-US" altLang="zh-CN" sz="1200" b="1" kern="1200" dirty="0" smtClean="0">
+                <a:solidFill>
+                  <a:schemeClr val="tx1"/>
+                </a:solidFill>
+                <a:latin typeface="+mn-lt"/>
+                <a:ea typeface="+mn-ea"/>
+                <a:cs typeface="+mn-cs"/>
+              </a:rPr>
+              <a:t>public</a:t>
+            </a:r>
+            <a:r>
+              <a:rPr lang="en-US" altLang="zh-CN" sz="1200" b="0" kern="1200" dirty="0" smtClean="0">
+                <a:solidFill>
+                  <a:schemeClr val="tx1"/>
+                </a:solidFill>
+                <a:latin typeface="+mn-lt"/>
+                <a:ea typeface="+mn-ea"/>
+                <a:cs typeface="+mn-cs"/>
+              </a:rPr>
+              <a:t> </a:t>
+            </a:r>
+            <a:r>
+              <a:rPr lang="en-US" altLang="zh-CN" sz="1200" b="1" kern="1200" dirty="0" smtClean="0">
+                <a:solidFill>
+                  <a:schemeClr val="tx1"/>
+                </a:solidFill>
+                <a:latin typeface="+mn-lt"/>
+                <a:ea typeface="+mn-ea"/>
+                <a:cs typeface="+mn-cs"/>
+              </a:rPr>
+              <a:t>void</a:t>
+            </a:r>
+            <a:r>
+              <a:rPr lang="en-US" altLang="zh-CN" sz="1200" b="0" kern="1200" dirty="0" smtClean="0">
+                <a:solidFill>
+                  <a:schemeClr val="tx1"/>
+                </a:solidFill>
+                <a:latin typeface="+mn-lt"/>
+                <a:ea typeface="+mn-ea"/>
+                <a:cs typeface="+mn-cs"/>
+              </a:rPr>
+              <a:t> </a:t>
+            </a:r>
+            <a:r>
+              <a:rPr lang="en-US" altLang="zh-CN" sz="1200" b="0" kern="1200" dirty="0" err="1" smtClean="0">
+                <a:solidFill>
+                  <a:schemeClr val="tx1"/>
+                </a:solidFill>
+                <a:latin typeface="+mn-lt"/>
+                <a:ea typeface="+mn-ea"/>
+                <a:cs typeface="+mn-cs"/>
+              </a:rPr>
+              <a:t>onReceive</a:t>
+            </a:r>
+            <a:r>
+              <a:rPr lang="en-US" altLang="zh-CN" sz="1200" b="0" kern="1200" dirty="0" smtClean="0">
+                <a:solidFill>
+                  <a:schemeClr val="tx1"/>
+                </a:solidFill>
+                <a:latin typeface="+mn-lt"/>
+                <a:ea typeface="+mn-ea"/>
+                <a:cs typeface="+mn-cs"/>
+              </a:rPr>
+              <a:t>(Context context, Intent intent) {  </a:t>
+            </a:r>
+          </a:p>
+          <a:p>
+            <a:r>
+              <a:rPr lang="en-US" altLang="zh-CN" sz="1200" b="0" kern="1200" dirty="0" smtClean="0">
+                <a:solidFill>
+                  <a:schemeClr val="tx1"/>
+                </a:solidFill>
+                <a:latin typeface="+mn-lt"/>
+                <a:ea typeface="+mn-ea"/>
+                <a:cs typeface="+mn-cs"/>
+              </a:rPr>
+              <a:t>        String </a:t>
+            </a:r>
+            <a:r>
+              <a:rPr lang="en-US" altLang="zh-CN" sz="1200" b="0" kern="1200" dirty="0" err="1" smtClean="0">
+                <a:solidFill>
+                  <a:schemeClr val="tx1"/>
+                </a:solidFill>
+                <a:latin typeface="+mn-lt"/>
+                <a:ea typeface="+mn-ea"/>
+                <a:cs typeface="+mn-cs"/>
+              </a:rPr>
+              <a:t>msg</a:t>
+            </a:r>
+            <a:r>
+              <a:rPr lang="en-US" altLang="zh-CN" sz="1200" b="0" kern="1200" dirty="0" smtClean="0">
+                <a:solidFill>
+                  <a:schemeClr val="tx1"/>
+                </a:solidFill>
+                <a:latin typeface="+mn-lt"/>
+                <a:ea typeface="+mn-ea"/>
+                <a:cs typeface="+mn-cs"/>
+              </a:rPr>
+              <a:t> = </a:t>
+            </a:r>
+            <a:r>
+              <a:rPr lang="en-US" altLang="zh-CN" sz="1200" b="0" kern="1200" dirty="0" err="1" smtClean="0">
+                <a:solidFill>
+                  <a:schemeClr val="tx1"/>
+                </a:solidFill>
+                <a:latin typeface="+mn-lt"/>
+                <a:ea typeface="+mn-ea"/>
+                <a:cs typeface="+mn-cs"/>
+              </a:rPr>
+              <a:t>intent.getStringExtra</a:t>
+            </a:r>
+            <a:r>
+              <a:rPr lang="en-US" altLang="zh-CN" sz="1200" b="0" kern="1200" dirty="0" smtClean="0">
+                <a:solidFill>
+                  <a:schemeClr val="tx1"/>
+                </a:solidFill>
+                <a:latin typeface="+mn-lt"/>
+                <a:ea typeface="+mn-ea"/>
+                <a:cs typeface="+mn-cs"/>
+              </a:rPr>
+              <a:t>("</a:t>
+            </a:r>
+            <a:r>
+              <a:rPr lang="en-US" altLang="zh-CN" sz="1200" b="0" kern="1200" dirty="0" err="1" smtClean="0">
+                <a:solidFill>
+                  <a:schemeClr val="tx1"/>
+                </a:solidFill>
+                <a:latin typeface="+mn-lt"/>
+                <a:ea typeface="+mn-ea"/>
+                <a:cs typeface="+mn-cs"/>
+              </a:rPr>
+              <a:t>msg</a:t>
+            </a:r>
+            <a:r>
+              <a:rPr lang="en-US" altLang="zh-CN" sz="1200" b="0" kern="1200" dirty="0" smtClean="0">
+                <a:solidFill>
+                  <a:schemeClr val="tx1"/>
+                </a:solidFill>
+                <a:latin typeface="+mn-lt"/>
+                <a:ea typeface="+mn-ea"/>
+                <a:cs typeface="+mn-cs"/>
+              </a:rPr>
+              <a:t>");  </a:t>
+            </a:r>
+          </a:p>
+          <a:p>
+            <a:r>
+              <a:rPr lang="pl-PL" altLang="zh-CN" sz="1200" b="0" kern="1200" dirty="0" smtClean="0">
+                <a:solidFill>
+                  <a:schemeClr val="tx1"/>
+                </a:solidFill>
+                <a:latin typeface="+mn-lt"/>
+                <a:ea typeface="+mn-ea"/>
+                <a:cs typeface="+mn-cs"/>
+              </a:rPr>
+              <a:t>        </a:t>
+            </a:r>
+            <a:r>
+              <a:rPr lang="pl-PL" altLang="zh-CN" sz="1200" b="0" kern="1200" dirty="0" err="1" smtClean="0">
+                <a:solidFill>
+                  <a:schemeClr val="tx1"/>
+                </a:solidFill>
+                <a:latin typeface="+mn-lt"/>
+                <a:ea typeface="+mn-ea"/>
+                <a:cs typeface="+mn-cs"/>
+              </a:rPr>
+              <a:t>Log.i</a:t>
+            </a:r>
+            <a:r>
+              <a:rPr lang="pl-PL" altLang="zh-CN" sz="1200" b="0" kern="1200" dirty="0" smtClean="0">
+                <a:solidFill>
+                  <a:schemeClr val="tx1"/>
+                </a:solidFill>
+                <a:latin typeface="+mn-lt"/>
+                <a:ea typeface="+mn-ea"/>
+                <a:cs typeface="+mn-cs"/>
+              </a:rPr>
+              <a:t>(TAG, </a:t>
+            </a:r>
+            <a:r>
+              <a:rPr lang="pl-PL" altLang="zh-CN" sz="1200" b="0" kern="1200" dirty="0" err="1" smtClean="0">
+                <a:solidFill>
+                  <a:schemeClr val="tx1"/>
+                </a:solidFill>
+                <a:latin typeface="+mn-lt"/>
+                <a:ea typeface="+mn-ea"/>
+                <a:cs typeface="+mn-cs"/>
+              </a:rPr>
+              <a:t>msg</a:t>
+            </a:r>
+            <a:r>
+              <a:rPr lang="pl-PL" altLang="zh-CN" sz="1200" b="0" kern="1200" dirty="0" smtClean="0">
+                <a:solidFill>
+                  <a:schemeClr val="tx1"/>
+                </a:solidFill>
+                <a:latin typeface="+mn-lt"/>
+                <a:ea typeface="+mn-ea"/>
+                <a:cs typeface="+mn-cs"/>
+              </a:rPr>
+              <a:t>);  </a:t>
+            </a:r>
+          </a:p>
+          <a:p>
+            <a:r>
+              <a:rPr lang="pl-PL" altLang="zh-CN" sz="1200" b="0" kern="1200" dirty="0" smtClean="0">
+                <a:solidFill>
+                  <a:schemeClr val="tx1"/>
+                </a:solidFill>
+                <a:latin typeface="+mn-lt"/>
+                <a:ea typeface="+mn-ea"/>
+                <a:cs typeface="+mn-cs"/>
+              </a:rPr>
+              <a:t>    }  </a:t>
+            </a:r>
+          </a:p>
+          <a:p>
+            <a:r>
+              <a:rPr lang="pl-PL" altLang="zh-CN" sz="1200" b="0" kern="1200" dirty="0" smtClean="0">
+                <a:solidFill>
+                  <a:schemeClr val="tx1"/>
+                </a:solidFill>
+                <a:latin typeface="+mn-lt"/>
+                <a:ea typeface="+mn-ea"/>
+                <a:cs typeface="+mn-cs"/>
+              </a:rPr>
+              <a:t>}  </a:t>
+            </a:r>
+          </a:p>
+          <a:p>
+            <a:r>
+              <a:rPr kumimoji="1" lang="zh-CN" altLang="en-US" sz="1200" b="0" kern="1200" dirty="0" smtClean="0">
+                <a:solidFill>
+                  <a:schemeClr val="tx1"/>
+                </a:solidFill>
+                <a:latin typeface="+mn-lt"/>
+                <a:ea typeface="+mn-ea"/>
+                <a:cs typeface="+mn-cs"/>
+              </a:rPr>
+              <a:t>在</a:t>
+            </a:r>
+            <a:r>
+              <a:rPr kumimoji="1" lang="en-US" altLang="zh-CN" sz="1200" b="0" kern="1200" dirty="0" err="1" smtClean="0">
+                <a:solidFill>
+                  <a:schemeClr val="tx1"/>
+                </a:solidFill>
+                <a:latin typeface="+mn-lt"/>
+                <a:ea typeface="+mn-ea"/>
+                <a:cs typeface="+mn-cs"/>
+              </a:rPr>
+              <a:t>onReceiver</a:t>
+            </a:r>
+            <a:r>
+              <a:rPr kumimoji="1" lang="zh-CN" altLang="en-US" sz="1200" b="0" kern="1200" dirty="0" smtClean="0">
+                <a:solidFill>
+                  <a:schemeClr val="tx1"/>
+                </a:solidFill>
+                <a:latin typeface="+mn-lt"/>
+                <a:ea typeface="+mn-ea"/>
+                <a:cs typeface="+mn-cs"/>
+              </a:rPr>
+              <a:t>中可以获取随广播而来的</a:t>
+            </a:r>
+            <a:r>
+              <a:rPr kumimoji="1" lang="en-US" altLang="zh-CN" sz="1200" b="0" kern="1200" dirty="0" smtClean="0">
+                <a:solidFill>
+                  <a:schemeClr val="tx1"/>
+                </a:solidFill>
+                <a:latin typeface="+mn-lt"/>
+                <a:ea typeface="+mn-ea"/>
+                <a:cs typeface="+mn-cs"/>
+              </a:rPr>
+              <a:t>Intent</a:t>
+            </a:r>
+            <a:r>
+              <a:rPr kumimoji="1" lang="zh-CN" altLang="en-US" sz="1200" b="0" kern="1200" dirty="0" smtClean="0">
+                <a:solidFill>
+                  <a:schemeClr val="tx1"/>
+                </a:solidFill>
+                <a:latin typeface="+mn-lt"/>
+                <a:ea typeface="+mn-ea"/>
+                <a:cs typeface="+mn-cs"/>
+              </a:rPr>
+              <a:t>中的数据，</a:t>
+            </a:r>
+            <a:r>
+              <a:rPr lang="zh-CN" altLang="en-US" sz="1200" kern="1200" dirty="0" smtClean="0">
+                <a:solidFill>
+                  <a:schemeClr val="tx1"/>
+                </a:solidFill>
+                <a:latin typeface="+mn-lt"/>
+                <a:ea typeface="+mn-ea"/>
+                <a:cs typeface="+mn-cs"/>
+              </a:rPr>
+              <a:t>这非常重要，就像无线电一样，包含很多有用的信息。</a:t>
+            </a:r>
+            <a:endParaRPr lang="en-US" altLang="zh-CN" sz="1200" kern="1200" dirty="0" smtClean="0">
+              <a:solidFill>
+                <a:schemeClr val="tx1"/>
+              </a:solidFill>
+              <a:latin typeface="+mn-lt"/>
+              <a:ea typeface="+mn-ea"/>
+              <a:cs typeface="+mn-cs"/>
+            </a:endParaRPr>
+          </a:p>
+          <a:p>
+            <a:r>
+              <a:rPr lang="zh-CN" altLang="en-US" sz="1200" kern="1200" dirty="0" smtClean="0">
+                <a:solidFill>
+                  <a:schemeClr val="tx1"/>
+                </a:solidFill>
+                <a:latin typeface="+mn-lt"/>
+                <a:ea typeface="+mn-ea"/>
+                <a:cs typeface="+mn-cs"/>
+              </a:rPr>
+              <a:t>在创建完我们的</a:t>
+            </a:r>
+            <a:r>
+              <a:rPr lang="en-US" altLang="zh-CN" sz="1200" kern="1200" dirty="0" err="1" smtClean="0">
+                <a:solidFill>
+                  <a:schemeClr val="tx1"/>
+                </a:solidFill>
+                <a:latin typeface="+mn-lt"/>
+                <a:ea typeface="+mn-ea"/>
+                <a:cs typeface="+mn-cs"/>
+              </a:rPr>
+              <a:t>BroadcastReceiver</a:t>
+            </a:r>
+            <a:r>
+              <a:rPr lang="zh-CN" altLang="en-US" sz="1200" kern="1200" dirty="0" smtClean="0">
+                <a:solidFill>
+                  <a:schemeClr val="tx1"/>
+                </a:solidFill>
+                <a:latin typeface="+mn-lt"/>
+                <a:ea typeface="+mn-ea"/>
+                <a:cs typeface="+mn-cs"/>
+              </a:rPr>
+              <a:t>之后，还不能够使它进入工作状态，我们需要为它注册一个指定的广播地址。没有注册广播地址的</a:t>
+            </a:r>
+            <a:r>
+              <a:rPr lang="en-US" altLang="zh-CN" sz="1200" kern="1200" dirty="0" err="1" smtClean="0">
+                <a:solidFill>
+                  <a:schemeClr val="tx1"/>
+                </a:solidFill>
+                <a:latin typeface="+mn-lt"/>
+                <a:ea typeface="+mn-ea"/>
+                <a:cs typeface="+mn-cs"/>
+              </a:rPr>
+              <a:t>BroadcastReceiver</a:t>
+            </a:r>
+            <a:r>
+              <a:rPr lang="zh-CN" altLang="en-US" sz="1200" kern="1200" dirty="0" smtClean="0">
+                <a:solidFill>
+                  <a:schemeClr val="tx1"/>
+                </a:solidFill>
+                <a:latin typeface="+mn-lt"/>
+                <a:ea typeface="+mn-ea"/>
+                <a:cs typeface="+mn-cs"/>
+              </a:rPr>
+              <a:t>就像一个缺少选台按钮的收音机，虽然功能俱备，但也无法收到电台的信号。</a:t>
+            </a:r>
+            <a:endParaRPr lang="en-US" altLang="zh-CN" sz="1200" kern="1200" dirty="0" smtClean="0">
+              <a:solidFill>
+                <a:schemeClr val="tx1"/>
+              </a:solidFill>
+              <a:latin typeface="+mn-lt"/>
+              <a:ea typeface="+mn-ea"/>
+              <a:cs typeface="+mn-cs"/>
+            </a:endParaRPr>
+          </a:p>
+          <a:p>
+            <a:endParaRPr kumimoji="1" lang="en-US" altLang="zh-CN" sz="1200" kern="1200" dirty="0" smtClean="0">
+              <a:solidFill>
+                <a:schemeClr val="tx1"/>
+              </a:solidFill>
+              <a:latin typeface="+mn-lt"/>
+              <a:ea typeface="+mn-ea"/>
+              <a:cs typeface="+mn-cs"/>
+            </a:endParaRPr>
+          </a:p>
+          <a:p>
+            <a:r>
+              <a:rPr kumimoji="1" lang="zh-CN" altLang="zh-CN" sz="1200" kern="1200" dirty="0" smtClean="0">
+                <a:solidFill>
+                  <a:schemeClr val="tx1"/>
+                </a:solidFill>
+                <a:latin typeface="+mn-lt"/>
+                <a:ea typeface="+mn-ea"/>
+                <a:cs typeface="+mn-cs"/>
+              </a:rPr>
+              <a:t>2</a:t>
+            </a:r>
+            <a:r>
+              <a:rPr kumimoji="1" lang="en-US" altLang="zh-CN" sz="1200" kern="1200" dirty="0" smtClean="0">
+                <a:solidFill>
+                  <a:schemeClr val="tx1"/>
+                </a:solidFill>
+                <a:latin typeface="+mn-lt"/>
+                <a:ea typeface="+mn-ea"/>
+                <a:cs typeface="+mn-cs"/>
+              </a:rPr>
+              <a:t>.</a:t>
+            </a:r>
+            <a:r>
+              <a:rPr kumimoji="1" lang="zh-CN" altLang="en-US" sz="1200" kern="1200" dirty="0" smtClean="0">
+                <a:solidFill>
+                  <a:schemeClr val="tx1"/>
+                </a:solidFill>
+                <a:latin typeface="+mn-lt"/>
+                <a:ea typeface="+mn-ea"/>
+                <a:cs typeface="+mn-cs"/>
+              </a:rPr>
+              <a:t>静态注册广播</a:t>
+            </a:r>
+            <a:endParaRPr kumimoji="1" lang="en-US" altLang="zh-CN" sz="1200" kern="1200" dirty="0" smtClean="0">
+              <a:solidFill>
+                <a:schemeClr val="tx1"/>
+              </a:solidFill>
+              <a:latin typeface="+mn-lt"/>
+              <a:ea typeface="+mn-ea"/>
+              <a:cs typeface="+mn-cs"/>
+            </a:endParaRPr>
+          </a:p>
+          <a:p>
+            <a:r>
+              <a:rPr lang="en-US" altLang="zh-CN" sz="1200" b="1" kern="1200" dirty="0" smtClean="0">
+                <a:solidFill>
+                  <a:schemeClr val="tx1"/>
+                </a:solidFill>
+                <a:latin typeface="+mn-lt"/>
+                <a:ea typeface="+mn-ea"/>
+                <a:cs typeface="+mn-cs"/>
+              </a:rPr>
+              <a:t>&lt;receiver</a:t>
+            </a:r>
+            <a:r>
+              <a:rPr lang="en-US" altLang="zh-CN" sz="1200" b="0" kern="1200" dirty="0" smtClean="0">
+                <a:solidFill>
+                  <a:schemeClr val="tx1"/>
+                </a:solidFill>
+                <a:latin typeface="+mn-lt"/>
+                <a:ea typeface="+mn-ea"/>
+                <a:cs typeface="+mn-cs"/>
+              </a:rPr>
+              <a:t> </a:t>
+            </a:r>
+            <a:r>
+              <a:rPr lang="en-US" altLang="zh-CN" sz="1200" b="0" kern="1200" dirty="0" err="1" smtClean="0">
+                <a:solidFill>
+                  <a:schemeClr val="tx1"/>
+                </a:solidFill>
+                <a:latin typeface="+mn-lt"/>
+                <a:ea typeface="+mn-ea"/>
+                <a:cs typeface="+mn-cs"/>
+              </a:rPr>
+              <a:t>android:name</a:t>
+            </a:r>
+            <a:r>
+              <a:rPr lang="en-US" altLang="zh-CN" sz="1200" b="0" kern="1200" dirty="0" smtClean="0">
+                <a:solidFill>
+                  <a:schemeClr val="tx1"/>
+                </a:solidFill>
+                <a:latin typeface="+mn-lt"/>
+                <a:ea typeface="+mn-ea"/>
+                <a:cs typeface="+mn-cs"/>
+              </a:rPr>
+              <a:t>=".</a:t>
+            </a:r>
+            <a:r>
+              <a:rPr lang="en-US" altLang="zh-CN" sz="1200" b="0" kern="1200" dirty="0" err="1" smtClean="0">
+                <a:solidFill>
+                  <a:schemeClr val="tx1"/>
+                </a:solidFill>
+                <a:latin typeface="+mn-lt"/>
+                <a:ea typeface="+mn-ea"/>
+                <a:cs typeface="+mn-cs"/>
+              </a:rPr>
+              <a:t>MyReceiver</a:t>
+            </a:r>
+            <a:r>
+              <a:rPr lang="en-US" altLang="zh-CN" sz="1200" b="0" kern="1200" dirty="0" smtClean="0">
+                <a:solidFill>
+                  <a:schemeClr val="tx1"/>
+                </a:solidFill>
+                <a:latin typeface="+mn-lt"/>
+                <a:ea typeface="+mn-ea"/>
+                <a:cs typeface="+mn-cs"/>
+              </a:rPr>
+              <a:t>"</a:t>
+            </a:r>
+            <a:r>
+              <a:rPr lang="en-US" altLang="zh-CN" sz="1200" b="1" kern="1200" dirty="0" smtClean="0">
+                <a:solidFill>
+                  <a:schemeClr val="tx1"/>
+                </a:solidFill>
+                <a:latin typeface="+mn-lt"/>
+                <a:ea typeface="+mn-ea"/>
+                <a:cs typeface="+mn-cs"/>
+              </a:rPr>
+              <a:t>&gt;</a:t>
+            </a:r>
+            <a:r>
+              <a:rPr lang="en-US" altLang="zh-CN" sz="1200" b="0" kern="1200" dirty="0" smtClean="0">
+                <a:solidFill>
+                  <a:schemeClr val="tx1"/>
+                </a:solidFill>
+                <a:latin typeface="+mn-lt"/>
+                <a:ea typeface="+mn-ea"/>
+                <a:cs typeface="+mn-cs"/>
+              </a:rPr>
+              <a:t>  </a:t>
+            </a:r>
+          </a:p>
+          <a:p>
+            <a:r>
+              <a:rPr lang="en-US" altLang="zh-CN" sz="1200" b="0" kern="1200" dirty="0" smtClean="0">
+                <a:solidFill>
+                  <a:schemeClr val="tx1"/>
+                </a:solidFill>
+                <a:latin typeface="+mn-lt"/>
+                <a:ea typeface="+mn-ea"/>
+                <a:cs typeface="+mn-cs"/>
+              </a:rPr>
+              <a:t>  </a:t>
+            </a:r>
+            <a:r>
+              <a:rPr lang="en-US" altLang="zh-CN" sz="1200" b="1" kern="1200" dirty="0" smtClean="0">
+                <a:solidFill>
+                  <a:schemeClr val="tx1"/>
+                </a:solidFill>
+                <a:latin typeface="+mn-lt"/>
+                <a:ea typeface="+mn-ea"/>
+                <a:cs typeface="+mn-cs"/>
+              </a:rPr>
+              <a:t>&lt;intent-filter&gt;</a:t>
+            </a:r>
+            <a:r>
+              <a:rPr lang="en-US" altLang="zh-CN" sz="1200" b="0" kern="1200" dirty="0" smtClean="0">
+                <a:solidFill>
+                  <a:schemeClr val="tx1"/>
+                </a:solidFill>
+                <a:latin typeface="+mn-lt"/>
+                <a:ea typeface="+mn-ea"/>
+                <a:cs typeface="+mn-cs"/>
+              </a:rPr>
+              <a:t>  </a:t>
+            </a:r>
+          </a:p>
+          <a:p>
+            <a:r>
+              <a:rPr lang="en-US" altLang="zh-CN" sz="1200" b="0" kern="1200" dirty="0" smtClean="0">
+                <a:solidFill>
+                  <a:schemeClr val="tx1"/>
+                </a:solidFill>
+                <a:latin typeface="+mn-lt"/>
+                <a:ea typeface="+mn-ea"/>
+                <a:cs typeface="+mn-cs"/>
+              </a:rPr>
+              <a:t>     </a:t>
+            </a:r>
+            <a:r>
+              <a:rPr lang="en-US" altLang="zh-CN" sz="1200" b="1" kern="1200" dirty="0" smtClean="0">
+                <a:solidFill>
+                  <a:schemeClr val="tx1"/>
+                </a:solidFill>
+                <a:latin typeface="+mn-lt"/>
+                <a:ea typeface="+mn-ea"/>
+                <a:cs typeface="+mn-cs"/>
+              </a:rPr>
+              <a:t>&lt;action</a:t>
+            </a:r>
+            <a:r>
+              <a:rPr lang="en-US" altLang="zh-CN" sz="1200" b="0" kern="1200" dirty="0" smtClean="0">
+                <a:solidFill>
+                  <a:schemeClr val="tx1"/>
+                </a:solidFill>
+                <a:latin typeface="+mn-lt"/>
+                <a:ea typeface="+mn-ea"/>
+                <a:cs typeface="+mn-cs"/>
+              </a:rPr>
+              <a:t> </a:t>
+            </a:r>
+            <a:r>
+              <a:rPr lang="en-US" altLang="zh-CN" sz="1200" b="0" kern="1200" dirty="0" err="1" smtClean="0">
+                <a:solidFill>
+                  <a:schemeClr val="tx1"/>
+                </a:solidFill>
+                <a:latin typeface="+mn-lt"/>
+                <a:ea typeface="+mn-ea"/>
+                <a:cs typeface="+mn-cs"/>
+              </a:rPr>
+              <a:t>android:name</a:t>
+            </a:r>
+            <a:r>
+              <a:rPr lang="en-US" altLang="zh-CN" sz="1200" b="0" kern="1200" dirty="0" smtClean="0">
+                <a:solidFill>
+                  <a:schemeClr val="tx1"/>
+                </a:solidFill>
+                <a:latin typeface="+mn-lt"/>
+                <a:ea typeface="+mn-ea"/>
+                <a:cs typeface="+mn-cs"/>
+              </a:rPr>
+              <a:t>="</a:t>
+            </a:r>
+            <a:r>
+              <a:rPr lang="en-US" altLang="zh-CN" sz="1200" b="0" kern="1200" dirty="0" err="1" smtClean="0">
+                <a:solidFill>
+                  <a:schemeClr val="tx1"/>
+                </a:solidFill>
+                <a:latin typeface="+mn-lt"/>
+                <a:ea typeface="+mn-ea"/>
+                <a:cs typeface="+mn-cs"/>
+              </a:rPr>
+              <a:t>android.intent.action.MY_BROADCAST</a:t>
+            </a:r>
+            <a:r>
+              <a:rPr lang="en-US" altLang="zh-CN" sz="1200" b="0" kern="1200" dirty="0" smtClean="0">
+                <a:solidFill>
+                  <a:schemeClr val="tx1"/>
+                </a:solidFill>
+                <a:latin typeface="+mn-lt"/>
+                <a:ea typeface="+mn-ea"/>
+                <a:cs typeface="+mn-cs"/>
+              </a:rPr>
+              <a:t>"</a:t>
+            </a:r>
+            <a:r>
+              <a:rPr lang="en-US" altLang="zh-CN" sz="1200" b="1" kern="1200" dirty="0" smtClean="0">
+                <a:solidFill>
+                  <a:schemeClr val="tx1"/>
+                </a:solidFill>
+                <a:latin typeface="+mn-lt"/>
+                <a:ea typeface="+mn-ea"/>
+                <a:cs typeface="+mn-cs"/>
+              </a:rPr>
+              <a:t>/&gt;</a:t>
+            </a:r>
+            <a:r>
+              <a:rPr lang="en-US" altLang="zh-CN" sz="1200" b="0" kern="1200" dirty="0" smtClean="0">
+                <a:solidFill>
+                  <a:schemeClr val="tx1"/>
+                </a:solidFill>
+                <a:latin typeface="+mn-lt"/>
+                <a:ea typeface="+mn-ea"/>
+                <a:cs typeface="+mn-cs"/>
+              </a:rPr>
+              <a:t>  </a:t>
+            </a:r>
+          </a:p>
+          <a:p>
+            <a:r>
+              <a:rPr lang="en-US" altLang="zh-CN" sz="1200" b="0" kern="1200" dirty="0" smtClean="0">
+                <a:solidFill>
+                  <a:schemeClr val="tx1"/>
+                </a:solidFill>
+                <a:latin typeface="+mn-lt"/>
+                <a:ea typeface="+mn-ea"/>
+                <a:cs typeface="+mn-cs"/>
+              </a:rPr>
+              <a:t>     </a:t>
+            </a:r>
+            <a:r>
+              <a:rPr lang="en-US" altLang="zh-CN" sz="1200" b="1" kern="1200" dirty="0" smtClean="0">
+                <a:solidFill>
+                  <a:schemeClr val="tx1"/>
+                </a:solidFill>
+                <a:latin typeface="+mn-lt"/>
+                <a:ea typeface="+mn-ea"/>
+                <a:cs typeface="+mn-cs"/>
+              </a:rPr>
+              <a:t>&lt;category</a:t>
+            </a:r>
+            <a:r>
+              <a:rPr lang="en-US" altLang="zh-CN" sz="1200" b="0" kern="1200" dirty="0" smtClean="0">
+                <a:solidFill>
+                  <a:schemeClr val="tx1"/>
+                </a:solidFill>
+                <a:latin typeface="+mn-lt"/>
+                <a:ea typeface="+mn-ea"/>
+                <a:cs typeface="+mn-cs"/>
+              </a:rPr>
+              <a:t> </a:t>
+            </a:r>
+            <a:r>
+              <a:rPr lang="en-US" altLang="zh-CN" sz="1200" b="0" kern="1200" dirty="0" err="1" smtClean="0">
+                <a:solidFill>
+                  <a:schemeClr val="tx1"/>
+                </a:solidFill>
+                <a:latin typeface="+mn-lt"/>
+                <a:ea typeface="+mn-ea"/>
+                <a:cs typeface="+mn-cs"/>
+              </a:rPr>
+              <a:t>android:name</a:t>
+            </a:r>
+            <a:r>
+              <a:rPr lang="en-US" altLang="zh-CN" sz="1200" b="0" kern="1200" dirty="0" smtClean="0">
+                <a:solidFill>
+                  <a:schemeClr val="tx1"/>
+                </a:solidFill>
+                <a:latin typeface="+mn-lt"/>
+                <a:ea typeface="+mn-ea"/>
+                <a:cs typeface="+mn-cs"/>
+              </a:rPr>
+              <a:t>="</a:t>
+            </a:r>
+            <a:r>
+              <a:rPr lang="en-US" altLang="zh-CN" sz="1200" b="0" kern="1200" dirty="0" err="1" smtClean="0">
+                <a:solidFill>
+                  <a:schemeClr val="tx1"/>
+                </a:solidFill>
+                <a:latin typeface="+mn-lt"/>
+                <a:ea typeface="+mn-ea"/>
+                <a:cs typeface="+mn-cs"/>
+              </a:rPr>
+              <a:t>android.intent.category.DEFAULT</a:t>
+            </a:r>
+            <a:r>
+              <a:rPr lang="en-US" altLang="zh-CN" sz="1200" b="0" kern="1200" dirty="0" smtClean="0">
+                <a:solidFill>
+                  <a:schemeClr val="tx1"/>
+                </a:solidFill>
+                <a:latin typeface="+mn-lt"/>
+                <a:ea typeface="+mn-ea"/>
+                <a:cs typeface="+mn-cs"/>
+              </a:rPr>
+              <a:t>" </a:t>
+            </a:r>
+            <a:r>
+              <a:rPr lang="en-US" altLang="zh-CN" sz="1200" b="1" kern="1200" dirty="0" smtClean="0">
+                <a:solidFill>
+                  <a:schemeClr val="tx1"/>
+                </a:solidFill>
+                <a:latin typeface="+mn-lt"/>
+                <a:ea typeface="+mn-ea"/>
+                <a:cs typeface="+mn-cs"/>
+              </a:rPr>
+              <a:t>/&gt;</a:t>
+            </a:r>
+            <a:r>
+              <a:rPr lang="en-US" altLang="zh-CN" sz="1200" b="0" kern="1200" dirty="0" smtClean="0">
+                <a:solidFill>
+                  <a:schemeClr val="tx1"/>
+                </a:solidFill>
+                <a:latin typeface="+mn-lt"/>
+                <a:ea typeface="+mn-ea"/>
+                <a:cs typeface="+mn-cs"/>
+              </a:rPr>
+              <a:t>  </a:t>
+            </a:r>
+          </a:p>
+          <a:p>
+            <a:r>
+              <a:rPr lang="en-US" altLang="zh-CN" sz="1200" b="0" kern="1200" dirty="0" smtClean="0">
+                <a:solidFill>
+                  <a:schemeClr val="tx1"/>
+                </a:solidFill>
+                <a:latin typeface="+mn-lt"/>
+                <a:ea typeface="+mn-ea"/>
+                <a:cs typeface="+mn-cs"/>
+              </a:rPr>
+              <a:t>  </a:t>
+            </a:r>
+            <a:r>
+              <a:rPr lang="en-US" altLang="zh-CN" sz="1200" b="1" kern="1200" dirty="0" smtClean="0">
+                <a:solidFill>
+                  <a:schemeClr val="tx1"/>
+                </a:solidFill>
+                <a:latin typeface="+mn-lt"/>
+                <a:ea typeface="+mn-ea"/>
+                <a:cs typeface="+mn-cs"/>
+              </a:rPr>
+              <a:t>&lt;/intent-filter&gt;</a:t>
+            </a:r>
+            <a:r>
+              <a:rPr lang="en-US" altLang="zh-CN" sz="1200" b="0" kern="1200" dirty="0" smtClean="0">
+                <a:solidFill>
+                  <a:schemeClr val="tx1"/>
+                </a:solidFill>
+                <a:latin typeface="+mn-lt"/>
+                <a:ea typeface="+mn-ea"/>
+                <a:cs typeface="+mn-cs"/>
+              </a:rPr>
+              <a:t>  </a:t>
+            </a:r>
+          </a:p>
+          <a:p>
+            <a:r>
+              <a:rPr lang="en-US" altLang="zh-CN" sz="1200" b="1" kern="1200" dirty="0" smtClean="0">
+                <a:solidFill>
+                  <a:schemeClr val="tx1"/>
+                </a:solidFill>
+                <a:latin typeface="+mn-lt"/>
+                <a:ea typeface="+mn-ea"/>
+                <a:cs typeface="+mn-cs"/>
+              </a:rPr>
+              <a:t>&lt;/receiver&gt;</a:t>
+            </a:r>
+            <a:r>
+              <a:rPr lang="en-US" altLang="zh-CN" sz="1200" b="0" kern="1200" dirty="0" smtClean="0">
+                <a:solidFill>
+                  <a:schemeClr val="tx1"/>
+                </a:solidFill>
+                <a:latin typeface="+mn-lt"/>
+                <a:ea typeface="+mn-ea"/>
+                <a:cs typeface="+mn-cs"/>
+              </a:rPr>
+              <a:t>  </a:t>
+            </a:r>
+          </a:p>
+          <a:p>
+            <a:r>
+              <a:rPr lang="zh-CN" altLang="en-US" sz="1200" kern="1200" dirty="0" smtClean="0">
+                <a:solidFill>
+                  <a:schemeClr val="tx1"/>
+                </a:solidFill>
+                <a:latin typeface="+mn-lt"/>
+                <a:ea typeface="+mn-ea"/>
+                <a:cs typeface="+mn-cs"/>
+              </a:rPr>
+              <a:t>配置了以上信息之后，只要是</a:t>
+            </a:r>
+            <a:r>
+              <a:rPr lang="en-US" altLang="zh-CN" sz="1200" kern="1200" dirty="0" err="1" smtClean="0">
+                <a:solidFill>
+                  <a:schemeClr val="tx1"/>
+                </a:solidFill>
+                <a:latin typeface="+mn-lt"/>
+                <a:ea typeface="+mn-ea"/>
+                <a:cs typeface="+mn-cs"/>
+              </a:rPr>
+              <a:t>android.intent.action.MY_BROADCAST</a:t>
+            </a:r>
+            <a:r>
+              <a:rPr lang="zh-CN" altLang="en-US" sz="1200" kern="1200" dirty="0" smtClean="0">
+                <a:solidFill>
+                  <a:schemeClr val="tx1"/>
+                </a:solidFill>
+                <a:latin typeface="+mn-lt"/>
+                <a:ea typeface="+mn-ea"/>
+                <a:cs typeface="+mn-cs"/>
+              </a:rPr>
+              <a:t>这个地址的广播，</a:t>
+            </a:r>
+            <a:r>
+              <a:rPr lang="en-US" altLang="zh-CN" sz="1200" kern="1200" dirty="0" err="1" smtClean="0">
+                <a:solidFill>
+                  <a:schemeClr val="tx1"/>
+                </a:solidFill>
+                <a:latin typeface="+mn-lt"/>
+                <a:ea typeface="+mn-ea"/>
+                <a:cs typeface="+mn-cs"/>
+              </a:rPr>
+              <a:t>MyReceiver</a:t>
+            </a:r>
+            <a:r>
+              <a:rPr lang="zh-CN" altLang="en-US" sz="1200" kern="1200" dirty="0" smtClean="0">
+                <a:solidFill>
+                  <a:schemeClr val="tx1"/>
+                </a:solidFill>
+                <a:latin typeface="+mn-lt"/>
+                <a:ea typeface="+mn-ea"/>
+                <a:cs typeface="+mn-cs"/>
+              </a:rPr>
+              <a:t>都能够接收的到。注意，这种方式的注册是常驻型的，也就是说当应用关闭后，如果有广播信息传来，</a:t>
+            </a:r>
+            <a:r>
+              <a:rPr lang="en-US" altLang="zh-CN" sz="1200" kern="1200" dirty="0" err="1" smtClean="0">
+                <a:solidFill>
+                  <a:schemeClr val="tx1"/>
+                </a:solidFill>
+                <a:latin typeface="+mn-lt"/>
+                <a:ea typeface="+mn-ea"/>
+                <a:cs typeface="+mn-cs"/>
+              </a:rPr>
+              <a:t>MyReceiver</a:t>
+            </a:r>
+            <a:r>
+              <a:rPr lang="zh-CN" altLang="en-US" sz="1200" kern="1200" dirty="0" smtClean="0">
+                <a:solidFill>
+                  <a:schemeClr val="tx1"/>
+                </a:solidFill>
+                <a:latin typeface="+mn-lt"/>
+                <a:ea typeface="+mn-ea"/>
+                <a:cs typeface="+mn-cs"/>
+              </a:rPr>
+              <a:t>也会被系统调用而自动运行。</a:t>
+            </a:r>
+            <a:endParaRPr lang="en-US" altLang="zh-CN" sz="1200" kern="1200" dirty="0" smtClean="0">
+              <a:solidFill>
+                <a:schemeClr val="tx1"/>
+              </a:solidFill>
+              <a:latin typeface="+mn-lt"/>
+              <a:ea typeface="+mn-ea"/>
+              <a:cs typeface="+mn-cs"/>
+            </a:endParaRPr>
+          </a:p>
+          <a:p>
+            <a:endParaRPr kumimoji="1" lang="en-US" altLang="zh-CN" sz="1200" kern="1200" dirty="0" smtClean="0">
+              <a:solidFill>
+                <a:schemeClr val="tx1"/>
+              </a:solidFill>
+              <a:latin typeface="+mn-lt"/>
+              <a:ea typeface="+mn-ea"/>
+              <a:cs typeface="+mn-cs"/>
+            </a:endParaRPr>
+          </a:p>
+          <a:p>
+            <a:r>
+              <a:rPr kumimoji="1" lang="zh-CN" altLang="zh-CN" sz="1200" kern="1200" dirty="0" smtClean="0">
+                <a:solidFill>
+                  <a:schemeClr val="tx1"/>
+                </a:solidFill>
+                <a:latin typeface="+mn-lt"/>
+                <a:ea typeface="+mn-ea"/>
+                <a:cs typeface="+mn-cs"/>
+              </a:rPr>
+              <a:t>3</a:t>
+            </a:r>
+            <a:r>
+              <a:rPr kumimoji="1" lang="en-US" altLang="zh-CN" sz="1200" kern="1200" dirty="0" smtClean="0">
+                <a:solidFill>
+                  <a:schemeClr val="tx1"/>
+                </a:solidFill>
+                <a:latin typeface="+mn-lt"/>
+                <a:ea typeface="+mn-ea"/>
+                <a:cs typeface="+mn-cs"/>
+              </a:rPr>
+              <a:t>.</a:t>
+            </a:r>
+            <a:r>
+              <a:rPr kumimoji="1" lang="zh-CN" altLang="en-US" sz="1200" kern="1200" dirty="0" smtClean="0">
+                <a:solidFill>
+                  <a:schemeClr val="tx1"/>
+                </a:solidFill>
+                <a:latin typeface="+mn-lt"/>
+                <a:ea typeface="+mn-ea"/>
+                <a:cs typeface="+mn-cs"/>
+              </a:rPr>
+              <a:t>动态注册广播 </a:t>
+            </a:r>
+            <a:r>
+              <a:rPr kumimoji="1" lang="en-US" altLang="zh-CN" sz="1200" kern="1200" dirty="0" smtClean="0">
+                <a:solidFill>
+                  <a:schemeClr val="tx1"/>
+                </a:solidFill>
+                <a:latin typeface="+mn-lt"/>
+                <a:ea typeface="+mn-ea"/>
+                <a:cs typeface="+mn-cs"/>
+              </a:rPr>
+              <a:t>(</a:t>
+            </a:r>
+            <a:r>
+              <a:rPr kumimoji="1" lang="zh-CN" altLang="en-US" sz="1200" kern="1200" dirty="0" smtClean="0">
+                <a:solidFill>
+                  <a:schemeClr val="tx1"/>
+                </a:solidFill>
+                <a:latin typeface="+mn-lt"/>
+                <a:ea typeface="+mn-ea"/>
+                <a:cs typeface="+mn-cs"/>
+              </a:rPr>
+              <a:t>注册了广播，就必须需要注销注册，否则会报错</a:t>
+            </a:r>
+            <a:r>
+              <a:rPr kumimoji="1" lang="en-US" altLang="zh-CN" sz="1200" kern="1200" dirty="0" smtClean="0">
+                <a:solidFill>
+                  <a:schemeClr val="tx1"/>
+                </a:solidFill>
+                <a:latin typeface="+mn-lt"/>
+                <a:ea typeface="+mn-ea"/>
+                <a:cs typeface="+mn-cs"/>
+              </a:rPr>
+              <a:t>)</a:t>
+            </a:r>
+          </a:p>
+          <a:p>
+            <a:r>
+              <a:rPr lang="en-US" altLang="zh-CN" sz="1200" kern="1200" dirty="0" err="1" smtClean="0">
+                <a:solidFill>
+                  <a:schemeClr val="tx1"/>
+                </a:solidFill>
+                <a:latin typeface="+mn-lt"/>
+                <a:ea typeface="+mn-ea"/>
+                <a:cs typeface="+mn-cs"/>
+              </a:rPr>
+              <a:t>MyReceiver</a:t>
+            </a:r>
+            <a:r>
+              <a:rPr lang="en-US" altLang="zh-CN" sz="1200" kern="1200" dirty="0" smtClean="0">
+                <a:solidFill>
+                  <a:schemeClr val="tx1"/>
+                </a:solidFill>
+                <a:latin typeface="+mn-lt"/>
+                <a:ea typeface="+mn-ea"/>
+                <a:cs typeface="+mn-cs"/>
+              </a:rPr>
+              <a:t> receiver = </a:t>
+            </a:r>
+            <a:r>
+              <a:rPr lang="en-US" altLang="zh-CN" sz="1200" b="1" kern="1200" dirty="0" smtClean="0">
+                <a:solidFill>
+                  <a:schemeClr val="tx1"/>
+                </a:solidFill>
+                <a:latin typeface="+mn-lt"/>
+                <a:ea typeface="+mn-ea"/>
+                <a:cs typeface="+mn-cs"/>
+              </a:rPr>
+              <a:t>new</a:t>
+            </a:r>
+            <a:r>
+              <a:rPr lang="en-US" altLang="zh-CN" sz="1200" b="0" kern="1200" dirty="0" smtClean="0">
+                <a:solidFill>
+                  <a:schemeClr val="tx1"/>
+                </a:solidFill>
+                <a:latin typeface="+mn-lt"/>
+                <a:ea typeface="+mn-ea"/>
+                <a:cs typeface="+mn-cs"/>
+              </a:rPr>
+              <a:t> </a:t>
+            </a:r>
+            <a:r>
+              <a:rPr lang="en-US" altLang="zh-CN" sz="1200" b="0" kern="1200" dirty="0" err="1" smtClean="0">
+                <a:solidFill>
+                  <a:schemeClr val="tx1"/>
+                </a:solidFill>
+                <a:latin typeface="+mn-lt"/>
+                <a:ea typeface="+mn-ea"/>
+                <a:cs typeface="+mn-cs"/>
+              </a:rPr>
+              <a:t>MyReceiver</a:t>
+            </a:r>
+            <a:r>
+              <a:rPr lang="en-US" altLang="zh-CN" sz="1200" b="0" kern="1200" dirty="0" smtClean="0">
+                <a:solidFill>
+                  <a:schemeClr val="tx1"/>
+                </a:solidFill>
+                <a:latin typeface="+mn-lt"/>
+                <a:ea typeface="+mn-ea"/>
+                <a:cs typeface="+mn-cs"/>
+              </a:rPr>
+              <a:t>();       </a:t>
+            </a:r>
+          </a:p>
+          <a:p>
+            <a:r>
+              <a:rPr lang="en-US" altLang="zh-CN" sz="1200" b="0" kern="1200" dirty="0" err="1" smtClean="0">
+                <a:solidFill>
+                  <a:schemeClr val="tx1"/>
+                </a:solidFill>
+                <a:latin typeface="+mn-lt"/>
+                <a:ea typeface="+mn-ea"/>
+                <a:cs typeface="+mn-cs"/>
+              </a:rPr>
+              <a:t>IntentFilter</a:t>
+            </a:r>
+            <a:r>
+              <a:rPr lang="en-US" altLang="zh-CN" sz="1200" b="0" kern="1200" dirty="0" smtClean="0">
+                <a:solidFill>
+                  <a:schemeClr val="tx1"/>
+                </a:solidFill>
+                <a:latin typeface="+mn-lt"/>
+                <a:ea typeface="+mn-ea"/>
+                <a:cs typeface="+mn-cs"/>
+              </a:rPr>
+              <a:t> filter = </a:t>
+            </a:r>
+            <a:r>
+              <a:rPr lang="en-US" altLang="zh-CN" sz="1200" b="1" kern="1200" dirty="0" smtClean="0">
+                <a:solidFill>
+                  <a:schemeClr val="tx1"/>
+                </a:solidFill>
+                <a:latin typeface="+mn-lt"/>
+                <a:ea typeface="+mn-ea"/>
+                <a:cs typeface="+mn-cs"/>
+              </a:rPr>
+              <a:t>new</a:t>
+            </a:r>
+            <a:r>
+              <a:rPr lang="en-US" altLang="zh-CN" sz="1200" b="0" kern="1200" dirty="0" smtClean="0">
+                <a:solidFill>
+                  <a:schemeClr val="tx1"/>
+                </a:solidFill>
+                <a:latin typeface="+mn-lt"/>
+                <a:ea typeface="+mn-ea"/>
+                <a:cs typeface="+mn-cs"/>
+              </a:rPr>
+              <a:t> </a:t>
+            </a:r>
+            <a:r>
+              <a:rPr lang="en-US" altLang="zh-CN" sz="1200" b="0" kern="1200" dirty="0" err="1" smtClean="0">
+                <a:solidFill>
+                  <a:schemeClr val="tx1"/>
+                </a:solidFill>
+                <a:latin typeface="+mn-lt"/>
+                <a:ea typeface="+mn-ea"/>
+                <a:cs typeface="+mn-cs"/>
+              </a:rPr>
+              <a:t>IntentFilter</a:t>
+            </a:r>
+            <a:r>
+              <a:rPr lang="en-US" altLang="zh-CN" sz="1200" b="0" kern="1200" dirty="0" smtClean="0">
+                <a:solidFill>
+                  <a:schemeClr val="tx1"/>
+                </a:solidFill>
+                <a:latin typeface="+mn-lt"/>
+                <a:ea typeface="+mn-ea"/>
+                <a:cs typeface="+mn-cs"/>
+              </a:rPr>
+              <a:t>();  </a:t>
+            </a:r>
+          </a:p>
+          <a:p>
+            <a:r>
+              <a:rPr lang="en-US" altLang="zh-CN" sz="1200" b="0" kern="1200" dirty="0" err="1" smtClean="0">
+                <a:solidFill>
+                  <a:schemeClr val="tx1"/>
+                </a:solidFill>
+                <a:latin typeface="+mn-lt"/>
+                <a:ea typeface="+mn-ea"/>
+                <a:cs typeface="+mn-cs"/>
+              </a:rPr>
+              <a:t>filter.addAction</a:t>
+            </a:r>
+            <a:r>
+              <a:rPr lang="en-US" altLang="zh-CN" sz="1200" b="0" kern="1200" dirty="0" smtClean="0">
+                <a:solidFill>
+                  <a:schemeClr val="tx1"/>
+                </a:solidFill>
+                <a:latin typeface="+mn-lt"/>
+                <a:ea typeface="+mn-ea"/>
+                <a:cs typeface="+mn-cs"/>
+              </a:rPr>
+              <a:t>("</a:t>
+            </a:r>
+            <a:r>
+              <a:rPr lang="en-US" altLang="zh-CN" sz="1200" b="0" kern="1200" dirty="0" err="1" smtClean="0">
+                <a:solidFill>
+                  <a:schemeClr val="tx1"/>
+                </a:solidFill>
+                <a:latin typeface="+mn-lt"/>
+                <a:ea typeface="+mn-ea"/>
+                <a:cs typeface="+mn-cs"/>
+              </a:rPr>
+              <a:t>android.intent.action.MY_BROADCAST</a:t>
+            </a:r>
+            <a:r>
+              <a:rPr lang="en-US" altLang="zh-CN" sz="1200" b="0" kern="1200" dirty="0" smtClean="0">
+                <a:solidFill>
+                  <a:schemeClr val="tx1"/>
+                </a:solidFill>
+                <a:latin typeface="+mn-lt"/>
+                <a:ea typeface="+mn-ea"/>
+                <a:cs typeface="+mn-cs"/>
+              </a:rPr>
+              <a:t>");    </a:t>
+            </a:r>
+          </a:p>
+          <a:p>
+            <a:r>
+              <a:rPr lang="en-US" altLang="zh-CN" sz="1200" b="0" kern="1200" dirty="0" err="1" smtClean="0">
+                <a:solidFill>
+                  <a:schemeClr val="tx1"/>
+                </a:solidFill>
+                <a:latin typeface="+mn-lt"/>
+                <a:ea typeface="+mn-ea"/>
+                <a:cs typeface="+mn-cs"/>
+              </a:rPr>
+              <a:t>registerReceiver</a:t>
+            </a:r>
+            <a:r>
+              <a:rPr lang="en-US" altLang="zh-CN" sz="1200" b="0" kern="1200" dirty="0" smtClean="0">
+                <a:solidFill>
+                  <a:schemeClr val="tx1"/>
+                </a:solidFill>
+                <a:latin typeface="+mn-lt"/>
+                <a:ea typeface="+mn-ea"/>
+                <a:cs typeface="+mn-cs"/>
+              </a:rPr>
+              <a:t>(receiver, filter);  </a:t>
+            </a:r>
+          </a:p>
+          <a:p>
+            <a:endParaRPr kumimoji="1" lang="en-US" altLang="zh-CN" sz="1200" b="0" kern="1200" dirty="0" smtClean="0">
+              <a:solidFill>
+                <a:schemeClr val="tx1"/>
+              </a:solidFill>
+              <a:latin typeface="+mn-lt"/>
+              <a:ea typeface="+mn-ea"/>
+              <a:cs typeface="+mn-cs"/>
+            </a:endParaRPr>
+          </a:p>
+          <a:p>
+            <a:r>
+              <a:rPr lang="zh-CN" altLang="en-US" sz="1200" kern="1200" dirty="0" smtClean="0">
+                <a:solidFill>
+                  <a:schemeClr val="tx1"/>
+                </a:solidFill>
+                <a:latin typeface="+mn-lt"/>
+                <a:ea typeface="+mn-ea"/>
+                <a:cs typeface="+mn-cs"/>
+              </a:rPr>
+              <a:t>在实际应用中，我们在</a:t>
+            </a:r>
+            <a:r>
+              <a:rPr lang="en-US" altLang="zh-CN" sz="1200" kern="1200" dirty="0" smtClean="0">
+                <a:solidFill>
+                  <a:schemeClr val="tx1"/>
+                </a:solidFill>
+                <a:latin typeface="+mn-lt"/>
+                <a:ea typeface="+mn-ea"/>
+                <a:cs typeface="+mn-cs"/>
+              </a:rPr>
+              <a:t>Activity</a:t>
+            </a:r>
+            <a:r>
+              <a:rPr lang="zh-CN" altLang="en-US" sz="1200" kern="1200" dirty="0" smtClean="0">
+                <a:solidFill>
+                  <a:schemeClr val="tx1"/>
+                </a:solidFill>
+                <a:latin typeface="+mn-lt"/>
+                <a:ea typeface="+mn-ea"/>
+                <a:cs typeface="+mn-cs"/>
+              </a:rPr>
+              <a:t>或</a:t>
+            </a:r>
+            <a:r>
+              <a:rPr lang="en-US" altLang="zh-CN" sz="1200" kern="1200" dirty="0" smtClean="0">
+                <a:solidFill>
+                  <a:schemeClr val="tx1"/>
+                </a:solidFill>
+                <a:latin typeface="+mn-lt"/>
+                <a:ea typeface="+mn-ea"/>
+                <a:cs typeface="+mn-cs"/>
+              </a:rPr>
+              <a:t>Service</a:t>
+            </a:r>
+            <a:r>
+              <a:rPr lang="zh-CN" altLang="en-US" sz="1200" kern="1200" dirty="0" smtClean="0">
+                <a:solidFill>
+                  <a:schemeClr val="tx1"/>
+                </a:solidFill>
+                <a:latin typeface="+mn-lt"/>
+                <a:ea typeface="+mn-ea"/>
+                <a:cs typeface="+mn-cs"/>
+              </a:rPr>
+              <a:t>中注册了一个</a:t>
+            </a:r>
+            <a:r>
+              <a:rPr lang="en-US" altLang="zh-CN" sz="1200" kern="1200" dirty="0" err="1" smtClean="0">
+                <a:solidFill>
+                  <a:schemeClr val="tx1"/>
+                </a:solidFill>
+                <a:latin typeface="+mn-lt"/>
+                <a:ea typeface="+mn-ea"/>
+                <a:cs typeface="+mn-cs"/>
+              </a:rPr>
+              <a:t>BroadcastReceiver</a:t>
+            </a:r>
+            <a:r>
+              <a:rPr lang="zh-CN" altLang="en-US" sz="1200" kern="1200" dirty="0" smtClean="0">
+                <a:solidFill>
+                  <a:schemeClr val="tx1"/>
+                </a:solidFill>
+                <a:latin typeface="+mn-lt"/>
+                <a:ea typeface="+mn-ea"/>
+                <a:cs typeface="+mn-cs"/>
+              </a:rPr>
+              <a:t>，当这个</a:t>
+            </a:r>
+            <a:r>
+              <a:rPr lang="en-US" altLang="zh-CN" sz="1200" kern="1200" dirty="0" smtClean="0">
+                <a:solidFill>
+                  <a:schemeClr val="tx1"/>
+                </a:solidFill>
+                <a:latin typeface="+mn-lt"/>
+                <a:ea typeface="+mn-ea"/>
+                <a:cs typeface="+mn-cs"/>
+              </a:rPr>
+              <a:t>Activity</a:t>
+            </a:r>
+            <a:r>
+              <a:rPr lang="zh-CN" altLang="en-US" sz="1200" kern="1200" dirty="0" smtClean="0">
+                <a:solidFill>
+                  <a:schemeClr val="tx1"/>
+                </a:solidFill>
+                <a:latin typeface="+mn-lt"/>
+                <a:ea typeface="+mn-ea"/>
+                <a:cs typeface="+mn-cs"/>
+              </a:rPr>
+              <a:t>或</a:t>
+            </a:r>
+            <a:r>
+              <a:rPr lang="en-US" altLang="zh-CN" sz="1200" kern="1200" dirty="0" smtClean="0">
+                <a:solidFill>
+                  <a:schemeClr val="tx1"/>
+                </a:solidFill>
+                <a:latin typeface="+mn-lt"/>
+                <a:ea typeface="+mn-ea"/>
+                <a:cs typeface="+mn-cs"/>
+              </a:rPr>
+              <a:t>Service</a:t>
+            </a:r>
+            <a:r>
+              <a:rPr lang="zh-CN" altLang="en-US" sz="1200" kern="1200" dirty="0" smtClean="0">
+                <a:solidFill>
+                  <a:schemeClr val="tx1"/>
+                </a:solidFill>
+                <a:latin typeface="+mn-lt"/>
+                <a:ea typeface="+mn-ea"/>
+                <a:cs typeface="+mn-cs"/>
+              </a:rPr>
+              <a:t>被销毁时如果没有解除注册，系统会报一个异常，提示我们是否忘记解除注册了。所以，记得在特定的地方执行解除注册操作：</a:t>
+            </a:r>
+            <a:endParaRPr lang="en-US" altLang="zh-CN" sz="1200" kern="1200" dirty="0" smtClean="0">
+              <a:solidFill>
+                <a:schemeClr val="tx1"/>
+              </a:solidFill>
+              <a:latin typeface="+mn-lt"/>
+              <a:ea typeface="+mn-ea"/>
+              <a:cs typeface="+mn-cs"/>
+            </a:endParaRPr>
+          </a:p>
+          <a:p>
+            <a:r>
+              <a:rPr kumimoji="1" lang="en-US" altLang="zh-CN" sz="1200" kern="1200" dirty="0" err="1" smtClean="0">
+                <a:solidFill>
+                  <a:schemeClr val="tx1"/>
+                </a:solidFill>
+                <a:latin typeface="+mn-lt"/>
+                <a:ea typeface="+mn-ea"/>
+                <a:cs typeface="+mn-cs"/>
+              </a:rPr>
+              <a:t>unregisterReceiver</a:t>
+            </a:r>
+            <a:r>
+              <a:rPr kumimoji="1" lang="en-US" altLang="zh-CN" sz="1200" kern="1200" dirty="0" smtClean="0">
+                <a:solidFill>
+                  <a:schemeClr val="tx1"/>
+                </a:solidFill>
+                <a:latin typeface="+mn-lt"/>
+                <a:ea typeface="+mn-ea"/>
+                <a:cs typeface="+mn-cs"/>
+              </a:rPr>
+              <a:t>(receiver);</a:t>
+            </a:r>
+          </a:p>
+          <a:p>
+            <a:endParaRPr kumimoji="1" lang="en-US" altLang="zh-CN" sz="1200" kern="1200" dirty="0" smtClean="0">
+              <a:solidFill>
+                <a:schemeClr val="tx1"/>
+              </a:solidFill>
+              <a:latin typeface="+mn-lt"/>
+              <a:ea typeface="+mn-ea"/>
+              <a:cs typeface="+mn-cs"/>
+            </a:endParaRPr>
+          </a:p>
+          <a:p>
+            <a:r>
+              <a:rPr kumimoji="1" lang="zh-CN" altLang="zh-CN" sz="1200" kern="1200" dirty="0" smtClean="0">
+                <a:solidFill>
+                  <a:schemeClr val="tx1"/>
+                </a:solidFill>
+                <a:latin typeface="+mn-lt"/>
+                <a:ea typeface="+mn-ea"/>
+                <a:cs typeface="+mn-cs"/>
+              </a:rPr>
+              <a:t>4</a:t>
+            </a:r>
+            <a:r>
+              <a:rPr kumimoji="1" lang="en-US" altLang="zh-CN" sz="1200" kern="1200" dirty="0" smtClean="0">
+                <a:solidFill>
+                  <a:schemeClr val="tx1"/>
+                </a:solidFill>
+                <a:latin typeface="+mn-lt"/>
+                <a:ea typeface="+mn-ea"/>
+                <a:cs typeface="+mn-cs"/>
+              </a:rPr>
+              <a:t>.</a:t>
+            </a:r>
+            <a:r>
+              <a:rPr kumimoji="1" lang="zh-CN" altLang="en-US" sz="1200" kern="1200" dirty="0" smtClean="0">
+                <a:solidFill>
+                  <a:schemeClr val="tx1"/>
+                </a:solidFill>
+                <a:latin typeface="+mn-lt"/>
+                <a:ea typeface="+mn-ea"/>
+                <a:cs typeface="+mn-cs"/>
+              </a:rPr>
+              <a:t>发送广播：</a:t>
+            </a:r>
+            <a:endParaRPr kumimoji="1" lang="en-US" altLang="zh-CN" sz="1200" kern="1200" dirty="0" smtClean="0">
+              <a:solidFill>
+                <a:schemeClr val="tx1"/>
+              </a:solidFill>
+              <a:latin typeface="+mn-lt"/>
+              <a:ea typeface="+mn-ea"/>
+              <a:cs typeface="+mn-cs"/>
+            </a:endParaRPr>
+          </a:p>
+          <a:p>
+            <a:r>
+              <a:rPr lang="pl-PL" altLang="zh-CN" sz="1200" kern="1200" dirty="0" smtClean="0">
+                <a:solidFill>
+                  <a:schemeClr val="tx1"/>
+                </a:solidFill>
+                <a:latin typeface="+mn-lt"/>
+                <a:ea typeface="+mn-ea"/>
+                <a:cs typeface="+mn-cs"/>
+              </a:rPr>
+              <a:t> </a:t>
+            </a:r>
+            <a:r>
+              <a:rPr lang="pl-PL" altLang="zh-CN" sz="1200" kern="1200" dirty="0" err="1" smtClean="0">
+                <a:solidFill>
+                  <a:schemeClr val="tx1"/>
+                </a:solidFill>
+                <a:latin typeface="+mn-lt"/>
+                <a:ea typeface="+mn-ea"/>
+                <a:cs typeface="+mn-cs"/>
+              </a:rPr>
+              <a:t>Intent</a:t>
+            </a:r>
+            <a:r>
+              <a:rPr lang="pl-PL" altLang="zh-CN" sz="1200" kern="1200" dirty="0" smtClean="0">
+                <a:solidFill>
+                  <a:schemeClr val="tx1"/>
+                </a:solidFill>
+                <a:latin typeface="+mn-lt"/>
+                <a:ea typeface="+mn-ea"/>
+                <a:cs typeface="+mn-cs"/>
+              </a:rPr>
+              <a:t> </a:t>
+            </a:r>
+            <a:r>
+              <a:rPr lang="pl-PL" altLang="zh-CN" sz="1200" kern="1200" dirty="0" err="1" smtClean="0">
+                <a:solidFill>
+                  <a:schemeClr val="tx1"/>
+                </a:solidFill>
+                <a:latin typeface="+mn-lt"/>
+                <a:ea typeface="+mn-ea"/>
+                <a:cs typeface="+mn-cs"/>
+              </a:rPr>
+              <a:t>intent</a:t>
+            </a:r>
+            <a:r>
+              <a:rPr lang="pl-PL" altLang="zh-CN" sz="1200" kern="1200" dirty="0" smtClean="0">
+                <a:solidFill>
+                  <a:schemeClr val="tx1"/>
+                </a:solidFill>
+                <a:latin typeface="+mn-lt"/>
+                <a:ea typeface="+mn-ea"/>
+                <a:cs typeface="+mn-cs"/>
+              </a:rPr>
+              <a:t> = </a:t>
+            </a:r>
+            <a:r>
+              <a:rPr lang="pl-PL" altLang="zh-CN" sz="1200" b="1" kern="1200" dirty="0" err="1" smtClean="0">
+                <a:solidFill>
+                  <a:schemeClr val="tx1"/>
+                </a:solidFill>
+                <a:latin typeface="+mn-lt"/>
+                <a:ea typeface="+mn-ea"/>
+                <a:cs typeface="+mn-cs"/>
+              </a:rPr>
+              <a:t>new</a:t>
+            </a:r>
+            <a:r>
+              <a:rPr lang="pl-PL" altLang="zh-CN" sz="1200" b="0" kern="1200" dirty="0" smtClean="0">
+                <a:solidFill>
+                  <a:schemeClr val="tx1"/>
+                </a:solidFill>
+                <a:latin typeface="+mn-lt"/>
+                <a:ea typeface="+mn-ea"/>
+                <a:cs typeface="+mn-cs"/>
+              </a:rPr>
+              <a:t> </a:t>
+            </a:r>
+            <a:r>
+              <a:rPr lang="pl-PL" altLang="zh-CN" sz="1200" b="0" kern="1200" dirty="0" err="1" smtClean="0">
+                <a:solidFill>
+                  <a:schemeClr val="tx1"/>
+                </a:solidFill>
+                <a:latin typeface="+mn-lt"/>
+                <a:ea typeface="+mn-ea"/>
+                <a:cs typeface="+mn-cs"/>
+              </a:rPr>
+              <a:t>Intent</a:t>
+            </a:r>
+            <a:r>
+              <a:rPr lang="pl-PL" altLang="zh-CN" sz="1200" b="0" kern="1200" dirty="0" smtClean="0">
+                <a:solidFill>
+                  <a:schemeClr val="tx1"/>
+                </a:solidFill>
+                <a:latin typeface="+mn-lt"/>
+                <a:ea typeface="+mn-ea"/>
+                <a:cs typeface="+mn-cs"/>
+              </a:rPr>
+              <a:t>(“</a:t>
+            </a:r>
+            <a:r>
+              <a:rPr lang="pl-PL" altLang="zh-CN" sz="1200" b="0" kern="1200" dirty="0" err="1" smtClean="0">
+                <a:solidFill>
+                  <a:schemeClr val="tx1"/>
+                </a:solidFill>
+                <a:latin typeface="+mn-lt"/>
+                <a:ea typeface="+mn-ea"/>
+                <a:cs typeface="+mn-cs"/>
+              </a:rPr>
+              <a:t>android.intent.action.MY_BROADCAST</a:t>
+            </a:r>
+            <a:r>
+              <a:rPr lang="pl-PL" altLang="zh-CN" sz="1200" b="0" kern="1200" dirty="0" smtClean="0">
+                <a:solidFill>
+                  <a:schemeClr val="tx1"/>
+                </a:solidFill>
+                <a:latin typeface="+mn-lt"/>
+                <a:ea typeface="+mn-ea"/>
+                <a:cs typeface="+mn-cs"/>
+              </a:rPr>
+              <a:t>”);</a:t>
+            </a:r>
+            <a:r>
+              <a:rPr lang="zh-CN" altLang="en-US" sz="1200" b="0" kern="1200" dirty="0" smtClean="0">
+                <a:solidFill>
+                  <a:schemeClr val="tx1"/>
+                </a:solidFill>
+                <a:latin typeface="+mn-lt"/>
+                <a:ea typeface="+mn-ea"/>
+                <a:cs typeface="+mn-cs"/>
+              </a:rPr>
+              <a:t>     </a:t>
+            </a:r>
+            <a:r>
+              <a:rPr lang="en-US" altLang="zh-CN" sz="1200" b="0" kern="1200" dirty="0" smtClean="0">
+                <a:solidFill>
+                  <a:schemeClr val="tx1"/>
+                </a:solidFill>
+                <a:latin typeface="+mn-lt"/>
+                <a:ea typeface="+mn-ea"/>
+                <a:cs typeface="+mn-cs"/>
+              </a:rPr>
+              <a:t>//</a:t>
+            </a:r>
+            <a:r>
+              <a:rPr lang="zh-CN" altLang="en-US" sz="1200" b="0" kern="1200" dirty="0" smtClean="0">
+                <a:solidFill>
+                  <a:schemeClr val="tx1"/>
+                </a:solidFill>
+                <a:latin typeface="+mn-lt"/>
+                <a:ea typeface="+mn-ea"/>
+                <a:cs typeface="+mn-cs"/>
+              </a:rPr>
+              <a:t>隐式意图</a:t>
+            </a:r>
+            <a:r>
+              <a:rPr lang="pl-PL" altLang="zh-CN" sz="1200" b="0" kern="1200" dirty="0" smtClean="0">
+                <a:solidFill>
+                  <a:schemeClr val="tx1"/>
+                </a:solidFill>
+                <a:latin typeface="+mn-lt"/>
+                <a:ea typeface="+mn-ea"/>
+                <a:cs typeface="+mn-cs"/>
+              </a:rPr>
+              <a:t>  </a:t>
+            </a:r>
+          </a:p>
+          <a:p>
+            <a:r>
+              <a:rPr lang="pl-PL" altLang="zh-CN" sz="1200" b="0" kern="1200" dirty="0" smtClean="0">
+                <a:solidFill>
+                  <a:schemeClr val="tx1"/>
+                </a:solidFill>
+                <a:latin typeface="+mn-lt"/>
+                <a:ea typeface="+mn-ea"/>
+                <a:cs typeface="+mn-cs"/>
+              </a:rPr>
+              <a:t> </a:t>
+            </a:r>
+            <a:r>
+              <a:rPr lang="pl-PL" altLang="zh-CN" sz="1200" b="0" kern="1200" dirty="0" err="1" smtClean="0">
+                <a:solidFill>
+                  <a:schemeClr val="tx1"/>
+                </a:solidFill>
+                <a:latin typeface="+mn-lt"/>
+                <a:ea typeface="+mn-ea"/>
+                <a:cs typeface="+mn-cs"/>
+              </a:rPr>
+              <a:t>intent.putExtra</a:t>
+            </a:r>
+            <a:r>
+              <a:rPr lang="pl-PL" altLang="zh-CN" sz="1200" b="0" kern="1200" dirty="0" smtClean="0">
+                <a:solidFill>
+                  <a:schemeClr val="tx1"/>
+                </a:solidFill>
+                <a:latin typeface="+mn-lt"/>
+                <a:ea typeface="+mn-ea"/>
+                <a:cs typeface="+mn-cs"/>
+              </a:rPr>
+              <a:t>("</a:t>
+            </a:r>
+            <a:r>
+              <a:rPr lang="pl-PL" altLang="zh-CN" sz="1200" b="0" kern="1200" dirty="0" err="1" smtClean="0">
+                <a:solidFill>
+                  <a:schemeClr val="tx1"/>
+                </a:solidFill>
+                <a:latin typeface="+mn-lt"/>
+                <a:ea typeface="+mn-ea"/>
+                <a:cs typeface="+mn-cs"/>
+              </a:rPr>
+              <a:t>msg</a:t>
+            </a:r>
+            <a:r>
+              <a:rPr lang="pl-PL" altLang="zh-CN" sz="1200" b="0" kern="1200" dirty="0" smtClean="0">
+                <a:solidFill>
+                  <a:schemeClr val="tx1"/>
+                </a:solidFill>
+                <a:latin typeface="+mn-lt"/>
+                <a:ea typeface="+mn-ea"/>
+                <a:cs typeface="+mn-cs"/>
+              </a:rPr>
+              <a:t>", "hello </a:t>
+            </a:r>
+            <a:r>
+              <a:rPr lang="pl-PL" altLang="zh-CN" sz="1200" b="0" kern="1200" dirty="0" err="1" smtClean="0">
+                <a:solidFill>
+                  <a:schemeClr val="tx1"/>
+                </a:solidFill>
+                <a:latin typeface="+mn-lt"/>
+                <a:ea typeface="+mn-ea"/>
+                <a:cs typeface="+mn-cs"/>
+              </a:rPr>
+              <a:t>receiver</a:t>
+            </a:r>
+            <a:r>
+              <a:rPr lang="pl-PL" altLang="zh-CN" sz="1200" b="0" kern="1200" dirty="0" smtClean="0">
+                <a:solidFill>
+                  <a:schemeClr val="tx1"/>
+                </a:solidFill>
+                <a:latin typeface="+mn-lt"/>
+                <a:ea typeface="+mn-ea"/>
+                <a:cs typeface="+mn-cs"/>
+              </a:rPr>
+              <a:t>.");  </a:t>
+            </a:r>
+          </a:p>
+          <a:p>
+            <a:r>
+              <a:rPr lang="zh-CN" altLang="en-US" sz="1200" b="0" kern="1200" dirty="0" smtClean="0">
+                <a:solidFill>
+                  <a:schemeClr val="tx1"/>
+                </a:solidFill>
+                <a:latin typeface="+mn-lt"/>
+                <a:ea typeface="+mn-ea"/>
+                <a:cs typeface="+mn-cs"/>
+              </a:rPr>
+              <a:t>  </a:t>
+            </a:r>
+            <a:r>
+              <a:rPr lang="pl-PL" altLang="zh-CN" sz="1200" b="0" kern="1200" dirty="0" err="1" smtClean="0">
+                <a:solidFill>
+                  <a:schemeClr val="tx1"/>
+                </a:solidFill>
+                <a:latin typeface="+mn-lt"/>
+                <a:ea typeface="+mn-ea"/>
+                <a:cs typeface="+mn-cs"/>
+              </a:rPr>
+              <a:t>sendBroadcast</a:t>
+            </a:r>
+            <a:r>
+              <a:rPr lang="pl-PL" altLang="zh-CN" sz="1200" b="0" kern="1200" dirty="0" smtClean="0">
+                <a:solidFill>
+                  <a:schemeClr val="tx1"/>
+                </a:solidFill>
+                <a:latin typeface="+mn-lt"/>
+                <a:ea typeface="+mn-ea"/>
+                <a:cs typeface="+mn-cs"/>
+              </a:rPr>
+              <a:t>(</a:t>
+            </a:r>
+            <a:r>
+              <a:rPr lang="pl-PL" altLang="zh-CN" sz="1200" b="0" kern="1200" dirty="0" err="1" smtClean="0">
+                <a:solidFill>
+                  <a:schemeClr val="tx1"/>
+                </a:solidFill>
+                <a:latin typeface="+mn-lt"/>
+                <a:ea typeface="+mn-ea"/>
+                <a:cs typeface="+mn-cs"/>
+              </a:rPr>
+              <a:t>intent</a:t>
+            </a:r>
+            <a:r>
+              <a:rPr lang="pl-PL" altLang="zh-CN" sz="1200" b="0" kern="1200" dirty="0" smtClean="0">
+                <a:solidFill>
+                  <a:schemeClr val="tx1"/>
+                </a:solidFill>
+                <a:latin typeface="+mn-lt"/>
+                <a:ea typeface="+mn-ea"/>
+                <a:cs typeface="+mn-cs"/>
+              </a:rPr>
+              <a:t>);</a:t>
+            </a:r>
+          </a:p>
+          <a:p>
+            <a:endParaRPr lang="pl-PL" altLang="zh-CN" sz="1200" b="0" kern="1200" dirty="0" smtClean="0">
+              <a:solidFill>
+                <a:schemeClr val="tx1"/>
+              </a:solidFill>
+              <a:latin typeface="+mn-lt"/>
+              <a:ea typeface="+mn-ea"/>
+              <a:cs typeface="+mn-cs"/>
+            </a:endParaRPr>
+          </a:p>
+          <a:p>
+            <a:r>
+              <a:rPr lang="zh-CN" altLang="en-US" sz="1200" b="0" kern="1200" dirty="0" smtClean="0">
+                <a:solidFill>
+                  <a:schemeClr val="tx1"/>
+                </a:solidFill>
+                <a:latin typeface="+mn-lt"/>
+                <a:ea typeface="+mn-ea"/>
+                <a:cs typeface="+mn-cs"/>
+              </a:rPr>
+              <a:t>  </a:t>
+            </a:r>
+            <a:r>
+              <a:rPr lang="en-US" altLang="zh-CN" sz="1200" b="0" kern="1200" dirty="0" smtClean="0">
+                <a:solidFill>
+                  <a:schemeClr val="tx1"/>
+                </a:solidFill>
+                <a:latin typeface="+mn-lt"/>
+                <a:ea typeface="+mn-ea"/>
+                <a:cs typeface="+mn-cs"/>
+              </a:rPr>
+              <a:t>Intent</a:t>
+            </a:r>
+            <a:r>
+              <a:rPr lang="zh-CN" altLang="en-US" sz="1200" b="0" kern="1200" dirty="0" smtClean="0">
+                <a:solidFill>
+                  <a:schemeClr val="tx1"/>
+                </a:solidFill>
+                <a:latin typeface="+mn-lt"/>
+                <a:ea typeface="+mn-ea"/>
+                <a:cs typeface="+mn-cs"/>
+              </a:rPr>
+              <a:t> </a:t>
+            </a:r>
+            <a:r>
+              <a:rPr lang="en-US" altLang="zh-CN" sz="1200" b="0" kern="1200" dirty="0" smtClean="0">
+                <a:solidFill>
+                  <a:schemeClr val="tx1"/>
+                </a:solidFill>
+                <a:latin typeface="+mn-lt"/>
+                <a:ea typeface="+mn-ea"/>
+                <a:cs typeface="+mn-cs"/>
+              </a:rPr>
+              <a:t>intent</a:t>
+            </a:r>
+            <a:r>
+              <a:rPr lang="zh-CN" altLang="en-US" sz="1200" b="0" kern="1200" dirty="0" smtClean="0">
+                <a:solidFill>
+                  <a:schemeClr val="tx1"/>
+                </a:solidFill>
+                <a:latin typeface="+mn-lt"/>
+                <a:ea typeface="+mn-ea"/>
+                <a:cs typeface="+mn-cs"/>
+              </a:rPr>
+              <a:t> </a:t>
+            </a:r>
+            <a:r>
+              <a:rPr lang="en-US" altLang="zh-CN" sz="1200" b="0" kern="1200" dirty="0" smtClean="0">
+                <a:solidFill>
+                  <a:schemeClr val="tx1"/>
+                </a:solidFill>
+                <a:latin typeface="+mn-lt"/>
+                <a:ea typeface="+mn-ea"/>
+                <a:cs typeface="+mn-cs"/>
+              </a:rPr>
+              <a:t>=</a:t>
+            </a:r>
+            <a:r>
+              <a:rPr lang="zh-CN" altLang="en-US" sz="1200" b="0" kern="1200" dirty="0" smtClean="0">
+                <a:solidFill>
+                  <a:schemeClr val="tx1"/>
+                </a:solidFill>
+                <a:latin typeface="+mn-lt"/>
+                <a:ea typeface="+mn-ea"/>
+                <a:cs typeface="+mn-cs"/>
+              </a:rPr>
+              <a:t> </a:t>
+            </a:r>
+            <a:r>
+              <a:rPr lang="en-US" altLang="zh-CN" sz="1200" b="0" kern="1200" dirty="0" smtClean="0">
+                <a:solidFill>
+                  <a:schemeClr val="tx1"/>
+                </a:solidFill>
+                <a:latin typeface="+mn-lt"/>
+                <a:ea typeface="+mn-ea"/>
+                <a:cs typeface="+mn-cs"/>
+              </a:rPr>
+              <a:t>new</a:t>
+            </a:r>
+            <a:r>
+              <a:rPr lang="zh-CN" altLang="en-US" sz="1200" b="0" kern="1200" dirty="0" smtClean="0">
+                <a:solidFill>
+                  <a:schemeClr val="tx1"/>
+                </a:solidFill>
+                <a:latin typeface="+mn-lt"/>
+                <a:ea typeface="+mn-ea"/>
+                <a:cs typeface="+mn-cs"/>
+              </a:rPr>
+              <a:t> </a:t>
+            </a:r>
+            <a:r>
+              <a:rPr lang="en-US" altLang="zh-CN" sz="1200" b="0" kern="1200" dirty="0" smtClean="0">
+                <a:solidFill>
+                  <a:schemeClr val="tx1"/>
+                </a:solidFill>
+                <a:latin typeface="+mn-lt"/>
+                <a:ea typeface="+mn-ea"/>
+                <a:cs typeface="+mn-cs"/>
+              </a:rPr>
+              <a:t>Intent(this,</a:t>
+            </a:r>
+            <a:r>
+              <a:rPr lang="en-US" altLang="zh-CN" sz="1200" b="0" kern="1200" dirty="0" smtClean="0">
+                <a:solidFill>
+                  <a:schemeClr val="tx1"/>
+                </a:solidFill>
+                <a:latin typeface="+mn-lt"/>
+                <a:ea typeface="+mn-ea"/>
+                <a:cs typeface="+mn-cs"/>
+              </a:rPr>
+              <a:t> </a:t>
+            </a:r>
+            <a:r>
+              <a:rPr lang="en-US" altLang="zh-CN" sz="1200" b="0" kern="1200" dirty="0" err="1" smtClean="0">
+                <a:solidFill>
+                  <a:schemeClr val="tx1"/>
+                </a:solidFill>
+                <a:latin typeface="+mn-lt"/>
+                <a:ea typeface="+mn-ea"/>
+                <a:cs typeface="+mn-cs"/>
+              </a:rPr>
+              <a:t>MyReceiver</a:t>
+            </a:r>
+            <a:r>
+              <a:rPr lang="en-US" altLang="zh-CN" sz="1200" b="0" kern="1200" dirty="0" err="1" smtClean="0">
+                <a:solidFill>
+                  <a:schemeClr val="tx1"/>
+                </a:solidFill>
+                <a:latin typeface="+mn-lt"/>
+                <a:ea typeface="+mn-ea"/>
+                <a:cs typeface="+mn-cs"/>
+              </a:rPr>
+              <a:t>.class</a:t>
+            </a:r>
+            <a:r>
+              <a:rPr lang="en-US" altLang="zh-CN" sz="1200" b="0" kern="1200" dirty="0" smtClean="0">
+                <a:solidFill>
+                  <a:schemeClr val="tx1"/>
+                </a:solidFill>
+                <a:latin typeface="+mn-lt"/>
+                <a:ea typeface="+mn-ea"/>
+                <a:cs typeface="+mn-cs"/>
+              </a:rPr>
+              <a:t>);</a:t>
+            </a:r>
+            <a:r>
+              <a:rPr lang="zh-CN" altLang="en-US" sz="1200" b="0" kern="1200" dirty="0" smtClean="0">
+                <a:solidFill>
+                  <a:schemeClr val="tx1"/>
+                </a:solidFill>
+                <a:latin typeface="+mn-lt"/>
+                <a:ea typeface="+mn-ea"/>
+                <a:cs typeface="+mn-cs"/>
+              </a:rPr>
+              <a:t>   </a:t>
+            </a:r>
+            <a:r>
+              <a:rPr lang="en-US" altLang="zh-CN" sz="1200" b="0" kern="1200" dirty="0" smtClean="0">
+                <a:solidFill>
+                  <a:schemeClr val="tx1"/>
+                </a:solidFill>
+                <a:latin typeface="+mn-lt"/>
+                <a:ea typeface="+mn-ea"/>
+                <a:cs typeface="+mn-cs"/>
+              </a:rPr>
+              <a:t>//</a:t>
+            </a:r>
+            <a:r>
+              <a:rPr lang="zh-CN" altLang="en-US" sz="1200" b="0" kern="1200" dirty="0" smtClean="0">
+                <a:solidFill>
+                  <a:schemeClr val="tx1"/>
+                </a:solidFill>
+                <a:latin typeface="+mn-lt"/>
+                <a:ea typeface="+mn-ea"/>
+                <a:cs typeface="+mn-cs"/>
+              </a:rPr>
+              <a:t>显示意图</a:t>
+            </a:r>
+            <a:endParaRPr lang="en-US" altLang="zh-CN" sz="1200" b="0" kern="1200" dirty="0" smtClean="0">
+              <a:solidFill>
+                <a:schemeClr val="tx1"/>
+              </a:solidFill>
+              <a:latin typeface="+mn-lt"/>
+              <a:ea typeface="+mn-ea"/>
+              <a:cs typeface="+mn-cs"/>
+            </a:endParaRPr>
+          </a:p>
+          <a:p>
+            <a:r>
+              <a:rPr lang="zh-CN" altLang="en-US" sz="1200" b="0" kern="1200" dirty="0" smtClean="0">
+                <a:solidFill>
+                  <a:schemeClr val="tx1"/>
+                </a:solidFill>
+                <a:latin typeface="+mn-lt"/>
+                <a:ea typeface="+mn-ea"/>
+                <a:cs typeface="+mn-cs"/>
+              </a:rPr>
+              <a:t>  </a:t>
+            </a:r>
+            <a:r>
+              <a:rPr lang="en-US" altLang="zh-CN" sz="1200" b="0" kern="1200" dirty="0" err="1" smtClean="0">
+                <a:solidFill>
+                  <a:schemeClr val="tx1"/>
+                </a:solidFill>
+                <a:latin typeface="+mn-lt"/>
+                <a:ea typeface="+mn-ea"/>
+                <a:cs typeface="+mn-cs"/>
+              </a:rPr>
+              <a:t>sendBroadcast</a:t>
+            </a:r>
+            <a:r>
+              <a:rPr lang="en-US" altLang="zh-CN" sz="1200" b="0" kern="1200" dirty="0" smtClean="0">
+                <a:solidFill>
+                  <a:schemeClr val="tx1"/>
+                </a:solidFill>
+                <a:latin typeface="+mn-lt"/>
+                <a:ea typeface="+mn-ea"/>
+                <a:cs typeface="+mn-cs"/>
+              </a:rPr>
+              <a:t>(intent);</a:t>
+            </a:r>
+            <a:endParaRPr lang="pl-PL" altLang="zh-CN" sz="1200" b="0" kern="1200" dirty="0" smtClean="0">
+              <a:solidFill>
+                <a:schemeClr val="tx1"/>
+              </a:solidFill>
+              <a:latin typeface="+mn-lt"/>
+              <a:ea typeface="+mn-ea"/>
+              <a:cs typeface="+mn-cs"/>
+            </a:endParaRPr>
+          </a:p>
+          <a:p>
+            <a:endParaRPr lang="pl-PL" altLang="zh-CN" sz="1200" b="0" kern="1200" dirty="0" smtClean="0">
+              <a:solidFill>
+                <a:schemeClr val="tx1"/>
+              </a:solidFill>
+              <a:latin typeface="+mn-lt"/>
+              <a:ea typeface="+mn-ea"/>
+              <a:cs typeface="+mn-cs"/>
+            </a:endParaRPr>
+          </a:p>
+          <a:p>
+            <a:endParaRPr lang="pl-PL" altLang="zh-CN" sz="1200" b="0" kern="1200" dirty="0" smtClean="0">
+              <a:solidFill>
+                <a:schemeClr val="tx1"/>
+              </a:solidFill>
+              <a:latin typeface="+mn-lt"/>
+              <a:ea typeface="+mn-ea"/>
+              <a:cs typeface="+mn-cs"/>
+            </a:endParaRPr>
+          </a:p>
+          <a:p>
+            <a:r>
+              <a:rPr lang="zh-CN" altLang="en-US" sz="1200" b="0" kern="1200" dirty="0" smtClean="0">
+                <a:solidFill>
+                  <a:schemeClr val="tx1"/>
+                </a:solidFill>
+                <a:latin typeface="+mn-lt"/>
+                <a:ea typeface="+mn-ea"/>
+                <a:cs typeface="+mn-cs"/>
+              </a:rPr>
+              <a:t>广播优先级：</a:t>
+            </a:r>
+            <a:r>
+              <a:rPr lang="en-US" altLang="zh-CN" sz="1200" b="1" kern="1200" dirty="0" smtClean="0">
+                <a:solidFill>
+                  <a:schemeClr val="tx1"/>
+                </a:solidFill>
+                <a:latin typeface="+mn-lt"/>
+                <a:ea typeface="+mn-ea"/>
+                <a:cs typeface="+mn-cs"/>
+              </a:rPr>
+              <a:t>&lt;intent-filter</a:t>
+            </a:r>
+            <a:r>
+              <a:rPr lang="en-US" altLang="zh-CN" sz="1200" b="0" kern="1200" dirty="0" smtClean="0">
+                <a:solidFill>
+                  <a:schemeClr val="tx1"/>
+                </a:solidFill>
+                <a:latin typeface="+mn-lt"/>
+                <a:ea typeface="+mn-ea"/>
+                <a:cs typeface="+mn-cs"/>
+              </a:rPr>
+              <a:t> </a:t>
+            </a:r>
+            <a:r>
+              <a:rPr lang="en-US" altLang="zh-CN" sz="1200" b="0" kern="1200" dirty="0" err="1" smtClean="0">
+                <a:solidFill>
+                  <a:schemeClr val="tx1"/>
+                </a:solidFill>
+                <a:latin typeface="+mn-lt"/>
+                <a:ea typeface="+mn-ea"/>
+                <a:cs typeface="+mn-cs"/>
+              </a:rPr>
+              <a:t>android:priority</a:t>
+            </a:r>
+            <a:r>
+              <a:rPr lang="en-US" altLang="zh-CN" sz="1200" b="0" kern="1200" dirty="0" smtClean="0">
+                <a:solidFill>
+                  <a:schemeClr val="tx1"/>
+                </a:solidFill>
+                <a:latin typeface="+mn-lt"/>
+                <a:ea typeface="+mn-ea"/>
+                <a:cs typeface="+mn-cs"/>
+              </a:rPr>
+              <a:t>="998"</a:t>
+            </a:r>
+            <a:r>
+              <a:rPr lang="en-US" altLang="zh-CN" sz="1200" b="1" kern="1200" dirty="0" smtClean="0">
+                <a:solidFill>
+                  <a:schemeClr val="tx1"/>
+                </a:solidFill>
+                <a:latin typeface="+mn-lt"/>
+                <a:ea typeface="+mn-ea"/>
+                <a:cs typeface="+mn-cs"/>
+              </a:rPr>
+              <a:t>&gt;</a:t>
+            </a:r>
+            <a:r>
+              <a:rPr lang="en-US" altLang="zh-CN" sz="1200" b="0" kern="1200" dirty="0" smtClean="0">
+                <a:solidFill>
+                  <a:schemeClr val="tx1"/>
+                </a:solidFill>
+                <a:latin typeface="+mn-lt"/>
+                <a:ea typeface="+mn-ea"/>
+                <a:cs typeface="+mn-cs"/>
+              </a:rPr>
+              <a:t>  </a:t>
+            </a:r>
+            <a:r>
+              <a:rPr lang="pl-PL" altLang="zh-CN" sz="1200" b="0" kern="1200" dirty="0" smtClean="0">
+                <a:solidFill>
+                  <a:schemeClr val="tx1"/>
+                </a:solidFill>
+                <a:latin typeface="+mn-lt"/>
+                <a:ea typeface="+mn-ea"/>
+                <a:cs typeface="+mn-cs"/>
+              </a:rPr>
+              <a:t>  </a:t>
+            </a:r>
+          </a:p>
+          <a:p>
+            <a:r>
+              <a:rPr lang="en-US" altLang="zh-CN" sz="1200" kern="1200" dirty="0" smtClean="0">
+                <a:solidFill>
+                  <a:schemeClr val="tx1"/>
+                </a:solidFill>
+                <a:latin typeface="+mn-lt"/>
+                <a:ea typeface="+mn-ea"/>
+                <a:cs typeface="+mn-cs"/>
+              </a:rPr>
+              <a:t>&lt;intent-filter&gt;</a:t>
+            </a:r>
+            <a:r>
+              <a:rPr lang="zh-CN" altLang="en-US" sz="1200" kern="1200" dirty="0" smtClean="0">
+                <a:solidFill>
+                  <a:schemeClr val="tx1"/>
+                </a:solidFill>
+                <a:latin typeface="+mn-lt"/>
+                <a:ea typeface="+mn-ea"/>
+                <a:cs typeface="+mn-cs"/>
+              </a:rPr>
+              <a:t>多了一个</a:t>
+            </a:r>
+            <a:r>
+              <a:rPr lang="en-US" altLang="zh-CN" sz="1200" kern="1200" dirty="0" err="1" smtClean="0">
+                <a:solidFill>
+                  <a:schemeClr val="tx1"/>
+                </a:solidFill>
+                <a:latin typeface="+mn-lt"/>
+                <a:ea typeface="+mn-ea"/>
+                <a:cs typeface="+mn-cs"/>
+              </a:rPr>
+              <a:t>android:priority</a:t>
+            </a:r>
+            <a:r>
+              <a:rPr lang="zh-CN" altLang="en-US" sz="1200" kern="1200" dirty="0" smtClean="0">
+                <a:solidFill>
+                  <a:schemeClr val="tx1"/>
+                </a:solidFill>
+                <a:latin typeface="+mn-lt"/>
+                <a:ea typeface="+mn-ea"/>
+                <a:cs typeface="+mn-cs"/>
+              </a:rPr>
+              <a:t>属性，并且依次减小。这个属性的范围在</a:t>
+            </a:r>
+            <a:r>
+              <a:rPr lang="en-US" altLang="zh-CN" sz="1200" kern="1200" dirty="0" smtClean="0">
+                <a:solidFill>
+                  <a:schemeClr val="tx1"/>
+                </a:solidFill>
+                <a:latin typeface="+mn-lt"/>
+                <a:ea typeface="+mn-ea"/>
+                <a:cs typeface="+mn-cs"/>
+              </a:rPr>
+              <a:t>-1000</a:t>
+            </a:r>
+            <a:r>
+              <a:rPr lang="zh-CN" altLang="en-US" sz="1200" kern="1200" dirty="0" smtClean="0">
+                <a:solidFill>
+                  <a:schemeClr val="tx1"/>
+                </a:solidFill>
+                <a:latin typeface="+mn-lt"/>
+                <a:ea typeface="+mn-ea"/>
+                <a:cs typeface="+mn-cs"/>
+              </a:rPr>
+              <a:t>到</a:t>
+            </a:r>
+            <a:r>
+              <a:rPr lang="en-US" altLang="zh-CN" sz="1200" kern="1200" dirty="0" smtClean="0">
+                <a:solidFill>
+                  <a:schemeClr val="tx1"/>
+                </a:solidFill>
+                <a:latin typeface="+mn-lt"/>
+                <a:ea typeface="+mn-ea"/>
+                <a:cs typeface="+mn-cs"/>
+              </a:rPr>
+              <a:t>1000</a:t>
+            </a:r>
+            <a:r>
+              <a:rPr lang="zh-CN" altLang="en-US" sz="1200" kern="1200" dirty="0" smtClean="0">
+                <a:solidFill>
+                  <a:schemeClr val="tx1"/>
+                </a:solidFill>
+                <a:latin typeface="+mn-lt"/>
+                <a:ea typeface="+mn-ea"/>
+                <a:cs typeface="+mn-cs"/>
+              </a:rPr>
+              <a:t>，数值越大，优先级越高。</a:t>
+            </a:r>
+            <a:endParaRPr kumimoji="1" lang="en-US" altLang="zh-CN" sz="1200" kern="1200" dirty="0" smtClean="0">
+              <a:solidFill>
+                <a:schemeClr val="tx1"/>
+              </a:solidFill>
+              <a:latin typeface="+mn-lt"/>
+              <a:ea typeface="+mn-ea"/>
+              <a:cs typeface="+mn-cs"/>
+            </a:endParaRPr>
+          </a:p>
+        </p:txBody>
+      </p:sp>
+      <p:sp>
+        <p:nvSpPr>
+          <p:cNvPr id="4" name="幻灯片编号占位符 3"/>
+          <p:cNvSpPr>
+            <a:spLocks noGrp="1"/>
+          </p:cNvSpPr>
+          <p:nvPr>
+            <p:ph type="sldNum" sz="quarter" idx="10"/>
+          </p:nvPr>
+        </p:nvSpPr>
+        <p:spPr/>
+        <p:txBody>
+          <a:bodyPr/>
+          <a:lstStyle/>
+          <a:p>
+            <a:fld id="{9163888C-5123-6548-B379-D9685D88A76E}" type="slidenum">
+              <a:rPr kumimoji="1" lang="zh-CN" altLang="en-US" smtClean="0"/>
+              <a:t>23</a:t>
+            </a:fld>
+            <a:endParaRPr kumimoji="1" lang="zh-CN" altLang="en-US"/>
+          </a:p>
+        </p:txBody>
+      </p:sp>
+    </p:spTree>
+    <p:extLst>
+      <p:ext uri="{BB962C8B-B14F-4D97-AF65-F5344CB8AC3E}">
+        <p14:creationId xmlns:p14="http://schemas.microsoft.com/office/powerpoint/2010/main" val="2293211"/>
+      </p:ext>
+    </p:extLst>
+  </p:cSld>
+  <p:clrMapOvr>
+    <a:masterClrMapping/>
+  </p:clrMapOvr>
+</p:notes>
+</file>
+
 <file path=ppt/slideLayouts/slideLayout1.xml><?xml version="1.0" encoding="utf-8"?>
 <p:sldLayout xmlns:a="http://schemas.openxmlformats.org/drawingml/2006/main" xmlns:r="http://schemas.openxmlformats.org/officeDocument/2006/relationships" xmlns:p="http://schemas.openxmlformats.org/presentationml/2006/main" type="title" preserve="1">
   <p:cSld name="标题幻灯片">
@@ -1508,7 +9330,7 @@
           <a:p>
             <a:fld id="{78D5617F-8706-C243-AA34-EA73F1578B19}" type="datetimeFigureOut">
               <a:rPr kumimoji="1" lang="zh-CN" altLang="en-US" smtClean="0"/>
-              <a:t>15/3/16</a:t>
+              <a:t>15/3/17</a:t>
             </a:fld>
             <a:endParaRPr kumimoji="1" lang="zh-CN" altLang="en-US"/>
           </a:p>
@@ -1678,7 +9500,7 @@
           <a:p>
             <a:fld id="{78D5617F-8706-C243-AA34-EA73F1578B19}" type="datetimeFigureOut">
               <a:rPr kumimoji="1" lang="zh-CN" altLang="en-US" smtClean="0"/>
-              <a:t>15/3/16</a:t>
+              <a:t>15/3/17</a:t>
             </a:fld>
             <a:endParaRPr kumimoji="1" lang="zh-CN" altLang="en-US"/>
           </a:p>
@@ -1858,7 +9680,7 @@
           <a:p>
             <a:fld id="{78D5617F-8706-C243-AA34-EA73F1578B19}" type="datetimeFigureOut">
               <a:rPr kumimoji="1" lang="zh-CN" altLang="en-US" smtClean="0"/>
-              <a:t>15/3/16</a:t>
+              <a:t>15/3/17</a:t>
             </a:fld>
             <a:endParaRPr kumimoji="1" lang="zh-CN" altLang="en-US"/>
           </a:p>
@@ -2028,7 +9850,7 @@
           <a:p>
             <a:fld id="{78D5617F-8706-C243-AA34-EA73F1578B19}" type="datetimeFigureOut">
               <a:rPr kumimoji="1" lang="zh-CN" altLang="en-US" smtClean="0"/>
-              <a:t>15/3/16</a:t>
+              <a:t>15/3/17</a:t>
             </a:fld>
             <a:endParaRPr kumimoji="1" lang="zh-CN" altLang="en-US"/>
           </a:p>
@@ -2274,7 +10096,7 @@
           <a:p>
             <a:fld id="{78D5617F-8706-C243-AA34-EA73F1578B19}" type="datetimeFigureOut">
               <a:rPr kumimoji="1" lang="zh-CN" altLang="en-US" smtClean="0"/>
-              <a:t>15/3/16</a:t>
+              <a:t>15/3/17</a:t>
             </a:fld>
             <a:endParaRPr kumimoji="1" lang="zh-CN" altLang="en-US"/>
           </a:p>
@@ -2562,7 +10384,7 @@
           <a:p>
             <a:fld id="{78D5617F-8706-C243-AA34-EA73F1578B19}" type="datetimeFigureOut">
               <a:rPr kumimoji="1" lang="zh-CN" altLang="en-US" smtClean="0"/>
-              <a:t>15/3/16</a:t>
+              <a:t>15/3/17</a:t>
             </a:fld>
             <a:endParaRPr kumimoji="1" lang="zh-CN" altLang="en-US"/>
           </a:p>
@@ -2984,7 +10806,7 @@
           <a:p>
             <a:fld id="{78D5617F-8706-C243-AA34-EA73F1578B19}" type="datetimeFigureOut">
               <a:rPr kumimoji="1" lang="zh-CN" altLang="en-US" smtClean="0"/>
-              <a:t>15/3/16</a:t>
+              <a:t>15/3/17</a:t>
             </a:fld>
             <a:endParaRPr kumimoji="1" lang="zh-CN" altLang="en-US"/>
           </a:p>
@@ -3102,7 +10924,7 @@
           <a:p>
             <a:fld id="{78D5617F-8706-C243-AA34-EA73F1578B19}" type="datetimeFigureOut">
               <a:rPr kumimoji="1" lang="zh-CN" altLang="en-US" smtClean="0"/>
-              <a:t>15/3/16</a:t>
+              <a:t>15/3/17</a:t>
             </a:fld>
             <a:endParaRPr kumimoji="1" lang="zh-CN" altLang="en-US"/>
           </a:p>
@@ -3197,7 +11019,7 @@
           <a:p>
             <a:fld id="{78D5617F-8706-C243-AA34-EA73F1578B19}" type="datetimeFigureOut">
               <a:rPr kumimoji="1" lang="zh-CN" altLang="en-US" smtClean="0"/>
-              <a:t>15/3/16</a:t>
+              <a:t>15/3/17</a:t>
             </a:fld>
             <a:endParaRPr kumimoji="1" lang="zh-CN" altLang="en-US"/>
           </a:p>
@@ -3474,7 +11296,7 @@
           <a:p>
             <a:fld id="{78D5617F-8706-C243-AA34-EA73F1578B19}" type="datetimeFigureOut">
               <a:rPr kumimoji="1" lang="zh-CN" altLang="en-US" smtClean="0"/>
-              <a:t>15/3/16</a:t>
+              <a:t>15/3/17</a:t>
             </a:fld>
             <a:endParaRPr kumimoji="1" lang="zh-CN" altLang="en-US"/>
           </a:p>
@@ -3727,7 +11549,7 @@
           <a:p>
             <a:fld id="{78D5617F-8706-C243-AA34-EA73F1578B19}" type="datetimeFigureOut">
               <a:rPr kumimoji="1" lang="zh-CN" altLang="en-US" smtClean="0"/>
-              <a:t>15/3/16</a:t>
+              <a:t>15/3/17</a:t>
             </a:fld>
             <a:endParaRPr kumimoji="1" lang="zh-CN" altLang="en-US"/>
           </a:p>
@@ -3940,7 +11762,7 @@
           <a:p>
             <a:fld id="{78D5617F-8706-C243-AA34-EA73F1578B19}" type="datetimeFigureOut">
               <a:rPr kumimoji="1" lang="zh-CN" altLang="en-US" smtClean="0"/>
-              <a:t>15/3/16</a:t>
+              <a:t>15/3/17</a:t>
             </a:fld>
             <a:endParaRPr kumimoji="1" lang="zh-CN" altLang="en-US"/>
           </a:p>
@@ -6137,7 +13959,21 @@
           <a:p>
             <a:r>
               <a:rPr kumimoji="1" lang="zh-CN" altLang="en-US" sz="2000" dirty="0" smtClean="0"/>
-              <a:t>运行状态、停止状态、暂停状态</a:t>
+              <a:t>运行状态</a:t>
+            </a:r>
+            <a:endParaRPr kumimoji="1" lang="en-US" altLang="zh-CN" sz="2000" dirty="0" smtClean="0"/>
+          </a:p>
+          <a:p>
+            <a:r>
+              <a:rPr kumimoji="1" lang="zh-CN" altLang="en-US" sz="2000" dirty="0" smtClean="0"/>
+              <a:t>停止状态</a:t>
+            </a:r>
+            <a:endParaRPr kumimoji="1" lang="en-US" altLang="zh-CN" sz="2000" dirty="0" smtClean="0"/>
+          </a:p>
+          <a:p>
+            <a:r>
+              <a:rPr kumimoji="1" lang="zh-CN" altLang="en-US" sz="2000" dirty="0" smtClean="0"/>
+              <a:t>暂停状态</a:t>
             </a:r>
             <a:endParaRPr kumimoji="1" lang="zh-CN" altLang="en-US" sz="2000" dirty="0"/>
           </a:p>
@@ -6246,6 +14082,778 @@
 </p:sld>
 </file>
 
+<file path=ppt/slides/slide18.xml><?xml version="1.0" encoding="utf-8"?>
+<p:sld xmlns:a="http://schemas.openxmlformats.org/drawingml/2006/main" xmlns:r="http://schemas.openxmlformats.org/officeDocument/2006/relationships" xmlns:p="http://schemas.openxmlformats.org/presentationml/2006/main">
+  <p:cSld>
+    <p:spTree>
+      <p:nvGrpSpPr>
+        <p:cNvPr id="1" name=""/>
+        <p:cNvGrpSpPr/>
+        <p:nvPr/>
+      </p:nvGrpSpPr>
+      <p:grpSpPr>
+        <a:xfrm>
+          <a:off x="0" y="0"/>
+          <a:ext cx="0" cy="0"/>
+          <a:chOff x="0" y="0"/>
+          <a:chExt cx="0" cy="0"/>
+        </a:xfrm>
+      </p:grpSpPr>
+      <p:sp>
+        <p:nvSpPr>
+          <p:cNvPr id="2" name="标题 1"/>
+          <p:cNvSpPr>
+            <a:spLocks noGrp="1"/>
+          </p:cNvSpPr>
+          <p:nvPr>
+            <p:ph type="title"/>
+          </p:nvPr>
+        </p:nvSpPr>
+        <p:spPr>
+          <a:xfrm>
+            <a:off x="457200" y="11983"/>
+            <a:ext cx="8229600" cy="491247"/>
+          </a:xfrm>
+        </p:spPr>
+        <p:txBody>
+          <a:bodyPr>
+            <a:normAutofit fontScale="90000"/>
+          </a:bodyPr>
+          <a:lstStyle/>
+          <a:p>
+            <a:r>
+              <a:rPr kumimoji="1" lang="en-US" altLang="zh-CN" dirty="0" err="1" smtClean="0"/>
+              <a:t>Activty</a:t>
+            </a:r>
+            <a:endParaRPr kumimoji="1" lang="zh-CN" altLang="en-US" dirty="0"/>
+          </a:p>
+        </p:txBody>
+      </p:sp>
+      <p:sp>
+        <p:nvSpPr>
+          <p:cNvPr id="3" name="内容占位符 2"/>
+          <p:cNvSpPr>
+            <a:spLocks noGrp="1"/>
+          </p:cNvSpPr>
+          <p:nvPr>
+            <p:ph idx="1"/>
+          </p:nvPr>
+        </p:nvSpPr>
+        <p:spPr>
+          <a:xfrm>
+            <a:off x="361357" y="503230"/>
+            <a:ext cx="8229600" cy="5982383"/>
+          </a:xfrm>
+        </p:spPr>
+        <p:txBody>
+          <a:bodyPr/>
+          <a:lstStyle/>
+          <a:p>
+            <a:r>
+              <a:rPr kumimoji="1" lang="en-US" altLang="zh-CN" dirty="0" smtClean="0"/>
+              <a:t>activity</a:t>
+            </a:r>
+            <a:r>
+              <a:rPr kumimoji="1" lang="zh-CN" altLang="en-US" dirty="0" smtClean="0"/>
+              <a:t>之间的跳转</a:t>
+            </a:r>
+            <a:endParaRPr kumimoji="1" lang="en-US" altLang="zh-CN" dirty="0" smtClean="0"/>
+          </a:p>
+          <a:p>
+            <a:r>
+              <a:rPr kumimoji="1" lang="en-US" altLang="zh-CN" sz="2000" dirty="0" smtClean="0"/>
+              <a:t>Intent</a:t>
+            </a:r>
+            <a:r>
+              <a:rPr kumimoji="1" lang="zh-CN" altLang="en-US" sz="2000" dirty="0" smtClean="0"/>
+              <a:t> </a:t>
+            </a:r>
+            <a:r>
+              <a:rPr kumimoji="1" lang="en-US" altLang="zh-CN" sz="2000" dirty="0" smtClean="0"/>
+              <a:t>intent</a:t>
+            </a:r>
+            <a:r>
+              <a:rPr kumimoji="1" lang="zh-CN" altLang="en-US" sz="2000" dirty="0" smtClean="0"/>
+              <a:t> </a:t>
+            </a:r>
+            <a:r>
+              <a:rPr kumimoji="1" lang="en-US" altLang="zh-CN" sz="2000" dirty="0" smtClean="0"/>
+              <a:t>=</a:t>
+            </a:r>
+            <a:r>
+              <a:rPr kumimoji="1" lang="zh-CN" altLang="en-US" sz="2000" dirty="0" smtClean="0"/>
+              <a:t> </a:t>
+            </a:r>
+            <a:r>
+              <a:rPr kumimoji="1" lang="en-US" altLang="zh-CN" sz="2000" dirty="0" smtClean="0"/>
+              <a:t>new</a:t>
+            </a:r>
+            <a:r>
+              <a:rPr kumimoji="1" lang="zh-CN" altLang="en-US" sz="2000" dirty="0" smtClean="0"/>
+              <a:t> </a:t>
+            </a:r>
+            <a:r>
+              <a:rPr kumimoji="1" lang="en-US" altLang="zh-CN" sz="2000" dirty="0" smtClean="0"/>
+              <a:t>Intent(</a:t>
+            </a:r>
+            <a:r>
+              <a:rPr kumimoji="1" lang="en-US" altLang="zh-CN" sz="2000" dirty="0" err="1" smtClean="0"/>
+              <a:t>this,xxx</a:t>
+            </a:r>
+            <a:r>
+              <a:rPr kumimoji="1" lang="zh-CN" altLang="en-US" sz="2000" dirty="0" smtClean="0"/>
+              <a:t>.</a:t>
+            </a:r>
+            <a:r>
+              <a:rPr kumimoji="1" lang="en-US" altLang="zh-CN" sz="2000" dirty="0" smtClean="0"/>
+              <a:t>class)</a:t>
+            </a:r>
+            <a:r>
+              <a:rPr kumimoji="1" lang="zh-CN" altLang="en-US" sz="2000" dirty="0" smtClean="0"/>
+              <a:t>；</a:t>
+            </a:r>
+            <a:endParaRPr kumimoji="1" lang="en-US" altLang="zh-CN" sz="2000" dirty="0" smtClean="0"/>
+          </a:p>
+          <a:p>
+            <a:r>
+              <a:rPr kumimoji="1" lang="en-US" altLang="zh-CN" sz="2000" dirty="0" err="1" smtClean="0"/>
+              <a:t>startActivity</a:t>
+            </a:r>
+            <a:r>
+              <a:rPr kumimoji="1" lang="en-US" altLang="zh-CN" sz="2000" dirty="0" smtClean="0"/>
+              <a:t>(intent);</a:t>
+            </a:r>
+          </a:p>
+          <a:p>
+            <a:r>
+              <a:rPr kumimoji="1" lang="en-US" altLang="zh-CN" dirty="0" smtClean="0"/>
+              <a:t>activity</a:t>
+            </a:r>
+            <a:r>
+              <a:rPr kumimoji="1" lang="zh-CN" altLang="en-US" dirty="0" smtClean="0"/>
+              <a:t>之间数据传递</a:t>
+            </a:r>
+            <a:endParaRPr kumimoji="1" lang="en-US" altLang="zh-CN" dirty="0" smtClean="0"/>
+          </a:p>
+          <a:p>
+            <a:r>
+              <a:rPr kumimoji="1" lang="zh-CN" altLang="en-US" sz="2000" dirty="0" smtClean="0"/>
+              <a:t>数据传递的两种方式</a:t>
+            </a:r>
+            <a:endParaRPr kumimoji="1" lang="en-US" altLang="zh-CN" sz="2000" dirty="0"/>
+          </a:p>
+          <a:p>
+            <a:pPr marL="0" indent="0">
+              <a:buNone/>
+            </a:pPr>
+            <a:r>
+              <a:rPr kumimoji="1" lang="zh-CN" altLang="zh-CN" sz="2000" dirty="0" smtClean="0"/>
+              <a:t>（</a:t>
+            </a:r>
+            <a:r>
+              <a:rPr kumimoji="1" lang="en-US" altLang="zh-CN" sz="2000" dirty="0" smtClean="0"/>
+              <a:t>1</a:t>
+            </a:r>
+            <a:r>
+              <a:rPr kumimoji="1" lang="zh-CN" altLang="en-US" sz="2000" dirty="0" smtClean="0"/>
+              <a:t>）</a:t>
+            </a:r>
+            <a:r>
+              <a:rPr kumimoji="1" lang="en-US" altLang="zh-CN" sz="2000" dirty="0" err="1" smtClean="0"/>
+              <a:t>intent.putExtra</a:t>
+            </a:r>
+            <a:r>
+              <a:rPr kumimoji="1" lang="en-US" altLang="zh-CN" sz="2000" dirty="0" smtClean="0"/>
+              <a:t>(“</a:t>
+            </a:r>
+            <a:r>
+              <a:rPr kumimoji="1" lang="en-US" altLang="zh-CN" sz="2000" dirty="0" err="1" smtClean="0"/>
+              <a:t>param</a:t>
+            </a:r>
+            <a:r>
+              <a:rPr kumimoji="1" lang="en-US" altLang="zh-CN" sz="2000" dirty="0" smtClean="0"/>
+              <a:t>”,”I</a:t>
+            </a:r>
+            <a:r>
+              <a:rPr kumimoji="1" lang="zh-CN" altLang="en-US" sz="2000" dirty="0" smtClean="0"/>
+              <a:t> </a:t>
+            </a:r>
+            <a:r>
+              <a:rPr kumimoji="1" lang="en-US" altLang="zh-CN" sz="2000" dirty="0" smtClean="0"/>
+              <a:t>am</a:t>
+            </a:r>
+            <a:r>
+              <a:rPr kumimoji="1" lang="zh-CN" altLang="en-US" sz="2000" dirty="0" smtClean="0"/>
+              <a:t> </a:t>
+            </a:r>
+            <a:r>
+              <a:rPr kumimoji="1" lang="en-US" altLang="zh-CN" sz="2000" dirty="0" smtClean="0"/>
+              <a:t>activity”);</a:t>
+            </a:r>
+            <a:endParaRPr kumimoji="1" lang="en-US" altLang="zh-CN" sz="2000" dirty="0"/>
+          </a:p>
+          <a:p>
+            <a:pPr marL="0" indent="0">
+              <a:buNone/>
+            </a:pPr>
+            <a:r>
+              <a:rPr kumimoji="1" lang="en-US" altLang="zh-CN" sz="2000" dirty="0" smtClean="0"/>
+              <a:t>	</a:t>
+            </a:r>
+            <a:r>
+              <a:rPr kumimoji="1" lang="zh-CN" altLang="en-US" sz="2000" dirty="0" smtClean="0"/>
+              <a:t>  </a:t>
+            </a:r>
+            <a:r>
+              <a:rPr kumimoji="1" lang="en-US" altLang="zh-CN" sz="2000" dirty="0" err="1" smtClean="0"/>
+              <a:t>getIntent</a:t>
+            </a:r>
+            <a:r>
+              <a:rPr kumimoji="1" lang="en-US" altLang="zh-CN" sz="2000" dirty="0" smtClean="0"/>
+              <a:t>().</a:t>
+            </a:r>
+            <a:r>
+              <a:rPr kumimoji="1" lang="en-US" altLang="zh-CN" sz="2000" dirty="0" err="1" smtClean="0"/>
+              <a:t>getStringExtra</a:t>
+            </a:r>
+            <a:r>
+              <a:rPr kumimoji="1" lang="en-US" altLang="zh-CN" sz="2000" dirty="0" smtClean="0"/>
+              <a:t>(“</a:t>
+            </a:r>
+            <a:r>
+              <a:rPr kumimoji="1" lang="en-US" altLang="zh-CN" sz="2000" dirty="0" err="1" smtClean="0"/>
+              <a:t>param</a:t>
+            </a:r>
+            <a:r>
+              <a:rPr kumimoji="1" lang="en-US" altLang="zh-CN" sz="2000" dirty="0" smtClean="0"/>
+              <a:t>”);</a:t>
+            </a:r>
+          </a:p>
+          <a:p>
+            <a:pPr marL="0" indent="0">
+              <a:buNone/>
+            </a:pPr>
+            <a:r>
+              <a:rPr kumimoji="1" lang="zh-CN" altLang="zh-CN" sz="2000" dirty="0" smtClean="0"/>
+              <a:t>（</a:t>
+            </a:r>
+            <a:r>
+              <a:rPr kumimoji="1" lang="en-US" altLang="zh-CN" sz="2000" dirty="0" smtClean="0"/>
+              <a:t>2</a:t>
+            </a:r>
+            <a:r>
+              <a:rPr kumimoji="1" lang="zh-CN" altLang="en-US" sz="2000" dirty="0" smtClean="0"/>
+              <a:t>）</a:t>
+            </a:r>
+            <a:r>
+              <a:rPr kumimoji="1" lang="en-US" altLang="zh-CN" sz="2000" dirty="0" smtClean="0"/>
+              <a:t>	Bundle</a:t>
+            </a:r>
+            <a:r>
+              <a:rPr kumimoji="1" lang="zh-CN" altLang="en-US" sz="2000" dirty="0" smtClean="0"/>
+              <a:t> </a:t>
+            </a:r>
+            <a:r>
+              <a:rPr kumimoji="1" lang="en-US" altLang="zh-CN" sz="2000" dirty="0" smtClean="0"/>
+              <a:t>data</a:t>
+            </a:r>
+            <a:r>
+              <a:rPr kumimoji="1" lang="zh-CN" altLang="en-US" sz="2000" dirty="0" smtClean="0"/>
+              <a:t> </a:t>
+            </a:r>
+            <a:r>
+              <a:rPr kumimoji="1" lang="en-US" altLang="zh-CN" sz="2000" dirty="0" smtClean="0"/>
+              <a:t>=</a:t>
+            </a:r>
+            <a:r>
+              <a:rPr kumimoji="1" lang="zh-CN" altLang="en-US" sz="2000" dirty="0" smtClean="0"/>
+              <a:t> </a:t>
+            </a:r>
+            <a:r>
+              <a:rPr kumimoji="1" lang="en-US" altLang="zh-CN" sz="2000" dirty="0" smtClean="0"/>
+              <a:t>new</a:t>
+            </a:r>
+            <a:r>
+              <a:rPr kumimoji="1" lang="zh-CN" altLang="en-US" sz="2000" dirty="0" smtClean="0"/>
+              <a:t> </a:t>
+            </a:r>
+            <a:r>
+              <a:rPr kumimoji="1" lang="en-US" altLang="zh-CN" sz="2000" dirty="0" smtClean="0"/>
+              <a:t>Bundle();</a:t>
+            </a:r>
+          </a:p>
+          <a:p>
+            <a:pPr marL="0" indent="0">
+              <a:buNone/>
+            </a:pPr>
+            <a:r>
+              <a:rPr kumimoji="1" lang="en-US" altLang="zh-CN" sz="2000" dirty="0"/>
+              <a:t>	</a:t>
+            </a:r>
+            <a:r>
+              <a:rPr kumimoji="1" lang="en-US" altLang="zh-CN" sz="2000" dirty="0" smtClean="0"/>
+              <a:t>	</a:t>
+            </a:r>
+            <a:r>
+              <a:rPr kumimoji="1" lang="en-US" altLang="zh-CN" sz="2000" dirty="0" err="1" smtClean="0"/>
+              <a:t>data.putString</a:t>
+            </a:r>
+            <a:r>
+              <a:rPr kumimoji="1" lang="en-US" altLang="zh-CN" sz="2000" dirty="0" smtClean="0"/>
+              <a:t>(“</a:t>
+            </a:r>
+            <a:r>
+              <a:rPr kumimoji="1" lang="en-US" altLang="zh-CN" sz="2000" dirty="0" err="1" smtClean="0"/>
+              <a:t>param</a:t>
+            </a:r>
+            <a:r>
+              <a:rPr kumimoji="1" lang="en-US" altLang="zh-CN" sz="2000" dirty="0" smtClean="0"/>
+              <a:t>”,”activity”);</a:t>
+            </a:r>
+          </a:p>
+          <a:p>
+            <a:pPr marL="0" indent="0">
+              <a:buNone/>
+            </a:pPr>
+            <a:r>
+              <a:rPr kumimoji="1" lang="en-US" altLang="zh-CN" sz="2000" dirty="0"/>
+              <a:t>	</a:t>
+            </a:r>
+            <a:r>
+              <a:rPr kumimoji="1" lang="en-US" altLang="zh-CN" sz="2000" dirty="0" smtClean="0"/>
+              <a:t>	</a:t>
+            </a:r>
+            <a:r>
+              <a:rPr kumimoji="1" lang="en-US" altLang="zh-CN" sz="2000" dirty="0" err="1" smtClean="0"/>
+              <a:t>intent.putExtras</a:t>
+            </a:r>
+            <a:r>
+              <a:rPr kumimoji="1" lang="en-US" altLang="zh-CN" sz="2000" dirty="0" smtClean="0"/>
+              <a:t>(data);</a:t>
+            </a:r>
+          </a:p>
+          <a:p>
+            <a:pPr marL="0" indent="0">
+              <a:buNone/>
+            </a:pPr>
+            <a:endParaRPr kumimoji="1" lang="en-US" altLang="zh-CN" sz="2000" dirty="0" smtClean="0"/>
+          </a:p>
+          <a:p>
+            <a:pPr marL="0" indent="0">
+              <a:buNone/>
+            </a:pPr>
+            <a:r>
+              <a:rPr kumimoji="1" lang="en-US" altLang="zh-CN" sz="2000" dirty="0" smtClean="0"/>
+              <a:t>		Bundle</a:t>
+            </a:r>
+            <a:r>
+              <a:rPr kumimoji="1" lang="zh-CN" altLang="en-US" sz="2000" dirty="0" smtClean="0"/>
+              <a:t> </a:t>
+            </a:r>
+            <a:r>
+              <a:rPr kumimoji="1" lang="en-US" altLang="zh-CN" sz="2000" dirty="0" smtClean="0"/>
+              <a:t>data</a:t>
+            </a:r>
+            <a:r>
+              <a:rPr kumimoji="1" lang="zh-CN" altLang="en-US" sz="2000" dirty="0" smtClean="0"/>
+              <a:t> </a:t>
+            </a:r>
+            <a:r>
+              <a:rPr kumimoji="1" lang="en-US" altLang="zh-CN" sz="2000" dirty="0" smtClean="0"/>
+              <a:t>=</a:t>
+            </a:r>
+            <a:r>
+              <a:rPr kumimoji="1" lang="zh-CN" altLang="en-US" sz="2000" dirty="0" smtClean="0"/>
+              <a:t> </a:t>
+            </a:r>
+            <a:r>
+              <a:rPr kumimoji="1" lang="en-US" altLang="zh-CN" sz="2000" dirty="0" err="1" smtClean="0"/>
+              <a:t>getIntent.getExtras</a:t>
+            </a:r>
+            <a:r>
+              <a:rPr kumimoji="1" lang="en-US" altLang="zh-CN" sz="2000" dirty="0" smtClean="0"/>
+              <a:t>();</a:t>
+            </a:r>
+          </a:p>
+          <a:p>
+            <a:pPr marL="0" indent="0">
+              <a:buNone/>
+            </a:pPr>
+            <a:r>
+              <a:rPr kumimoji="1" lang="en-US" altLang="zh-CN" sz="2000" dirty="0"/>
+              <a:t>	</a:t>
+            </a:r>
+            <a:r>
+              <a:rPr kumimoji="1" lang="en-US" altLang="zh-CN" sz="2000" dirty="0" smtClean="0"/>
+              <a:t>	String</a:t>
+            </a:r>
+            <a:r>
+              <a:rPr kumimoji="1" lang="zh-CN" altLang="en-US" sz="2000" dirty="0" smtClean="0"/>
+              <a:t> </a:t>
+            </a:r>
+            <a:r>
+              <a:rPr kumimoji="1" lang="en-US" altLang="zh-CN" sz="2000" dirty="0" err="1" smtClean="0"/>
+              <a:t>param</a:t>
+            </a:r>
+            <a:r>
+              <a:rPr kumimoji="1" lang="zh-CN" altLang="en-US" sz="2000" dirty="0" smtClean="0"/>
+              <a:t> </a:t>
+            </a:r>
+            <a:r>
+              <a:rPr kumimoji="1" lang="en-US" altLang="zh-CN" sz="2000" dirty="0" smtClean="0"/>
+              <a:t>=</a:t>
+            </a:r>
+            <a:r>
+              <a:rPr kumimoji="1" lang="zh-CN" altLang="en-US" sz="2000" dirty="0" smtClean="0"/>
+              <a:t> </a:t>
+            </a:r>
+            <a:r>
+              <a:rPr kumimoji="1" lang="en-US" altLang="zh-CN" sz="2000" dirty="0" err="1" smtClean="0"/>
+              <a:t>data.getString</a:t>
+            </a:r>
+            <a:r>
+              <a:rPr kumimoji="1" lang="en-US" altLang="zh-CN" sz="2000" dirty="0" smtClean="0"/>
+              <a:t>(“</a:t>
+            </a:r>
+            <a:r>
+              <a:rPr kumimoji="1" lang="en-US" altLang="zh-CN" sz="2000" dirty="0" err="1" smtClean="0"/>
+              <a:t>param</a:t>
+            </a:r>
+            <a:r>
+              <a:rPr kumimoji="1" lang="en-US" altLang="zh-CN" sz="2000" dirty="0" smtClean="0"/>
+              <a:t>”);</a:t>
+            </a:r>
+          </a:p>
+          <a:p>
+            <a:pPr marL="0" indent="0">
+              <a:buNone/>
+            </a:pPr>
+            <a:r>
+              <a:rPr kumimoji="1" lang="en-US" altLang="zh-CN" sz="2000" dirty="0" smtClean="0"/>
+              <a:t>activity</a:t>
+            </a:r>
+            <a:r>
+              <a:rPr kumimoji="1" lang="zh-CN" altLang="en-US" sz="2000" dirty="0" smtClean="0"/>
+              <a:t>监听打开的</a:t>
+            </a:r>
+            <a:r>
+              <a:rPr kumimoji="1" lang="en-US" altLang="zh-CN" sz="2000" dirty="0" smtClean="0"/>
+              <a:t>activity</a:t>
+            </a:r>
+            <a:r>
+              <a:rPr kumimoji="1" lang="zh-CN" altLang="en-US" sz="2000" dirty="0" smtClean="0"/>
+              <a:t>返回值：</a:t>
+            </a:r>
+            <a:endParaRPr kumimoji="1" lang="en-US" altLang="zh-CN" sz="2000" dirty="0" smtClean="0"/>
+          </a:p>
+          <a:p>
+            <a:pPr marL="0" indent="0">
+              <a:buNone/>
+            </a:pPr>
+            <a:r>
+              <a:rPr kumimoji="1" lang="en-US" altLang="zh-CN" sz="2000" dirty="0" err="1" smtClean="0"/>
+              <a:t>startActivityForResult</a:t>
+            </a:r>
+            <a:r>
+              <a:rPr kumimoji="1" lang="zh-CN" altLang="en-US" sz="2000" dirty="0" smtClean="0"/>
+              <a:t>（）</a:t>
+            </a:r>
+            <a:endParaRPr kumimoji="1" lang="en-US" altLang="zh-CN" sz="2000" dirty="0"/>
+          </a:p>
+          <a:p>
+            <a:pPr marL="0" indent="0">
+              <a:buNone/>
+            </a:pPr>
+            <a:endParaRPr kumimoji="1" lang="zh-CN" altLang="en-US" sz="2000" dirty="0"/>
+          </a:p>
+        </p:txBody>
+      </p:sp>
+    </p:spTree>
+    <p:extLst>
+      <p:ext uri="{BB962C8B-B14F-4D97-AF65-F5344CB8AC3E}">
+        <p14:creationId xmlns:p14="http://schemas.microsoft.com/office/powerpoint/2010/main" val="1765021896"/>
+      </p:ext>
+    </p:extLst>
+  </p:cSld>
+  <p:clrMapOvr>
+    <a:masterClrMapping/>
+  </p:clrMapOvr>
+</p:sld>
+</file>
+
+<file path=ppt/slides/slide19.xml><?xml version="1.0" encoding="utf-8"?>
+<p:sld xmlns:a="http://schemas.openxmlformats.org/drawingml/2006/main" xmlns:r="http://schemas.openxmlformats.org/officeDocument/2006/relationships" xmlns:p="http://schemas.openxmlformats.org/presentationml/2006/main">
+  <p:cSld>
+    <p:spTree>
+      <p:nvGrpSpPr>
+        <p:cNvPr id="1" name=""/>
+        <p:cNvGrpSpPr/>
+        <p:nvPr/>
+      </p:nvGrpSpPr>
+      <p:grpSpPr>
+        <a:xfrm>
+          <a:off x="0" y="0"/>
+          <a:ext cx="0" cy="0"/>
+          <a:chOff x="0" y="0"/>
+          <a:chExt cx="0" cy="0"/>
+        </a:xfrm>
+      </p:grpSpPr>
+      <p:sp>
+        <p:nvSpPr>
+          <p:cNvPr id="2" name="标题 1"/>
+          <p:cNvSpPr>
+            <a:spLocks noGrp="1"/>
+          </p:cNvSpPr>
+          <p:nvPr>
+            <p:ph type="title"/>
+          </p:nvPr>
+        </p:nvSpPr>
+        <p:spPr/>
+        <p:txBody>
+          <a:bodyPr/>
+          <a:lstStyle/>
+          <a:p>
+            <a:r>
+              <a:rPr kumimoji="1" lang="en-US" altLang="zh-CN" dirty="0" smtClean="0"/>
+              <a:t>Intent</a:t>
+            </a:r>
+            <a:r>
+              <a:rPr kumimoji="1" lang="zh-CN" altLang="en-US" dirty="0" smtClean="0"/>
+              <a:t>介绍</a:t>
+            </a:r>
+            <a:endParaRPr kumimoji="1" lang="zh-CN" altLang="en-US" dirty="0"/>
+          </a:p>
+        </p:txBody>
+      </p:sp>
+      <p:sp>
+        <p:nvSpPr>
+          <p:cNvPr id="3" name="内容占位符 2"/>
+          <p:cNvSpPr>
+            <a:spLocks noGrp="1"/>
+          </p:cNvSpPr>
+          <p:nvPr>
+            <p:ph idx="1"/>
+          </p:nvPr>
+        </p:nvSpPr>
+        <p:spPr/>
+        <p:txBody>
+          <a:bodyPr/>
+          <a:lstStyle/>
+          <a:p>
+            <a:r>
+              <a:rPr kumimoji="1" lang="en-US" altLang="zh-CN" dirty="0" smtClean="0"/>
+              <a:t>Intent</a:t>
+            </a:r>
+            <a:r>
+              <a:rPr kumimoji="1" lang="zh-CN" altLang="en-US" dirty="0" smtClean="0"/>
+              <a:t>介绍</a:t>
+            </a:r>
+            <a:endParaRPr kumimoji="1" lang="en-US" altLang="zh-CN" dirty="0" smtClean="0"/>
+          </a:p>
+          <a:p>
+            <a:r>
+              <a:rPr kumimoji="1" lang="en-US" altLang="zh-CN" dirty="0" err="1" smtClean="0"/>
+              <a:t>IntentFilter</a:t>
+            </a:r>
+            <a:r>
+              <a:rPr kumimoji="1" lang="zh-CN" altLang="en-US" dirty="0" smtClean="0"/>
+              <a:t>介绍</a:t>
+            </a:r>
+            <a:endParaRPr kumimoji="1" lang="en-US" altLang="zh-CN" dirty="0" smtClean="0"/>
+          </a:p>
+          <a:p>
+            <a:r>
+              <a:rPr kumimoji="1" lang="zh-CN" altLang="en-US" dirty="0" smtClean="0"/>
+              <a:t>显示</a:t>
+            </a:r>
+            <a:r>
+              <a:rPr kumimoji="1" lang="en-US" altLang="zh-CN" dirty="0" smtClean="0"/>
+              <a:t>Intent</a:t>
+            </a:r>
+            <a:r>
+              <a:rPr kumimoji="1" lang="zh-CN" altLang="en-US" dirty="0" smtClean="0"/>
+              <a:t>和隐式</a:t>
+            </a:r>
+            <a:r>
+              <a:rPr kumimoji="1" lang="en-US" altLang="zh-CN" dirty="0" smtClean="0"/>
+              <a:t>Intent</a:t>
+            </a:r>
+          </a:p>
+          <a:p>
+            <a:r>
+              <a:rPr kumimoji="1" lang="en-US" altLang="zh-CN" sz="2000" dirty="0"/>
+              <a:t>Intent</a:t>
+            </a:r>
+            <a:r>
+              <a:rPr kumimoji="1" lang="zh-CN" altLang="en-US" sz="2000" dirty="0"/>
+              <a:t> </a:t>
+            </a:r>
+            <a:r>
+              <a:rPr kumimoji="1" lang="en-US" altLang="zh-CN" sz="2000" dirty="0"/>
+              <a:t>intent</a:t>
+            </a:r>
+            <a:r>
+              <a:rPr kumimoji="1" lang="zh-CN" altLang="en-US" sz="2000" dirty="0"/>
+              <a:t> </a:t>
+            </a:r>
+            <a:r>
+              <a:rPr kumimoji="1" lang="en-US" altLang="zh-CN" sz="2000" dirty="0"/>
+              <a:t>=</a:t>
+            </a:r>
+            <a:r>
+              <a:rPr kumimoji="1" lang="zh-CN" altLang="en-US" sz="2000" dirty="0"/>
+              <a:t> </a:t>
+            </a:r>
+            <a:r>
+              <a:rPr kumimoji="1" lang="en-US" altLang="zh-CN" sz="2000" dirty="0"/>
+              <a:t>new</a:t>
+            </a:r>
+            <a:r>
+              <a:rPr kumimoji="1" lang="zh-CN" altLang="en-US" sz="2000" dirty="0"/>
+              <a:t> </a:t>
+            </a:r>
+            <a:r>
+              <a:rPr kumimoji="1" lang="en-US" altLang="zh-CN" sz="2000" dirty="0"/>
+              <a:t>Intent(</a:t>
+            </a:r>
+            <a:r>
+              <a:rPr kumimoji="1" lang="en-US" altLang="zh-CN" sz="2000" dirty="0" err="1"/>
+              <a:t>this,xxx</a:t>
+            </a:r>
+            <a:r>
+              <a:rPr kumimoji="1" lang="zh-CN" altLang="en-US" sz="2000" dirty="0"/>
+              <a:t>.</a:t>
+            </a:r>
+            <a:r>
+              <a:rPr kumimoji="1" lang="en-US" altLang="zh-CN" sz="2000" dirty="0"/>
+              <a:t>class)</a:t>
+            </a:r>
+            <a:r>
+              <a:rPr kumimoji="1" lang="zh-CN" altLang="en-US" sz="2000" dirty="0" smtClean="0"/>
+              <a:t>；</a:t>
+            </a:r>
+            <a:r>
+              <a:rPr kumimoji="1" lang="zh-CN" altLang="en-US" sz="2000" dirty="0" smtClean="0"/>
+              <a:t>/</a:t>
+            </a:r>
+            <a:r>
+              <a:rPr kumimoji="1" lang="en-US" altLang="zh-CN" sz="2000" dirty="0" smtClean="0"/>
+              <a:t>/</a:t>
+            </a:r>
+            <a:r>
+              <a:rPr kumimoji="1" lang="zh-CN" altLang="en-US" sz="2000" dirty="0" smtClean="0"/>
+              <a:t>显示意图</a:t>
+            </a:r>
+            <a:endParaRPr kumimoji="1" lang="en-US" altLang="zh-CN" sz="2000" dirty="0" smtClean="0"/>
+          </a:p>
+          <a:p>
+            <a:r>
+              <a:rPr kumimoji="1" lang="en-US" altLang="zh-CN" sz="2000" dirty="0" smtClean="0"/>
+              <a:t>Intent</a:t>
+            </a:r>
+            <a:r>
+              <a:rPr kumimoji="1" lang="zh-CN" altLang="en-US" sz="2000" dirty="0" smtClean="0"/>
+              <a:t> </a:t>
+            </a:r>
+            <a:r>
+              <a:rPr kumimoji="1" lang="en-US" altLang="zh-CN" sz="2000" dirty="0" smtClean="0"/>
+              <a:t>intent</a:t>
+            </a:r>
+            <a:r>
+              <a:rPr kumimoji="1" lang="zh-CN" altLang="en-US" sz="2000" dirty="0" smtClean="0"/>
+              <a:t> </a:t>
+            </a:r>
+            <a:r>
+              <a:rPr kumimoji="1" lang="en-US" altLang="zh-CN" sz="2000" dirty="0" smtClean="0"/>
+              <a:t>=</a:t>
+            </a:r>
+            <a:r>
+              <a:rPr kumimoji="1" lang="zh-CN" altLang="en-US" sz="2000" dirty="0" smtClean="0"/>
+              <a:t> </a:t>
+            </a:r>
+            <a:r>
+              <a:rPr kumimoji="1" lang="en-US" altLang="zh-CN" sz="2000" dirty="0" smtClean="0"/>
+              <a:t>new</a:t>
+            </a:r>
+            <a:r>
+              <a:rPr kumimoji="1" lang="zh-CN" altLang="en-US" sz="2000" dirty="0" smtClean="0"/>
+              <a:t> </a:t>
+            </a:r>
+            <a:r>
+              <a:rPr kumimoji="1" lang="en-US" altLang="zh-CN" sz="2000" dirty="0" smtClean="0"/>
+              <a:t>Intent(“</a:t>
+            </a:r>
+            <a:r>
+              <a:rPr kumimoji="1" lang="en-US" altLang="zh-CN" sz="2000" dirty="0" err="1" smtClean="0"/>
+              <a:t>com.alan.demo.intent.filter</a:t>
+            </a:r>
+            <a:r>
+              <a:rPr kumimoji="1" lang="en-US" altLang="zh-CN" sz="2000" dirty="0" smtClean="0"/>
+              <a:t>”)</a:t>
+            </a:r>
+            <a:r>
+              <a:rPr kumimoji="1" lang="zh-CN" altLang="en-US" sz="2000" dirty="0" smtClean="0"/>
+              <a:t>/</a:t>
+            </a:r>
+            <a:r>
+              <a:rPr kumimoji="1" lang="en-US" altLang="zh-CN" sz="2000" dirty="0" smtClean="0"/>
+              <a:t>/</a:t>
+            </a:r>
+            <a:r>
+              <a:rPr kumimoji="1" lang="zh-CN" altLang="en-US" sz="2000" dirty="0" smtClean="0"/>
+              <a:t>隐式意图</a:t>
+            </a:r>
+            <a:endParaRPr kumimoji="1" lang="en-US" altLang="zh-CN" sz="2000" dirty="0" smtClean="0"/>
+          </a:p>
+          <a:p>
+            <a:r>
+              <a:rPr kumimoji="1" lang="zh-CN" altLang="en-US" sz="2000" dirty="0" smtClean="0"/>
+              <a:t>如果多个</a:t>
+            </a:r>
+            <a:r>
+              <a:rPr kumimoji="1" lang="en-US" altLang="zh-CN" sz="2000" dirty="0" smtClean="0"/>
+              <a:t>Activity</a:t>
+            </a:r>
+            <a:r>
+              <a:rPr kumimoji="1" lang="zh-CN" altLang="en-US" sz="2000" dirty="0" smtClean="0"/>
+              <a:t>的</a:t>
+            </a:r>
+            <a:r>
+              <a:rPr kumimoji="1" lang="en-US" altLang="zh-CN" sz="2000" dirty="0" err="1" smtClean="0"/>
+              <a:t>IntentFilter</a:t>
+            </a:r>
+            <a:r>
+              <a:rPr kumimoji="1" lang="zh-CN" altLang="en-US" sz="2000" dirty="0" smtClean="0"/>
+              <a:t>一致的话就会弹出</a:t>
+            </a:r>
+            <a:r>
+              <a:rPr kumimoji="1" lang="en-US" altLang="zh-CN" sz="2000" dirty="0" smtClean="0"/>
+              <a:t>Activity</a:t>
+            </a:r>
+            <a:r>
+              <a:rPr kumimoji="1" lang="zh-CN" altLang="en-US" sz="2000" dirty="0" smtClean="0"/>
+              <a:t>选择页面。</a:t>
+            </a:r>
+            <a:endParaRPr kumimoji="1" lang="en-US" altLang="zh-CN" sz="2000" dirty="0"/>
+          </a:p>
+          <a:p>
+            <a:endParaRPr kumimoji="1" lang="zh-CN" altLang="en-US" dirty="0"/>
+          </a:p>
+        </p:txBody>
+      </p:sp>
+    </p:spTree>
+    <p:extLst>
+      <p:ext uri="{BB962C8B-B14F-4D97-AF65-F5344CB8AC3E}">
+        <p14:creationId xmlns:p14="http://schemas.microsoft.com/office/powerpoint/2010/main" val="2789061574"/>
+      </p:ext>
+    </p:extLst>
+  </p:cSld>
+  <p:clrMapOvr>
+    <a:masterClrMapping/>
+  </p:clrMapOvr>
+</p:sld>
+</file>
+
 <file path=ppt/slides/slide2.xml><?xml version="1.0" encoding="utf-8"?>
 <p:sld xmlns:a="http://schemas.openxmlformats.org/drawingml/2006/main" xmlns:r="http://schemas.openxmlformats.org/officeDocument/2006/relationships" xmlns:p="http://schemas.openxmlformats.org/presentationml/2006/main">
   <p:cSld>
@@ -6426,6 +15034,1088 @@
       </p:par>
     </p:tnLst>
   </p:timing>
+</p:sld>
+</file>
+
+<file path=ppt/slides/slide20.xml><?xml version="1.0" encoding="utf-8"?>
+<p:sld xmlns:a="http://schemas.openxmlformats.org/drawingml/2006/main" xmlns:r="http://schemas.openxmlformats.org/officeDocument/2006/relationships" xmlns:p="http://schemas.openxmlformats.org/presentationml/2006/main">
+  <p:cSld>
+    <p:spTree>
+      <p:nvGrpSpPr>
+        <p:cNvPr id="1" name=""/>
+        <p:cNvGrpSpPr/>
+        <p:nvPr/>
+      </p:nvGrpSpPr>
+      <p:grpSpPr>
+        <a:xfrm>
+          <a:off x="0" y="0"/>
+          <a:ext cx="0" cy="0"/>
+          <a:chOff x="0" y="0"/>
+          <a:chExt cx="0" cy="0"/>
+        </a:xfrm>
+      </p:grpSpPr>
+      <p:sp>
+        <p:nvSpPr>
+          <p:cNvPr id="2" name="标题 1"/>
+          <p:cNvSpPr>
+            <a:spLocks noGrp="1"/>
+          </p:cNvSpPr>
+          <p:nvPr>
+            <p:ph type="title"/>
+          </p:nvPr>
+        </p:nvSpPr>
+        <p:spPr/>
+        <p:txBody>
+          <a:bodyPr/>
+          <a:lstStyle/>
+          <a:p>
+            <a:r>
+              <a:rPr kumimoji="1" lang="en-US" altLang="zh-CN" dirty="0" smtClean="0"/>
+              <a:t>Toast</a:t>
+            </a:r>
+            <a:endParaRPr kumimoji="1" lang="zh-CN" altLang="en-US" dirty="0"/>
+          </a:p>
+        </p:txBody>
+      </p:sp>
+      <p:sp>
+        <p:nvSpPr>
+          <p:cNvPr id="3" name="内容占位符 2"/>
+          <p:cNvSpPr>
+            <a:spLocks noGrp="1"/>
+          </p:cNvSpPr>
+          <p:nvPr>
+            <p:ph idx="1"/>
+          </p:nvPr>
+        </p:nvSpPr>
+        <p:spPr/>
+        <p:txBody>
+          <a:bodyPr>
+            <a:normAutofit/>
+          </a:bodyPr>
+          <a:lstStyle/>
+          <a:p>
+            <a:r>
+              <a:rPr lang="en-US" altLang="zh-CN" sz="2000" dirty="0"/>
+              <a:t>Toast</a:t>
+            </a:r>
+            <a:r>
+              <a:rPr lang="zh-CN" altLang="en-US" sz="2000" dirty="0"/>
+              <a:t>英文含义是吐司，在</a:t>
+            </a:r>
+            <a:r>
+              <a:rPr lang="en-US" altLang="zh-CN" sz="2000" dirty="0"/>
+              <a:t>Android</a:t>
+            </a:r>
+            <a:r>
+              <a:rPr lang="zh-CN" altLang="en-US" sz="2000" dirty="0"/>
+              <a:t>中，它就像烘烤机里做好的吐司弹出来，并持续一小段时间后慢慢消失</a:t>
+            </a:r>
+            <a:r>
+              <a:rPr lang="zh-CN" altLang="en-US" sz="2000" dirty="0" smtClean="0"/>
+              <a:t>。</a:t>
+            </a:r>
+            <a:endParaRPr lang="en-US" altLang="zh-CN" sz="2000" dirty="0" smtClean="0"/>
+          </a:p>
+          <a:p>
+            <a:r>
+              <a:rPr lang="zh-CN" altLang="en-US" sz="2000" dirty="0"/>
+              <a:t>使用场景：</a:t>
+            </a:r>
+          </a:p>
+          <a:p>
+            <a:pPr marL="0" indent="0">
+              <a:buNone/>
+            </a:pPr>
+            <a:r>
+              <a:rPr lang="zh-CN" altLang="en-US" sz="2000" dirty="0" smtClean="0"/>
+              <a:t>  </a:t>
+            </a:r>
+            <a:r>
+              <a:rPr lang="en-US" altLang="zh-CN" sz="2000" dirty="0" smtClean="0"/>
+              <a:t>1</a:t>
+            </a:r>
+            <a:r>
+              <a:rPr lang="zh-CN" altLang="en-US" sz="2000" dirty="0"/>
+              <a:t>、需要提示用户，但又不需要用户点击“确定”或者“取消”按钮。</a:t>
+            </a:r>
+          </a:p>
+          <a:p>
+            <a:pPr marL="0" indent="0">
+              <a:buNone/>
+            </a:pPr>
+            <a:r>
+              <a:rPr lang="zh-CN" altLang="en-US" sz="2000" dirty="0" smtClean="0"/>
+              <a:t>  </a:t>
+            </a:r>
+            <a:r>
+              <a:rPr lang="en-US" altLang="zh-CN" sz="2000" dirty="0" smtClean="0"/>
+              <a:t>2</a:t>
+            </a:r>
+            <a:r>
+              <a:rPr lang="zh-CN" altLang="en-US" sz="2000" dirty="0"/>
+              <a:t>、不影响现有</a:t>
+            </a:r>
+            <a:r>
+              <a:rPr lang="en-US" altLang="zh-CN" sz="2000" dirty="0"/>
+              <a:t>Activity</a:t>
+            </a:r>
+            <a:r>
+              <a:rPr lang="zh-CN" altLang="en-US" sz="2000" dirty="0"/>
+              <a:t>运行的简单提示</a:t>
+            </a:r>
+            <a:r>
+              <a:rPr lang="zh-CN" altLang="en-US" sz="2000" dirty="0" smtClean="0"/>
+              <a:t>。</a:t>
+            </a:r>
+            <a:endParaRPr lang="en-US" altLang="zh-CN" sz="2000" dirty="0" smtClean="0"/>
+          </a:p>
+          <a:p>
+            <a:pPr marL="0" indent="0">
+              <a:buNone/>
+            </a:pPr>
+            <a:endParaRPr lang="en-US" altLang="zh-CN" sz="2000" dirty="0"/>
+          </a:p>
+          <a:p>
+            <a:pPr marL="0" indent="0">
+              <a:buNone/>
+            </a:pPr>
+            <a:r>
+              <a:rPr lang="en-US" altLang="zh-CN" sz="2000" dirty="0" err="1"/>
+              <a:t>Toast.</a:t>
+            </a:r>
+            <a:r>
+              <a:rPr lang="en-US" altLang="zh-CN" sz="2000" i="1" dirty="0" err="1"/>
+              <a:t>makeText</a:t>
+            </a:r>
+            <a:r>
+              <a:rPr lang="en-US" altLang="zh-CN" sz="2000" i="1" dirty="0"/>
+              <a:t>(</a:t>
+            </a:r>
+            <a:r>
+              <a:rPr lang="en-US" altLang="zh-CN" sz="2000" i="1" dirty="0" err="1"/>
+              <a:t>MainActivity.</a:t>
+            </a:r>
+            <a:r>
+              <a:rPr lang="en-US" altLang="zh-CN" sz="2000" b="1" i="1" dirty="0" err="1"/>
+              <a:t>this</a:t>
+            </a:r>
+            <a:r>
+              <a:rPr lang="en-US" altLang="zh-CN" sz="2000" b="1" i="1" dirty="0"/>
+              <a:t>, "toast", </a:t>
+            </a:r>
+            <a:r>
+              <a:rPr lang="en-US" altLang="zh-CN" sz="2000" b="1" i="1" dirty="0" err="1"/>
+              <a:t>Toast.LENGTH_SHORT</a:t>
+            </a:r>
+            <a:r>
+              <a:rPr lang="en-US" altLang="zh-CN" sz="2000" b="1" i="1" dirty="0" smtClean="0"/>
+              <a:t>)</a:t>
+            </a:r>
+            <a:r>
+              <a:rPr lang="en-US" altLang="zh-CN" sz="2000" b="1" i="1" dirty="0" smtClean="0"/>
+              <a:t>;</a:t>
+            </a:r>
+          </a:p>
+          <a:p>
+            <a:pPr marL="0" indent="0">
+              <a:buNone/>
+            </a:pPr>
+            <a:r>
+              <a:rPr lang="en-US" altLang="zh-CN" sz="2000" b="1" i="1" dirty="0" err="1" smtClean="0"/>
+              <a:t>Toast.LENGTH_LONG</a:t>
+            </a:r>
+            <a:r>
+              <a:rPr lang="zh-CN" altLang="en-US" sz="2000" b="1" i="1" dirty="0" smtClean="0"/>
+              <a:t> 显示时间稍长</a:t>
+            </a:r>
+            <a:endParaRPr lang="en-US" altLang="zh-CN" sz="2000" b="1" i="1" dirty="0" smtClean="0"/>
+          </a:p>
+          <a:p>
+            <a:pPr marL="0" indent="0">
+              <a:buNone/>
+            </a:pPr>
+            <a:r>
+              <a:rPr lang="en-US" altLang="zh-CN" sz="2000" b="1" i="1" dirty="0" err="1" smtClean="0"/>
+              <a:t>Toast.LENGTH_SHORT</a:t>
+            </a:r>
+            <a:r>
+              <a:rPr lang="zh-CN" altLang="en-US" sz="2000" b="1" i="1" dirty="0" smtClean="0"/>
+              <a:t> 显示时间稍短</a:t>
+            </a:r>
+            <a:endParaRPr lang="en-US" altLang="zh-CN" sz="2000" b="1" i="1" dirty="0" smtClean="0"/>
+          </a:p>
+          <a:p>
+            <a:pPr marL="0" indent="0">
+              <a:buNone/>
+            </a:pPr>
+            <a:r>
+              <a:rPr lang="en-US" altLang="zh-CN" sz="2000" dirty="0" err="1"/>
+              <a:t>mToast.setGravity</a:t>
+            </a:r>
+            <a:r>
+              <a:rPr lang="en-US" altLang="zh-CN" sz="2000" dirty="0"/>
+              <a:t>(</a:t>
+            </a:r>
+            <a:r>
+              <a:rPr lang="en-US" altLang="zh-CN" sz="2000" dirty="0" err="1"/>
+              <a:t>Gravity.</a:t>
+            </a:r>
+            <a:r>
+              <a:rPr lang="en-US" altLang="zh-CN" sz="2000" i="1" dirty="0" err="1"/>
+              <a:t>CENTER</a:t>
+            </a:r>
+            <a:r>
+              <a:rPr lang="en-US" altLang="zh-CN" sz="2000" i="1" dirty="0"/>
+              <a:t>, 0, 0)</a:t>
+            </a:r>
+            <a:r>
+              <a:rPr lang="en-US" altLang="zh-CN" sz="2000" i="1" dirty="0" smtClean="0"/>
+              <a:t>;</a:t>
+            </a:r>
+            <a:r>
+              <a:rPr lang="zh-CN" altLang="en-US" sz="2000" i="1" dirty="0" smtClean="0"/>
+              <a:t> 设置显示位置</a:t>
+            </a:r>
+            <a:endParaRPr lang="en-US" altLang="zh-CN" sz="2000" dirty="0" smtClean="0"/>
+          </a:p>
+          <a:p>
+            <a:pPr marL="0" indent="0">
+              <a:buNone/>
+            </a:pPr>
+            <a:endParaRPr kumimoji="1" lang="zh-CN" altLang="en-US" sz="2000" dirty="0"/>
+          </a:p>
+        </p:txBody>
+      </p:sp>
+    </p:spTree>
+    <p:extLst>
+      <p:ext uri="{BB962C8B-B14F-4D97-AF65-F5344CB8AC3E}">
+        <p14:creationId xmlns:p14="http://schemas.microsoft.com/office/powerpoint/2010/main" val="3577500082"/>
+      </p:ext>
+    </p:extLst>
+  </p:cSld>
+  <p:clrMapOvr>
+    <a:masterClrMapping/>
+  </p:clrMapOvr>
+</p:sld>
+</file>
+
+<file path=ppt/slides/slide21.xml><?xml version="1.0" encoding="utf-8"?>
+<p:sld xmlns:a="http://schemas.openxmlformats.org/drawingml/2006/main" xmlns:r="http://schemas.openxmlformats.org/officeDocument/2006/relationships" xmlns:p="http://schemas.openxmlformats.org/presentationml/2006/main">
+  <p:cSld>
+    <p:spTree>
+      <p:nvGrpSpPr>
+        <p:cNvPr id="1" name=""/>
+        <p:cNvGrpSpPr/>
+        <p:nvPr/>
+      </p:nvGrpSpPr>
+      <p:grpSpPr>
+        <a:xfrm>
+          <a:off x="0" y="0"/>
+          <a:ext cx="0" cy="0"/>
+          <a:chOff x="0" y="0"/>
+          <a:chExt cx="0" cy="0"/>
+        </a:xfrm>
+      </p:grpSpPr>
+      <p:sp>
+        <p:nvSpPr>
+          <p:cNvPr id="2" name="标题 1"/>
+          <p:cNvSpPr>
+            <a:spLocks noGrp="1"/>
+          </p:cNvSpPr>
+          <p:nvPr>
+            <p:ph type="title"/>
+          </p:nvPr>
+        </p:nvSpPr>
+        <p:spPr/>
+        <p:txBody>
+          <a:bodyPr/>
+          <a:lstStyle/>
+          <a:p>
+            <a:r>
+              <a:rPr kumimoji="1" lang="en-US" altLang="zh-CN" dirty="0" smtClean="0"/>
+              <a:t>Notification</a:t>
+            </a:r>
+            <a:endParaRPr kumimoji="1" lang="zh-CN" altLang="en-US" dirty="0"/>
+          </a:p>
+        </p:txBody>
+      </p:sp>
+      <p:sp>
+        <p:nvSpPr>
+          <p:cNvPr id="3" name="内容占位符 2"/>
+          <p:cNvSpPr>
+            <a:spLocks noGrp="1"/>
+          </p:cNvSpPr>
+          <p:nvPr>
+            <p:ph idx="1"/>
+          </p:nvPr>
+        </p:nvSpPr>
+        <p:spPr>
+          <a:xfrm>
+            <a:off x="0" y="1572973"/>
+            <a:ext cx="8958053" cy="4525963"/>
+          </a:xfrm>
+        </p:spPr>
+        <p:txBody>
+          <a:bodyPr/>
+          <a:lstStyle/>
+          <a:p>
+            <a:r>
+              <a:rPr kumimoji="1" lang="zh-CN" altLang="en-US" dirty="0" smtClean="0"/>
+              <a:t>什么是</a:t>
+            </a:r>
+            <a:r>
+              <a:rPr kumimoji="1" lang="en-US" altLang="zh-CN" dirty="0" smtClean="0"/>
+              <a:t>Notification</a:t>
+            </a:r>
+          </a:p>
+          <a:p>
+            <a:r>
+              <a:rPr kumimoji="1" lang="en-US" altLang="zh-CN" sz="1400" dirty="0">
+                <a:hlinkClick r:id="rId3"/>
+              </a:rPr>
+              <a:t>http://developer.android.com/guide/topics/ui/notifiers/</a:t>
+            </a:r>
+            <a:r>
+              <a:rPr kumimoji="1" lang="en-US" altLang="zh-CN" sz="1400" dirty="0" smtClean="0">
+                <a:hlinkClick r:id="rId3"/>
+              </a:rPr>
+              <a:t>notifications.html</a:t>
+            </a:r>
+            <a:endParaRPr kumimoji="1" lang="en-US" altLang="zh-CN" sz="1400" dirty="0" smtClean="0"/>
+          </a:p>
+          <a:p>
+            <a:r>
+              <a:rPr kumimoji="1" lang="en-US" altLang="zh-CN" sz="1400" dirty="0" smtClean="0"/>
+              <a:t>Notification</a:t>
+            </a:r>
+            <a:r>
+              <a:rPr kumimoji="1" lang="zh-CN" altLang="en-US" sz="1400" dirty="0"/>
+              <a:t> </a:t>
+            </a:r>
+            <a:r>
+              <a:rPr kumimoji="1" lang="zh-CN" altLang="en-US" sz="1400" dirty="0" smtClean="0"/>
+              <a:t>在下拉状态栏中显示的用于提醒的控件</a:t>
+            </a:r>
+            <a:r>
+              <a:rPr kumimoji="1" lang="en-US" altLang="zh-CN" sz="1400" dirty="0" smtClean="0"/>
+              <a:t>,</a:t>
+            </a:r>
+            <a:r>
+              <a:rPr kumimoji="1" lang="zh-CN" altLang="en-US" sz="1400" dirty="0" smtClean="0"/>
+              <a:t>是属于系统的。</a:t>
+            </a:r>
+            <a:endParaRPr kumimoji="1" lang="en-US" altLang="zh-CN" sz="1400" dirty="0"/>
+          </a:p>
+          <a:p>
+            <a:r>
+              <a:rPr lang="en-US" altLang="zh-CN" sz="1400" dirty="0" err="1" smtClean="0"/>
+              <a:t>NotificationManager</a:t>
+            </a:r>
+            <a:r>
+              <a:rPr lang="zh-CN" altLang="en-US" sz="1400" dirty="0" smtClean="0"/>
+              <a:t> </a:t>
+            </a:r>
+            <a:r>
+              <a:rPr lang="en-US" altLang="zh-CN" sz="1400" dirty="0" err="1" smtClean="0"/>
+              <a:t>mNotificationManager</a:t>
+            </a:r>
+            <a:r>
+              <a:rPr lang="en-US" altLang="zh-CN" sz="1400" dirty="0" smtClean="0"/>
+              <a:t> </a:t>
+            </a:r>
+            <a:r>
+              <a:rPr lang="en-US" altLang="zh-CN" sz="1400" dirty="0"/>
+              <a:t>= (</a:t>
+            </a:r>
+            <a:r>
+              <a:rPr lang="en-US" altLang="zh-CN" sz="1400" dirty="0" err="1"/>
+              <a:t>NotificationManager</a:t>
+            </a:r>
+            <a:r>
+              <a:rPr lang="en-US" altLang="zh-CN" sz="1400" dirty="0"/>
+              <a:t>) </a:t>
+            </a:r>
+            <a:r>
+              <a:rPr lang="en-US" altLang="zh-CN" sz="1400" dirty="0" err="1"/>
+              <a:t>getSystemService</a:t>
+            </a:r>
+            <a:r>
+              <a:rPr lang="en-US" altLang="zh-CN" sz="1400" dirty="0"/>
+              <a:t>(</a:t>
+            </a:r>
+            <a:r>
+              <a:rPr lang="en-US" altLang="zh-CN" sz="1400" dirty="0" err="1"/>
+              <a:t>Context.</a:t>
+            </a:r>
+            <a:r>
+              <a:rPr lang="en-US" altLang="zh-CN" sz="1400" i="1" dirty="0" err="1"/>
+              <a:t>NOTIFICATION_SERVICE</a:t>
+            </a:r>
+            <a:r>
+              <a:rPr lang="en-US" altLang="zh-CN" sz="1400" i="1" dirty="0"/>
+              <a:t>)</a:t>
+            </a:r>
+            <a:r>
+              <a:rPr lang="en-US" altLang="zh-CN" sz="1400" i="1" dirty="0" smtClean="0"/>
+              <a:t>;</a:t>
+            </a:r>
+          </a:p>
+          <a:p>
+            <a:r>
+              <a:rPr lang="en-US" altLang="zh-CN" sz="1400" dirty="0"/>
+              <a:t>android.support.v4.app.NotificationCompat.Builder builder = </a:t>
+            </a:r>
+            <a:r>
+              <a:rPr lang="en-US" altLang="zh-CN" sz="1400" b="1" dirty="0"/>
+              <a:t>new </a:t>
+            </a:r>
+            <a:r>
+              <a:rPr lang="en-US" altLang="zh-CN" sz="1400" b="1" dirty="0" err="1"/>
+              <a:t>NotificationCompat.Builder</a:t>
+            </a:r>
+            <a:r>
+              <a:rPr lang="en-US" altLang="zh-CN" sz="1400" b="1" dirty="0"/>
+              <a:t>(</a:t>
+            </a:r>
+            <a:r>
+              <a:rPr lang="en-US" altLang="zh-CN" sz="1400" b="1" dirty="0" err="1"/>
+              <a:t>MainActivity.this</a:t>
+            </a:r>
+            <a:r>
+              <a:rPr lang="en-US" altLang="zh-CN" sz="1400" b="1" dirty="0"/>
+              <a:t>)</a:t>
+            </a:r>
+            <a:r>
+              <a:rPr lang="en-US" altLang="zh-CN" sz="1400" b="1" dirty="0" smtClean="0"/>
+              <a:t>;</a:t>
+            </a:r>
+          </a:p>
+          <a:p>
+            <a:r>
+              <a:rPr lang="en-US" altLang="zh-TW" sz="1400" dirty="0" err="1"/>
+              <a:t>builder.setTicker</a:t>
+            </a:r>
+            <a:r>
+              <a:rPr lang="en-US" altLang="zh-TW" sz="1400" dirty="0" smtClean="0"/>
+              <a:t>(“</a:t>
+            </a:r>
+            <a:r>
+              <a:rPr lang="zh-TW" altLang="en-US" sz="1400" dirty="0" smtClean="0"/>
+              <a:t>雾霾</a:t>
+            </a:r>
+            <a:r>
+              <a:rPr lang="zh-TW" altLang="en-US" sz="1400" dirty="0"/>
+              <a:t>来</a:t>
+            </a:r>
+            <a:r>
+              <a:rPr lang="zh-TW" altLang="en-US" sz="1400" dirty="0" smtClean="0"/>
+              <a:t>了</a:t>
+            </a:r>
+            <a:r>
+              <a:rPr lang="en-US" altLang="zh-TW" sz="1400" dirty="0" smtClean="0"/>
+              <a:t>”)</a:t>
+            </a:r>
+            <a:r>
+              <a:rPr lang="en-US" altLang="zh-TW" sz="1400" dirty="0"/>
+              <a:t>;  /</a:t>
+            </a:r>
+            <a:r>
+              <a:rPr lang="en-US" altLang="zh-TW" sz="1400" dirty="0" smtClean="0"/>
+              <a:t>/</a:t>
+            </a:r>
+            <a:r>
+              <a:rPr lang="en-US" altLang="zh-CN" sz="1400" dirty="0" smtClean="0"/>
+              <a:t>Notification</a:t>
+            </a:r>
+            <a:r>
+              <a:rPr lang="zh-CN" altLang="en-US" sz="1400" dirty="0" smtClean="0"/>
+              <a:t>显示那一刻显示的内容</a:t>
+            </a:r>
+            <a:endParaRPr lang="zh-TW" altLang="en-US" sz="1400" dirty="0"/>
+          </a:p>
+          <a:p>
+            <a:r>
+              <a:rPr lang="en-US" altLang="zh-CN" sz="1400" dirty="0" err="1" smtClean="0"/>
+              <a:t>builder.setContentTitle</a:t>
+            </a:r>
+            <a:r>
+              <a:rPr lang="en-US" altLang="zh-CN" sz="1400" dirty="0" smtClean="0"/>
+              <a:t>(“</a:t>
+            </a:r>
+            <a:r>
+              <a:rPr lang="zh-CN" altLang="en-US" sz="1400" dirty="0" smtClean="0"/>
+              <a:t>注意</a:t>
+            </a:r>
+            <a:r>
+              <a:rPr lang="en-US" altLang="zh-CN" sz="1400" dirty="0" smtClean="0"/>
+              <a:t>”);</a:t>
+            </a:r>
+            <a:r>
+              <a:rPr lang="zh-CN" altLang="en-US" sz="1400" dirty="0" smtClean="0"/>
+              <a:t>  </a:t>
+            </a:r>
+            <a:endParaRPr lang="en-US" altLang="zh-CN" sz="1400" dirty="0"/>
+          </a:p>
+          <a:p>
+            <a:r>
+              <a:rPr lang="en-US" altLang="zh-CN" sz="1400" dirty="0" err="1" smtClean="0"/>
+              <a:t>builder.setContentText</a:t>
+            </a:r>
+            <a:r>
+              <a:rPr lang="en-US" altLang="zh-CN" sz="1400" dirty="0" smtClean="0"/>
+              <a:t>(“</a:t>
+            </a:r>
+            <a:r>
+              <a:rPr lang="zh-CN" altLang="en-US" sz="1400" dirty="0" smtClean="0"/>
+              <a:t>今天是严重雾霾</a:t>
+            </a:r>
+            <a:r>
+              <a:rPr lang="en-US" altLang="zh-CN" sz="1400" dirty="0" smtClean="0"/>
+              <a:t>”);</a:t>
+            </a:r>
+            <a:r>
+              <a:rPr lang="zh-CN" altLang="en-US" sz="1400" dirty="0" smtClean="0"/>
+              <a:t>  </a:t>
+            </a:r>
+            <a:endParaRPr lang="en-US" altLang="zh-CN" sz="1400" dirty="0" smtClean="0"/>
+          </a:p>
+          <a:p>
+            <a:r>
+              <a:rPr lang="en-US" altLang="zh-CN" sz="1400" dirty="0" err="1"/>
+              <a:t>builder.setSmallIcon</a:t>
+            </a:r>
+            <a:r>
+              <a:rPr lang="en-US" altLang="zh-CN" sz="1400" dirty="0"/>
+              <a:t>(</a:t>
+            </a:r>
+            <a:r>
+              <a:rPr lang="en-US" altLang="zh-CN" sz="1400" dirty="0" err="1"/>
+              <a:t>R.drawable.</a:t>
+            </a:r>
+            <a:r>
+              <a:rPr lang="en-US" altLang="zh-CN" sz="1400" i="1" dirty="0" err="1"/>
+              <a:t>ic_launcher</a:t>
+            </a:r>
+            <a:r>
+              <a:rPr lang="en-US" altLang="zh-CN" sz="1400" i="1" dirty="0"/>
+              <a:t>)</a:t>
+            </a:r>
+            <a:r>
+              <a:rPr lang="en-US" altLang="zh-CN" sz="1400" i="1" dirty="0" smtClean="0"/>
+              <a:t>;</a:t>
+            </a:r>
+            <a:r>
+              <a:rPr lang="zh-CN" altLang="en-US" sz="1400" i="1" dirty="0" smtClean="0"/>
+              <a:t> </a:t>
+            </a:r>
+            <a:r>
+              <a:rPr lang="en-US" altLang="zh-CN" sz="1400" i="1" dirty="0" smtClean="0"/>
+              <a:t>//</a:t>
+            </a:r>
+            <a:r>
+              <a:rPr lang="zh-CN" altLang="en-US" sz="1400" i="1" dirty="0" smtClean="0"/>
+              <a:t>图标</a:t>
+            </a:r>
+            <a:endParaRPr lang="en-US" altLang="zh-CN" sz="1400" i="1" dirty="0" smtClean="0"/>
+          </a:p>
+          <a:p>
+            <a:endParaRPr kumimoji="1" lang="en-US" altLang="zh-CN" sz="1400" i="1" dirty="0"/>
+          </a:p>
+          <a:p>
+            <a:r>
+              <a:rPr lang="en-US" altLang="zh-CN" sz="1400" dirty="0"/>
+              <a:t>Notification notification = </a:t>
+            </a:r>
+            <a:r>
+              <a:rPr lang="en-US" altLang="zh-CN" sz="1400" dirty="0" err="1"/>
+              <a:t>builder.build</a:t>
+            </a:r>
+            <a:r>
+              <a:rPr lang="en-US" altLang="zh-CN" sz="1400" dirty="0"/>
+              <a:t>();</a:t>
+            </a:r>
+          </a:p>
+          <a:p>
+            <a:r>
+              <a:rPr lang="en-US" altLang="zh-CN" sz="1400" dirty="0"/>
+              <a:t>		</a:t>
+            </a:r>
+            <a:r>
+              <a:rPr lang="en-US" altLang="zh-CN" sz="1400" dirty="0" err="1"/>
+              <a:t>mNotificationManager.notify</a:t>
+            </a:r>
+            <a:r>
+              <a:rPr lang="en-US" altLang="zh-CN" sz="1400" dirty="0"/>
+              <a:t>(1001, notification);  //</a:t>
+            </a:r>
+            <a:r>
+              <a:rPr lang="zh-CN" altLang="en-US" sz="1400" dirty="0"/>
+              <a:t>如果</a:t>
+            </a:r>
+            <a:r>
+              <a:rPr lang="en-US" altLang="zh-CN" sz="1400" dirty="0"/>
+              <a:t>id</a:t>
+            </a:r>
+            <a:r>
+              <a:rPr lang="zh-CN" altLang="en-US" sz="1400" dirty="0"/>
+              <a:t>一致就</a:t>
+            </a:r>
+            <a:r>
+              <a:rPr lang="zh-CN" altLang="en-US" sz="1400" dirty="0" smtClean="0"/>
+              <a:t>不会重复去显示</a:t>
+            </a:r>
+            <a:r>
+              <a:rPr lang="en-US" altLang="zh-CN" sz="1400" dirty="0" smtClean="0"/>
+              <a:t>,</a:t>
+            </a:r>
+            <a:r>
+              <a:rPr lang="zh-CN" altLang="en-US" sz="1400" dirty="0" smtClean="0"/>
+              <a:t>只会更新内容</a:t>
+            </a:r>
+            <a:endParaRPr lang="en-US" altLang="zh-CN" sz="1400" dirty="0" smtClean="0"/>
+          </a:p>
+          <a:p>
+            <a:r>
+              <a:rPr lang="en-US" altLang="zh-CN" sz="1400" dirty="0" smtClean="0">
+                <a:solidFill>
+                  <a:srgbClr val="000000"/>
+                </a:solidFill>
+                <a:latin typeface="Monaco"/>
+              </a:rPr>
+              <a:t>Notification </a:t>
+            </a:r>
+            <a:r>
+              <a:rPr lang="en-US" altLang="zh-CN" sz="1400" dirty="0">
+                <a:solidFill>
+                  <a:srgbClr val="000000"/>
+                </a:solidFill>
+                <a:latin typeface="Monaco"/>
+              </a:rPr>
+              <a:t>notification = </a:t>
+            </a:r>
+            <a:r>
+              <a:rPr lang="en-US" altLang="zh-CN" sz="1400" dirty="0" err="1">
+                <a:solidFill>
+                  <a:srgbClr val="000000"/>
+                </a:solidFill>
+                <a:latin typeface="Monaco"/>
+              </a:rPr>
+              <a:t>builder.build</a:t>
+            </a:r>
+            <a:r>
+              <a:rPr lang="en-US" altLang="zh-CN" sz="1400" dirty="0">
+                <a:solidFill>
+                  <a:srgbClr val="000000"/>
+                </a:solidFill>
+                <a:latin typeface="Monaco"/>
+              </a:rPr>
+              <a:t>();</a:t>
+            </a:r>
+          </a:p>
+          <a:p>
+            <a:r>
+              <a:rPr lang="en-US" altLang="zh-CN" sz="1400" dirty="0">
+                <a:solidFill>
+                  <a:srgbClr val="000000"/>
+                </a:solidFill>
+                <a:latin typeface="Monaco"/>
+              </a:rPr>
+              <a:t>		</a:t>
+            </a:r>
+            <a:r>
+              <a:rPr lang="en-US" altLang="zh-CN" sz="1400" dirty="0" err="1">
+                <a:solidFill>
+                  <a:srgbClr val="0000C0"/>
+                </a:solidFill>
+                <a:latin typeface="Monaco"/>
+              </a:rPr>
+              <a:t>mNotificationManager</a:t>
+            </a:r>
+            <a:r>
+              <a:rPr lang="en-US" altLang="zh-CN" sz="1400" dirty="0" err="1">
+                <a:solidFill>
+                  <a:srgbClr val="000000"/>
+                </a:solidFill>
+                <a:latin typeface="Monaco"/>
+              </a:rPr>
+              <a:t>.notify</a:t>
+            </a:r>
+            <a:r>
+              <a:rPr lang="en-US" altLang="zh-CN" sz="1400" dirty="0">
+                <a:solidFill>
+                  <a:srgbClr val="000000"/>
+                </a:solidFill>
+                <a:latin typeface="Monaco"/>
+              </a:rPr>
+              <a:t>(1001, notification);  </a:t>
+            </a:r>
+            <a:endParaRPr kumimoji="1" lang="en-US" altLang="zh-CN" sz="1400" dirty="0" smtClean="0"/>
+          </a:p>
+        </p:txBody>
+      </p:sp>
+    </p:spTree>
+    <p:extLst>
+      <p:ext uri="{BB962C8B-B14F-4D97-AF65-F5344CB8AC3E}">
+        <p14:creationId xmlns:p14="http://schemas.microsoft.com/office/powerpoint/2010/main" val="3497601160"/>
+      </p:ext>
+    </p:extLst>
+  </p:cSld>
+  <p:clrMapOvr>
+    <a:masterClrMapping/>
+  </p:clrMapOvr>
+</p:sld>
+</file>
+
+<file path=ppt/slides/slide22.xml><?xml version="1.0" encoding="utf-8"?>
+<p:sld xmlns:a="http://schemas.openxmlformats.org/drawingml/2006/main" xmlns:r="http://schemas.openxmlformats.org/officeDocument/2006/relationships" xmlns:p="http://schemas.openxmlformats.org/presentationml/2006/main">
+  <p:cSld>
+    <p:spTree>
+      <p:nvGrpSpPr>
+        <p:cNvPr id="1" name=""/>
+        <p:cNvGrpSpPr/>
+        <p:nvPr/>
+      </p:nvGrpSpPr>
+      <p:grpSpPr>
+        <a:xfrm>
+          <a:off x="0" y="0"/>
+          <a:ext cx="0" cy="0"/>
+          <a:chOff x="0" y="0"/>
+          <a:chExt cx="0" cy="0"/>
+        </a:xfrm>
+      </p:grpSpPr>
+      <p:sp>
+        <p:nvSpPr>
+          <p:cNvPr id="2" name="标题 1"/>
+          <p:cNvSpPr>
+            <a:spLocks noGrp="1"/>
+          </p:cNvSpPr>
+          <p:nvPr>
+            <p:ph type="title"/>
+          </p:nvPr>
+        </p:nvSpPr>
+        <p:spPr/>
+        <p:txBody>
+          <a:bodyPr/>
+          <a:lstStyle/>
+          <a:p>
+            <a:r>
+              <a:rPr kumimoji="1" lang="en-US" altLang="zh-CN" dirty="0" smtClean="0"/>
+              <a:t>Notification</a:t>
+            </a:r>
+            <a:endParaRPr kumimoji="1" lang="zh-CN" altLang="en-US" dirty="0"/>
+          </a:p>
+        </p:txBody>
+      </p:sp>
+      <p:pic>
+        <p:nvPicPr>
+          <p:cNvPr id="4" name="内容占位符 3" descr="notification.png"/>
+          <p:cNvPicPr>
+            <a:picLocks noGrp="1" noChangeAspect="1"/>
+          </p:cNvPicPr>
+          <p:nvPr>
+            <p:ph idx="1"/>
+          </p:nvPr>
+        </p:nvPicPr>
+        <p:blipFill>
+          <a:blip r:embed="rId3">
+            <a:extLst>
+              <a:ext uri="{28A0092B-C50C-407E-A947-70E740481C1C}">
+                <a14:useLocalDpi xmlns:a14="http://schemas.microsoft.com/office/drawing/2010/main" val="0"/>
+              </a:ext>
+            </a:extLst>
+          </a:blip>
+          <a:srcRect t="2414" b="2414"/>
+          <a:stretch>
+            <a:fillRect/>
+          </a:stretch>
+        </p:blipFill>
+        <p:spPr/>
+      </p:pic>
+    </p:spTree>
+    <p:extLst>
+      <p:ext uri="{BB962C8B-B14F-4D97-AF65-F5344CB8AC3E}">
+        <p14:creationId xmlns:p14="http://schemas.microsoft.com/office/powerpoint/2010/main" val="2317309152"/>
+      </p:ext>
+    </p:extLst>
+  </p:cSld>
+  <p:clrMapOvr>
+    <a:masterClrMapping/>
+  </p:clrMapOvr>
+</p:sld>
+</file>
+
+<file path=ppt/slides/slide23.xml><?xml version="1.0" encoding="utf-8"?>
+<p:sld xmlns:a="http://schemas.openxmlformats.org/drawingml/2006/main" xmlns:r="http://schemas.openxmlformats.org/officeDocument/2006/relationships" xmlns:p="http://schemas.openxmlformats.org/presentationml/2006/main">
+  <p:cSld>
+    <p:spTree>
+      <p:nvGrpSpPr>
+        <p:cNvPr id="1" name=""/>
+        <p:cNvGrpSpPr/>
+        <p:nvPr/>
+      </p:nvGrpSpPr>
+      <p:grpSpPr>
+        <a:xfrm>
+          <a:off x="0" y="0"/>
+          <a:ext cx="0" cy="0"/>
+          <a:chOff x="0" y="0"/>
+          <a:chExt cx="0" cy="0"/>
+        </a:xfrm>
+      </p:grpSpPr>
+      <p:sp>
+        <p:nvSpPr>
+          <p:cNvPr id="2" name="标题 1"/>
+          <p:cNvSpPr>
+            <a:spLocks noGrp="1"/>
+          </p:cNvSpPr>
+          <p:nvPr>
+            <p:ph type="title"/>
+          </p:nvPr>
+        </p:nvSpPr>
+        <p:spPr/>
+        <p:txBody>
+          <a:bodyPr/>
+          <a:lstStyle/>
+          <a:p>
+            <a:r>
+              <a:rPr kumimoji="1" lang="en-US" altLang="zh-CN" dirty="0" err="1" smtClean="0"/>
+              <a:t>Broadcast</a:t>
+            </a:r>
+            <a:r>
+              <a:rPr kumimoji="1" lang="en-US" altLang="zh-CN" dirty="0" err="1" smtClean="0"/>
+              <a:t>Receiver</a:t>
+            </a:r>
+            <a:endParaRPr kumimoji="1" lang="zh-CN" altLang="en-US" dirty="0"/>
+          </a:p>
+        </p:txBody>
+      </p:sp>
+      <p:sp>
+        <p:nvSpPr>
+          <p:cNvPr id="3" name="内容占位符 2"/>
+          <p:cNvSpPr>
+            <a:spLocks noGrp="1"/>
+          </p:cNvSpPr>
+          <p:nvPr>
+            <p:ph idx="1"/>
+          </p:nvPr>
+        </p:nvSpPr>
+        <p:spPr>
+          <a:xfrm>
+            <a:off x="307784" y="1164376"/>
+            <a:ext cx="8229600" cy="5693624"/>
+          </a:xfrm>
+        </p:spPr>
+        <p:txBody>
+          <a:bodyPr>
+            <a:normAutofit/>
+          </a:bodyPr>
+          <a:lstStyle/>
+          <a:p>
+            <a:r>
+              <a:rPr kumimoji="1" lang="en-US" altLang="zh-CN" sz="2400" dirty="0" err="1" smtClean="0"/>
+              <a:t>Broadcast</a:t>
+            </a:r>
+            <a:r>
+              <a:rPr kumimoji="1" lang="en-US" altLang="zh-CN" sz="2400" dirty="0" err="1" smtClean="0"/>
+              <a:t>Receiver</a:t>
+            </a:r>
+            <a:r>
+              <a:rPr kumimoji="1" lang="zh-CN" altLang="en-US" sz="2400" dirty="0" smtClean="0"/>
+              <a:t>概述</a:t>
+            </a:r>
+            <a:endParaRPr kumimoji="1" lang="en-US" altLang="zh-CN" sz="2400" dirty="0" smtClean="0"/>
+          </a:p>
+          <a:p>
+            <a:r>
+              <a:rPr kumimoji="1" lang="zh-CN" altLang="en-US" sz="1600" dirty="0" smtClean="0"/>
+              <a:t>是</a:t>
+            </a:r>
+            <a:r>
+              <a:rPr kumimoji="1" lang="en-US" altLang="zh-CN" sz="1600" dirty="0" smtClean="0"/>
+              <a:t>Android</a:t>
+            </a:r>
+            <a:r>
+              <a:rPr kumimoji="1" lang="zh-CN" altLang="en-US" sz="1600" dirty="0" smtClean="0"/>
+              <a:t>系统提供给组件和组件之间进行通信的一种机制，</a:t>
+            </a:r>
+            <a:r>
+              <a:rPr lang="en-US" altLang="zh-CN" sz="1600" dirty="0" err="1"/>
+              <a:t>BroadcastReceiver</a:t>
+            </a:r>
+            <a:r>
+              <a:rPr lang="zh-CN" altLang="en-US" sz="1600" dirty="0"/>
+              <a:t>也就是“广播接收者”的意思，顾名思义，它就是用来接收来自系统和应用中的广</a:t>
+            </a:r>
+            <a:r>
+              <a:rPr lang="zh-CN" altLang="en-US" sz="1600" dirty="0" smtClean="0"/>
+              <a:t>播</a:t>
+            </a:r>
+            <a:r>
+              <a:rPr lang="zh-CN" altLang="en-US" sz="1600" dirty="0" smtClean="0"/>
+              <a:t>。</a:t>
+            </a:r>
+            <a:endParaRPr lang="en-US" altLang="zh-CN" sz="1600" dirty="0" smtClean="0"/>
+          </a:p>
+          <a:p>
+            <a:r>
+              <a:rPr kumimoji="1" lang="zh-CN" altLang="en-US" sz="1600" dirty="0" smtClean="0"/>
+              <a:t>在</a:t>
+            </a:r>
+            <a:r>
+              <a:rPr kumimoji="1" lang="en-US" altLang="zh-CN" sz="1600" dirty="0" smtClean="0"/>
+              <a:t>Android</a:t>
+            </a:r>
+            <a:r>
+              <a:rPr kumimoji="1" lang="zh-CN" altLang="en-US" sz="1600" dirty="0" smtClean="0"/>
+              <a:t>系统中，广播体现在很多方面，例如：手机开机完成后系统会产生一条广播，当网络状态发生改变时系统会产生一条广播通知网络状态变化。当电池电量发生改变时也会发出一条广播，用户可以在低电量时告知用户及时保存应用数据，等等。</a:t>
+            </a:r>
+            <a:endParaRPr kumimoji="1" lang="en-US" altLang="zh-CN" sz="1600" dirty="0" smtClean="0"/>
+          </a:p>
+          <a:p>
+            <a:r>
+              <a:rPr lang="en-US" altLang="zh-CN" sz="1600" dirty="0"/>
+              <a:t>Android</a:t>
+            </a:r>
+            <a:r>
+              <a:rPr lang="zh-CN" altLang="en-US" sz="1600" dirty="0"/>
+              <a:t>中的广播机制设计的非常出色，很多事情原本需要开发者亲自操作的，现在只需等待广播告知自己就可以了，大大减少了开发的工作量和开发周期</a:t>
+            </a:r>
+            <a:r>
+              <a:rPr lang="zh-CN" altLang="en-US" sz="1600" dirty="0" smtClean="0"/>
+              <a:t>。</a:t>
+            </a:r>
+            <a:endParaRPr lang="en-US" altLang="zh-CN" sz="1600" dirty="0" smtClean="0"/>
+          </a:p>
+          <a:p>
+            <a:r>
+              <a:rPr kumimoji="1" lang="en-US" altLang="zh-CN" sz="2400" dirty="0" err="1" smtClean="0"/>
+              <a:t>BroadcastReceiver</a:t>
+            </a:r>
+            <a:r>
+              <a:rPr kumimoji="1" lang="zh-CN" altLang="en-US" sz="2400" dirty="0" smtClean="0"/>
+              <a:t>的声明和使用</a:t>
+            </a:r>
+            <a:endParaRPr kumimoji="1" lang="en-US" altLang="zh-CN" sz="2400" dirty="0" smtClean="0"/>
+          </a:p>
+          <a:p>
+            <a:r>
+              <a:rPr lang="en-US" altLang="zh-CN" sz="1600" dirty="0"/>
+              <a:t>1.</a:t>
+            </a:r>
+            <a:r>
+              <a:rPr lang="zh-CN" altLang="en-US" sz="1600" dirty="0"/>
+              <a:t>自定义类继承</a:t>
+            </a:r>
+            <a:r>
+              <a:rPr lang="en-US" altLang="zh-CN" sz="1600" dirty="0" err="1" smtClean="0"/>
+              <a:t>BroadcastReceiver</a:t>
+            </a:r>
+            <a:endParaRPr lang="en-US" altLang="zh-CN" sz="1600" dirty="0" smtClean="0"/>
+          </a:p>
+          <a:p>
+            <a:r>
+              <a:rPr lang="zh-CN" altLang="zh-CN" sz="1600" dirty="0" smtClean="0"/>
+              <a:t>2</a:t>
+            </a:r>
+            <a:r>
+              <a:rPr lang="en-US" altLang="zh-CN" sz="1600" dirty="0" smtClean="0"/>
+              <a:t>.</a:t>
+            </a:r>
+            <a:r>
+              <a:rPr lang="zh-CN" altLang="en-US" sz="1600" dirty="0" smtClean="0"/>
+              <a:t>注册广播</a:t>
+            </a:r>
+            <a:endParaRPr lang="en-US" altLang="zh-CN" sz="1600" dirty="0" smtClean="0"/>
+          </a:p>
+          <a:p>
+            <a:pPr marL="457200" lvl="1" indent="0">
+              <a:buNone/>
+            </a:pPr>
+            <a:r>
+              <a:rPr lang="zh-CN" altLang="zh-CN" sz="1200" dirty="0" smtClean="0"/>
+              <a:t>2</a:t>
+            </a:r>
+            <a:r>
+              <a:rPr lang="en-US" altLang="zh-CN" sz="1200" dirty="0" smtClean="0"/>
+              <a:t>.1</a:t>
+            </a:r>
+            <a:r>
+              <a:rPr lang="zh-CN" altLang="en-US" sz="1200" dirty="0" smtClean="0"/>
+              <a:t>静态注册广播</a:t>
+            </a:r>
+            <a:endParaRPr lang="en-US" altLang="zh-CN" sz="1200" dirty="0" smtClean="0"/>
+          </a:p>
+          <a:p>
+            <a:pPr marL="457200" lvl="1" indent="0">
+              <a:buNone/>
+            </a:pPr>
+            <a:r>
+              <a:rPr lang="zh-CN" altLang="zh-CN" sz="1200" dirty="0" smtClean="0"/>
+              <a:t>2</a:t>
+            </a:r>
+            <a:r>
+              <a:rPr lang="en-US" altLang="zh-CN" sz="1200" dirty="0" smtClean="0"/>
+              <a:t>.2</a:t>
+            </a:r>
+            <a:r>
+              <a:rPr lang="zh-CN" altLang="en-US" sz="1200" dirty="0" smtClean="0"/>
+              <a:t>动态注册广播</a:t>
+            </a:r>
+            <a:endParaRPr lang="en-US" altLang="zh-CN" sz="1200" dirty="0" smtClean="0"/>
+          </a:p>
+          <a:p>
+            <a:pPr marL="457200" lvl="1" indent="0">
+              <a:buNone/>
+            </a:pPr>
+            <a:endParaRPr lang="en-US" altLang="zh-CN" sz="1200" dirty="0" smtClean="0"/>
+          </a:p>
+          <a:p>
+            <a:pPr marL="457200" lvl="1" indent="0">
+              <a:buNone/>
+            </a:pPr>
+            <a:r>
+              <a:rPr lang="zh-CN" altLang="zh-CN" sz="1600" dirty="0" smtClean="0"/>
+              <a:t>3</a:t>
+            </a:r>
+            <a:r>
+              <a:rPr lang="zh-CN" altLang="en-US" sz="1600" dirty="0" smtClean="0"/>
+              <a:t>.发送广播</a:t>
+            </a:r>
+            <a:endParaRPr lang="en-US" altLang="zh-CN" sz="1600" dirty="0" smtClean="0"/>
+          </a:p>
+          <a:p>
+            <a:pPr marL="457200" lvl="1" indent="0">
+              <a:buNone/>
+            </a:pPr>
+            <a:r>
+              <a:rPr lang="en-US" altLang="zh-CN" sz="1600" dirty="0"/>
+              <a:t>	</a:t>
+            </a:r>
+            <a:r>
+              <a:rPr lang="zh-CN" altLang="en-US" sz="1400" dirty="0" smtClean="0"/>
+              <a:t>发送广播 ：显示意图，隐式意图 符合条件的接收者都可以收到广播 </a:t>
+            </a:r>
+            <a:r>
+              <a:rPr lang="en-US" altLang="zh-CN" sz="1400" dirty="0" err="1" smtClean="0"/>
+              <a:t>sendBroadcast</a:t>
+            </a:r>
+            <a:r>
+              <a:rPr lang="zh-CN" altLang="en-US" sz="1400" dirty="0" smtClean="0"/>
+              <a:t>（）</a:t>
+            </a:r>
+            <a:endParaRPr lang="en-US" altLang="zh-CN" sz="1400" dirty="0" smtClean="0"/>
+          </a:p>
+        </p:txBody>
+      </p:sp>
+    </p:spTree>
+    <p:extLst>
+      <p:ext uri="{BB962C8B-B14F-4D97-AF65-F5344CB8AC3E}">
+        <p14:creationId xmlns:p14="http://schemas.microsoft.com/office/powerpoint/2010/main" val="562362150"/>
+      </p:ext>
+    </p:extLst>
+  </p:cSld>
+  <p:clrMapOvr>
+    <a:masterClrMapping/>
+  </p:clrMapOvr>
 </p:sld>
 </file>
 
@@ -7914,11 +17604,7 @@
             </a:r>
             <a:r>
               <a:rPr kumimoji="1" lang="zh-CN" altLang="en-US" sz="1800" dirty="0" smtClean="0"/>
-              <a:t>下载地</a:t>
-            </a:r>
-            <a:r>
-              <a:rPr kumimoji="1" lang="zh-CN" altLang="en-US" sz="1800" dirty="0" smtClean="0"/>
-              <a:t>址</a:t>
+              <a:t>下载地址</a:t>
             </a:r>
             <a:r>
               <a:rPr kumimoji="1" lang="en-US" altLang="zh-CN" sz="1800" dirty="0" smtClean="0">
@@ -7934,11 +17620,7 @@
             </a:pPr>
             <a:r>
               <a:rPr kumimoji="1" lang="zh-CN" altLang="en-US" sz="1800" dirty="0" smtClean="0"/>
-              <a:t>    </a:t>
-            </a:r>
-            <a:r>
-              <a:rPr kumimoji="1" lang="zh-CN" altLang="en-US" sz="1800" dirty="0" smtClean="0"/>
-              <a:t>  </a:t>
+              <a:t>      </a:t>
             </a:r>
             <a:r>
               <a:rPr kumimoji="1" lang="en-US" altLang="zh-CN" sz="1800" dirty="0" smtClean="0"/>
@@ -7970,11 +17652,7 @@
             </a:r>
             <a:r>
               <a:rPr kumimoji="1" lang="zh-CN" altLang="en-US" sz="1800" dirty="0" smtClean="0"/>
-              <a:t>插</a:t>
-            </a:r>
-            <a:r>
-              <a:rPr kumimoji="1" lang="zh-CN" altLang="en-US" sz="1800" dirty="0" smtClean="0"/>
-              <a:t>件），是以插件的形式使用。</a:t>
+              <a:t>插件），是以插件的形式使用。</a:t>
             </a:r>
             <a:endParaRPr kumimoji="1" lang="en-US" altLang="zh-CN" sz="1800" dirty="0" smtClean="0"/>
           </a:p>
@@ -7988,19 +17666,7 @@
             </a:r>
             <a:r>
               <a:rPr kumimoji="1" lang="zh-CN" altLang="en-US" sz="1800" dirty="0" smtClean="0"/>
-              <a:t>  </a:t>
-            </a:r>
-            <a:r>
-              <a:rPr kumimoji="1" lang="zh-CN" altLang="en-US" sz="1800" dirty="0" smtClean="0"/>
-              <a:t> </a:t>
-            </a:r>
-            <a:r>
-              <a:rPr kumimoji="1" lang="zh-CN" altLang="en-US" sz="1800" dirty="0" smtClean="0"/>
-              <a:t> </a:t>
-            </a:r>
-            <a:r>
-              <a:rPr kumimoji="1" lang="zh-CN" altLang="en-US" sz="1800" dirty="0" smtClean="0"/>
-              <a:t>现在</a:t>
+              <a:t>    现在</a:t>
             </a:r>
             <a:r>
               <a:rPr kumimoji="1" lang="en-US" altLang="zh-CN" sz="1800" dirty="0" smtClean="0"/>

--- a/文件资料/Android培训-1.pptx
+++ b/文件资料/Android培训-1.pptx
@@ -5,7 +5,7 @@
     <p:sldMasterId id="2147483648" r:id="rId1"/>
   </p:sldMasterIdLst>
   <p:notesMasterIdLst>
-    <p:notesMasterId r:id="rId25"/>
+    <p:notesMasterId r:id="rId26"/>
   </p:notesMasterIdLst>
   <p:sldIdLst>
     <p:sldId id="256" r:id="rId2"/>
@@ -31,6 +31,7 @@
     <p:sldId id="276" r:id="rId22"/>
     <p:sldId id="277" r:id="rId23"/>
     <p:sldId id="275" r:id="rId24"/>
+    <p:sldId id="279" r:id="rId25"/>
   </p:sldIdLst>
   <p:sldSz cx="9144000" cy="6858000" type="screen4x3"/>
   <p:notesSz cx="6858000" cy="9144000"/>
@@ -1814,14 +1815,6 @@
               </a:rPr>
               <a:t>Intent</a:t>
             </a:r>
-            <a:endParaRPr lang="en-US" altLang="zh-CN" sz="3200" b="1" kern="1200" dirty="0" smtClean="0">
-              <a:solidFill>
-                <a:schemeClr val="tx1"/>
-              </a:solidFill>
-              <a:latin typeface="+mn-lt"/>
-              <a:ea typeface="+mn-ea"/>
-              <a:cs typeface="+mn-cs"/>
-            </a:endParaRPr>
           </a:p>
           <a:p>
             <a:r>
@@ -8772,18 +8765,7 @@
                 <a:ea typeface="+mn-ea"/>
                 <a:cs typeface="+mn-cs"/>
               </a:rPr>
-              <a:t>Intent(this,</a:t>
-            </a:r>
-            <a:r>
-              <a:rPr lang="en-US" altLang="zh-CN" sz="1200" b="0" kern="1200" dirty="0" smtClean="0">
-                <a:solidFill>
-                  <a:schemeClr val="tx1"/>
-                </a:solidFill>
-                <a:latin typeface="+mn-lt"/>
-                <a:ea typeface="+mn-ea"/>
-                <a:cs typeface="+mn-cs"/>
-              </a:rPr>
-              <a:t> </a:t>
+              <a:t>Intent(this, </a:t>
             </a:r>
             <a:r>
               <a:rPr lang="en-US" altLang="zh-CN" sz="1200" b="0" kern="1200" dirty="0" err="1" smtClean="0">
@@ -8794,18 +8776,7 @@
                 <a:ea typeface="+mn-ea"/>
                 <a:cs typeface="+mn-cs"/>
               </a:rPr>
-              <a:t>MyReceiver</a:t>
-            </a:r>
-            <a:r>
-              <a:rPr lang="en-US" altLang="zh-CN" sz="1200" b="0" kern="1200" dirty="0" err="1" smtClean="0">
-                <a:solidFill>
-                  <a:schemeClr val="tx1"/>
-                </a:solidFill>
-                <a:latin typeface="+mn-lt"/>
-                <a:ea typeface="+mn-ea"/>
-                <a:cs typeface="+mn-cs"/>
-              </a:rPr>
-              <a:t>.class</a:t>
+              <a:t>MyReceiver.class</a:t>
             </a:r>
             <a:r>
               <a:rPr lang="en-US" altLang="zh-CN" sz="1200" b="0" kern="1200" dirty="0" smtClean="0">
@@ -9100,8 +9071,1261 @@
                 <a:ea typeface="+mn-ea"/>
                 <a:cs typeface="+mn-cs"/>
               </a:rPr>
-              <a:t>，数值越大，优先级越高。</a:t>
-            </a:r>
+              <a:t>，数值越大，优先级越高</a:t>
+            </a:r>
+            <a:r>
+              <a:rPr lang="zh-CN" altLang="en-US" sz="1200" kern="1200" dirty="0" smtClean="0">
+                <a:solidFill>
+                  <a:schemeClr val="tx1"/>
+                </a:solidFill>
+                <a:latin typeface="+mn-lt"/>
+                <a:ea typeface="+mn-ea"/>
+                <a:cs typeface="+mn-cs"/>
+              </a:rPr>
+              <a:t>。</a:t>
+            </a:r>
+            <a:endParaRPr lang="en-US" altLang="zh-CN" sz="1200" kern="1200" dirty="0" smtClean="0">
+              <a:solidFill>
+                <a:schemeClr val="tx1"/>
+              </a:solidFill>
+              <a:latin typeface="+mn-lt"/>
+              <a:ea typeface="+mn-ea"/>
+              <a:cs typeface="+mn-cs"/>
+            </a:endParaRPr>
+          </a:p>
+          <a:p>
+            <a:endParaRPr kumimoji="1" lang="en-US" altLang="zh-CN" sz="1200" kern="1200" dirty="0" smtClean="0">
+              <a:solidFill>
+                <a:schemeClr val="tx1"/>
+              </a:solidFill>
+              <a:latin typeface="+mn-lt"/>
+              <a:ea typeface="+mn-ea"/>
+              <a:cs typeface="+mn-cs"/>
+            </a:endParaRPr>
+          </a:p>
+          <a:p>
+            <a:endParaRPr kumimoji="1" lang="en-US" altLang="zh-CN" sz="1200" kern="1200" dirty="0" smtClean="0">
+              <a:solidFill>
+                <a:schemeClr val="tx1"/>
+              </a:solidFill>
+              <a:latin typeface="+mn-lt"/>
+              <a:ea typeface="+mn-ea"/>
+              <a:cs typeface="+mn-cs"/>
+            </a:endParaRPr>
+          </a:p>
+          <a:p>
+            <a:endParaRPr kumimoji="1" lang="en-US" altLang="zh-CN" sz="1200" kern="1200" dirty="0" smtClean="0">
+              <a:solidFill>
+                <a:schemeClr val="tx1"/>
+              </a:solidFill>
+              <a:latin typeface="+mn-lt"/>
+              <a:ea typeface="+mn-ea"/>
+              <a:cs typeface="+mn-cs"/>
+            </a:endParaRPr>
+          </a:p>
+          <a:p>
+            <a:r>
+              <a:rPr kumimoji="1" lang="zh-CN" altLang="en-US" sz="1200" kern="1200" dirty="0" smtClean="0">
+                <a:solidFill>
+                  <a:schemeClr val="tx1"/>
+                </a:solidFill>
+                <a:latin typeface="+mn-lt"/>
+                <a:ea typeface="+mn-ea"/>
+                <a:cs typeface="+mn-cs"/>
+              </a:rPr>
+              <a:t>开机广播：</a:t>
+            </a:r>
+            <a:endParaRPr kumimoji="1" lang="en-US" altLang="zh-CN" sz="1200" kern="1200" dirty="0" smtClean="0">
+              <a:solidFill>
+                <a:schemeClr val="tx1"/>
+              </a:solidFill>
+              <a:latin typeface="+mn-lt"/>
+              <a:ea typeface="+mn-ea"/>
+              <a:cs typeface="+mn-cs"/>
+            </a:endParaRPr>
+          </a:p>
+          <a:p>
+            <a:r>
+              <a:rPr kumimoji="1" lang="en-US" altLang="zh-CN" sz="1200" kern="1200" dirty="0" smtClean="0">
+                <a:solidFill>
+                  <a:schemeClr val="tx1"/>
+                </a:solidFill>
+                <a:latin typeface="+mn-lt"/>
+                <a:ea typeface="+mn-ea"/>
+                <a:cs typeface="+mn-cs"/>
+              </a:rPr>
+              <a:t>&lt;intent-filter&gt;  </a:t>
+            </a:r>
+          </a:p>
+          <a:p>
+            <a:r>
+              <a:rPr kumimoji="1" lang="en-US" altLang="zh-CN" sz="1200" kern="1200" dirty="0" smtClean="0">
+                <a:solidFill>
+                  <a:schemeClr val="tx1"/>
+                </a:solidFill>
+                <a:latin typeface="+mn-lt"/>
+                <a:ea typeface="+mn-ea"/>
+                <a:cs typeface="+mn-cs"/>
+              </a:rPr>
+              <a:t>        &lt;!-- </a:t>
+            </a:r>
+            <a:r>
+              <a:rPr kumimoji="1" lang="zh-CN" altLang="en-US" sz="1200" kern="1200" dirty="0" smtClean="0">
+                <a:solidFill>
+                  <a:schemeClr val="tx1"/>
+                </a:solidFill>
+                <a:latin typeface="+mn-lt"/>
+                <a:ea typeface="+mn-ea"/>
+                <a:cs typeface="+mn-cs"/>
+              </a:rPr>
+              <a:t>注册开机广播地址</a:t>
+            </a:r>
+            <a:r>
+              <a:rPr kumimoji="1" lang="en-US" altLang="zh-CN" sz="1200" kern="1200" dirty="0" smtClean="0">
+                <a:solidFill>
+                  <a:schemeClr val="tx1"/>
+                </a:solidFill>
+                <a:latin typeface="+mn-lt"/>
+                <a:ea typeface="+mn-ea"/>
+                <a:cs typeface="+mn-cs"/>
+              </a:rPr>
+              <a:t>--&gt;  </a:t>
+            </a:r>
+          </a:p>
+          <a:p>
+            <a:r>
+              <a:rPr kumimoji="1" lang="en-US" altLang="zh-CN" sz="1200" kern="1200" dirty="0" smtClean="0">
+                <a:solidFill>
+                  <a:schemeClr val="tx1"/>
+                </a:solidFill>
+                <a:latin typeface="+mn-lt"/>
+                <a:ea typeface="+mn-ea"/>
+                <a:cs typeface="+mn-cs"/>
+              </a:rPr>
+              <a:t>        &lt;action </a:t>
+            </a:r>
+            <a:r>
+              <a:rPr kumimoji="1" lang="en-US" altLang="zh-CN" sz="1200" kern="1200" dirty="0" err="1" smtClean="0">
+                <a:solidFill>
+                  <a:schemeClr val="tx1"/>
+                </a:solidFill>
+                <a:latin typeface="+mn-lt"/>
+                <a:ea typeface="+mn-ea"/>
+                <a:cs typeface="+mn-cs"/>
+              </a:rPr>
+              <a:t>android:name</a:t>
+            </a:r>
+            <a:r>
+              <a:rPr kumimoji="1" lang="en-US" altLang="zh-CN" sz="1200" kern="1200" dirty="0" smtClean="0">
+                <a:solidFill>
+                  <a:schemeClr val="tx1"/>
+                </a:solidFill>
+                <a:latin typeface="+mn-lt"/>
+                <a:ea typeface="+mn-ea"/>
+                <a:cs typeface="+mn-cs"/>
+              </a:rPr>
+              <a:t>="</a:t>
+            </a:r>
+            <a:r>
+              <a:rPr kumimoji="1" lang="en-US" altLang="zh-CN" sz="1200" kern="1200" dirty="0" err="1" smtClean="0">
+                <a:solidFill>
+                  <a:schemeClr val="tx1"/>
+                </a:solidFill>
+                <a:latin typeface="+mn-lt"/>
+                <a:ea typeface="+mn-ea"/>
+                <a:cs typeface="+mn-cs"/>
+              </a:rPr>
+              <a:t>android.intent.action.BOOT_COMPLETED</a:t>
+            </a:r>
+            <a:r>
+              <a:rPr kumimoji="1" lang="en-US" altLang="zh-CN" sz="1200" kern="1200" dirty="0" smtClean="0">
+                <a:solidFill>
+                  <a:schemeClr val="tx1"/>
+                </a:solidFill>
+                <a:latin typeface="+mn-lt"/>
+                <a:ea typeface="+mn-ea"/>
+                <a:cs typeface="+mn-cs"/>
+              </a:rPr>
+              <a:t>"/&gt;  </a:t>
+            </a:r>
+          </a:p>
+          <a:p>
+            <a:r>
+              <a:rPr kumimoji="1" lang="en-US" altLang="zh-CN" sz="1200" kern="1200" dirty="0" smtClean="0">
+                <a:solidFill>
+                  <a:schemeClr val="tx1"/>
+                </a:solidFill>
+                <a:latin typeface="+mn-lt"/>
+                <a:ea typeface="+mn-ea"/>
+                <a:cs typeface="+mn-cs"/>
+              </a:rPr>
+              <a:t>        &lt;category </a:t>
+            </a:r>
+            <a:r>
+              <a:rPr kumimoji="1" lang="en-US" altLang="zh-CN" sz="1200" kern="1200" dirty="0" err="1" smtClean="0">
+                <a:solidFill>
+                  <a:schemeClr val="tx1"/>
+                </a:solidFill>
+                <a:latin typeface="+mn-lt"/>
+                <a:ea typeface="+mn-ea"/>
+                <a:cs typeface="+mn-cs"/>
+              </a:rPr>
+              <a:t>android:name</a:t>
+            </a:r>
+            <a:r>
+              <a:rPr kumimoji="1" lang="en-US" altLang="zh-CN" sz="1200" kern="1200" dirty="0" smtClean="0">
+                <a:solidFill>
+                  <a:schemeClr val="tx1"/>
+                </a:solidFill>
+                <a:latin typeface="+mn-lt"/>
+                <a:ea typeface="+mn-ea"/>
+                <a:cs typeface="+mn-cs"/>
+              </a:rPr>
+              <a:t>="</a:t>
+            </a:r>
+            <a:r>
+              <a:rPr kumimoji="1" lang="en-US" altLang="zh-CN" sz="1200" kern="1200" dirty="0" err="1" smtClean="0">
+                <a:solidFill>
+                  <a:schemeClr val="tx1"/>
+                </a:solidFill>
+                <a:latin typeface="+mn-lt"/>
+                <a:ea typeface="+mn-ea"/>
+                <a:cs typeface="+mn-cs"/>
+              </a:rPr>
+              <a:t>android.intent.category.DEFAULT</a:t>
+            </a:r>
+            <a:r>
+              <a:rPr kumimoji="1" lang="en-US" altLang="zh-CN" sz="1200" kern="1200" dirty="0" smtClean="0">
+                <a:solidFill>
+                  <a:schemeClr val="tx1"/>
+                </a:solidFill>
+                <a:latin typeface="+mn-lt"/>
+                <a:ea typeface="+mn-ea"/>
+                <a:cs typeface="+mn-cs"/>
+              </a:rPr>
+              <a:t>" /&gt;  </a:t>
+            </a:r>
+          </a:p>
+          <a:p>
+            <a:r>
+              <a:rPr kumimoji="1" lang="en-US" altLang="zh-CN" sz="1200" kern="1200" dirty="0" smtClean="0">
+                <a:solidFill>
+                  <a:schemeClr val="tx1"/>
+                </a:solidFill>
+                <a:latin typeface="+mn-lt"/>
+                <a:ea typeface="+mn-ea"/>
+                <a:cs typeface="+mn-cs"/>
+              </a:rPr>
+              <a:t>&lt;/intent-filter&gt; </a:t>
+            </a:r>
+          </a:p>
+          <a:p>
+            <a:r>
+              <a:rPr kumimoji="1" lang="zh-CN" altLang="en-US" sz="1200" kern="1200" dirty="0" smtClean="0">
+                <a:solidFill>
+                  <a:schemeClr val="tx1"/>
+                </a:solidFill>
+                <a:latin typeface="+mn-lt"/>
+                <a:ea typeface="+mn-ea"/>
+                <a:cs typeface="+mn-cs"/>
+              </a:rPr>
+              <a:t>注册开机广播，需要</a:t>
+            </a:r>
+            <a:r>
+              <a:rPr kumimoji="1" lang="en-US" altLang="zh-CN" sz="1200" kern="1200" dirty="0" smtClean="0">
+                <a:solidFill>
+                  <a:schemeClr val="tx1"/>
+                </a:solidFill>
+                <a:latin typeface="+mn-lt"/>
+                <a:ea typeface="+mn-ea"/>
+                <a:cs typeface="+mn-cs"/>
+              </a:rPr>
+              <a:t>&lt;uses-permission </a:t>
+            </a:r>
+            <a:r>
+              <a:rPr kumimoji="1" lang="en-US" altLang="zh-CN" sz="1200" kern="1200" dirty="0" err="1" smtClean="0">
+                <a:solidFill>
+                  <a:schemeClr val="tx1"/>
+                </a:solidFill>
+                <a:latin typeface="+mn-lt"/>
+                <a:ea typeface="+mn-ea"/>
+                <a:cs typeface="+mn-cs"/>
+              </a:rPr>
+              <a:t>android:name</a:t>
+            </a:r>
+            <a:r>
+              <a:rPr kumimoji="1" lang="en-US" altLang="zh-CN" sz="1200" kern="1200" dirty="0" smtClean="0">
+                <a:solidFill>
+                  <a:schemeClr val="tx1"/>
+                </a:solidFill>
+                <a:latin typeface="+mn-lt"/>
+                <a:ea typeface="+mn-ea"/>
+                <a:cs typeface="+mn-cs"/>
+              </a:rPr>
+              <a:t>=“</a:t>
+            </a:r>
+            <a:r>
+              <a:rPr kumimoji="1" lang="en-US" altLang="zh-CN" sz="1200" kern="1200" dirty="0" err="1" smtClean="0">
+                <a:solidFill>
+                  <a:schemeClr val="tx1"/>
+                </a:solidFill>
+                <a:latin typeface="+mn-lt"/>
+                <a:ea typeface="+mn-ea"/>
+                <a:cs typeface="+mn-cs"/>
+              </a:rPr>
+              <a:t>android.permission.RECEIVE_BOOT_COMPLETED</a:t>
+            </a:r>
+            <a:r>
+              <a:rPr kumimoji="1" lang="en-US" altLang="zh-CN" sz="1200" kern="1200" dirty="0" smtClean="0">
+                <a:solidFill>
+                  <a:schemeClr val="tx1"/>
+                </a:solidFill>
+                <a:latin typeface="+mn-lt"/>
+                <a:ea typeface="+mn-ea"/>
+                <a:cs typeface="+mn-cs"/>
+              </a:rPr>
+              <a:t>” /&gt; </a:t>
+            </a:r>
+            <a:r>
+              <a:rPr kumimoji="1" lang="zh-CN" altLang="en-US" sz="1200" kern="1200" dirty="0" smtClean="0">
+                <a:solidFill>
+                  <a:schemeClr val="tx1"/>
+                </a:solidFill>
+                <a:latin typeface="+mn-lt"/>
+                <a:ea typeface="+mn-ea"/>
+                <a:cs typeface="+mn-cs"/>
+              </a:rPr>
+              <a:t>权限</a:t>
+            </a:r>
+            <a:endParaRPr kumimoji="1" lang="en-US" altLang="zh-CN" sz="1200" kern="1200" dirty="0" smtClean="0">
+              <a:solidFill>
+                <a:schemeClr val="tx1"/>
+              </a:solidFill>
+              <a:latin typeface="+mn-lt"/>
+              <a:ea typeface="+mn-ea"/>
+              <a:cs typeface="+mn-cs"/>
+            </a:endParaRPr>
+          </a:p>
+          <a:p>
+            <a:endParaRPr kumimoji="1" lang="en-US" altLang="zh-CN" sz="1200" kern="1200" dirty="0" smtClean="0">
+              <a:solidFill>
+                <a:schemeClr val="tx1"/>
+              </a:solidFill>
+              <a:latin typeface="+mn-lt"/>
+              <a:ea typeface="+mn-ea"/>
+              <a:cs typeface="+mn-cs"/>
+            </a:endParaRPr>
+          </a:p>
+          <a:p>
+            <a:endParaRPr kumimoji="1" lang="en-US" altLang="zh-CN" sz="1200" kern="1200" dirty="0" smtClean="0">
+              <a:solidFill>
+                <a:schemeClr val="tx1"/>
+              </a:solidFill>
+              <a:latin typeface="+mn-lt"/>
+              <a:ea typeface="+mn-ea"/>
+              <a:cs typeface="+mn-cs"/>
+            </a:endParaRPr>
+          </a:p>
+          <a:p>
+            <a:r>
+              <a:rPr kumimoji="1" lang="zh-CN" altLang="en-US" sz="1200" kern="1200" dirty="0" smtClean="0">
+                <a:solidFill>
+                  <a:schemeClr val="tx1"/>
+                </a:solidFill>
+                <a:latin typeface="+mn-lt"/>
+                <a:ea typeface="+mn-ea"/>
+                <a:cs typeface="+mn-cs"/>
+              </a:rPr>
+              <a:t>注册网络状态变化的广播：</a:t>
+            </a:r>
+            <a:endParaRPr kumimoji="1" lang="en-US" altLang="zh-CN" sz="1200" kern="1200" dirty="0" smtClean="0">
+              <a:solidFill>
+                <a:schemeClr val="tx1"/>
+              </a:solidFill>
+              <a:latin typeface="+mn-lt"/>
+              <a:ea typeface="+mn-ea"/>
+              <a:cs typeface="+mn-cs"/>
+            </a:endParaRPr>
+          </a:p>
+          <a:p>
+            <a:r>
+              <a:rPr kumimoji="1" lang="en-US" altLang="zh-CN" sz="1200" kern="1200" dirty="0" smtClean="0">
+                <a:solidFill>
+                  <a:schemeClr val="tx1"/>
+                </a:solidFill>
+                <a:latin typeface="+mn-lt"/>
+                <a:ea typeface="+mn-ea"/>
+                <a:cs typeface="+mn-cs"/>
+              </a:rPr>
+              <a:t>&lt;intent-filter&gt;  </a:t>
+            </a:r>
+          </a:p>
+          <a:p>
+            <a:r>
+              <a:rPr kumimoji="1" lang="en-US" altLang="zh-CN" sz="1200" kern="1200" dirty="0" smtClean="0">
+                <a:solidFill>
+                  <a:schemeClr val="tx1"/>
+                </a:solidFill>
+                <a:latin typeface="+mn-lt"/>
+                <a:ea typeface="+mn-ea"/>
+                <a:cs typeface="+mn-cs"/>
+              </a:rPr>
+              <a:t>        &lt;action </a:t>
+            </a:r>
+            <a:r>
+              <a:rPr kumimoji="1" lang="en-US" altLang="zh-CN" sz="1200" kern="1200" dirty="0" err="1" smtClean="0">
+                <a:solidFill>
+                  <a:schemeClr val="tx1"/>
+                </a:solidFill>
+                <a:latin typeface="+mn-lt"/>
+                <a:ea typeface="+mn-ea"/>
+                <a:cs typeface="+mn-cs"/>
+              </a:rPr>
+              <a:t>android:name</a:t>
+            </a:r>
+            <a:r>
+              <a:rPr kumimoji="1" lang="en-US" altLang="zh-CN" sz="1200" kern="1200" dirty="0" smtClean="0">
+                <a:solidFill>
+                  <a:schemeClr val="tx1"/>
+                </a:solidFill>
+                <a:latin typeface="+mn-lt"/>
+                <a:ea typeface="+mn-ea"/>
+                <a:cs typeface="+mn-cs"/>
+              </a:rPr>
+              <a:t>="</a:t>
+            </a:r>
+            <a:r>
+              <a:rPr kumimoji="1" lang="en-US" altLang="zh-CN" sz="1200" kern="1200" dirty="0" err="1" smtClean="0">
+                <a:solidFill>
+                  <a:schemeClr val="tx1"/>
+                </a:solidFill>
+                <a:latin typeface="+mn-lt"/>
+                <a:ea typeface="+mn-ea"/>
+                <a:cs typeface="+mn-cs"/>
+              </a:rPr>
+              <a:t>android.net.conn.CONNECTIVITY_CHANGE</a:t>
+            </a:r>
+            <a:r>
+              <a:rPr kumimoji="1" lang="en-US" altLang="zh-CN" sz="1200" kern="1200" dirty="0" smtClean="0">
+                <a:solidFill>
+                  <a:schemeClr val="tx1"/>
+                </a:solidFill>
+                <a:latin typeface="+mn-lt"/>
+                <a:ea typeface="+mn-ea"/>
+                <a:cs typeface="+mn-cs"/>
+              </a:rPr>
+              <a:t>"/&gt;  </a:t>
+            </a:r>
+          </a:p>
+          <a:p>
+            <a:r>
+              <a:rPr kumimoji="1" lang="en-US" altLang="zh-CN" sz="1200" kern="1200" dirty="0" smtClean="0">
+                <a:solidFill>
+                  <a:schemeClr val="tx1"/>
+                </a:solidFill>
+                <a:latin typeface="+mn-lt"/>
+                <a:ea typeface="+mn-ea"/>
+                <a:cs typeface="+mn-cs"/>
+              </a:rPr>
+              <a:t>        &lt;category </a:t>
+            </a:r>
+            <a:r>
+              <a:rPr kumimoji="1" lang="en-US" altLang="zh-CN" sz="1200" kern="1200" dirty="0" err="1" smtClean="0">
+                <a:solidFill>
+                  <a:schemeClr val="tx1"/>
+                </a:solidFill>
+                <a:latin typeface="+mn-lt"/>
+                <a:ea typeface="+mn-ea"/>
+                <a:cs typeface="+mn-cs"/>
+              </a:rPr>
+              <a:t>android:name</a:t>
+            </a:r>
+            <a:r>
+              <a:rPr kumimoji="1" lang="en-US" altLang="zh-CN" sz="1200" kern="1200" dirty="0" smtClean="0">
+                <a:solidFill>
+                  <a:schemeClr val="tx1"/>
+                </a:solidFill>
+                <a:latin typeface="+mn-lt"/>
+                <a:ea typeface="+mn-ea"/>
+                <a:cs typeface="+mn-cs"/>
+              </a:rPr>
+              <a:t>="</a:t>
+            </a:r>
+            <a:r>
+              <a:rPr kumimoji="1" lang="en-US" altLang="zh-CN" sz="1200" kern="1200" dirty="0" err="1" smtClean="0">
+                <a:solidFill>
+                  <a:schemeClr val="tx1"/>
+                </a:solidFill>
+                <a:latin typeface="+mn-lt"/>
+                <a:ea typeface="+mn-ea"/>
+                <a:cs typeface="+mn-cs"/>
+              </a:rPr>
+              <a:t>android.intent.category.DEFAULT</a:t>
+            </a:r>
+            <a:r>
+              <a:rPr kumimoji="1" lang="en-US" altLang="zh-CN" sz="1200" kern="1200" dirty="0" smtClean="0">
+                <a:solidFill>
+                  <a:schemeClr val="tx1"/>
+                </a:solidFill>
+                <a:latin typeface="+mn-lt"/>
+                <a:ea typeface="+mn-ea"/>
+                <a:cs typeface="+mn-cs"/>
+              </a:rPr>
+              <a:t>" /&gt;  </a:t>
+            </a:r>
+          </a:p>
+          <a:p>
+            <a:r>
+              <a:rPr kumimoji="1" lang="en-US" altLang="zh-CN" sz="1200" kern="1200" dirty="0" smtClean="0">
+                <a:solidFill>
+                  <a:schemeClr val="tx1"/>
+                </a:solidFill>
+                <a:latin typeface="+mn-lt"/>
+                <a:ea typeface="+mn-ea"/>
+                <a:cs typeface="+mn-cs"/>
+              </a:rPr>
+              <a:t>&lt;/intent-filter&gt; </a:t>
+            </a:r>
+          </a:p>
+          <a:p>
+            <a:r>
+              <a:rPr kumimoji="1" lang="zh-CN" altLang="en-US" sz="1200" kern="1200" dirty="0" smtClean="0">
+                <a:solidFill>
+                  <a:schemeClr val="tx1"/>
+                </a:solidFill>
+                <a:latin typeface="+mn-lt"/>
+                <a:ea typeface="+mn-ea"/>
+                <a:cs typeface="+mn-cs"/>
+              </a:rPr>
+              <a:t>需要</a:t>
+            </a:r>
+            <a:r>
+              <a:rPr kumimoji="1" lang="en-US" altLang="zh-CN" sz="1200" kern="1200" dirty="0" smtClean="0">
+                <a:solidFill>
+                  <a:schemeClr val="tx1"/>
+                </a:solidFill>
+                <a:latin typeface="+mn-lt"/>
+                <a:ea typeface="+mn-ea"/>
+                <a:cs typeface="+mn-cs"/>
+              </a:rPr>
+              <a:t>&lt;uses-permission </a:t>
+            </a:r>
+            <a:r>
+              <a:rPr kumimoji="1" lang="en-US" altLang="zh-CN" sz="1200" kern="1200" dirty="0" err="1" smtClean="0">
+                <a:solidFill>
+                  <a:schemeClr val="tx1"/>
+                </a:solidFill>
+                <a:latin typeface="+mn-lt"/>
+                <a:ea typeface="+mn-ea"/>
+                <a:cs typeface="+mn-cs"/>
+              </a:rPr>
+              <a:t>android:name</a:t>
+            </a:r>
+            <a:r>
+              <a:rPr kumimoji="1" lang="en-US" altLang="zh-CN" sz="1200" kern="1200" dirty="0" smtClean="0">
+                <a:solidFill>
+                  <a:schemeClr val="tx1"/>
+                </a:solidFill>
+                <a:latin typeface="+mn-lt"/>
+                <a:ea typeface="+mn-ea"/>
+                <a:cs typeface="+mn-cs"/>
+              </a:rPr>
+              <a:t>=“</a:t>
+            </a:r>
+            <a:r>
+              <a:rPr kumimoji="1" lang="en-US" altLang="zh-CN" sz="1200" kern="1200" dirty="0" err="1" smtClean="0">
+                <a:solidFill>
+                  <a:schemeClr val="tx1"/>
+                </a:solidFill>
+                <a:latin typeface="+mn-lt"/>
+                <a:ea typeface="+mn-ea"/>
+                <a:cs typeface="+mn-cs"/>
+              </a:rPr>
+              <a:t>android.permission.ACCESS_NETWORK_STATE</a:t>
+            </a:r>
+            <a:r>
+              <a:rPr kumimoji="1" lang="en-US" altLang="zh-CN" sz="1200" kern="1200" dirty="0" smtClean="0">
+                <a:solidFill>
+                  <a:schemeClr val="tx1"/>
+                </a:solidFill>
+                <a:latin typeface="+mn-lt"/>
+                <a:ea typeface="+mn-ea"/>
+                <a:cs typeface="+mn-cs"/>
+              </a:rPr>
+              <a:t>”/&gt; </a:t>
+            </a:r>
+            <a:r>
+              <a:rPr kumimoji="1" lang="zh-CN" altLang="en-US" sz="1200" kern="1200" dirty="0" smtClean="0">
+                <a:solidFill>
+                  <a:schemeClr val="tx1"/>
+                </a:solidFill>
+                <a:latin typeface="+mn-lt"/>
+                <a:ea typeface="+mn-ea"/>
+                <a:cs typeface="+mn-cs"/>
+              </a:rPr>
+              <a:t>权限</a:t>
+            </a:r>
+            <a:endParaRPr kumimoji="1" lang="en-US" altLang="zh-CN" sz="1200" kern="1200" dirty="0" smtClean="0">
+              <a:solidFill>
+                <a:schemeClr val="tx1"/>
+              </a:solidFill>
+              <a:latin typeface="+mn-lt"/>
+              <a:ea typeface="+mn-ea"/>
+              <a:cs typeface="+mn-cs"/>
+            </a:endParaRPr>
+          </a:p>
+          <a:p>
+            <a:endParaRPr kumimoji="1" lang="en-US" altLang="zh-CN" sz="1200" kern="1200" dirty="0" smtClean="0">
+              <a:solidFill>
+                <a:schemeClr val="tx1"/>
+              </a:solidFill>
+              <a:latin typeface="+mn-lt"/>
+              <a:ea typeface="+mn-ea"/>
+              <a:cs typeface="+mn-cs"/>
+            </a:endParaRPr>
+          </a:p>
+          <a:p>
+            <a:r>
+              <a:rPr kumimoji="1" lang="zh-CN" altLang="en-US" sz="1200" kern="1200" dirty="0" smtClean="0">
+                <a:solidFill>
+                  <a:schemeClr val="tx1"/>
+                </a:solidFill>
+                <a:latin typeface="+mn-lt"/>
+                <a:ea typeface="+mn-ea"/>
+                <a:cs typeface="+mn-cs"/>
+              </a:rPr>
+              <a:t>注册电量变化的广播：</a:t>
+            </a:r>
+            <a:endParaRPr kumimoji="1" lang="en-US" altLang="zh-CN" sz="1200" kern="1200" dirty="0" smtClean="0">
+              <a:solidFill>
+                <a:schemeClr val="tx1"/>
+              </a:solidFill>
+              <a:latin typeface="+mn-lt"/>
+              <a:ea typeface="+mn-ea"/>
+              <a:cs typeface="+mn-cs"/>
+            </a:endParaRPr>
+          </a:p>
+          <a:p>
+            <a:r>
+              <a:rPr kumimoji="1" lang="en-US" altLang="zh-CN" sz="1200" kern="1200" dirty="0" smtClean="0">
+                <a:solidFill>
+                  <a:schemeClr val="tx1"/>
+                </a:solidFill>
+                <a:latin typeface="+mn-lt"/>
+                <a:ea typeface="+mn-ea"/>
+                <a:cs typeface="+mn-cs"/>
+              </a:rPr>
+              <a:t>&lt;intent-filter&gt;  </a:t>
+            </a:r>
+          </a:p>
+          <a:p>
+            <a:r>
+              <a:rPr kumimoji="1" lang="en-US" altLang="zh-CN" sz="1200" kern="1200" dirty="0" smtClean="0">
+                <a:solidFill>
+                  <a:schemeClr val="tx1"/>
+                </a:solidFill>
+                <a:latin typeface="+mn-lt"/>
+                <a:ea typeface="+mn-ea"/>
+                <a:cs typeface="+mn-cs"/>
+              </a:rPr>
+              <a:t>        &lt;action </a:t>
+            </a:r>
+            <a:r>
+              <a:rPr kumimoji="1" lang="en-US" altLang="zh-CN" sz="1200" kern="1200" dirty="0" err="1" smtClean="0">
+                <a:solidFill>
+                  <a:schemeClr val="tx1"/>
+                </a:solidFill>
+                <a:latin typeface="+mn-lt"/>
+                <a:ea typeface="+mn-ea"/>
+                <a:cs typeface="+mn-cs"/>
+              </a:rPr>
+              <a:t>android:name</a:t>
+            </a:r>
+            <a:r>
+              <a:rPr kumimoji="1" lang="en-US" altLang="zh-CN" sz="1200" kern="1200" dirty="0" smtClean="0">
+                <a:solidFill>
+                  <a:schemeClr val="tx1"/>
+                </a:solidFill>
+                <a:latin typeface="+mn-lt"/>
+                <a:ea typeface="+mn-ea"/>
+                <a:cs typeface="+mn-cs"/>
+              </a:rPr>
+              <a:t>="</a:t>
+            </a:r>
+            <a:r>
+              <a:rPr kumimoji="1" lang="en-US" altLang="zh-CN" sz="1200" kern="1200" dirty="0" err="1" smtClean="0">
+                <a:solidFill>
+                  <a:schemeClr val="tx1"/>
+                </a:solidFill>
+                <a:latin typeface="+mn-lt"/>
+                <a:ea typeface="+mn-ea"/>
+                <a:cs typeface="+mn-cs"/>
+              </a:rPr>
+              <a:t>android.intent.action.BATTERY_CHANGED</a:t>
+            </a:r>
+            <a:r>
+              <a:rPr kumimoji="1" lang="en-US" altLang="zh-CN" sz="1200" kern="1200" dirty="0" smtClean="0">
+                <a:solidFill>
+                  <a:schemeClr val="tx1"/>
+                </a:solidFill>
+                <a:latin typeface="+mn-lt"/>
+                <a:ea typeface="+mn-ea"/>
+                <a:cs typeface="+mn-cs"/>
+              </a:rPr>
+              <a:t>"/&gt;  </a:t>
+            </a:r>
+          </a:p>
+          <a:p>
+            <a:r>
+              <a:rPr kumimoji="1" lang="en-US" altLang="zh-CN" sz="1200" kern="1200" dirty="0" smtClean="0">
+                <a:solidFill>
+                  <a:schemeClr val="tx1"/>
+                </a:solidFill>
+                <a:latin typeface="+mn-lt"/>
+                <a:ea typeface="+mn-ea"/>
+                <a:cs typeface="+mn-cs"/>
+              </a:rPr>
+              <a:t>        &lt;category </a:t>
+            </a:r>
+            <a:r>
+              <a:rPr kumimoji="1" lang="en-US" altLang="zh-CN" sz="1200" kern="1200" dirty="0" err="1" smtClean="0">
+                <a:solidFill>
+                  <a:schemeClr val="tx1"/>
+                </a:solidFill>
+                <a:latin typeface="+mn-lt"/>
+                <a:ea typeface="+mn-ea"/>
+                <a:cs typeface="+mn-cs"/>
+              </a:rPr>
+              <a:t>android:name</a:t>
+            </a:r>
+            <a:r>
+              <a:rPr kumimoji="1" lang="en-US" altLang="zh-CN" sz="1200" kern="1200" dirty="0" smtClean="0">
+                <a:solidFill>
+                  <a:schemeClr val="tx1"/>
+                </a:solidFill>
+                <a:latin typeface="+mn-lt"/>
+                <a:ea typeface="+mn-ea"/>
+                <a:cs typeface="+mn-cs"/>
+              </a:rPr>
+              <a:t>="</a:t>
+            </a:r>
+            <a:r>
+              <a:rPr kumimoji="1" lang="en-US" altLang="zh-CN" sz="1200" kern="1200" dirty="0" err="1" smtClean="0">
+                <a:solidFill>
+                  <a:schemeClr val="tx1"/>
+                </a:solidFill>
+                <a:latin typeface="+mn-lt"/>
+                <a:ea typeface="+mn-ea"/>
+                <a:cs typeface="+mn-cs"/>
+              </a:rPr>
+              <a:t>android.intent.category.DEFAULT</a:t>
+            </a:r>
+            <a:r>
+              <a:rPr kumimoji="1" lang="en-US" altLang="zh-CN" sz="1200" kern="1200" dirty="0" smtClean="0">
+                <a:solidFill>
+                  <a:schemeClr val="tx1"/>
+                </a:solidFill>
+                <a:latin typeface="+mn-lt"/>
+                <a:ea typeface="+mn-ea"/>
+                <a:cs typeface="+mn-cs"/>
+              </a:rPr>
+              <a:t>" /&gt;  </a:t>
+            </a:r>
+          </a:p>
+          <a:p>
+            <a:r>
+              <a:rPr kumimoji="1" lang="en-US" altLang="zh-CN" sz="1200" kern="1200" dirty="0" smtClean="0">
+                <a:solidFill>
+                  <a:schemeClr val="tx1"/>
+                </a:solidFill>
+                <a:latin typeface="+mn-lt"/>
+                <a:ea typeface="+mn-ea"/>
+                <a:cs typeface="+mn-cs"/>
+              </a:rPr>
+              <a:t>&lt;/intent-filter&gt; </a:t>
+            </a:r>
+          </a:p>
+          <a:p>
+            <a:r>
+              <a:rPr kumimoji="1" lang="en-US" altLang="zh-CN" sz="1200" kern="1200" dirty="0" err="1" smtClean="0">
+                <a:solidFill>
+                  <a:schemeClr val="tx1"/>
+                </a:solidFill>
+                <a:latin typeface="+mn-lt"/>
+                <a:ea typeface="+mn-ea"/>
+                <a:cs typeface="+mn-cs"/>
+              </a:rPr>
+              <a:t>int</a:t>
+            </a:r>
+            <a:r>
+              <a:rPr kumimoji="1" lang="en-US" altLang="zh-CN" sz="1200" kern="1200" dirty="0" smtClean="0">
+                <a:solidFill>
+                  <a:schemeClr val="tx1"/>
+                </a:solidFill>
+                <a:latin typeface="+mn-lt"/>
+                <a:ea typeface="+mn-ea"/>
+                <a:cs typeface="+mn-cs"/>
+              </a:rPr>
+              <a:t> </a:t>
+            </a:r>
+            <a:r>
+              <a:rPr kumimoji="1" lang="en-US" altLang="zh-CN" sz="1200" kern="1200" dirty="0" err="1" smtClean="0">
+                <a:solidFill>
+                  <a:schemeClr val="tx1"/>
+                </a:solidFill>
+                <a:latin typeface="+mn-lt"/>
+                <a:ea typeface="+mn-ea"/>
+                <a:cs typeface="+mn-cs"/>
+              </a:rPr>
+              <a:t>currLevel</a:t>
+            </a:r>
+            <a:r>
+              <a:rPr kumimoji="1" lang="en-US" altLang="zh-CN" sz="1200" kern="1200" dirty="0" smtClean="0">
+                <a:solidFill>
+                  <a:schemeClr val="tx1"/>
+                </a:solidFill>
+                <a:latin typeface="+mn-lt"/>
+                <a:ea typeface="+mn-ea"/>
+                <a:cs typeface="+mn-cs"/>
+              </a:rPr>
+              <a:t> = </a:t>
+            </a:r>
+            <a:r>
+              <a:rPr kumimoji="1" lang="en-US" altLang="zh-CN" sz="1200" kern="1200" dirty="0" err="1" smtClean="0">
+                <a:solidFill>
+                  <a:schemeClr val="tx1"/>
+                </a:solidFill>
+                <a:latin typeface="+mn-lt"/>
+                <a:ea typeface="+mn-ea"/>
+                <a:cs typeface="+mn-cs"/>
+              </a:rPr>
+              <a:t>intent.getIntExtra</a:t>
+            </a:r>
+            <a:r>
+              <a:rPr kumimoji="1" lang="en-US" altLang="zh-CN" sz="1200" kern="1200" dirty="0" smtClean="0">
+                <a:solidFill>
+                  <a:schemeClr val="tx1"/>
+                </a:solidFill>
+                <a:latin typeface="+mn-lt"/>
+                <a:ea typeface="+mn-ea"/>
+                <a:cs typeface="+mn-cs"/>
+              </a:rPr>
+              <a:t>(</a:t>
+            </a:r>
+            <a:r>
+              <a:rPr kumimoji="1" lang="en-US" altLang="zh-CN" sz="1200" kern="1200" dirty="0" err="1" smtClean="0">
+                <a:solidFill>
+                  <a:schemeClr val="tx1"/>
+                </a:solidFill>
+                <a:latin typeface="+mn-lt"/>
+                <a:ea typeface="+mn-ea"/>
+                <a:cs typeface="+mn-cs"/>
+              </a:rPr>
+              <a:t>BatteryManager.EXTRA_LEVEL</a:t>
+            </a:r>
+            <a:r>
+              <a:rPr kumimoji="1" lang="en-US" altLang="zh-CN" sz="1200" kern="1200" dirty="0" smtClean="0">
+                <a:solidFill>
+                  <a:schemeClr val="tx1"/>
+                </a:solidFill>
+                <a:latin typeface="+mn-lt"/>
+                <a:ea typeface="+mn-ea"/>
+                <a:cs typeface="+mn-cs"/>
+              </a:rPr>
+              <a:t>, 0);  //</a:t>
+            </a:r>
+            <a:r>
+              <a:rPr kumimoji="1" lang="zh-CN" altLang="en-US" sz="1200" kern="1200" dirty="0" smtClean="0">
+                <a:solidFill>
+                  <a:schemeClr val="tx1"/>
+                </a:solidFill>
+                <a:latin typeface="+mn-lt"/>
+                <a:ea typeface="+mn-ea"/>
+                <a:cs typeface="+mn-cs"/>
+              </a:rPr>
+              <a:t>当前电量  </a:t>
+            </a:r>
+          </a:p>
+          <a:p>
+            <a:r>
+              <a:rPr kumimoji="1" lang="zh-CN" altLang="en-US" sz="1200" kern="1200" dirty="0" smtClean="0">
+                <a:solidFill>
+                  <a:schemeClr val="tx1"/>
+                </a:solidFill>
+                <a:latin typeface="+mn-lt"/>
+                <a:ea typeface="+mn-ea"/>
+                <a:cs typeface="+mn-cs"/>
+              </a:rPr>
+              <a:t> </a:t>
+            </a:r>
+            <a:r>
+              <a:rPr kumimoji="1" lang="en-US" altLang="zh-CN" sz="1200" kern="1200" dirty="0" err="1" smtClean="0">
+                <a:solidFill>
+                  <a:schemeClr val="tx1"/>
+                </a:solidFill>
+                <a:latin typeface="+mn-lt"/>
+                <a:ea typeface="+mn-ea"/>
+                <a:cs typeface="+mn-cs"/>
+              </a:rPr>
+              <a:t>int</a:t>
+            </a:r>
+            <a:r>
+              <a:rPr kumimoji="1" lang="en-US" altLang="zh-CN" sz="1200" kern="1200" dirty="0" smtClean="0">
+                <a:solidFill>
+                  <a:schemeClr val="tx1"/>
+                </a:solidFill>
+                <a:latin typeface="+mn-lt"/>
+                <a:ea typeface="+mn-ea"/>
+                <a:cs typeface="+mn-cs"/>
+              </a:rPr>
+              <a:t> total = </a:t>
+            </a:r>
+            <a:r>
+              <a:rPr kumimoji="1" lang="en-US" altLang="zh-CN" sz="1200" kern="1200" dirty="0" err="1" smtClean="0">
+                <a:solidFill>
+                  <a:schemeClr val="tx1"/>
+                </a:solidFill>
+                <a:latin typeface="+mn-lt"/>
+                <a:ea typeface="+mn-ea"/>
+                <a:cs typeface="+mn-cs"/>
+              </a:rPr>
+              <a:t>intent.getIntExtra</a:t>
+            </a:r>
+            <a:r>
+              <a:rPr kumimoji="1" lang="en-US" altLang="zh-CN" sz="1200" kern="1200" dirty="0" smtClean="0">
+                <a:solidFill>
+                  <a:schemeClr val="tx1"/>
+                </a:solidFill>
+                <a:latin typeface="+mn-lt"/>
+                <a:ea typeface="+mn-ea"/>
+                <a:cs typeface="+mn-cs"/>
+              </a:rPr>
+              <a:t>(</a:t>
+            </a:r>
+            <a:r>
+              <a:rPr kumimoji="1" lang="en-US" altLang="zh-CN" sz="1200" kern="1200" dirty="0" err="1" smtClean="0">
+                <a:solidFill>
+                  <a:schemeClr val="tx1"/>
+                </a:solidFill>
+                <a:latin typeface="+mn-lt"/>
+                <a:ea typeface="+mn-ea"/>
+                <a:cs typeface="+mn-cs"/>
+              </a:rPr>
+              <a:t>BatteryManager.EXTRA_SCALE</a:t>
+            </a:r>
+            <a:r>
+              <a:rPr kumimoji="1" lang="en-US" altLang="zh-CN" sz="1200" kern="1200" dirty="0" smtClean="0">
+                <a:solidFill>
+                  <a:schemeClr val="tx1"/>
+                </a:solidFill>
+                <a:latin typeface="+mn-lt"/>
+                <a:ea typeface="+mn-ea"/>
+                <a:cs typeface="+mn-cs"/>
+              </a:rPr>
+              <a:t>, 1);      //</a:t>
+            </a:r>
+            <a:r>
+              <a:rPr kumimoji="1" lang="zh-CN" altLang="en-US" sz="1200" kern="1200" dirty="0" smtClean="0">
+                <a:solidFill>
+                  <a:schemeClr val="tx1"/>
+                </a:solidFill>
+                <a:latin typeface="+mn-lt"/>
+                <a:ea typeface="+mn-ea"/>
+                <a:cs typeface="+mn-cs"/>
+              </a:rPr>
+              <a:t>总电量 </a:t>
+            </a:r>
+            <a:endParaRPr kumimoji="1" lang="en-US" altLang="zh-CN" sz="1200" kern="1200" dirty="0" smtClean="0">
+              <a:solidFill>
+                <a:schemeClr val="tx1"/>
+              </a:solidFill>
+              <a:latin typeface="+mn-lt"/>
+              <a:ea typeface="+mn-ea"/>
+              <a:cs typeface="+mn-cs"/>
+            </a:endParaRPr>
+          </a:p>
+          <a:p>
+            <a:endParaRPr kumimoji="1" lang="en-US" altLang="zh-CN" sz="1200" kern="1200" dirty="0" smtClean="0">
+              <a:solidFill>
+                <a:schemeClr val="tx1"/>
+              </a:solidFill>
+              <a:latin typeface="+mn-lt"/>
+              <a:ea typeface="+mn-ea"/>
+              <a:cs typeface="+mn-cs"/>
+            </a:endParaRPr>
+          </a:p>
+          <a:p>
+            <a:endParaRPr kumimoji="1" lang="en-US" altLang="zh-CN" sz="1200" kern="1200" dirty="0" smtClean="0">
+              <a:solidFill>
+                <a:schemeClr val="tx1"/>
+              </a:solidFill>
+              <a:latin typeface="+mn-lt"/>
+              <a:ea typeface="+mn-ea"/>
+              <a:cs typeface="+mn-cs"/>
+            </a:endParaRPr>
+          </a:p>
+          <a:p>
+            <a:r>
+              <a:rPr kumimoji="1" lang="zh-CN" altLang="en-US" sz="1200" kern="1200" dirty="0" smtClean="0">
+                <a:solidFill>
+                  <a:schemeClr val="tx1"/>
+                </a:solidFill>
+                <a:latin typeface="+mn-lt"/>
+                <a:ea typeface="+mn-ea"/>
+                <a:cs typeface="+mn-cs"/>
+              </a:rPr>
+              <a:t>注册短信的广播</a:t>
+            </a:r>
+            <a:endParaRPr kumimoji="1" lang="en-US" altLang="zh-CN" sz="1200" kern="1200" dirty="0" smtClean="0">
+              <a:solidFill>
+                <a:schemeClr val="tx1"/>
+              </a:solidFill>
+              <a:latin typeface="+mn-lt"/>
+              <a:ea typeface="+mn-ea"/>
+              <a:cs typeface="+mn-cs"/>
+            </a:endParaRPr>
+          </a:p>
+          <a:p>
+            <a:r>
+              <a:rPr kumimoji="1" lang="en-US" altLang="zh-CN" sz="1200" kern="1200" dirty="0" smtClean="0">
+                <a:solidFill>
+                  <a:schemeClr val="tx1"/>
+                </a:solidFill>
+                <a:latin typeface="+mn-lt"/>
+                <a:ea typeface="+mn-ea"/>
+                <a:cs typeface="+mn-cs"/>
+              </a:rPr>
+              <a:t> &lt; intent-filter </a:t>
+            </a:r>
+            <a:r>
+              <a:rPr kumimoji="1" lang="en-US" altLang="zh-CN" sz="1200" kern="1200" dirty="0" err="1" smtClean="0">
+                <a:solidFill>
+                  <a:schemeClr val="tx1"/>
+                </a:solidFill>
+                <a:latin typeface="+mn-lt"/>
+                <a:ea typeface="+mn-ea"/>
+                <a:cs typeface="+mn-cs"/>
+              </a:rPr>
+              <a:t>android:priority</a:t>
+            </a:r>
+            <a:r>
+              <a:rPr kumimoji="1" lang="en-US" altLang="zh-CN" sz="1200" kern="1200" dirty="0" smtClean="0">
+                <a:solidFill>
+                  <a:schemeClr val="tx1"/>
+                </a:solidFill>
+                <a:latin typeface="+mn-lt"/>
+                <a:ea typeface="+mn-ea"/>
+                <a:cs typeface="+mn-cs"/>
+              </a:rPr>
+              <a:t> = "1000" &gt;            </a:t>
+            </a:r>
+          </a:p>
+          <a:p>
+            <a:r>
+              <a:rPr kumimoji="1" lang="en-US" altLang="zh-CN" sz="1200" kern="1200" dirty="0" smtClean="0">
+                <a:solidFill>
+                  <a:schemeClr val="tx1"/>
+                </a:solidFill>
+                <a:latin typeface="+mn-lt"/>
+                <a:ea typeface="+mn-ea"/>
+                <a:cs typeface="+mn-cs"/>
+              </a:rPr>
+              <a:t>	&lt; action </a:t>
+            </a:r>
+            <a:r>
+              <a:rPr kumimoji="1" lang="en-US" altLang="zh-CN" sz="1200" kern="1200" dirty="0" err="1" smtClean="0">
+                <a:solidFill>
+                  <a:schemeClr val="tx1"/>
+                </a:solidFill>
+                <a:latin typeface="+mn-lt"/>
+                <a:ea typeface="+mn-ea"/>
+                <a:cs typeface="+mn-cs"/>
+              </a:rPr>
+              <a:t>android:name</a:t>
+            </a:r>
+            <a:r>
+              <a:rPr kumimoji="1" lang="en-US" altLang="zh-CN" sz="1200" kern="1200" dirty="0" smtClean="0">
+                <a:solidFill>
+                  <a:schemeClr val="tx1"/>
+                </a:solidFill>
+                <a:latin typeface="+mn-lt"/>
+                <a:ea typeface="+mn-ea"/>
+                <a:cs typeface="+mn-cs"/>
+              </a:rPr>
+              <a:t> = " </a:t>
+            </a:r>
+            <a:r>
+              <a:rPr kumimoji="1" lang="en-US" altLang="zh-CN" sz="1200" kern="1200" dirty="0" err="1" smtClean="0">
+                <a:solidFill>
+                  <a:schemeClr val="tx1"/>
+                </a:solidFill>
+                <a:latin typeface="+mn-lt"/>
+                <a:ea typeface="+mn-ea"/>
+                <a:cs typeface="+mn-cs"/>
+              </a:rPr>
+              <a:t>android.provider.Telephony.SMS_RECEIVED</a:t>
+            </a:r>
+            <a:r>
+              <a:rPr kumimoji="1" lang="en-US" altLang="zh-CN" sz="1200" kern="1200" dirty="0" smtClean="0">
+                <a:solidFill>
+                  <a:schemeClr val="tx1"/>
+                </a:solidFill>
+                <a:latin typeface="+mn-lt"/>
+                <a:ea typeface="+mn-ea"/>
+                <a:cs typeface="+mn-cs"/>
+              </a:rPr>
+              <a:t>" /&gt;</a:t>
+            </a:r>
+          </a:p>
+          <a:p>
+            <a:r>
+              <a:rPr kumimoji="1" lang="en-US" altLang="zh-CN" sz="1200" kern="1200" dirty="0" smtClean="0">
+                <a:solidFill>
+                  <a:schemeClr val="tx1"/>
+                </a:solidFill>
+                <a:latin typeface="+mn-lt"/>
+                <a:ea typeface="+mn-ea"/>
+                <a:cs typeface="+mn-cs"/>
+              </a:rPr>
+              <a:t> &lt;/ intent-filter &gt;</a:t>
+            </a:r>
+          </a:p>
+          <a:p>
+            <a:r>
+              <a:rPr kumimoji="1" lang="zh-CN" altLang="en-US" sz="1200" kern="1200" dirty="0" smtClean="0">
+                <a:solidFill>
+                  <a:schemeClr val="tx1"/>
+                </a:solidFill>
+                <a:latin typeface="+mn-lt"/>
+                <a:ea typeface="+mn-ea"/>
+                <a:cs typeface="+mn-cs"/>
+              </a:rPr>
+              <a:t>需要权限</a:t>
+            </a:r>
+            <a:endParaRPr kumimoji="1" lang="en-US" altLang="zh-CN" sz="1200" kern="1200" dirty="0" smtClean="0">
+              <a:solidFill>
+                <a:schemeClr val="tx1"/>
+              </a:solidFill>
+              <a:latin typeface="+mn-lt"/>
+              <a:ea typeface="+mn-ea"/>
+              <a:cs typeface="+mn-cs"/>
+            </a:endParaRPr>
+          </a:p>
+          <a:p>
+            <a:r>
+              <a:rPr kumimoji="1" lang="en-US" altLang="zh-CN" sz="1200" kern="1200" dirty="0" smtClean="0">
+                <a:solidFill>
+                  <a:schemeClr val="tx1"/>
+                </a:solidFill>
+                <a:latin typeface="+mn-lt"/>
+                <a:ea typeface="+mn-ea"/>
+                <a:cs typeface="+mn-cs"/>
+              </a:rPr>
+              <a:t>&lt; uses-permission </a:t>
+            </a:r>
+            <a:r>
+              <a:rPr kumimoji="1" lang="en-US" altLang="zh-CN" sz="1200" kern="1200" dirty="0" err="1" smtClean="0">
+                <a:solidFill>
+                  <a:schemeClr val="tx1"/>
+                </a:solidFill>
+                <a:latin typeface="+mn-lt"/>
+                <a:ea typeface="+mn-ea"/>
+                <a:cs typeface="+mn-cs"/>
+              </a:rPr>
+              <a:t>android:name</a:t>
+            </a:r>
+            <a:r>
+              <a:rPr kumimoji="1" lang="en-US" altLang="zh-CN" sz="1200" kern="1200" dirty="0" smtClean="0">
+                <a:solidFill>
+                  <a:schemeClr val="tx1"/>
+                </a:solidFill>
+                <a:latin typeface="+mn-lt"/>
+                <a:ea typeface="+mn-ea"/>
+                <a:cs typeface="+mn-cs"/>
+              </a:rPr>
+              <a:t> = "</a:t>
+            </a:r>
+            <a:r>
+              <a:rPr kumimoji="1" lang="en-US" altLang="zh-CN" sz="1200" kern="1200" dirty="0" err="1" smtClean="0">
+                <a:solidFill>
+                  <a:schemeClr val="tx1"/>
+                </a:solidFill>
+                <a:latin typeface="+mn-lt"/>
+                <a:ea typeface="+mn-ea"/>
+                <a:cs typeface="+mn-cs"/>
+              </a:rPr>
+              <a:t>android.permission.RECEIVE_SMS</a:t>
+            </a:r>
+            <a:r>
+              <a:rPr kumimoji="1" lang="en-US" altLang="zh-CN" sz="1200" kern="1200" dirty="0" smtClean="0">
+                <a:solidFill>
+                  <a:schemeClr val="tx1"/>
+                </a:solidFill>
+                <a:latin typeface="+mn-lt"/>
+                <a:ea typeface="+mn-ea"/>
+                <a:cs typeface="+mn-cs"/>
+              </a:rPr>
+              <a:t>" /&gt;</a:t>
+            </a:r>
+          </a:p>
+          <a:p>
+            <a:r>
+              <a:rPr kumimoji="1" lang="en-US" altLang="zh-CN" sz="1200" kern="1200" dirty="0" smtClean="0">
+                <a:solidFill>
+                  <a:schemeClr val="tx1"/>
+                </a:solidFill>
+                <a:latin typeface="+mn-lt"/>
+                <a:ea typeface="+mn-ea"/>
+                <a:cs typeface="+mn-cs"/>
+              </a:rPr>
+              <a:t>&lt; uses-permission </a:t>
+            </a:r>
+            <a:r>
+              <a:rPr kumimoji="1" lang="en-US" altLang="zh-CN" sz="1200" kern="1200" dirty="0" err="1" smtClean="0">
+                <a:solidFill>
+                  <a:schemeClr val="tx1"/>
+                </a:solidFill>
+                <a:latin typeface="+mn-lt"/>
+                <a:ea typeface="+mn-ea"/>
+                <a:cs typeface="+mn-cs"/>
+              </a:rPr>
+              <a:t>android:name</a:t>
+            </a:r>
+            <a:r>
+              <a:rPr kumimoji="1" lang="en-US" altLang="zh-CN" sz="1200" kern="1200" dirty="0" smtClean="0">
+                <a:solidFill>
+                  <a:schemeClr val="tx1"/>
+                </a:solidFill>
+                <a:latin typeface="+mn-lt"/>
+                <a:ea typeface="+mn-ea"/>
+                <a:cs typeface="+mn-cs"/>
+              </a:rPr>
+              <a:t> = "</a:t>
+            </a:r>
+            <a:r>
+              <a:rPr kumimoji="1" lang="en-US" altLang="zh-CN" sz="1200" kern="1200" dirty="0" err="1" smtClean="0">
+                <a:solidFill>
+                  <a:schemeClr val="tx1"/>
+                </a:solidFill>
+                <a:latin typeface="+mn-lt"/>
+                <a:ea typeface="+mn-ea"/>
+                <a:cs typeface="+mn-cs"/>
+              </a:rPr>
+              <a:t>android.permission.SEND_SMS</a:t>
+            </a:r>
+            <a:r>
+              <a:rPr kumimoji="1" lang="en-US" altLang="zh-CN" sz="1200" kern="1200" dirty="0" smtClean="0">
+                <a:solidFill>
+                  <a:schemeClr val="tx1"/>
+                </a:solidFill>
+                <a:latin typeface="+mn-lt"/>
+                <a:ea typeface="+mn-ea"/>
+                <a:cs typeface="+mn-cs"/>
+              </a:rPr>
+              <a:t>" /&gt;</a:t>
+            </a:r>
+          </a:p>
+          <a:p>
             <a:endParaRPr kumimoji="1" lang="en-US" altLang="zh-CN" sz="1200" kern="1200" dirty="0" smtClean="0">
               <a:solidFill>
                 <a:schemeClr val="tx1"/>
@@ -14730,11 +15954,7 @@
             </a:r>
             <a:r>
               <a:rPr kumimoji="1" lang="zh-CN" altLang="en-US" sz="2000" dirty="0" smtClean="0"/>
-              <a:t>；</a:t>
-            </a:r>
-            <a:r>
-              <a:rPr kumimoji="1" lang="zh-CN" altLang="en-US" sz="2000" dirty="0" smtClean="0"/>
-              <a:t>/</a:t>
+              <a:t>；/</a:t>
             </a:r>
             <a:r>
               <a:rPr kumimoji="1" lang="en-US" altLang="zh-CN" sz="2000" dirty="0" smtClean="0"/>
@@ -15209,11 +16429,7 @@
             </a:r>
             <a:r>
               <a:rPr lang="en-US" altLang="zh-CN" sz="2000" b="1" i="1" dirty="0" smtClean="0"/>
-              <a:t>)</a:t>
-            </a:r>
-            <a:r>
-              <a:rPr lang="en-US" altLang="zh-CN" sz="2000" b="1" i="1" dirty="0" smtClean="0"/>
-              <a:t>;</a:t>
+              <a:t>);</a:t>
             </a:r>
           </a:p>
           <a:p>
@@ -15878,11 +17094,7 @@
           <a:p>
             <a:r>
               <a:rPr kumimoji="1" lang="en-US" altLang="zh-CN" dirty="0" err="1" smtClean="0"/>
-              <a:t>Broadcast</a:t>
-            </a:r>
-            <a:r>
-              <a:rPr kumimoji="1" lang="en-US" altLang="zh-CN" dirty="0" err="1" smtClean="0"/>
-              <a:t>Receiver</a:t>
+              <a:t>BroadcastReceiver</a:t>
             </a:r>
             <a:endParaRPr kumimoji="1" lang="zh-CN" altLang="en-US" dirty="0"/>
           </a:p>
@@ -15912,11 +17124,7 @@
           <a:p>
             <a:r>
               <a:rPr kumimoji="1" lang="en-US" altLang="zh-CN" sz="2400" dirty="0" err="1" smtClean="0"/>
-              <a:t>Broadcast</a:t>
-            </a:r>
-            <a:r>
-              <a:rPr kumimoji="1" lang="en-US" altLang="zh-CN" sz="2400" dirty="0" err="1" smtClean="0"/>
-              <a:t>Receiver</a:t>
+              <a:t>BroadcastReceiver</a:t>
             </a:r>
             <a:r>
               <a:rPr kumimoji="1" lang="zh-CN" altLang="en-US" sz="2400" dirty="0" smtClean="0"/>
@@ -15947,11 +17155,7 @@
             </a:r>
             <a:r>
               <a:rPr lang="zh-CN" altLang="en-US" sz="1600" dirty="0" smtClean="0"/>
-              <a:t>播</a:t>
-            </a:r>
-            <a:r>
-              <a:rPr lang="zh-CN" altLang="en-US" sz="1600" dirty="0" smtClean="0"/>
-              <a:t>。</a:t>
+              <a:t>播。</a:t>
             </a:r>
             <a:endParaRPr lang="en-US" altLang="zh-CN" sz="1600" dirty="0" smtClean="0"/>
           </a:p>
@@ -16110,6 +17314,326 @@
     <p:extLst>
       <p:ext uri="{BB962C8B-B14F-4D97-AF65-F5344CB8AC3E}">
         <p14:creationId xmlns:p14="http://schemas.microsoft.com/office/powerpoint/2010/main" val="562362150"/>
+      </p:ext>
+    </p:extLst>
+  </p:cSld>
+  <p:clrMapOvr>
+    <a:masterClrMapping/>
+  </p:clrMapOvr>
+</p:sld>
+</file>
+
+<file path=ppt/slides/slide24.xml><?xml version="1.0" encoding="utf-8"?>
+<p:sld xmlns:a="http://schemas.openxmlformats.org/drawingml/2006/main" xmlns:r="http://schemas.openxmlformats.org/officeDocument/2006/relationships" xmlns:p="http://schemas.openxmlformats.org/presentationml/2006/main">
+  <p:cSld>
+    <p:spTree>
+      <p:nvGrpSpPr>
+        <p:cNvPr id="1" name=""/>
+        <p:cNvGrpSpPr/>
+        <p:nvPr/>
+      </p:nvGrpSpPr>
+      <p:grpSpPr>
+        <a:xfrm>
+          <a:off x="0" y="0"/>
+          <a:ext cx="0" cy="0"/>
+          <a:chOff x="0" y="0"/>
+          <a:chExt cx="0" cy="0"/>
+        </a:xfrm>
+      </p:grpSpPr>
+      <p:sp>
+        <p:nvSpPr>
+          <p:cNvPr id="2" name="标题 1"/>
+          <p:cNvSpPr>
+            <a:spLocks noGrp="1"/>
+          </p:cNvSpPr>
+          <p:nvPr>
+            <p:ph type="title"/>
+          </p:nvPr>
+        </p:nvSpPr>
+        <p:spPr/>
+        <p:txBody>
+          <a:bodyPr/>
+          <a:lstStyle/>
+          <a:p>
+            <a:r>
+              <a:rPr kumimoji="1" lang="en-US" altLang="zh-CN" dirty="0" smtClean="0"/>
+              <a:t>ANR</a:t>
+            </a:r>
+            <a:endParaRPr kumimoji="1" lang="zh-CN" altLang="en-US" dirty="0"/>
+          </a:p>
+        </p:txBody>
+      </p:sp>
+      <p:sp>
+        <p:nvSpPr>
+          <p:cNvPr id="3" name="内容占位符 2"/>
+          <p:cNvSpPr>
+            <a:spLocks noGrp="1"/>
+          </p:cNvSpPr>
+          <p:nvPr>
+            <p:ph idx="1"/>
+          </p:nvPr>
+        </p:nvSpPr>
+        <p:spPr/>
+        <p:txBody>
+          <a:bodyPr>
+            <a:normAutofit fontScale="55000" lnSpcReduction="20000"/>
+          </a:bodyPr>
+          <a:lstStyle/>
+          <a:p>
+            <a:r>
+              <a:rPr kumimoji="1" lang="zh-TW" altLang="en-US" dirty="0"/>
+              <a:t>一：什么是</a:t>
+            </a:r>
+            <a:r>
+              <a:rPr kumimoji="1" lang="en-US" altLang="zh-TW" dirty="0"/>
+              <a:t>ANR</a:t>
+            </a:r>
+          </a:p>
+          <a:p>
+            <a:r>
+              <a:rPr kumimoji="1" lang="en-US" altLang="zh-TW" dirty="0" err="1"/>
+              <a:t>ANR:Application</a:t>
+            </a:r>
+            <a:r>
+              <a:rPr kumimoji="1" lang="en-US" altLang="zh-TW" dirty="0"/>
+              <a:t> Not Responding</a:t>
+            </a:r>
+            <a:r>
+              <a:rPr kumimoji="1" lang="zh-TW" altLang="en-US" dirty="0"/>
+              <a:t>，即应用无响应</a:t>
+            </a:r>
+          </a:p>
+          <a:p>
+            <a:endParaRPr kumimoji="1" lang="zh-TW" altLang="en-US" dirty="0"/>
+          </a:p>
+          <a:p>
+            <a:r>
+              <a:rPr kumimoji="1" lang="zh-TW" altLang="en-US" dirty="0"/>
+              <a:t>二：</a:t>
+            </a:r>
+            <a:r>
+              <a:rPr kumimoji="1" lang="en-US" altLang="zh-TW" dirty="0"/>
+              <a:t>ANR</a:t>
+            </a:r>
+            <a:r>
+              <a:rPr kumimoji="1" lang="zh-TW" altLang="en-US" dirty="0"/>
+              <a:t>的类型</a:t>
+            </a:r>
+          </a:p>
+          <a:p>
+            <a:r>
+              <a:rPr kumimoji="1" lang="en-US" altLang="zh-TW" dirty="0"/>
+              <a:t>ANR</a:t>
+            </a:r>
+            <a:r>
+              <a:rPr kumimoji="1" lang="zh-TW" altLang="en-US" dirty="0"/>
+              <a:t>一般有三种类型：</a:t>
+            </a:r>
+          </a:p>
+          <a:p>
+            <a:r>
+              <a:rPr kumimoji="1" lang="en-US" altLang="zh-TW" dirty="0"/>
+              <a:t>1</a:t>
+            </a:r>
+            <a:r>
+              <a:rPr kumimoji="1" lang="zh-TW" altLang="en-US" dirty="0"/>
+              <a:t>：</a:t>
+            </a:r>
+            <a:r>
+              <a:rPr kumimoji="1" lang="en-US" altLang="zh-TW" dirty="0" err="1"/>
+              <a:t>KeyDispatchTimeout</a:t>
+            </a:r>
+            <a:r>
+              <a:rPr kumimoji="1" lang="en-US" altLang="zh-TW" dirty="0"/>
+              <a:t>(5 seconds) --</a:t>
+            </a:r>
+            <a:r>
+              <a:rPr kumimoji="1" lang="zh-TW" altLang="en-US" dirty="0"/>
+              <a:t>主要类型</a:t>
+            </a:r>
+          </a:p>
+          <a:p>
+            <a:r>
+              <a:rPr kumimoji="1" lang="zh-TW" altLang="en-US" dirty="0"/>
+              <a:t>按键或触摸事件在特定时间内无响应</a:t>
+            </a:r>
+          </a:p>
+          <a:p>
+            <a:r>
+              <a:rPr kumimoji="1" lang="en-US" altLang="zh-TW" dirty="0"/>
+              <a:t>2</a:t>
+            </a:r>
+            <a:r>
+              <a:rPr kumimoji="1" lang="zh-TW" altLang="en-US" dirty="0"/>
+              <a:t>：</a:t>
+            </a:r>
+            <a:r>
+              <a:rPr kumimoji="1" lang="en-US" altLang="zh-TW" dirty="0" err="1"/>
+              <a:t>BroadcastTimeout</a:t>
+            </a:r>
+            <a:r>
+              <a:rPr kumimoji="1" lang="en-US" altLang="zh-TW" dirty="0"/>
+              <a:t>(10 seconds)</a:t>
+            </a:r>
+          </a:p>
+          <a:p>
+            <a:r>
+              <a:rPr kumimoji="1" lang="en-US" altLang="zh-TW" dirty="0" err="1"/>
+              <a:t>BroadcastReceiver</a:t>
+            </a:r>
+            <a:r>
+              <a:rPr kumimoji="1" lang="zh-TW" altLang="en-US" dirty="0"/>
+              <a:t>在特定时间内无法处理完成</a:t>
+            </a:r>
+          </a:p>
+          <a:p>
+            <a:r>
+              <a:rPr kumimoji="1" lang="en-US" altLang="zh-TW" dirty="0"/>
+              <a:t>3</a:t>
+            </a:r>
+            <a:r>
+              <a:rPr kumimoji="1" lang="zh-TW" altLang="en-US" dirty="0"/>
+              <a:t>：</a:t>
+            </a:r>
+            <a:r>
+              <a:rPr kumimoji="1" lang="en-US" altLang="zh-TW" dirty="0" err="1"/>
+              <a:t>ServiceTimeout</a:t>
+            </a:r>
+            <a:r>
+              <a:rPr kumimoji="1" lang="en-US" altLang="zh-TW" dirty="0"/>
+              <a:t>(20 seconds) --</a:t>
+            </a:r>
+            <a:r>
+              <a:rPr kumimoji="1" lang="zh-TW" altLang="en-US" dirty="0"/>
+              <a:t>小概率类型</a:t>
+            </a:r>
+          </a:p>
+          <a:p>
+            <a:r>
+              <a:rPr kumimoji="1" lang="en-US" altLang="zh-TW" dirty="0"/>
+              <a:t>Service</a:t>
+            </a:r>
+            <a:r>
+              <a:rPr kumimoji="1" lang="zh-TW" altLang="en-US" dirty="0"/>
+              <a:t>在特定的时间内无法处理</a:t>
+            </a:r>
+            <a:r>
+              <a:rPr kumimoji="1" lang="zh-TW" altLang="en-US" dirty="0" smtClean="0"/>
+              <a:t>完成</a:t>
+            </a:r>
+            <a:endParaRPr kumimoji="1" lang="en-US" altLang="zh-TW" dirty="0" smtClean="0"/>
+          </a:p>
+          <a:p>
+            <a:r>
+              <a:rPr kumimoji="1" lang="zh-CN" altLang="en-US" smtClean="0"/>
+              <a:t>三</a:t>
+            </a:r>
+            <a:r>
+              <a:rPr kumimoji="1" lang="zh-CN" altLang="en-US" smtClean="0"/>
+              <a:t>：</a:t>
+            </a:r>
+            <a:r>
+              <a:rPr kumimoji="1" lang="zh-CN" altLang="en-US" dirty="0"/>
+              <a:t>如何避免</a:t>
+            </a:r>
+            <a:r>
+              <a:rPr kumimoji="1" lang="en-US" altLang="zh-CN" dirty="0" err="1"/>
+              <a:t>KeyDispatchTimeout</a:t>
+            </a:r>
+            <a:endParaRPr kumimoji="1" lang="en-US" altLang="zh-CN" dirty="0"/>
+          </a:p>
+          <a:p>
+            <a:r>
+              <a:rPr kumimoji="1" lang="en-US" altLang="zh-CN" dirty="0"/>
+              <a:t>1</a:t>
+            </a:r>
+            <a:r>
+              <a:rPr kumimoji="1" lang="zh-CN" altLang="en-US" dirty="0"/>
+              <a:t>：</a:t>
+            </a:r>
+            <a:r>
+              <a:rPr kumimoji="1" lang="en-US" altLang="zh-CN" dirty="0"/>
+              <a:t>UI</a:t>
+            </a:r>
+            <a:r>
+              <a:rPr kumimoji="1" lang="zh-CN" altLang="en-US" dirty="0"/>
+              <a:t>线程尽量只做跟</a:t>
+            </a:r>
+            <a:r>
+              <a:rPr kumimoji="1" lang="en-US" altLang="zh-CN" dirty="0"/>
+              <a:t>UI</a:t>
+            </a:r>
+            <a:r>
+              <a:rPr kumimoji="1" lang="zh-CN" altLang="en-US" dirty="0"/>
+              <a:t>相关的工作</a:t>
+            </a:r>
+          </a:p>
+          <a:p>
+            <a:r>
+              <a:rPr kumimoji="1" lang="en-US" altLang="zh-CN" dirty="0"/>
+              <a:t>2</a:t>
+            </a:r>
+            <a:r>
+              <a:rPr kumimoji="1" lang="zh-CN" altLang="en-US" dirty="0"/>
+              <a:t>：耗时的工作（比如数据库操作，</a:t>
+            </a:r>
+            <a:r>
+              <a:rPr kumimoji="1" lang="en-US" altLang="zh-CN" dirty="0"/>
+              <a:t>I/O</a:t>
+            </a:r>
+            <a:r>
+              <a:rPr kumimoji="1" lang="zh-CN" altLang="en-US" dirty="0"/>
+              <a:t>，连接网络或者别的有可能阻碍</a:t>
+            </a:r>
+            <a:r>
+              <a:rPr kumimoji="1" lang="en-US" altLang="zh-CN" dirty="0"/>
+              <a:t>UI</a:t>
+            </a:r>
+            <a:r>
+              <a:rPr kumimoji="1" lang="zh-CN" altLang="en-US" dirty="0"/>
+              <a:t>线程的操作）把它放入单独的线程处理</a:t>
+            </a:r>
+          </a:p>
+          <a:p>
+            <a:r>
+              <a:rPr kumimoji="1" lang="en-US" altLang="zh-CN" dirty="0"/>
+              <a:t>3</a:t>
+            </a:r>
+            <a:r>
+              <a:rPr kumimoji="1" lang="zh-CN" altLang="en-US" dirty="0"/>
+              <a:t>：尽量用</a:t>
+            </a:r>
+            <a:r>
+              <a:rPr kumimoji="1" lang="en-US" altLang="zh-CN" dirty="0"/>
+              <a:t>Handler</a:t>
+            </a:r>
+            <a:r>
+              <a:rPr kumimoji="1" lang="zh-CN" altLang="en-US" dirty="0"/>
+              <a:t>来处理</a:t>
+            </a:r>
+            <a:r>
+              <a:rPr kumimoji="1" lang="en-US" altLang="zh-CN" dirty="0" err="1"/>
+              <a:t>UIthread</a:t>
+            </a:r>
+            <a:r>
+              <a:rPr kumimoji="1" lang="zh-CN" altLang="en-US" dirty="0"/>
+              <a:t>和别的</a:t>
+            </a:r>
+            <a:r>
+              <a:rPr kumimoji="1" lang="en-US" altLang="zh-CN" dirty="0"/>
+              <a:t>thread</a:t>
+            </a:r>
+            <a:r>
+              <a:rPr kumimoji="1" lang="zh-CN" altLang="en-US" dirty="0"/>
+              <a:t>之间的交互</a:t>
+            </a:r>
+          </a:p>
+        </p:txBody>
+      </p:sp>
+    </p:spTree>
+    <p:extLst>
+      <p:ext uri="{BB962C8B-B14F-4D97-AF65-F5344CB8AC3E}">
+        <p14:creationId xmlns:p14="http://schemas.microsoft.com/office/powerpoint/2010/main" val="3579005995"/>
       </p:ext>
     </p:extLst>
   </p:cSld>

--- a/文件资料/Android培训-1.pptx
+++ b/文件资料/Android培训-1.pptx
@@ -230,7 +230,7 @@
           <a:p>
             <a:fld id="{E99E619B-9BE8-8645-A00C-D838F9C65162}" type="datetimeFigureOut">
               <a:rPr kumimoji="1" lang="zh-CN" altLang="en-US" smtClean="0"/>
-              <a:t>15/3/19</a:t>
+              <a:t>15/3/20</a:t>
             </a:fld>
             <a:endParaRPr kumimoji="1" lang="zh-CN" altLang="en-US"/>
           </a:p>
@@ -21504,7 +21504,7 @@
           <a:p>
             <a:fld id="{78D5617F-8706-C243-AA34-EA73F1578B19}" type="datetimeFigureOut">
               <a:rPr kumimoji="1" lang="zh-CN" altLang="en-US" smtClean="0"/>
-              <a:t>15/3/19</a:t>
+              <a:t>15/3/20</a:t>
             </a:fld>
             <a:endParaRPr kumimoji="1" lang="zh-CN" altLang="en-US"/>
           </a:p>
@@ -21674,7 +21674,7 @@
           <a:p>
             <a:fld id="{78D5617F-8706-C243-AA34-EA73F1578B19}" type="datetimeFigureOut">
               <a:rPr kumimoji="1" lang="zh-CN" altLang="en-US" smtClean="0"/>
-              <a:t>15/3/19</a:t>
+              <a:t>15/3/20</a:t>
             </a:fld>
             <a:endParaRPr kumimoji="1" lang="zh-CN" altLang="en-US"/>
           </a:p>
@@ -21854,7 +21854,7 @@
           <a:p>
             <a:fld id="{78D5617F-8706-C243-AA34-EA73F1578B19}" type="datetimeFigureOut">
               <a:rPr kumimoji="1" lang="zh-CN" altLang="en-US" smtClean="0"/>
-              <a:t>15/3/19</a:t>
+              <a:t>15/3/20</a:t>
             </a:fld>
             <a:endParaRPr kumimoji="1" lang="zh-CN" altLang="en-US"/>
           </a:p>
@@ -22024,7 +22024,7 @@
           <a:p>
             <a:fld id="{78D5617F-8706-C243-AA34-EA73F1578B19}" type="datetimeFigureOut">
               <a:rPr kumimoji="1" lang="zh-CN" altLang="en-US" smtClean="0"/>
-              <a:t>15/3/19</a:t>
+              <a:t>15/3/20</a:t>
             </a:fld>
             <a:endParaRPr kumimoji="1" lang="zh-CN" altLang="en-US"/>
           </a:p>
@@ -22270,7 +22270,7 @@
           <a:p>
             <a:fld id="{78D5617F-8706-C243-AA34-EA73F1578B19}" type="datetimeFigureOut">
               <a:rPr kumimoji="1" lang="zh-CN" altLang="en-US" smtClean="0"/>
-              <a:t>15/3/19</a:t>
+              <a:t>15/3/20</a:t>
             </a:fld>
             <a:endParaRPr kumimoji="1" lang="zh-CN" altLang="en-US"/>
           </a:p>
@@ -22558,7 +22558,7 @@
           <a:p>
             <a:fld id="{78D5617F-8706-C243-AA34-EA73F1578B19}" type="datetimeFigureOut">
               <a:rPr kumimoji="1" lang="zh-CN" altLang="en-US" smtClean="0"/>
-              <a:t>15/3/19</a:t>
+              <a:t>15/3/20</a:t>
             </a:fld>
             <a:endParaRPr kumimoji="1" lang="zh-CN" altLang="en-US"/>
           </a:p>
@@ -22980,7 +22980,7 @@
           <a:p>
             <a:fld id="{78D5617F-8706-C243-AA34-EA73F1578B19}" type="datetimeFigureOut">
               <a:rPr kumimoji="1" lang="zh-CN" altLang="en-US" smtClean="0"/>
-              <a:t>15/3/19</a:t>
+              <a:t>15/3/20</a:t>
             </a:fld>
             <a:endParaRPr kumimoji="1" lang="zh-CN" altLang="en-US"/>
           </a:p>
@@ -23098,7 +23098,7 @@
           <a:p>
             <a:fld id="{78D5617F-8706-C243-AA34-EA73F1578B19}" type="datetimeFigureOut">
               <a:rPr kumimoji="1" lang="zh-CN" altLang="en-US" smtClean="0"/>
-              <a:t>15/3/19</a:t>
+              <a:t>15/3/20</a:t>
             </a:fld>
             <a:endParaRPr kumimoji="1" lang="zh-CN" altLang="en-US"/>
           </a:p>
@@ -23193,7 +23193,7 @@
           <a:p>
             <a:fld id="{78D5617F-8706-C243-AA34-EA73F1578B19}" type="datetimeFigureOut">
               <a:rPr kumimoji="1" lang="zh-CN" altLang="en-US" smtClean="0"/>
-              <a:t>15/3/19</a:t>
+              <a:t>15/3/20</a:t>
             </a:fld>
             <a:endParaRPr kumimoji="1" lang="zh-CN" altLang="en-US"/>
           </a:p>
@@ -23470,7 +23470,7 @@
           <a:p>
             <a:fld id="{78D5617F-8706-C243-AA34-EA73F1578B19}" type="datetimeFigureOut">
               <a:rPr kumimoji="1" lang="zh-CN" altLang="en-US" smtClean="0"/>
-              <a:t>15/3/19</a:t>
+              <a:t>15/3/20</a:t>
             </a:fld>
             <a:endParaRPr kumimoji="1" lang="zh-CN" altLang="en-US"/>
           </a:p>
@@ -23723,7 +23723,7 @@
           <a:p>
             <a:fld id="{78D5617F-8706-C243-AA34-EA73F1578B19}" type="datetimeFigureOut">
               <a:rPr kumimoji="1" lang="zh-CN" altLang="en-US" smtClean="0"/>
-              <a:t>15/3/19</a:t>
+              <a:t>15/3/20</a:t>
             </a:fld>
             <a:endParaRPr kumimoji="1" lang="zh-CN" altLang="en-US"/>
           </a:p>
@@ -23936,7 +23936,7 @@
           <a:p>
             <a:fld id="{78D5617F-8706-C243-AA34-EA73F1578B19}" type="datetimeFigureOut">
               <a:rPr kumimoji="1" lang="zh-CN" altLang="en-US" smtClean="0"/>
-              <a:t>15/3/19</a:t>
+              <a:t>15/3/20</a:t>
             </a:fld>
             <a:endParaRPr kumimoji="1" lang="zh-CN" altLang="en-US"/>
           </a:p>
@@ -27462,11 +27462,7 @@
           <a:p>
             <a:r>
               <a:rPr kumimoji="1" lang="zh-CN" altLang="en-US" dirty="0" smtClean="0"/>
-              <a:t>通用</a:t>
-            </a:r>
-            <a:r>
-              <a:rPr kumimoji="1" lang="zh-CN" altLang="en-US" dirty="0" smtClean="0"/>
-              <a:t>属性</a:t>
+              <a:t>通用属性</a:t>
             </a:r>
             <a:endParaRPr kumimoji="1" lang="zh-CN" altLang="en-US" dirty="0"/>
           </a:p>
@@ -27570,11 +27566,7 @@
             </a:r>
             <a:r>
               <a:rPr kumimoji="1" lang="zh-CN" altLang="en-US" sz="2000" dirty="0" smtClean="0"/>
-              <a:t> 用于设置组件的对齐</a:t>
-            </a:r>
-            <a:r>
-              <a:rPr kumimoji="1" lang="zh-CN" altLang="en-US" sz="2000" dirty="0" smtClean="0"/>
-              <a:t>方式</a:t>
+              <a:t> 用于设置组件的对齐方式</a:t>
             </a:r>
             <a:endParaRPr kumimoji="1" lang="en-US" altLang="zh-CN" sz="2000" dirty="0" smtClean="0"/>
           </a:p>
@@ -28022,11 +28014,7 @@
           <a:p>
             <a:r>
               <a:rPr kumimoji="1" lang="en-US" altLang="zh-CN" sz="2000" dirty="0" err="1" smtClean="0"/>
-              <a:t>android</a:t>
-            </a:r>
-            <a:r>
-              <a:rPr kumimoji="1" lang="en-US" altLang="zh-CN" sz="2000" dirty="0" err="1" smtClean="0"/>
-              <a:t>:hint</a:t>
+              <a:t>android:hint</a:t>
             </a:r>
             <a:r>
               <a:rPr kumimoji="1" lang="zh-CN" altLang="en-US" sz="2000" dirty="0" smtClean="0"/>
@@ -29621,8 +29609,72 @@
               <a:t>、</a:t>
             </a:r>
             <a:r>
-              <a:rPr kumimoji="1" lang="en-US" altLang="zh-CN" sz="1800" dirty="0" err="1"/>
+              <a:rPr kumimoji="1" lang="en-US" altLang="zh-CN" sz="1800" dirty="0" err="1" smtClean="0"/>
               <a:t>ScrollView</a:t>
+            </a:r>
+            <a:endParaRPr kumimoji="1" lang="en-US" altLang="zh-CN" sz="1800" dirty="0" smtClean="0"/>
+          </a:p>
+          <a:p>
+            <a:r>
+              <a:rPr kumimoji="1" lang="en-US" altLang="zh-CN" sz="1800" dirty="0" err="1" smtClean="0"/>
+              <a:t>ListView</a:t>
+            </a:r>
+            <a:r>
+              <a:rPr kumimoji="1" lang="zh-CN" altLang="en-US" sz="1800" dirty="0" smtClean="0"/>
+              <a:t>是用列表的方式来显示数据，非常的常用，基本上所有的</a:t>
+            </a:r>
+            <a:r>
+              <a:rPr kumimoji="1" lang="en-US" altLang="zh-CN" sz="1800" dirty="0" smtClean="0"/>
+              <a:t>app</a:t>
+            </a:r>
+            <a:r>
+              <a:rPr kumimoji="1" lang="zh-CN" altLang="en-US" sz="1800" dirty="0" smtClean="0"/>
+              <a:t>都会用到。</a:t>
+            </a:r>
+            <a:endParaRPr kumimoji="1" lang="en-US" altLang="zh-CN" sz="1800" dirty="0" smtClean="0"/>
+          </a:p>
+          <a:p>
+            <a:r>
+              <a:rPr kumimoji="1" lang="en-US" altLang="zh-CN" sz="1800" dirty="0" smtClean="0"/>
+              <a:t>Adapter</a:t>
+            </a:r>
+            <a:r>
+              <a:rPr kumimoji="1" lang="zh-CN" altLang="en-US" sz="1800" dirty="0" smtClean="0"/>
+              <a:t> 用来把数据映射到</a:t>
+            </a:r>
+            <a:r>
+              <a:rPr kumimoji="1" lang="en-US" altLang="zh-CN" sz="1800" dirty="0" err="1" smtClean="0"/>
+              <a:t>Listview</a:t>
+            </a:r>
+            <a:r>
+              <a:rPr kumimoji="1" lang="zh-CN" altLang="en-US" sz="1800" dirty="0" smtClean="0"/>
+              <a:t>上的中介。</a:t>
+            </a:r>
+            <a:endParaRPr kumimoji="1" lang="en-US" altLang="zh-CN" sz="1800" dirty="0" smtClean="0"/>
+          </a:p>
+          <a:p>
+            <a:r>
+              <a:rPr kumimoji="1" lang="en-US" altLang="zh-CN" sz="1800" dirty="0" err="1" smtClean="0"/>
+              <a:t>ArrayAdapter</a:t>
+            </a:r>
+            <a:r>
+              <a:rPr kumimoji="1" lang="en-US" altLang="zh-CN" sz="1800" dirty="0" smtClean="0"/>
+              <a:t>,</a:t>
+            </a:r>
+            <a:r>
+              <a:rPr kumimoji="1" lang="zh-CN" altLang="en-US" sz="1800" dirty="0" smtClean="0"/>
+              <a:t>最简单的适配器，只能展示一行字。</a:t>
+            </a:r>
+            <a:endParaRPr kumimoji="1" lang="en-US" altLang="zh-CN" sz="1800" dirty="0" smtClean="0"/>
+          </a:p>
+          <a:p>
+            <a:r>
+              <a:rPr kumimoji="1" lang="en-US" altLang="zh-CN" sz="1800" dirty="0" err="1" smtClean="0"/>
+              <a:t>BaseAdapter</a:t>
+            </a:r>
+            <a:r>
+              <a:rPr kumimoji="1" lang="zh-CN" altLang="en-US" sz="1800" dirty="0" smtClean="0"/>
+              <a:t>有最好的扩展性，可以按照自己的需求的样式展示出来。</a:t>
             </a:r>
             <a:endParaRPr kumimoji="1" lang="en-US" altLang="zh-CN" sz="1800" dirty="0"/>
           </a:p>

--- a/文件资料/Android培训-1.pptx
+++ b/文件资料/Android培训-1.pptx
@@ -5,7 +5,7 @@
     <p:sldMasterId id="2147483648" r:id="rId1"/>
   </p:sldMasterIdLst>
   <p:notesMasterIdLst>
-    <p:notesMasterId r:id="rId41"/>
+    <p:notesMasterId r:id="rId42"/>
   </p:notesMasterIdLst>
   <p:sldIdLst>
     <p:sldId id="256" r:id="rId2"/>
@@ -37,16 +37,17 @@
     <p:sldId id="293" r:id="rId28"/>
     <p:sldId id="294" r:id="rId29"/>
     <p:sldId id="295" r:id="rId30"/>
-    <p:sldId id="282" r:id="rId31"/>
-    <p:sldId id="285" r:id="rId32"/>
-    <p:sldId id="283" r:id="rId33"/>
-    <p:sldId id="286" r:id="rId34"/>
-    <p:sldId id="281" r:id="rId35"/>
-    <p:sldId id="278" r:id="rId36"/>
-    <p:sldId id="276" r:id="rId37"/>
-    <p:sldId id="277" r:id="rId38"/>
-    <p:sldId id="275" r:id="rId39"/>
-    <p:sldId id="279" r:id="rId40"/>
+    <p:sldId id="296" r:id="rId31"/>
+    <p:sldId id="282" r:id="rId32"/>
+    <p:sldId id="285" r:id="rId33"/>
+    <p:sldId id="283" r:id="rId34"/>
+    <p:sldId id="286" r:id="rId35"/>
+    <p:sldId id="281" r:id="rId36"/>
+    <p:sldId id="278" r:id="rId37"/>
+    <p:sldId id="276" r:id="rId38"/>
+    <p:sldId id="277" r:id="rId39"/>
+    <p:sldId id="275" r:id="rId40"/>
+    <p:sldId id="279" r:id="rId41"/>
   </p:sldIdLst>
   <p:sldSz cx="9144000" cy="6858000" type="screen4x3"/>
   <p:notesSz cx="6858000" cy="9144000"/>
@@ -230,7 +231,7 @@
           <a:p>
             <a:fld id="{E99E619B-9BE8-8645-A00C-D838F9C65162}" type="datetimeFigureOut">
               <a:rPr kumimoji="1" lang="zh-CN" altLang="en-US" smtClean="0"/>
-              <a:t>15/3/20</a:t>
+              <a:t>15/3/23</a:t>
             </a:fld>
             <a:endParaRPr kumimoji="1" lang="zh-CN" altLang="en-US"/>
           </a:p>
@@ -10120,7 +10121,7 @@
           <a:p>
             <a:fld id="{9163888C-5123-6548-B379-D9685D88A76E}" type="slidenum">
               <a:rPr kumimoji="1" lang="zh-CN" altLang="en-US" smtClean="0"/>
-              <a:t>31</a:t>
+              <a:t>32</a:t>
             </a:fld>
             <a:endParaRPr kumimoji="1" lang="zh-CN" altLang="en-US"/>
           </a:p>
@@ -10220,7 +10221,7 @@
           <a:p>
             <a:fld id="{9163888C-5123-6548-B379-D9685D88A76E}" type="slidenum">
               <a:rPr kumimoji="1" lang="zh-CN" altLang="en-US" smtClean="0"/>
-              <a:t>33</a:t>
+              <a:t>34</a:t>
             </a:fld>
             <a:endParaRPr kumimoji="1" lang="zh-CN" altLang="en-US"/>
           </a:p>
@@ -11077,7 +11078,7 @@
           <a:p>
             <a:fld id="{9163888C-5123-6548-B379-D9685D88A76E}" type="slidenum">
               <a:rPr kumimoji="1" lang="zh-CN" altLang="en-US" smtClean="0"/>
-              <a:t>36</a:t>
+              <a:t>37</a:t>
             </a:fld>
             <a:endParaRPr kumimoji="1" lang="zh-CN" altLang="en-US"/>
           </a:p>
@@ -11161,7 +11162,7 @@
           <a:p>
             <a:fld id="{9163888C-5123-6548-B379-D9685D88A76E}" type="slidenum">
               <a:rPr kumimoji="1" lang="zh-CN" altLang="en-US" smtClean="0"/>
-              <a:t>37</a:t>
+              <a:t>38</a:t>
             </a:fld>
             <a:endParaRPr kumimoji="1" lang="zh-CN" altLang="en-US"/>
           </a:p>
@@ -14928,7 +14929,7 @@
           <a:p>
             <a:fld id="{9163888C-5123-6548-B379-D9685D88A76E}" type="slidenum">
               <a:rPr kumimoji="1" lang="zh-CN" altLang="en-US" smtClean="0"/>
-              <a:t>38</a:t>
+              <a:t>39</a:t>
             </a:fld>
             <a:endParaRPr kumimoji="1" lang="zh-CN" altLang="en-US"/>
           </a:p>
@@ -21504,7 +21505,7 @@
           <a:p>
             <a:fld id="{78D5617F-8706-C243-AA34-EA73F1578B19}" type="datetimeFigureOut">
               <a:rPr kumimoji="1" lang="zh-CN" altLang="en-US" smtClean="0"/>
-              <a:t>15/3/20</a:t>
+              <a:t>15/3/23</a:t>
             </a:fld>
             <a:endParaRPr kumimoji="1" lang="zh-CN" altLang="en-US"/>
           </a:p>
@@ -21674,7 +21675,7 @@
           <a:p>
             <a:fld id="{78D5617F-8706-C243-AA34-EA73F1578B19}" type="datetimeFigureOut">
               <a:rPr kumimoji="1" lang="zh-CN" altLang="en-US" smtClean="0"/>
-              <a:t>15/3/20</a:t>
+              <a:t>15/3/23</a:t>
             </a:fld>
             <a:endParaRPr kumimoji="1" lang="zh-CN" altLang="en-US"/>
           </a:p>
@@ -21854,7 +21855,7 @@
           <a:p>
             <a:fld id="{78D5617F-8706-C243-AA34-EA73F1578B19}" type="datetimeFigureOut">
               <a:rPr kumimoji="1" lang="zh-CN" altLang="en-US" smtClean="0"/>
-              <a:t>15/3/20</a:t>
+              <a:t>15/3/23</a:t>
             </a:fld>
             <a:endParaRPr kumimoji="1" lang="zh-CN" altLang="en-US"/>
           </a:p>
@@ -22024,7 +22025,7 @@
           <a:p>
             <a:fld id="{78D5617F-8706-C243-AA34-EA73F1578B19}" type="datetimeFigureOut">
               <a:rPr kumimoji="1" lang="zh-CN" altLang="en-US" smtClean="0"/>
-              <a:t>15/3/20</a:t>
+              <a:t>15/3/23</a:t>
             </a:fld>
             <a:endParaRPr kumimoji="1" lang="zh-CN" altLang="en-US"/>
           </a:p>
@@ -22270,7 +22271,7 @@
           <a:p>
             <a:fld id="{78D5617F-8706-C243-AA34-EA73F1578B19}" type="datetimeFigureOut">
               <a:rPr kumimoji="1" lang="zh-CN" altLang="en-US" smtClean="0"/>
-              <a:t>15/3/20</a:t>
+              <a:t>15/3/23</a:t>
             </a:fld>
             <a:endParaRPr kumimoji="1" lang="zh-CN" altLang="en-US"/>
           </a:p>
@@ -22558,7 +22559,7 @@
           <a:p>
             <a:fld id="{78D5617F-8706-C243-AA34-EA73F1578B19}" type="datetimeFigureOut">
               <a:rPr kumimoji="1" lang="zh-CN" altLang="en-US" smtClean="0"/>
-              <a:t>15/3/20</a:t>
+              <a:t>15/3/23</a:t>
             </a:fld>
             <a:endParaRPr kumimoji="1" lang="zh-CN" altLang="en-US"/>
           </a:p>
@@ -22980,7 +22981,7 @@
           <a:p>
             <a:fld id="{78D5617F-8706-C243-AA34-EA73F1578B19}" type="datetimeFigureOut">
               <a:rPr kumimoji="1" lang="zh-CN" altLang="en-US" smtClean="0"/>
-              <a:t>15/3/20</a:t>
+              <a:t>15/3/23</a:t>
             </a:fld>
             <a:endParaRPr kumimoji="1" lang="zh-CN" altLang="en-US"/>
           </a:p>
@@ -23098,7 +23099,7 @@
           <a:p>
             <a:fld id="{78D5617F-8706-C243-AA34-EA73F1578B19}" type="datetimeFigureOut">
               <a:rPr kumimoji="1" lang="zh-CN" altLang="en-US" smtClean="0"/>
-              <a:t>15/3/20</a:t>
+              <a:t>15/3/23</a:t>
             </a:fld>
             <a:endParaRPr kumimoji="1" lang="zh-CN" altLang="en-US"/>
           </a:p>
@@ -23193,7 +23194,7 @@
           <a:p>
             <a:fld id="{78D5617F-8706-C243-AA34-EA73F1578B19}" type="datetimeFigureOut">
               <a:rPr kumimoji="1" lang="zh-CN" altLang="en-US" smtClean="0"/>
-              <a:t>15/3/20</a:t>
+              <a:t>15/3/23</a:t>
             </a:fld>
             <a:endParaRPr kumimoji="1" lang="zh-CN" altLang="en-US"/>
           </a:p>
@@ -23470,7 +23471,7 @@
           <a:p>
             <a:fld id="{78D5617F-8706-C243-AA34-EA73F1578B19}" type="datetimeFigureOut">
               <a:rPr kumimoji="1" lang="zh-CN" altLang="en-US" smtClean="0"/>
-              <a:t>15/3/20</a:t>
+              <a:t>15/3/23</a:t>
             </a:fld>
             <a:endParaRPr kumimoji="1" lang="zh-CN" altLang="en-US"/>
           </a:p>
@@ -23723,7 +23724,7 @@
           <a:p>
             <a:fld id="{78D5617F-8706-C243-AA34-EA73F1578B19}" type="datetimeFigureOut">
               <a:rPr kumimoji="1" lang="zh-CN" altLang="en-US" smtClean="0"/>
-              <a:t>15/3/20</a:t>
+              <a:t>15/3/23</a:t>
             </a:fld>
             <a:endParaRPr kumimoji="1" lang="zh-CN" altLang="en-US"/>
           </a:p>
@@ -23936,7 +23937,7 @@
           <a:p>
             <a:fld id="{78D5617F-8706-C243-AA34-EA73F1578B19}" type="datetimeFigureOut">
               <a:rPr kumimoji="1" lang="zh-CN" altLang="en-US" smtClean="0"/>
-              <a:t>15/3/20</a:t>
+              <a:t>15/3/23</a:t>
             </a:fld>
             <a:endParaRPr kumimoji="1" lang="zh-CN" altLang="en-US"/>
           </a:p>
@@ -29674,12 +29675,123 @@
             </a:r>
             <a:r>
               <a:rPr kumimoji="1" lang="zh-CN" altLang="en-US" sz="1800" dirty="0" smtClean="0"/>
-              <a:t>有最好的扩展性，可以按照自己的需求的样式展示出来。</a:t>
-            </a:r>
-            <a:endParaRPr kumimoji="1" lang="en-US" altLang="zh-CN" sz="1800" dirty="0"/>
-          </a:p>
-          <a:p>
-            <a:endParaRPr kumimoji="1" lang="zh-CN" altLang="en-US" dirty="0"/>
+              <a:t>有最好的扩展性，可以按照自己的需求的样式展示出来</a:t>
+            </a:r>
+            <a:r>
+              <a:rPr kumimoji="1" lang="zh-CN" altLang="en-US" sz="1800" dirty="0" smtClean="0"/>
+              <a:t>。</a:t>
+            </a:r>
+            <a:endParaRPr kumimoji="1" lang="en-US" altLang="zh-CN" sz="1800" dirty="0" smtClean="0"/>
+          </a:p>
+          <a:p>
+            <a:r>
+              <a:rPr kumimoji="1" lang="en-US" altLang="zh-CN" sz="1800" dirty="0" err="1" smtClean="0"/>
+              <a:t>getCount</a:t>
+            </a:r>
+            <a:r>
+              <a:rPr kumimoji="1" lang="en-US" altLang="zh-CN" sz="1800" dirty="0" smtClean="0"/>
+              <a:t>()</a:t>
+            </a:r>
+            <a:r>
+              <a:rPr kumimoji="1" lang="zh-CN" altLang="en-US" sz="1800" dirty="0" smtClean="0"/>
+              <a:t>列表的长度</a:t>
+            </a:r>
+            <a:endParaRPr kumimoji="1" lang="en-US" altLang="zh-CN" sz="1800" dirty="0" smtClean="0"/>
+          </a:p>
+          <a:p>
+            <a:r>
+              <a:rPr kumimoji="1" lang="en-US" altLang="zh-CN" sz="1800" dirty="0" err="1" smtClean="0"/>
+              <a:t>getItem</a:t>
+            </a:r>
+            <a:r>
+              <a:rPr kumimoji="1" lang="en-US" altLang="zh-CN" sz="1800" dirty="0" smtClean="0"/>
+              <a:t>()</a:t>
+            </a:r>
+            <a:r>
+              <a:rPr kumimoji="1" lang="zh-CN" altLang="en-US" sz="1800" dirty="0" smtClean="0"/>
+              <a:t>当前列表项</a:t>
+            </a:r>
+            <a:endParaRPr kumimoji="1" lang="en-US" altLang="zh-CN" sz="1800" dirty="0" smtClean="0"/>
+          </a:p>
+          <a:p>
+            <a:r>
+              <a:rPr kumimoji="1" lang="en-US" altLang="zh-CN" sz="1800" dirty="0" err="1" smtClean="0"/>
+              <a:t>getItemId</a:t>
+            </a:r>
+            <a:r>
+              <a:rPr kumimoji="1" lang="en-US" altLang="zh-CN" sz="1800" dirty="0" smtClean="0"/>
+              <a:t>()</a:t>
+            </a:r>
+            <a:r>
+              <a:rPr kumimoji="1" lang="zh-CN" altLang="en-US" sz="1800" dirty="0" smtClean="0"/>
+              <a:t>当前列表项的</a:t>
+            </a:r>
+            <a:r>
+              <a:rPr kumimoji="1" lang="en-US" altLang="zh-CN" sz="1800" dirty="0" smtClean="0"/>
+              <a:t>id</a:t>
+            </a:r>
+          </a:p>
+          <a:p>
+            <a:r>
+              <a:rPr kumimoji="1" lang="en-US" altLang="zh-CN" sz="1800" dirty="0" err="1" smtClean="0"/>
+              <a:t>getView</a:t>
+            </a:r>
+            <a:r>
+              <a:rPr kumimoji="1" lang="en-US" altLang="zh-CN" sz="1800" dirty="0" smtClean="0"/>
+              <a:t>()</a:t>
+            </a:r>
+            <a:r>
+              <a:rPr kumimoji="1" lang="zh-CN" altLang="en-US" sz="1800" dirty="0" smtClean="0"/>
+              <a:t>当前加载的</a:t>
+            </a:r>
+            <a:r>
+              <a:rPr kumimoji="1" lang="en-US" altLang="zh-CN" sz="1800" dirty="0" smtClean="0"/>
+              <a:t>view</a:t>
+            </a:r>
+          </a:p>
+          <a:p>
+            <a:pPr lvl="1"/>
+            <a:r>
+              <a:rPr kumimoji="1" lang="en-US" altLang="zh-CN" sz="1400" dirty="0" err="1" smtClean="0"/>
+              <a:t>convertView</a:t>
+            </a:r>
+            <a:r>
+              <a:rPr kumimoji="1" lang="zh-CN" altLang="en-US" sz="1400" dirty="0" smtClean="0"/>
+              <a:t>已经被回收的</a:t>
+            </a:r>
+            <a:r>
+              <a:rPr kumimoji="1" lang="en-US" altLang="zh-CN" sz="1400" dirty="0" smtClean="0"/>
+              <a:t>view</a:t>
+            </a:r>
+          </a:p>
+          <a:p>
+            <a:pPr marL="457200" lvl="1" indent="0">
+              <a:buNone/>
+            </a:pPr>
+            <a:r>
+              <a:rPr lang="en-US" altLang="zh-CN" sz="1400" dirty="0" err="1" smtClean="0"/>
+              <a:t>notifyDataSetChanged</a:t>
+            </a:r>
+            <a:endParaRPr kumimoji="1" lang="en-US" altLang="zh-CN" sz="1400" dirty="0"/>
+          </a:p>
+          <a:p>
+            <a:r>
+              <a:rPr kumimoji="1" lang="en-US" altLang="zh-CN" sz="1800" dirty="0" err="1" smtClean="0"/>
+              <a:t>notifyDataSetChanged</a:t>
+            </a:r>
+            <a:r>
+              <a:rPr kumimoji="1" lang="en-US" altLang="zh-CN" sz="1800" dirty="0" smtClean="0"/>
+              <a:t>()</a:t>
+            </a:r>
+            <a:r>
+              <a:rPr kumimoji="1" lang="zh-CN" altLang="en-US" sz="1800" dirty="0" smtClean="0"/>
+              <a:t>刷新</a:t>
+            </a:r>
+            <a:r>
+              <a:rPr kumimoji="1" lang="en-US" altLang="zh-CN" sz="1800" dirty="0" err="1" smtClean="0"/>
+              <a:t>listView</a:t>
+            </a:r>
+            <a:endParaRPr kumimoji="1" lang="zh-CN" altLang="en-US" sz="1800" dirty="0"/>
           </a:p>
         </p:txBody>
       </p:sp>
@@ -30090,7 +30202,23 @@
           <a:p>
             <a:r>
               <a:rPr kumimoji="1" lang="en-US" altLang="zh-CN" dirty="0" smtClean="0"/>
-              <a:t>Layout</a:t>
+              <a:t>Gallery</a:t>
+            </a:r>
+            <a:r>
+              <a:rPr kumimoji="1" lang="zh-CN" altLang="en-US" dirty="0" smtClean="0"/>
+              <a:t>、</a:t>
+            </a:r>
+            <a:r>
+              <a:rPr kumimoji="1" lang="en-US" altLang="zh-CN" dirty="0" err="1" smtClean="0"/>
+              <a:t>GridView</a:t>
+            </a:r>
+            <a:r>
+              <a:rPr kumimoji="1" lang="zh-CN" altLang="en-US" dirty="0" smtClean="0"/>
+              <a:t>、</a:t>
+            </a:r>
+            <a:r>
+              <a:rPr kumimoji="1" lang="en-US" altLang="zh-CN" dirty="0" smtClean="0"/>
+              <a:t>Spinner</a:t>
             </a:r>
             <a:endParaRPr kumimoji="1" lang="zh-CN" altLang="en-US" dirty="0"/>
           </a:p>
@@ -30108,131 +30236,129 @@
         </p:nvSpPr>
         <p:spPr/>
         <p:txBody>
-          <a:bodyPr/>
+          <a:bodyPr>
+            <a:normAutofit/>
+          </a:bodyPr>
           <a:lstStyle/>
           <a:p>
             <a:r>
-              <a:rPr kumimoji="1" lang="en-US" altLang="zh-CN" dirty="0" err="1" smtClean="0"/>
-              <a:t>FrameLayout</a:t>
-            </a:r>
-            <a:r>
-              <a:rPr kumimoji="1" lang="zh-CN" altLang="en-US" dirty="0" smtClean="0"/>
+              <a:rPr kumimoji="1" lang="en-US" altLang="zh-CN" sz="2000" dirty="0" smtClean="0"/>
+              <a:t>Gallery</a:t>
+            </a:r>
+            <a:r>
+              <a:rPr kumimoji="1" lang="zh-CN" altLang="en-US" sz="2000" dirty="0" smtClean="0"/>
+              <a:t> 横向列表用法和</a:t>
+            </a:r>
+            <a:r>
+              <a:rPr kumimoji="1" lang="en-US" altLang="zh-CN" sz="2000" dirty="0" err="1" smtClean="0"/>
+              <a:t>listView</a:t>
+            </a:r>
+            <a:r>
+              <a:rPr kumimoji="1" lang="zh-CN" altLang="en-US" sz="2000" dirty="0" smtClean="0"/>
+              <a:t>一致</a:t>
+            </a:r>
+            <a:endParaRPr kumimoji="1" lang="en-US" altLang="zh-CN" sz="2000" dirty="0" smtClean="0"/>
+          </a:p>
+          <a:p>
+            <a:endParaRPr kumimoji="1" lang="en-US" altLang="zh-CN" sz="2000" dirty="0" smtClean="0"/>
+          </a:p>
+          <a:p>
+            <a:r>
+              <a:rPr kumimoji="1" lang="en-US" altLang="zh-CN" sz="2000" dirty="0" err="1" smtClean="0"/>
+              <a:t>GridView</a:t>
+            </a:r>
+            <a:endParaRPr kumimoji="1" lang="en-US" altLang="zh-CN" sz="2000" dirty="0"/>
+          </a:p>
+          <a:p>
+            <a:endParaRPr kumimoji="1" lang="en-US" altLang="zh-CN" sz="2000" dirty="0" smtClean="0"/>
+          </a:p>
+          <a:p>
+            <a:r>
+              <a:rPr kumimoji="1" lang="zh-CN" altLang="en-US" sz="2000" dirty="0" smtClean="0"/>
+              <a:t>下拉列表</a:t>
+            </a:r>
+            <a:r>
+              <a:rPr kumimoji="1" lang="en-US" altLang="zh-CN" sz="2000" dirty="0" smtClean="0"/>
+              <a:t>,</a:t>
+            </a:r>
+            <a:r>
+              <a:rPr kumimoji="1" lang="zh-CN" altLang="en-US" sz="2000" dirty="0" smtClean="0"/>
+              <a:t>操作类似于</a:t>
+            </a:r>
+            <a:r>
+              <a:rPr kumimoji="1" lang="en-US" altLang="zh-CN" sz="2000" dirty="0" err="1" smtClean="0"/>
+              <a:t>ListView</a:t>
+            </a:r>
+            <a:r>
+              <a:rPr kumimoji="1" lang="zh-CN" altLang="en-US" sz="2000" dirty="0" smtClean="0"/>
+              <a:t>，只有下拉时才会显示数据。</a:t>
+            </a:r>
+            <a:endParaRPr kumimoji="1" lang="en-US" altLang="zh-CN" sz="2000" dirty="0" smtClean="0"/>
+          </a:p>
+          <a:p>
+            <a:r>
+              <a:rPr lang="en-US" altLang="zh-CN" sz="2000" dirty="0" err="1"/>
+              <a:t>getSelectedItem</a:t>
+            </a:r>
+            <a:r>
+              <a:rPr lang="en-US" altLang="zh-CN" sz="2000" dirty="0"/>
+              <a:t>().</a:t>
+            </a:r>
+            <a:r>
+              <a:rPr lang="en-US" altLang="zh-CN" sz="2000" dirty="0" err="1"/>
+              <a:t>toString</a:t>
+            </a:r>
+            <a:r>
+              <a:rPr lang="en-US" altLang="zh-CN" sz="2000" dirty="0"/>
+              <a:t>()</a:t>
+            </a:r>
+            <a:r>
+              <a:rPr lang="en-US" altLang="zh-CN" sz="2000" dirty="0" smtClean="0"/>
+              <a:t>;</a:t>
+            </a:r>
+            <a:r>
+              <a:rPr lang="zh-CN" altLang="en-US" sz="2000" dirty="0" smtClean="0"/>
+              <a:t>获取当前值。</a:t>
+            </a:r>
+            <a:r>
+              <a:rPr lang="en-US" altLang="zh-CN" sz="2000" dirty="0" smtClean="0"/>
+              <a:t/>
+            </a:r>
+            <a:br>
+              <a:rPr lang="en-US" altLang="zh-CN" sz="2000" dirty="0" smtClean="0"/>
+            </a:br>
+            <a:r>
+              <a:rPr lang="en-US" altLang="zh-CN" sz="2000" dirty="0" err="1"/>
+              <a:t>setOnItemSelectedListener</a:t>
+            </a:r>
+            <a:r>
+              <a:rPr lang="en-US" altLang="zh-CN" sz="2000" dirty="0"/>
               <a:t> </a:t>
             </a:r>
             <a:r>
-              <a:rPr kumimoji="1" lang="zh-CN" altLang="en-US" sz="2400" dirty="0" smtClean="0"/>
-              <a:t>帧布局</a:t>
-            </a:r>
-            <a:endParaRPr kumimoji="1" lang="en-US" altLang="zh-CN" sz="2400" dirty="0" smtClean="0"/>
-          </a:p>
-          <a:p>
-            <a:r>
-              <a:rPr kumimoji="1" lang="en-US" altLang="zh-CN" dirty="0" err="1" smtClean="0"/>
-              <a:t>LinearLayout</a:t>
-            </a:r>
-            <a:r>
-              <a:rPr kumimoji="1" lang="zh-CN" altLang="en-US" dirty="0" smtClean="0"/>
-              <a:t> </a:t>
-            </a:r>
-            <a:r>
-              <a:rPr kumimoji="1" lang="zh-CN" altLang="en-US" sz="2000" dirty="0" smtClean="0"/>
-              <a:t>线性布局</a:t>
-            </a:r>
-            <a:r>
-              <a:rPr kumimoji="1" lang="en-US" altLang="zh-CN" sz="2000" dirty="0" smtClean="0"/>
-              <a:t>(</a:t>
-            </a:r>
-            <a:r>
-              <a:rPr kumimoji="1" lang="zh-CN" altLang="en-US" sz="2000" dirty="0" smtClean="0"/>
-              <a:t>横向布局、纵向布局</a:t>
-            </a:r>
-            <a:r>
-              <a:rPr kumimoji="1" lang="en-US" altLang="zh-CN" sz="2000" dirty="0" smtClean="0"/>
-              <a:t>)</a:t>
-            </a:r>
-          </a:p>
-          <a:p>
-            <a:r>
-              <a:rPr kumimoji="1" lang="en-US" altLang="zh-CN" dirty="0" err="1" smtClean="0"/>
-              <a:t>RelativeLayout</a:t>
-            </a:r>
-            <a:r>
-              <a:rPr kumimoji="1" lang="zh-CN" altLang="en-US" dirty="0" smtClean="0"/>
-              <a:t> </a:t>
-            </a:r>
-            <a:r>
-              <a:rPr kumimoji="1" lang="zh-CN" altLang="en-US" sz="2000" dirty="0" smtClean="0"/>
-              <a:t>相对布局，可以相对</a:t>
-            </a:r>
-            <a:r>
-              <a:rPr kumimoji="1" lang="en-US" altLang="zh-CN" sz="2000" dirty="0" err="1"/>
-              <a:t>RelativeLayout</a:t>
-            </a:r>
-            <a:r>
-              <a:rPr kumimoji="1" lang="zh-CN" altLang="en-US" sz="2000" dirty="0"/>
-              <a:t> </a:t>
-            </a:r>
-            <a:r>
-              <a:rPr kumimoji="1" lang="zh-CN" altLang="en-US" sz="2000" dirty="0" smtClean="0"/>
-              <a:t>或者其他控件进行布局，是</a:t>
-            </a:r>
-            <a:r>
-              <a:rPr kumimoji="1" lang="en-US" altLang="zh-CN" sz="2000" dirty="0" smtClean="0"/>
-              <a:t>5</a:t>
-            </a:r>
-            <a:r>
-              <a:rPr kumimoji="1" lang="zh-CN" altLang="en-US" sz="2000" dirty="0" smtClean="0"/>
-              <a:t>大布局当中最为灵活的布局方式</a:t>
-            </a:r>
-            <a:endParaRPr kumimoji="1" lang="en-US" altLang="zh-CN" sz="2000" dirty="0" smtClean="0"/>
-          </a:p>
-          <a:p>
-            <a:r>
-              <a:rPr kumimoji="1" lang="en-US" altLang="zh-CN" dirty="0" err="1" smtClean="0"/>
-              <a:t>AbsoluteLayout</a:t>
-            </a:r>
-            <a:r>
-              <a:rPr kumimoji="1" lang="zh-CN" altLang="en-US" dirty="0" smtClean="0"/>
-              <a:t> </a:t>
-            </a:r>
-            <a:r>
-              <a:rPr kumimoji="1" lang="zh-CN" altLang="en-US" sz="2000" dirty="0" smtClean="0"/>
-              <a:t>绝对布局，灵活性差，基本已经被弃用</a:t>
-            </a:r>
-            <a:endParaRPr kumimoji="1" lang="en-US" altLang="zh-CN" sz="2000" dirty="0" smtClean="0"/>
-          </a:p>
-          <a:p>
-            <a:r>
-              <a:rPr kumimoji="1" lang="en-US" altLang="zh-CN" dirty="0" err="1" smtClean="0"/>
-              <a:t>TableLayout</a:t>
-            </a:r>
-            <a:r>
-              <a:rPr kumimoji="1" lang="zh-CN" altLang="en-US" dirty="0" smtClean="0"/>
-              <a:t> </a:t>
-            </a:r>
-            <a:r>
-              <a:rPr kumimoji="1" lang="zh-CN" altLang="en-US" sz="2000" dirty="0" smtClean="0"/>
-              <a:t>表格布局，基本已经被弃用</a:t>
-            </a:r>
-            <a:endParaRPr kumimoji="1" lang="en-US" altLang="zh-CN" sz="2000" dirty="0"/>
-          </a:p>
-          <a:p>
-            <a:r>
-              <a:rPr kumimoji="1" lang="en-US" altLang="zh-CN" dirty="0" smtClean="0"/>
-              <a:t>Layout</a:t>
-            </a:r>
-            <a:r>
-              <a:rPr kumimoji="1" lang="zh-CN" altLang="en-US" dirty="0" smtClean="0"/>
-              <a:t>之间的嵌套使用</a:t>
-            </a:r>
-            <a:endParaRPr kumimoji="1" lang="zh-CN" altLang="en-US" dirty="0"/>
+              <a:rPr lang="en-US" altLang="zh-CN" sz="2000" dirty="0" smtClean="0"/>
+              <a:t>()</a:t>
+            </a:r>
+            <a:r>
+              <a:rPr lang="zh-CN" altLang="en-US" sz="2000" dirty="0" smtClean="0"/>
+              <a:t>；</a:t>
+            </a:r>
+            <a:r>
+              <a:rPr lang="en-US" altLang="zh-CN" sz="2000" dirty="0" smtClean="0"/>
+              <a:t>item</a:t>
+            </a:r>
+            <a:r>
+              <a:rPr lang="zh-CN" altLang="en-US" sz="2000" dirty="0" smtClean="0"/>
+              <a:t>被选中监听</a:t>
+            </a:r>
+            <a:endParaRPr kumimoji="1" lang="zh-CN" altLang="en-US" sz="2000" dirty="0"/>
           </a:p>
         </p:txBody>
       </p:sp>
     </p:spTree>
     <p:extLst>
       <p:ext uri="{BB962C8B-B14F-4D97-AF65-F5344CB8AC3E}">
-        <p14:creationId xmlns:p14="http://schemas.microsoft.com/office/powerpoint/2010/main" val="4201501647"/>
+        <p14:creationId xmlns:p14="http://schemas.microsoft.com/office/powerpoint/2010/main" val="1489139503"/>
       </p:ext>
     </p:extLst>
   </p:cSld>
@@ -30275,12 +30401,8 @@
           <a:lstStyle/>
           <a:p>
             <a:r>
-              <a:rPr kumimoji="1" lang="en-US" altLang="zh-CN" dirty="0" err="1" smtClean="0"/>
-              <a:t>LinearLayout</a:t>
-            </a:r>
-            <a:r>
-              <a:rPr kumimoji="1" lang="zh-CN" altLang="en-US" dirty="0" smtClean="0"/>
-              <a:t>线性布局</a:t>
+              <a:rPr kumimoji="1" lang="en-US" altLang="zh-CN" dirty="0" smtClean="0"/>
+              <a:t>Layout</a:t>
             </a:r>
             <a:endParaRPr kumimoji="1" lang="zh-CN" altLang="en-US" dirty="0"/>
           </a:p>
@@ -30296,217 +30418,133 @@
             <p:ph idx="1"/>
           </p:nvPr>
         </p:nvSpPr>
-        <p:spPr>
-          <a:xfrm>
-            <a:off x="457200" y="1600200"/>
-            <a:ext cx="8229600" cy="5257800"/>
-          </a:xfrm>
-        </p:spPr>
+        <p:spPr/>
         <p:txBody>
-          <a:bodyPr>
-            <a:normAutofit/>
-          </a:bodyPr>
+          <a:bodyPr/>
           <a:lstStyle/>
           <a:p>
             <a:r>
+              <a:rPr kumimoji="1" lang="en-US" altLang="zh-CN" dirty="0" err="1" smtClean="0"/>
+              <a:t>FrameLayout</a:t>
+            </a:r>
+            <a:r>
+              <a:rPr kumimoji="1" lang="zh-CN" altLang="en-US" dirty="0" smtClean="0"/>
+              <a:t> </a:t>
+            </a:r>
+            <a:r>
+              <a:rPr kumimoji="1" lang="zh-CN" altLang="en-US" sz="2400" dirty="0" smtClean="0"/>
+              <a:t>帧布局</a:t>
+            </a:r>
+            <a:endParaRPr kumimoji="1" lang="en-US" altLang="zh-CN" sz="2400" dirty="0" smtClean="0"/>
+          </a:p>
+          <a:p>
+            <a:r>
+              <a:rPr kumimoji="1" lang="en-US" altLang="zh-CN" dirty="0" err="1" smtClean="0"/>
+              <a:t>LinearLayout</a:t>
+            </a:r>
+            <a:r>
+              <a:rPr kumimoji="1" lang="zh-CN" altLang="en-US" dirty="0" smtClean="0"/>
+              <a:t> </a:t>
+            </a:r>
+            <a:r>
+              <a:rPr kumimoji="1" lang="zh-CN" altLang="en-US" sz="2000" dirty="0" smtClean="0"/>
+              <a:t>线性布局</a:t>
+            </a:r>
+            <a:r>
+              <a:rPr kumimoji="1" lang="en-US" altLang="zh-CN" sz="2000" dirty="0" smtClean="0"/>
+              <a:t>(</a:t>
+            </a:r>
+            <a:r>
+              <a:rPr kumimoji="1" lang="zh-CN" altLang="en-US" sz="2000" dirty="0" smtClean="0"/>
+              <a:t>横向布局、纵向布局</a:t>
+            </a:r>
+            <a:r>
+              <a:rPr kumimoji="1" lang="en-US" altLang="zh-CN" sz="2000" dirty="0" smtClean="0"/>
+              <a:t>)</a:t>
+            </a:r>
+          </a:p>
+          <a:p>
+            <a:r>
+              <a:rPr kumimoji="1" lang="en-US" altLang="zh-CN" dirty="0" err="1" smtClean="0"/>
+              <a:t>RelativeLayout</a:t>
+            </a:r>
+            <a:r>
+              <a:rPr kumimoji="1" lang="zh-CN" altLang="en-US" dirty="0" smtClean="0"/>
+              <a:t> </a:t>
+            </a:r>
+            <a:r>
+              <a:rPr kumimoji="1" lang="zh-CN" altLang="en-US" sz="2000" dirty="0" smtClean="0"/>
+              <a:t>相对布局，可以相对</a:t>
+            </a:r>
+            <a:r>
               <a:rPr kumimoji="1" lang="en-US" altLang="zh-CN" sz="2000" dirty="0" err="1"/>
-              <a:t>android:orientation</a:t>
+              <a:t>RelativeLayout</a:t>
+            </a:r>
+            <a:r>
+              <a:rPr kumimoji="1" lang="zh-CN" altLang="en-US" sz="2000" dirty="0"/>
+              <a:t> </a:t>
+            </a:r>
+            <a:r>
+              <a:rPr kumimoji="1" lang="zh-CN" altLang="en-US" sz="2000" dirty="0" smtClean="0"/>
+              <a:t>或者其他控件进行布局，是</a:t>
             </a:r>
             <a:r>
               <a:rPr kumimoji="1" lang="en-US" altLang="zh-CN" sz="2000" dirty="0" smtClean="0"/>
-              <a:t>=“vertical” </a:t>
+              <a:t>5</a:t>
             </a:r>
             <a:r>
               <a:rPr kumimoji="1" lang="zh-CN" altLang="en-US" sz="2000" dirty="0" smtClean="0"/>
-              <a:t>  垂直布局</a:t>
+              <a:t>大布局当中最为灵活的布局方式</a:t>
             </a:r>
             <a:endParaRPr kumimoji="1" lang="en-US" altLang="zh-CN" sz="2000" dirty="0" smtClean="0"/>
           </a:p>
           <a:p>
             <a:r>
-              <a:rPr kumimoji="1" lang="en-US" altLang="zh-CN" sz="2000" dirty="0" err="1"/>
-              <a:t>android:orientation</a:t>
-            </a:r>
-            <a:r>
-              <a:rPr kumimoji="1" lang="en-US" altLang="zh-CN" sz="2000" dirty="0" smtClean="0"/>
-              <a:t>=“horizontal”</a:t>
+              <a:rPr kumimoji="1" lang="en-US" altLang="zh-CN" dirty="0" err="1" smtClean="0"/>
+              <a:t>AbsoluteLayout</a:t>
+            </a:r>
+            <a:r>
+              <a:rPr kumimoji="1" lang="zh-CN" altLang="en-US" dirty="0" smtClean="0"/>
+              <a:t> </a:t>
             </a:r>
             <a:r>
               <a:rPr kumimoji="1" lang="zh-CN" altLang="en-US" sz="2000" dirty="0" smtClean="0"/>
-              <a:t>   水平布局</a:t>
+              <a:t>绝对布局，灵活性差，基本已经被弃用</a:t>
             </a:r>
             <a:endParaRPr kumimoji="1" lang="en-US" altLang="zh-CN" sz="2000" dirty="0" smtClean="0"/>
           </a:p>
           <a:p>
             <a:r>
-              <a:rPr kumimoji="1" lang="en-US" altLang="zh-CN" sz="2000" dirty="0" err="1"/>
-              <a:t>android:layout_weight</a:t>
-            </a:r>
-            <a:r>
-              <a:rPr kumimoji="1" lang="en-US" altLang="zh-CN" sz="2000" dirty="0"/>
+              <a:rPr kumimoji="1" lang="en-US" altLang="zh-CN" dirty="0" err="1" smtClean="0"/>
+              <a:t>TableLayout</a:t>
+            </a:r>
+            <a:r>
+              <a:rPr kumimoji="1" lang="zh-CN" altLang="en-US" dirty="0" smtClean="0"/>
               <a:t> </a:t>
             </a:r>
             <a:r>
               <a:rPr kumimoji="1" lang="zh-CN" altLang="en-US" sz="2000" dirty="0" smtClean="0"/>
-              <a:t> 权重，表示</a:t>
-            </a:r>
-            <a:r>
-              <a:rPr kumimoji="1" lang="zh-CN" altLang="en-US" sz="2000" dirty="0"/>
-              <a:t>子元素占据</a:t>
-            </a:r>
-            <a:r>
-              <a:rPr kumimoji="1" lang="zh-CN" altLang="en-US" sz="2000" dirty="0" smtClean="0"/>
-              <a:t>的父级容器大小的比例，</a:t>
-            </a:r>
-            <a:endParaRPr kumimoji="1" lang="en-US" altLang="zh-CN" sz="2000" dirty="0" smtClean="0"/>
-          </a:p>
-          <a:p>
-            <a:r>
-              <a:rPr kumimoji="1" lang="zh-CN" altLang="en-US" sz="2000" dirty="0" smtClean="0"/>
-              <a:t>可以根据屏幕的大小自动的进行调整。</a:t>
-            </a:r>
-            <a:endParaRPr kumimoji="1" lang="en-US" altLang="zh-CN" sz="2000" dirty="0" smtClean="0"/>
-          </a:p>
-          <a:p>
+              <a:t>表格布局，基本已经被弃用</a:t>
+            </a:r>
             <a:endParaRPr kumimoji="1" lang="en-US" altLang="zh-CN" sz="2000" dirty="0"/>
           </a:p>
           <a:p>
             <a:r>
-              <a:rPr kumimoji="1" lang="en-US" altLang="zh-CN" sz="1800" dirty="0" err="1" smtClean="0"/>
-              <a:t>TableLayout</a:t>
-            </a:r>
-            <a:r>
-              <a:rPr kumimoji="1" lang="en-US" altLang="zh-CN" sz="1800" dirty="0" smtClean="0"/>
-              <a:t>:</a:t>
-            </a:r>
-            <a:r>
-              <a:rPr kumimoji="1" lang="zh-CN" altLang="en-US" sz="1800" dirty="0" smtClean="0"/>
-              <a:t> 表格布局</a:t>
-            </a:r>
-            <a:endParaRPr kumimoji="1" lang="en-US" altLang="zh-CN" sz="1800" dirty="0" smtClean="0"/>
-          </a:p>
-          <a:p>
-            <a:r>
-              <a:rPr kumimoji="1" lang="en-US" altLang="zh-CN" sz="1800" dirty="0" err="1" smtClean="0"/>
-              <a:t>TableRow</a:t>
-            </a:r>
-            <a:r>
-              <a:rPr kumimoji="1" lang="zh-CN" altLang="en-US" sz="1800" dirty="0" smtClean="0"/>
-              <a:t> 布局中的行，其中可以放置控件</a:t>
-            </a:r>
-            <a:endParaRPr kumimoji="1" lang="en-US" altLang="zh-CN" sz="1800" dirty="0"/>
-          </a:p>
-          <a:p>
-            <a:r>
-              <a:rPr kumimoji="1" lang="en-US" altLang="zh-CN" sz="1800" dirty="0" err="1" smtClean="0"/>
-              <a:t>TableLayout</a:t>
-            </a:r>
-            <a:r>
-              <a:rPr kumimoji="1" lang="zh-CN" altLang="en-US" sz="1800" dirty="0" smtClean="0"/>
-              <a:t>中的列以列最大的行中的列为准</a:t>
-            </a:r>
-            <a:endParaRPr kumimoji="1" lang="en-US" altLang="zh-CN" sz="1800" dirty="0" smtClean="0"/>
-          </a:p>
-          <a:p>
-            <a:r>
-              <a:rPr kumimoji="1" lang="en-US" altLang="zh-CN" sz="1800" dirty="0"/>
-              <a:t>Shrinkable  </a:t>
-            </a:r>
-            <a:r>
-              <a:rPr kumimoji="1" lang="zh-CN" altLang="en-US" sz="1800" dirty="0"/>
-              <a:t>表示该列的宽度可以进行收缩，以使表格能够适应父容器的大小</a:t>
-            </a:r>
-          </a:p>
-          <a:p>
-            <a:r>
-              <a:rPr kumimoji="1" lang="en-US" altLang="zh-CN" sz="1800" dirty="0"/>
-              <a:t>Stretchable </a:t>
-            </a:r>
-            <a:r>
-              <a:rPr kumimoji="1" lang="zh-CN" altLang="en-US" sz="1800" dirty="0"/>
-              <a:t>表示该列的宽度可以进行拉伸，以使能够填满表格中的空闲空间</a:t>
-            </a:r>
-          </a:p>
-          <a:p>
-            <a:r>
-              <a:rPr kumimoji="1" lang="en-US" altLang="zh-CN" sz="1800" dirty="0"/>
-              <a:t>Collapsed  </a:t>
-            </a:r>
-            <a:r>
-              <a:rPr kumimoji="1" lang="zh-CN" altLang="en-US" sz="1800" dirty="0" smtClean="0"/>
-              <a:t>表示该列会被隐藏</a:t>
-            </a:r>
-            <a:endParaRPr kumimoji="1" lang="en-US" altLang="zh-CN" sz="1800" dirty="0" smtClean="0"/>
-          </a:p>
-          <a:p>
-            <a:endParaRPr kumimoji="1" lang="en-US" altLang="zh-CN" sz="1800" dirty="0"/>
-          </a:p>
-          <a:p>
-            <a:r>
-              <a:rPr kumimoji="1" lang="en-US" altLang="zh-CN" sz="1800" dirty="0" err="1" smtClean="0"/>
-              <a:t>AbsoluteLayou</a:t>
-            </a:r>
-            <a:r>
-              <a:rPr kumimoji="1" lang="zh-CN" altLang="en-US" sz="1800" dirty="0" smtClean="0"/>
-              <a:t> 绝对布局：</a:t>
-            </a:r>
-            <a:endParaRPr kumimoji="1" lang="en-US" altLang="zh-CN" sz="1800" dirty="0" smtClean="0"/>
-          </a:p>
-          <a:p>
-            <a:r>
-              <a:rPr kumimoji="1" lang="zh-CN" altLang="en-US" sz="1800" dirty="0"/>
-              <a:t>中将所有的子元素通过设置</a:t>
-            </a:r>
-            <a:r>
-              <a:rPr kumimoji="1" lang="en-US" altLang="zh-CN" sz="1800" dirty="0" err="1"/>
-              <a:t>android:layout_x</a:t>
-            </a:r>
-            <a:r>
-              <a:rPr kumimoji="1" lang="en-US" altLang="zh-CN" sz="1800" dirty="0"/>
-              <a:t> </a:t>
-            </a:r>
-            <a:r>
-              <a:rPr kumimoji="1" lang="zh-CN" altLang="en-US" sz="1800" dirty="0"/>
-              <a:t>和 </a:t>
-            </a:r>
-            <a:r>
-              <a:rPr kumimoji="1" lang="en-US" altLang="zh-CN" sz="1800" dirty="0" err="1"/>
-              <a:t>android:layout_y</a:t>
-            </a:r>
-            <a:r>
-              <a:rPr kumimoji="1" lang="zh-CN" altLang="en-US" sz="1800" dirty="0"/>
-              <a:t>属性，将子元素的坐标位置固定下</a:t>
-            </a:r>
-            <a:r>
-              <a:rPr kumimoji="1" lang="zh-CN" altLang="en-US" sz="1800" dirty="0" smtClean="0"/>
-              <a:t>来</a:t>
-            </a:r>
-            <a:r>
-              <a:rPr kumimoji="1" lang="en-US" altLang="zh-CN" sz="1800" dirty="0" smtClean="0"/>
-              <a:t>(</a:t>
-            </a:r>
-            <a:r>
-              <a:rPr kumimoji="1" lang="en-US" altLang="zh-CN" sz="1800" dirty="0" err="1" smtClean="0"/>
-              <a:t>px</a:t>
-            </a:r>
-            <a:r>
-              <a:rPr kumimoji="1" lang="en-US" altLang="zh-CN" sz="1800" dirty="0" smtClean="0"/>
-              <a:t>)</a:t>
-            </a:r>
-            <a:endParaRPr kumimoji="1" lang="zh-CN" altLang="en-US" sz="1800" dirty="0"/>
-          </a:p>
-          <a:p>
-            <a:endParaRPr kumimoji="1" lang="en-US" altLang="zh-CN" sz="1800" dirty="0" smtClean="0"/>
-          </a:p>
-          <a:p>
-            <a:endParaRPr kumimoji="1" lang="zh-CN" altLang="en-US" sz="2000" dirty="0"/>
+              <a:rPr kumimoji="1" lang="en-US" altLang="zh-CN" dirty="0" smtClean="0"/>
+              <a:t>Layout</a:t>
+            </a:r>
+            <a:r>
+              <a:rPr kumimoji="1" lang="zh-CN" altLang="en-US" dirty="0" smtClean="0"/>
+              <a:t>之间的嵌套使用</a:t>
+            </a:r>
+            <a:endParaRPr kumimoji="1" lang="zh-CN" altLang="en-US" dirty="0"/>
           </a:p>
         </p:txBody>
       </p:sp>
     </p:spTree>
     <p:extLst>
       <p:ext uri="{BB962C8B-B14F-4D97-AF65-F5344CB8AC3E}">
-        <p14:creationId xmlns:p14="http://schemas.microsoft.com/office/powerpoint/2010/main" val="3110806605"/>
+        <p14:creationId xmlns:p14="http://schemas.microsoft.com/office/powerpoint/2010/main" val="4201501647"/>
       </p:ext>
     </p:extLst>
   </p:cSld>
@@ -30545,14 +30583,16 @@
         </p:nvSpPr>
         <p:spPr/>
         <p:txBody>
-          <a:bodyPr>
-            <a:normAutofit/>
-          </a:bodyPr>
+          <a:bodyPr/>
           <a:lstStyle/>
           <a:p>
             <a:r>
               <a:rPr kumimoji="1" lang="en-US" altLang="zh-CN" dirty="0" err="1" smtClean="0"/>
-              <a:t>Relativelayout</a:t>
+              <a:t>LinearLayout</a:t>
+            </a:r>
+            <a:r>
+              <a:rPr kumimoji="1" lang="zh-CN" altLang="en-US" dirty="0" smtClean="0"/>
+              <a:t>线性布局</a:t>
             </a:r>
             <a:endParaRPr kumimoji="1" lang="zh-CN" altLang="en-US" dirty="0"/>
           </a:p>
@@ -30571,260 +30611,214 @@
         <p:spPr>
           <a:xfrm>
             <a:off x="457200" y="1600200"/>
-            <a:ext cx="8229600" cy="5120462"/>
+            <a:ext cx="8229600" cy="5257800"/>
           </a:xfrm>
         </p:spPr>
         <p:txBody>
           <a:bodyPr>
-            <a:normAutofit fontScale="70000" lnSpcReduction="20000"/>
+            <a:normAutofit/>
           </a:bodyPr>
           <a:lstStyle/>
           <a:p>
             <a:r>
-              <a:rPr kumimoji="1" lang="en-US" altLang="zh-TW" dirty="0" err="1"/>
-              <a:t>android:layout_toLeftOf</a:t>
-            </a:r>
-            <a:r>
-              <a:rPr kumimoji="1" lang="en-US" altLang="zh-TW" dirty="0"/>
-              <a:t> 	 	</a:t>
-            </a:r>
-            <a:r>
-              <a:rPr kumimoji="1" lang="zh-TW" altLang="en-US" dirty="0"/>
-              <a:t>该组件位于引用组件的左方</a:t>
-            </a:r>
-          </a:p>
-          <a:p>
-            <a:r>
-              <a:rPr kumimoji="1" lang="en-US" altLang="zh-TW" dirty="0" err="1"/>
-              <a:t>android:layout_toRightOf</a:t>
-            </a:r>
-            <a:r>
-              <a:rPr kumimoji="1" lang="en-US" altLang="zh-TW" dirty="0"/>
-              <a:t> 		</a:t>
-            </a:r>
-            <a:r>
-              <a:rPr kumimoji="1" lang="zh-TW" altLang="en-US" dirty="0"/>
-              <a:t>该组件位于引用组件的右方</a:t>
-            </a:r>
-          </a:p>
-          <a:p>
-            <a:r>
-              <a:rPr kumimoji="1" lang="en-US" altLang="zh-TW" dirty="0" err="1"/>
-              <a:t>android:layout_above</a:t>
-            </a:r>
-            <a:r>
-              <a:rPr kumimoji="1" lang="en-US" altLang="zh-TW" dirty="0"/>
-              <a:t> 			</a:t>
-            </a:r>
-            <a:r>
-              <a:rPr kumimoji="1" lang="zh-TW" altLang="en-US" dirty="0"/>
-              <a:t>该组件位于引用组件的上方</a:t>
-            </a:r>
-          </a:p>
-          <a:p>
-            <a:r>
-              <a:rPr kumimoji="1" lang="en-US" altLang="zh-TW" dirty="0" err="1"/>
-              <a:t>android:layout_below</a:t>
-            </a:r>
-            <a:r>
-              <a:rPr kumimoji="1" lang="en-US" altLang="zh-TW" dirty="0"/>
-              <a:t> 		    	</a:t>
-            </a:r>
-            <a:r>
-              <a:rPr kumimoji="1" lang="zh-TW" altLang="en-US" dirty="0"/>
-              <a:t>该组件位于引用组件的下方</a:t>
-            </a:r>
-          </a:p>
-          <a:p>
-            <a:r>
-              <a:rPr kumimoji="1" lang="en-US" altLang="zh-TW" dirty="0" err="1"/>
-              <a:t>android:layout_alignParentLeft</a:t>
-            </a:r>
-            <a:r>
-              <a:rPr kumimoji="1" lang="en-US" altLang="zh-TW" dirty="0"/>
-              <a:t>  	</a:t>
-            </a:r>
-            <a:r>
-              <a:rPr kumimoji="1" lang="zh-TW" altLang="en-US" dirty="0"/>
-              <a:t>该组件是否对齐父组件的左端</a:t>
-            </a:r>
-          </a:p>
-          <a:p>
-            <a:r>
-              <a:rPr kumimoji="1" lang="en-US" altLang="zh-TW" dirty="0" err="1"/>
-              <a:t>android:layout_alignParentRight</a:t>
-            </a:r>
-            <a:r>
-              <a:rPr kumimoji="1" lang="en-US" altLang="zh-TW" dirty="0"/>
-              <a:t> 	</a:t>
-            </a:r>
-            <a:r>
-              <a:rPr kumimoji="1" lang="zh-TW" altLang="en-US" dirty="0" smtClean="0"/>
-              <a:t>该组件是否</a:t>
-            </a:r>
-            <a:r>
-              <a:rPr kumimoji="1" lang="zh-CN" altLang="en-US" dirty="0" smtClean="0"/>
-              <a:t>对</a:t>
-            </a:r>
-            <a:r>
-              <a:rPr kumimoji="1" lang="zh-TW" altLang="en-US" dirty="0" smtClean="0"/>
-              <a:t>齐其父组</a:t>
-            </a:r>
-            <a:r>
-              <a:rPr kumimoji="1" lang="zh-TW" altLang="en-US" dirty="0"/>
-              <a:t>件的右端</a:t>
-            </a:r>
-          </a:p>
-          <a:p>
-            <a:r>
-              <a:rPr kumimoji="1" lang="en-US" altLang="zh-TW" dirty="0" err="1"/>
-              <a:t>android:layout_alignParentTop</a:t>
-            </a:r>
-            <a:r>
-              <a:rPr kumimoji="1" lang="en-US" altLang="zh-TW" dirty="0"/>
-              <a:t>   	</a:t>
-            </a:r>
-            <a:r>
-              <a:rPr kumimoji="1" lang="zh-TW" altLang="en-US" dirty="0"/>
-              <a:t>该组件是否对齐父组件的顶部</a:t>
-            </a:r>
-          </a:p>
-          <a:p>
-            <a:r>
-              <a:rPr kumimoji="1" lang="en-US" altLang="zh-TW" dirty="0" err="1"/>
-              <a:t>android:layout_alignParentBottom</a:t>
-            </a:r>
-            <a:r>
-              <a:rPr kumimoji="1" lang="en-US" altLang="zh-TW" dirty="0"/>
+              <a:rPr kumimoji="1" lang="en-US" altLang="zh-CN" sz="2000" dirty="0" err="1"/>
+              <a:t>android:orientation</a:t>
+            </a:r>
+            <a:r>
+              <a:rPr kumimoji="1" lang="en-US" altLang="zh-CN" sz="2000" dirty="0" smtClean="0"/>
+              <a:t>=“vertical” </a:t>
+            </a:r>
+            <a:r>
+              <a:rPr kumimoji="1" lang="zh-CN" altLang="en-US" sz="2000" dirty="0" smtClean="0"/>
+              <a:t>  垂直布局</a:t>
+            </a:r>
+            <a:endParaRPr kumimoji="1" lang="en-US" altLang="zh-CN" sz="2000" dirty="0" smtClean="0"/>
+          </a:p>
+          <a:p>
+            <a:r>
+              <a:rPr kumimoji="1" lang="en-US" altLang="zh-CN" sz="2000" dirty="0" err="1"/>
+              <a:t>android:orientation</a:t>
+            </a:r>
+            <a:r>
+              <a:rPr kumimoji="1" lang="en-US" altLang="zh-CN" sz="2000" dirty="0" smtClean="0"/>
+              <a:t>=“horizontal”</a:t>
+            </a:r>
+            <a:r>
+              <a:rPr kumimoji="1" lang="zh-CN" altLang="en-US" sz="2000" dirty="0" smtClean="0"/>
+              <a:t>   水平布局</a:t>
+            </a:r>
+            <a:endParaRPr kumimoji="1" lang="en-US" altLang="zh-CN" sz="2000" dirty="0" smtClean="0"/>
+          </a:p>
+          <a:p>
+            <a:r>
+              <a:rPr kumimoji="1" lang="en-US" altLang="zh-CN" sz="2000" dirty="0" err="1"/>
+              <a:t>android:layout_weight</a:t>
+            </a:r>
+            <a:r>
+              <a:rPr kumimoji="1" lang="en-US" altLang="zh-CN" sz="2000" dirty="0"/>
               <a:t> </a:t>
             </a:r>
             <a:r>
-              <a:rPr kumimoji="1" lang="zh-TW" altLang="en-US" dirty="0" smtClean="0"/>
-              <a:t>该组件是否对齐父组</a:t>
-            </a:r>
-            <a:r>
-              <a:rPr kumimoji="1" lang="zh-TW" altLang="en-US" dirty="0"/>
-              <a:t>件的</a:t>
-            </a:r>
-            <a:r>
-              <a:rPr kumimoji="1" lang="zh-TW" altLang="en-US" dirty="0" smtClean="0"/>
-              <a:t>底部</a:t>
-            </a:r>
-            <a:endParaRPr kumimoji="1" lang="en-US" altLang="zh-TW" dirty="0" smtClean="0"/>
-          </a:p>
-          <a:p>
-            <a:r>
-              <a:rPr kumimoji="1" lang="en-US" altLang="zh-TW" dirty="0" err="1" smtClean="0"/>
-              <a:t>android:layout_alignBottom</a:t>
-            </a:r>
-            <a:r>
-              <a:rPr kumimoji="1" lang="zh-CN" altLang="en-US" dirty="0" smtClean="0"/>
-              <a:t> 底部和指定组件对其</a:t>
-            </a:r>
-            <a:endParaRPr kumimoji="1" lang="en-US" altLang="zh-CN" dirty="0" smtClean="0"/>
-          </a:p>
-          <a:p>
-            <a:r>
-              <a:rPr kumimoji="1" lang="en-US" altLang="zh-TW" dirty="0" err="1" smtClean="0"/>
-              <a:t>android:layout_align</a:t>
-            </a:r>
-            <a:r>
-              <a:rPr kumimoji="1" lang="en-US" altLang="zh-CN" dirty="0" err="1" smtClean="0"/>
-              <a:t>Top</a:t>
-            </a:r>
-            <a:r>
-              <a:rPr kumimoji="1" lang="zh-CN" altLang="en-US" dirty="0" smtClean="0"/>
-              <a:t>  顶部与指定组件对其</a:t>
-            </a:r>
-            <a:endParaRPr kumimoji="1" lang="en-US" altLang="zh-CN" dirty="0" smtClean="0"/>
-          </a:p>
-          <a:p>
-            <a:r>
-              <a:rPr kumimoji="1" lang="en-US" altLang="zh-TW" dirty="0" err="1" smtClean="0"/>
-              <a:t>android:layout_align</a:t>
-            </a:r>
-            <a:r>
-              <a:rPr kumimoji="1" lang="en-US" altLang="zh-CN" dirty="0" err="1" smtClean="0"/>
-              <a:t>Left</a:t>
-            </a:r>
-            <a:r>
-              <a:rPr kumimoji="1" lang="zh-CN" altLang="en-US" dirty="0" smtClean="0"/>
-              <a:t> 左边与指定组件对其</a:t>
-            </a:r>
-            <a:endParaRPr kumimoji="1" lang="en-US" altLang="zh-CN" dirty="0" smtClean="0"/>
-          </a:p>
-          <a:p>
-            <a:r>
-              <a:rPr kumimoji="1" lang="en-US" altLang="zh-TW" dirty="0" err="1" smtClean="0"/>
-              <a:t>android:layout_align</a:t>
-            </a:r>
-            <a:r>
-              <a:rPr kumimoji="1" lang="en-US" altLang="zh-CN" dirty="0" err="1" smtClean="0"/>
-              <a:t>Right</a:t>
-            </a:r>
-            <a:r>
-              <a:rPr kumimoji="1" lang="zh-CN" altLang="en-US" dirty="0" smtClean="0"/>
-              <a:t> 右边与指定组件对其</a:t>
-            </a:r>
-            <a:endParaRPr kumimoji="1" lang="en-US" altLang="zh-TW" dirty="0" smtClean="0"/>
-          </a:p>
-          <a:p>
-            <a:r>
-              <a:rPr kumimoji="1" lang="en-US" altLang="zh-TW" dirty="0" err="1" smtClean="0"/>
-              <a:t>android:layout_centerInParent</a:t>
-            </a:r>
-            <a:r>
-              <a:rPr kumimoji="1" lang="en-US" altLang="zh-TW" dirty="0" smtClean="0"/>
-              <a:t> 	  </a:t>
-            </a:r>
-            <a:r>
-              <a:rPr kumimoji="1" lang="zh-TW" altLang="en-US" dirty="0" smtClean="0"/>
-              <a:t>该组件是否相对于父组件居中</a:t>
-            </a:r>
-          </a:p>
-          <a:p>
-            <a:r>
-              <a:rPr kumimoji="1" lang="en-US" altLang="zh-TW" dirty="0" err="1" smtClean="0"/>
-              <a:t>android:layout_centerHorizontal</a:t>
-            </a:r>
-            <a:r>
-              <a:rPr kumimoji="1" lang="en-US" altLang="zh-TW" dirty="0" smtClean="0"/>
-              <a:t>   </a:t>
-            </a:r>
-            <a:r>
-              <a:rPr kumimoji="1" lang="en-US" altLang="zh-TW" dirty="0"/>
-              <a:t>	</a:t>
-            </a:r>
-            <a:r>
-              <a:rPr kumimoji="1" lang="zh-TW" altLang="en-US" dirty="0"/>
-              <a:t>该组件是否横向居中</a:t>
-            </a:r>
-          </a:p>
-          <a:p>
-            <a:r>
-              <a:rPr kumimoji="1" lang="en-US" altLang="zh-TW" dirty="0" err="1"/>
-              <a:t>android:layout_centerVertical</a:t>
-            </a:r>
-            <a:r>
-              <a:rPr kumimoji="1" lang="en-US" altLang="zh-TW" dirty="0"/>
-              <a:t> 	  	</a:t>
-            </a:r>
-            <a:r>
-              <a:rPr kumimoji="1" lang="zh-TW" altLang="en-US" dirty="0"/>
-              <a:t>该组件是否垂直</a:t>
-            </a:r>
-            <a:r>
-              <a:rPr kumimoji="1" lang="zh-TW" altLang="en-US" dirty="0" smtClean="0"/>
-              <a:t>居中</a:t>
-            </a:r>
-            <a:endParaRPr kumimoji="1" lang="zh-CN" altLang="en-US" dirty="0"/>
+              <a:rPr kumimoji="1" lang="zh-CN" altLang="en-US" sz="2000" dirty="0" smtClean="0"/>
+              <a:t> 权重，表示</a:t>
+            </a:r>
+            <a:r>
+              <a:rPr kumimoji="1" lang="zh-CN" altLang="en-US" sz="2000" dirty="0"/>
+              <a:t>子元素占据</a:t>
+            </a:r>
+            <a:r>
+              <a:rPr kumimoji="1" lang="zh-CN" altLang="en-US" sz="2000" dirty="0" smtClean="0"/>
+              <a:t>的父级容器大小的比例，</a:t>
+            </a:r>
+            <a:endParaRPr kumimoji="1" lang="en-US" altLang="zh-CN" sz="2000" dirty="0" smtClean="0"/>
+          </a:p>
+          <a:p>
+            <a:r>
+              <a:rPr kumimoji="1" lang="zh-CN" altLang="en-US" sz="2000" dirty="0" smtClean="0"/>
+              <a:t>可以根据屏幕的大小自动的进行调整。</a:t>
+            </a:r>
+            <a:endParaRPr kumimoji="1" lang="en-US" altLang="zh-CN" sz="2000" dirty="0" smtClean="0"/>
+          </a:p>
+          <a:p>
+            <a:endParaRPr kumimoji="1" lang="en-US" altLang="zh-CN" sz="2000" dirty="0"/>
+          </a:p>
+          <a:p>
+            <a:r>
+              <a:rPr kumimoji="1" lang="en-US" altLang="zh-CN" sz="1800" dirty="0" err="1" smtClean="0"/>
+              <a:t>TableLayout</a:t>
+            </a:r>
+            <a:r>
+              <a:rPr kumimoji="1" lang="en-US" altLang="zh-CN" sz="1800" dirty="0" smtClean="0"/>
+              <a:t>:</a:t>
+            </a:r>
+            <a:r>
+              <a:rPr kumimoji="1" lang="zh-CN" altLang="en-US" sz="1800" dirty="0" smtClean="0"/>
+              <a:t> 表格布局</a:t>
+            </a:r>
+            <a:endParaRPr kumimoji="1" lang="en-US" altLang="zh-CN" sz="1800" dirty="0" smtClean="0"/>
+          </a:p>
+          <a:p>
+            <a:r>
+              <a:rPr kumimoji="1" lang="en-US" altLang="zh-CN" sz="1800" dirty="0" err="1" smtClean="0"/>
+              <a:t>TableRow</a:t>
+            </a:r>
+            <a:r>
+              <a:rPr kumimoji="1" lang="zh-CN" altLang="en-US" sz="1800" dirty="0" smtClean="0"/>
+              <a:t> 布局中的行，其中可以放置控件</a:t>
+            </a:r>
+            <a:endParaRPr kumimoji="1" lang="en-US" altLang="zh-CN" sz="1800" dirty="0"/>
+          </a:p>
+          <a:p>
+            <a:r>
+              <a:rPr kumimoji="1" lang="en-US" altLang="zh-CN" sz="1800" dirty="0" err="1" smtClean="0"/>
+              <a:t>TableLayout</a:t>
+            </a:r>
+            <a:r>
+              <a:rPr kumimoji="1" lang="zh-CN" altLang="en-US" sz="1800" dirty="0" smtClean="0"/>
+              <a:t>中的列以列最大的行中的列为准</a:t>
+            </a:r>
+            <a:endParaRPr kumimoji="1" lang="en-US" altLang="zh-CN" sz="1800" dirty="0" smtClean="0"/>
+          </a:p>
+          <a:p>
+            <a:r>
+              <a:rPr kumimoji="1" lang="en-US" altLang="zh-CN" sz="1800" dirty="0"/>
+              <a:t>Shrinkable  </a:t>
+            </a:r>
+            <a:r>
+              <a:rPr kumimoji="1" lang="zh-CN" altLang="en-US" sz="1800" dirty="0"/>
+              <a:t>表示该列的宽度可以进行收缩，以使表格能够适应父容器的大小</a:t>
+            </a:r>
+          </a:p>
+          <a:p>
+            <a:r>
+              <a:rPr kumimoji="1" lang="en-US" altLang="zh-CN" sz="1800" dirty="0"/>
+              <a:t>Stretchable </a:t>
+            </a:r>
+            <a:r>
+              <a:rPr kumimoji="1" lang="zh-CN" altLang="en-US" sz="1800" dirty="0"/>
+              <a:t>表示该列的宽度可以进行拉伸，以使能够填满表格中的空闲空间</a:t>
+            </a:r>
+          </a:p>
+          <a:p>
+            <a:r>
+              <a:rPr kumimoji="1" lang="en-US" altLang="zh-CN" sz="1800" dirty="0"/>
+              <a:t>Collapsed  </a:t>
+            </a:r>
+            <a:r>
+              <a:rPr kumimoji="1" lang="zh-CN" altLang="en-US" sz="1800" dirty="0" smtClean="0"/>
+              <a:t>表示该列会被隐藏</a:t>
+            </a:r>
+            <a:endParaRPr kumimoji="1" lang="en-US" altLang="zh-CN" sz="1800" dirty="0" smtClean="0"/>
+          </a:p>
+          <a:p>
+            <a:endParaRPr kumimoji="1" lang="en-US" altLang="zh-CN" sz="1800" dirty="0"/>
+          </a:p>
+          <a:p>
+            <a:r>
+              <a:rPr kumimoji="1" lang="en-US" altLang="zh-CN" sz="1800" dirty="0" err="1" smtClean="0"/>
+              <a:t>AbsoluteLayou</a:t>
+            </a:r>
+            <a:r>
+              <a:rPr kumimoji="1" lang="zh-CN" altLang="en-US" sz="1800" dirty="0" smtClean="0"/>
+              <a:t> 绝对布局：</a:t>
+            </a:r>
+            <a:endParaRPr kumimoji="1" lang="en-US" altLang="zh-CN" sz="1800" dirty="0" smtClean="0"/>
+          </a:p>
+          <a:p>
+            <a:r>
+              <a:rPr kumimoji="1" lang="zh-CN" altLang="en-US" sz="1800" dirty="0"/>
+              <a:t>中将所有的子元素通过设置</a:t>
+            </a:r>
+            <a:r>
+              <a:rPr kumimoji="1" lang="en-US" altLang="zh-CN" sz="1800" dirty="0" err="1"/>
+              <a:t>android:layout_x</a:t>
+            </a:r>
+            <a:r>
+              <a:rPr kumimoji="1" lang="en-US" altLang="zh-CN" sz="1800" dirty="0"/>
+              <a:t> </a:t>
+            </a:r>
+            <a:r>
+              <a:rPr kumimoji="1" lang="zh-CN" altLang="en-US" sz="1800" dirty="0"/>
+              <a:t>和 </a:t>
+            </a:r>
+            <a:r>
+              <a:rPr kumimoji="1" lang="en-US" altLang="zh-CN" sz="1800" dirty="0" err="1"/>
+              <a:t>android:layout_y</a:t>
+            </a:r>
+            <a:r>
+              <a:rPr kumimoji="1" lang="zh-CN" altLang="en-US" sz="1800" dirty="0"/>
+              <a:t>属性，将子元素的坐标位置固定下</a:t>
+            </a:r>
+            <a:r>
+              <a:rPr kumimoji="1" lang="zh-CN" altLang="en-US" sz="1800" dirty="0" smtClean="0"/>
+              <a:t>来</a:t>
+            </a:r>
+            <a:r>
+              <a:rPr kumimoji="1" lang="en-US" altLang="zh-CN" sz="1800" dirty="0" smtClean="0"/>
+              <a:t>(</a:t>
+            </a:r>
+            <a:r>
+              <a:rPr kumimoji="1" lang="en-US" altLang="zh-CN" sz="1800" dirty="0" err="1" smtClean="0"/>
+              <a:t>px</a:t>
+            </a:r>
+            <a:r>
+              <a:rPr kumimoji="1" lang="en-US" altLang="zh-CN" sz="1800" dirty="0" smtClean="0"/>
+              <a:t>)</a:t>
+            </a:r>
+            <a:endParaRPr kumimoji="1" lang="zh-CN" altLang="en-US" sz="1800" dirty="0"/>
+          </a:p>
+          <a:p>
+            <a:endParaRPr kumimoji="1" lang="en-US" altLang="zh-CN" sz="1800" dirty="0" smtClean="0"/>
+          </a:p>
+          <a:p>
+            <a:endParaRPr kumimoji="1" lang="zh-CN" altLang="en-US" sz="2000" dirty="0"/>
           </a:p>
         </p:txBody>
       </p:sp>
     </p:spTree>
     <p:extLst>
       <p:ext uri="{BB962C8B-B14F-4D97-AF65-F5344CB8AC3E}">
-        <p14:creationId xmlns:p14="http://schemas.microsoft.com/office/powerpoint/2010/main" val="1861559504"/>
+        <p14:creationId xmlns:p14="http://schemas.microsoft.com/office/powerpoint/2010/main" val="3110806605"/>
       </p:ext>
     </p:extLst>
   </p:cSld>
@@ -30863,12 +30857,14 @@
         </p:nvSpPr>
         <p:spPr/>
         <p:txBody>
-          <a:bodyPr/>
+          <a:bodyPr>
+            <a:normAutofit/>
+          </a:bodyPr>
           <a:lstStyle/>
           <a:p>
             <a:r>
               <a:rPr kumimoji="1" lang="en-US" altLang="zh-CN" dirty="0" err="1" smtClean="0"/>
-              <a:t>FramLayout</a:t>
+              <a:t>Relativelayout</a:t>
             </a:r>
             <a:endParaRPr kumimoji="1" lang="zh-CN" altLang="en-US" dirty="0"/>
           </a:p>
@@ -30884,87 +30880,263 @@
             <p:ph idx="1"/>
           </p:nvPr>
         </p:nvSpPr>
-        <p:spPr/>
+        <p:spPr>
+          <a:xfrm>
+            <a:off x="457200" y="1600200"/>
+            <a:ext cx="8229600" cy="5120462"/>
+          </a:xfrm>
+        </p:spPr>
         <p:txBody>
           <a:bodyPr>
-            <a:normAutofit/>
+            <a:normAutofit fontScale="70000" lnSpcReduction="20000"/>
           </a:bodyPr>
           <a:lstStyle/>
           <a:p>
             <a:r>
-              <a:rPr kumimoji="1" lang="zh-CN" altLang="en-US" sz="2400" dirty="0" smtClean="0"/>
-              <a:t>帧布局，没有位置概念，所有的子控件默认都会以屏幕的左上角对其</a:t>
-            </a:r>
-            <a:r>
-              <a:rPr kumimoji="1" lang="en-US" altLang="zh-CN" sz="2400" dirty="0" smtClean="0"/>
-              <a:t>,</a:t>
-            </a:r>
-            <a:r>
-              <a:rPr kumimoji="1" lang="zh-CN" altLang="en-US" sz="2400" dirty="0" smtClean="0"/>
-              <a:t>无需调整位置</a:t>
-            </a:r>
-            <a:endParaRPr kumimoji="1" lang="en-US" altLang="zh-CN" sz="2400" dirty="0" smtClean="0"/>
-          </a:p>
-          <a:p>
-            <a:pPr marL="0" indent="0">
-              <a:buNone/>
-            </a:pPr>
-            <a:r>
-              <a:rPr kumimoji="1" lang="zh-CN" altLang="en-US" sz="2400" dirty="0" smtClean="0"/>
-              <a:t>后添加的控件会遮盖先添加的控件。</a:t>
-            </a:r>
-            <a:endParaRPr kumimoji="1" lang="en-US" altLang="zh-CN" sz="2400" dirty="0" smtClean="0"/>
-          </a:p>
-          <a:p>
-            <a:pPr marL="0" indent="0">
-              <a:buNone/>
-            </a:pPr>
-            <a:r>
-              <a:rPr kumimoji="1" lang="en-US" altLang="zh-CN" sz="2400" dirty="0" smtClean="0"/>
-              <a:t>android</a:t>
-            </a:r>
-            <a:r>
-              <a:rPr kumimoji="1" lang="zh-CN" altLang="en-US" sz="2400" dirty="0" smtClean="0"/>
-              <a:t>:</a:t>
-            </a:r>
-            <a:r>
-              <a:rPr kumimoji="1" lang="en-US" altLang="zh-CN" sz="2400" dirty="0" smtClean="0"/>
-              <a:t>foreground</a:t>
-            </a:r>
-            <a:r>
-              <a:rPr kumimoji="1" lang="zh-CN" altLang="en-US" sz="2400" dirty="0" smtClean="0"/>
-              <a:t>设置绘制在所有子控件之上的内容</a:t>
-            </a:r>
-            <a:endParaRPr kumimoji="1" lang="en-US" altLang="zh-CN" sz="2400" dirty="0" smtClean="0"/>
-          </a:p>
-          <a:p>
-            <a:pPr marL="0" indent="0">
-              <a:buNone/>
-            </a:pPr>
-            <a:r>
-              <a:rPr kumimoji="1" lang="en-US" altLang="zh-CN" sz="2400" dirty="0" err="1" smtClean="0"/>
-              <a:t>Android:foregroundGravity</a:t>
-            </a:r>
-            <a:r>
-              <a:rPr kumimoji="1" lang="zh-CN" altLang="en-US" sz="2400" dirty="0" smtClean="0"/>
-              <a:t>设置绘制在所有子控件之上的</a:t>
-            </a:r>
-            <a:r>
-              <a:rPr kumimoji="1" lang="en-US" altLang="zh-CN" sz="2400" dirty="0" smtClean="0"/>
-              <a:t>gravity</a:t>
-            </a:r>
-            <a:r>
-              <a:rPr kumimoji="1" lang="zh-CN" altLang="en-US" sz="2400" dirty="0" smtClean="0"/>
-              <a:t>属性</a:t>
-            </a:r>
-            <a:endParaRPr kumimoji="1" lang="zh-CN" altLang="en-US" sz="2400" dirty="0"/>
+              <a:rPr kumimoji="1" lang="en-US" altLang="zh-TW" dirty="0" err="1"/>
+              <a:t>android:layout_toLeftOf</a:t>
+            </a:r>
+            <a:r>
+              <a:rPr kumimoji="1" lang="en-US" altLang="zh-TW" dirty="0"/>
+              <a:t> 	 	</a:t>
+            </a:r>
+            <a:r>
+              <a:rPr kumimoji="1" lang="zh-TW" altLang="en-US" dirty="0"/>
+              <a:t>该组件位于引用组件的左方</a:t>
+            </a:r>
+          </a:p>
+          <a:p>
+            <a:r>
+              <a:rPr kumimoji="1" lang="en-US" altLang="zh-TW" dirty="0" err="1"/>
+              <a:t>android:layout_toRightOf</a:t>
+            </a:r>
+            <a:r>
+              <a:rPr kumimoji="1" lang="en-US" altLang="zh-TW" dirty="0"/>
+              <a:t> 		</a:t>
+            </a:r>
+            <a:r>
+              <a:rPr kumimoji="1" lang="zh-TW" altLang="en-US" dirty="0"/>
+              <a:t>该组件位于引用组件的右方</a:t>
+            </a:r>
+          </a:p>
+          <a:p>
+            <a:r>
+              <a:rPr kumimoji="1" lang="en-US" altLang="zh-TW" dirty="0" err="1"/>
+              <a:t>android:layout_above</a:t>
+            </a:r>
+            <a:r>
+              <a:rPr kumimoji="1" lang="en-US" altLang="zh-TW" dirty="0"/>
+              <a:t> 			</a:t>
+            </a:r>
+            <a:r>
+              <a:rPr kumimoji="1" lang="zh-TW" altLang="en-US" dirty="0"/>
+              <a:t>该组件位于引用组件的上方</a:t>
+            </a:r>
+          </a:p>
+          <a:p>
+            <a:r>
+              <a:rPr kumimoji="1" lang="en-US" altLang="zh-TW" dirty="0" err="1"/>
+              <a:t>android:layout_below</a:t>
+            </a:r>
+            <a:r>
+              <a:rPr kumimoji="1" lang="en-US" altLang="zh-TW" dirty="0"/>
+              <a:t> 		    	</a:t>
+            </a:r>
+            <a:r>
+              <a:rPr kumimoji="1" lang="zh-TW" altLang="en-US" dirty="0"/>
+              <a:t>该组件位于引用组件的下方</a:t>
+            </a:r>
+          </a:p>
+          <a:p>
+            <a:r>
+              <a:rPr kumimoji="1" lang="en-US" altLang="zh-TW" dirty="0" err="1"/>
+              <a:t>android:layout_alignParentLeft</a:t>
+            </a:r>
+            <a:r>
+              <a:rPr kumimoji="1" lang="en-US" altLang="zh-TW" dirty="0"/>
+              <a:t>  	</a:t>
+            </a:r>
+            <a:r>
+              <a:rPr kumimoji="1" lang="zh-TW" altLang="en-US" dirty="0"/>
+              <a:t>该组件是否对齐父组件的左端</a:t>
+            </a:r>
+          </a:p>
+          <a:p>
+            <a:r>
+              <a:rPr kumimoji="1" lang="en-US" altLang="zh-TW" dirty="0" err="1"/>
+              <a:t>android:layout_alignParentRight</a:t>
+            </a:r>
+            <a:r>
+              <a:rPr kumimoji="1" lang="en-US" altLang="zh-TW" dirty="0"/>
+              <a:t> 	</a:t>
+            </a:r>
+            <a:r>
+              <a:rPr kumimoji="1" lang="zh-TW" altLang="en-US" dirty="0" smtClean="0"/>
+              <a:t>该组件是否</a:t>
+            </a:r>
+            <a:r>
+              <a:rPr kumimoji="1" lang="zh-CN" altLang="en-US" dirty="0" smtClean="0"/>
+              <a:t>对</a:t>
+            </a:r>
+            <a:r>
+              <a:rPr kumimoji="1" lang="zh-TW" altLang="en-US" dirty="0" smtClean="0"/>
+              <a:t>齐其父组</a:t>
+            </a:r>
+            <a:r>
+              <a:rPr kumimoji="1" lang="zh-TW" altLang="en-US" dirty="0"/>
+              <a:t>件的右端</a:t>
+            </a:r>
+          </a:p>
+          <a:p>
+            <a:r>
+              <a:rPr kumimoji="1" lang="en-US" altLang="zh-TW" dirty="0" err="1"/>
+              <a:t>android:layout_alignParentTop</a:t>
+            </a:r>
+            <a:r>
+              <a:rPr kumimoji="1" lang="en-US" altLang="zh-TW" dirty="0"/>
+              <a:t>   	</a:t>
+            </a:r>
+            <a:r>
+              <a:rPr kumimoji="1" lang="zh-TW" altLang="en-US" dirty="0"/>
+              <a:t>该组件是否对齐父组件的顶部</a:t>
+            </a:r>
+          </a:p>
+          <a:p>
+            <a:r>
+              <a:rPr kumimoji="1" lang="en-US" altLang="zh-TW" dirty="0" err="1"/>
+              <a:t>android:layout_alignParentBottom</a:t>
+            </a:r>
+            <a:r>
+              <a:rPr kumimoji="1" lang="en-US" altLang="zh-TW" dirty="0"/>
+              <a:t> </a:t>
+            </a:r>
+            <a:r>
+              <a:rPr kumimoji="1" lang="zh-TW" altLang="en-US" dirty="0" smtClean="0"/>
+              <a:t>该组件是否对齐父组</a:t>
+            </a:r>
+            <a:r>
+              <a:rPr kumimoji="1" lang="zh-TW" altLang="en-US" dirty="0"/>
+              <a:t>件的</a:t>
+            </a:r>
+            <a:r>
+              <a:rPr kumimoji="1" lang="zh-TW" altLang="en-US" dirty="0" smtClean="0"/>
+              <a:t>底部</a:t>
+            </a:r>
+            <a:endParaRPr kumimoji="1" lang="en-US" altLang="zh-TW" dirty="0" smtClean="0"/>
+          </a:p>
+          <a:p>
+            <a:r>
+              <a:rPr kumimoji="1" lang="en-US" altLang="zh-TW" dirty="0" err="1" smtClean="0"/>
+              <a:t>android:layout_alignBottom</a:t>
+            </a:r>
+            <a:r>
+              <a:rPr kumimoji="1" lang="zh-CN" altLang="en-US" dirty="0" smtClean="0"/>
+              <a:t> 底部和指定组件对其</a:t>
+            </a:r>
+            <a:endParaRPr kumimoji="1" lang="en-US" altLang="zh-CN" dirty="0" smtClean="0"/>
+          </a:p>
+          <a:p>
+            <a:r>
+              <a:rPr kumimoji="1" lang="en-US" altLang="zh-TW" dirty="0" err="1" smtClean="0"/>
+              <a:t>android:layout_align</a:t>
+            </a:r>
+            <a:r>
+              <a:rPr kumimoji="1" lang="en-US" altLang="zh-CN" dirty="0" err="1" smtClean="0"/>
+              <a:t>Top</a:t>
+            </a:r>
+            <a:r>
+              <a:rPr kumimoji="1" lang="zh-CN" altLang="en-US" dirty="0" smtClean="0"/>
+              <a:t>  顶部与指定组件对其</a:t>
+            </a:r>
+            <a:endParaRPr kumimoji="1" lang="en-US" altLang="zh-CN" dirty="0" smtClean="0"/>
+          </a:p>
+          <a:p>
+            <a:r>
+              <a:rPr kumimoji="1" lang="en-US" altLang="zh-TW" dirty="0" err="1" smtClean="0"/>
+              <a:t>android:layout_align</a:t>
+            </a:r>
+            <a:r>
+              <a:rPr kumimoji="1" lang="en-US" altLang="zh-CN" dirty="0" err="1" smtClean="0"/>
+              <a:t>Left</a:t>
+            </a:r>
+            <a:r>
+              <a:rPr kumimoji="1" lang="zh-CN" altLang="en-US" dirty="0" smtClean="0"/>
+              <a:t> 左边与指定组件对其</a:t>
+            </a:r>
+            <a:endParaRPr kumimoji="1" lang="en-US" altLang="zh-CN" dirty="0" smtClean="0"/>
+          </a:p>
+          <a:p>
+            <a:r>
+              <a:rPr kumimoji="1" lang="en-US" altLang="zh-TW" dirty="0" err="1" smtClean="0"/>
+              <a:t>android:layout_align</a:t>
+            </a:r>
+            <a:r>
+              <a:rPr kumimoji="1" lang="en-US" altLang="zh-CN" dirty="0" err="1" smtClean="0"/>
+              <a:t>Right</a:t>
+            </a:r>
+            <a:r>
+              <a:rPr kumimoji="1" lang="zh-CN" altLang="en-US" dirty="0" smtClean="0"/>
+              <a:t> 右边与指定组件对其</a:t>
+            </a:r>
+            <a:endParaRPr kumimoji="1" lang="en-US" altLang="zh-TW" dirty="0" smtClean="0"/>
+          </a:p>
+          <a:p>
+            <a:r>
+              <a:rPr kumimoji="1" lang="en-US" altLang="zh-TW" dirty="0" err="1" smtClean="0"/>
+              <a:t>android:layout_centerInParent</a:t>
+            </a:r>
+            <a:r>
+              <a:rPr kumimoji="1" lang="en-US" altLang="zh-TW" dirty="0" smtClean="0"/>
+              <a:t> 	  </a:t>
+            </a:r>
+            <a:r>
+              <a:rPr kumimoji="1" lang="zh-TW" altLang="en-US" dirty="0" smtClean="0"/>
+              <a:t>该组件是否相对于父组件居中</a:t>
+            </a:r>
+          </a:p>
+          <a:p>
+            <a:r>
+              <a:rPr kumimoji="1" lang="en-US" altLang="zh-TW" dirty="0" err="1" smtClean="0"/>
+              <a:t>android:layout_centerHorizontal</a:t>
+            </a:r>
+            <a:r>
+              <a:rPr kumimoji="1" lang="en-US" altLang="zh-TW" dirty="0" smtClean="0"/>
+              <a:t>   </a:t>
+            </a:r>
+            <a:r>
+              <a:rPr kumimoji="1" lang="en-US" altLang="zh-TW" dirty="0"/>
+              <a:t>	</a:t>
+            </a:r>
+            <a:r>
+              <a:rPr kumimoji="1" lang="zh-TW" altLang="en-US" dirty="0"/>
+              <a:t>该组件是否横向居中</a:t>
+            </a:r>
+          </a:p>
+          <a:p>
+            <a:r>
+              <a:rPr kumimoji="1" lang="en-US" altLang="zh-TW" dirty="0" err="1"/>
+              <a:t>android:layout_centerVertical</a:t>
+            </a:r>
+            <a:r>
+              <a:rPr kumimoji="1" lang="en-US" altLang="zh-TW" dirty="0"/>
+              <a:t> 	  	</a:t>
+            </a:r>
+            <a:r>
+              <a:rPr kumimoji="1" lang="zh-TW" altLang="en-US" dirty="0"/>
+              <a:t>该组件是否垂直</a:t>
+            </a:r>
+            <a:r>
+              <a:rPr kumimoji="1" lang="zh-TW" altLang="en-US" dirty="0" smtClean="0"/>
+              <a:t>居中</a:t>
+            </a:r>
+            <a:endParaRPr kumimoji="1" lang="zh-CN" altLang="en-US" dirty="0"/>
           </a:p>
         </p:txBody>
       </p:sp>
     </p:spTree>
     <p:extLst>
       <p:ext uri="{BB962C8B-B14F-4D97-AF65-F5344CB8AC3E}">
-        <p14:creationId xmlns:p14="http://schemas.microsoft.com/office/powerpoint/2010/main" val="360586564"/>
+        <p14:creationId xmlns:p14="http://schemas.microsoft.com/office/powerpoint/2010/main" val="1861559504"/>
       </p:ext>
     </p:extLst>
   </p:cSld>
@@ -31001,19 +31173,14 @@
             <p:ph type="title"/>
           </p:nvPr>
         </p:nvSpPr>
-        <p:spPr>
-          <a:xfrm>
-            <a:off x="457200" y="-110623"/>
-            <a:ext cx="8229600" cy="895414"/>
-          </a:xfrm>
-        </p:spPr>
+        <p:spPr/>
         <p:txBody>
           <a:bodyPr/>
           <a:lstStyle/>
           <a:p>
             <a:r>
-              <a:rPr kumimoji="1" lang="en-US" altLang="zh-CN" dirty="0" smtClean="0"/>
-              <a:t>Dialog</a:t>
+              <a:rPr kumimoji="1" lang="en-US" altLang="zh-CN" dirty="0" err="1" smtClean="0"/>
+              <a:t>FramLayout</a:t>
             </a:r>
             <a:endParaRPr kumimoji="1" lang="zh-CN" altLang="en-US" dirty="0"/>
           </a:p>
@@ -31029,373 +31196,87 @@
             <p:ph idx="1"/>
           </p:nvPr>
         </p:nvSpPr>
-        <p:spPr>
-          <a:xfrm>
-            <a:off x="171249" y="784791"/>
-            <a:ext cx="8515551" cy="6073209"/>
-          </a:xfrm>
-        </p:spPr>
+        <p:spPr/>
         <p:txBody>
           <a:bodyPr>
-            <a:normAutofit lnSpcReduction="10000"/>
+            <a:normAutofit/>
           </a:bodyPr>
           <a:lstStyle/>
           <a:p>
             <a:r>
-              <a:rPr kumimoji="1" lang="en-US" altLang="zh-CN" sz="2000" dirty="0">
-                <a:hlinkClick r:id="rId2"/>
-              </a:rPr>
-              <a:t>http://developer.android.com/guide/topics/ui/</a:t>
-            </a:r>
-            <a:r>
-              <a:rPr kumimoji="1" lang="en-US" altLang="zh-CN" sz="2000" dirty="0" smtClean="0">
-                <a:hlinkClick r:id="rId2"/>
-              </a:rPr>
-              <a:t>dialogs.html</a:t>
-            </a:r>
-            <a:r>
-              <a:rPr kumimoji="1" lang="zh-CN" altLang="en-US" sz="2000" dirty="0" smtClean="0"/>
-              <a:t> </a:t>
-            </a:r>
-            <a:endParaRPr kumimoji="1" lang="en-US" altLang="zh-CN" sz="2000" dirty="0" smtClean="0"/>
-          </a:p>
-          <a:p>
-            <a:r>
-              <a:rPr lang="en-US" altLang="zh-CN" sz="2000" dirty="0" err="1"/>
-              <a:t>AlertDialog.Builder</a:t>
-            </a:r>
-            <a:r>
-              <a:rPr lang="en-US" altLang="zh-CN" sz="2000" dirty="0"/>
-              <a:t> builder = new</a:t>
-            </a:r>
-            <a:r>
-              <a:rPr lang="en-US" altLang="zh-CN" sz="2000" b="1" dirty="0"/>
-              <a:t> </a:t>
-            </a:r>
-            <a:r>
-              <a:rPr lang="en-US" altLang="zh-CN" sz="2000" dirty="0" err="1"/>
-              <a:t>AlertDialog.Builder</a:t>
-            </a:r>
-            <a:r>
-              <a:rPr lang="en-US" altLang="zh-CN" sz="2000" b="1" dirty="0"/>
-              <a:t>(</a:t>
-            </a:r>
-            <a:r>
-              <a:rPr lang="en-US" altLang="zh-CN" sz="2000" dirty="0"/>
-              <a:t>this</a:t>
-            </a:r>
-            <a:r>
-              <a:rPr lang="en-US" altLang="zh-CN" sz="2000" b="1" dirty="0"/>
-              <a:t>)</a:t>
-            </a:r>
-            <a:r>
-              <a:rPr lang="en-US" altLang="zh-CN" sz="2000" b="1" dirty="0" smtClean="0"/>
-              <a:t>;</a:t>
-            </a:r>
-          </a:p>
-          <a:p>
-            <a:r>
-              <a:rPr lang="en-US" altLang="zh-CN" sz="2000" b="1" dirty="0" err="1" smtClean="0"/>
-              <a:t>AlertDialog</a:t>
-            </a:r>
-            <a:r>
-              <a:rPr lang="zh-CN" altLang="en-US" sz="2000" b="1" dirty="0" smtClean="0"/>
-              <a:t> </a:t>
-            </a:r>
-            <a:r>
-              <a:rPr lang="en-US" altLang="zh-CN" sz="2000" b="1" dirty="0" err="1" smtClean="0"/>
-              <a:t>alertDialog</a:t>
-            </a:r>
-            <a:r>
-              <a:rPr lang="zh-CN" altLang="en-US" sz="2000" b="1" dirty="0" smtClean="0"/>
-              <a:t> </a:t>
-            </a:r>
-            <a:r>
-              <a:rPr lang="en-US" altLang="zh-CN" sz="2000" b="1" dirty="0" smtClean="0"/>
-              <a:t>=</a:t>
-            </a:r>
-            <a:r>
-              <a:rPr lang="zh-CN" altLang="en-US" sz="2000" b="1" dirty="0" smtClean="0"/>
-              <a:t> </a:t>
-            </a:r>
-            <a:r>
-              <a:rPr lang="en-US" altLang="zh-CN" sz="2000" b="1" dirty="0" err="1" smtClean="0"/>
-              <a:t>builder.create</a:t>
-            </a:r>
-            <a:r>
-              <a:rPr lang="en-US" altLang="zh-CN" sz="2000" b="1" dirty="0" smtClean="0"/>
-              <a:t>();</a:t>
-            </a:r>
-          </a:p>
-          <a:p>
-            <a:r>
-              <a:rPr lang="en-US" altLang="zh-CN" sz="2000" b="1" dirty="0" err="1" smtClean="0"/>
-              <a:t>alertDialog.show</a:t>
-            </a:r>
-            <a:r>
-              <a:rPr lang="en-US" altLang="zh-CN" sz="2000" b="1" dirty="0" smtClean="0"/>
-              <a:t>();</a:t>
-            </a:r>
-            <a:r>
-              <a:rPr lang="zh-CN" altLang="en-US" sz="2000" b="1" dirty="0" smtClean="0"/>
-              <a:t>  </a:t>
-            </a:r>
-            <a:r>
-              <a:rPr lang="en-US" altLang="zh-CN" sz="2000" b="1" dirty="0" smtClean="0"/>
-              <a:t>//</a:t>
-            </a:r>
-            <a:r>
-              <a:rPr lang="zh-CN" altLang="en-US" sz="2000" b="1" dirty="0" smtClean="0"/>
-              <a:t>显示</a:t>
-            </a:r>
-            <a:r>
-              <a:rPr lang="en-US" altLang="zh-CN" sz="2000" b="1" dirty="0" smtClean="0"/>
-              <a:t>dialog</a:t>
-            </a:r>
-          </a:p>
-          <a:p>
-            <a:r>
-              <a:rPr lang="en-US" altLang="zh-CN" sz="2000" b="1" dirty="0" err="1" smtClean="0"/>
-              <a:t>alertDialog.cancel</a:t>
-            </a:r>
-            <a:r>
-              <a:rPr lang="en-US" altLang="zh-CN" sz="2000" b="1" dirty="0" smtClean="0"/>
-              <a:t>()</a:t>
-            </a:r>
-            <a:r>
-              <a:rPr lang="zh-CN" altLang="en-US" sz="2000" b="1" dirty="0" smtClean="0"/>
-              <a:t>；取消</a:t>
-            </a:r>
-            <a:r>
-              <a:rPr lang="en-US" altLang="zh-CN" sz="2000" b="1" dirty="0" smtClean="0"/>
-              <a:t>dialog</a:t>
-            </a:r>
-            <a:endParaRPr lang="en-US" altLang="zh-CN" sz="2000" b="1" dirty="0"/>
+              <a:rPr kumimoji="1" lang="zh-CN" altLang="en-US" sz="2400" dirty="0" smtClean="0"/>
+              <a:t>帧布局，没有位置概念，所有的子控件默认都会以屏幕的左上角对其</a:t>
+            </a:r>
+            <a:r>
+              <a:rPr kumimoji="1" lang="en-US" altLang="zh-CN" sz="2400" dirty="0" smtClean="0"/>
+              <a:t>,</a:t>
+            </a:r>
+            <a:r>
+              <a:rPr kumimoji="1" lang="zh-CN" altLang="en-US" sz="2400" dirty="0" smtClean="0"/>
+              <a:t>无需调整位置</a:t>
+            </a:r>
+            <a:endParaRPr kumimoji="1" lang="en-US" altLang="zh-CN" sz="2400" dirty="0" smtClean="0"/>
           </a:p>
           <a:p>
             <a:pPr marL="0" indent="0">
               <a:buNone/>
             </a:pPr>
-            <a:endParaRPr lang="en-US" altLang="zh-CN" sz="2000" b="1" dirty="0" smtClean="0"/>
-          </a:p>
-          <a:p>
-            <a:r>
-              <a:rPr kumimoji="1" lang="en-US" altLang="zh-CN" sz="2000" b="1" dirty="0" err="1" smtClean="0"/>
-              <a:t>builder.setTitle</a:t>
-            </a:r>
-            <a:r>
-              <a:rPr kumimoji="1" lang="en-US" altLang="zh-CN" sz="2000" b="1" dirty="0" smtClean="0"/>
-              <a:t>();</a:t>
-            </a:r>
-            <a:r>
-              <a:rPr kumimoji="1" lang="zh-CN" altLang="en-US" sz="2000" b="1" dirty="0" smtClean="0"/>
-              <a:t>设置</a:t>
-            </a:r>
-            <a:r>
-              <a:rPr kumimoji="1" lang="en-US" altLang="zh-CN" sz="2000" b="1" dirty="0" smtClean="0"/>
-              <a:t>title</a:t>
-            </a:r>
-          </a:p>
-          <a:p>
-            <a:r>
-              <a:rPr kumimoji="1" lang="en-US" altLang="zh-CN" sz="2000" b="1" dirty="0" err="1" smtClean="0"/>
-              <a:t>builder.setMessage</a:t>
-            </a:r>
-            <a:r>
-              <a:rPr kumimoji="1" lang="en-US" altLang="zh-CN" sz="2000" b="1" dirty="0" smtClean="0"/>
-              <a:t>();</a:t>
-            </a:r>
-            <a:r>
-              <a:rPr kumimoji="1" lang="zh-CN" altLang="en-US" sz="2000" b="1" dirty="0" smtClean="0"/>
-              <a:t>设置内容</a:t>
-            </a:r>
-            <a:endParaRPr kumimoji="1" lang="en-US" altLang="zh-CN" sz="2000" b="1" dirty="0" smtClean="0"/>
-          </a:p>
-          <a:p>
-            <a:r>
-              <a:rPr kumimoji="1" lang="en-US" altLang="zh-CN" sz="2000" b="1" dirty="0" err="1" smtClean="0"/>
-              <a:t>builder.setPositiveButton</a:t>
-            </a:r>
-            <a:r>
-              <a:rPr kumimoji="1" lang="en-US" altLang="zh-CN" sz="2000" b="1" dirty="0" smtClean="0"/>
-              <a:t>(p1,p2);</a:t>
-            </a:r>
-            <a:r>
-              <a:rPr kumimoji="1" lang="zh-CN" altLang="en-US" sz="2000" b="1" dirty="0" smtClean="0"/>
-              <a:t>设置右边按钮</a:t>
-            </a:r>
-            <a:endParaRPr kumimoji="1" lang="en-US" altLang="zh-CN" sz="2000" b="1" dirty="0" smtClean="0"/>
-          </a:p>
-          <a:p>
-            <a:r>
-              <a:rPr kumimoji="1" lang="en-US" altLang="zh-CN" sz="2000" b="1" dirty="0" err="1" smtClean="0"/>
-              <a:t>builder.setNegativeButton</a:t>
-            </a:r>
-            <a:r>
-              <a:rPr kumimoji="1" lang="en-US" altLang="zh-CN" sz="2000" b="1" dirty="0" smtClean="0"/>
-              <a:t>(p1,p2)</a:t>
-            </a:r>
-            <a:r>
-              <a:rPr kumimoji="1" lang="zh-CN" altLang="zh-CN" sz="2000" b="1" dirty="0" smtClean="0"/>
-              <a:t>;</a:t>
-            </a:r>
-            <a:r>
-              <a:rPr kumimoji="1" lang="zh-CN" altLang="en-US" sz="2000" b="1" dirty="0" smtClean="0"/>
-              <a:t>设置左边按钮</a:t>
-            </a:r>
-            <a:endParaRPr kumimoji="1" lang="en-US" altLang="zh-CN" sz="2000" b="1" dirty="0" smtClean="0"/>
-          </a:p>
-          <a:p>
-            <a:r>
-              <a:rPr kumimoji="1" lang="en-US" altLang="zh-CN" sz="2000" b="1" dirty="0" err="1" smtClean="0"/>
-              <a:t>builder.setNeutralButton</a:t>
-            </a:r>
-            <a:r>
-              <a:rPr kumimoji="1" lang="zh-CN" altLang="en-US" sz="2000" b="1" dirty="0" smtClean="0"/>
-              <a:t>(</a:t>
-            </a:r>
-            <a:r>
-              <a:rPr kumimoji="1" lang="en-US" altLang="zh-CN" sz="2000" b="1" dirty="0" smtClean="0"/>
-              <a:t>p1,p2);</a:t>
-            </a:r>
-            <a:r>
-              <a:rPr kumimoji="1" lang="zh-CN" altLang="en-US" sz="2000" b="1" dirty="0" smtClean="0"/>
-              <a:t>设置中间按钮</a:t>
-            </a:r>
-            <a:endParaRPr kumimoji="1" lang="en-US" altLang="zh-CN" sz="2000" b="1" dirty="0" smtClean="0"/>
-          </a:p>
-          <a:p>
-            <a:r>
-              <a:rPr kumimoji="1" lang="en-US" altLang="zh-CN" sz="2000" b="1" dirty="0" err="1" smtClean="0"/>
-              <a:t>builder.setCancelable</a:t>
-            </a:r>
-            <a:r>
-              <a:rPr kumimoji="1" lang="en-US" altLang="zh-CN" sz="2000" b="1" dirty="0" smtClean="0"/>
-              <a:t>();</a:t>
-            </a:r>
-            <a:r>
-              <a:rPr kumimoji="1" lang="zh-CN" altLang="en-US" sz="2000" b="1" dirty="0" smtClean="0"/>
-              <a:t>设置</a:t>
-            </a:r>
-            <a:r>
-              <a:rPr kumimoji="1" lang="en-US" altLang="zh-CN" sz="2000" b="1" dirty="0" smtClean="0"/>
-              <a:t>touch</a:t>
-            </a:r>
-            <a:r>
-              <a:rPr kumimoji="1" lang="zh-CN" altLang="en-US" sz="2000" b="1" dirty="0" smtClean="0"/>
-              <a:t>屏幕是否消失</a:t>
-            </a:r>
-            <a:endParaRPr kumimoji="1" lang="en-US" altLang="zh-CN" sz="2000" b="1" dirty="0" smtClean="0"/>
-          </a:p>
-          <a:p>
-            <a:r>
-              <a:rPr kumimoji="1" lang="en-US" altLang="zh-CN" sz="2000" dirty="0" err="1" smtClean="0"/>
-              <a:t>builder.setItems</a:t>
-            </a:r>
-            <a:r>
-              <a:rPr kumimoji="1" lang="en-US" altLang="zh-CN" sz="2000" dirty="0" smtClean="0"/>
-              <a:t>();</a:t>
-            </a:r>
-            <a:r>
-              <a:rPr kumimoji="1" lang="zh-CN" altLang="en-US" sz="2000" dirty="0" smtClean="0"/>
-              <a:t>设置列表</a:t>
-            </a:r>
-            <a:endParaRPr kumimoji="1" lang="en-US" altLang="zh-CN" sz="2000" dirty="0" smtClean="0"/>
-          </a:p>
-          <a:p>
-            <a:r>
-              <a:rPr kumimoji="1" lang="en-US" altLang="zh-CN" sz="2000" dirty="0" smtClean="0"/>
-              <a:t>builder</a:t>
-            </a:r>
-            <a:r>
-              <a:rPr kumimoji="1" lang="zh-CN" altLang="en-US" sz="2000" dirty="0" smtClean="0"/>
-              <a:t>.</a:t>
-            </a:r>
-            <a:r>
-              <a:rPr kumimoji="1" lang="en-US" altLang="zh-CN" sz="2000" dirty="0" err="1" smtClean="0"/>
-              <a:t>setMultiChoiceItems</a:t>
-            </a:r>
-            <a:r>
-              <a:rPr kumimoji="1" lang="en-US" altLang="zh-CN" sz="2000" dirty="0" smtClean="0"/>
-              <a:t>()</a:t>
-            </a:r>
-            <a:r>
-              <a:rPr kumimoji="1" lang="zh-CN" altLang="en-US" sz="2000" dirty="0" smtClean="0"/>
-              <a:t>设置多选列表</a:t>
-            </a:r>
-            <a:endParaRPr kumimoji="1" lang="en-US" altLang="zh-CN" sz="2000" dirty="0" smtClean="0"/>
-          </a:p>
-          <a:p>
-            <a:r>
-              <a:rPr kumimoji="1" lang="en-US" altLang="zh-CN" sz="2000" dirty="0" err="1" smtClean="0"/>
-              <a:t>builder.setSingleChoiceItems</a:t>
-            </a:r>
-            <a:r>
-              <a:rPr kumimoji="1" lang="en-US" altLang="zh-CN" sz="2000" dirty="0" smtClean="0"/>
-              <a:t>()</a:t>
-            </a:r>
-            <a:r>
-              <a:rPr kumimoji="1" lang="zh-CN" altLang="en-US" sz="2000" dirty="0" smtClean="0"/>
-              <a:t>设置单选列表</a:t>
-            </a:r>
-            <a:endParaRPr kumimoji="1" lang="en-US" altLang="zh-CN" sz="2000" dirty="0" smtClean="0"/>
-          </a:p>
-          <a:p>
-            <a:r>
-              <a:rPr kumimoji="1" lang="en-US" altLang="zh-CN" sz="2000" dirty="0" err="1" smtClean="0"/>
-              <a:t>builder.setIcon</a:t>
-            </a:r>
-            <a:r>
-              <a:rPr kumimoji="1" lang="en-US" altLang="zh-CN" sz="2000" dirty="0" smtClean="0"/>
-              <a:t>()</a:t>
-            </a:r>
-            <a:r>
-              <a:rPr kumimoji="1" lang="zh-CN" altLang="en-US" sz="2000" dirty="0" smtClean="0"/>
-              <a:t>设置</a:t>
-            </a:r>
-            <a:r>
-              <a:rPr kumimoji="1" lang="en-US" altLang="zh-CN" sz="2000" dirty="0" smtClean="0"/>
-              <a:t>title</a:t>
-            </a:r>
-            <a:r>
-              <a:rPr kumimoji="1" lang="zh-CN" altLang="en-US" sz="2000" dirty="0" smtClean="0"/>
-              <a:t>图标</a:t>
-            </a:r>
-            <a:endParaRPr kumimoji="1" lang="en-US" altLang="zh-CN" sz="2000" dirty="0" smtClean="0"/>
-          </a:p>
-          <a:p>
-            <a:r>
-              <a:rPr kumimoji="1" lang="en-US" altLang="zh-CN" sz="2000" dirty="0" smtClean="0"/>
-              <a:t>builder</a:t>
-            </a:r>
-            <a:r>
-              <a:rPr kumimoji="1" lang="zh-CN" altLang="en-US" sz="2000" dirty="0" smtClean="0"/>
-              <a:t>.</a:t>
-            </a:r>
-            <a:r>
-              <a:rPr kumimoji="1" lang="en-US" altLang="zh-CN" sz="2000" dirty="0" err="1" smtClean="0"/>
-              <a:t>setView</a:t>
-            </a:r>
-            <a:r>
-              <a:rPr kumimoji="1" lang="en-US" altLang="zh-CN" sz="2000" dirty="0" smtClean="0"/>
-              <a:t>()</a:t>
-            </a:r>
-            <a:r>
-              <a:rPr kumimoji="1" lang="zh-CN" altLang="en-US" sz="2000" dirty="0" smtClean="0"/>
-              <a:t>显示自定义的</a:t>
-            </a:r>
-            <a:r>
-              <a:rPr kumimoji="1" lang="en-US" altLang="zh-CN" sz="2000" dirty="0" smtClean="0"/>
-              <a:t>view</a:t>
-            </a:r>
-            <a:endParaRPr kumimoji="1" lang="zh-CN" altLang="en-US" sz="2000" dirty="0"/>
+            <a:r>
+              <a:rPr kumimoji="1" lang="zh-CN" altLang="en-US" sz="2400" dirty="0" smtClean="0"/>
+              <a:t>后添加的控件会遮盖先添加的控件。</a:t>
+            </a:r>
+            <a:endParaRPr kumimoji="1" lang="en-US" altLang="zh-CN" sz="2400" dirty="0" smtClean="0"/>
+          </a:p>
+          <a:p>
+            <a:pPr marL="0" indent="0">
+              <a:buNone/>
+            </a:pPr>
+            <a:r>
+              <a:rPr kumimoji="1" lang="en-US" altLang="zh-CN" sz="2400" dirty="0" smtClean="0"/>
+              <a:t>android</a:t>
+            </a:r>
+            <a:r>
+              <a:rPr kumimoji="1" lang="zh-CN" altLang="en-US" sz="2400" dirty="0" smtClean="0"/>
+              <a:t>:</a:t>
+            </a:r>
+            <a:r>
+              <a:rPr kumimoji="1" lang="en-US" altLang="zh-CN" sz="2400" dirty="0" smtClean="0"/>
+              <a:t>foreground</a:t>
+            </a:r>
+            <a:r>
+              <a:rPr kumimoji="1" lang="zh-CN" altLang="en-US" sz="2400" dirty="0" smtClean="0"/>
+              <a:t>设置绘制在所有子控件之上的内容</a:t>
+            </a:r>
+            <a:endParaRPr kumimoji="1" lang="en-US" altLang="zh-CN" sz="2400" dirty="0" smtClean="0"/>
+          </a:p>
+          <a:p>
+            <a:pPr marL="0" indent="0">
+              <a:buNone/>
+            </a:pPr>
+            <a:r>
+              <a:rPr kumimoji="1" lang="en-US" altLang="zh-CN" sz="2400" dirty="0" err="1" smtClean="0"/>
+              <a:t>Android:foregroundGravity</a:t>
+            </a:r>
+            <a:r>
+              <a:rPr kumimoji="1" lang="zh-CN" altLang="en-US" sz="2400" dirty="0" smtClean="0"/>
+              <a:t>设置绘制在所有子控件之上的</a:t>
+            </a:r>
+            <a:r>
+              <a:rPr kumimoji="1" lang="en-US" altLang="zh-CN" sz="2400" dirty="0" smtClean="0"/>
+              <a:t>gravity</a:t>
+            </a:r>
+            <a:r>
+              <a:rPr kumimoji="1" lang="zh-CN" altLang="en-US" sz="2400" dirty="0" smtClean="0"/>
+              <a:t>属性</a:t>
+            </a:r>
+            <a:endParaRPr kumimoji="1" lang="zh-CN" altLang="en-US" sz="2400" dirty="0"/>
           </a:p>
         </p:txBody>
       </p:sp>
     </p:spTree>
     <p:extLst>
       <p:ext uri="{BB962C8B-B14F-4D97-AF65-F5344CB8AC3E}">
-        <p14:creationId xmlns:p14="http://schemas.microsoft.com/office/powerpoint/2010/main" val="1313818659"/>
+        <p14:creationId xmlns:p14="http://schemas.microsoft.com/office/powerpoint/2010/main" val="360586564"/>
       </p:ext>
     </p:extLst>
   </p:cSld>
@@ -31432,14 +31313,19 @@
             <p:ph type="title"/>
           </p:nvPr>
         </p:nvSpPr>
-        <p:spPr/>
+        <p:spPr>
+          <a:xfrm>
+            <a:off x="457200" y="-110623"/>
+            <a:ext cx="8229600" cy="895414"/>
+          </a:xfrm>
+        </p:spPr>
         <p:txBody>
           <a:bodyPr/>
           <a:lstStyle/>
           <a:p>
             <a:r>
               <a:rPr kumimoji="1" lang="en-US" altLang="zh-CN" dirty="0" smtClean="0"/>
-              <a:t>Toast</a:t>
+              <a:t>Dialog</a:t>
             </a:r>
             <a:endParaRPr kumimoji="1" lang="zh-CN" altLang="en-US" dirty="0"/>
           </a:p>
@@ -31455,197 +31341,365 @@
             <p:ph idx="1"/>
           </p:nvPr>
         </p:nvSpPr>
-        <p:spPr/>
+        <p:spPr>
+          <a:xfrm>
+            <a:off x="171249" y="784791"/>
+            <a:ext cx="8515551" cy="6073209"/>
+          </a:xfrm>
+        </p:spPr>
         <p:txBody>
           <a:bodyPr>
-            <a:normAutofit/>
+            <a:normAutofit lnSpcReduction="10000"/>
           </a:bodyPr>
           <a:lstStyle/>
           <a:p>
             <a:r>
+              <a:rPr kumimoji="1" lang="en-US" altLang="zh-CN" sz="2000" dirty="0">
+                <a:hlinkClick r:id="rId2"/>
+              </a:rPr>
+              <a:t>http://developer.android.com/guide/topics/ui/</a:t>
+            </a:r>
+            <a:r>
+              <a:rPr kumimoji="1" lang="en-US" altLang="zh-CN" sz="2000" dirty="0" smtClean="0">
+                <a:hlinkClick r:id="rId2"/>
+              </a:rPr>
+              <a:t>dialogs.html</a:t>
+            </a:r>
+            <a:r>
+              <a:rPr kumimoji="1" lang="zh-CN" altLang="en-US" sz="2000" dirty="0" smtClean="0"/>
+              <a:t> </a:t>
+            </a:r>
+            <a:endParaRPr kumimoji="1" lang="en-US" altLang="zh-CN" sz="2000" dirty="0" smtClean="0"/>
+          </a:p>
+          <a:p>
+            <a:r>
+              <a:rPr lang="en-US" altLang="zh-CN" sz="2000" dirty="0" err="1"/>
+              <a:t>AlertDialog.Builder</a:t>
+            </a:r>
+            <a:r>
               <a:rPr lang="en-US" altLang="zh-CN" sz="2000" dirty="0"/>
-              <a:t>Toast</a:t>
-            </a:r>
-            <a:r>
-              <a:rPr lang="zh-CN" altLang="en-US" sz="2000" dirty="0"/>
-              <a:t>英文含义是吐司，在</a:t>
+              <a:t> builder = new</a:t>
+            </a:r>
+            <a:r>
+              <a:rPr lang="en-US" altLang="zh-CN" sz="2000" b="1" dirty="0"/>
+              <a:t> </a:t>
+            </a:r>
+            <a:r>
+              <a:rPr lang="en-US" altLang="zh-CN" sz="2000" dirty="0" err="1"/>
+              <a:t>AlertDialog.Builder</a:t>
+            </a:r>
+            <a:r>
+              <a:rPr lang="en-US" altLang="zh-CN" sz="2000" b="1" dirty="0"/>
+              <a:t>(</a:t>
             </a:r>
             <a:r>
               <a:rPr lang="en-US" altLang="zh-CN" sz="2000" dirty="0"/>
-              <a:t>Android</a:t>
-            </a:r>
-            <a:r>
-              <a:rPr lang="zh-CN" altLang="en-US" sz="2000" dirty="0"/>
-              <a:t>中，它就像烘烤机里做好的吐司弹出来，并持续一小段时间后慢慢消失</a:t>
-            </a:r>
-            <a:r>
-              <a:rPr lang="zh-CN" altLang="en-US" sz="2000" dirty="0" smtClean="0"/>
-              <a:t>。</a:t>
-            </a:r>
-            <a:endParaRPr lang="en-US" altLang="zh-CN" sz="2000" dirty="0" smtClean="0"/>
-          </a:p>
-          <a:p>
-            <a:r>
-              <a:rPr lang="zh-CN" altLang="en-US" sz="2000" dirty="0"/>
-              <a:t>使用场景：</a:t>
-            </a:r>
+              <a:t>this</a:t>
+            </a:r>
+            <a:r>
+              <a:rPr lang="en-US" altLang="zh-CN" sz="2000" b="1" dirty="0"/>
+              <a:t>)</a:t>
+            </a:r>
+            <a:r>
+              <a:rPr lang="en-US" altLang="zh-CN" sz="2000" b="1" dirty="0" smtClean="0"/>
+              <a:t>;</a:t>
+            </a:r>
+          </a:p>
+          <a:p>
+            <a:r>
+              <a:rPr lang="en-US" altLang="zh-CN" sz="2000" b="1" dirty="0" err="1" smtClean="0"/>
+              <a:t>AlertDialog</a:t>
+            </a:r>
+            <a:r>
+              <a:rPr lang="zh-CN" altLang="en-US" sz="2000" b="1" dirty="0" smtClean="0"/>
+              <a:t> </a:t>
+            </a:r>
+            <a:r>
+              <a:rPr lang="en-US" altLang="zh-CN" sz="2000" b="1" dirty="0" err="1" smtClean="0"/>
+              <a:t>alertDialog</a:t>
+            </a:r>
+            <a:r>
+              <a:rPr lang="zh-CN" altLang="en-US" sz="2000" b="1" dirty="0" smtClean="0"/>
+              <a:t> </a:t>
+            </a:r>
+            <a:r>
+              <a:rPr lang="en-US" altLang="zh-CN" sz="2000" b="1" dirty="0" smtClean="0"/>
+              <a:t>=</a:t>
+            </a:r>
+            <a:r>
+              <a:rPr lang="zh-CN" altLang="en-US" sz="2000" b="1" dirty="0" smtClean="0"/>
+              <a:t> </a:t>
+            </a:r>
+            <a:r>
+              <a:rPr lang="en-US" altLang="zh-CN" sz="2000" b="1" dirty="0" err="1" smtClean="0"/>
+              <a:t>builder.create</a:t>
+            </a:r>
+            <a:r>
+              <a:rPr lang="en-US" altLang="zh-CN" sz="2000" b="1" dirty="0" smtClean="0"/>
+              <a:t>();</a:t>
+            </a:r>
+          </a:p>
+          <a:p>
+            <a:r>
+              <a:rPr lang="en-US" altLang="zh-CN" sz="2000" b="1" dirty="0" err="1" smtClean="0"/>
+              <a:t>alertDialog.show</a:t>
+            </a:r>
+            <a:r>
+              <a:rPr lang="en-US" altLang="zh-CN" sz="2000" b="1" dirty="0" smtClean="0"/>
+              <a:t>();</a:t>
+            </a:r>
+            <a:r>
+              <a:rPr lang="zh-CN" altLang="en-US" sz="2000" b="1" dirty="0" smtClean="0"/>
+              <a:t>  </a:t>
+            </a:r>
+            <a:r>
+              <a:rPr lang="en-US" altLang="zh-CN" sz="2000" b="1" dirty="0" smtClean="0"/>
+              <a:t>//</a:t>
+            </a:r>
+            <a:r>
+              <a:rPr lang="zh-CN" altLang="en-US" sz="2000" b="1" dirty="0" smtClean="0"/>
+              <a:t>显示</a:t>
+            </a:r>
+            <a:r>
+              <a:rPr lang="en-US" altLang="zh-CN" sz="2000" b="1" dirty="0" smtClean="0"/>
+              <a:t>dialog</a:t>
+            </a:r>
+          </a:p>
+          <a:p>
+            <a:r>
+              <a:rPr lang="en-US" altLang="zh-CN" sz="2000" b="1" dirty="0" err="1" smtClean="0"/>
+              <a:t>alertDialog.cancel</a:t>
+            </a:r>
+            <a:r>
+              <a:rPr lang="en-US" altLang="zh-CN" sz="2000" b="1" dirty="0" smtClean="0"/>
+              <a:t>()</a:t>
+            </a:r>
+            <a:r>
+              <a:rPr lang="zh-CN" altLang="en-US" sz="2000" b="1" dirty="0" smtClean="0"/>
+              <a:t>；取消</a:t>
+            </a:r>
+            <a:r>
+              <a:rPr lang="en-US" altLang="zh-CN" sz="2000" b="1" dirty="0" smtClean="0"/>
+              <a:t>dialog</a:t>
+            </a:r>
+            <a:endParaRPr lang="en-US" altLang="zh-CN" sz="2000" b="1" dirty="0"/>
           </a:p>
           <a:p>
             <a:pPr marL="0" indent="0">
               <a:buNone/>
             </a:pPr>
-            <a:r>
-              <a:rPr lang="zh-CN" altLang="en-US" sz="2000" dirty="0" smtClean="0"/>
-              <a:t>  </a:t>
-            </a:r>
-            <a:r>
-              <a:rPr lang="en-US" altLang="zh-CN" sz="2000" dirty="0" smtClean="0"/>
-              <a:t>1</a:t>
-            </a:r>
-            <a:r>
-              <a:rPr lang="zh-CN" altLang="en-US" sz="2000" dirty="0"/>
-              <a:t>、需要提示用户，但又不需要用户点击“确定”或者“取消”按钮。</a:t>
-            </a:r>
-          </a:p>
-          <a:p>
-            <a:pPr marL="0" indent="0">
-              <a:buNone/>
-            </a:pPr>
-            <a:r>
-              <a:rPr lang="zh-CN" altLang="en-US" sz="2000" dirty="0" smtClean="0"/>
-              <a:t>  </a:t>
-            </a:r>
-            <a:r>
-              <a:rPr lang="en-US" altLang="zh-CN" sz="2000" dirty="0" smtClean="0"/>
-              <a:t>2</a:t>
-            </a:r>
-            <a:r>
-              <a:rPr lang="zh-CN" altLang="en-US" sz="2000" dirty="0"/>
-              <a:t>、不影响现有</a:t>
-            </a:r>
-            <a:r>
-              <a:rPr lang="en-US" altLang="zh-CN" sz="2000" dirty="0"/>
-              <a:t>Activity</a:t>
-            </a:r>
-            <a:r>
-              <a:rPr lang="zh-CN" altLang="en-US" sz="2000" dirty="0"/>
-              <a:t>运行的简单提示</a:t>
-            </a:r>
-            <a:r>
-              <a:rPr lang="zh-CN" altLang="en-US" sz="2000" dirty="0" smtClean="0"/>
-              <a:t>。</a:t>
-            </a:r>
-            <a:endParaRPr lang="en-US" altLang="zh-CN" sz="2000" dirty="0" smtClean="0"/>
-          </a:p>
-          <a:p>
-            <a:pPr marL="0" indent="0">
-              <a:buNone/>
-            </a:pPr>
-            <a:endParaRPr lang="en-US" altLang="zh-CN" sz="2000" dirty="0"/>
-          </a:p>
-          <a:p>
-            <a:pPr marL="0" indent="0">
-              <a:buNone/>
-            </a:pPr>
-            <a:r>
-              <a:rPr lang="en-US" altLang="zh-CN" sz="2000" dirty="0" err="1"/>
-              <a:t>Toast.</a:t>
-            </a:r>
-            <a:r>
-              <a:rPr lang="en-US" altLang="zh-CN" sz="2000" i="1" dirty="0" err="1"/>
-              <a:t>makeText</a:t>
-            </a:r>
-            <a:r>
-              <a:rPr lang="en-US" altLang="zh-CN" sz="2000" i="1" dirty="0"/>
+            <a:endParaRPr lang="en-US" altLang="zh-CN" sz="2000" b="1" dirty="0" smtClean="0"/>
+          </a:p>
+          <a:p>
+            <a:r>
+              <a:rPr kumimoji="1" lang="en-US" altLang="zh-CN" sz="2000" b="1" dirty="0" err="1" smtClean="0"/>
+              <a:t>builder.setTitle</a:t>
+            </a:r>
+            <a:r>
+              <a:rPr kumimoji="1" lang="en-US" altLang="zh-CN" sz="2000" b="1" dirty="0" smtClean="0"/>
+              <a:t>();</a:t>
+            </a:r>
+            <a:r>
+              <a:rPr kumimoji="1" lang="zh-CN" altLang="en-US" sz="2000" b="1" dirty="0" smtClean="0"/>
+              <a:t>设置</a:t>
+            </a:r>
+            <a:r>
+              <a:rPr kumimoji="1" lang="en-US" altLang="zh-CN" sz="2000" b="1" dirty="0" smtClean="0"/>
+              <a:t>title</a:t>
+            </a:r>
+          </a:p>
+          <a:p>
+            <a:r>
+              <a:rPr kumimoji="1" lang="en-US" altLang="zh-CN" sz="2000" b="1" dirty="0" err="1" smtClean="0"/>
+              <a:t>builder.setMessage</a:t>
+            </a:r>
+            <a:r>
+              <a:rPr kumimoji="1" lang="en-US" altLang="zh-CN" sz="2000" b="1" dirty="0" smtClean="0"/>
+              <a:t>();</a:t>
+            </a:r>
+            <a:r>
+              <a:rPr kumimoji="1" lang="zh-CN" altLang="en-US" sz="2000" b="1" dirty="0" smtClean="0"/>
+              <a:t>设置内容</a:t>
+            </a:r>
+            <a:endParaRPr kumimoji="1" lang="en-US" altLang="zh-CN" sz="2000" b="1" dirty="0" smtClean="0"/>
+          </a:p>
+          <a:p>
+            <a:r>
+              <a:rPr kumimoji="1" lang="en-US" altLang="zh-CN" sz="2000" b="1" dirty="0" err="1" smtClean="0"/>
+              <a:t>builder.setPositiveButton</a:t>
+            </a:r>
+            <a:r>
+              <a:rPr kumimoji="1" lang="en-US" altLang="zh-CN" sz="2000" b="1" dirty="0" smtClean="0"/>
+              <a:t>(p1,p2);</a:t>
+            </a:r>
+            <a:r>
+              <a:rPr kumimoji="1" lang="zh-CN" altLang="en-US" sz="2000" b="1" dirty="0" smtClean="0"/>
+              <a:t>设置右边按钮</a:t>
+            </a:r>
+            <a:endParaRPr kumimoji="1" lang="en-US" altLang="zh-CN" sz="2000" b="1" dirty="0" smtClean="0"/>
+          </a:p>
+          <a:p>
+            <a:r>
+              <a:rPr kumimoji="1" lang="en-US" altLang="zh-CN" sz="2000" b="1" dirty="0" err="1" smtClean="0"/>
+              <a:t>builder.setNegativeButton</a:t>
+            </a:r>
+            <a:r>
+              <a:rPr kumimoji="1" lang="en-US" altLang="zh-CN" sz="2000" b="1" dirty="0" smtClean="0"/>
+              <a:t>(p1,p2)</a:t>
+            </a:r>
+            <a:r>
+              <a:rPr kumimoji="1" lang="zh-CN" altLang="zh-CN" sz="2000" b="1" dirty="0" smtClean="0"/>
+              <a:t>;</a:t>
+            </a:r>
+            <a:r>
+              <a:rPr kumimoji="1" lang="zh-CN" altLang="en-US" sz="2000" b="1" dirty="0" smtClean="0"/>
+              <a:t>设置左边按钮</a:t>
+            </a:r>
+            <a:endParaRPr kumimoji="1" lang="en-US" altLang="zh-CN" sz="2000" b="1" dirty="0" smtClean="0"/>
+          </a:p>
+          <a:p>
+            <a:r>
+              <a:rPr kumimoji="1" lang="en-US" altLang="zh-CN" sz="2000" b="1" dirty="0" err="1" smtClean="0"/>
+              <a:t>builder.setNeutralButton</a:t>
+            </a:r>
+            <a:r>
+              <a:rPr kumimoji="1" lang="zh-CN" altLang="en-US" sz="2000" b="1" dirty="0" smtClean="0"/>
               <a:t>(</a:t>
             </a:r>
             <a:r>
-              <a:rPr lang="en-US" altLang="zh-CN" sz="2000" i="1" dirty="0" err="1"/>
-              <a:t>MainActivity.</a:t>
-            </a:r>
-            <a:r>
-              <a:rPr lang="en-US" altLang="zh-CN" sz="2000" b="1" i="1" dirty="0" err="1"/>
-              <a:t>this</a:t>
-            </a:r>
-            <a:r>
-              <a:rPr lang="en-US" altLang="zh-CN" sz="2000" b="1" i="1" dirty="0"/>
-              <a:t>, "toast", </a:t>
-            </a:r>
-            <a:r>
-              <a:rPr lang="en-US" altLang="zh-CN" sz="2000" b="1" i="1" dirty="0" err="1"/>
-              <a:t>Toast.LENGTH_SHORT</a:t>
-            </a:r>
-            <a:r>
-              <a:rPr lang="en-US" altLang="zh-CN" sz="2000" b="1" i="1" dirty="0" smtClean="0"/>
-              <a:t>);</a:t>
-            </a:r>
-          </a:p>
-          <a:p>
-            <a:pPr marL="0" indent="0">
-              <a:buNone/>
-            </a:pPr>
-            <a:r>
-              <a:rPr lang="en-US" altLang="zh-CN" sz="2000" b="1" i="1" dirty="0" err="1" smtClean="0"/>
-              <a:t>Toast.LENGTH_LONG</a:t>
-            </a:r>
-            <a:r>
-              <a:rPr lang="zh-CN" altLang="en-US" sz="2000" b="1" i="1" dirty="0" smtClean="0"/>
-              <a:t> 显示时间稍长</a:t>
-            </a:r>
-            <a:endParaRPr lang="en-US" altLang="zh-CN" sz="2000" b="1" i="1" dirty="0" smtClean="0"/>
-          </a:p>
-          <a:p>
-            <a:pPr marL="0" indent="0">
-              <a:buNone/>
-            </a:pPr>
-            <a:r>
-              <a:rPr lang="en-US" altLang="zh-CN" sz="2000" b="1" i="1" dirty="0" err="1" smtClean="0"/>
-              <a:t>Toast.LENGTH_SHORT</a:t>
-            </a:r>
-            <a:r>
-              <a:rPr lang="zh-CN" altLang="en-US" sz="2000" b="1" i="1" dirty="0" smtClean="0"/>
-              <a:t> 显示时间稍短</a:t>
-            </a:r>
-            <a:endParaRPr lang="en-US" altLang="zh-CN" sz="2000" b="1" i="1" dirty="0" smtClean="0"/>
-          </a:p>
-          <a:p>
-            <a:pPr marL="0" indent="0">
-              <a:buNone/>
-            </a:pPr>
-            <a:r>
-              <a:rPr lang="en-US" altLang="zh-CN" sz="2000" dirty="0" err="1"/>
-              <a:t>mToast.setGravity</a:t>
-            </a:r>
-            <a:r>
-              <a:rPr lang="en-US" altLang="zh-CN" sz="2000" dirty="0"/>
-              <a:t>(</a:t>
-            </a:r>
-            <a:r>
-              <a:rPr lang="en-US" altLang="zh-CN" sz="2000" dirty="0" err="1"/>
-              <a:t>Gravity.</a:t>
-            </a:r>
-            <a:r>
-              <a:rPr lang="en-US" altLang="zh-CN" sz="2000" i="1" dirty="0" err="1"/>
-              <a:t>CENTER</a:t>
-            </a:r>
-            <a:r>
-              <a:rPr lang="en-US" altLang="zh-CN" sz="2000" i="1" dirty="0"/>
-              <a:t>, 0, 0)</a:t>
-            </a:r>
-            <a:r>
-              <a:rPr lang="en-US" altLang="zh-CN" sz="2000" i="1" dirty="0" smtClean="0"/>
-              <a:t>;</a:t>
-            </a:r>
-            <a:r>
-              <a:rPr lang="zh-CN" altLang="en-US" sz="2000" i="1" dirty="0" smtClean="0"/>
-              <a:t> 设置显示位置</a:t>
-            </a:r>
-            <a:endParaRPr lang="en-US" altLang="zh-CN" sz="2000" dirty="0" smtClean="0"/>
-          </a:p>
-          <a:p>
-            <a:pPr marL="0" indent="0">
-              <a:buNone/>
-            </a:pPr>
+              <a:rPr kumimoji="1" lang="en-US" altLang="zh-CN" sz="2000" b="1" dirty="0" smtClean="0"/>
+              <a:t>p1,p2);</a:t>
+            </a:r>
+            <a:r>
+              <a:rPr kumimoji="1" lang="zh-CN" altLang="en-US" sz="2000" b="1" dirty="0" smtClean="0"/>
+              <a:t>设置中间按钮</a:t>
+            </a:r>
+            <a:endParaRPr kumimoji="1" lang="en-US" altLang="zh-CN" sz="2000" b="1" dirty="0" smtClean="0"/>
+          </a:p>
+          <a:p>
+            <a:r>
+              <a:rPr kumimoji="1" lang="en-US" altLang="zh-CN" sz="2000" b="1" dirty="0" err="1" smtClean="0"/>
+              <a:t>builder.setCancelable</a:t>
+            </a:r>
+            <a:r>
+              <a:rPr kumimoji="1" lang="en-US" altLang="zh-CN" sz="2000" b="1" dirty="0" smtClean="0"/>
+              <a:t>();</a:t>
+            </a:r>
+            <a:r>
+              <a:rPr kumimoji="1" lang="zh-CN" altLang="en-US" sz="2000" b="1" dirty="0" smtClean="0"/>
+              <a:t>设置</a:t>
+            </a:r>
+            <a:r>
+              <a:rPr kumimoji="1" lang="en-US" altLang="zh-CN" sz="2000" b="1" dirty="0" smtClean="0"/>
+              <a:t>touch</a:t>
+            </a:r>
+            <a:r>
+              <a:rPr kumimoji="1" lang="zh-CN" altLang="en-US" sz="2000" b="1" dirty="0" smtClean="0"/>
+              <a:t>屏幕是否消失</a:t>
+            </a:r>
+            <a:endParaRPr kumimoji="1" lang="en-US" altLang="zh-CN" sz="2000" b="1" dirty="0" smtClean="0"/>
+          </a:p>
+          <a:p>
+            <a:r>
+              <a:rPr kumimoji="1" lang="en-US" altLang="zh-CN" sz="2000" dirty="0" err="1" smtClean="0"/>
+              <a:t>builder.setItems</a:t>
+            </a:r>
+            <a:r>
+              <a:rPr kumimoji="1" lang="en-US" altLang="zh-CN" sz="2000" dirty="0" smtClean="0"/>
+              <a:t>();</a:t>
+            </a:r>
+            <a:r>
+              <a:rPr kumimoji="1" lang="zh-CN" altLang="en-US" sz="2000" dirty="0" smtClean="0"/>
+              <a:t>设置列表</a:t>
+            </a:r>
+            <a:endParaRPr kumimoji="1" lang="en-US" altLang="zh-CN" sz="2000" dirty="0" smtClean="0"/>
+          </a:p>
+          <a:p>
+            <a:r>
+              <a:rPr kumimoji="1" lang="en-US" altLang="zh-CN" sz="2000" dirty="0" smtClean="0"/>
+              <a:t>builder</a:t>
+            </a:r>
+            <a:r>
+              <a:rPr kumimoji="1" lang="zh-CN" altLang="en-US" sz="2000" dirty="0" smtClean="0"/>
+              <a:t>.</a:t>
+            </a:r>
+            <a:r>
+              <a:rPr kumimoji="1" lang="en-US" altLang="zh-CN" sz="2000" dirty="0" err="1" smtClean="0"/>
+              <a:t>setMultiChoiceItems</a:t>
+            </a:r>
+            <a:r>
+              <a:rPr kumimoji="1" lang="en-US" altLang="zh-CN" sz="2000" dirty="0" smtClean="0"/>
+              <a:t>()</a:t>
+            </a:r>
+            <a:r>
+              <a:rPr kumimoji="1" lang="zh-CN" altLang="en-US" sz="2000" dirty="0" smtClean="0"/>
+              <a:t>设置多选列表</a:t>
+            </a:r>
+            <a:endParaRPr kumimoji="1" lang="en-US" altLang="zh-CN" sz="2000" dirty="0" smtClean="0"/>
+          </a:p>
+          <a:p>
+            <a:r>
+              <a:rPr kumimoji="1" lang="en-US" altLang="zh-CN" sz="2000" dirty="0" err="1" smtClean="0"/>
+              <a:t>builder.setSingleChoiceItems</a:t>
+            </a:r>
+            <a:r>
+              <a:rPr kumimoji="1" lang="en-US" altLang="zh-CN" sz="2000" dirty="0" smtClean="0"/>
+              <a:t>()</a:t>
+            </a:r>
+            <a:r>
+              <a:rPr kumimoji="1" lang="zh-CN" altLang="en-US" sz="2000" dirty="0" smtClean="0"/>
+              <a:t>设置单选列表</a:t>
+            </a:r>
+            <a:endParaRPr kumimoji="1" lang="en-US" altLang="zh-CN" sz="2000" dirty="0" smtClean="0"/>
+          </a:p>
+          <a:p>
+            <a:r>
+              <a:rPr kumimoji="1" lang="en-US" altLang="zh-CN" sz="2000" dirty="0" err="1" smtClean="0"/>
+              <a:t>builder.setIcon</a:t>
+            </a:r>
+            <a:r>
+              <a:rPr kumimoji="1" lang="en-US" altLang="zh-CN" sz="2000" dirty="0" smtClean="0"/>
+              <a:t>()</a:t>
+            </a:r>
+            <a:r>
+              <a:rPr kumimoji="1" lang="zh-CN" altLang="en-US" sz="2000" dirty="0" smtClean="0"/>
+              <a:t>设置</a:t>
+            </a:r>
+            <a:r>
+              <a:rPr kumimoji="1" lang="en-US" altLang="zh-CN" sz="2000" dirty="0" smtClean="0"/>
+              <a:t>title</a:t>
+            </a:r>
+            <a:r>
+              <a:rPr kumimoji="1" lang="zh-CN" altLang="en-US" sz="2000" dirty="0" smtClean="0"/>
+              <a:t>图标</a:t>
+            </a:r>
+            <a:endParaRPr kumimoji="1" lang="en-US" altLang="zh-CN" sz="2000" dirty="0" smtClean="0"/>
+          </a:p>
+          <a:p>
+            <a:r>
+              <a:rPr kumimoji="1" lang="en-US" altLang="zh-CN" sz="2000" dirty="0" smtClean="0"/>
+              <a:t>builder</a:t>
+            </a:r>
+            <a:r>
+              <a:rPr kumimoji="1" lang="zh-CN" altLang="en-US" sz="2000" dirty="0" smtClean="0"/>
+              <a:t>.</a:t>
+            </a:r>
+            <a:r>
+              <a:rPr kumimoji="1" lang="en-US" altLang="zh-CN" sz="2000" dirty="0" err="1" smtClean="0"/>
+              <a:t>setView</a:t>
+            </a:r>
+            <a:r>
+              <a:rPr kumimoji="1" lang="en-US" altLang="zh-CN" sz="2000" dirty="0" smtClean="0"/>
+              <a:t>()</a:t>
+            </a:r>
+            <a:r>
+              <a:rPr kumimoji="1" lang="zh-CN" altLang="en-US" sz="2000" dirty="0" smtClean="0"/>
+              <a:t>显示自定义的</a:t>
+            </a:r>
+            <a:r>
+              <a:rPr kumimoji="1" lang="en-US" altLang="zh-CN" sz="2000" dirty="0" smtClean="0"/>
+              <a:t>view</a:t>
+            </a:r>
             <a:endParaRPr kumimoji="1" lang="zh-CN" altLang="en-US" sz="2000" dirty="0"/>
           </a:p>
         </p:txBody>
@@ -31653,7 +31707,7 @@
     </p:spTree>
     <p:extLst>
       <p:ext uri="{BB962C8B-B14F-4D97-AF65-F5344CB8AC3E}">
-        <p14:creationId xmlns:p14="http://schemas.microsoft.com/office/powerpoint/2010/main" val="3577500082"/>
+        <p14:creationId xmlns:p14="http://schemas.microsoft.com/office/powerpoint/2010/main" val="1313818659"/>
       </p:ext>
     </p:extLst>
   </p:cSld>
@@ -31697,7 +31751,7 @@
           <a:p>
             <a:r>
               <a:rPr kumimoji="1" lang="en-US" altLang="zh-CN" dirty="0" smtClean="0"/>
-              <a:t>Notification</a:t>
+              <a:t>Toast</a:t>
             </a:r>
             <a:endParaRPr kumimoji="1" lang="zh-CN" altLang="en-US" dirty="0"/>
           </a:p>
@@ -31713,414 +31767,205 @@
             <p:ph idx="1"/>
           </p:nvPr>
         </p:nvSpPr>
-        <p:spPr>
-          <a:xfrm>
-            <a:off x="0" y="1572973"/>
-            <a:ext cx="8958053" cy="4525963"/>
-          </a:xfrm>
-        </p:spPr>
+        <p:spPr/>
         <p:txBody>
-          <a:bodyPr/>
+          <a:bodyPr>
+            <a:normAutofit/>
+          </a:bodyPr>
           <a:lstStyle/>
           <a:p>
             <a:r>
-              <a:rPr kumimoji="1" lang="zh-CN" altLang="en-US" dirty="0" smtClean="0"/>
-              <a:t>什么是</a:t>
-            </a:r>
-            <a:r>
-              <a:rPr kumimoji="1" lang="en-US" altLang="zh-CN" dirty="0" smtClean="0"/>
-              <a:t>Notification</a:t>
-            </a:r>
-          </a:p>
-          <a:p>
-            <a:r>
-              <a:rPr kumimoji="1" lang="en-US" altLang="zh-CN" sz="1400" dirty="0">
-                <a:hlinkClick r:id="rId3"/>
-              </a:rPr>
-              <a:t>http://developer.android.com/guide/topics/ui/notifiers/</a:t>
-            </a:r>
-            <a:r>
-              <a:rPr kumimoji="1" lang="en-US" altLang="zh-CN" sz="1400" dirty="0" smtClean="0">
-                <a:hlinkClick r:id="rId3"/>
-              </a:rPr>
-              <a:t>notifications.html</a:t>
-            </a:r>
-            <a:endParaRPr kumimoji="1" lang="en-US" altLang="zh-CN" sz="1400" dirty="0" smtClean="0"/>
-          </a:p>
-          <a:p>
-            <a:r>
-              <a:rPr kumimoji="1" lang="en-US" altLang="zh-CN" sz="1400" dirty="0" smtClean="0"/>
-              <a:t>Notification</a:t>
-            </a:r>
-            <a:r>
-              <a:rPr kumimoji="1" lang="zh-CN" altLang="en-US" sz="1400" dirty="0"/>
-              <a:t> </a:t>
-            </a:r>
-            <a:r>
-              <a:rPr kumimoji="1" lang="zh-CN" altLang="en-US" sz="1400" dirty="0" smtClean="0"/>
-              <a:t>在下拉状态栏中显示的用于提醒的控件</a:t>
-            </a:r>
-            <a:r>
-              <a:rPr kumimoji="1" lang="en-US" altLang="zh-CN" sz="1400" dirty="0" smtClean="0"/>
-              <a:t>,</a:t>
-            </a:r>
-            <a:r>
-              <a:rPr kumimoji="1" lang="zh-CN" altLang="en-US" sz="1400" dirty="0" smtClean="0"/>
-              <a:t>是属于系统的。</a:t>
-            </a:r>
-            <a:endParaRPr kumimoji="1" lang="en-US" altLang="zh-CN" sz="1400" dirty="0"/>
-          </a:p>
-          <a:p>
-            <a:r>
-              <a:rPr lang="en-US" altLang="zh-CN" sz="1400" dirty="0" err="1" smtClean="0"/>
-              <a:t>NotificationManager</a:t>
-            </a:r>
-            <a:r>
-              <a:rPr lang="zh-CN" altLang="en-US" sz="1400" dirty="0" smtClean="0"/>
-              <a:t> </a:t>
-            </a:r>
-            <a:r>
-              <a:rPr lang="en-US" altLang="zh-CN" sz="1400" dirty="0" err="1" smtClean="0"/>
-              <a:t>mNotificationManager</a:t>
-            </a:r>
-            <a:r>
-              <a:rPr lang="en-US" altLang="zh-CN" sz="1400" dirty="0" smtClean="0"/>
-              <a:t> </a:t>
-            </a:r>
-            <a:r>
-              <a:rPr lang="en-US" altLang="zh-CN" sz="1400" dirty="0"/>
-              <a:t>= (</a:t>
-            </a:r>
-            <a:r>
-              <a:rPr lang="en-US" altLang="zh-CN" sz="1400" dirty="0" err="1"/>
-              <a:t>NotificationManager</a:t>
-            </a:r>
-            <a:r>
-              <a:rPr lang="en-US" altLang="zh-CN" sz="1400" dirty="0"/>
-              <a:t>) </a:t>
-            </a:r>
-            <a:r>
-              <a:rPr lang="en-US" altLang="zh-CN" sz="1400" dirty="0" err="1"/>
-              <a:t>getSystemService</a:t>
-            </a:r>
-            <a:r>
-              <a:rPr lang="en-US" altLang="zh-CN" sz="1400" dirty="0"/>
+              <a:rPr lang="en-US" altLang="zh-CN" sz="2000" dirty="0"/>
+              <a:t>Toast</a:t>
+            </a:r>
+            <a:r>
+              <a:rPr lang="zh-CN" altLang="en-US" sz="2000" dirty="0"/>
+              <a:t>英文含义是吐司，在</a:t>
+            </a:r>
+            <a:r>
+              <a:rPr lang="en-US" altLang="zh-CN" sz="2000" dirty="0"/>
+              <a:t>Android</a:t>
+            </a:r>
+            <a:r>
+              <a:rPr lang="zh-CN" altLang="en-US" sz="2000" dirty="0"/>
+              <a:t>中，它就像烘烤机里做好的吐司弹出来，并持续一小段时间后慢慢消失</a:t>
+            </a:r>
+            <a:r>
+              <a:rPr lang="zh-CN" altLang="en-US" sz="2000" dirty="0" smtClean="0"/>
+              <a:t>。</a:t>
+            </a:r>
+            <a:endParaRPr lang="en-US" altLang="zh-CN" sz="2000" dirty="0" smtClean="0"/>
+          </a:p>
+          <a:p>
+            <a:r>
+              <a:rPr lang="zh-CN" altLang="en-US" sz="2000" dirty="0"/>
+              <a:t>使用场景：</a:t>
+            </a:r>
+          </a:p>
+          <a:p>
+            <a:pPr marL="0" indent="0">
+              <a:buNone/>
+            </a:pPr>
+            <a:r>
+              <a:rPr lang="zh-CN" altLang="en-US" sz="2000" dirty="0" smtClean="0"/>
+              <a:t>  </a:t>
+            </a:r>
+            <a:r>
+              <a:rPr lang="en-US" altLang="zh-CN" sz="2000" dirty="0" smtClean="0"/>
+              <a:t>1</a:t>
+            </a:r>
+            <a:r>
+              <a:rPr lang="zh-CN" altLang="en-US" sz="2000" dirty="0"/>
+              <a:t>、需要提示用户，但又不需要用户点击“确定”或者“取消”按钮。</a:t>
+            </a:r>
+          </a:p>
+          <a:p>
+            <a:pPr marL="0" indent="0">
+              <a:buNone/>
+            </a:pPr>
+            <a:r>
+              <a:rPr lang="zh-CN" altLang="en-US" sz="2000" dirty="0" smtClean="0"/>
+              <a:t>  </a:t>
+            </a:r>
+            <a:r>
+              <a:rPr lang="en-US" altLang="zh-CN" sz="2000" dirty="0" smtClean="0"/>
+              <a:t>2</a:t>
+            </a:r>
+            <a:r>
+              <a:rPr lang="zh-CN" altLang="en-US" sz="2000" dirty="0"/>
+              <a:t>、不影响现有</a:t>
+            </a:r>
+            <a:r>
+              <a:rPr lang="en-US" altLang="zh-CN" sz="2000" dirty="0"/>
+              <a:t>Activity</a:t>
+            </a:r>
+            <a:r>
+              <a:rPr lang="zh-CN" altLang="en-US" sz="2000" dirty="0"/>
+              <a:t>运行的简单提示</a:t>
+            </a:r>
+            <a:r>
+              <a:rPr lang="zh-CN" altLang="en-US" sz="2000" dirty="0" smtClean="0"/>
+              <a:t>。</a:t>
+            </a:r>
+            <a:endParaRPr lang="en-US" altLang="zh-CN" sz="2000" dirty="0" smtClean="0"/>
+          </a:p>
+          <a:p>
+            <a:pPr marL="0" indent="0">
+              <a:buNone/>
+            </a:pPr>
+            <a:endParaRPr lang="en-US" altLang="zh-CN" sz="2000" dirty="0"/>
+          </a:p>
+          <a:p>
+            <a:pPr marL="0" indent="0">
+              <a:buNone/>
+            </a:pPr>
+            <a:r>
+              <a:rPr lang="en-US" altLang="zh-CN" sz="2000" dirty="0" err="1"/>
+              <a:t>Toast.</a:t>
+            </a:r>
+            <a:r>
+              <a:rPr lang="en-US" altLang="zh-CN" sz="2000" i="1" dirty="0" err="1"/>
+              <a:t>makeText</a:t>
+            </a:r>
+            <a:r>
+              <a:rPr lang="en-US" altLang="zh-CN" sz="2000" i="1" dirty="0"/>
               <a:t>(</a:t>
             </a:r>
             <a:r>
-              <a:rPr lang="en-US" altLang="zh-CN" sz="1400" dirty="0" err="1"/>
-              <a:t>Context.</a:t>
-            </a:r>
-            <a:r>
-              <a:rPr lang="en-US" altLang="zh-CN" sz="1400" i="1" dirty="0" err="1"/>
-              <a:t>NOTIFICATION_SERVICE</a:t>
-            </a:r>
-            <a:r>
-              <a:rPr lang="en-US" altLang="zh-CN" sz="1400" i="1" dirty="0"/>
-              <a:t>)</a:t>
-            </a:r>
-            <a:r>
-              <a:rPr lang="en-US" altLang="zh-CN" sz="1400" i="1" dirty="0" smtClean="0"/>
+              <a:rPr lang="en-US" altLang="zh-CN" sz="2000" i="1" dirty="0" err="1"/>
+              <a:t>MainActivity.</a:t>
+            </a:r>
+            <a:r>
+              <a:rPr lang="en-US" altLang="zh-CN" sz="2000" b="1" i="1" dirty="0" err="1"/>
+              <a:t>this</a:t>
+            </a:r>
+            <a:r>
+              <a:rPr lang="en-US" altLang="zh-CN" sz="2000" b="1" i="1" dirty="0"/>
+              <a:t>, "toast", </a:t>
+            </a:r>
+            <a:r>
+              <a:rPr lang="en-US" altLang="zh-CN" sz="2000" b="1" i="1" dirty="0" err="1"/>
+              <a:t>Toast.LENGTH_SHORT</a:t>
+            </a:r>
+            <a:r>
+              <a:rPr lang="en-US" altLang="zh-CN" sz="2000" b="1" i="1" dirty="0" smtClean="0"/>
+              <a:t>);</a:t>
+            </a:r>
+          </a:p>
+          <a:p>
+            <a:pPr marL="0" indent="0">
+              <a:buNone/>
+            </a:pPr>
+            <a:r>
+              <a:rPr lang="en-US" altLang="zh-CN" sz="2000" b="1" i="1" dirty="0" err="1" smtClean="0"/>
+              <a:t>Toast.LENGTH_LONG</a:t>
+            </a:r>
+            <a:r>
+              <a:rPr lang="zh-CN" altLang="en-US" sz="2000" b="1" i="1" dirty="0" smtClean="0"/>
+              <a:t> 显示时间稍长</a:t>
+            </a:r>
+            <a:endParaRPr lang="en-US" altLang="zh-CN" sz="2000" b="1" i="1" dirty="0" smtClean="0"/>
+          </a:p>
+          <a:p>
+            <a:pPr marL="0" indent="0">
+              <a:buNone/>
+            </a:pPr>
+            <a:r>
+              <a:rPr lang="en-US" altLang="zh-CN" sz="2000" b="1" i="1" dirty="0" err="1" smtClean="0"/>
+              <a:t>Toast.LENGTH_SHORT</a:t>
+            </a:r>
+            <a:r>
+              <a:rPr lang="zh-CN" altLang="en-US" sz="2000" b="1" i="1" dirty="0" smtClean="0"/>
+              <a:t> 显示时间稍短</a:t>
+            </a:r>
+            <a:endParaRPr lang="en-US" altLang="zh-CN" sz="2000" b="1" i="1" dirty="0" smtClean="0"/>
+          </a:p>
+          <a:p>
+            <a:pPr marL="0" indent="0">
+              <a:buNone/>
+            </a:pPr>
+            <a:r>
+              <a:rPr lang="en-US" altLang="zh-CN" sz="2000" dirty="0" err="1"/>
+              <a:t>mToast.setGravity</a:t>
+            </a:r>
+            <a:r>
+              <a:rPr lang="en-US" altLang="zh-CN" sz="2000" dirty="0"/>
+              <a:t>(</a:t>
+            </a:r>
+            <a:r>
+              <a:rPr lang="en-US" altLang="zh-CN" sz="2000" dirty="0" err="1"/>
+              <a:t>Gravity.</a:t>
+            </a:r>
+            <a:r>
+              <a:rPr lang="en-US" altLang="zh-CN" sz="2000" i="1" dirty="0" err="1"/>
+              <a:t>CENTER</a:t>
+            </a:r>
+            <a:r>
+              <a:rPr lang="en-US" altLang="zh-CN" sz="2000" i="1" dirty="0"/>
+              <a:t>, 0, 0)</a:t>
+            </a:r>
+            <a:r>
+              <a:rPr lang="en-US" altLang="zh-CN" sz="2000" i="1" dirty="0" smtClean="0"/>
               <a:t>;</a:t>
             </a:r>
-          </a:p>
-          <a:p>
-            <a:r>
-              <a:rPr lang="en-US" altLang="zh-CN" sz="1400" dirty="0"/>
-              <a:t>android.support.v4.app.NotificationCompat.Builder builder = </a:t>
-            </a:r>
-            <a:r>
-              <a:rPr lang="en-US" altLang="zh-CN" sz="1400" b="1" dirty="0"/>
-              <a:t>new </a:t>
-            </a:r>
-            <a:r>
-              <a:rPr lang="en-US" altLang="zh-CN" sz="1400" b="1" dirty="0" err="1"/>
-              <a:t>NotificationCompat.Builder</a:t>
-            </a:r>
-            <a:r>
-              <a:rPr lang="en-US" altLang="zh-CN" sz="1400" b="1" dirty="0"/>
-              <a:t>(</a:t>
-            </a:r>
-            <a:r>
-              <a:rPr lang="en-US" altLang="zh-CN" sz="1400" b="1" dirty="0" err="1"/>
-              <a:t>MainActivity.this</a:t>
-            </a:r>
-            <a:r>
-              <a:rPr lang="en-US" altLang="zh-CN" sz="1400" b="1" dirty="0"/>
-              <a:t>)</a:t>
-            </a:r>
-            <a:r>
-              <a:rPr lang="en-US" altLang="zh-CN" sz="1400" b="1" dirty="0" smtClean="0"/>
-              <a:t>;</a:t>
-            </a:r>
-          </a:p>
-          <a:p>
-            <a:r>
-              <a:rPr lang="en-US" altLang="zh-TW" sz="1400" dirty="0" err="1"/>
-              <a:t>builder.setTicker</a:t>
-            </a:r>
-            <a:r>
-              <a:rPr lang="en-US" altLang="zh-TW" sz="1400" dirty="0" smtClean="0"/>
-              <a:t>(“</a:t>
-            </a:r>
-            <a:r>
-              <a:rPr lang="zh-TW" altLang="en-US" sz="1400" dirty="0" smtClean="0"/>
-              <a:t>雾霾</a:t>
-            </a:r>
-            <a:r>
-              <a:rPr lang="zh-TW" altLang="en-US" sz="1400" dirty="0"/>
-              <a:t>来</a:t>
-            </a:r>
-            <a:r>
-              <a:rPr lang="zh-TW" altLang="en-US" sz="1400" dirty="0" smtClean="0"/>
-              <a:t>了</a:t>
-            </a:r>
-            <a:r>
-              <a:rPr lang="en-US" altLang="zh-TW" sz="1400" dirty="0" smtClean="0"/>
-              <a:t>”)</a:t>
-            </a:r>
-            <a:r>
-              <a:rPr lang="en-US" altLang="zh-TW" sz="1400" dirty="0"/>
-              <a:t>;  /</a:t>
-            </a:r>
-            <a:r>
-              <a:rPr lang="en-US" altLang="zh-TW" sz="1400" dirty="0" smtClean="0"/>
-              <a:t>/</a:t>
-            </a:r>
-            <a:r>
-              <a:rPr lang="en-US" altLang="zh-CN" sz="1400" dirty="0" smtClean="0"/>
-              <a:t>Notification</a:t>
-            </a:r>
-            <a:r>
-              <a:rPr lang="zh-CN" altLang="en-US" sz="1400" dirty="0" smtClean="0"/>
-              <a:t>显示那一刻显示的内容</a:t>
-            </a:r>
-            <a:endParaRPr lang="zh-TW" altLang="en-US" sz="1400" dirty="0"/>
-          </a:p>
-          <a:p>
-            <a:r>
-              <a:rPr lang="en-US" altLang="zh-CN" sz="1400" dirty="0" err="1" smtClean="0"/>
-              <a:t>builder.setContentTitle</a:t>
-            </a:r>
-            <a:r>
-              <a:rPr lang="en-US" altLang="zh-CN" sz="1400" dirty="0" smtClean="0"/>
-              <a:t>(“</a:t>
-            </a:r>
-            <a:r>
-              <a:rPr lang="zh-CN" altLang="en-US" sz="1400" dirty="0" smtClean="0"/>
-              <a:t>注意</a:t>
-            </a:r>
-            <a:r>
-              <a:rPr lang="en-US" altLang="zh-CN" sz="1400" dirty="0" smtClean="0"/>
-              <a:t>”);</a:t>
-            </a:r>
-            <a:r>
-              <a:rPr lang="zh-CN" altLang="en-US" sz="1400" dirty="0" smtClean="0"/>
-              <a:t>  </a:t>
-            </a:r>
-            <a:endParaRPr lang="en-US" altLang="zh-CN" sz="1400" dirty="0"/>
-          </a:p>
-          <a:p>
-            <a:r>
-              <a:rPr lang="en-US" altLang="zh-CN" sz="1400" dirty="0" err="1" smtClean="0"/>
-              <a:t>builder.setContentText</a:t>
-            </a:r>
-            <a:r>
-              <a:rPr lang="en-US" altLang="zh-CN" sz="1400" dirty="0" smtClean="0"/>
-              <a:t>(“</a:t>
-            </a:r>
-            <a:r>
-              <a:rPr lang="zh-CN" altLang="en-US" sz="1400" dirty="0" smtClean="0"/>
-              <a:t>今天是严重雾霾</a:t>
-            </a:r>
-            <a:r>
-              <a:rPr lang="en-US" altLang="zh-CN" sz="1400" dirty="0" smtClean="0"/>
-              <a:t>”);</a:t>
-            </a:r>
-            <a:r>
-              <a:rPr lang="zh-CN" altLang="en-US" sz="1400" dirty="0" smtClean="0"/>
-              <a:t>  </a:t>
-            </a:r>
-            <a:endParaRPr lang="en-US" altLang="zh-CN" sz="1400" dirty="0" smtClean="0"/>
-          </a:p>
-          <a:p>
-            <a:r>
-              <a:rPr lang="en-US" altLang="zh-CN" sz="1400" dirty="0" err="1"/>
-              <a:t>builder.setSmallIcon</a:t>
-            </a:r>
-            <a:r>
-              <a:rPr lang="en-US" altLang="zh-CN" sz="1400" dirty="0"/>
-              <a:t>(</a:t>
-            </a:r>
-            <a:r>
-              <a:rPr lang="en-US" altLang="zh-CN" sz="1400" dirty="0" err="1"/>
-              <a:t>R.drawable.</a:t>
-            </a:r>
-            <a:r>
-              <a:rPr lang="en-US" altLang="zh-CN" sz="1400" i="1" dirty="0" err="1"/>
-              <a:t>ic_launcher</a:t>
-            </a:r>
-            <a:r>
-              <a:rPr lang="en-US" altLang="zh-CN" sz="1400" i="1" dirty="0"/>
-              <a:t>)</a:t>
-            </a:r>
-            <a:r>
-              <a:rPr lang="en-US" altLang="zh-CN" sz="1400" i="1" dirty="0" smtClean="0"/>
-              <a:t>;</a:t>
-            </a:r>
-            <a:r>
-              <a:rPr lang="zh-CN" altLang="en-US" sz="1400" i="1" dirty="0" smtClean="0"/>
-              <a:t> </a:t>
-            </a:r>
-            <a:r>
-              <a:rPr lang="en-US" altLang="zh-CN" sz="1400" i="1" dirty="0" smtClean="0"/>
-              <a:t>//</a:t>
-            </a:r>
-            <a:r>
-              <a:rPr lang="zh-CN" altLang="en-US" sz="1400" i="1" dirty="0" smtClean="0"/>
-              <a:t>图标</a:t>
-            </a:r>
-            <a:endParaRPr lang="en-US" altLang="zh-CN" sz="1400" i="1" dirty="0" smtClean="0"/>
-          </a:p>
-          <a:p>
-            <a:endParaRPr kumimoji="1" lang="en-US" altLang="zh-CN" sz="1400" i="1" dirty="0"/>
-          </a:p>
-          <a:p>
-            <a:r>
-              <a:rPr lang="en-US" altLang="zh-CN" sz="1400" dirty="0"/>
-              <a:t>Notification notification = </a:t>
-            </a:r>
-            <a:r>
-              <a:rPr lang="en-US" altLang="zh-CN" sz="1400" dirty="0" err="1"/>
-              <a:t>builder.build</a:t>
-            </a:r>
-            <a:r>
-              <a:rPr lang="en-US" altLang="zh-CN" sz="1400" dirty="0"/>
-              <a:t>();</a:t>
-            </a:r>
-          </a:p>
-          <a:p>
-            <a:r>
-              <a:rPr lang="en-US" altLang="zh-CN" sz="1400" dirty="0"/>
-              <a:t>		</a:t>
-            </a:r>
-            <a:r>
-              <a:rPr lang="en-US" altLang="zh-CN" sz="1400" dirty="0" err="1"/>
-              <a:t>mNotificationManager.notify</a:t>
-            </a:r>
-            <a:r>
-              <a:rPr lang="en-US" altLang="zh-CN" sz="1400" dirty="0"/>
-              <a:t>(1001, notification);  //</a:t>
-            </a:r>
-            <a:r>
-              <a:rPr lang="zh-CN" altLang="en-US" sz="1400" dirty="0"/>
-              <a:t>如果</a:t>
-            </a:r>
-            <a:r>
-              <a:rPr lang="en-US" altLang="zh-CN" sz="1400" dirty="0"/>
-              <a:t>id</a:t>
-            </a:r>
-            <a:r>
-              <a:rPr lang="zh-CN" altLang="en-US" sz="1400" dirty="0"/>
-              <a:t>一致就</a:t>
-            </a:r>
-            <a:r>
-              <a:rPr lang="zh-CN" altLang="en-US" sz="1400" dirty="0" smtClean="0"/>
-              <a:t>不会重复去显示</a:t>
-            </a:r>
-            <a:r>
-              <a:rPr lang="en-US" altLang="zh-CN" sz="1400" dirty="0" smtClean="0"/>
-              <a:t>,</a:t>
-            </a:r>
-            <a:r>
-              <a:rPr lang="zh-CN" altLang="en-US" sz="1400" dirty="0" smtClean="0"/>
-              <a:t>只会更新内容</a:t>
-            </a:r>
-            <a:endParaRPr lang="en-US" altLang="zh-CN" sz="1400" dirty="0" smtClean="0"/>
-          </a:p>
-          <a:p>
-            <a:r>
-              <a:rPr lang="en-US" altLang="zh-CN" sz="1400" dirty="0" smtClean="0">
-                <a:solidFill>
-                  <a:srgbClr val="000000"/>
-                </a:solidFill>
-                <a:latin typeface="Monaco"/>
-              </a:rPr>
-              <a:t>Notification </a:t>
-            </a:r>
-            <a:r>
-              <a:rPr lang="en-US" altLang="zh-CN" sz="1400" dirty="0">
-                <a:solidFill>
-                  <a:srgbClr val="000000"/>
-                </a:solidFill>
-                <a:latin typeface="Monaco"/>
-              </a:rPr>
-              <a:t>notification = </a:t>
-            </a:r>
-            <a:r>
-              <a:rPr lang="en-US" altLang="zh-CN" sz="1400" dirty="0" err="1">
-                <a:solidFill>
-                  <a:srgbClr val="000000"/>
-                </a:solidFill>
-                <a:latin typeface="Monaco"/>
-              </a:rPr>
-              <a:t>builder.build</a:t>
-            </a:r>
-            <a:r>
-              <a:rPr lang="en-US" altLang="zh-CN" sz="1400" dirty="0">
-                <a:solidFill>
-                  <a:srgbClr val="000000"/>
-                </a:solidFill>
-                <a:latin typeface="Monaco"/>
-              </a:rPr>
-              <a:t>();</a:t>
-            </a:r>
-          </a:p>
-          <a:p>
-            <a:r>
-              <a:rPr lang="en-US" altLang="zh-CN" sz="1400" dirty="0">
-                <a:solidFill>
-                  <a:srgbClr val="000000"/>
-                </a:solidFill>
-                <a:latin typeface="Monaco"/>
-              </a:rPr>
-              <a:t>		</a:t>
-            </a:r>
-            <a:r>
-              <a:rPr lang="en-US" altLang="zh-CN" sz="1400" dirty="0" err="1">
-                <a:solidFill>
-                  <a:srgbClr val="0000C0"/>
-                </a:solidFill>
-                <a:latin typeface="Monaco"/>
-              </a:rPr>
-              <a:t>mNotificationManager</a:t>
-            </a:r>
-            <a:r>
-              <a:rPr lang="en-US" altLang="zh-CN" sz="1400" dirty="0" err="1">
-                <a:solidFill>
-                  <a:srgbClr val="000000"/>
-                </a:solidFill>
-                <a:latin typeface="Monaco"/>
-              </a:rPr>
-              <a:t>.notify</a:t>
-            </a:r>
-            <a:r>
-              <a:rPr lang="en-US" altLang="zh-CN" sz="1400" dirty="0">
-                <a:solidFill>
-                  <a:srgbClr val="000000"/>
-                </a:solidFill>
-                <a:latin typeface="Monaco"/>
-              </a:rPr>
-              <a:t>(1001, notification);  </a:t>
-            </a:r>
-            <a:endParaRPr kumimoji="1" lang="en-US" altLang="zh-CN" sz="1400" dirty="0" smtClean="0"/>
+            <a:r>
+              <a:rPr lang="zh-CN" altLang="en-US" sz="2000" i="1" dirty="0" smtClean="0"/>
+              <a:t> 设置显示位置</a:t>
+            </a:r>
+            <a:endParaRPr lang="en-US" altLang="zh-CN" sz="2000" dirty="0" smtClean="0"/>
+          </a:p>
+          <a:p>
+            <a:pPr marL="0" indent="0">
+              <a:buNone/>
+            </a:pPr>
+            <a:endParaRPr kumimoji="1" lang="zh-CN" altLang="en-US" sz="2000" dirty="0"/>
           </a:p>
         </p:txBody>
       </p:sp>
     </p:spTree>
     <p:extLst>
       <p:ext uri="{BB962C8B-B14F-4D97-AF65-F5344CB8AC3E}">
-        <p14:creationId xmlns:p14="http://schemas.microsoft.com/office/powerpoint/2010/main" val="3497601160"/>
+        <p14:creationId xmlns:p14="http://schemas.microsoft.com/office/powerpoint/2010/main" val="3577500082"/>
       </p:ext>
     </p:extLst>
   </p:cSld>
@@ -32170,35 +32015,424 @@
           </a:p>
         </p:txBody>
       </p:sp>
-      <p:pic>
-        <p:nvPicPr>
-          <p:cNvPr id="4" name="内容占位符 3" descr="notification.png"/>
-          <p:cNvPicPr>
-            <a:picLocks noGrp="1" noChangeAspect="1"/>
-          </p:cNvPicPr>
+      <p:sp>
+        <p:nvSpPr>
+          <p:cNvPr id="3" name="内容占位符 2"/>
+          <p:cNvSpPr>
+            <a:spLocks noGrp="1"/>
+          </p:cNvSpPr>
           <p:nvPr>
             <p:ph idx="1"/>
           </p:nvPr>
-        </p:nvPicPr>
-        <p:blipFill>
-          <a:blip r:embed="rId3">
-            <a:extLst>
-              <a:ext uri="{28A0092B-C50C-407E-A947-70E740481C1C}">
-                <a14:useLocalDpi xmlns:a14="http://schemas.microsoft.com/office/drawing/2010/main" val="0"/>
-              </a:ext>
-            </a:extLst>
-          </a:blip>
-          <a:srcRect t="2414" b="2414"/>
-          <a:stretch>
-            <a:fillRect/>
-          </a:stretch>
-        </p:blipFill>
-        <p:spPr/>
-      </p:pic>
+        </p:nvSpPr>
+        <p:spPr>
+          <a:xfrm>
+            <a:off x="0" y="1572973"/>
+            <a:ext cx="8958053" cy="4525963"/>
+          </a:xfrm>
+        </p:spPr>
+        <p:txBody>
+          <a:bodyPr/>
+          <a:lstStyle/>
+          <a:p>
+            <a:r>
+              <a:rPr kumimoji="1" lang="zh-CN" altLang="en-US" dirty="0" smtClean="0"/>
+              <a:t>什么是</a:t>
+            </a:r>
+            <a:r>
+              <a:rPr kumimoji="1" lang="en-US" altLang="zh-CN" dirty="0" smtClean="0"/>
+              <a:t>Notification</a:t>
+            </a:r>
+          </a:p>
+          <a:p>
+            <a:r>
+              <a:rPr kumimoji="1" lang="en-US" altLang="zh-CN" sz="1400" dirty="0">
+                <a:hlinkClick r:id="rId3"/>
+              </a:rPr>
+              <a:t>http://developer.android.com/guide/topics/ui/notifiers/</a:t>
+            </a:r>
+            <a:r>
+              <a:rPr kumimoji="1" lang="en-US" altLang="zh-CN" sz="1400" dirty="0" smtClean="0">
+                <a:hlinkClick r:id="rId3"/>
+              </a:rPr>
+              <a:t>notifications.html</a:t>
+            </a:r>
+            <a:endParaRPr kumimoji="1" lang="en-US" altLang="zh-CN" sz="1400" dirty="0" smtClean="0"/>
+          </a:p>
+          <a:p>
+            <a:r>
+              <a:rPr kumimoji="1" lang="en-US" altLang="zh-CN" sz="1400" dirty="0" smtClean="0"/>
+              <a:t>Notification</a:t>
+            </a:r>
+            <a:r>
+              <a:rPr kumimoji="1" lang="zh-CN" altLang="en-US" sz="1400" dirty="0"/>
+              <a:t> </a:t>
+            </a:r>
+            <a:r>
+              <a:rPr kumimoji="1" lang="zh-CN" altLang="en-US" sz="1400" dirty="0" smtClean="0"/>
+              <a:t>在下拉状态栏中显示的用于提醒的控件</a:t>
+            </a:r>
+            <a:r>
+              <a:rPr kumimoji="1" lang="en-US" altLang="zh-CN" sz="1400" dirty="0" smtClean="0"/>
+              <a:t>,</a:t>
+            </a:r>
+            <a:r>
+              <a:rPr kumimoji="1" lang="zh-CN" altLang="en-US" sz="1400" dirty="0" smtClean="0"/>
+              <a:t>是属于系统的。</a:t>
+            </a:r>
+            <a:endParaRPr kumimoji="1" lang="en-US" altLang="zh-CN" sz="1400" dirty="0"/>
+          </a:p>
+          <a:p>
+            <a:r>
+              <a:rPr lang="en-US" altLang="zh-CN" sz="1400" dirty="0" err="1" smtClean="0"/>
+              <a:t>NotificationManager</a:t>
+            </a:r>
+            <a:r>
+              <a:rPr lang="zh-CN" altLang="en-US" sz="1400" dirty="0" smtClean="0"/>
+              <a:t> </a:t>
+            </a:r>
+            <a:r>
+              <a:rPr lang="en-US" altLang="zh-CN" sz="1400" dirty="0" err="1" smtClean="0"/>
+              <a:t>mNotificationManager</a:t>
+            </a:r>
+            <a:r>
+              <a:rPr lang="en-US" altLang="zh-CN" sz="1400" dirty="0" smtClean="0"/>
+              <a:t> </a:t>
+            </a:r>
+            <a:r>
+              <a:rPr lang="en-US" altLang="zh-CN" sz="1400" dirty="0"/>
+              <a:t>= (</a:t>
+            </a:r>
+            <a:r>
+              <a:rPr lang="en-US" altLang="zh-CN" sz="1400" dirty="0" err="1"/>
+              <a:t>NotificationManager</a:t>
+            </a:r>
+            <a:r>
+              <a:rPr lang="en-US" altLang="zh-CN" sz="1400" dirty="0"/>
+              <a:t>) </a:t>
+            </a:r>
+            <a:r>
+              <a:rPr lang="en-US" altLang="zh-CN" sz="1400" dirty="0" err="1"/>
+              <a:t>getSystemService</a:t>
+            </a:r>
+            <a:r>
+              <a:rPr lang="en-US" altLang="zh-CN" sz="1400" dirty="0"/>
+              <a:t>(</a:t>
+            </a:r>
+            <a:r>
+              <a:rPr lang="en-US" altLang="zh-CN" sz="1400" dirty="0" err="1"/>
+              <a:t>Context.</a:t>
+            </a:r>
+            <a:r>
+              <a:rPr lang="en-US" altLang="zh-CN" sz="1400" i="1" dirty="0" err="1"/>
+              <a:t>NOTIFICATION_SERVICE</a:t>
+            </a:r>
+            <a:r>
+              <a:rPr lang="en-US" altLang="zh-CN" sz="1400" i="1" dirty="0"/>
+              <a:t>)</a:t>
+            </a:r>
+            <a:r>
+              <a:rPr lang="en-US" altLang="zh-CN" sz="1400" i="1" dirty="0" smtClean="0"/>
+              <a:t>;</a:t>
+            </a:r>
+          </a:p>
+          <a:p>
+            <a:r>
+              <a:rPr lang="en-US" altLang="zh-CN" sz="1400" dirty="0"/>
+              <a:t>android.support.v4.app.NotificationCompat.Builder builder = </a:t>
+            </a:r>
+            <a:r>
+              <a:rPr lang="en-US" altLang="zh-CN" sz="1400" b="1" dirty="0"/>
+              <a:t>new </a:t>
+            </a:r>
+            <a:r>
+              <a:rPr lang="en-US" altLang="zh-CN" sz="1400" b="1" dirty="0" err="1"/>
+              <a:t>NotificationCompat.Builder</a:t>
+            </a:r>
+            <a:r>
+              <a:rPr lang="en-US" altLang="zh-CN" sz="1400" b="1" dirty="0"/>
+              <a:t>(</a:t>
+            </a:r>
+            <a:r>
+              <a:rPr lang="en-US" altLang="zh-CN" sz="1400" b="1" dirty="0" err="1"/>
+              <a:t>MainActivity.this</a:t>
+            </a:r>
+            <a:r>
+              <a:rPr lang="en-US" altLang="zh-CN" sz="1400" b="1" dirty="0"/>
+              <a:t>)</a:t>
+            </a:r>
+            <a:r>
+              <a:rPr lang="en-US" altLang="zh-CN" sz="1400" b="1" dirty="0" smtClean="0"/>
+              <a:t>;</a:t>
+            </a:r>
+          </a:p>
+          <a:p>
+            <a:r>
+              <a:rPr lang="en-US" altLang="zh-TW" sz="1400" dirty="0" err="1"/>
+              <a:t>builder.setTicker</a:t>
+            </a:r>
+            <a:r>
+              <a:rPr lang="en-US" altLang="zh-TW" sz="1400" dirty="0" smtClean="0"/>
+              <a:t>(“</a:t>
+            </a:r>
+            <a:r>
+              <a:rPr lang="zh-TW" altLang="en-US" sz="1400" dirty="0" smtClean="0"/>
+              <a:t>雾霾</a:t>
+            </a:r>
+            <a:r>
+              <a:rPr lang="zh-TW" altLang="en-US" sz="1400" dirty="0"/>
+              <a:t>来</a:t>
+            </a:r>
+            <a:r>
+              <a:rPr lang="zh-TW" altLang="en-US" sz="1400" dirty="0" smtClean="0"/>
+              <a:t>了</a:t>
+            </a:r>
+            <a:r>
+              <a:rPr lang="en-US" altLang="zh-TW" sz="1400" dirty="0" smtClean="0"/>
+              <a:t>”)</a:t>
+            </a:r>
+            <a:r>
+              <a:rPr lang="en-US" altLang="zh-TW" sz="1400" dirty="0"/>
+              <a:t>;  /</a:t>
+            </a:r>
+            <a:r>
+              <a:rPr lang="en-US" altLang="zh-TW" sz="1400" dirty="0" smtClean="0"/>
+              <a:t>/</a:t>
+            </a:r>
+            <a:r>
+              <a:rPr lang="en-US" altLang="zh-CN" sz="1400" dirty="0" smtClean="0"/>
+              <a:t>Notification</a:t>
+            </a:r>
+            <a:r>
+              <a:rPr lang="zh-CN" altLang="en-US" sz="1400" dirty="0" smtClean="0"/>
+              <a:t>显示那一刻显示的内容</a:t>
+            </a:r>
+            <a:endParaRPr lang="zh-TW" altLang="en-US" sz="1400" dirty="0"/>
+          </a:p>
+          <a:p>
+            <a:r>
+              <a:rPr lang="en-US" altLang="zh-CN" sz="1400" dirty="0" err="1" smtClean="0"/>
+              <a:t>builder.setContentTitle</a:t>
+            </a:r>
+            <a:r>
+              <a:rPr lang="en-US" altLang="zh-CN" sz="1400" dirty="0" smtClean="0"/>
+              <a:t>(“</a:t>
+            </a:r>
+            <a:r>
+              <a:rPr lang="zh-CN" altLang="en-US" sz="1400" dirty="0" smtClean="0"/>
+              <a:t>注意</a:t>
+            </a:r>
+            <a:r>
+              <a:rPr lang="en-US" altLang="zh-CN" sz="1400" dirty="0" smtClean="0"/>
+              <a:t>”);</a:t>
+            </a:r>
+            <a:r>
+              <a:rPr lang="zh-CN" altLang="en-US" sz="1400" dirty="0" smtClean="0"/>
+              <a:t>  </a:t>
+            </a:r>
+            <a:endParaRPr lang="en-US" altLang="zh-CN" sz="1400" dirty="0"/>
+          </a:p>
+          <a:p>
+            <a:r>
+              <a:rPr lang="en-US" altLang="zh-CN" sz="1400" dirty="0" err="1" smtClean="0"/>
+              <a:t>builder.setContentText</a:t>
+            </a:r>
+            <a:r>
+              <a:rPr lang="en-US" altLang="zh-CN" sz="1400" dirty="0" smtClean="0"/>
+              <a:t>(“</a:t>
+            </a:r>
+            <a:r>
+              <a:rPr lang="zh-CN" altLang="en-US" sz="1400" dirty="0" smtClean="0"/>
+              <a:t>今天是严重雾霾</a:t>
+            </a:r>
+            <a:r>
+              <a:rPr lang="en-US" altLang="zh-CN" sz="1400" dirty="0" smtClean="0"/>
+              <a:t>”);</a:t>
+            </a:r>
+            <a:r>
+              <a:rPr lang="zh-CN" altLang="en-US" sz="1400" dirty="0" smtClean="0"/>
+              <a:t>  </a:t>
+            </a:r>
+            <a:endParaRPr lang="en-US" altLang="zh-CN" sz="1400" dirty="0" smtClean="0"/>
+          </a:p>
+          <a:p>
+            <a:r>
+              <a:rPr lang="en-US" altLang="zh-CN" sz="1400" dirty="0" err="1"/>
+              <a:t>builder.setSmallIcon</a:t>
+            </a:r>
+            <a:r>
+              <a:rPr lang="en-US" altLang="zh-CN" sz="1400" dirty="0"/>
+              <a:t>(</a:t>
+            </a:r>
+            <a:r>
+              <a:rPr lang="en-US" altLang="zh-CN" sz="1400" dirty="0" err="1"/>
+              <a:t>R.drawable.</a:t>
+            </a:r>
+            <a:r>
+              <a:rPr lang="en-US" altLang="zh-CN" sz="1400" i="1" dirty="0" err="1"/>
+              <a:t>ic_launcher</a:t>
+            </a:r>
+            <a:r>
+              <a:rPr lang="en-US" altLang="zh-CN" sz="1400" i="1" dirty="0"/>
+              <a:t>)</a:t>
+            </a:r>
+            <a:r>
+              <a:rPr lang="en-US" altLang="zh-CN" sz="1400" i="1" dirty="0" smtClean="0"/>
+              <a:t>;</a:t>
+            </a:r>
+            <a:r>
+              <a:rPr lang="zh-CN" altLang="en-US" sz="1400" i="1" dirty="0" smtClean="0"/>
+              <a:t> </a:t>
+            </a:r>
+            <a:r>
+              <a:rPr lang="en-US" altLang="zh-CN" sz="1400" i="1" dirty="0" smtClean="0"/>
+              <a:t>//</a:t>
+            </a:r>
+            <a:r>
+              <a:rPr lang="zh-CN" altLang="en-US" sz="1400" i="1" dirty="0" smtClean="0"/>
+              <a:t>图标</a:t>
+            </a:r>
+            <a:endParaRPr lang="en-US" altLang="zh-CN" sz="1400" i="1" dirty="0" smtClean="0"/>
+          </a:p>
+          <a:p>
+            <a:endParaRPr kumimoji="1" lang="en-US" altLang="zh-CN" sz="1400" i="1" dirty="0"/>
+          </a:p>
+          <a:p>
+            <a:r>
+              <a:rPr lang="en-US" altLang="zh-CN" sz="1400" dirty="0"/>
+              <a:t>Notification notification = </a:t>
+            </a:r>
+            <a:r>
+              <a:rPr lang="en-US" altLang="zh-CN" sz="1400" dirty="0" err="1"/>
+              <a:t>builder.build</a:t>
+            </a:r>
+            <a:r>
+              <a:rPr lang="en-US" altLang="zh-CN" sz="1400" dirty="0"/>
+              <a:t>();</a:t>
+            </a:r>
+          </a:p>
+          <a:p>
+            <a:r>
+              <a:rPr lang="en-US" altLang="zh-CN" sz="1400" dirty="0"/>
+              <a:t>		</a:t>
+            </a:r>
+            <a:r>
+              <a:rPr lang="en-US" altLang="zh-CN" sz="1400" dirty="0" err="1"/>
+              <a:t>mNotificationManager.notify</a:t>
+            </a:r>
+            <a:r>
+              <a:rPr lang="en-US" altLang="zh-CN" sz="1400" dirty="0"/>
+              <a:t>(1001, notification);  //</a:t>
+            </a:r>
+            <a:r>
+              <a:rPr lang="zh-CN" altLang="en-US" sz="1400" dirty="0"/>
+              <a:t>如果</a:t>
+            </a:r>
+            <a:r>
+              <a:rPr lang="en-US" altLang="zh-CN" sz="1400" dirty="0"/>
+              <a:t>id</a:t>
+            </a:r>
+            <a:r>
+              <a:rPr lang="zh-CN" altLang="en-US" sz="1400" dirty="0"/>
+              <a:t>一致就</a:t>
+            </a:r>
+            <a:r>
+              <a:rPr lang="zh-CN" altLang="en-US" sz="1400" dirty="0" smtClean="0"/>
+              <a:t>不会重复去显示</a:t>
+            </a:r>
+            <a:r>
+              <a:rPr lang="en-US" altLang="zh-CN" sz="1400" dirty="0" smtClean="0"/>
+              <a:t>,</a:t>
+            </a:r>
+            <a:r>
+              <a:rPr lang="zh-CN" altLang="en-US" sz="1400" dirty="0" smtClean="0"/>
+              <a:t>只会更新内容</a:t>
+            </a:r>
+            <a:endParaRPr lang="en-US" altLang="zh-CN" sz="1400" dirty="0" smtClean="0"/>
+          </a:p>
+          <a:p>
+            <a:r>
+              <a:rPr lang="en-US" altLang="zh-CN" sz="1400" dirty="0" smtClean="0">
+                <a:solidFill>
+                  <a:srgbClr val="000000"/>
+                </a:solidFill>
+                <a:latin typeface="Monaco"/>
+              </a:rPr>
+              <a:t>Notification </a:t>
+            </a:r>
+            <a:r>
+              <a:rPr lang="en-US" altLang="zh-CN" sz="1400" dirty="0">
+                <a:solidFill>
+                  <a:srgbClr val="000000"/>
+                </a:solidFill>
+                <a:latin typeface="Monaco"/>
+              </a:rPr>
+              <a:t>notification = </a:t>
+            </a:r>
+            <a:r>
+              <a:rPr lang="en-US" altLang="zh-CN" sz="1400" dirty="0" err="1">
+                <a:solidFill>
+                  <a:srgbClr val="000000"/>
+                </a:solidFill>
+                <a:latin typeface="Monaco"/>
+              </a:rPr>
+              <a:t>builder.build</a:t>
+            </a:r>
+            <a:r>
+              <a:rPr lang="en-US" altLang="zh-CN" sz="1400" dirty="0">
+                <a:solidFill>
+                  <a:srgbClr val="000000"/>
+                </a:solidFill>
+                <a:latin typeface="Monaco"/>
+              </a:rPr>
+              <a:t>();</a:t>
+            </a:r>
+          </a:p>
+          <a:p>
+            <a:r>
+              <a:rPr lang="en-US" altLang="zh-CN" sz="1400" dirty="0">
+                <a:solidFill>
+                  <a:srgbClr val="000000"/>
+                </a:solidFill>
+                <a:latin typeface="Monaco"/>
+              </a:rPr>
+              <a:t>		</a:t>
+            </a:r>
+            <a:r>
+              <a:rPr lang="en-US" altLang="zh-CN" sz="1400" dirty="0" err="1">
+                <a:solidFill>
+                  <a:srgbClr val="0000C0"/>
+                </a:solidFill>
+                <a:latin typeface="Monaco"/>
+              </a:rPr>
+              <a:t>mNotificationManager</a:t>
+            </a:r>
+            <a:r>
+              <a:rPr lang="en-US" altLang="zh-CN" sz="1400" dirty="0" err="1">
+                <a:solidFill>
+                  <a:srgbClr val="000000"/>
+                </a:solidFill>
+                <a:latin typeface="Monaco"/>
+              </a:rPr>
+              <a:t>.notify</a:t>
+            </a:r>
+            <a:r>
+              <a:rPr lang="en-US" altLang="zh-CN" sz="1400" dirty="0">
+                <a:solidFill>
+                  <a:srgbClr val="000000"/>
+                </a:solidFill>
+                <a:latin typeface="Monaco"/>
+              </a:rPr>
+              <a:t>(1001, notification);  </a:t>
+            </a:r>
+            <a:endParaRPr kumimoji="1" lang="en-US" altLang="zh-CN" sz="1400" dirty="0" smtClean="0"/>
+          </a:p>
+        </p:txBody>
+      </p:sp>
     </p:spTree>
     <p:extLst>
       <p:ext uri="{BB962C8B-B14F-4D97-AF65-F5344CB8AC3E}">
-        <p14:creationId xmlns:p14="http://schemas.microsoft.com/office/powerpoint/2010/main" val="2317309152"/>
+        <p14:creationId xmlns:p14="http://schemas.microsoft.com/office/powerpoint/2010/main" val="3497601160"/>
       </p:ext>
     </p:extLst>
   </p:cSld>
@@ -32241,227 +32475,42 @@
           <a:lstStyle/>
           <a:p>
             <a:r>
-              <a:rPr kumimoji="1" lang="en-US" altLang="zh-CN" dirty="0" err="1" smtClean="0"/>
-              <a:t>BroadcastReceiver</a:t>
+              <a:rPr kumimoji="1" lang="en-US" altLang="zh-CN" dirty="0" smtClean="0"/>
+              <a:t>Notification</a:t>
             </a:r>
             <a:endParaRPr kumimoji="1" lang="zh-CN" altLang="en-US" dirty="0"/>
           </a:p>
         </p:txBody>
       </p:sp>
-      <p:sp>
-        <p:nvSpPr>
-          <p:cNvPr id="3" name="内容占位符 2"/>
-          <p:cNvSpPr>
-            <a:spLocks noGrp="1"/>
-          </p:cNvSpPr>
+      <p:pic>
+        <p:nvPicPr>
+          <p:cNvPr id="4" name="内容占位符 3" descr="notification.png"/>
+          <p:cNvPicPr>
+            <a:picLocks noGrp="1" noChangeAspect="1"/>
+          </p:cNvPicPr>
           <p:nvPr>
             <p:ph idx="1"/>
           </p:nvPr>
-        </p:nvSpPr>
-        <p:spPr>
-          <a:xfrm>
-            <a:off x="307784" y="1164376"/>
-            <a:ext cx="8229600" cy="5693624"/>
-          </a:xfrm>
-        </p:spPr>
-        <p:txBody>
-          <a:bodyPr>
-            <a:normAutofit/>
-          </a:bodyPr>
-          <a:lstStyle/>
-          <a:p>
-            <a:r>
-              <a:rPr kumimoji="1" lang="en-US" altLang="zh-CN" sz="2400" dirty="0" err="1" smtClean="0"/>
-              <a:t>BroadcastReceiver</a:t>
-            </a:r>
-            <a:r>
-              <a:rPr kumimoji="1" lang="zh-CN" altLang="en-US" sz="2400" dirty="0" smtClean="0"/>
-              <a:t>概述</a:t>
-            </a:r>
-            <a:endParaRPr kumimoji="1" lang="en-US" altLang="zh-CN" sz="2400" dirty="0" smtClean="0"/>
-          </a:p>
-          <a:p>
-            <a:r>
-              <a:rPr kumimoji="1" lang="zh-CN" altLang="en-US" sz="1600" dirty="0" smtClean="0"/>
-              <a:t>是</a:t>
-            </a:r>
-            <a:r>
-              <a:rPr kumimoji="1" lang="en-US" altLang="zh-CN" sz="1600" dirty="0" smtClean="0"/>
-              <a:t>Android</a:t>
-            </a:r>
-            <a:r>
-              <a:rPr kumimoji="1" lang="zh-CN" altLang="en-US" sz="1600" dirty="0" smtClean="0"/>
-              <a:t>系统提供给组件和组件之间进行通信的一种机制，</a:t>
-            </a:r>
-            <a:r>
-              <a:rPr lang="en-US" altLang="zh-CN" sz="1600" dirty="0" err="1"/>
-              <a:t>BroadcastReceiver</a:t>
-            </a:r>
-            <a:r>
-              <a:rPr lang="zh-CN" altLang="en-US" sz="1600" dirty="0"/>
-              <a:t>也就是“广播接收者”的意思，顾名思义，它就是用来接收来自系统和应用中的广</a:t>
-            </a:r>
-            <a:r>
-              <a:rPr lang="zh-CN" altLang="en-US" sz="1600" dirty="0" smtClean="0"/>
-              <a:t>播。</a:t>
-            </a:r>
-            <a:endParaRPr lang="en-US" altLang="zh-CN" sz="1600" dirty="0" smtClean="0"/>
-          </a:p>
-          <a:p>
-            <a:r>
-              <a:rPr kumimoji="1" lang="zh-CN" altLang="en-US" sz="1600" dirty="0" smtClean="0"/>
-              <a:t>在</a:t>
-            </a:r>
-            <a:r>
-              <a:rPr kumimoji="1" lang="en-US" altLang="zh-CN" sz="1600" dirty="0" smtClean="0"/>
-              <a:t>Android</a:t>
-            </a:r>
-            <a:r>
-              <a:rPr kumimoji="1" lang="zh-CN" altLang="en-US" sz="1600" dirty="0" smtClean="0"/>
-              <a:t>系统中，广播体现在很多方面，例如：手机开机完成后系统会产生一条广播，当网络状态发生改变时系统会产生一条广播通知网络状态变化。当电池电量发生改变时也会发出一条广播，用户可以在低电量时告知用户及时保存应用数据，等等。</a:t>
-            </a:r>
-            <a:endParaRPr kumimoji="1" lang="en-US" altLang="zh-CN" sz="1600" dirty="0" smtClean="0"/>
-          </a:p>
-          <a:p>
-            <a:r>
-              <a:rPr lang="en-US" altLang="zh-CN" sz="1600" dirty="0"/>
-              <a:t>Android</a:t>
-            </a:r>
-            <a:r>
-              <a:rPr lang="zh-CN" altLang="en-US" sz="1600" dirty="0"/>
-              <a:t>中的广播机制设计的非常出色，很多事情原本需要开发者亲自操作的，现在只需等待广播告知自己就可以了，大大减少了开发的工作量和开发周期</a:t>
-            </a:r>
-            <a:r>
-              <a:rPr lang="zh-CN" altLang="en-US" sz="1600" dirty="0" smtClean="0"/>
-              <a:t>。</a:t>
-            </a:r>
-            <a:endParaRPr lang="en-US" altLang="zh-CN" sz="1600" dirty="0" smtClean="0"/>
-          </a:p>
-          <a:p>
-            <a:r>
-              <a:rPr kumimoji="1" lang="en-US" altLang="zh-CN" sz="2400" dirty="0" err="1" smtClean="0"/>
-              <a:t>BroadcastReceiver</a:t>
-            </a:r>
-            <a:r>
-              <a:rPr kumimoji="1" lang="zh-CN" altLang="en-US" sz="2400" dirty="0" smtClean="0"/>
-              <a:t>的声明和使用</a:t>
-            </a:r>
-            <a:endParaRPr kumimoji="1" lang="en-US" altLang="zh-CN" sz="2400" dirty="0" smtClean="0"/>
-          </a:p>
-          <a:p>
-            <a:r>
-              <a:rPr lang="en-US" altLang="zh-CN" sz="1600" dirty="0"/>
-              <a:t>1.</a:t>
-            </a:r>
-            <a:r>
-              <a:rPr lang="zh-CN" altLang="en-US" sz="1600" dirty="0"/>
-              <a:t>自定义类继承</a:t>
-            </a:r>
-            <a:r>
-              <a:rPr lang="en-US" altLang="zh-CN" sz="1600" dirty="0" err="1" smtClean="0"/>
-              <a:t>BroadcastReceiver</a:t>
-            </a:r>
-            <a:endParaRPr lang="en-US" altLang="zh-CN" sz="1600" dirty="0" smtClean="0"/>
-          </a:p>
-          <a:p>
-            <a:r>
-              <a:rPr lang="zh-CN" altLang="zh-CN" sz="1600" dirty="0" smtClean="0"/>
-              <a:t>2</a:t>
-            </a:r>
-            <a:r>
-              <a:rPr lang="en-US" altLang="zh-CN" sz="1600" dirty="0" smtClean="0"/>
-              <a:t>.</a:t>
-            </a:r>
-            <a:r>
-              <a:rPr lang="zh-CN" altLang="en-US" sz="1600" dirty="0" smtClean="0"/>
-              <a:t>注册广播</a:t>
-            </a:r>
-            <a:endParaRPr lang="en-US" altLang="zh-CN" sz="1600" dirty="0" smtClean="0"/>
-          </a:p>
-          <a:p>
-            <a:pPr marL="457200" lvl="1" indent="0">
-              <a:buNone/>
-            </a:pPr>
-            <a:r>
-              <a:rPr lang="zh-CN" altLang="zh-CN" sz="1200" dirty="0" smtClean="0"/>
-              <a:t>2</a:t>
-            </a:r>
-            <a:r>
-              <a:rPr lang="en-US" altLang="zh-CN" sz="1200" dirty="0" smtClean="0"/>
-              <a:t>.1</a:t>
-            </a:r>
-            <a:r>
-              <a:rPr lang="zh-CN" altLang="en-US" sz="1200" dirty="0" smtClean="0"/>
-              <a:t>静态注册广播</a:t>
-            </a:r>
-            <a:endParaRPr lang="en-US" altLang="zh-CN" sz="1200" dirty="0" smtClean="0"/>
-          </a:p>
-          <a:p>
-            <a:pPr marL="457200" lvl="1" indent="0">
-              <a:buNone/>
-            </a:pPr>
-            <a:r>
-              <a:rPr lang="zh-CN" altLang="zh-CN" sz="1200" dirty="0" smtClean="0"/>
-              <a:t>2</a:t>
-            </a:r>
-            <a:r>
-              <a:rPr lang="en-US" altLang="zh-CN" sz="1200" dirty="0" smtClean="0"/>
-              <a:t>.2</a:t>
-            </a:r>
-            <a:r>
-              <a:rPr lang="zh-CN" altLang="en-US" sz="1200" dirty="0" smtClean="0"/>
-              <a:t>动态注册广播</a:t>
-            </a:r>
-            <a:endParaRPr lang="en-US" altLang="zh-CN" sz="1200" dirty="0" smtClean="0"/>
-          </a:p>
-          <a:p>
-            <a:pPr marL="457200" lvl="1" indent="0">
-              <a:buNone/>
-            </a:pPr>
-            <a:endParaRPr lang="en-US" altLang="zh-CN" sz="1200" dirty="0" smtClean="0"/>
-          </a:p>
-          <a:p>
-            <a:pPr marL="457200" lvl="1" indent="0">
-              <a:buNone/>
-            </a:pPr>
-            <a:r>
-              <a:rPr lang="zh-CN" altLang="zh-CN" sz="1600" dirty="0" smtClean="0"/>
-              <a:t>3</a:t>
-            </a:r>
-            <a:r>
-              <a:rPr lang="zh-CN" altLang="en-US" sz="1600" dirty="0" smtClean="0"/>
-              <a:t>.发送广播</a:t>
-            </a:r>
-            <a:endParaRPr lang="en-US" altLang="zh-CN" sz="1600" dirty="0" smtClean="0"/>
-          </a:p>
-          <a:p>
-            <a:pPr marL="457200" lvl="1" indent="0">
-              <a:buNone/>
-            </a:pPr>
-            <a:r>
-              <a:rPr lang="en-US" altLang="zh-CN" sz="1600" dirty="0"/>
-              <a:t>	</a:t>
-            </a:r>
-            <a:r>
-              <a:rPr lang="zh-CN" altLang="en-US" sz="1400" dirty="0" smtClean="0"/>
-              <a:t>发送广播 ：显示意图，隐式意图 符合条件的接收者都可以收到广播 </a:t>
-            </a:r>
-            <a:r>
-              <a:rPr lang="en-US" altLang="zh-CN" sz="1400" dirty="0" err="1" smtClean="0"/>
-              <a:t>sendBroadcast</a:t>
-            </a:r>
-            <a:r>
-              <a:rPr lang="zh-CN" altLang="en-US" sz="1400" dirty="0" smtClean="0"/>
-              <a:t>（）</a:t>
-            </a:r>
-            <a:endParaRPr lang="en-US" altLang="zh-CN" sz="1400" dirty="0" smtClean="0"/>
-          </a:p>
-        </p:txBody>
-      </p:sp>
+        </p:nvPicPr>
+        <p:blipFill>
+          <a:blip r:embed="rId3">
+            <a:extLst>
+              <a:ext uri="{28A0092B-C50C-407E-A947-70E740481C1C}">
+                <a14:useLocalDpi xmlns:a14="http://schemas.microsoft.com/office/drawing/2010/main" val="0"/>
+              </a:ext>
+            </a:extLst>
+          </a:blip>
+          <a:srcRect t="2414" b="2414"/>
+          <a:stretch>
+            <a:fillRect/>
+          </a:stretch>
+        </p:blipFill>
+        <p:spPr/>
+      </p:pic>
     </p:spTree>
     <p:extLst>
       <p:ext uri="{BB962C8B-B14F-4D97-AF65-F5344CB8AC3E}">
-        <p14:creationId xmlns:p14="http://schemas.microsoft.com/office/powerpoint/2010/main" val="562362150"/>
+        <p14:creationId xmlns:p14="http://schemas.microsoft.com/office/powerpoint/2010/main" val="2317309152"/>
       </p:ext>
     </p:extLst>
   </p:cSld>
@@ -32504,8 +32553,8 @@
           <a:lstStyle/>
           <a:p>
             <a:r>
-              <a:rPr kumimoji="1" lang="en-US" altLang="zh-CN" dirty="0" smtClean="0"/>
-              <a:t>ANR</a:t>
+              <a:rPr kumimoji="1" lang="en-US" altLang="zh-CN" dirty="0" err="1" smtClean="0"/>
+              <a:t>BroadcastReceiver</a:t>
             </a:r>
             <a:endParaRPr kumimoji="1" lang="zh-CN" altLang="en-US" dirty="0"/>
           </a:p>
@@ -32521,263 +32570,210 @@
             <p:ph idx="1"/>
           </p:nvPr>
         </p:nvSpPr>
-        <p:spPr/>
+        <p:spPr>
+          <a:xfrm>
+            <a:off x="307784" y="1164376"/>
+            <a:ext cx="8229600" cy="5693624"/>
+          </a:xfrm>
+        </p:spPr>
         <p:txBody>
           <a:bodyPr>
-            <a:normAutofit fontScale="55000" lnSpcReduction="20000"/>
+            <a:normAutofit/>
           </a:bodyPr>
           <a:lstStyle/>
           <a:p>
             <a:r>
-              <a:rPr kumimoji="1" lang="zh-TW" altLang="en-US" dirty="0"/>
-              <a:t>一：什么是</a:t>
-            </a:r>
-            <a:r>
-              <a:rPr kumimoji="1" lang="en-US" altLang="zh-TW" dirty="0"/>
-              <a:t>ANR</a:t>
-            </a:r>
-          </a:p>
-          <a:p>
-            <a:r>
-              <a:rPr kumimoji="1" lang="en-US" altLang="zh-TW" dirty="0" err="1"/>
-              <a:t>ANR:Application</a:t>
-            </a:r>
-            <a:r>
-              <a:rPr kumimoji="1" lang="en-US" altLang="zh-TW" dirty="0"/>
-              <a:t> Not Responding</a:t>
-            </a:r>
-            <a:r>
-              <a:rPr kumimoji="1" lang="zh-TW" altLang="en-US" dirty="0"/>
-              <a:t>，即应用无响应</a:t>
-            </a:r>
-          </a:p>
-          <a:p>
-            <a:endParaRPr kumimoji="1" lang="zh-TW" altLang="en-US" dirty="0"/>
-          </a:p>
-          <a:p>
-            <a:r>
-              <a:rPr kumimoji="1" lang="zh-TW" altLang="en-US" dirty="0"/>
-              <a:t>二：</a:t>
-            </a:r>
-            <a:r>
-              <a:rPr kumimoji="1" lang="en-US" altLang="zh-TW" dirty="0"/>
-              <a:t>ANR</a:t>
-            </a:r>
-            <a:r>
-              <a:rPr kumimoji="1" lang="zh-TW" altLang="en-US" dirty="0"/>
-              <a:t>的类型</a:t>
-            </a:r>
-          </a:p>
-          <a:p>
-            <a:r>
-              <a:rPr kumimoji="1" lang="en-US" altLang="zh-TW" dirty="0"/>
-              <a:t>ANR</a:t>
-            </a:r>
-            <a:r>
-              <a:rPr kumimoji="1" lang="zh-TW" altLang="en-US" dirty="0"/>
-              <a:t>一般有三种类型：</a:t>
-            </a:r>
-          </a:p>
-          <a:p>
-            <a:r>
-              <a:rPr kumimoji="1" lang="en-US" altLang="zh-TW" dirty="0"/>
-              <a:t>1</a:t>
-            </a:r>
-            <a:r>
-              <a:rPr kumimoji="1" lang="zh-TW" altLang="en-US" dirty="0"/>
-              <a:t>：</a:t>
-            </a:r>
-            <a:r>
-              <a:rPr kumimoji="1" lang="en-US" altLang="zh-TW" dirty="0" err="1"/>
-              <a:t>KeyDispatchTimeout</a:t>
-            </a:r>
-            <a:r>
-              <a:rPr kumimoji="1" lang="en-US" altLang="zh-TW" dirty="0"/>
-              <a:t>(5 seconds) --</a:t>
-            </a:r>
-            <a:r>
-              <a:rPr kumimoji="1" lang="zh-TW" altLang="en-US" dirty="0"/>
-              <a:t>主要类型</a:t>
-            </a:r>
-          </a:p>
-          <a:p>
-            <a:r>
-              <a:rPr kumimoji="1" lang="zh-TW" altLang="en-US" dirty="0"/>
-              <a:t>按键或触摸事件在特定时间内无响应</a:t>
-            </a:r>
-          </a:p>
-          <a:p>
-            <a:r>
-              <a:rPr kumimoji="1" lang="en-US" altLang="zh-TW" dirty="0"/>
+              <a:rPr kumimoji="1" lang="en-US" altLang="zh-CN" sz="2400" dirty="0" err="1" smtClean="0"/>
+              <a:t>BroadcastReceiver</a:t>
+            </a:r>
+            <a:r>
+              <a:rPr kumimoji="1" lang="zh-CN" altLang="en-US" sz="2400" dirty="0" smtClean="0"/>
+              <a:t>概述</a:t>
+            </a:r>
+            <a:endParaRPr kumimoji="1" lang="en-US" altLang="zh-CN" sz="2400" dirty="0" smtClean="0"/>
+          </a:p>
+          <a:p>
+            <a:r>
+              <a:rPr kumimoji="1" lang="zh-CN" altLang="en-US" sz="1600" dirty="0" smtClean="0"/>
+              <a:t>是</a:t>
+            </a:r>
+            <a:r>
+              <a:rPr kumimoji="1" lang="en-US" altLang="zh-CN" sz="1600" dirty="0" smtClean="0"/>
+              <a:t>Android</a:t>
+            </a:r>
+            <a:r>
+              <a:rPr kumimoji="1" lang="zh-CN" altLang="en-US" sz="1600" dirty="0" smtClean="0"/>
+              <a:t>系统提供给组件和组件之间进行通信的一种机制，</a:t>
+            </a:r>
+            <a:r>
+              <a:rPr lang="en-US" altLang="zh-CN" sz="1600" dirty="0" err="1"/>
+              <a:t>BroadcastReceiver</a:t>
+            </a:r>
+            <a:r>
+              <a:rPr lang="zh-CN" altLang="en-US" sz="1600" dirty="0"/>
+              <a:t>也就是“广播接收者”的意思，顾名思义，它就是用来接收来自系统和应用中的广</a:t>
+            </a:r>
+            <a:r>
+              <a:rPr lang="zh-CN" altLang="en-US" sz="1600" dirty="0" smtClean="0"/>
+              <a:t>播。</a:t>
+            </a:r>
+            <a:endParaRPr lang="en-US" altLang="zh-CN" sz="1600" dirty="0" smtClean="0"/>
+          </a:p>
+          <a:p>
+            <a:r>
+              <a:rPr kumimoji="1" lang="zh-CN" altLang="en-US" sz="1600" dirty="0" smtClean="0"/>
+              <a:t>在</a:t>
+            </a:r>
+            <a:r>
+              <a:rPr kumimoji="1" lang="en-US" altLang="zh-CN" sz="1600" dirty="0" smtClean="0"/>
+              <a:t>Android</a:t>
+            </a:r>
+            <a:r>
+              <a:rPr kumimoji="1" lang="zh-CN" altLang="en-US" sz="1600" dirty="0" smtClean="0"/>
+              <a:t>系统中，广播体现在很多方面，例如：手机开机完成后系统会产生一条广播，当网络状态发生改变时系统会产生一条广播通知网络状态变化。当电池电量发生改变时也会发出一条广播，用户可以在低电量时告知用户及时保存应用数据，等等。</a:t>
+            </a:r>
+            <a:endParaRPr kumimoji="1" lang="en-US" altLang="zh-CN" sz="1600" dirty="0" smtClean="0"/>
+          </a:p>
+          <a:p>
+            <a:r>
+              <a:rPr lang="en-US" altLang="zh-CN" sz="1600" dirty="0"/>
+              <a:t>Android</a:t>
+            </a:r>
+            <a:r>
+              <a:rPr lang="zh-CN" altLang="en-US" sz="1600" dirty="0"/>
+              <a:t>中的广播机制设计的非常出色，很多事情原本需要开发者亲自操作的，现在只需等待广播告知自己就可以了，大大减少了开发的工作量和开发周期</a:t>
+            </a:r>
+            <a:r>
+              <a:rPr lang="zh-CN" altLang="en-US" sz="1600" dirty="0" smtClean="0"/>
+              <a:t>。</a:t>
+            </a:r>
+            <a:endParaRPr lang="en-US" altLang="zh-CN" sz="1600" dirty="0" smtClean="0"/>
+          </a:p>
+          <a:p>
+            <a:r>
+              <a:rPr kumimoji="1" lang="en-US" altLang="zh-CN" sz="2400" dirty="0" err="1" smtClean="0"/>
+              <a:t>BroadcastReceiver</a:t>
+            </a:r>
+            <a:r>
+              <a:rPr kumimoji="1" lang="zh-CN" altLang="en-US" sz="2400" dirty="0" smtClean="0"/>
+              <a:t>的声明和使用</a:t>
+            </a:r>
+            <a:endParaRPr kumimoji="1" lang="en-US" altLang="zh-CN" sz="2400" dirty="0" smtClean="0"/>
+          </a:p>
+          <a:p>
+            <a:r>
+              <a:rPr lang="en-US" altLang="zh-CN" sz="1600" dirty="0"/>
+              <a:t>1.</a:t>
+            </a:r>
+            <a:r>
+              <a:rPr lang="zh-CN" altLang="en-US" sz="1600" dirty="0"/>
+              <a:t>自定义类继承</a:t>
+            </a:r>
+            <a:r>
+              <a:rPr lang="en-US" altLang="zh-CN" sz="1600" dirty="0" err="1" smtClean="0"/>
+              <a:t>BroadcastReceiver</a:t>
+            </a:r>
+            <a:endParaRPr lang="en-US" altLang="zh-CN" sz="1600" dirty="0" smtClean="0"/>
+          </a:p>
+          <a:p>
+            <a:r>
+              <a:rPr lang="zh-CN" altLang="zh-CN" sz="1600" dirty="0" smtClean="0"/>
               <a:t>2</a:t>
             </a:r>
             <a:r>
-              <a:rPr kumimoji="1" lang="zh-TW" altLang="en-US" dirty="0"/>
-              <a:t>：</a:t>
-            </a:r>
-            <a:r>
-              <a:rPr kumimoji="1" lang="en-US" altLang="zh-TW" dirty="0" err="1"/>
-              <a:t>BroadcastTimeout</a:t>
-            </a:r>
-            <a:r>
-              <a:rPr kumimoji="1" lang="en-US" altLang="zh-TW" dirty="0"/>
-              <a:t>(10 seconds)</a:t>
-            </a:r>
-          </a:p>
-          <a:p>
-            <a:r>
-              <a:rPr kumimoji="1" lang="en-US" altLang="zh-TW" dirty="0" err="1"/>
-              <a:t>BroadcastReceiver</a:t>
-            </a:r>
-            <a:r>
-              <a:rPr kumimoji="1" lang="zh-TW" altLang="en-US" dirty="0"/>
-              <a:t>在特定时间内无法处理完成</a:t>
-            </a:r>
-          </a:p>
-          <a:p>
-            <a:r>
-              <a:rPr kumimoji="1" lang="en-US" altLang="zh-TW" dirty="0"/>
+              <a:rPr lang="en-US" altLang="zh-CN" sz="1600" dirty="0" smtClean="0"/>
+              <a:t>.</a:t>
+            </a:r>
+            <a:r>
+              <a:rPr lang="zh-CN" altLang="en-US" sz="1600" dirty="0" smtClean="0"/>
+              <a:t>注册广播</a:t>
+            </a:r>
+            <a:endParaRPr lang="en-US" altLang="zh-CN" sz="1600" dirty="0" smtClean="0"/>
+          </a:p>
+          <a:p>
+            <a:pPr marL="457200" lvl="1" indent="0">
+              <a:buNone/>
+            </a:pPr>
+            <a:r>
+              <a:rPr lang="zh-CN" altLang="zh-CN" sz="1200" dirty="0" smtClean="0"/>
+              <a:t>2</a:t>
+            </a:r>
+            <a:r>
+              <a:rPr lang="en-US" altLang="zh-CN" sz="1200" dirty="0" smtClean="0"/>
+              <a:t>.1</a:t>
+            </a:r>
+            <a:r>
+              <a:rPr lang="zh-CN" altLang="en-US" sz="1200" dirty="0" smtClean="0"/>
+              <a:t>静态注册广播</a:t>
+            </a:r>
+            <a:endParaRPr lang="en-US" altLang="zh-CN" sz="1200" dirty="0" smtClean="0"/>
+          </a:p>
+          <a:p>
+            <a:pPr marL="457200" lvl="1" indent="0">
+              <a:buNone/>
+            </a:pPr>
+            <a:r>
+              <a:rPr lang="zh-CN" altLang="zh-CN" sz="1200" dirty="0" smtClean="0"/>
+              <a:t>2</a:t>
+            </a:r>
+            <a:r>
+              <a:rPr lang="en-US" altLang="zh-CN" sz="1200" dirty="0" smtClean="0"/>
+              <a:t>.2</a:t>
+            </a:r>
+            <a:r>
+              <a:rPr lang="zh-CN" altLang="en-US" sz="1200" dirty="0" smtClean="0"/>
+              <a:t>动态注册广播</a:t>
+            </a:r>
+            <a:endParaRPr lang="en-US" altLang="zh-CN" sz="1200" dirty="0" smtClean="0"/>
+          </a:p>
+          <a:p>
+            <a:pPr marL="457200" lvl="1" indent="0">
+              <a:buNone/>
+            </a:pPr>
+            <a:endParaRPr lang="en-US" altLang="zh-CN" sz="1200" dirty="0" smtClean="0"/>
+          </a:p>
+          <a:p>
+            <a:pPr marL="457200" lvl="1" indent="0">
+              <a:buNone/>
+            </a:pPr>
+            <a:r>
+              <a:rPr lang="zh-CN" altLang="zh-CN" sz="1600" dirty="0" smtClean="0"/>
               <a:t>3</a:t>
             </a:r>
             <a:r>
-              <a:rPr kumimoji="1" lang="zh-TW" altLang="en-US" dirty="0"/>
-              <a:t>：</a:t>
-            </a:r>
-            <a:r>
-              <a:rPr kumimoji="1" lang="en-US" altLang="zh-TW" dirty="0" err="1"/>
-              <a:t>ServiceTimeout</a:t>
-            </a:r>
-            <a:r>
-              <a:rPr kumimoji="1" lang="en-US" altLang="zh-TW" dirty="0"/>
-              <a:t>(20 seconds) --</a:t>
-            </a:r>
-            <a:r>
-              <a:rPr kumimoji="1" lang="zh-TW" altLang="en-US" dirty="0"/>
-              <a:t>小概率类型</a:t>
-            </a:r>
-          </a:p>
-          <a:p>
-            <a:r>
-              <a:rPr kumimoji="1" lang="en-US" altLang="zh-TW" dirty="0"/>
-              <a:t>Service</a:t>
-            </a:r>
-            <a:r>
-              <a:rPr kumimoji="1" lang="zh-TW" altLang="en-US" dirty="0"/>
-              <a:t>在特定的时间内无法处理</a:t>
-            </a:r>
-            <a:r>
-              <a:rPr kumimoji="1" lang="zh-TW" altLang="en-US" dirty="0" smtClean="0"/>
-              <a:t>完成</a:t>
-            </a:r>
-            <a:endParaRPr kumimoji="1" lang="en-US" altLang="zh-TW" dirty="0" smtClean="0"/>
-          </a:p>
-          <a:p>
-            <a:r>
-              <a:rPr kumimoji="1" lang="zh-CN" altLang="en-US" smtClean="0"/>
-              <a:t>三：</a:t>
-            </a:r>
-            <a:r>
-              <a:rPr kumimoji="1" lang="zh-CN" altLang="en-US" dirty="0"/>
-              <a:t>如何避免</a:t>
-            </a:r>
-            <a:r>
-              <a:rPr kumimoji="1" lang="en-US" altLang="zh-CN" dirty="0" err="1"/>
-              <a:t>KeyDispatchTimeout</a:t>
-            </a:r>
-            <a:endParaRPr kumimoji="1" lang="en-US" altLang="zh-CN" dirty="0"/>
-          </a:p>
-          <a:p>
-            <a:r>
-              <a:rPr kumimoji="1" lang="en-US" altLang="zh-CN" dirty="0"/>
-              <a:t>1</a:t>
-            </a:r>
-            <a:r>
-              <a:rPr kumimoji="1" lang="zh-CN" altLang="en-US" dirty="0"/>
-              <a:t>：</a:t>
-            </a:r>
-            <a:r>
-              <a:rPr kumimoji="1" lang="en-US" altLang="zh-CN" dirty="0"/>
-              <a:t>UI</a:t>
-            </a:r>
-            <a:r>
-              <a:rPr kumimoji="1" lang="zh-CN" altLang="en-US" dirty="0"/>
-              <a:t>线程尽量只做跟</a:t>
-            </a:r>
-            <a:r>
-              <a:rPr kumimoji="1" lang="en-US" altLang="zh-CN" dirty="0"/>
-              <a:t>UI</a:t>
-            </a:r>
-            <a:r>
-              <a:rPr kumimoji="1" lang="zh-CN" altLang="en-US" dirty="0"/>
-              <a:t>相关的工作</a:t>
-            </a:r>
-          </a:p>
-          <a:p>
-            <a:r>
-              <a:rPr kumimoji="1" lang="en-US" altLang="zh-CN" dirty="0"/>
-              <a:t>2</a:t>
-            </a:r>
-            <a:r>
-              <a:rPr kumimoji="1" lang="zh-CN" altLang="en-US" dirty="0"/>
-              <a:t>：耗时的工作（比如数据库操作，</a:t>
-            </a:r>
-            <a:r>
-              <a:rPr kumimoji="1" lang="en-US" altLang="zh-CN" dirty="0"/>
-              <a:t>I/O</a:t>
-            </a:r>
-            <a:r>
-              <a:rPr kumimoji="1" lang="zh-CN" altLang="en-US" dirty="0"/>
-              <a:t>，连接网络或者别的有可能阻碍</a:t>
-            </a:r>
-            <a:r>
-              <a:rPr kumimoji="1" lang="en-US" altLang="zh-CN" dirty="0"/>
-              <a:t>UI</a:t>
-            </a:r>
-            <a:r>
-              <a:rPr kumimoji="1" lang="zh-CN" altLang="en-US" dirty="0"/>
-              <a:t>线程的操作）把它放入单独的线程处理</a:t>
-            </a:r>
-          </a:p>
-          <a:p>
-            <a:r>
-              <a:rPr kumimoji="1" lang="en-US" altLang="zh-CN" dirty="0"/>
-              <a:t>3</a:t>
-            </a:r>
-            <a:r>
-              <a:rPr kumimoji="1" lang="zh-CN" altLang="en-US" dirty="0"/>
-              <a:t>：尽量用</a:t>
-            </a:r>
-            <a:r>
-              <a:rPr kumimoji="1" lang="en-US" altLang="zh-CN" dirty="0"/>
-              <a:t>Handler</a:t>
-            </a:r>
-            <a:r>
-              <a:rPr kumimoji="1" lang="zh-CN" altLang="en-US" dirty="0"/>
-              <a:t>来处理</a:t>
-            </a:r>
-            <a:r>
-              <a:rPr kumimoji="1" lang="en-US" altLang="zh-CN" dirty="0" err="1"/>
-              <a:t>UIthread</a:t>
-            </a:r>
-            <a:r>
-              <a:rPr kumimoji="1" lang="zh-CN" altLang="en-US" dirty="0"/>
-              <a:t>和别的</a:t>
-            </a:r>
-            <a:r>
-              <a:rPr kumimoji="1" lang="en-US" altLang="zh-CN" dirty="0"/>
-              <a:t>thread</a:t>
-            </a:r>
-            <a:r>
-              <a:rPr kumimoji="1" lang="zh-CN" altLang="en-US" dirty="0"/>
-              <a:t>之间的交互</a:t>
-            </a:r>
+              <a:rPr lang="zh-CN" altLang="en-US" sz="1600" dirty="0" smtClean="0"/>
+              <a:t>.发送广播</a:t>
+            </a:r>
+            <a:endParaRPr lang="en-US" altLang="zh-CN" sz="1600" dirty="0" smtClean="0"/>
+          </a:p>
+          <a:p>
+            <a:pPr marL="457200" lvl="1" indent="0">
+              <a:buNone/>
+            </a:pPr>
+            <a:r>
+              <a:rPr lang="en-US" altLang="zh-CN" sz="1600" dirty="0"/>
+              <a:t>	</a:t>
+            </a:r>
+            <a:r>
+              <a:rPr lang="zh-CN" altLang="en-US" sz="1400" dirty="0" smtClean="0"/>
+              <a:t>发送广播 ：显示意图，隐式意图 符合条件的接收者都可以收到广播 </a:t>
+            </a:r>
+            <a:r>
+              <a:rPr lang="en-US" altLang="zh-CN" sz="1400" dirty="0" err="1" smtClean="0"/>
+              <a:t>sendBroadcast</a:t>
+            </a:r>
+            <a:r>
+              <a:rPr lang="zh-CN" altLang="en-US" sz="1400" dirty="0" smtClean="0"/>
+              <a:t>（）</a:t>
+            </a:r>
+            <a:endParaRPr lang="en-US" altLang="zh-CN" sz="1400" dirty="0" smtClean="0"/>
           </a:p>
         </p:txBody>
       </p:sp>
     </p:spTree>
     <p:extLst>
       <p:ext uri="{BB962C8B-B14F-4D97-AF65-F5344CB8AC3E}">
-        <p14:creationId xmlns:p14="http://schemas.microsoft.com/office/powerpoint/2010/main" val="3579005995"/>
+        <p14:creationId xmlns:p14="http://schemas.microsoft.com/office/powerpoint/2010/main" val="562362150"/>
       </p:ext>
     </p:extLst>
   </p:cSld>
@@ -33057,6 +33053,322 @@
       </p:par>
     </p:tnLst>
   </p:timing>
+</p:sld>
+</file>
+
+<file path=ppt/slides/slide40.xml><?xml version="1.0" encoding="utf-8"?>
+<p:sld xmlns:a="http://schemas.openxmlformats.org/drawingml/2006/main" xmlns:r="http://schemas.openxmlformats.org/officeDocument/2006/relationships" xmlns:p="http://schemas.openxmlformats.org/presentationml/2006/main">
+  <p:cSld>
+    <p:spTree>
+      <p:nvGrpSpPr>
+        <p:cNvPr id="1" name=""/>
+        <p:cNvGrpSpPr/>
+        <p:nvPr/>
+      </p:nvGrpSpPr>
+      <p:grpSpPr>
+        <a:xfrm>
+          <a:off x="0" y="0"/>
+          <a:ext cx="0" cy="0"/>
+          <a:chOff x="0" y="0"/>
+          <a:chExt cx="0" cy="0"/>
+        </a:xfrm>
+      </p:grpSpPr>
+      <p:sp>
+        <p:nvSpPr>
+          <p:cNvPr id="2" name="标题 1"/>
+          <p:cNvSpPr>
+            <a:spLocks noGrp="1"/>
+          </p:cNvSpPr>
+          <p:nvPr>
+            <p:ph type="title"/>
+          </p:nvPr>
+        </p:nvSpPr>
+        <p:spPr/>
+        <p:txBody>
+          <a:bodyPr/>
+          <a:lstStyle/>
+          <a:p>
+            <a:r>
+              <a:rPr kumimoji="1" lang="en-US" altLang="zh-CN" dirty="0" smtClean="0"/>
+              <a:t>ANR</a:t>
+            </a:r>
+            <a:endParaRPr kumimoji="1" lang="zh-CN" altLang="en-US" dirty="0"/>
+          </a:p>
+        </p:txBody>
+      </p:sp>
+      <p:sp>
+        <p:nvSpPr>
+          <p:cNvPr id="3" name="内容占位符 2"/>
+          <p:cNvSpPr>
+            <a:spLocks noGrp="1"/>
+          </p:cNvSpPr>
+          <p:nvPr>
+            <p:ph idx="1"/>
+          </p:nvPr>
+        </p:nvSpPr>
+        <p:spPr/>
+        <p:txBody>
+          <a:bodyPr>
+            <a:normAutofit fontScale="55000" lnSpcReduction="20000"/>
+          </a:bodyPr>
+          <a:lstStyle/>
+          <a:p>
+            <a:r>
+              <a:rPr kumimoji="1" lang="zh-TW" altLang="en-US" dirty="0"/>
+              <a:t>一：什么是</a:t>
+            </a:r>
+            <a:r>
+              <a:rPr kumimoji="1" lang="en-US" altLang="zh-TW" dirty="0"/>
+              <a:t>ANR</a:t>
+            </a:r>
+          </a:p>
+          <a:p>
+            <a:r>
+              <a:rPr kumimoji="1" lang="en-US" altLang="zh-TW" dirty="0" err="1"/>
+              <a:t>ANR:Application</a:t>
+            </a:r>
+            <a:r>
+              <a:rPr kumimoji="1" lang="en-US" altLang="zh-TW" dirty="0"/>
+              <a:t> Not Responding</a:t>
+            </a:r>
+            <a:r>
+              <a:rPr kumimoji="1" lang="zh-TW" altLang="en-US" dirty="0"/>
+              <a:t>，即应用无响应</a:t>
+            </a:r>
+          </a:p>
+          <a:p>
+            <a:endParaRPr kumimoji="1" lang="zh-TW" altLang="en-US" dirty="0"/>
+          </a:p>
+          <a:p>
+            <a:r>
+              <a:rPr kumimoji="1" lang="zh-TW" altLang="en-US" dirty="0"/>
+              <a:t>二：</a:t>
+            </a:r>
+            <a:r>
+              <a:rPr kumimoji="1" lang="en-US" altLang="zh-TW" dirty="0"/>
+              <a:t>ANR</a:t>
+            </a:r>
+            <a:r>
+              <a:rPr kumimoji="1" lang="zh-TW" altLang="en-US" dirty="0"/>
+              <a:t>的类型</a:t>
+            </a:r>
+          </a:p>
+          <a:p>
+            <a:r>
+              <a:rPr kumimoji="1" lang="en-US" altLang="zh-TW" dirty="0"/>
+              <a:t>ANR</a:t>
+            </a:r>
+            <a:r>
+              <a:rPr kumimoji="1" lang="zh-TW" altLang="en-US" dirty="0"/>
+              <a:t>一般有三种类型：</a:t>
+            </a:r>
+          </a:p>
+          <a:p>
+            <a:r>
+              <a:rPr kumimoji="1" lang="en-US" altLang="zh-TW" dirty="0"/>
+              <a:t>1</a:t>
+            </a:r>
+            <a:r>
+              <a:rPr kumimoji="1" lang="zh-TW" altLang="en-US" dirty="0"/>
+              <a:t>：</a:t>
+            </a:r>
+            <a:r>
+              <a:rPr kumimoji="1" lang="en-US" altLang="zh-TW" dirty="0" err="1"/>
+              <a:t>KeyDispatchTimeout</a:t>
+            </a:r>
+            <a:r>
+              <a:rPr kumimoji="1" lang="en-US" altLang="zh-TW" dirty="0"/>
+              <a:t>(5 seconds) --</a:t>
+            </a:r>
+            <a:r>
+              <a:rPr kumimoji="1" lang="zh-TW" altLang="en-US" dirty="0"/>
+              <a:t>主要类型</a:t>
+            </a:r>
+          </a:p>
+          <a:p>
+            <a:r>
+              <a:rPr kumimoji="1" lang="zh-TW" altLang="en-US" dirty="0"/>
+              <a:t>按键或触摸事件在特定时间内无响应</a:t>
+            </a:r>
+          </a:p>
+          <a:p>
+            <a:r>
+              <a:rPr kumimoji="1" lang="en-US" altLang="zh-TW" dirty="0"/>
+              <a:t>2</a:t>
+            </a:r>
+            <a:r>
+              <a:rPr kumimoji="1" lang="zh-TW" altLang="en-US" dirty="0"/>
+              <a:t>：</a:t>
+            </a:r>
+            <a:r>
+              <a:rPr kumimoji="1" lang="en-US" altLang="zh-TW" dirty="0" err="1"/>
+              <a:t>BroadcastTimeout</a:t>
+            </a:r>
+            <a:r>
+              <a:rPr kumimoji="1" lang="en-US" altLang="zh-TW" dirty="0"/>
+              <a:t>(10 seconds)</a:t>
+            </a:r>
+          </a:p>
+          <a:p>
+            <a:r>
+              <a:rPr kumimoji="1" lang="en-US" altLang="zh-TW" dirty="0" err="1"/>
+              <a:t>BroadcastReceiver</a:t>
+            </a:r>
+            <a:r>
+              <a:rPr kumimoji="1" lang="zh-TW" altLang="en-US" dirty="0"/>
+              <a:t>在特定时间内无法处理完成</a:t>
+            </a:r>
+          </a:p>
+          <a:p>
+            <a:r>
+              <a:rPr kumimoji="1" lang="en-US" altLang="zh-TW" dirty="0"/>
+              <a:t>3</a:t>
+            </a:r>
+            <a:r>
+              <a:rPr kumimoji="1" lang="zh-TW" altLang="en-US" dirty="0"/>
+              <a:t>：</a:t>
+            </a:r>
+            <a:r>
+              <a:rPr kumimoji="1" lang="en-US" altLang="zh-TW" dirty="0" err="1"/>
+              <a:t>ServiceTimeout</a:t>
+            </a:r>
+            <a:r>
+              <a:rPr kumimoji="1" lang="en-US" altLang="zh-TW" dirty="0"/>
+              <a:t>(20 seconds) --</a:t>
+            </a:r>
+            <a:r>
+              <a:rPr kumimoji="1" lang="zh-TW" altLang="en-US" dirty="0"/>
+              <a:t>小概率类型</a:t>
+            </a:r>
+          </a:p>
+          <a:p>
+            <a:r>
+              <a:rPr kumimoji="1" lang="en-US" altLang="zh-TW" dirty="0"/>
+              <a:t>Service</a:t>
+            </a:r>
+            <a:r>
+              <a:rPr kumimoji="1" lang="zh-TW" altLang="en-US" dirty="0"/>
+              <a:t>在特定的时间内无法处理</a:t>
+            </a:r>
+            <a:r>
+              <a:rPr kumimoji="1" lang="zh-TW" altLang="en-US" dirty="0" smtClean="0"/>
+              <a:t>完成</a:t>
+            </a:r>
+            <a:endParaRPr kumimoji="1" lang="en-US" altLang="zh-TW" dirty="0" smtClean="0"/>
+          </a:p>
+          <a:p>
+            <a:r>
+              <a:rPr kumimoji="1" lang="zh-CN" altLang="en-US" smtClean="0"/>
+              <a:t>三：</a:t>
+            </a:r>
+            <a:r>
+              <a:rPr kumimoji="1" lang="zh-CN" altLang="en-US" dirty="0"/>
+              <a:t>如何避免</a:t>
+            </a:r>
+            <a:r>
+              <a:rPr kumimoji="1" lang="en-US" altLang="zh-CN" dirty="0" err="1"/>
+              <a:t>KeyDispatchTimeout</a:t>
+            </a:r>
+            <a:endParaRPr kumimoji="1" lang="en-US" altLang="zh-CN" dirty="0"/>
+          </a:p>
+          <a:p>
+            <a:r>
+              <a:rPr kumimoji="1" lang="en-US" altLang="zh-CN" dirty="0"/>
+              <a:t>1</a:t>
+            </a:r>
+            <a:r>
+              <a:rPr kumimoji="1" lang="zh-CN" altLang="en-US" dirty="0"/>
+              <a:t>：</a:t>
+            </a:r>
+            <a:r>
+              <a:rPr kumimoji="1" lang="en-US" altLang="zh-CN" dirty="0"/>
+              <a:t>UI</a:t>
+            </a:r>
+            <a:r>
+              <a:rPr kumimoji="1" lang="zh-CN" altLang="en-US" dirty="0"/>
+              <a:t>线程尽量只做跟</a:t>
+            </a:r>
+            <a:r>
+              <a:rPr kumimoji="1" lang="en-US" altLang="zh-CN" dirty="0"/>
+              <a:t>UI</a:t>
+            </a:r>
+            <a:r>
+              <a:rPr kumimoji="1" lang="zh-CN" altLang="en-US" dirty="0"/>
+              <a:t>相关的工作</a:t>
+            </a:r>
+          </a:p>
+          <a:p>
+            <a:r>
+              <a:rPr kumimoji="1" lang="en-US" altLang="zh-CN" dirty="0"/>
+              <a:t>2</a:t>
+            </a:r>
+            <a:r>
+              <a:rPr kumimoji="1" lang="zh-CN" altLang="en-US" dirty="0"/>
+              <a:t>：耗时的工作（比如数据库操作，</a:t>
+            </a:r>
+            <a:r>
+              <a:rPr kumimoji="1" lang="en-US" altLang="zh-CN" dirty="0"/>
+              <a:t>I/O</a:t>
+            </a:r>
+            <a:r>
+              <a:rPr kumimoji="1" lang="zh-CN" altLang="en-US" dirty="0"/>
+              <a:t>，连接网络或者别的有可能阻碍</a:t>
+            </a:r>
+            <a:r>
+              <a:rPr kumimoji="1" lang="en-US" altLang="zh-CN" dirty="0"/>
+              <a:t>UI</a:t>
+            </a:r>
+            <a:r>
+              <a:rPr kumimoji="1" lang="zh-CN" altLang="en-US" dirty="0"/>
+              <a:t>线程的操作）把它放入单独的线程处理</a:t>
+            </a:r>
+          </a:p>
+          <a:p>
+            <a:r>
+              <a:rPr kumimoji="1" lang="en-US" altLang="zh-CN" dirty="0"/>
+              <a:t>3</a:t>
+            </a:r>
+            <a:r>
+              <a:rPr kumimoji="1" lang="zh-CN" altLang="en-US" dirty="0"/>
+              <a:t>：尽量用</a:t>
+            </a:r>
+            <a:r>
+              <a:rPr kumimoji="1" lang="en-US" altLang="zh-CN" dirty="0"/>
+              <a:t>Handler</a:t>
+            </a:r>
+            <a:r>
+              <a:rPr kumimoji="1" lang="zh-CN" altLang="en-US" dirty="0"/>
+              <a:t>来处理</a:t>
+            </a:r>
+            <a:r>
+              <a:rPr kumimoji="1" lang="en-US" altLang="zh-CN" dirty="0" err="1"/>
+              <a:t>UIthread</a:t>
+            </a:r>
+            <a:r>
+              <a:rPr kumimoji="1" lang="zh-CN" altLang="en-US" dirty="0"/>
+              <a:t>和别的</a:t>
+            </a:r>
+            <a:r>
+              <a:rPr kumimoji="1" lang="en-US" altLang="zh-CN" dirty="0"/>
+              <a:t>thread</a:t>
+            </a:r>
+            <a:r>
+              <a:rPr kumimoji="1" lang="zh-CN" altLang="en-US" dirty="0"/>
+              <a:t>之间的交互</a:t>
+            </a:r>
+          </a:p>
+        </p:txBody>
+      </p:sp>
+    </p:spTree>
+    <p:extLst>
+      <p:ext uri="{BB962C8B-B14F-4D97-AF65-F5344CB8AC3E}">
+        <p14:creationId xmlns:p14="http://schemas.microsoft.com/office/powerpoint/2010/main" val="3579005995"/>
+      </p:ext>
+    </p:extLst>
+  </p:cSld>
+  <p:clrMapOvr>
+    <a:masterClrMapping/>
+  </p:clrMapOvr>
 </p:sld>
 </file>
 
